--- a/ppt/CSS Flex&Grid.pptx
+++ b/ppt/CSS Flex&Grid.pptx
@@ -6,8 +6,28 @@
   </p:sldMasterIdLst>
   <p:sldIdLst>
     <p:sldId id="256" r:id="rId2"/>
-    <p:sldId id="257" r:id="rId3"/>
-    <p:sldId id="258" r:id="rId4"/>
+    <p:sldId id="259" r:id="rId3"/>
+    <p:sldId id="261" r:id="rId4"/>
+    <p:sldId id="260" r:id="rId5"/>
+    <p:sldId id="262" r:id="rId6"/>
+    <p:sldId id="257" r:id="rId7"/>
+    <p:sldId id="264" r:id="rId8"/>
+    <p:sldId id="265" r:id="rId9"/>
+    <p:sldId id="266" r:id="rId10"/>
+    <p:sldId id="267" r:id="rId11"/>
+    <p:sldId id="268" r:id="rId12"/>
+    <p:sldId id="269" r:id="rId13"/>
+    <p:sldId id="270" r:id="rId14"/>
+    <p:sldId id="271" r:id="rId15"/>
+    <p:sldId id="272" r:id="rId16"/>
+    <p:sldId id="273" r:id="rId17"/>
+    <p:sldId id="274" r:id="rId18"/>
+    <p:sldId id="275" r:id="rId19"/>
+    <p:sldId id="276" r:id="rId20"/>
+    <p:sldId id="277" r:id="rId21"/>
+    <p:sldId id="278" r:id="rId22"/>
+    <p:sldId id="258" r:id="rId23"/>
+    <p:sldId id="263" r:id="rId24"/>
   </p:sldIdLst>
   <p:sldSz cx="12192000" cy="6858000"/>
   <p:notesSz cx="6858000" cy="9144000"/>
@@ -114,6 +134,10 @@
 </p:presentation>
 </file>
 
+<file path=ppt/revisionInfo.xml><?xml version="1.0" encoding="utf-8"?>
+<p1510:revInfo xmlns:a="http://schemas.openxmlformats.org/drawingml/2006/main" xmlns:r="http://schemas.openxmlformats.org/officeDocument/2006/relationships" xmlns:p1510="http://schemas.microsoft.com/office/powerpoint/2015/10/main"/>
+</file>
+
 <file path=ppt/slideLayouts/slideLayout1.xml><?xml version="1.0" encoding="utf-8"?>
 <p:sldLayout xmlns:a="http://schemas.openxmlformats.org/drawingml/2006/main" xmlns:r="http://schemas.openxmlformats.org/officeDocument/2006/relationships" xmlns:p="http://schemas.openxmlformats.org/presentationml/2006/main" type="title" preserve="1">
   <p:cSld name="标题幻灯片">
@@ -173,7 +197,7 @@
           </a:lstStyle>
           <a:p>
             <a:r>
-              <a:rPr lang="zh-CN" altLang="en-US" smtClean="0"/>
+              <a:rPr lang="zh-CN" altLang="en-US"/>
               <a:t>单击此处编辑母版标题样式</a:t>
             </a:r>
             <a:endParaRPr lang="en-US" dirty="0"/>
@@ -303,7 +327,7 @@
           </a:lstStyle>
           <a:p>
             <a:r>
-              <a:rPr lang="zh-CN" altLang="en-US" smtClean="0"/>
+              <a:rPr lang="zh-CN" altLang="en-US"/>
               <a:t>单击此处编辑母版副标题样式</a:t>
             </a:r>
             <a:endParaRPr lang="en-US" dirty="0"/>
@@ -328,7 +352,7 @@
             <a:fld id="{B61BEF0D-F0BB-DE4B-95CE-6DB70DBA9567}" type="datetimeFigureOut">
               <a:rPr lang="en-US" dirty="0"/>
               <a:pPr/>
-              <a:t>9/26/17</a:t>
+              <a:t>9/27/2017</a:t>
             </a:fld>
             <a:endParaRPr lang="en-US" dirty="0"/>
           </a:p>
@@ -429,7 +453,7 @@
           </a:lstStyle>
           <a:p>
             <a:r>
-              <a:rPr lang="zh-CN" altLang="en-US" smtClean="0"/>
+              <a:rPr lang="zh-CN" altLang="en-US"/>
               <a:t>单击此处编辑母版标题样式</a:t>
             </a:r>
             <a:endParaRPr lang="en-US" dirty="0"/>
@@ -524,7 +548,7 @@
           </a:lstStyle>
           <a:p>
             <a:r>
-              <a:rPr lang="zh-CN" altLang="en-US" smtClean="0"/>
+              <a:rPr lang="zh-CN" altLang="en-US"/>
               <a:t>将图片拖动到占位符，或单击添加图标</a:t>
             </a:r>
             <a:endParaRPr lang="en-US" dirty="0"/>
@@ -592,7 +616,7 @@
           <a:p>
             <a:pPr lvl="0"/>
             <a:r>
-              <a:rPr lang="zh-CN" altLang="en-US" smtClean="0"/>
+              <a:rPr lang="zh-CN" altLang="en-US"/>
               <a:t>单击此处编辑母版文本样式</a:t>
             </a:r>
           </a:p>
@@ -616,7 +640,7 @@
             <a:fld id="{B61BEF0D-F0BB-DE4B-95CE-6DB70DBA9567}" type="datetimeFigureOut">
               <a:rPr lang="en-US" dirty="0"/>
               <a:pPr/>
-              <a:t>9/26/17</a:t>
+              <a:t>9/27/2017</a:t>
             </a:fld>
             <a:endParaRPr lang="en-US" dirty="0"/>
           </a:p>
@@ -717,7 +741,7 @@
           </a:lstStyle>
           <a:p>
             <a:r>
-              <a:rPr lang="zh-CN" altLang="en-US" smtClean="0"/>
+              <a:rPr lang="zh-CN" altLang="en-US"/>
               <a:t>单击此处编辑母版标题样式</a:t>
             </a:r>
             <a:endParaRPr lang="en-US" dirty="0"/>
@@ -848,7 +872,7 @@
           <a:p>
             <a:pPr lvl="0"/>
             <a:r>
-              <a:rPr lang="zh-CN" altLang="en-US" smtClean="0"/>
+              <a:rPr lang="zh-CN" altLang="en-US"/>
               <a:t>单击此处编辑母版文本样式</a:t>
             </a:r>
           </a:p>
@@ -872,7 +896,7 @@
             <a:fld id="{B61BEF0D-F0BB-DE4B-95CE-6DB70DBA9567}" type="datetimeFigureOut">
               <a:rPr lang="en-US" dirty="0"/>
               <a:pPr/>
-              <a:t>9/26/17</a:t>
+              <a:t>9/27/2017</a:t>
             </a:fld>
             <a:endParaRPr lang="en-US" dirty="0"/>
           </a:p>
@@ -1207,7 +1231,7 @@
           </a:lstStyle>
           <a:p>
             <a:r>
-              <a:rPr lang="zh-CN" altLang="en-US" smtClean="0"/>
+              <a:rPr lang="zh-CN" altLang="en-US"/>
               <a:t>单击此处编辑母版标题样式</a:t>
             </a:r>
             <a:endParaRPr lang="en-US" dirty="0"/>
@@ -1262,7 +1286,7 @@
           <a:p>
             <a:pPr lvl="0"/>
             <a:r>
-              <a:rPr lang="zh-CN" altLang="en-US" smtClean="0"/>
+              <a:rPr lang="zh-CN" altLang="en-US"/>
               <a:t>单击此处编辑母版文本样式</a:t>
             </a:r>
           </a:p>
@@ -1314,7 +1338,7 @@
               <a:buNone/>
             </a:pPr>
             <a:r>
-              <a:rPr lang="zh-CN" altLang="en-US" smtClean="0"/>
+              <a:rPr lang="zh-CN" altLang="en-US"/>
               <a:t>单击此处编辑母版文本样式</a:t>
             </a:r>
           </a:p>
@@ -1338,7 +1362,7 @@
             <a:fld id="{B61BEF0D-F0BB-DE4B-95CE-6DB70DBA9567}" type="datetimeFigureOut">
               <a:rPr lang="en-US" dirty="0"/>
               <a:pPr/>
-              <a:t>9/26/17</a:t>
+              <a:t>9/27/2017</a:t>
             </a:fld>
             <a:endParaRPr lang="en-US" dirty="0"/>
           </a:p>
@@ -1439,7 +1463,7 @@
           </a:lstStyle>
           <a:p>
             <a:r>
-              <a:rPr lang="zh-CN" altLang="en-US" smtClean="0"/>
+              <a:rPr lang="zh-CN" altLang="en-US"/>
               <a:t>单击此处编辑母版标题样式</a:t>
             </a:r>
             <a:endParaRPr lang="en-US" dirty="0"/>
@@ -1491,7 +1515,7 @@
               <a:buNone/>
             </a:pPr>
             <a:r>
-              <a:rPr lang="zh-CN" altLang="en-US" smtClean="0"/>
+              <a:rPr lang="zh-CN" altLang="en-US"/>
               <a:t>单击此处编辑母版文本样式</a:t>
             </a:r>
           </a:p>
@@ -1515,7 +1539,7 @@
             <a:fld id="{B61BEF0D-F0BB-DE4B-95CE-6DB70DBA9567}" type="datetimeFigureOut">
               <a:rPr lang="en-US" dirty="0"/>
               <a:pPr/>
-              <a:t>9/26/17</a:t>
+              <a:t>9/27/2017</a:t>
             </a:fld>
             <a:endParaRPr lang="en-US" dirty="0"/>
           </a:p>
@@ -1861,7 +1885,7 @@
           </a:lstStyle>
           <a:p>
             <a:r>
-              <a:rPr lang="zh-CN" altLang="en-US" smtClean="0"/>
+              <a:rPr lang="zh-CN" altLang="en-US"/>
               <a:t>单击此处编辑母版标题样式</a:t>
             </a:r>
             <a:endParaRPr lang="en-US" dirty="0"/>
@@ -1934,7 +1958,7 @@
               <a:buNone/>
             </a:pPr>
             <a:r>
-              <a:rPr lang="zh-CN" altLang="en-US" smtClean="0"/>
+              <a:rPr lang="zh-CN" altLang="en-US"/>
               <a:t>单击此处编辑母版文本样式</a:t>
             </a:r>
           </a:p>
@@ -2064,7 +2088,7 @@
           <a:p>
             <a:pPr lvl="0"/>
             <a:r>
-              <a:rPr lang="zh-CN" altLang="en-US" smtClean="0"/>
+              <a:rPr lang="zh-CN" altLang="en-US"/>
               <a:t>单击此处编辑母版文本样式</a:t>
             </a:r>
           </a:p>
@@ -2088,7 +2112,7 @@
             <a:fld id="{B61BEF0D-F0BB-DE4B-95CE-6DB70DBA9567}" type="datetimeFigureOut">
               <a:rPr lang="en-US" dirty="0"/>
               <a:pPr/>
-              <a:t>9/26/17</a:t>
+              <a:t>9/27/2017</a:t>
             </a:fld>
             <a:endParaRPr lang="en-US" dirty="0"/>
           </a:p>
@@ -2190,7 +2214,7 @@
           <a:p>
             <a:pPr marL="0" lvl="0"/>
             <a:r>
-              <a:rPr lang="zh-CN" altLang="en-US" smtClean="0"/>
+              <a:rPr lang="zh-CN" altLang="en-US"/>
               <a:t>单击此处编辑母版标题样式</a:t>
             </a:r>
             <a:endParaRPr lang="en-US" dirty="0"/>
@@ -2263,7 +2287,7 @@
               <a:buNone/>
             </a:pPr>
             <a:r>
-              <a:rPr lang="zh-CN" altLang="en-US" smtClean="0"/>
+              <a:rPr lang="zh-CN" altLang="en-US"/>
               <a:t>单击此处编辑母版文本样式</a:t>
             </a:r>
           </a:p>
@@ -2393,7 +2417,7 @@
           <a:p>
             <a:pPr lvl="0"/>
             <a:r>
-              <a:rPr lang="zh-CN" altLang="en-US" smtClean="0"/>
+              <a:rPr lang="zh-CN" altLang="en-US"/>
               <a:t>单击此处编辑母版文本样式</a:t>
             </a:r>
           </a:p>
@@ -2417,7 +2441,7 @@
             <a:fld id="{B61BEF0D-F0BB-DE4B-95CE-6DB70DBA9567}" type="datetimeFigureOut">
               <a:rPr lang="en-US" dirty="0"/>
               <a:pPr/>
-              <a:t>9/26/17</a:t>
+              <a:t>9/27/2017</a:t>
             </a:fld>
             <a:endParaRPr lang="en-US" dirty="0"/>
           </a:p>
@@ -2512,7 +2536,7 @@
           <a:lstStyle/>
           <a:p>
             <a:r>
-              <a:rPr lang="zh-CN" altLang="en-US" smtClean="0"/>
+              <a:rPr lang="zh-CN" altLang="en-US"/>
               <a:t>单击此处编辑母版标题样式</a:t>
             </a:r>
             <a:endParaRPr lang="en-US" dirty="0"/>
@@ -2536,35 +2560,35 @@
           <a:p>
             <a:pPr lvl="0"/>
             <a:r>
-              <a:rPr lang="zh-CN" altLang="en-US" smtClean="0"/>
+              <a:rPr lang="zh-CN" altLang="en-US"/>
               <a:t>单击此处编辑母版文本样式</a:t>
             </a:r>
           </a:p>
           <a:p>
             <a:pPr lvl="1"/>
             <a:r>
-              <a:rPr lang="zh-CN" altLang="en-US" smtClean="0"/>
+              <a:rPr lang="zh-CN" altLang="en-US"/>
               <a:t>二级</a:t>
             </a:r>
           </a:p>
           <a:p>
             <a:pPr lvl="2"/>
             <a:r>
-              <a:rPr lang="zh-CN" altLang="en-US" smtClean="0"/>
+              <a:rPr lang="zh-CN" altLang="en-US"/>
               <a:t>三级</a:t>
             </a:r>
           </a:p>
           <a:p>
             <a:pPr lvl="3"/>
             <a:r>
-              <a:rPr lang="zh-CN" altLang="en-US" smtClean="0"/>
+              <a:rPr lang="zh-CN" altLang="en-US"/>
               <a:t>四级</a:t>
             </a:r>
           </a:p>
           <a:p>
             <a:pPr lvl="4"/>
             <a:r>
-              <a:rPr lang="zh-CN" altLang="en-US" smtClean="0"/>
+              <a:rPr lang="zh-CN" altLang="en-US"/>
               <a:t>五级</a:t>
             </a:r>
             <a:endParaRPr lang="en-US" dirty="0"/>
@@ -2589,7 +2613,7 @@
             <a:fld id="{B61BEF0D-F0BB-DE4B-95CE-6DB70DBA9567}" type="datetimeFigureOut">
               <a:rPr lang="en-US" dirty="0"/>
               <a:pPr/>
-              <a:t>9/26/17</a:t>
+              <a:t>9/27/2017</a:t>
             </a:fld>
             <a:endParaRPr lang="en-US" dirty="0"/>
           </a:p>
@@ -2684,7 +2708,7 @@
           <a:lstStyle/>
           <a:p>
             <a:r>
-              <a:rPr lang="zh-CN" altLang="en-US" smtClean="0"/>
+              <a:rPr lang="zh-CN" altLang="en-US"/>
               <a:t>单击此处编辑母版标题样式</a:t>
             </a:r>
             <a:endParaRPr lang="en-US" dirty="0"/>
@@ -2713,35 +2737,35 @@
           <a:p>
             <a:pPr lvl="0"/>
             <a:r>
-              <a:rPr lang="zh-CN" altLang="en-US" smtClean="0"/>
+              <a:rPr lang="zh-CN" altLang="en-US"/>
               <a:t>单击此处编辑母版文本样式</a:t>
             </a:r>
           </a:p>
           <a:p>
             <a:pPr lvl="1"/>
             <a:r>
-              <a:rPr lang="zh-CN" altLang="en-US" smtClean="0"/>
+              <a:rPr lang="zh-CN" altLang="en-US"/>
               <a:t>二级</a:t>
             </a:r>
           </a:p>
           <a:p>
             <a:pPr lvl="2"/>
             <a:r>
-              <a:rPr lang="zh-CN" altLang="en-US" smtClean="0"/>
+              <a:rPr lang="zh-CN" altLang="en-US"/>
               <a:t>三级</a:t>
             </a:r>
           </a:p>
           <a:p>
             <a:pPr lvl="3"/>
             <a:r>
-              <a:rPr lang="zh-CN" altLang="en-US" smtClean="0"/>
+              <a:rPr lang="zh-CN" altLang="en-US"/>
               <a:t>四级</a:t>
             </a:r>
           </a:p>
           <a:p>
             <a:pPr lvl="4"/>
             <a:r>
-              <a:rPr lang="zh-CN" altLang="en-US" smtClean="0"/>
+              <a:rPr lang="zh-CN" altLang="en-US"/>
               <a:t>五级</a:t>
             </a:r>
             <a:endParaRPr lang="en-US" dirty="0"/>
@@ -2766,7 +2790,7 @@
             <a:fld id="{B61BEF0D-F0BB-DE4B-95CE-6DB70DBA9567}" type="datetimeFigureOut">
               <a:rPr lang="en-US" dirty="0"/>
               <a:pPr/>
-              <a:t>9/26/17</a:t>
+              <a:t>9/27/2017</a:t>
             </a:fld>
             <a:endParaRPr lang="en-US" dirty="0"/>
           </a:p>
@@ -2856,7 +2880,7 @@
           <a:lstStyle/>
           <a:p>
             <a:r>
-              <a:rPr lang="zh-CN" altLang="en-US" smtClean="0"/>
+              <a:rPr lang="zh-CN" altLang="en-US"/>
               <a:t>单击此处编辑母版标题样式</a:t>
             </a:r>
             <a:endParaRPr lang="en-US" dirty="0"/>
@@ -2880,35 +2904,35 @@
           <a:p>
             <a:pPr lvl="0"/>
             <a:r>
-              <a:rPr lang="zh-CN" altLang="en-US" smtClean="0"/>
+              <a:rPr lang="zh-CN" altLang="en-US"/>
               <a:t>单击此处编辑母版文本样式</a:t>
             </a:r>
           </a:p>
           <a:p>
             <a:pPr lvl="1"/>
             <a:r>
-              <a:rPr lang="zh-CN" altLang="en-US" smtClean="0"/>
+              <a:rPr lang="zh-CN" altLang="en-US"/>
               <a:t>二级</a:t>
             </a:r>
           </a:p>
           <a:p>
             <a:pPr lvl="2"/>
             <a:r>
-              <a:rPr lang="zh-CN" altLang="en-US" smtClean="0"/>
+              <a:rPr lang="zh-CN" altLang="en-US"/>
               <a:t>三级</a:t>
             </a:r>
           </a:p>
           <a:p>
             <a:pPr lvl="3"/>
             <a:r>
-              <a:rPr lang="zh-CN" altLang="en-US" smtClean="0"/>
+              <a:rPr lang="zh-CN" altLang="en-US"/>
               <a:t>四级</a:t>
             </a:r>
           </a:p>
           <a:p>
             <a:pPr lvl="4"/>
             <a:r>
-              <a:rPr lang="zh-CN" altLang="en-US" smtClean="0"/>
+              <a:rPr lang="zh-CN" altLang="en-US"/>
               <a:t>五级</a:t>
             </a:r>
             <a:endParaRPr lang="en-US" dirty="0"/>
@@ -2933,7 +2957,7 @@
             <a:fld id="{B61BEF0D-F0BB-DE4B-95CE-6DB70DBA9567}" type="datetimeFigureOut">
               <a:rPr lang="en-US" dirty="0"/>
               <a:pPr/>
-              <a:t>9/26/17</a:t>
+              <a:t>9/27/2017</a:t>
             </a:fld>
             <a:endParaRPr lang="en-US" dirty="0"/>
           </a:p>
@@ -3032,7 +3056,7 @@
           </a:lstStyle>
           <a:p>
             <a:r>
-              <a:rPr lang="zh-CN" altLang="en-US" smtClean="0"/>
+              <a:rPr lang="zh-CN" altLang="en-US"/>
               <a:t>单击此处编辑母版标题样式</a:t>
             </a:r>
             <a:endParaRPr lang="en-US" dirty="0"/>
@@ -3163,7 +3187,7 @@
           <a:p>
             <a:pPr lvl="0"/>
             <a:r>
-              <a:rPr lang="zh-CN" altLang="en-US" smtClean="0"/>
+              <a:rPr lang="zh-CN" altLang="en-US"/>
               <a:t>单击此处编辑母版文本样式</a:t>
             </a:r>
           </a:p>
@@ -3187,7 +3211,7 @@
             <a:fld id="{B61BEF0D-F0BB-DE4B-95CE-6DB70DBA9567}" type="datetimeFigureOut">
               <a:rPr lang="en-US" dirty="0"/>
               <a:pPr/>
-              <a:t>9/26/17</a:t>
+              <a:t>9/27/2017</a:t>
             </a:fld>
             <a:endParaRPr lang="en-US" dirty="0"/>
           </a:p>
@@ -3277,7 +3301,7 @@
           <a:lstStyle/>
           <a:p>
             <a:r>
-              <a:rPr lang="zh-CN" altLang="en-US" smtClean="0"/>
+              <a:rPr lang="zh-CN" altLang="en-US"/>
               <a:t>单击此处编辑母版标题样式</a:t>
             </a:r>
             <a:endParaRPr lang="en-US" dirty="0"/>
@@ -3336,35 +3360,35 @@
           <a:p>
             <a:pPr lvl="0"/>
             <a:r>
-              <a:rPr lang="zh-CN" altLang="en-US" smtClean="0"/>
+              <a:rPr lang="zh-CN" altLang="en-US"/>
               <a:t>单击此处编辑母版文本样式</a:t>
             </a:r>
           </a:p>
           <a:p>
             <a:pPr lvl="1"/>
             <a:r>
-              <a:rPr lang="zh-CN" altLang="en-US" smtClean="0"/>
+              <a:rPr lang="zh-CN" altLang="en-US"/>
               <a:t>二级</a:t>
             </a:r>
           </a:p>
           <a:p>
             <a:pPr lvl="2"/>
             <a:r>
-              <a:rPr lang="zh-CN" altLang="en-US" smtClean="0"/>
+              <a:rPr lang="zh-CN" altLang="en-US"/>
               <a:t>三级</a:t>
             </a:r>
           </a:p>
           <a:p>
             <a:pPr lvl="3"/>
             <a:r>
-              <a:rPr lang="zh-CN" altLang="en-US" smtClean="0"/>
+              <a:rPr lang="zh-CN" altLang="en-US"/>
               <a:t>四级</a:t>
             </a:r>
           </a:p>
           <a:p>
             <a:pPr lvl="4"/>
             <a:r>
-              <a:rPr lang="zh-CN" altLang="en-US" smtClean="0"/>
+              <a:rPr lang="zh-CN" altLang="en-US"/>
               <a:t>五级</a:t>
             </a:r>
             <a:endParaRPr lang="en-US" dirty="0"/>
@@ -3423,35 +3447,35 @@
           <a:p>
             <a:pPr lvl="0"/>
             <a:r>
-              <a:rPr lang="zh-CN" altLang="en-US" smtClean="0"/>
+              <a:rPr lang="zh-CN" altLang="en-US"/>
               <a:t>单击此处编辑母版文本样式</a:t>
             </a:r>
           </a:p>
           <a:p>
             <a:pPr lvl="1"/>
             <a:r>
-              <a:rPr lang="zh-CN" altLang="en-US" smtClean="0"/>
+              <a:rPr lang="zh-CN" altLang="en-US"/>
               <a:t>二级</a:t>
             </a:r>
           </a:p>
           <a:p>
             <a:pPr lvl="2"/>
             <a:r>
-              <a:rPr lang="zh-CN" altLang="en-US" smtClean="0"/>
+              <a:rPr lang="zh-CN" altLang="en-US"/>
               <a:t>三级</a:t>
             </a:r>
           </a:p>
           <a:p>
             <a:pPr lvl="3"/>
             <a:r>
-              <a:rPr lang="zh-CN" altLang="en-US" smtClean="0"/>
+              <a:rPr lang="zh-CN" altLang="en-US"/>
               <a:t>四级</a:t>
             </a:r>
           </a:p>
           <a:p>
             <a:pPr lvl="4"/>
             <a:r>
-              <a:rPr lang="zh-CN" altLang="en-US" smtClean="0"/>
+              <a:rPr lang="zh-CN" altLang="en-US"/>
               <a:t>五级</a:t>
             </a:r>
             <a:endParaRPr lang="en-US" dirty="0"/>
@@ -3476,7 +3500,7 @@
             <a:fld id="{B61BEF0D-F0BB-DE4B-95CE-6DB70DBA9567}" type="datetimeFigureOut">
               <a:rPr lang="en-US" dirty="0"/>
               <a:pPr/>
-              <a:t>9/26/17</a:t>
+              <a:t>9/27/2017</a:t>
             </a:fld>
             <a:endParaRPr lang="en-US" dirty="0"/>
           </a:p>
@@ -3570,7 +3594,7 @@
           </a:lstStyle>
           <a:p>
             <a:r>
-              <a:rPr lang="zh-CN" altLang="en-US" smtClean="0"/>
+              <a:rPr lang="zh-CN" altLang="en-US"/>
               <a:t>单击此处编辑母版标题样式</a:t>
             </a:r>
             <a:endParaRPr lang="en-US" dirty="0"/>
@@ -3638,7 +3662,7 @@
           <a:p>
             <a:pPr lvl="0"/>
             <a:r>
-              <a:rPr lang="zh-CN" altLang="en-US" smtClean="0"/>
+              <a:rPr lang="zh-CN" altLang="en-US"/>
               <a:t>单击此处编辑母版文本样式</a:t>
             </a:r>
           </a:p>
@@ -3696,35 +3720,35 @@
           <a:p>
             <a:pPr lvl="0"/>
             <a:r>
-              <a:rPr lang="zh-CN" altLang="en-US" smtClean="0"/>
+              <a:rPr lang="zh-CN" altLang="en-US"/>
               <a:t>单击此处编辑母版文本样式</a:t>
             </a:r>
           </a:p>
           <a:p>
             <a:pPr lvl="1"/>
             <a:r>
-              <a:rPr lang="zh-CN" altLang="en-US" smtClean="0"/>
+              <a:rPr lang="zh-CN" altLang="en-US"/>
               <a:t>二级</a:t>
             </a:r>
           </a:p>
           <a:p>
             <a:pPr lvl="2"/>
             <a:r>
-              <a:rPr lang="zh-CN" altLang="en-US" smtClean="0"/>
+              <a:rPr lang="zh-CN" altLang="en-US"/>
               <a:t>三级</a:t>
             </a:r>
           </a:p>
           <a:p>
             <a:pPr lvl="3"/>
             <a:r>
-              <a:rPr lang="zh-CN" altLang="en-US" smtClean="0"/>
+              <a:rPr lang="zh-CN" altLang="en-US"/>
               <a:t>四级</a:t>
             </a:r>
           </a:p>
           <a:p>
             <a:pPr lvl="4"/>
             <a:r>
-              <a:rPr lang="zh-CN" altLang="en-US" smtClean="0"/>
+              <a:rPr lang="zh-CN" altLang="en-US"/>
               <a:t>五级</a:t>
             </a:r>
             <a:endParaRPr lang="en-US" dirty="0"/>
@@ -3792,7 +3816,7 @@
           <a:p>
             <a:pPr lvl="0"/>
             <a:r>
-              <a:rPr lang="zh-CN" altLang="en-US" smtClean="0"/>
+              <a:rPr lang="zh-CN" altLang="en-US"/>
               <a:t>单击此处编辑母版文本样式</a:t>
             </a:r>
           </a:p>
@@ -3850,35 +3874,35 @@
           <a:p>
             <a:pPr lvl="0"/>
             <a:r>
-              <a:rPr lang="zh-CN" altLang="en-US" smtClean="0"/>
+              <a:rPr lang="zh-CN" altLang="en-US"/>
               <a:t>单击此处编辑母版文本样式</a:t>
             </a:r>
           </a:p>
           <a:p>
             <a:pPr lvl="1"/>
             <a:r>
-              <a:rPr lang="zh-CN" altLang="en-US" smtClean="0"/>
+              <a:rPr lang="zh-CN" altLang="en-US"/>
               <a:t>二级</a:t>
             </a:r>
           </a:p>
           <a:p>
             <a:pPr lvl="2"/>
             <a:r>
-              <a:rPr lang="zh-CN" altLang="en-US" smtClean="0"/>
+              <a:rPr lang="zh-CN" altLang="en-US"/>
               <a:t>三级</a:t>
             </a:r>
           </a:p>
           <a:p>
             <a:pPr lvl="3"/>
             <a:r>
-              <a:rPr lang="zh-CN" altLang="en-US" smtClean="0"/>
+              <a:rPr lang="zh-CN" altLang="en-US"/>
               <a:t>四级</a:t>
             </a:r>
           </a:p>
           <a:p>
             <a:pPr lvl="4"/>
             <a:r>
-              <a:rPr lang="zh-CN" altLang="en-US" smtClean="0"/>
+              <a:rPr lang="zh-CN" altLang="en-US"/>
               <a:t>五级</a:t>
             </a:r>
             <a:endParaRPr lang="en-US" dirty="0"/>
@@ -3903,7 +3927,7 @@
             <a:fld id="{B61BEF0D-F0BB-DE4B-95CE-6DB70DBA9567}" type="datetimeFigureOut">
               <a:rPr lang="en-US" dirty="0"/>
               <a:pPr/>
-              <a:t>9/26/17</a:t>
+              <a:t>9/27/2017</a:t>
             </a:fld>
             <a:endParaRPr lang="en-US" dirty="0"/>
           </a:p>
@@ -3993,7 +4017,7 @@
           <a:lstStyle/>
           <a:p>
             <a:r>
-              <a:rPr lang="zh-CN" altLang="en-US" smtClean="0"/>
+              <a:rPr lang="zh-CN" altLang="en-US"/>
               <a:t>单击此处编辑母版标题样式</a:t>
             </a:r>
             <a:endParaRPr lang="en-US" dirty="0"/>
@@ -4018,7 +4042,7 @@
             <a:fld id="{B61BEF0D-F0BB-DE4B-95CE-6DB70DBA9567}" type="datetimeFigureOut">
               <a:rPr lang="en-US" dirty="0"/>
               <a:pPr/>
-              <a:t>9/26/17</a:t>
+              <a:t>9/27/2017</a:t>
             </a:fld>
             <a:endParaRPr lang="en-US" dirty="0"/>
           </a:p>
@@ -4110,7 +4134,7 @@
             <a:fld id="{B61BEF0D-F0BB-DE4B-95CE-6DB70DBA9567}" type="datetimeFigureOut">
               <a:rPr lang="en-US" dirty="0"/>
               <a:pPr/>
-              <a:t>9/26/17</a:t>
+              <a:t>9/27/2017</a:t>
             </a:fld>
             <a:endParaRPr lang="en-US" dirty="0"/>
           </a:p>
@@ -4211,7 +4235,7 @@
           </a:lstStyle>
           <a:p>
             <a:r>
-              <a:rPr lang="zh-CN" altLang="en-US" smtClean="0"/>
+              <a:rPr lang="zh-CN" altLang="en-US"/>
               <a:t>单击此处编辑母版标题样式</a:t>
             </a:r>
             <a:endParaRPr lang="en-US" dirty="0"/>
@@ -4270,35 +4294,35 @@
           <a:p>
             <a:pPr lvl="0"/>
             <a:r>
-              <a:rPr lang="zh-CN" altLang="en-US" smtClean="0"/>
+              <a:rPr lang="zh-CN" altLang="en-US"/>
               <a:t>单击此处编辑母版文本样式</a:t>
             </a:r>
           </a:p>
           <a:p>
             <a:pPr lvl="1"/>
             <a:r>
-              <a:rPr lang="zh-CN" altLang="en-US" smtClean="0"/>
+              <a:rPr lang="zh-CN" altLang="en-US"/>
               <a:t>二级</a:t>
             </a:r>
           </a:p>
           <a:p>
             <a:pPr lvl="2"/>
             <a:r>
-              <a:rPr lang="zh-CN" altLang="en-US" smtClean="0"/>
+              <a:rPr lang="zh-CN" altLang="en-US"/>
               <a:t>三级</a:t>
             </a:r>
           </a:p>
           <a:p>
             <a:pPr lvl="3"/>
             <a:r>
-              <a:rPr lang="zh-CN" altLang="en-US" smtClean="0"/>
+              <a:rPr lang="zh-CN" altLang="en-US"/>
               <a:t>四级</a:t>
             </a:r>
           </a:p>
           <a:p>
             <a:pPr lvl="4"/>
             <a:r>
-              <a:rPr lang="zh-CN" altLang="en-US" smtClean="0"/>
+              <a:rPr lang="zh-CN" altLang="en-US"/>
               <a:t>五级</a:t>
             </a:r>
             <a:endParaRPr lang="en-US" dirty="0"/>
@@ -4366,7 +4390,7 @@
           <a:p>
             <a:pPr lvl="0"/>
             <a:r>
-              <a:rPr lang="zh-CN" altLang="en-US" smtClean="0"/>
+              <a:rPr lang="zh-CN" altLang="en-US"/>
               <a:t>单击此处编辑母版文本样式</a:t>
             </a:r>
           </a:p>
@@ -4390,7 +4414,7 @@
             <a:fld id="{B61BEF0D-F0BB-DE4B-95CE-6DB70DBA9567}" type="datetimeFigureOut">
               <a:rPr lang="en-US" dirty="0"/>
               <a:pPr/>
-              <a:t>9/26/17</a:t>
+              <a:t>9/27/2017</a:t>
             </a:fld>
             <a:endParaRPr lang="en-US" dirty="0"/>
           </a:p>
@@ -4491,7 +4515,7 @@
           </a:lstStyle>
           <a:p>
             <a:r>
-              <a:rPr lang="zh-CN" altLang="en-US" smtClean="0"/>
+              <a:rPr lang="zh-CN" altLang="en-US"/>
               <a:t>单击此处编辑母版标题样式</a:t>
             </a:r>
             <a:endParaRPr lang="en-US" dirty="0"/>
@@ -4581,7 +4605,7 @@
           </a:lstStyle>
           <a:p>
             <a:r>
-              <a:rPr lang="zh-CN" altLang="en-US" smtClean="0"/>
+              <a:rPr lang="zh-CN" altLang="en-US"/>
               <a:t>将图片拖动到占位符，或单击添加图标</a:t>
             </a:r>
             <a:endParaRPr lang="en-US" dirty="0"/>
@@ -4649,7 +4673,7 @@
           <a:p>
             <a:pPr lvl="0"/>
             <a:r>
-              <a:rPr lang="zh-CN" altLang="en-US" smtClean="0"/>
+              <a:rPr lang="zh-CN" altLang="en-US"/>
               <a:t>单击此处编辑母版文本样式</a:t>
             </a:r>
           </a:p>
@@ -4678,7 +4702,7 @@
             <a:fld id="{B61BEF0D-F0BB-DE4B-95CE-6DB70DBA9567}" type="datetimeFigureOut">
               <a:rPr lang="en-US" dirty="0"/>
               <a:pPr/>
-              <a:t>9/26/17</a:t>
+              <a:t>9/27/2017</a:t>
             </a:fld>
             <a:endParaRPr lang="en-US" dirty="0"/>
           </a:p>
@@ -4793,7 +4817,7 @@
           <a:lstStyle/>
           <a:p>
             <a:r>
-              <a:rPr lang="zh-CN" altLang="en-US" smtClean="0"/>
+              <a:rPr lang="zh-CN" altLang="en-US"/>
               <a:t>单击此处编辑母版标题样式</a:t>
             </a:r>
             <a:endParaRPr lang="en-US" dirty="0"/>
@@ -4827,35 +4851,35 @@
           <a:p>
             <a:pPr lvl="0"/>
             <a:r>
-              <a:rPr lang="zh-CN" altLang="en-US" smtClean="0"/>
+              <a:rPr lang="zh-CN" altLang="en-US"/>
               <a:t>单击此处编辑母版文本样式</a:t>
             </a:r>
           </a:p>
           <a:p>
             <a:pPr lvl="1"/>
             <a:r>
-              <a:rPr lang="zh-CN" altLang="en-US" smtClean="0"/>
+              <a:rPr lang="zh-CN" altLang="en-US"/>
               <a:t>二级</a:t>
             </a:r>
           </a:p>
           <a:p>
             <a:pPr lvl="2"/>
             <a:r>
-              <a:rPr lang="zh-CN" altLang="en-US" smtClean="0"/>
+              <a:rPr lang="zh-CN" altLang="en-US"/>
               <a:t>三级</a:t>
             </a:r>
           </a:p>
           <a:p>
             <a:pPr lvl="3"/>
             <a:r>
-              <a:rPr lang="zh-CN" altLang="en-US" smtClean="0"/>
+              <a:rPr lang="zh-CN" altLang="en-US"/>
               <a:t>四级</a:t>
             </a:r>
           </a:p>
           <a:p>
             <a:pPr lvl="4"/>
             <a:r>
-              <a:rPr lang="zh-CN" altLang="en-US" smtClean="0"/>
+              <a:rPr lang="zh-CN" altLang="en-US"/>
               <a:t>五级</a:t>
             </a:r>
             <a:endParaRPr lang="en-US" dirty="0"/>
@@ -4906,7 +4930,7 @@
             <a:fld id="{B61BEF0D-F0BB-DE4B-95CE-6DB70DBA9567}" type="datetimeFigureOut">
               <a:rPr lang="en-US" dirty="0"/>
               <a:pPr/>
-              <a:t>9/26/17</a:t>
+              <a:t>9/27/2017</a:t>
             </a:fld>
             <a:endParaRPr lang="en-US" dirty="0"/>
           </a:p>
@@ -5683,7 +5707,7 @@
         </p:nvSpPr>
         <p:spPr>
           <a:xfrm>
-            <a:off x="1730464" y="1595920"/>
+            <a:off x="1730464" y="800789"/>
             <a:ext cx="8676222" cy="3200400"/>
           </a:xfrm>
         </p:spPr>
@@ -5697,24 +5721,7 @@
               <a:rPr lang="en-US" altLang="zh-CN" sz="9600" dirty="0">
                 <a:effectLst/>
               </a:rPr>
-              <a:t>CSS </a:t>
-            </a:r>
-            <a:r>
-              <a:rPr lang="en-US" altLang="zh-CN" sz="9600" dirty="0" smtClean="0">
-                <a:effectLst/>
-              </a:rPr>
-              <a:t/>
-            </a:r>
-            <a:br>
-              <a:rPr lang="en-US" altLang="zh-CN" sz="9600" dirty="0" smtClean="0">
-                <a:effectLst/>
-              </a:rPr>
-            </a:br>
-            <a:r>
-              <a:rPr lang="en-US" altLang="zh-CN" sz="9600" dirty="0" err="1" smtClean="0">
-                <a:effectLst/>
-              </a:rPr>
-              <a:t>Flex&amp;Grid</a:t>
+              <a:t>Flex &amp; Grid</a:t>
             </a:r>
             <a:endParaRPr kumimoji="1" lang="zh-CN" altLang="en-US" sz="9600" dirty="0"/>
           </a:p>
@@ -5724,6 +5731,1414 @@
     <p:extLst>
       <p:ext uri="{BB962C8B-B14F-4D97-AF65-F5344CB8AC3E}">
         <p14:creationId xmlns:p14="http://schemas.microsoft.com/office/powerpoint/2010/main" val="721113021"/>
+      </p:ext>
+    </p:extLst>
+  </p:cSld>
+  <p:clrMapOvr>
+    <a:masterClrMapping/>
+  </p:clrMapOvr>
+</p:sld>
+</file>
+
+<file path=ppt/slides/slide10.xml><?xml version="1.0" encoding="utf-8"?>
+<p:sld xmlns:a="http://schemas.openxmlformats.org/drawingml/2006/main" xmlns:r="http://schemas.openxmlformats.org/officeDocument/2006/relationships" xmlns:p="http://schemas.openxmlformats.org/presentationml/2006/main">
+  <p:cSld>
+    <p:spTree>
+      <p:nvGrpSpPr>
+        <p:cNvPr id="1" name=""/>
+        <p:cNvGrpSpPr/>
+        <p:nvPr/>
+      </p:nvGrpSpPr>
+      <p:grpSpPr>
+        <a:xfrm>
+          <a:off x="0" y="0"/>
+          <a:ext cx="0" cy="0"/>
+          <a:chOff x="0" y="0"/>
+          <a:chExt cx="0" cy="0"/>
+        </a:xfrm>
+      </p:grpSpPr>
+      <p:sp>
+        <p:nvSpPr>
+          <p:cNvPr id="2" name="标题 1">
+            <a:extLst>
+              <a:ext uri="{FF2B5EF4-FFF2-40B4-BE49-F238E27FC236}">
+                <a16:creationId xmlns:a16="http://schemas.microsoft.com/office/drawing/2014/main" id="{A938CF80-F668-4B65-B009-F9F86A52F090}"/>
+              </a:ext>
+            </a:extLst>
+          </p:cNvPr>
+          <p:cNvSpPr>
+            <a:spLocks noGrp="1"/>
+          </p:cNvSpPr>
+          <p:nvPr>
+            <p:ph type="title"/>
+          </p:nvPr>
+        </p:nvSpPr>
+        <p:spPr/>
+        <p:txBody>
+          <a:bodyPr>
+            <a:normAutofit/>
+          </a:bodyPr>
+          <a:lstStyle/>
+          <a:p>
+            <a:pPr algn="ctr"/>
+            <a:r>
+              <a:rPr lang="zh-CN" altLang="en-US" sz="4000" dirty="0">
+                <a:effectLst/>
+              </a:rPr>
+              <a:t>子项在主轴方向换行方式</a:t>
+            </a:r>
+            <a:endParaRPr lang="zh-CN" altLang="en-US" sz="4000" dirty="0"/>
+          </a:p>
+        </p:txBody>
+      </p:sp>
+      <p:sp>
+        <p:nvSpPr>
+          <p:cNvPr id="4" name="文本框 3">
+            <a:extLst>
+              <a:ext uri="{FF2B5EF4-FFF2-40B4-BE49-F238E27FC236}">
+                <a16:creationId xmlns:a16="http://schemas.microsoft.com/office/drawing/2014/main" id="{21022717-DEE6-4DFE-BEFC-C21B40A54266}"/>
+              </a:ext>
+            </a:extLst>
+          </p:cNvPr>
+          <p:cNvSpPr txBox="1"/>
+          <p:nvPr/>
+        </p:nvSpPr>
+        <p:spPr>
+          <a:xfrm>
+            <a:off x="501994" y="2750592"/>
+            <a:ext cx="11184835" cy="1815882"/>
+          </a:xfrm>
+          <a:prstGeom prst="rect">
+            <a:avLst/>
+          </a:prstGeom>
+          <a:noFill/>
+        </p:spPr>
+        <p:txBody>
+          <a:bodyPr wrap="square" rtlCol="0">
+            <a:spAutoFit/>
+          </a:bodyPr>
+          <a:lstStyle/>
+          <a:p>
+            <a:r>
+              <a:rPr lang="en-US" altLang="zh-CN" sz="2800" dirty="0"/>
+              <a:t>flex-wrap:</a:t>
+            </a:r>
+          </a:p>
+          <a:p>
+            <a:r>
+              <a:rPr lang="en-US" altLang="zh-CN" sz="2800" dirty="0" err="1"/>
+              <a:t>nowrap</a:t>
+            </a:r>
+            <a:r>
+              <a:rPr lang="zh-CN" altLang="en-US" sz="2800" dirty="0"/>
+              <a:t>（默认）：不换行。</a:t>
+            </a:r>
+            <a:endParaRPr lang="en-US" altLang="zh-CN" sz="2800" dirty="0"/>
+          </a:p>
+          <a:p>
+            <a:r>
+              <a:rPr lang="en-US" altLang="zh-CN" sz="2800" dirty="0"/>
+              <a:t>wrap</a:t>
+            </a:r>
+            <a:r>
+              <a:rPr lang="zh-CN" altLang="en-US" sz="2800" dirty="0"/>
+              <a:t>：换行，第一行在上方。</a:t>
+            </a:r>
+            <a:endParaRPr lang="en-US" altLang="zh-CN" sz="2800" dirty="0"/>
+          </a:p>
+          <a:p>
+            <a:r>
+              <a:rPr lang="en-US" altLang="zh-CN" sz="2800" dirty="0"/>
+              <a:t>wrap-reverse</a:t>
+            </a:r>
+            <a:r>
+              <a:rPr lang="zh-CN" altLang="en-US" sz="2800" dirty="0"/>
+              <a:t>：换行，第一行在下方。</a:t>
+            </a:r>
+            <a:endParaRPr lang="en-US" altLang="zh-CN" sz="2800" dirty="0"/>
+          </a:p>
+        </p:txBody>
+      </p:sp>
+    </p:spTree>
+    <p:extLst>
+      <p:ext uri="{BB962C8B-B14F-4D97-AF65-F5344CB8AC3E}">
+        <p14:creationId xmlns:p14="http://schemas.microsoft.com/office/powerpoint/2010/main" val="724069979"/>
+      </p:ext>
+    </p:extLst>
+  </p:cSld>
+  <p:clrMapOvr>
+    <a:masterClrMapping/>
+  </p:clrMapOvr>
+</p:sld>
+</file>
+
+<file path=ppt/slides/slide11.xml><?xml version="1.0" encoding="utf-8"?>
+<p:sld xmlns:a="http://schemas.openxmlformats.org/drawingml/2006/main" xmlns:r="http://schemas.openxmlformats.org/officeDocument/2006/relationships" xmlns:p="http://schemas.openxmlformats.org/presentationml/2006/main">
+  <p:cSld>
+    <p:spTree>
+      <p:nvGrpSpPr>
+        <p:cNvPr id="1" name=""/>
+        <p:cNvGrpSpPr/>
+        <p:nvPr/>
+      </p:nvGrpSpPr>
+      <p:grpSpPr>
+        <a:xfrm>
+          <a:off x="0" y="0"/>
+          <a:ext cx="0" cy="0"/>
+          <a:chOff x="0" y="0"/>
+          <a:chExt cx="0" cy="0"/>
+        </a:xfrm>
+      </p:grpSpPr>
+      <p:sp>
+        <p:nvSpPr>
+          <p:cNvPr id="2" name="标题 1">
+            <a:extLst>
+              <a:ext uri="{FF2B5EF4-FFF2-40B4-BE49-F238E27FC236}">
+                <a16:creationId xmlns:a16="http://schemas.microsoft.com/office/drawing/2014/main" id="{A938CF80-F668-4B65-B009-F9F86A52F090}"/>
+              </a:ext>
+            </a:extLst>
+          </p:cNvPr>
+          <p:cNvSpPr>
+            <a:spLocks noGrp="1"/>
+          </p:cNvSpPr>
+          <p:nvPr>
+            <p:ph type="title"/>
+          </p:nvPr>
+        </p:nvSpPr>
+        <p:spPr/>
+        <p:txBody>
+          <a:bodyPr>
+            <a:normAutofit/>
+          </a:bodyPr>
+          <a:lstStyle/>
+          <a:p>
+            <a:pPr algn="ctr"/>
+            <a:r>
+              <a:rPr lang="zh-CN" altLang="en-US" sz="4000" dirty="0">
+                <a:effectLst/>
+              </a:rPr>
+              <a:t>子项在主轴排列方向和换行简写</a:t>
+            </a:r>
+            <a:endParaRPr lang="zh-CN" altLang="en-US" sz="4000" dirty="0"/>
+          </a:p>
+        </p:txBody>
+      </p:sp>
+      <p:sp>
+        <p:nvSpPr>
+          <p:cNvPr id="4" name="文本框 3">
+            <a:extLst>
+              <a:ext uri="{FF2B5EF4-FFF2-40B4-BE49-F238E27FC236}">
+                <a16:creationId xmlns:a16="http://schemas.microsoft.com/office/drawing/2014/main" id="{21022717-DEE6-4DFE-BEFC-C21B40A54266}"/>
+              </a:ext>
+            </a:extLst>
+          </p:cNvPr>
+          <p:cNvSpPr txBox="1"/>
+          <p:nvPr/>
+        </p:nvSpPr>
+        <p:spPr>
+          <a:xfrm>
+            <a:off x="501994" y="2750592"/>
+            <a:ext cx="11184835" cy="954107"/>
+          </a:xfrm>
+          <a:prstGeom prst="rect">
+            <a:avLst/>
+          </a:prstGeom>
+          <a:noFill/>
+        </p:spPr>
+        <p:txBody>
+          <a:bodyPr wrap="square" rtlCol="0">
+            <a:spAutoFit/>
+          </a:bodyPr>
+          <a:lstStyle/>
+          <a:p>
+            <a:r>
+              <a:rPr lang="en-US" altLang="zh-CN" sz="2800" dirty="0"/>
+              <a:t>flex-flow:</a:t>
+            </a:r>
+          </a:p>
+          <a:p>
+            <a:r>
+              <a:rPr lang="en-US" altLang="zh-CN" sz="2800" dirty="0"/>
+              <a:t>row </a:t>
+            </a:r>
+            <a:r>
+              <a:rPr lang="en-US" altLang="zh-CN" sz="2800" dirty="0" err="1"/>
+              <a:t>nowrap</a:t>
+            </a:r>
+            <a:r>
+              <a:rPr lang="en-US" altLang="zh-CN" sz="2800" dirty="0"/>
+              <a:t> </a:t>
+            </a:r>
+            <a:r>
+              <a:rPr lang="zh-CN" altLang="en-US" sz="2800" dirty="0"/>
+              <a:t>（默认）：主轴水平起点在做左，不换行。</a:t>
+            </a:r>
+            <a:endParaRPr lang="en-US" altLang="zh-CN" sz="2800" dirty="0"/>
+          </a:p>
+        </p:txBody>
+      </p:sp>
+    </p:spTree>
+    <p:extLst>
+      <p:ext uri="{BB962C8B-B14F-4D97-AF65-F5344CB8AC3E}">
+        <p14:creationId xmlns:p14="http://schemas.microsoft.com/office/powerpoint/2010/main" val="1283648978"/>
+      </p:ext>
+    </p:extLst>
+  </p:cSld>
+  <p:clrMapOvr>
+    <a:masterClrMapping/>
+  </p:clrMapOvr>
+</p:sld>
+</file>
+
+<file path=ppt/slides/slide12.xml><?xml version="1.0" encoding="utf-8"?>
+<p:sld xmlns:a="http://schemas.openxmlformats.org/drawingml/2006/main" xmlns:r="http://schemas.openxmlformats.org/officeDocument/2006/relationships" xmlns:p="http://schemas.openxmlformats.org/presentationml/2006/main">
+  <p:cSld>
+    <p:spTree>
+      <p:nvGrpSpPr>
+        <p:cNvPr id="1" name=""/>
+        <p:cNvGrpSpPr/>
+        <p:nvPr/>
+      </p:nvGrpSpPr>
+      <p:grpSpPr>
+        <a:xfrm>
+          <a:off x="0" y="0"/>
+          <a:ext cx="0" cy="0"/>
+          <a:chOff x="0" y="0"/>
+          <a:chExt cx="0" cy="0"/>
+        </a:xfrm>
+      </p:grpSpPr>
+      <p:sp>
+        <p:nvSpPr>
+          <p:cNvPr id="2" name="标题 1">
+            <a:extLst>
+              <a:ext uri="{FF2B5EF4-FFF2-40B4-BE49-F238E27FC236}">
+                <a16:creationId xmlns:a16="http://schemas.microsoft.com/office/drawing/2014/main" id="{A938CF80-F668-4B65-B009-F9F86A52F090}"/>
+              </a:ext>
+            </a:extLst>
+          </p:cNvPr>
+          <p:cNvSpPr>
+            <a:spLocks noGrp="1"/>
+          </p:cNvSpPr>
+          <p:nvPr>
+            <p:ph type="title"/>
+          </p:nvPr>
+        </p:nvSpPr>
+        <p:spPr/>
+        <p:txBody>
+          <a:bodyPr>
+            <a:normAutofit/>
+          </a:bodyPr>
+          <a:lstStyle/>
+          <a:p>
+            <a:pPr algn="ctr"/>
+            <a:r>
+              <a:rPr lang="zh-CN" altLang="en-US" sz="4000" dirty="0">
+                <a:effectLst/>
+              </a:rPr>
+              <a:t>子项在主轴上的对齐方式</a:t>
+            </a:r>
+            <a:endParaRPr lang="zh-CN" altLang="en-US" sz="4000" dirty="0"/>
+          </a:p>
+        </p:txBody>
+      </p:sp>
+      <p:sp>
+        <p:nvSpPr>
+          <p:cNvPr id="4" name="文本框 3">
+            <a:extLst>
+              <a:ext uri="{FF2B5EF4-FFF2-40B4-BE49-F238E27FC236}">
+                <a16:creationId xmlns:a16="http://schemas.microsoft.com/office/drawing/2014/main" id="{21022717-DEE6-4DFE-BEFC-C21B40A54266}"/>
+              </a:ext>
+            </a:extLst>
+          </p:cNvPr>
+          <p:cNvSpPr txBox="1"/>
+          <p:nvPr/>
+        </p:nvSpPr>
+        <p:spPr>
+          <a:xfrm>
+            <a:off x="501994" y="2750592"/>
+            <a:ext cx="11184835" cy="3108543"/>
+          </a:xfrm>
+          <a:prstGeom prst="rect">
+            <a:avLst/>
+          </a:prstGeom>
+          <a:noFill/>
+        </p:spPr>
+        <p:txBody>
+          <a:bodyPr wrap="square" rtlCol="0">
+            <a:spAutoFit/>
+          </a:bodyPr>
+          <a:lstStyle/>
+          <a:p>
+            <a:r>
+              <a:rPr lang="en-US" altLang="zh-CN" sz="2800" dirty="0"/>
+              <a:t>justify-content:</a:t>
+            </a:r>
+          </a:p>
+          <a:p>
+            <a:r>
+              <a:rPr lang="en-US" altLang="zh-CN" sz="2800" dirty="0"/>
+              <a:t>flex-start</a:t>
+            </a:r>
+            <a:r>
+              <a:rPr lang="zh-CN" altLang="en-US" sz="2800" dirty="0"/>
+              <a:t>（默认值）：左对齐。</a:t>
+            </a:r>
+          </a:p>
+          <a:p>
+            <a:r>
+              <a:rPr lang="en-US" altLang="zh-CN" sz="2800" dirty="0"/>
+              <a:t>flex-end</a:t>
+            </a:r>
+            <a:r>
+              <a:rPr lang="zh-CN" altLang="en-US" sz="2800" dirty="0"/>
+              <a:t>：右对齐。</a:t>
+            </a:r>
+          </a:p>
+          <a:p>
+            <a:r>
+              <a:rPr lang="en-US" altLang="zh-CN" sz="2800" dirty="0"/>
+              <a:t>center</a:t>
+            </a:r>
+            <a:r>
+              <a:rPr lang="zh-CN" altLang="en-US" sz="2800" dirty="0"/>
+              <a:t>： 居中。</a:t>
+            </a:r>
+          </a:p>
+          <a:p>
+            <a:r>
+              <a:rPr lang="en-US" altLang="zh-CN" sz="2800" dirty="0"/>
+              <a:t>space-between</a:t>
+            </a:r>
+            <a:r>
+              <a:rPr lang="zh-CN" altLang="en-US" sz="2800" dirty="0"/>
+              <a:t>：两端对齐，项目之间的间隔都相等。</a:t>
+            </a:r>
+          </a:p>
+          <a:p>
+            <a:r>
+              <a:rPr lang="en-US" altLang="zh-CN" sz="2800" dirty="0"/>
+              <a:t>space-around</a:t>
+            </a:r>
+            <a:r>
+              <a:rPr lang="zh-CN" altLang="en-US" sz="2800" dirty="0"/>
+              <a:t>：每个项目两侧的间隔相等。所以，项目之间的间隔比项目与边框的间隔大一倍。</a:t>
+            </a:r>
+            <a:endParaRPr lang="en-US" altLang="zh-CN" sz="2800" dirty="0"/>
+          </a:p>
+        </p:txBody>
+      </p:sp>
+    </p:spTree>
+    <p:extLst>
+      <p:ext uri="{BB962C8B-B14F-4D97-AF65-F5344CB8AC3E}">
+        <p14:creationId xmlns:p14="http://schemas.microsoft.com/office/powerpoint/2010/main" val="2392400947"/>
+      </p:ext>
+    </p:extLst>
+  </p:cSld>
+  <p:clrMapOvr>
+    <a:masterClrMapping/>
+  </p:clrMapOvr>
+</p:sld>
+</file>
+
+<file path=ppt/slides/slide13.xml><?xml version="1.0" encoding="utf-8"?>
+<p:sld xmlns:a="http://schemas.openxmlformats.org/drawingml/2006/main" xmlns:r="http://schemas.openxmlformats.org/officeDocument/2006/relationships" xmlns:p="http://schemas.openxmlformats.org/presentationml/2006/main">
+  <p:cSld>
+    <p:spTree>
+      <p:nvGrpSpPr>
+        <p:cNvPr id="1" name=""/>
+        <p:cNvGrpSpPr/>
+        <p:nvPr/>
+      </p:nvGrpSpPr>
+      <p:grpSpPr>
+        <a:xfrm>
+          <a:off x="0" y="0"/>
+          <a:ext cx="0" cy="0"/>
+          <a:chOff x="0" y="0"/>
+          <a:chExt cx="0" cy="0"/>
+        </a:xfrm>
+      </p:grpSpPr>
+      <p:sp>
+        <p:nvSpPr>
+          <p:cNvPr id="2" name="标题 1">
+            <a:extLst>
+              <a:ext uri="{FF2B5EF4-FFF2-40B4-BE49-F238E27FC236}">
+                <a16:creationId xmlns:a16="http://schemas.microsoft.com/office/drawing/2014/main" id="{A938CF80-F668-4B65-B009-F9F86A52F090}"/>
+              </a:ext>
+            </a:extLst>
+          </p:cNvPr>
+          <p:cNvSpPr>
+            <a:spLocks noGrp="1"/>
+          </p:cNvSpPr>
+          <p:nvPr>
+            <p:ph type="title"/>
+          </p:nvPr>
+        </p:nvSpPr>
+        <p:spPr/>
+        <p:txBody>
+          <a:bodyPr>
+            <a:normAutofit/>
+          </a:bodyPr>
+          <a:lstStyle/>
+          <a:p>
+            <a:pPr algn="ctr"/>
+            <a:r>
+              <a:rPr lang="zh-CN" altLang="en-US" sz="4000" dirty="0">
+                <a:effectLst/>
+              </a:rPr>
+              <a:t>子项在交叉轴上如何对齐</a:t>
+            </a:r>
+            <a:endParaRPr lang="zh-CN" altLang="en-US" sz="4000" dirty="0"/>
+          </a:p>
+        </p:txBody>
+      </p:sp>
+      <p:sp>
+        <p:nvSpPr>
+          <p:cNvPr id="4" name="文本框 3">
+            <a:extLst>
+              <a:ext uri="{FF2B5EF4-FFF2-40B4-BE49-F238E27FC236}">
+                <a16:creationId xmlns:a16="http://schemas.microsoft.com/office/drawing/2014/main" id="{21022717-DEE6-4DFE-BEFC-C21B40A54266}"/>
+              </a:ext>
+            </a:extLst>
+          </p:cNvPr>
+          <p:cNvSpPr txBox="1"/>
+          <p:nvPr/>
+        </p:nvSpPr>
+        <p:spPr>
+          <a:xfrm>
+            <a:off x="501994" y="2750592"/>
+            <a:ext cx="11184835" cy="3108543"/>
+          </a:xfrm>
+          <a:prstGeom prst="rect">
+            <a:avLst/>
+          </a:prstGeom>
+          <a:noFill/>
+        </p:spPr>
+        <p:txBody>
+          <a:bodyPr wrap="square" rtlCol="0">
+            <a:spAutoFit/>
+          </a:bodyPr>
+          <a:lstStyle/>
+          <a:p>
+            <a:r>
+              <a:rPr lang="en-US" altLang="zh-CN" sz="2800" dirty="0"/>
+              <a:t>align-items:</a:t>
+            </a:r>
+          </a:p>
+          <a:p>
+            <a:r>
+              <a:rPr lang="en-US" altLang="zh-CN" sz="2800" dirty="0"/>
+              <a:t>flex-start</a:t>
+            </a:r>
+            <a:r>
+              <a:rPr lang="zh-CN" altLang="en-US" sz="2800" dirty="0"/>
+              <a:t>：交叉轴的起点对齐。</a:t>
+            </a:r>
+          </a:p>
+          <a:p>
+            <a:r>
+              <a:rPr lang="en-US" altLang="zh-CN" sz="2800" dirty="0"/>
+              <a:t>flex-end</a:t>
+            </a:r>
+            <a:r>
+              <a:rPr lang="zh-CN" altLang="en-US" sz="2800" dirty="0"/>
+              <a:t>：交叉轴的终点对齐。</a:t>
+            </a:r>
+          </a:p>
+          <a:p>
+            <a:r>
+              <a:rPr lang="en-US" altLang="zh-CN" sz="2800" dirty="0"/>
+              <a:t>center</a:t>
+            </a:r>
+            <a:r>
+              <a:rPr lang="zh-CN" altLang="en-US" sz="2800" dirty="0"/>
+              <a:t>：交叉轴的中点对齐。</a:t>
+            </a:r>
+          </a:p>
+          <a:p>
+            <a:r>
+              <a:rPr lang="en-US" altLang="zh-CN" sz="2800" dirty="0"/>
+              <a:t>baseline: </a:t>
+            </a:r>
+            <a:r>
+              <a:rPr lang="zh-CN" altLang="en-US" sz="2800" dirty="0"/>
+              <a:t>项目的第一行文字的基线对齐。</a:t>
+            </a:r>
+          </a:p>
+          <a:p>
+            <a:r>
+              <a:rPr lang="en-US" altLang="zh-CN" sz="2800" dirty="0"/>
+              <a:t>stretch</a:t>
+            </a:r>
+            <a:r>
+              <a:rPr lang="zh-CN" altLang="en-US" sz="2800" dirty="0"/>
+              <a:t>（默认值）：如果项目未设置高度或设为</a:t>
+            </a:r>
+            <a:r>
+              <a:rPr lang="en-US" altLang="zh-CN" sz="2800" dirty="0"/>
+              <a:t>auto</a:t>
+            </a:r>
+            <a:r>
+              <a:rPr lang="zh-CN" altLang="en-US" sz="2800" dirty="0"/>
+              <a:t>，将占满整个容器的高度。</a:t>
+            </a:r>
+            <a:endParaRPr lang="en-US" altLang="zh-CN" sz="2800" dirty="0"/>
+          </a:p>
+        </p:txBody>
+      </p:sp>
+    </p:spTree>
+    <p:extLst>
+      <p:ext uri="{BB962C8B-B14F-4D97-AF65-F5344CB8AC3E}">
+        <p14:creationId xmlns:p14="http://schemas.microsoft.com/office/powerpoint/2010/main" val="3840270510"/>
+      </p:ext>
+    </p:extLst>
+  </p:cSld>
+  <p:clrMapOvr>
+    <a:masterClrMapping/>
+  </p:clrMapOvr>
+</p:sld>
+</file>
+
+<file path=ppt/slides/slide14.xml><?xml version="1.0" encoding="utf-8"?>
+<p:sld xmlns:a="http://schemas.openxmlformats.org/drawingml/2006/main" xmlns:r="http://schemas.openxmlformats.org/officeDocument/2006/relationships" xmlns:p="http://schemas.openxmlformats.org/presentationml/2006/main">
+  <p:cSld>
+    <p:spTree>
+      <p:nvGrpSpPr>
+        <p:cNvPr id="1" name=""/>
+        <p:cNvGrpSpPr/>
+        <p:nvPr/>
+      </p:nvGrpSpPr>
+      <p:grpSpPr>
+        <a:xfrm>
+          <a:off x="0" y="0"/>
+          <a:ext cx="0" cy="0"/>
+          <a:chOff x="0" y="0"/>
+          <a:chExt cx="0" cy="0"/>
+        </a:xfrm>
+      </p:grpSpPr>
+      <p:sp>
+        <p:nvSpPr>
+          <p:cNvPr id="2" name="标题 1">
+            <a:extLst>
+              <a:ext uri="{FF2B5EF4-FFF2-40B4-BE49-F238E27FC236}">
+                <a16:creationId xmlns:a16="http://schemas.microsoft.com/office/drawing/2014/main" id="{A938CF80-F668-4B65-B009-F9F86A52F090}"/>
+              </a:ext>
+            </a:extLst>
+          </p:cNvPr>
+          <p:cNvSpPr>
+            <a:spLocks noGrp="1"/>
+          </p:cNvSpPr>
+          <p:nvPr>
+            <p:ph type="title"/>
+          </p:nvPr>
+        </p:nvSpPr>
+        <p:spPr/>
+        <p:txBody>
+          <a:bodyPr>
+            <a:normAutofit/>
+          </a:bodyPr>
+          <a:lstStyle/>
+          <a:p>
+            <a:pPr algn="ctr"/>
+            <a:r>
+              <a:rPr lang="zh-CN" altLang="en-US" sz="4000" dirty="0">
+                <a:effectLst/>
+              </a:rPr>
+              <a:t>多根轴线的对齐方式</a:t>
+            </a:r>
+            <a:endParaRPr lang="zh-CN" altLang="en-US" sz="4000" dirty="0"/>
+          </a:p>
+        </p:txBody>
+      </p:sp>
+      <p:sp>
+        <p:nvSpPr>
+          <p:cNvPr id="4" name="文本框 3">
+            <a:extLst>
+              <a:ext uri="{FF2B5EF4-FFF2-40B4-BE49-F238E27FC236}">
+                <a16:creationId xmlns:a16="http://schemas.microsoft.com/office/drawing/2014/main" id="{21022717-DEE6-4DFE-BEFC-C21B40A54266}"/>
+              </a:ext>
+            </a:extLst>
+          </p:cNvPr>
+          <p:cNvSpPr txBox="1"/>
+          <p:nvPr/>
+        </p:nvSpPr>
+        <p:spPr>
+          <a:xfrm>
+            <a:off x="501994" y="2750592"/>
+            <a:ext cx="11184835" cy="3539430"/>
+          </a:xfrm>
+          <a:prstGeom prst="rect">
+            <a:avLst/>
+          </a:prstGeom>
+          <a:noFill/>
+        </p:spPr>
+        <p:txBody>
+          <a:bodyPr wrap="square" rtlCol="0">
+            <a:spAutoFit/>
+          </a:bodyPr>
+          <a:lstStyle/>
+          <a:p>
+            <a:r>
+              <a:rPr lang="en-US" altLang="zh-CN" sz="2800" dirty="0"/>
+              <a:t>align-content:</a:t>
+            </a:r>
+          </a:p>
+          <a:p>
+            <a:r>
+              <a:rPr lang="en-US" altLang="zh-CN" sz="2800" dirty="0"/>
+              <a:t>flex-start</a:t>
+            </a:r>
+            <a:r>
+              <a:rPr lang="zh-CN" altLang="en-US" sz="2800" dirty="0"/>
+              <a:t>：与交叉轴的起点对齐。</a:t>
+            </a:r>
+          </a:p>
+          <a:p>
+            <a:r>
+              <a:rPr lang="en-US" altLang="zh-CN" sz="2800" dirty="0"/>
+              <a:t>flex-end</a:t>
+            </a:r>
+            <a:r>
+              <a:rPr lang="zh-CN" altLang="en-US" sz="2800" dirty="0"/>
+              <a:t>：与交叉轴的终点对齐。</a:t>
+            </a:r>
+          </a:p>
+          <a:p>
+            <a:r>
+              <a:rPr lang="en-US" altLang="zh-CN" sz="2800" dirty="0"/>
+              <a:t>center</a:t>
+            </a:r>
+            <a:r>
+              <a:rPr lang="zh-CN" altLang="en-US" sz="2800" dirty="0"/>
+              <a:t>：与交叉轴的中点对齐。</a:t>
+            </a:r>
+          </a:p>
+          <a:p>
+            <a:r>
+              <a:rPr lang="en-US" altLang="zh-CN" sz="2800" dirty="0"/>
+              <a:t>space-between</a:t>
+            </a:r>
+            <a:r>
+              <a:rPr lang="zh-CN" altLang="en-US" sz="2800" dirty="0"/>
+              <a:t>：与交叉轴两端对齐，轴线之间的间隔平均分布。</a:t>
+            </a:r>
+          </a:p>
+          <a:p>
+            <a:r>
+              <a:rPr lang="en-US" altLang="zh-CN" sz="2800" dirty="0"/>
+              <a:t>space-around</a:t>
+            </a:r>
+            <a:r>
+              <a:rPr lang="zh-CN" altLang="en-US" sz="2800" dirty="0"/>
+              <a:t>：每根轴线两侧的间隔都相等。所以，轴线之间的间隔比轴线与边框的间隔大一倍。</a:t>
+            </a:r>
+          </a:p>
+          <a:p>
+            <a:r>
+              <a:rPr lang="en-US" altLang="zh-CN" sz="2800" dirty="0"/>
+              <a:t>stretch</a:t>
+            </a:r>
+            <a:r>
+              <a:rPr lang="zh-CN" altLang="en-US" sz="2800" dirty="0"/>
+              <a:t>（默认值）：轴线占满整个交叉轴。</a:t>
+            </a:r>
+            <a:endParaRPr lang="en-US" altLang="zh-CN" sz="2800" dirty="0"/>
+          </a:p>
+        </p:txBody>
+      </p:sp>
+    </p:spTree>
+    <p:extLst>
+      <p:ext uri="{BB962C8B-B14F-4D97-AF65-F5344CB8AC3E}">
+        <p14:creationId xmlns:p14="http://schemas.microsoft.com/office/powerpoint/2010/main" val="29599155"/>
+      </p:ext>
+    </p:extLst>
+  </p:cSld>
+  <p:clrMapOvr>
+    <a:masterClrMapping/>
+  </p:clrMapOvr>
+</p:sld>
+</file>
+
+<file path=ppt/slides/slide15.xml><?xml version="1.0" encoding="utf-8"?>
+<p:sld xmlns:a="http://schemas.openxmlformats.org/drawingml/2006/main" xmlns:r="http://schemas.openxmlformats.org/officeDocument/2006/relationships" xmlns:p="http://schemas.openxmlformats.org/presentationml/2006/main">
+  <p:cSld>
+    <p:spTree>
+      <p:nvGrpSpPr>
+        <p:cNvPr id="1" name=""/>
+        <p:cNvGrpSpPr/>
+        <p:nvPr/>
+      </p:nvGrpSpPr>
+      <p:grpSpPr>
+        <a:xfrm>
+          <a:off x="0" y="0"/>
+          <a:ext cx="0" cy="0"/>
+          <a:chOff x="0" y="0"/>
+          <a:chExt cx="0" cy="0"/>
+        </a:xfrm>
+      </p:grpSpPr>
+      <p:sp>
+        <p:nvSpPr>
+          <p:cNvPr id="2" name="标题 1">
+            <a:extLst>
+              <a:ext uri="{FF2B5EF4-FFF2-40B4-BE49-F238E27FC236}">
+                <a16:creationId xmlns:a16="http://schemas.microsoft.com/office/drawing/2014/main" id="{8FC3F6F2-B4D0-4A5C-9A8B-A53E071F436D}"/>
+              </a:ext>
+            </a:extLst>
+          </p:cNvPr>
+          <p:cNvSpPr>
+            <a:spLocks noGrp="1"/>
+          </p:cNvSpPr>
+          <p:nvPr>
+            <p:ph type="title"/>
+          </p:nvPr>
+        </p:nvSpPr>
+        <p:spPr>
+          <a:xfrm>
+            <a:off x="1141413" y="609600"/>
+            <a:ext cx="9905998" cy="1163782"/>
+          </a:xfrm>
+        </p:spPr>
+        <p:txBody>
+          <a:bodyPr>
+            <a:normAutofit/>
+          </a:bodyPr>
+          <a:lstStyle/>
+          <a:p>
+            <a:pPr algn="ctr"/>
+            <a:r>
+              <a:rPr lang="zh-CN" altLang="en-US" sz="4000" dirty="0"/>
+              <a:t>子项属性</a:t>
+            </a:r>
+          </a:p>
+        </p:txBody>
+      </p:sp>
+      <p:sp>
+        <p:nvSpPr>
+          <p:cNvPr id="7" name="文本框 6">
+            <a:extLst>
+              <a:ext uri="{FF2B5EF4-FFF2-40B4-BE49-F238E27FC236}">
+                <a16:creationId xmlns:a16="http://schemas.microsoft.com/office/drawing/2014/main" id="{2C276D97-CCCB-476C-81CE-B4294E655EFC}"/>
+              </a:ext>
+            </a:extLst>
+          </p:cNvPr>
+          <p:cNvSpPr txBox="1"/>
+          <p:nvPr/>
+        </p:nvSpPr>
+        <p:spPr>
+          <a:xfrm>
+            <a:off x="382725" y="2457375"/>
+            <a:ext cx="11423374" cy="2246769"/>
+          </a:xfrm>
+          <a:prstGeom prst="rect">
+            <a:avLst/>
+          </a:prstGeom>
+          <a:noFill/>
+        </p:spPr>
+        <p:txBody>
+          <a:bodyPr wrap="square" rtlCol="0">
+            <a:spAutoFit/>
+          </a:bodyPr>
+          <a:lstStyle/>
+          <a:p>
+            <a:pPr algn="ctr"/>
+            <a:r>
+              <a:rPr lang="zh-CN" altLang="en-US" sz="2800" dirty="0"/>
+              <a:t>当容器设置 </a:t>
+            </a:r>
+            <a:r>
+              <a:rPr lang="en-US" altLang="zh-CN" sz="2800" dirty="0"/>
+              <a:t>display </a:t>
+            </a:r>
+            <a:r>
+              <a:rPr lang="zh-CN" altLang="en-US" sz="2800" dirty="0"/>
+              <a:t>属性设置为 </a:t>
+            </a:r>
+            <a:r>
+              <a:rPr lang="en-US" altLang="zh-CN" sz="2800" dirty="0"/>
+              <a:t>flex </a:t>
+            </a:r>
+            <a:r>
+              <a:rPr lang="zh-CN" altLang="en-US" sz="2800" dirty="0"/>
+              <a:t>或</a:t>
+            </a:r>
+            <a:r>
+              <a:rPr lang="en-US" altLang="zh-CN" sz="2800" dirty="0"/>
+              <a:t> inline-flex </a:t>
+            </a:r>
+            <a:r>
+              <a:rPr lang="zh-CN" altLang="en-US" sz="2800" dirty="0"/>
+              <a:t>时</a:t>
+            </a:r>
+            <a:endParaRPr lang="en-US" altLang="zh-CN" sz="2800" dirty="0"/>
+          </a:p>
+          <a:p>
+            <a:pPr algn="ctr"/>
+            <a:r>
+              <a:rPr lang="zh-CN" altLang="en-US" sz="2800" dirty="0"/>
+              <a:t>其子项具备以下属性：</a:t>
+            </a:r>
+            <a:endParaRPr lang="en-US" altLang="zh-CN" sz="2800" dirty="0"/>
+          </a:p>
+          <a:p>
+            <a:r>
+              <a:rPr lang="en-US" altLang="zh-CN" sz="2800" dirty="0"/>
+              <a:t>                          order             flex-grow           flex-shrink</a:t>
+            </a:r>
+          </a:p>
+          <a:p>
+            <a:endParaRPr lang="en-US" altLang="zh-CN" sz="2800" dirty="0"/>
+          </a:p>
+          <a:p>
+            <a:r>
+              <a:rPr lang="en-US" altLang="zh-CN" sz="2800" dirty="0"/>
+              <a:t>                        flex-basis              flex               align-self</a:t>
+            </a:r>
+          </a:p>
+        </p:txBody>
+      </p:sp>
+    </p:spTree>
+    <p:extLst>
+      <p:ext uri="{BB962C8B-B14F-4D97-AF65-F5344CB8AC3E}">
+        <p14:creationId xmlns:p14="http://schemas.microsoft.com/office/powerpoint/2010/main" val="2418554410"/>
+      </p:ext>
+    </p:extLst>
+  </p:cSld>
+  <p:clrMapOvr>
+    <a:masterClrMapping/>
+  </p:clrMapOvr>
+</p:sld>
+</file>
+
+<file path=ppt/slides/slide16.xml><?xml version="1.0" encoding="utf-8"?>
+<p:sld xmlns:a="http://schemas.openxmlformats.org/drawingml/2006/main" xmlns:r="http://schemas.openxmlformats.org/officeDocument/2006/relationships" xmlns:p="http://schemas.openxmlformats.org/presentationml/2006/main">
+  <p:cSld>
+    <p:spTree>
+      <p:nvGrpSpPr>
+        <p:cNvPr id="1" name=""/>
+        <p:cNvGrpSpPr/>
+        <p:nvPr/>
+      </p:nvGrpSpPr>
+      <p:grpSpPr>
+        <a:xfrm>
+          <a:off x="0" y="0"/>
+          <a:ext cx="0" cy="0"/>
+          <a:chOff x="0" y="0"/>
+          <a:chExt cx="0" cy="0"/>
+        </a:xfrm>
+      </p:grpSpPr>
+      <p:sp>
+        <p:nvSpPr>
+          <p:cNvPr id="2" name="标题 1">
+            <a:extLst>
+              <a:ext uri="{FF2B5EF4-FFF2-40B4-BE49-F238E27FC236}">
+                <a16:creationId xmlns:a16="http://schemas.microsoft.com/office/drawing/2014/main" id="{A938CF80-F668-4B65-B009-F9F86A52F090}"/>
+              </a:ext>
+            </a:extLst>
+          </p:cNvPr>
+          <p:cNvSpPr>
+            <a:spLocks noGrp="1"/>
+          </p:cNvSpPr>
+          <p:nvPr>
+            <p:ph type="title"/>
+          </p:nvPr>
+        </p:nvSpPr>
+        <p:spPr/>
+        <p:txBody>
+          <a:bodyPr>
+            <a:normAutofit/>
+          </a:bodyPr>
+          <a:lstStyle/>
+          <a:p>
+            <a:pPr algn="ctr"/>
+            <a:r>
+              <a:rPr lang="zh-CN" altLang="en-US" dirty="0">
+                <a:effectLst/>
+              </a:rPr>
+              <a:t>子项的排列顺序</a:t>
+            </a:r>
+            <a:endParaRPr lang="zh-CN" altLang="en-US" sz="4000" dirty="0"/>
+          </a:p>
+        </p:txBody>
+      </p:sp>
+      <p:sp>
+        <p:nvSpPr>
+          <p:cNvPr id="4" name="文本框 3">
+            <a:extLst>
+              <a:ext uri="{FF2B5EF4-FFF2-40B4-BE49-F238E27FC236}">
+                <a16:creationId xmlns:a16="http://schemas.microsoft.com/office/drawing/2014/main" id="{21022717-DEE6-4DFE-BEFC-C21B40A54266}"/>
+              </a:ext>
+            </a:extLst>
+          </p:cNvPr>
+          <p:cNvSpPr txBox="1"/>
+          <p:nvPr/>
+        </p:nvSpPr>
+        <p:spPr>
+          <a:xfrm>
+            <a:off x="501994" y="2750592"/>
+            <a:ext cx="11184835" cy="954107"/>
+          </a:xfrm>
+          <a:prstGeom prst="rect">
+            <a:avLst/>
+          </a:prstGeom>
+          <a:noFill/>
+        </p:spPr>
+        <p:txBody>
+          <a:bodyPr wrap="square" rtlCol="0">
+            <a:spAutoFit/>
+          </a:bodyPr>
+          <a:lstStyle/>
+          <a:p>
+            <a:r>
+              <a:rPr lang="en-US" altLang="zh-CN" sz="2800" dirty="0"/>
+              <a:t>order:</a:t>
+            </a:r>
+          </a:p>
+          <a:p>
+            <a:r>
+              <a:rPr lang="zh-CN" altLang="en-US" sz="2800" dirty="0"/>
+              <a:t>数值越小，排列越靠前，默认为</a:t>
+            </a:r>
+            <a:r>
+              <a:rPr lang="en-US" altLang="zh-CN" sz="2800" dirty="0"/>
+              <a:t>0</a:t>
+            </a:r>
+            <a:r>
+              <a:rPr lang="zh-CN" altLang="en-US" sz="2800" dirty="0"/>
+              <a:t>，可以为负</a:t>
+            </a:r>
+            <a:endParaRPr lang="en-US" altLang="zh-CN" sz="2800" dirty="0"/>
+          </a:p>
+        </p:txBody>
+      </p:sp>
+    </p:spTree>
+    <p:extLst>
+      <p:ext uri="{BB962C8B-B14F-4D97-AF65-F5344CB8AC3E}">
+        <p14:creationId xmlns:p14="http://schemas.microsoft.com/office/powerpoint/2010/main" val="3977773053"/>
+      </p:ext>
+    </p:extLst>
+  </p:cSld>
+  <p:clrMapOvr>
+    <a:masterClrMapping/>
+  </p:clrMapOvr>
+</p:sld>
+</file>
+
+<file path=ppt/slides/slide17.xml><?xml version="1.0" encoding="utf-8"?>
+<p:sld xmlns:a="http://schemas.openxmlformats.org/drawingml/2006/main" xmlns:r="http://schemas.openxmlformats.org/officeDocument/2006/relationships" xmlns:p="http://schemas.openxmlformats.org/presentationml/2006/main">
+  <p:cSld>
+    <p:spTree>
+      <p:nvGrpSpPr>
+        <p:cNvPr id="1" name=""/>
+        <p:cNvGrpSpPr/>
+        <p:nvPr/>
+      </p:nvGrpSpPr>
+      <p:grpSpPr>
+        <a:xfrm>
+          <a:off x="0" y="0"/>
+          <a:ext cx="0" cy="0"/>
+          <a:chOff x="0" y="0"/>
+          <a:chExt cx="0" cy="0"/>
+        </a:xfrm>
+      </p:grpSpPr>
+      <p:sp>
+        <p:nvSpPr>
+          <p:cNvPr id="2" name="标题 1">
+            <a:extLst>
+              <a:ext uri="{FF2B5EF4-FFF2-40B4-BE49-F238E27FC236}">
+                <a16:creationId xmlns:a16="http://schemas.microsoft.com/office/drawing/2014/main" id="{A938CF80-F668-4B65-B009-F9F86A52F090}"/>
+              </a:ext>
+            </a:extLst>
+          </p:cNvPr>
+          <p:cNvSpPr>
+            <a:spLocks noGrp="1"/>
+          </p:cNvSpPr>
+          <p:nvPr>
+            <p:ph type="title"/>
+          </p:nvPr>
+        </p:nvSpPr>
+        <p:spPr/>
+        <p:txBody>
+          <a:bodyPr>
+            <a:normAutofit/>
+          </a:bodyPr>
+          <a:lstStyle/>
+          <a:p>
+            <a:pPr algn="ctr"/>
+            <a:r>
+              <a:rPr lang="zh-CN" altLang="en-US" dirty="0">
+                <a:effectLst/>
+              </a:rPr>
+              <a:t>子项的放大比例</a:t>
+            </a:r>
+            <a:endParaRPr lang="zh-CN" altLang="en-US" sz="4000" dirty="0"/>
+          </a:p>
+        </p:txBody>
+      </p:sp>
+      <p:sp>
+        <p:nvSpPr>
+          <p:cNvPr id="4" name="文本框 3">
+            <a:extLst>
+              <a:ext uri="{FF2B5EF4-FFF2-40B4-BE49-F238E27FC236}">
+                <a16:creationId xmlns:a16="http://schemas.microsoft.com/office/drawing/2014/main" id="{21022717-DEE6-4DFE-BEFC-C21B40A54266}"/>
+              </a:ext>
+            </a:extLst>
+          </p:cNvPr>
+          <p:cNvSpPr txBox="1"/>
+          <p:nvPr/>
+        </p:nvSpPr>
+        <p:spPr>
+          <a:xfrm>
+            <a:off x="501994" y="2750592"/>
+            <a:ext cx="11184835" cy="1815882"/>
+          </a:xfrm>
+          <a:prstGeom prst="rect">
+            <a:avLst/>
+          </a:prstGeom>
+          <a:noFill/>
+        </p:spPr>
+        <p:txBody>
+          <a:bodyPr wrap="square" rtlCol="0">
+            <a:spAutoFit/>
+          </a:bodyPr>
+          <a:lstStyle/>
+          <a:p>
+            <a:r>
+              <a:rPr lang="en-US" altLang="zh-CN" sz="2800" dirty="0"/>
+              <a:t>flex-grow:</a:t>
+            </a:r>
+          </a:p>
+          <a:p>
+            <a:r>
+              <a:rPr lang="zh-CN" altLang="en-US" sz="2800" dirty="0"/>
+              <a:t>默认为</a:t>
+            </a:r>
+            <a:r>
+              <a:rPr lang="en-US" altLang="zh-CN" sz="2800" dirty="0"/>
+              <a:t>0</a:t>
+            </a:r>
+            <a:r>
+              <a:rPr lang="zh-CN" altLang="en-US" sz="2800" dirty="0"/>
+              <a:t>，即如果存在剩余空间，也不放大。</a:t>
+            </a:r>
+            <a:endParaRPr lang="en-US" altLang="zh-CN" sz="2800" dirty="0"/>
+          </a:p>
+          <a:p>
+            <a:r>
+              <a:rPr lang="zh-CN" altLang="en-US" sz="2800" dirty="0"/>
+              <a:t>若子项</a:t>
+            </a:r>
+            <a:r>
+              <a:rPr lang="en-US" altLang="zh-CN" sz="2800" dirty="0"/>
+              <a:t>flex-grow</a:t>
+            </a:r>
+            <a:r>
+              <a:rPr lang="zh-CN" altLang="en-US" sz="2800" dirty="0"/>
+              <a:t>值都相同且不为</a:t>
+            </a:r>
+            <a:r>
+              <a:rPr lang="en-US" altLang="zh-CN" sz="2800" dirty="0"/>
+              <a:t>0</a:t>
+            </a:r>
+            <a:r>
+              <a:rPr lang="zh-CN" altLang="en-US" sz="2800" dirty="0"/>
+              <a:t>则均分剩余空间</a:t>
+            </a:r>
+            <a:endParaRPr lang="en-US" altLang="zh-CN" sz="2800" dirty="0"/>
+          </a:p>
+          <a:p>
+            <a:r>
+              <a:rPr lang="zh-CN" altLang="en-US" sz="2800" dirty="0"/>
+              <a:t>否则按数值比例分配剩余空间</a:t>
+            </a:r>
+            <a:endParaRPr lang="en-US" altLang="zh-CN" sz="2800" dirty="0"/>
+          </a:p>
+        </p:txBody>
+      </p:sp>
+    </p:spTree>
+    <p:extLst>
+      <p:ext uri="{BB962C8B-B14F-4D97-AF65-F5344CB8AC3E}">
+        <p14:creationId xmlns:p14="http://schemas.microsoft.com/office/powerpoint/2010/main" val="1612132226"/>
+      </p:ext>
+    </p:extLst>
+  </p:cSld>
+  <p:clrMapOvr>
+    <a:masterClrMapping/>
+  </p:clrMapOvr>
+</p:sld>
+</file>
+
+<file path=ppt/slides/slide18.xml><?xml version="1.0" encoding="utf-8"?>
+<p:sld xmlns:a="http://schemas.openxmlformats.org/drawingml/2006/main" xmlns:r="http://schemas.openxmlformats.org/officeDocument/2006/relationships" xmlns:p="http://schemas.openxmlformats.org/presentationml/2006/main">
+  <p:cSld>
+    <p:spTree>
+      <p:nvGrpSpPr>
+        <p:cNvPr id="1" name=""/>
+        <p:cNvGrpSpPr/>
+        <p:nvPr/>
+      </p:nvGrpSpPr>
+      <p:grpSpPr>
+        <a:xfrm>
+          <a:off x="0" y="0"/>
+          <a:ext cx="0" cy="0"/>
+          <a:chOff x="0" y="0"/>
+          <a:chExt cx="0" cy="0"/>
+        </a:xfrm>
+      </p:grpSpPr>
+      <p:sp>
+        <p:nvSpPr>
+          <p:cNvPr id="2" name="标题 1">
+            <a:extLst>
+              <a:ext uri="{FF2B5EF4-FFF2-40B4-BE49-F238E27FC236}">
+                <a16:creationId xmlns:a16="http://schemas.microsoft.com/office/drawing/2014/main" id="{A938CF80-F668-4B65-B009-F9F86A52F090}"/>
+              </a:ext>
+            </a:extLst>
+          </p:cNvPr>
+          <p:cNvSpPr>
+            <a:spLocks noGrp="1"/>
+          </p:cNvSpPr>
+          <p:nvPr>
+            <p:ph type="title"/>
+          </p:nvPr>
+        </p:nvSpPr>
+        <p:spPr/>
+        <p:txBody>
+          <a:bodyPr>
+            <a:normAutofit/>
+          </a:bodyPr>
+          <a:lstStyle/>
+          <a:p>
+            <a:pPr algn="ctr"/>
+            <a:r>
+              <a:rPr lang="zh-CN" altLang="en-US" dirty="0">
+                <a:effectLst/>
+              </a:rPr>
+              <a:t>子项的缩小比例</a:t>
+            </a:r>
+            <a:endParaRPr lang="zh-CN" altLang="en-US" sz="4000" dirty="0"/>
+          </a:p>
+        </p:txBody>
+      </p:sp>
+      <p:sp>
+        <p:nvSpPr>
+          <p:cNvPr id="4" name="文本框 3">
+            <a:extLst>
+              <a:ext uri="{FF2B5EF4-FFF2-40B4-BE49-F238E27FC236}">
+                <a16:creationId xmlns:a16="http://schemas.microsoft.com/office/drawing/2014/main" id="{21022717-DEE6-4DFE-BEFC-C21B40A54266}"/>
+              </a:ext>
+            </a:extLst>
+          </p:cNvPr>
+          <p:cNvSpPr txBox="1"/>
+          <p:nvPr/>
+        </p:nvSpPr>
+        <p:spPr>
+          <a:xfrm>
+            <a:off x="501994" y="2750592"/>
+            <a:ext cx="11184835" cy="2677656"/>
+          </a:xfrm>
+          <a:prstGeom prst="rect">
+            <a:avLst/>
+          </a:prstGeom>
+          <a:noFill/>
+        </p:spPr>
+        <p:txBody>
+          <a:bodyPr wrap="square" rtlCol="0">
+            <a:spAutoFit/>
+          </a:bodyPr>
+          <a:lstStyle/>
+          <a:p>
+            <a:r>
+              <a:rPr lang="en-US" altLang="zh-CN" sz="2800" dirty="0"/>
+              <a:t>flex-shrink:</a:t>
+            </a:r>
+          </a:p>
+          <a:p>
+            <a:r>
+              <a:rPr lang="zh-CN" altLang="en-US" sz="2800" dirty="0"/>
+              <a:t>默认为</a:t>
+            </a:r>
+            <a:r>
+              <a:rPr lang="en-US" altLang="zh-CN" sz="2800" dirty="0"/>
+              <a:t>1</a:t>
+            </a:r>
+            <a:r>
+              <a:rPr lang="zh-CN" altLang="en-US" sz="2800" dirty="0"/>
+              <a:t>，即如果空间不足，该项目将缩小。</a:t>
+            </a:r>
+            <a:endParaRPr lang="en-US" altLang="zh-CN" sz="2800" dirty="0"/>
+          </a:p>
+          <a:p>
+            <a:r>
+              <a:rPr lang="zh-CN" altLang="en-US" sz="2800" dirty="0"/>
+              <a:t>如果所有子项的</a:t>
+            </a:r>
+            <a:r>
+              <a:rPr lang="en-US" altLang="zh-CN" sz="2800" dirty="0"/>
+              <a:t>flex-shrink</a:t>
+            </a:r>
+            <a:r>
+              <a:rPr lang="zh-CN" altLang="en-US" sz="2800" dirty="0"/>
+              <a:t>属性都为</a:t>
+            </a:r>
+            <a:r>
+              <a:rPr lang="en-US" altLang="zh-CN" sz="2800" dirty="0"/>
+              <a:t>1</a:t>
+            </a:r>
+            <a:r>
+              <a:rPr lang="zh-CN" altLang="en-US" sz="2800" dirty="0"/>
+              <a:t>，当空间不足时，都将等比例缩小。</a:t>
+            </a:r>
+            <a:endParaRPr lang="en-US" altLang="zh-CN" sz="2800" dirty="0"/>
+          </a:p>
+          <a:p>
+            <a:r>
+              <a:rPr lang="zh-CN" altLang="en-US" sz="2800" dirty="0"/>
+              <a:t>如果一个子项的</a:t>
+            </a:r>
+            <a:r>
+              <a:rPr lang="en-US" altLang="zh-CN" sz="2800" dirty="0"/>
+              <a:t>flex-shrink</a:t>
+            </a:r>
+            <a:r>
+              <a:rPr lang="zh-CN" altLang="en-US" sz="2800" dirty="0"/>
+              <a:t>属性为</a:t>
+            </a:r>
+            <a:r>
+              <a:rPr lang="en-US" altLang="zh-CN" sz="2800" dirty="0"/>
+              <a:t>0</a:t>
+            </a:r>
+            <a:r>
+              <a:rPr lang="zh-CN" altLang="en-US" sz="2800" dirty="0"/>
+              <a:t>，其他项目都为</a:t>
+            </a:r>
+            <a:r>
+              <a:rPr lang="en-US" altLang="zh-CN" sz="2800" dirty="0"/>
+              <a:t>1</a:t>
+            </a:r>
+            <a:r>
+              <a:rPr lang="zh-CN" altLang="en-US" sz="2800" dirty="0"/>
+              <a:t>，则空间不足时，前者不缩小。</a:t>
+            </a:r>
+            <a:endParaRPr lang="en-US" altLang="zh-CN" sz="2800" dirty="0"/>
+          </a:p>
+        </p:txBody>
+      </p:sp>
+    </p:spTree>
+    <p:extLst>
+      <p:ext uri="{BB962C8B-B14F-4D97-AF65-F5344CB8AC3E}">
+        <p14:creationId xmlns:p14="http://schemas.microsoft.com/office/powerpoint/2010/main" val="4150189727"/>
+      </p:ext>
+    </p:extLst>
+  </p:cSld>
+  <p:clrMapOvr>
+    <a:masterClrMapping/>
+  </p:clrMapOvr>
+</p:sld>
+</file>
+
+<file path=ppt/slides/slide19.xml><?xml version="1.0" encoding="utf-8"?>
+<p:sld xmlns:a="http://schemas.openxmlformats.org/drawingml/2006/main" xmlns:r="http://schemas.openxmlformats.org/officeDocument/2006/relationships" xmlns:p="http://schemas.openxmlformats.org/presentationml/2006/main">
+  <p:cSld>
+    <p:spTree>
+      <p:nvGrpSpPr>
+        <p:cNvPr id="1" name=""/>
+        <p:cNvGrpSpPr/>
+        <p:nvPr/>
+      </p:nvGrpSpPr>
+      <p:grpSpPr>
+        <a:xfrm>
+          <a:off x="0" y="0"/>
+          <a:ext cx="0" cy="0"/>
+          <a:chOff x="0" y="0"/>
+          <a:chExt cx="0" cy="0"/>
+        </a:xfrm>
+      </p:grpSpPr>
+      <p:sp>
+        <p:nvSpPr>
+          <p:cNvPr id="2" name="标题 1">
+            <a:extLst>
+              <a:ext uri="{FF2B5EF4-FFF2-40B4-BE49-F238E27FC236}">
+                <a16:creationId xmlns:a16="http://schemas.microsoft.com/office/drawing/2014/main" id="{A938CF80-F668-4B65-B009-F9F86A52F090}"/>
+              </a:ext>
+            </a:extLst>
+          </p:cNvPr>
+          <p:cNvSpPr>
+            <a:spLocks noGrp="1"/>
+          </p:cNvSpPr>
+          <p:nvPr>
+            <p:ph type="title"/>
+          </p:nvPr>
+        </p:nvSpPr>
+        <p:spPr/>
+        <p:txBody>
+          <a:bodyPr>
+            <a:normAutofit/>
+          </a:bodyPr>
+          <a:lstStyle/>
+          <a:p>
+            <a:pPr algn="ctr"/>
+            <a:r>
+              <a:rPr lang="zh-CN" altLang="en-US" dirty="0">
+                <a:effectLst/>
+              </a:rPr>
+              <a:t>分配多余空间之前子项占据的主轴空间</a:t>
+            </a:r>
+            <a:endParaRPr lang="zh-CN" altLang="en-US" sz="4000" dirty="0"/>
+          </a:p>
+        </p:txBody>
+      </p:sp>
+      <p:sp>
+        <p:nvSpPr>
+          <p:cNvPr id="4" name="文本框 3">
+            <a:extLst>
+              <a:ext uri="{FF2B5EF4-FFF2-40B4-BE49-F238E27FC236}">
+                <a16:creationId xmlns:a16="http://schemas.microsoft.com/office/drawing/2014/main" id="{21022717-DEE6-4DFE-BEFC-C21B40A54266}"/>
+              </a:ext>
+            </a:extLst>
+          </p:cNvPr>
+          <p:cNvSpPr txBox="1"/>
+          <p:nvPr/>
+        </p:nvSpPr>
+        <p:spPr>
+          <a:xfrm>
+            <a:off x="501994" y="2750592"/>
+            <a:ext cx="11184835" cy="954107"/>
+          </a:xfrm>
+          <a:prstGeom prst="rect">
+            <a:avLst/>
+          </a:prstGeom>
+          <a:noFill/>
+        </p:spPr>
+        <p:txBody>
+          <a:bodyPr wrap="square" rtlCol="0">
+            <a:spAutoFit/>
+          </a:bodyPr>
+          <a:lstStyle/>
+          <a:p>
+            <a:r>
+              <a:rPr lang="en-US" altLang="zh-CN" sz="2800" dirty="0"/>
+              <a:t>flex-basis:</a:t>
+            </a:r>
+          </a:p>
+          <a:p>
+            <a:r>
+              <a:rPr lang="zh-CN" altLang="en-US" sz="2800" dirty="0"/>
+              <a:t>默认值为</a:t>
+            </a:r>
+            <a:r>
+              <a:rPr lang="en-US" altLang="zh-CN" sz="2800" dirty="0"/>
+              <a:t>auto</a:t>
+            </a:r>
+            <a:r>
+              <a:rPr lang="zh-CN" altLang="en-US" sz="2800" dirty="0"/>
+              <a:t>，即项目的本来大小。</a:t>
+            </a:r>
+            <a:endParaRPr lang="en-US" altLang="zh-CN" sz="2800" dirty="0"/>
+          </a:p>
+        </p:txBody>
+      </p:sp>
+    </p:spTree>
+    <p:extLst>
+      <p:ext uri="{BB962C8B-B14F-4D97-AF65-F5344CB8AC3E}">
+        <p14:creationId xmlns:p14="http://schemas.microsoft.com/office/powerpoint/2010/main" val="3855217053"/>
       </p:ext>
     </p:extLst>
   </p:cSld>
@@ -5752,6 +7167,349 @@
       </p:grpSpPr>
       <p:sp>
         <p:nvSpPr>
+          <p:cNvPr id="2" name="标题 1">
+            <a:extLst>
+              <a:ext uri="{FF2B5EF4-FFF2-40B4-BE49-F238E27FC236}">
+                <a16:creationId xmlns:a16="http://schemas.microsoft.com/office/drawing/2014/main" id="{BF44213F-0934-433F-A9BF-E7BA286E83BB}"/>
+              </a:ext>
+            </a:extLst>
+          </p:cNvPr>
+          <p:cNvSpPr>
+            <a:spLocks noGrp="1"/>
+          </p:cNvSpPr>
+          <p:nvPr>
+            <p:ph type="title"/>
+          </p:nvPr>
+        </p:nvSpPr>
+        <p:spPr>
+          <a:xfrm>
+            <a:off x="1141413" y="2413551"/>
+            <a:ext cx="9905998" cy="1905000"/>
+          </a:xfrm>
+        </p:spPr>
+        <p:txBody>
+          <a:bodyPr>
+            <a:normAutofit/>
+          </a:bodyPr>
+          <a:lstStyle/>
+          <a:p>
+            <a:pPr algn="ctr"/>
+            <a:r>
+              <a:rPr lang="zh-CN" altLang="en-US" sz="6600" dirty="0"/>
+              <a:t>为什么用</a:t>
+            </a:r>
+            <a:r>
+              <a:rPr lang="en-US" altLang="zh-CN" sz="6600" dirty="0">
+                <a:effectLst/>
+              </a:rPr>
+              <a:t>Flexbox</a:t>
+            </a:r>
+            <a:r>
+              <a:rPr lang="zh-CN" altLang="en-US" sz="6600" dirty="0">
+                <a:effectLst/>
+              </a:rPr>
+              <a:t>布局</a:t>
+            </a:r>
+            <a:endParaRPr lang="zh-CN" altLang="en-US" sz="6600" dirty="0"/>
+          </a:p>
+        </p:txBody>
+      </p:sp>
+    </p:spTree>
+    <p:extLst>
+      <p:ext uri="{BB962C8B-B14F-4D97-AF65-F5344CB8AC3E}">
+        <p14:creationId xmlns:p14="http://schemas.microsoft.com/office/powerpoint/2010/main" val="199609154"/>
+      </p:ext>
+    </p:extLst>
+  </p:cSld>
+  <p:clrMapOvr>
+    <a:masterClrMapping/>
+  </p:clrMapOvr>
+</p:sld>
+</file>
+
+<file path=ppt/slides/slide20.xml><?xml version="1.0" encoding="utf-8"?>
+<p:sld xmlns:a="http://schemas.openxmlformats.org/drawingml/2006/main" xmlns:r="http://schemas.openxmlformats.org/officeDocument/2006/relationships" xmlns:p="http://schemas.openxmlformats.org/presentationml/2006/main">
+  <p:cSld>
+    <p:spTree>
+      <p:nvGrpSpPr>
+        <p:cNvPr id="1" name=""/>
+        <p:cNvGrpSpPr/>
+        <p:nvPr/>
+      </p:nvGrpSpPr>
+      <p:grpSpPr>
+        <a:xfrm>
+          <a:off x="0" y="0"/>
+          <a:ext cx="0" cy="0"/>
+          <a:chOff x="0" y="0"/>
+          <a:chExt cx="0" cy="0"/>
+        </a:xfrm>
+      </p:grpSpPr>
+      <p:sp>
+        <p:nvSpPr>
+          <p:cNvPr id="2" name="标题 1">
+            <a:extLst>
+              <a:ext uri="{FF2B5EF4-FFF2-40B4-BE49-F238E27FC236}">
+                <a16:creationId xmlns:a16="http://schemas.microsoft.com/office/drawing/2014/main" id="{A938CF80-F668-4B65-B009-F9F86A52F090}"/>
+              </a:ext>
+            </a:extLst>
+          </p:cNvPr>
+          <p:cNvSpPr>
+            <a:spLocks noGrp="1"/>
+          </p:cNvSpPr>
+          <p:nvPr>
+            <p:ph type="title"/>
+          </p:nvPr>
+        </p:nvSpPr>
+        <p:spPr/>
+        <p:txBody>
+          <a:bodyPr>
+            <a:normAutofit/>
+          </a:bodyPr>
+          <a:lstStyle/>
+          <a:p>
+            <a:pPr algn="ctr"/>
+            <a:r>
+              <a:rPr lang="zh-CN" altLang="en-US" dirty="0">
+                <a:effectLst/>
+              </a:rPr>
+              <a:t>子项缩小，放大，分配剩余空间简写</a:t>
+            </a:r>
+            <a:endParaRPr lang="zh-CN" altLang="en-US" sz="4000" dirty="0"/>
+          </a:p>
+        </p:txBody>
+      </p:sp>
+      <p:sp>
+        <p:nvSpPr>
+          <p:cNvPr id="4" name="文本框 3">
+            <a:extLst>
+              <a:ext uri="{FF2B5EF4-FFF2-40B4-BE49-F238E27FC236}">
+                <a16:creationId xmlns:a16="http://schemas.microsoft.com/office/drawing/2014/main" id="{21022717-DEE6-4DFE-BEFC-C21B40A54266}"/>
+              </a:ext>
+            </a:extLst>
+          </p:cNvPr>
+          <p:cNvSpPr txBox="1"/>
+          <p:nvPr/>
+        </p:nvSpPr>
+        <p:spPr>
+          <a:xfrm>
+            <a:off x="501994" y="2750592"/>
+            <a:ext cx="11184835" cy="1384995"/>
+          </a:xfrm>
+          <a:prstGeom prst="rect">
+            <a:avLst/>
+          </a:prstGeom>
+          <a:noFill/>
+        </p:spPr>
+        <p:txBody>
+          <a:bodyPr wrap="square" rtlCol="0">
+            <a:spAutoFit/>
+          </a:bodyPr>
+          <a:lstStyle/>
+          <a:p>
+            <a:r>
+              <a:rPr lang="en-US" altLang="zh-CN" sz="2800" dirty="0"/>
+              <a:t>flex:</a:t>
+            </a:r>
+          </a:p>
+          <a:p>
+            <a:r>
+              <a:rPr lang="en-US" altLang="zh-CN" sz="2800" dirty="0"/>
+              <a:t>flex-grow, flex-shrink </a:t>
+            </a:r>
+            <a:r>
+              <a:rPr lang="zh-CN" altLang="en-US" sz="2800" dirty="0"/>
+              <a:t>和 </a:t>
+            </a:r>
+            <a:r>
+              <a:rPr lang="en-US" altLang="zh-CN" sz="2800" dirty="0"/>
+              <a:t>flex-basis</a:t>
+            </a:r>
+            <a:r>
+              <a:rPr lang="zh-CN" altLang="en-US" sz="2800" dirty="0"/>
+              <a:t>的简写，默认值为</a:t>
+            </a:r>
+            <a:r>
+              <a:rPr lang="en-US" altLang="zh-CN" sz="2800" dirty="0"/>
+              <a:t>0 1 auto</a:t>
+            </a:r>
+            <a:r>
+              <a:rPr lang="zh-CN" altLang="en-US" sz="2800" dirty="0"/>
+              <a:t>。后两个属性可选。</a:t>
+            </a:r>
+            <a:endParaRPr lang="en-US" altLang="zh-CN" sz="2800" dirty="0"/>
+          </a:p>
+        </p:txBody>
+      </p:sp>
+    </p:spTree>
+    <p:extLst>
+      <p:ext uri="{BB962C8B-B14F-4D97-AF65-F5344CB8AC3E}">
+        <p14:creationId xmlns:p14="http://schemas.microsoft.com/office/powerpoint/2010/main" val="3113474269"/>
+      </p:ext>
+    </p:extLst>
+  </p:cSld>
+  <p:clrMapOvr>
+    <a:masterClrMapping/>
+  </p:clrMapOvr>
+</p:sld>
+</file>
+
+<file path=ppt/slides/slide21.xml><?xml version="1.0" encoding="utf-8"?>
+<p:sld xmlns:a="http://schemas.openxmlformats.org/drawingml/2006/main" xmlns:r="http://schemas.openxmlformats.org/officeDocument/2006/relationships" xmlns:p="http://schemas.openxmlformats.org/presentationml/2006/main">
+  <p:cSld>
+    <p:spTree>
+      <p:nvGrpSpPr>
+        <p:cNvPr id="1" name=""/>
+        <p:cNvGrpSpPr/>
+        <p:nvPr/>
+      </p:nvGrpSpPr>
+      <p:grpSpPr>
+        <a:xfrm>
+          <a:off x="0" y="0"/>
+          <a:ext cx="0" cy="0"/>
+          <a:chOff x="0" y="0"/>
+          <a:chExt cx="0" cy="0"/>
+        </a:xfrm>
+      </p:grpSpPr>
+      <p:sp>
+        <p:nvSpPr>
+          <p:cNvPr id="2" name="标题 1">
+            <a:extLst>
+              <a:ext uri="{FF2B5EF4-FFF2-40B4-BE49-F238E27FC236}">
+                <a16:creationId xmlns:a16="http://schemas.microsoft.com/office/drawing/2014/main" id="{A938CF80-F668-4B65-B009-F9F86A52F090}"/>
+              </a:ext>
+            </a:extLst>
+          </p:cNvPr>
+          <p:cNvSpPr>
+            <a:spLocks noGrp="1"/>
+          </p:cNvSpPr>
+          <p:nvPr>
+            <p:ph type="title"/>
+          </p:nvPr>
+        </p:nvSpPr>
+        <p:spPr/>
+        <p:txBody>
+          <a:bodyPr>
+            <a:normAutofit/>
+          </a:bodyPr>
+          <a:lstStyle/>
+          <a:p>
+            <a:pPr algn="ctr"/>
+            <a:r>
+              <a:rPr lang="zh-CN" altLang="en-US" dirty="0">
+                <a:effectLst/>
+              </a:rPr>
+              <a:t>允许子项有单独的对齐方式</a:t>
+            </a:r>
+            <a:endParaRPr lang="zh-CN" altLang="en-US" sz="4000" dirty="0"/>
+          </a:p>
+        </p:txBody>
+      </p:sp>
+      <p:sp>
+        <p:nvSpPr>
+          <p:cNvPr id="4" name="文本框 3">
+            <a:extLst>
+              <a:ext uri="{FF2B5EF4-FFF2-40B4-BE49-F238E27FC236}">
+                <a16:creationId xmlns:a16="http://schemas.microsoft.com/office/drawing/2014/main" id="{21022717-DEE6-4DFE-BEFC-C21B40A54266}"/>
+              </a:ext>
+            </a:extLst>
+          </p:cNvPr>
+          <p:cNvSpPr txBox="1"/>
+          <p:nvPr/>
+        </p:nvSpPr>
+        <p:spPr>
+          <a:xfrm>
+            <a:off x="501994" y="2750592"/>
+            <a:ext cx="11184835" cy="1384995"/>
+          </a:xfrm>
+          <a:prstGeom prst="rect">
+            <a:avLst/>
+          </a:prstGeom>
+          <a:noFill/>
+        </p:spPr>
+        <p:txBody>
+          <a:bodyPr wrap="square" rtlCol="0">
+            <a:spAutoFit/>
+          </a:bodyPr>
+          <a:lstStyle/>
+          <a:p>
+            <a:r>
+              <a:rPr lang="en-US" altLang="zh-CN" sz="2800" dirty="0"/>
+              <a:t>align-self:</a:t>
+            </a:r>
+          </a:p>
+          <a:p>
+            <a:r>
+              <a:rPr lang="zh-CN" altLang="en-US" sz="2800" dirty="0"/>
+              <a:t>可覆盖</a:t>
+            </a:r>
+            <a:r>
+              <a:rPr lang="en-US" altLang="zh-CN" sz="2800" dirty="0"/>
+              <a:t>align-items</a:t>
+            </a:r>
+            <a:r>
+              <a:rPr lang="zh-CN" altLang="en-US" sz="2800" dirty="0"/>
+              <a:t>属性。默认值为</a:t>
+            </a:r>
+            <a:r>
+              <a:rPr lang="en-US" altLang="zh-CN" sz="2800" dirty="0"/>
+              <a:t>auto</a:t>
+            </a:r>
+            <a:r>
+              <a:rPr lang="zh-CN" altLang="en-US" sz="2800" dirty="0"/>
+              <a:t>，表示继承父元素的</a:t>
+            </a:r>
+            <a:r>
+              <a:rPr lang="en-US" altLang="zh-CN" sz="2800" dirty="0"/>
+              <a:t>align-items</a:t>
+            </a:r>
+            <a:r>
+              <a:rPr lang="zh-CN" altLang="en-US" sz="2800" dirty="0"/>
+              <a:t>属性，如果没有父元素，则等同于</a:t>
+            </a:r>
+            <a:r>
+              <a:rPr lang="en-US" altLang="zh-CN" sz="2800" dirty="0"/>
+              <a:t>stretch</a:t>
+            </a:r>
+            <a:r>
+              <a:rPr lang="zh-CN" altLang="en-US" sz="2800" dirty="0"/>
+              <a:t>。</a:t>
+            </a:r>
+            <a:endParaRPr lang="en-US" altLang="zh-CN" sz="2800" dirty="0"/>
+          </a:p>
+        </p:txBody>
+      </p:sp>
+    </p:spTree>
+    <p:extLst>
+      <p:ext uri="{BB962C8B-B14F-4D97-AF65-F5344CB8AC3E}">
+        <p14:creationId xmlns:p14="http://schemas.microsoft.com/office/powerpoint/2010/main" val="3291750484"/>
+      </p:ext>
+    </p:extLst>
+  </p:cSld>
+  <p:clrMapOvr>
+    <a:masterClrMapping/>
+  </p:clrMapOvr>
+</p:sld>
+</file>
+
+<file path=ppt/slides/slide22.xml><?xml version="1.0" encoding="utf-8"?>
+<p:sld xmlns:a="http://schemas.openxmlformats.org/drawingml/2006/main" xmlns:r="http://schemas.openxmlformats.org/officeDocument/2006/relationships" xmlns:p="http://schemas.openxmlformats.org/presentationml/2006/main">
+  <p:cSld>
+    <p:spTree>
+      <p:nvGrpSpPr>
+        <p:cNvPr id="1" name=""/>
+        <p:cNvGrpSpPr/>
+        <p:nvPr/>
+      </p:nvGrpSpPr>
+      <p:grpSpPr>
+        <a:xfrm>
+          <a:off x="0" y="0"/>
+          <a:ext cx="0" cy="0"/>
+          <a:chOff x="0" y="0"/>
+          <a:chExt cx="0" cy="0"/>
+        </a:xfrm>
+      </p:grpSpPr>
+      <p:sp>
+        <p:nvSpPr>
           <p:cNvPr id="2" name="标题 1"/>
           <p:cNvSpPr>
             <a:spLocks noGrp="1"/>
@@ -5787,8 +7545,8 @@
         </p:blipFill>
         <p:spPr>
           <a:xfrm>
-            <a:off x="3161726" y="2667000"/>
-            <a:ext cx="5865374" cy="3124200"/>
+            <a:off x="3058589" y="2667000"/>
+            <a:ext cx="6071648" cy="3124200"/>
           </a:xfrm>
           <a:prstGeom prst="rect">
             <a:avLst/>
@@ -5798,7 +7556,87 @@
     </p:spTree>
     <p:extLst>
       <p:ext uri="{BB962C8B-B14F-4D97-AF65-F5344CB8AC3E}">
-        <p14:creationId xmlns:p14="http://schemas.microsoft.com/office/powerpoint/2010/main" val="458202264"/>
+        <p14:creationId xmlns:p14="http://schemas.microsoft.com/office/powerpoint/2010/main" val="337489002"/>
+      </p:ext>
+    </p:extLst>
+  </p:cSld>
+  <p:clrMapOvr>
+    <a:masterClrMapping/>
+  </p:clrMapOvr>
+</p:sld>
+</file>
+
+<file path=ppt/slides/slide23.xml><?xml version="1.0" encoding="utf-8"?>
+<p:sld xmlns:a="http://schemas.openxmlformats.org/drawingml/2006/main" xmlns:r="http://schemas.openxmlformats.org/officeDocument/2006/relationships" xmlns:p="http://schemas.openxmlformats.org/presentationml/2006/main">
+  <p:cSld>
+    <p:spTree>
+      <p:nvGrpSpPr>
+        <p:cNvPr id="1" name=""/>
+        <p:cNvGrpSpPr/>
+        <p:nvPr/>
+      </p:nvGrpSpPr>
+      <p:grpSpPr>
+        <a:xfrm>
+          <a:off x="0" y="0"/>
+          <a:ext cx="0" cy="0"/>
+          <a:chOff x="0" y="0"/>
+          <a:chExt cx="0" cy="0"/>
+        </a:xfrm>
+      </p:grpSpPr>
+      <p:sp>
+        <p:nvSpPr>
+          <p:cNvPr id="2" name="标题 1">
+            <a:extLst>
+              <a:ext uri="{FF2B5EF4-FFF2-40B4-BE49-F238E27FC236}">
+                <a16:creationId xmlns:a16="http://schemas.microsoft.com/office/drawing/2014/main" id="{2561351D-6D5D-4341-8BC5-5D1FDEFB437F}"/>
+              </a:ext>
+            </a:extLst>
+          </p:cNvPr>
+          <p:cNvSpPr>
+            <a:spLocks noGrp="1"/>
+          </p:cNvSpPr>
+          <p:nvPr>
+            <p:ph type="title"/>
+          </p:nvPr>
+        </p:nvSpPr>
+        <p:spPr/>
+        <p:txBody>
+          <a:bodyPr/>
+          <a:lstStyle/>
+          <a:p>
+            <a:endParaRPr lang="zh-CN" altLang="en-US"/>
+          </a:p>
+        </p:txBody>
+      </p:sp>
+      <p:sp>
+        <p:nvSpPr>
+          <p:cNvPr id="3" name="内容占位符 2">
+            <a:extLst>
+              <a:ext uri="{FF2B5EF4-FFF2-40B4-BE49-F238E27FC236}">
+                <a16:creationId xmlns:a16="http://schemas.microsoft.com/office/drawing/2014/main" id="{E3610386-3375-41FE-A5B2-DFED69F1420B}"/>
+              </a:ext>
+            </a:extLst>
+          </p:cNvPr>
+          <p:cNvSpPr>
+            <a:spLocks noGrp="1"/>
+          </p:cNvSpPr>
+          <p:nvPr>
+            <p:ph idx="1"/>
+          </p:nvPr>
+        </p:nvSpPr>
+        <p:spPr/>
+        <p:txBody>
+          <a:bodyPr/>
+          <a:lstStyle/>
+          <a:p>
+            <a:endParaRPr lang="zh-CN" altLang="en-US" dirty="0"/>
+          </a:p>
+        </p:txBody>
+      </p:sp>
+    </p:spTree>
+    <p:extLst>
+      <p:ext uri="{BB962C8B-B14F-4D97-AF65-F5344CB8AC3E}">
+        <p14:creationId xmlns:p14="http://schemas.microsoft.com/office/powerpoint/2010/main" val="3326483088"/>
       </p:ext>
     </p:extLst>
   </p:cSld>
@@ -5827,26 +7665,99 @@
       </p:grpSpPr>
       <p:sp>
         <p:nvSpPr>
-          <p:cNvPr id="2" name="标题 1"/>
-          <p:cNvSpPr>
-            <a:spLocks noGrp="1"/>
-          </p:cNvSpPr>
-          <p:nvPr>
-            <p:ph type="title"/>
-          </p:nvPr>
-        </p:nvSpPr>
-        <p:spPr/>
-        <p:txBody>
-          <a:bodyPr/>
-          <a:lstStyle/>
-          <a:p>
-            <a:endParaRPr kumimoji="1" lang="zh-CN" altLang="en-US"/>
-          </a:p>
-        </p:txBody>
-      </p:sp>
+          <p:cNvPr id="3" name="内容占位符 2">
+            <a:extLst>
+              <a:ext uri="{FF2B5EF4-FFF2-40B4-BE49-F238E27FC236}">
+                <a16:creationId xmlns:a16="http://schemas.microsoft.com/office/drawing/2014/main" id="{BC9EE13F-5B54-47B4-9CDF-1658CD2F7DF9}"/>
+              </a:ext>
+            </a:extLst>
+          </p:cNvPr>
+          <p:cNvSpPr>
+            <a:spLocks noGrp="1"/>
+          </p:cNvSpPr>
+          <p:nvPr>
+            <p:ph idx="1"/>
+          </p:nvPr>
+        </p:nvSpPr>
+        <p:spPr>
+          <a:xfrm>
+            <a:off x="1022143" y="467138"/>
+            <a:ext cx="9905998" cy="5946914"/>
+          </a:xfrm>
+        </p:spPr>
+        <p:txBody>
+          <a:bodyPr>
+            <a:normAutofit/>
+          </a:bodyPr>
+          <a:lstStyle/>
+          <a:p>
+            <a:pPr marL="0" indent="0">
+              <a:buNone/>
+            </a:pPr>
+            <a:r>
+              <a:rPr lang="en-US" altLang="zh-CN" sz="3600" dirty="0"/>
+              <a:t>Flexbox</a:t>
+            </a:r>
+            <a:r>
+              <a:rPr lang="zh-CN" altLang="en-US" sz="3600" dirty="0"/>
+              <a:t>布局让开发者可以使用一种更加高效的方式处理项目布局，即使他们的大小是未知或者是动态的。</a:t>
+            </a:r>
+            <a:endParaRPr lang="en-US" altLang="zh-CN" sz="3600" dirty="0"/>
+          </a:p>
+          <a:p>
+            <a:pPr marL="0" indent="0">
+              <a:buNone/>
+            </a:pPr>
+            <a:r>
+              <a:rPr lang="en-US" altLang="zh-CN" sz="3600" dirty="0"/>
+              <a:t>Flex</a:t>
+            </a:r>
+            <a:r>
+              <a:rPr lang="zh-CN" altLang="en-US" sz="3600" dirty="0"/>
+              <a:t>布局使容器有能力改变其子项的宽、高或顺序，同时容器可以使子项扩展来填满可用空间，或缩小以防止溢出容器。</a:t>
+            </a:r>
+          </a:p>
+        </p:txBody>
+      </p:sp>
+    </p:spTree>
+    <p:extLst>
+      <p:ext uri="{BB962C8B-B14F-4D97-AF65-F5344CB8AC3E}">
+        <p14:creationId xmlns:p14="http://schemas.microsoft.com/office/powerpoint/2010/main" val="1824422325"/>
+      </p:ext>
+    </p:extLst>
+  </p:cSld>
+  <p:clrMapOvr>
+    <a:masterClrMapping/>
+  </p:clrMapOvr>
+</p:sld>
+</file>
+
+<file path=ppt/slides/slide4.xml><?xml version="1.0" encoding="utf-8"?>
+<p:sld xmlns:a="http://schemas.openxmlformats.org/drawingml/2006/main" xmlns:r="http://schemas.openxmlformats.org/officeDocument/2006/relationships" xmlns:p="http://schemas.openxmlformats.org/presentationml/2006/main">
+  <p:cSld>
+    <p:spTree>
+      <p:nvGrpSpPr>
+        <p:cNvPr id="1" name=""/>
+        <p:cNvGrpSpPr/>
+        <p:nvPr/>
+      </p:nvGrpSpPr>
+      <p:grpSpPr>
+        <a:xfrm>
+          <a:off x="0" y="0"/>
+          <a:ext cx="0" cy="0"/>
+          <a:chOff x="0" y="0"/>
+          <a:chExt cx="0" cy="0"/>
+        </a:xfrm>
+      </p:grpSpPr>
       <p:pic>
         <p:nvPicPr>
-          <p:cNvPr id="5" name="内容占位符 4"/>
+          <p:cNvPr id="6" name="内容占位符 5">
+            <a:extLst>
+              <a:ext uri="{FF2B5EF4-FFF2-40B4-BE49-F238E27FC236}">
+                <a16:creationId xmlns:a16="http://schemas.microsoft.com/office/drawing/2014/main" id="{D7D413EA-B842-4027-ABE6-7A00996C8DAB}"/>
+              </a:ext>
+            </a:extLst>
+          </p:cNvPr>
           <p:cNvPicPr>
             <a:picLocks noGrp="1" noChangeAspect="1"/>
           </p:cNvPicPr>
@@ -5862,8 +7773,251 @@
         </p:blipFill>
         <p:spPr>
           <a:xfrm>
-            <a:off x="3058589" y="2667000"/>
-            <a:ext cx="6071648" cy="3124200"/>
+            <a:off x="636274" y="2830483"/>
+            <a:ext cx="10916275" cy="2240280"/>
+          </a:xfrm>
+          <a:prstGeom prst="rect">
+            <a:avLst/>
+          </a:prstGeom>
+        </p:spPr>
+      </p:pic>
+      <p:sp>
+        <p:nvSpPr>
+          <p:cNvPr id="5" name="标题 4">
+            <a:extLst>
+              <a:ext uri="{FF2B5EF4-FFF2-40B4-BE49-F238E27FC236}">
+                <a16:creationId xmlns:a16="http://schemas.microsoft.com/office/drawing/2014/main" id="{07F556DD-E811-4B23-9D66-FB5B03C42A0D}"/>
+              </a:ext>
+            </a:extLst>
+          </p:cNvPr>
+          <p:cNvSpPr>
+            <a:spLocks noGrp="1"/>
+          </p:cNvSpPr>
+          <p:nvPr>
+            <p:ph type="title"/>
+          </p:nvPr>
+        </p:nvSpPr>
+        <p:spPr/>
+        <p:txBody>
+          <a:bodyPr/>
+          <a:lstStyle/>
+          <a:p>
+            <a:pPr algn="ctr"/>
+            <a:r>
+              <a:rPr lang="zh-CN" altLang="en-US" dirty="0"/>
+              <a:t>三明治结构页面</a:t>
+            </a:r>
+          </a:p>
+        </p:txBody>
+      </p:sp>
+    </p:spTree>
+    <p:extLst>
+      <p:ext uri="{BB962C8B-B14F-4D97-AF65-F5344CB8AC3E}">
+        <p14:creationId xmlns:p14="http://schemas.microsoft.com/office/powerpoint/2010/main" val="971763771"/>
+      </p:ext>
+    </p:extLst>
+  </p:cSld>
+  <p:clrMapOvr>
+    <a:masterClrMapping/>
+  </p:clrMapOvr>
+</p:sld>
+</file>
+
+<file path=ppt/slides/slide5.xml><?xml version="1.0" encoding="utf-8"?>
+<p:sld xmlns:a="http://schemas.openxmlformats.org/drawingml/2006/main" xmlns:r="http://schemas.openxmlformats.org/officeDocument/2006/relationships" xmlns:p="http://schemas.openxmlformats.org/presentationml/2006/main">
+  <p:cSld>
+    <p:spTree>
+      <p:nvGrpSpPr>
+        <p:cNvPr id="1" name=""/>
+        <p:cNvGrpSpPr/>
+        <p:nvPr/>
+      </p:nvGrpSpPr>
+      <p:grpSpPr>
+        <a:xfrm>
+          <a:off x="0" y="0"/>
+          <a:ext cx="0" cy="0"/>
+          <a:chOff x="0" y="0"/>
+          <a:chExt cx="0" cy="0"/>
+        </a:xfrm>
+      </p:grpSpPr>
+      <p:pic>
+        <p:nvPicPr>
+          <p:cNvPr id="4" name="内容占位符 3">
+            <a:extLst>
+              <a:ext uri="{FF2B5EF4-FFF2-40B4-BE49-F238E27FC236}">
+                <a16:creationId xmlns:a16="http://schemas.microsoft.com/office/drawing/2014/main" id="{B1D1394A-5A04-4824-B49A-568B8708CF1E}"/>
+              </a:ext>
+            </a:extLst>
+          </p:cNvPr>
+          <p:cNvPicPr>
+            <a:picLocks noGrp="1" noChangeAspect="1"/>
+          </p:cNvPicPr>
+          <p:nvPr>
+            <p:ph idx="1"/>
+          </p:nvPr>
+        </p:nvPicPr>
+        <p:blipFill>
+          <a:blip r:embed="rId2"/>
+          <a:stretch>
+            <a:fillRect/>
+          </a:stretch>
+        </p:blipFill>
+        <p:spPr>
+          <a:xfrm>
+            <a:off x="1139686" y="-1"/>
+            <a:ext cx="2637183" cy="6858000"/>
+          </a:xfrm>
+          <a:prstGeom prst="rect">
+            <a:avLst/>
+          </a:prstGeom>
+        </p:spPr>
+      </p:pic>
+      <p:pic>
+        <p:nvPicPr>
+          <p:cNvPr id="5" name="图片 4">
+            <a:extLst>
+              <a:ext uri="{FF2B5EF4-FFF2-40B4-BE49-F238E27FC236}">
+                <a16:creationId xmlns:a16="http://schemas.microsoft.com/office/drawing/2014/main" id="{58E3EA67-027F-46F2-B9C7-677369057EDA}"/>
+              </a:ext>
+            </a:extLst>
+          </p:cNvPr>
+          <p:cNvPicPr>
+            <a:picLocks noChangeAspect="1"/>
+          </p:cNvPicPr>
+          <p:nvPr/>
+        </p:nvPicPr>
+        <p:blipFill>
+          <a:blip r:embed="rId3"/>
+          <a:stretch>
+            <a:fillRect/>
+          </a:stretch>
+        </p:blipFill>
+        <p:spPr>
+          <a:xfrm>
+            <a:off x="8441635" y="2269434"/>
+            <a:ext cx="2637183" cy="2319130"/>
+          </a:xfrm>
+          <a:prstGeom prst="rect">
+            <a:avLst/>
+          </a:prstGeom>
+        </p:spPr>
+      </p:pic>
+      <p:sp>
+        <p:nvSpPr>
+          <p:cNvPr id="6" name="文本框 5">
+            <a:extLst>
+              <a:ext uri="{FF2B5EF4-FFF2-40B4-BE49-F238E27FC236}">
+                <a16:creationId xmlns:a16="http://schemas.microsoft.com/office/drawing/2014/main" id="{31D4119D-E39F-4963-9DED-E090160E6F69}"/>
+              </a:ext>
+            </a:extLst>
+          </p:cNvPr>
+          <p:cNvSpPr txBox="1"/>
+          <p:nvPr/>
+        </p:nvSpPr>
+        <p:spPr>
+          <a:xfrm>
+            <a:off x="4611754" y="2828834"/>
+            <a:ext cx="2570922" cy="1200329"/>
+          </a:xfrm>
+          <a:prstGeom prst="rect">
+            <a:avLst/>
+          </a:prstGeom>
+          <a:noFill/>
+        </p:spPr>
+        <p:txBody>
+          <a:bodyPr wrap="square" rtlCol="0">
+            <a:spAutoFit/>
+          </a:bodyPr>
+          <a:lstStyle/>
+          <a:p>
+            <a:pPr algn="ctr"/>
+            <a:r>
+              <a:rPr lang="zh-CN" altLang="en-US" sz="7200" dirty="0"/>
+              <a:t>比较</a:t>
+            </a:r>
+          </a:p>
+        </p:txBody>
+      </p:sp>
+    </p:spTree>
+    <p:extLst>
+      <p:ext uri="{BB962C8B-B14F-4D97-AF65-F5344CB8AC3E}">
+        <p14:creationId xmlns:p14="http://schemas.microsoft.com/office/powerpoint/2010/main" val="2785652916"/>
+      </p:ext>
+    </p:extLst>
+  </p:cSld>
+  <p:clrMapOvr>
+    <a:masterClrMapping/>
+  </p:clrMapOvr>
+</p:sld>
+</file>
+
+<file path=ppt/slides/slide6.xml><?xml version="1.0" encoding="utf-8"?>
+<p:sld xmlns:a="http://schemas.openxmlformats.org/drawingml/2006/main" xmlns:r="http://schemas.openxmlformats.org/officeDocument/2006/relationships" xmlns:p="http://schemas.openxmlformats.org/presentationml/2006/main">
+  <p:cSld>
+    <p:spTree>
+      <p:nvGrpSpPr>
+        <p:cNvPr id="1" name=""/>
+        <p:cNvGrpSpPr/>
+        <p:nvPr/>
+      </p:nvGrpSpPr>
+      <p:grpSpPr>
+        <a:xfrm>
+          <a:off x="0" y="0"/>
+          <a:ext cx="0" cy="0"/>
+          <a:chOff x="0" y="0"/>
+          <a:chExt cx="0" cy="0"/>
+        </a:xfrm>
+      </p:grpSpPr>
+      <p:sp>
+        <p:nvSpPr>
+          <p:cNvPr id="2" name="标题 1"/>
+          <p:cNvSpPr>
+            <a:spLocks noGrp="1"/>
+          </p:cNvSpPr>
+          <p:nvPr>
+            <p:ph type="title"/>
+          </p:nvPr>
+        </p:nvSpPr>
+        <p:spPr>
+          <a:xfrm>
+            <a:off x="1039492" y="1"/>
+            <a:ext cx="9905998" cy="1099930"/>
+          </a:xfrm>
+        </p:spPr>
+        <p:txBody>
+          <a:bodyPr>
+            <a:normAutofit/>
+          </a:bodyPr>
+          <a:lstStyle/>
+          <a:p>
+            <a:pPr algn="ctr"/>
+            <a:r>
+              <a:rPr kumimoji="1" lang="zh-CN" altLang="en-US" sz="4000" dirty="0"/>
+              <a:t>浏览器支持</a:t>
+            </a:r>
+          </a:p>
+        </p:txBody>
+      </p:sp>
+      <p:pic>
+        <p:nvPicPr>
+          <p:cNvPr id="5" name="内容占位符 4"/>
+          <p:cNvPicPr>
+            <a:picLocks noGrp="1" noChangeAspect="1"/>
+          </p:cNvPicPr>
+          <p:nvPr>
+            <p:ph idx="1"/>
+          </p:nvPr>
+        </p:nvPicPr>
+        <p:blipFill>
+          <a:blip r:embed="rId2"/>
+          <a:stretch>
+            <a:fillRect/>
+          </a:stretch>
+        </p:blipFill>
+        <p:spPr>
+          <a:xfrm>
+            <a:off x="1057803" y="1179442"/>
+            <a:ext cx="9887687" cy="5266691"/>
           </a:xfrm>
           <a:prstGeom prst="rect">
             <a:avLst/>
@@ -5873,7 +8027,860 @@
     </p:spTree>
     <p:extLst>
       <p:ext uri="{BB962C8B-B14F-4D97-AF65-F5344CB8AC3E}">
-        <p14:creationId xmlns:p14="http://schemas.microsoft.com/office/powerpoint/2010/main" val="337489002"/>
+        <p14:creationId xmlns:p14="http://schemas.microsoft.com/office/powerpoint/2010/main" val="458202264"/>
+      </p:ext>
+    </p:extLst>
+  </p:cSld>
+  <p:clrMapOvr>
+    <a:masterClrMapping/>
+  </p:clrMapOvr>
+</p:sld>
+</file>
+
+<file path=ppt/slides/slide7.xml><?xml version="1.0" encoding="utf-8"?>
+<p:sld xmlns:a="http://schemas.openxmlformats.org/drawingml/2006/main" xmlns:r="http://schemas.openxmlformats.org/officeDocument/2006/relationships" xmlns:p="http://schemas.openxmlformats.org/presentationml/2006/main">
+  <p:cSld>
+    <p:spTree>
+      <p:nvGrpSpPr>
+        <p:cNvPr id="1" name=""/>
+        <p:cNvGrpSpPr/>
+        <p:nvPr/>
+      </p:nvGrpSpPr>
+      <p:grpSpPr>
+        <a:xfrm>
+          <a:off x="0" y="0"/>
+          <a:ext cx="0" cy="0"/>
+          <a:chOff x="0" y="0"/>
+          <a:chExt cx="0" cy="0"/>
+        </a:xfrm>
+      </p:grpSpPr>
+      <p:sp>
+        <p:nvSpPr>
+          <p:cNvPr id="2" name="标题 1">
+            <a:extLst>
+              <a:ext uri="{FF2B5EF4-FFF2-40B4-BE49-F238E27FC236}">
+                <a16:creationId xmlns:a16="http://schemas.microsoft.com/office/drawing/2014/main" id="{43B19053-8120-48B4-93E8-124D959FAC7C}"/>
+              </a:ext>
+            </a:extLst>
+          </p:cNvPr>
+          <p:cNvSpPr>
+            <a:spLocks noGrp="1"/>
+          </p:cNvSpPr>
+          <p:nvPr>
+            <p:ph type="title"/>
+          </p:nvPr>
+        </p:nvSpPr>
+        <p:spPr/>
+        <p:txBody>
+          <a:bodyPr>
+            <a:normAutofit/>
+          </a:bodyPr>
+          <a:lstStyle/>
+          <a:p>
+            <a:pPr algn="ctr"/>
+            <a:r>
+              <a:rPr lang="en-US" altLang="zh-CN" sz="4800" dirty="0"/>
+              <a:t>FLEX</a:t>
+            </a:r>
+            <a:r>
+              <a:rPr lang="zh-CN" altLang="en-US" sz="4800" dirty="0"/>
+              <a:t>基础结构</a:t>
+            </a:r>
+          </a:p>
+        </p:txBody>
+      </p:sp>
+      <p:sp>
+        <p:nvSpPr>
+          <p:cNvPr id="3" name="内容占位符 2">
+            <a:extLst>
+              <a:ext uri="{FF2B5EF4-FFF2-40B4-BE49-F238E27FC236}">
+                <a16:creationId xmlns:a16="http://schemas.microsoft.com/office/drawing/2014/main" id="{DBF8EBDD-8CD2-48C6-B735-72AAF4F6F24F}"/>
+              </a:ext>
+            </a:extLst>
+          </p:cNvPr>
+          <p:cNvSpPr>
+            <a:spLocks noGrp="1"/>
+          </p:cNvSpPr>
+          <p:nvPr>
+            <p:ph idx="1"/>
+          </p:nvPr>
+        </p:nvSpPr>
+        <p:spPr>
+          <a:xfrm>
+            <a:off x="1141413" y="2666999"/>
+            <a:ext cx="4464257" cy="3124201"/>
+          </a:xfrm>
+        </p:spPr>
+        <p:txBody>
+          <a:bodyPr>
+            <a:normAutofit/>
+          </a:bodyPr>
+          <a:lstStyle/>
+          <a:p>
+            <a:pPr marL="0" indent="0" algn="ctr">
+              <a:buNone/>
+            </a:pPr>
+            <a:r>
+              <a:rPr lang="zh-CN" altLang="en-US" sz="3600" dirty="0"/>
+              <a:t>容器</a:t>
+            </a:r>
+          </a:p>
+        </p:txBody>
+      </p:sp>
+      <p:sp>
+        <p:nvSpPr>
+          <p:cNvPr id="4" name="内容占位符 2">
+            <a:extLst>
+              <a:ext uri="{FF2B5EF4-FFF2-40B4-BE49-F238E27FC236}">
+                <a16:creationId xmlns:a16="http://schemas.microsoft.com/office/drawing/2014/main" id="{AE7F5706-F187-496B-A00A-F572793F1809}"/>
+              </a:ext>
+            </a:extLst>
+          </p:cNvPr>
+          <p:cNvSpPr txBox="1">
+            <a:spLocks/>
+          </p:cNvSpPr>
+          <p:nvPr/>
+        </p:nvSpPr>
+        <p:spPr>
+          <a:xfrm>
+            <a:off x="6201415" y="2666998"/>
+            <a:ext cx="5037550" cy="3124201"/>
+          </a:xfrm>
+          <a:prstGeom prst="rect">
+            <a:avLst/>
+          </a:prstGeom>
+        </p:spPr>
+        <p:txBody>
+          <a:bodyPr vert="horz" lIns="91440" tIns="45720" rIns="91440" bIns="45720" rtlCol="0" anchor="ctr">
+            <a:normAutofit/>
+          </a:bodyPr>
+          <a:lstStyle>
+            <a:lvl1pPr marL="285750" indent="-285750" algn="l" defTabSz="457200" rtl="0" eaLnBrk="1" latinLnBrk="0" hangingPunct="1">
+              <a:spcBef>
+                <a:spcPct val="20000"/>
+              </a:spcBef>
+              <a:spcAft>
+                <a:spcPts val="600"/>
+              </a:spcAft>
+              <a:buClr>
+                <a:schemeClr val="tx1"/>
+              </a:buClr>
+              <a:buSzPct val="100000"/>
+              <a:buFont typeface="Arial"/>
+              <a:buChar char="•"/>
+              <a:defRPr sz="2000" kern="1200" cap="small">
+                <a:gradFill flip="none" rotWithShape="1">
+                  <a:gsLst>
+                    <a:gs pos="0">
+                      <a:schemeClr val="tx1"/>
+                    </a:gs>
+                    <a:gs pos="100000">
+                      <a:schemeClr val="tx1">
+                        <a:lumMod val="75000"/>
+                      </a:schemeClr>
+                    </a:gs>
+                  </a:gsLst>
+                  <a:lin ang="5580000" scaled="0"/>
+                  <a:tileRect/>
+                </a:gradFill>
+                <a:effectLst>
+                  <a:glow rad="38100">
+                    <a:schemeClr val="bg1">
+                      <a:lumMod val="50000"/>
+                      <a:lumOff val="50000"/>
+                      <a:alpha val="20000"/>
+                    </a:schemeClr>
+                  </a:glow>
+                  <a:outerShdw blurRad="44450" dist="12700" dir="13860000" algn="tl" rotWithShape="0">
+                    <a:srgbClr val="000000">
+                      <a:alpha val="20000"/>
+                    </a:srgbClr>
+                  </a:outerShdw>
+                </a:effectLst>
+                <a:latin typeface="+mn-lt"/>
+                <a:ea typeface="+mn-ea"/>
+                <a:cs typeface="+mn-cs"/>
+              </a:defRPr>
+            </a:lvl1pPr>
+            <a:lvl2pPr marL="742950" indent="-285750" algn="l" defTabSz="457200" rtl="0" eaLnBrk="1" latinLnBrk="0" hangingPunct="1">
+              <a:spcBef>
+                <a:spcPct val="20000"/>
+              </a:spcBef>
+              <a:spcAft>
+                <a:spcPts val="600"/>
+              </a:spcAft>
+              <a:buClr>
+                <a:schemeClr val="tx1"/>
+              </a:buClr>
+              <a:buSzPct val="100000"/>
+              <a:buFont typeface="Arial"/>
+              <a:buChar char="•"/>
+              <a:defRPr sz="1800" kern="1200" cap="small">
+                <a:gradFill flip="none" rotWithShape="1">
+                  <a:gsLst>
+                    <a:gs pos="0">
+                      <a:schemeClr val="tx1"/>
+                    </a:gs>
+                    <a:gs pos="100000">
+                      <a:schemeClr val="tx1">
+                        <a:lumMod val="75000"/>
+                      </a:schemeClr>
+                    </a:gs>
+                  </a:gsLst>
+                  <a:lin ang="5580000" scaled="0"/>
+                  <a:tileRect/>
+                </a:gradFill>
+                <a:effectLst>
+                  <a:glow rad="38100">
+                    <a:schemeClr val="bg1">
+                      <a:lumMod val="50000"/>
+                      <a:lumOff val="50000"/>
+                      <a:alpha val="20000"/>
+                    </a:schemeClr>
+                  </a:glow>
+                  <a:outerShdw blurRad="44450" dist="12700" dir="13860000" algn="tl" rotWithShape="0">
+                    <a:srgbClr val="000000">
+                      <a:alpha val="20000"/>
+                    </a:srgbClr>
+                  </a:outerShdw>
+                </a:effectLst>
+                <a:latin typeface="+mn-lt"/>
+                <a:ea typeface="+mn-ea"/>
+                <a:cs typeface="+mn-cs"/>
+              </a:defRPr>
+            </a:lvl2pPr>
+            <a:lvl3pPr marL="1200150" indent="-285750" algn="l" defTabSz="457200" rtl="0" eaLnBrk="1" latinLnBrk="0" hangingPunct="1">
+              <a:spcBef>
+                <a:spcPct val="20000"/>
+              </a:spcBef>
+              <a:spcAft>
+                <a:spcPts val="600"/>
+              </a:spcAft>
+              <a:buClr>
+                <a:schemeClr val="tx1"/>
+              </a:buClr>
+              <a:buSzPct val="100000"/>
+              <a:buFont typeface="Arial"/>
+              <a:buChar char="•"/>
+              <a:defRPr sz="1600" kern="1200" cap="small">
+                <a:gradFill flip="none" rotWithShape="1">
+                  <a:gsLst>
+                    <a:gs pos="0">
+                      <a:schemeClr val="tx1"/>
+                    </a:gs>
+                    <a:gs pos="100000">
+                      <a:schemeClr val="tx1">
+                        <a:lumMod val="75000"/>
+                      </a:schemeClr>
+                    </a:gs>
+                  </a:gsLst>
+                  <a:lin ang="5580000" scaled="0"/>
+                  <a:tileRect/>
+                </a:gradFill>
+                <a:effectLst>
+                  <a:glow rad="38100">
+                    <a:schemeClr val="bg1">
+                      <a:lumMod val="50000"/>
+                      <a:lumOff val="50000"/>
+                      <a:alpha val="20000"/>
+                    </a:schemeClr>
+                  </a:glow>
+                  <a:outerShdw blurRad="44450" dist="12700" dir="13860000" algn="tl" rotWithShape="0">
+                    <a:srgbClr val="000000">
+                      <a:alpha val="20000"/>
+                    </a:srgbClr>
+                  </a:outerShdw>
+                </a:effectLst>
+                <a:latin typeface="+mn-lt"/>
+                <a:ea typeface="+mn-ea"/>
+                <a:cs typeface="+mn-cs"/>
+              </a:defRPr>
+            </a:lvl3pPr>
+            <a:lvl4pPr marL="1543050" indent="-171450" algn="l" defTabSz="457200" rtl="0" eaLnBrk="1" latinLnBrk="0" hangingPunct="1">
+              <a:spcBef>
+                <a:spcPct val="20000"/>
+              </a:spcBef>
+              <a:spcAft>
+                <a:spcPts val="600"/>
+              </a:spcAft>
+              <a:buClr>
+                <a:schemeClr val="tx1"/>
+              </a:buClr>
+              <a:buSzPct val="100000"/>
+              <a:buFont typeface="Arial"/>
+              <a:buChar char="•"/>
+              <a:defRPr sz="1400" kern="1200" cap="small">
+                <a:gradFill flip="none" rotWithShape="1">
+                  <a:gsLst>
+                    <a:gs pos="0">
+                      <a:schemeClr val="tx1"/>
+                    </a:gs>
+                    <a:gs pos="100000">
+                      <a:schemeClr val="tx1">
+                        <a:lumMod val="75000"/>
+                      </a:schemeClr>
+                    </a:gs>
+                  </a:gsLst>
+                  <a:lin ang="5580000" scaled="0"/>
+                  <a:tileRect/>
+                </a:gradFill>
+                <a:effectLst>
+                  <a:glow rad="38100">
+                    <a:schemeClr val="bg1">
+                      <a:lumMod val="50000"/>
+                      <a:lumOff val="50000"/>
+                      <a:alpha val="20000"/>
+                    </a:schemeClr>
+                  </a:glow>
+                  <a:outerShdw blurRad="44450" dist="12700" dir="13860000" algn="tl" rotWithShape="0">
+                    <a:srgbClr val="000000">
+                      <a:alpha val="20000"/>
+                    </a:srgbClr>
+                  </a:outerShdw>
+                </a:effectLst>
+                <a:latin typeface="+mn-lt"/>
+                <a:ea typeface="+mn-ea"/>
+                <a:cs typeface="+mn-cs"/>
+              </a:defRPr>
+            </a:lvl4pPr>
+            <a:lvl5pPr marL="2000250" indent="-171450" algn="l" defTabSz="457200" rtl="0" eaLnBrk="1" latinLnBrk="0" hangingPunct="1">
+              <a:spcBef>
+                <a:spcPct val="20000"/>
+              </a:spcBef>
+              <a:spcAft>
+                <a:spcPts val="600"/>
+              </a:spcAft>
+              <a:buClr>
+                <a:schemeClr val="tx1"/>
+              </a:buClr>
+              <a:buSzPct val="100000"/>
+              <a:buFont typeface="Arial"/>
+              <a:buChar char="•"/>
+              <a:defRPr sz="1400" kern="1200" cap="small">
+                <a:gradFill flip="none" rotWithShape="1">
+                  <a:gsLst>
+                    <a:gs pos="0">
+                      <a:schemeClr val="tx1"/>
+                    </a:gs>
+                    <a:gs pos="100000">
+                      <a:schemeClr val="tx1">
+                        <a:lumMod val="75000"/>
+                      </a:schemeClr>
+                    </a:gs>
+                  </a:gsLst>
+                  <a:lin ang="5580000" scaled="0"/>
+                  <a:tileRect/>
+                </a:gradFill>
+                <a:effectLst>
+                  <a:glow rad="38100">
+                    <a:schemeClr val="bg1">
+                      <a:lumMod val="50000"/>
+                      <a:lumOff val="50000"/>
+                      <a:alpha val="20000"/>
+                    </a:schemeClr>
+                  </a:glow>
+                  <a:outerShdw blurRad="44450" dist="12700" dir="13860000" algn="tl" rotWithShape="0">
+                    <a:srgbClr val="000000">
+                      <a:alpha val="20000"/>
+                    </a:srgbClr>
+                  </a:outerShdw>
+                </a:effectLst>
+                <a:latin typeface="+mn-lt"/>
+                <a:ea typeface="+mn-ea"/>
+                <a:cs typeface="+mn-cs"/>
+              </a:defRPr>
+            </a:lvl5pPr>
+            <a:lvl6pPr marL="2514600" indent="-228600" algn="l" defTabSz="457200" rtl="0" eaLnBrk="1" latinLnBrk="0" hangingPunct="1">
+              <a:spcBef>
+                <a:spcPct val="20000"/>
+              </a:spcBef>
+              <a:spcAft>
+                <a:spcPts val="600"/>
+              </a:spcAft>
+              <a:buClr>
+                <a:schemeClr val="tx1"/>
+              </a:buClr>
+              <a:buSzPct val="100000"/>
+              <a:buFont typeface="Arial"/>
+              <a:buChar char="•"/>
+              <a:defRPr sz="1200" kern="1200" cap="small">
+                <a:gradFill flip="none" rotWithShape="1">
+                  <a:gsLst>
+                    <a:gs pos="0">
+                      <a:schemeClr val="tx1"/>
+                    </a:gs>
+                    <a:gs pos="100000">
+                      <a:schemeClr val="tx1">
+                        <a:lumMod val="75000"/>
+                      </a:schemeClr>
+                    </a:gs>
+                  </a:gsLst>
+                  <a:lin ang="5580000" scaled="0"/>
+                  <a:tileRect/>
+                </a:gradFill>
+                <a:effectLst>
+                  <a:glow rad="38100">
+                    <a:schemeClr val="bg1">
+                      <a:lumMod val="50000"/>
+                      <a:lumOff val="50000"/>
+                      <a:alpha val="20000"/>
+                    </a:schemeClr>
+                  </a:glow>
+                  <a:outerShdw blurRad="44450" dist="12700" dir="13860000" algn="tl" rotWithShape="0">
+                    <a:srgbClr val="000000">
+                      <a:alpha val="20000"/>
+                    </a:srgbClr>
+                  </a:outerShdw>
+                </a:effectLst>
+                <a:latin typeface="+mn-lt"/>
+                <a:ea typeface="+mn-ea"/>
+                <a:cs typeface="+mn-cs"/>
+              </a:defRPr>
+            </a:lvl6pPr>
+            <a:lvl7pPr marL="2971800" indent="-228600" algn="l" defTabSz="457200" rtl="0" eaLnBrk="1" latinLnBrk="0" hangingPunct="1">
+              <a:spcBef>
+                <a:spcPct val="20000"/>
+              </a:spcBef>
+              <a:spcAft>
+                <a:spcPts val="600"/>
+              </a:spcAft>
+              <a:buClr>
+                <a:schemeClr val="tx1"/>
+              </a:buClr>
+              <a:buSzPct val="100000"/>
+              <a:buFont typeface="Arial"/>
+              <a:buChar char="•"/>
+              <a:defRPr sz="1200" kern="1200" cap="small">
+                <a:gradFill flip="none" rotWithShape="1">
+                  <a:gsLst>
+                    <a:gs pos="0">
+                      <a:schemeClr val="tx1"/>
+                    </a:gs>
+                    <a:gs pos="100000">
+                      <a:schemeClr val="tx1">
+                        <a:lumMod val="75000"/>
+                      </a:schemeClr>
+                    </a:gs>
+                  </a:gsLst>
+                  <a:lin ang="5580000" scaled="0"/>
+                  <a:tileRect/>
+                </a:gradFill>
+                <a:effectLst>
+                  <a:glow rad="38100">
+                    <a:schemeClr val="bg1">
+                      <a:lumMod val="50000"/>
+                      <a:lumOff val="50000"/>
+                      <a:alpha val="20000"/>
+                    </a:schemeClr>
+                  </a:glow>
+                  <a:outerShdw blurRad="44450" dist="12700" dir="13860000" algn="tl" rotWithShape="0">
+                    <a:srgbClr val="000000">
+                      <a:alpha val="20000"/>
+                    </a:srgbClr>
+                  </a:outerShdw>
+                </a:effectLst>
+                <a:latin typeface="+mn-lt"/>
+                <a:ea typeface="+mn-ea"/>
+                <a:cs typeface="+mn-cs"/>
+              </a:defRPr>
+            </a:lvl7pPr>
+            <a:lvl8pPr marL="3429000" indent="-228600" algn="l" defTabSz="457200" rtl="0" eaLnBrk="1" latinLnBrk="0" hangingPunct="1">
+              <a:spcBef>
+                <a:spcPct val="20000"/>
+              </a:spcBef>
+              <a:spcAft>
+                <a:spcPts val="600"/>
+              </a:spcAft>
+              <a:buClr>
+                <a:schemeClr val="tx1"/>
+              </a:buClr>
+              <a:buSzPct val="100000"/>
+              <a:buFont typeface="Arial"/>
+              <a:buChar char="•"/>
+              <a:defRPr sz="1200" kern="1200" cap="small">
+                <a:gradFill flip="none" rotWithShape="1">
+                  <a:gsLst>
+                    <a:gs pos="0">
+                      <a:schemeClr val="tx1"/>
+                    </a:gs>
+                    <a:gs pos="100000">
+                      <a:schemeClr val="tx1">
+                        <a:lumMod val="75000"/>
+                      </a:schemeClr>
+                    </a:gs>
+                  </a:gsLst>
+                  <a:lin ang="5580000" scaled="0"/>
+                  <a:tileRect/>
+                </a:gradFill>
+                <a:effectLst>
+                  <a:glow rad="38100">
+                    <a:schemeClr val="bg1">
+                      <a:lumMod val="50000"/>
+                      <a:lumOff val="50000"/>
+                      <a:alpha val="20000"/>
+                    </a:schemeClr>
+                  </a:glow>
+                  <a:outerShdw blurRad="44450" dist="12700" dir="13860000" algn="tl" rotWithShape="0">
+                    <a:srgbClr val="000000">
+                      <a:alpha val="20000"/>
+                    </a:srgbClr>
+                  </a:outerShdw>
+                </a:effectLst>
+                <a:latin typeface="+mn-lt"/>
+                <a:ea typeface="+mn-ea"/>
+                <a:cs typeface="+mn-cs"/>
+              </a:defRPr>
+            </a:lvl8pPr>
+            <a:lvl9pPr marL="3886200" indent="-228600" algn="l" defTabSz="457200" rtl="0" eaLnBrk="1" latinLnBrk="0" hangingPunct="1">
+              <a:spcBef>
+                <a:spcPct val="20000"/>
+              </a:spcBef>
+              <a:spcAft>
+                <a:spcPts val="600"/>
+              </a:spcAft>
+              <a:buClr>
+                <a:schemeClr val="tx1"/>
+              </a:buClr>
+              <a:buSzPct val="100000"/>
+              <a:buFont typeface="Arial"/>
+              <a:buChar char="•"/>
+              <a:defRPr sz="1200" kern="1200" cap="small">
+                <a:gradFill flip="none" rotWithShape="1">
+                  <a:gsLst>
+                    <a:gs pos="0">
+                      <a:schemeClr val="tx1"/>
+                    </a:gs>
+                    <a:gs pos="100000">
+                      <a:schemeClr val="tx1">
+                        <a:lumMod val="75000"/>
+                      </a:schemeClr>
+                    </a:gs>
+                  </a:gsLst>
+                  <a:lin ang="5580000" scaled="0"/>
+                  <a:tileRect/>
+                </a:gradFill>
+                <a:effectLst>
+                  <a:glow rad="38100">
+                    <a:schemeClr val="bg1">
+                      <a:lumMod val="50000"/>
+                      <a:lumOff val="50000"/>
+                      <a:alpha val="20000"/>
+                    </a:schemeClr>
+                  </a:glow>
+                  <a:outerShdw blurRad="44450" dist="12700" dir="13860000" algn="tl" rotWithShape="0">
+                    <a:srgbClr val="000000">
+                      <a:alpha val="20000"/>
+                    </a:srgbClr>
+                  </a:outerShdw>
+                </a:effectLst>
+                <a:latin typeface="+mn-lt"/>
+                <a:ea typeface="+mn-ea"/>
+                <a:cs typeface="+mn-cs"/>
+              </a:defRPr>
+            </a:lvl9pPr>
+          </a:lstStyle>
+          <a:p>
+            <a:pPr marL="0" indent="0" algn="ctr">
+              <a:buFont typeface="Arial"/>
+              <a:buNone/>
+            </a:pPr>
+            <a:r>
+              <a:rPr lang="zh-CN" altLang="en-US" sz="3600" dirty="0"/>
+              <a:t>子项</a:t>
+            </a:r>
+          </a:p>
+        </p:txBody>
+      </p:sp>
+    </p:spTree>
+    <p:extLst>
+      <p:ext uri="{BB962C8B-B14F-4D97-AF65-F5344CB8AC3E}">
+        <p14:creationId xmlns:p14="http://schemas.microsoft.com/office/powerpoint/2010/main" val="717803777"/>
+      </p:ext>
+    </p:extLst>
+  </p:cSld>
+  <p:clrMapOvr>
+    <a:masterClrMapping/>
+  </p:clrMapOvr>
+</p:sld>
+</file>
+
+<file path=ppt/slides/slide8.xml><?xml version="1.0" encoding="utf-8"?>
+<p:sld xmlns:a="http://schemas.openxmlformats.org/drawingml/2006/main" xmlns:r="http://schemas.openxmlformats.org/officeDocument/2006/relationships" xmlns:p="http://schemas.openxmlformats.org/presentationml/2006/main">
+  <p:cSld>
+    <p:spTree>
+      <p:nvGrpSpPr>
+        <p:cNvPr id="1" name=""/>
+        <p:cNvGrpSpPr/>
+        <p:nvPr/>
+      </p:nvGrpSpPr>
+      <p:grpSpPr>
+        <a:xfrm>
+          <a:off x="0" y="0"/>
+          <a:ext cx="0" cy="0"/>
+          <a:chOff x="0" y="0"/>
+          <a:chExt cx="0" cy="0"/>
+        </a:xfrm>
+      </p:grpSpPr>
+      <p:sp>
+        <p:nvSpPr>
+          <p:cNvPr id="2" name="标题 1">
+            <a:extLst>
+              <a:ext uri="{FF2B5EF4-FFF2-40B4-BE49-F238E27FC236}">
+                <a16:creationId xmlns:a16="http://schemas.microsoft.com/office/drawing/2014/main" id="{8FC3F6F2-B4D0-4A5C-9A8B-A53E071F436D}"/>
+              </a:ext>
+            </a:extLst>
+          </p:cNvPr>
+          <p:cNvSpPr>
+            <a:spLocks noGrp="1"/>
+          </p:cNvSpPr>
+          <p:nvPr>
+            <p:ph type="title"/>
+          </p:nvPr>
+        </p:nvSpPr>
+        <p:spPr>
+          <a:xfrm>
+            <a:off x="1141413" y="609600"/>
+            <a:ext cx="9905998" cy="1163782"/>
+          </a:xfrm>
+        </p:spPr>
+        <p:txBody>
+          <a:bodyPr>
+            <a:normAutofit/>
+          </a:bodyPr>
+          <a:lstStyle/>
+          <a:p>
+            <a:pPr algn="ctr"/>
+            <a:r>
+              <a:rPr lang="zh-CN" altLang="en-US" sz="4000" dirty="0"/>
+              <a:t>容器属性</a:t>
+            </a:r>
+          </a:p>
+        </p:txBody>
+      </p:sp>
+      <p:sp>
+        <p:nvSpPr>
+          <p:cNvPr id="7" name="文本框 6">
+            <a:extLst>
+              <a:ext uri="{FF2B5EF4-FFF2-40B4-BE49-F238E27FC236}">
+                <a16:creationId xmlns:a16="http://schemas.microsoft.com/office/drawing/2014/main" id="{2C276D97-CCCB-476C-81CE-B4294E655EFC}"/>
+              </a:ext>
+            </a:extLst>
+          </p:cNvPr>
+          <p:cNvSpPr txBox="1"/>
+          <p:nvPr/>
+        </p:nvSpPr>
+        <p:spPr>
+          <a:xfrm>
+            <a:off x="382725" y="2457375"/>
+            <a:ext cx="11423374" cy="2246769"/>
+          </a:xfrm>
+          <a:prstGeom prst="rect">
+            <a:avLst/>
+          </a:prstGeom>
+          <a:noFill/>
+        </p:spPr>
+        <p:txBody>
+          <a:bodyPr wrap="square" rtlCol="0">
+            <a:spAutoFit/>
+          </a:bodyPr>
+          <a:lstStyle/>
+          <a:p>
+            <a:pPr algn="ctr"/>
+            <a:r>
+              <a:rPr lang="zh-CN" altLang="en-US" sz="2800" dirty="0"/>
+              <a:t>当容器设置 </a:t>
+            </a:r>
+            <a:r>
+              <a:rPr lang="en-US" altLang="zh-CN" sz="2800" dirty="0"/>
+              <a:t>display </a:t>
+            </a:r>
+            <a:r>
+              <a:rPr lang="zh-CN" altLang="en-US" sz="2800" dirty="0"/>
+              <a:t>属性设置为 </a:t>
+            </a:r>
+            <a:r>
+              <a:rPr lang="en-US" altLang="zh-CN" sz="2800" dirty="0"/>
+              <a:t>flex </a:t>
+            </a:r>
+            <a:r>
+              <a:rPr lang="zh-CN" altLang="en-US" sz="2800" dirty="0"/>
+              <a:t>或</a:t>
+            </a:r>
+            <a:r>
+              <a:rPr lang="en-US" altLang="zh-CN" sz="2800" dirty="0"/>
+              <a:t> inline-flex </a:t>
+            </a:r>
+            <a:r>
+              <a:rPr lang="zh-CN" altLang="en-US" sz="2800" dirty="0"/>
+              <a:t>时具备以下属性：</a:t>
+            </a:r>
+            <a:endParaRPr lang="en-US" altLang="zh-CN" sz="2800" dirty="0"/>
+          </a:p>
+          <a:p>
+            <a:endParaRPr lang="en-US" altLang="zh-CN" sz="2800" dirty="0"/>
+          </a:p>
+          <a:p>
+            <a:r>
+              <a:rPr lang="en-US" altLang="zh-CN" sz="2800" dirty="0"/>
+              <a:t>                    flex-direction       flex-wrap        flex-flow</a:t>
+            </a:r>
+          </a:p>
+          <a:p>
+            <a:pPr algn="ctr"/>
+            <a:endParaRPr lang="en-US" altLang="zh-CN" sz="2800" dirty="0"/>
+          </a:p>
+          <a:p>
+            <a:r>
+              <a:rPr lang="en-US" altLang="zh-CN" sz="2800" dirty="0"/>
+              <a:t>                justify-content        align-items        align-content</a:t>
+            </a:r>
+            <a:endParaRPr lang="zh-CN" altLang="en-US" sz="2800" dirty="0"/>
+          </a:p>
+        </p:txBody>
+      </p:sp>
+    </p:spTree>
+    <p:extLst>
+      <p:ext uri="{BB962C8B-B14F-4D97-AF65-F5344CB8AC3E}">
+        <p14:creationId xmlns:p14="http://schemas.microsoft.com/office/powerpoint/2010/main" val="230644621"/>
+      </p:ext>
+    </p:extLst>
+  </p:cSld>
+  <p:clrMapOvr>
+    <a:masterClrMapping/>
+  </p:clrMapOvr>
+</p:sld>
+</file>
+
+<file path=ppt/slides/slide9.xml><?xml version="1.0" encoding="utf-8"?>
+<p:sld xmlns:a="http://schemas.openxmlformats.org/drawingml/2006/main" xmlns:r="http://schemas.openxmlformats.org/officeDocument/2006/relationships" xmlns:p="http://schemas.openxmlformats.org/presentationml/2006/main">
+  <p:cSld>
+    <p:spTree>
+      <p:nvGrpSpPr>
+        <p:cNvPr id="1" name=""/>
+        <p:cNvGrpSpPr/>
+        <p:nvPr/>
+      </p:nvGrpSpPr>
+      <p:grpSpPr>
+        <a:xfrm>
+          <a:off x="0" y="0"/>
+          <a:ext cx="0" cy="0"/>
+          <a:chOff x="0" y="0"/>
+          <a:chExt cx="0" cy="0"/>
+        </a:xfrm>
+      </p:grpSpPr>
+      <p:sp>
+        <p:nvSpPr>
+          <p:cNvPr id="2" name="标题 1">
+            <a:extLst>
+              <a:ext uri="{FF2B5EF4-FFF2-40B4-BE49-F238E27FC236}">
+                <a16:creationId xmlns:a16="http://schemas.microsoft.com/office/drawing/2014/main" id="{A938CF80-F668-4B65-B009-F9F86A52F090}"/>
+              </a:ext>
+            </a:extLst>
+          </p:cNvPr>
+          <p:cNvSpPr>
+            <a:spLocks noGrp="1"/>
+          </p:cNvSpPr>
+          <p:nvPr>
+            <p:ph type="title"/>
+          </p:nvPr>
+        </p:nvSpPr>
+        <p:spPr/>
+        <p:txBody>
+          <a:bodyPr>
+            <a:normAutofit/>
+          </a:bodyPr>
+          <a:lstStyle/>
+          <a:p>
+            <a:pPr algn="ctr"/>
+            <a:r>
+              <a:rPr lang="zh-CN" altLang="en-US" sz="4000" dirty="0">
+                <a:effectLst/>
+              </a:rPr>
+              <a:t>子项在主轴排列方向</a:t>
+            </a:r>
+            <a:endParaRPr lang="zh-CN" altLang="en-US" sz="4000" dirty="0"/>
+          </a:p>
+        </p:txBody>
+      </p:sp>
+      <p:sp>
+        <p:nvSpPr>
+          <p:cNvPr id="4" name="文本框 3">
+            <a:extLst>
+              <a:ext uri="{FF2B5EF4-FFF2-40B4-BE49-F238E27FC236}">
+                <a16:creationId xmlns:a16="http://schemas.microsoft.com/office/drawing/2014/main" id="{21022717-DEE6-4DFE-BEFC-C21B40A54266}"/>
+              </a:ext>
+            </a:extLst>
+          </p:cNvPr>
+          <p:cNvSpPr txBox="1"/>
+          <p:nvPr/>
+        </p:nvSpPr>
+        <p:spPr>
+          <a:xfrm>
+            <a:off x="501994" y="2750592"/>
+            <a:ext cx="11184835" cy="2246769"/>
+          </a:xfrm>
+          <a:prstGeom prst="rect">
+            <a:avLst/>
+          </a:prstGeom>
+          <a:noFill/>
+        </p:spPr>
+        <p:txBody>
+          <a:bodyPr wrap="square" rtlCol="0">
+            <a:spAutoFit/>
+          </a:bodyPr>
+          <a:lstStyle/>
+          <a:p>
+            <a:r>
+              <a:rPr lang="en-US" altLang="zh-CN" sz="2800" dirty="0"/>
+              <a:t>flex-direction:</a:t>
+            </a:r>
+          </a:p>
+          <a:p>
+            <a:r>
+              <a:rPr lang="en-US" altLang="zh-CN" sz="2800" dirty="0"/>
+              <a:t>row</a:t>
+            </a:r>
+            <a:r>
+              <a:rPr lang="zh-CN" altLang="en-US" sz="2800" dirty="0"/>
+              <a:t>（默认值）：主轴为水平方向，起点在左端。</a:t>
+            </a:r>
+          </a:p>
+          <a:p>
+            <a:r>
+              <a:rPr lang="en-US" altLang="zh-CN" sz="2800" dirty="0"/>
+              <a:t>row-reverse</a:t>
+            </a:r>
+            <a:r>
+              <a:rPr lang="zh-CN" altLang="en-US" sz="2800" dirty="0"/>
+              <a:t>：主轴为水平方向，起点在右端。</a:t>
+            </a:r>
+          </a:p>
+          <a:p>
+            <a:r>
+              <a:rPr lang="en-US" altLang="zh-CN" sz="2800" dirty="0"/>
+              <a:t>column</a:t>
+            </a:r>
+            <a:r>
+              <a:rPr lang="zh-CN" altLang="en-US" sz="2800" dirty="0"/>
+              <a:t>：主轴为垂直方向，起点在上沿。</a:t>
+            </a:r>
+          </a:p>
+          <a:p>
+            <a:r>
+              <a:rPr lang="en-US" altLang="zh-CN" sz="2800" dirty="0"/>
+              <a:t>column-reverse</a:t>
+            </a:r>
+            <a:r>
+              <a:rPr lang="zh-CN" altLang="en-US" sz="2800" dirty="0"/>
+              <a:t>：主轴为垂直方向，起点在下沿。</a:t>
+            </a:r>
+          </a:p>
+        </p:txBody>
+      </p:sp>
+    </p:spTree>
+    <p:extLst>
+      <p:ext uri="{BB962C8B-B14F-4D97-AF65-F5344CB8AC3E}">
+        <p14:creationId xmlns:p14="http://schemas.microsoft.com/office/powerpoint/2010/main" val="1754564563"/>
       </p:ext>
     </p:extLst>
   </p:cSld>

--- a/ppt/CSS Flex&Grid.pptx
+++ b/ppt/CSS Flex&Grid.pptx
@@ -4,11 +4,14 @@
   <p:sldMasterIdLst>
     <p:sldMasterId id="2147483648" r:id="rId1"/>
   </p:sldMasterIdLst>
+  <p:notesMasterIdLst>
+    <p:notesMasterId r:id="rId25"/>
+  </p:notesMasterIdLst>
   <p:sldIdLst>
     <p:sldId id="256" r:id="rId2"/>
     <p:sldId id="259" r:id="rId3"/>
     <p:sldId id="261" r:id="rId4"/>
-    <p:sldId id="260" r:id="rId5"/>
+    <p:sldId id="279" r:id="rId5"/>
     <p:sldId id="262" r:id="rId6"/>
     <p:sldId id="257" r:id="rId7"/>
     <p:sldId id="264" r:id="rId8"/>
@@ -138,6 +141,4811 @@
 <p1510:revInfo xmlns:a="http://schemas.openxmlformats.org/drawingml/2006/main" xmlns:r="http://schemas.openxmlformats.org/officeDocument/2006/relationships" xmlns:p1510="http://schemas.microsoft.com/office/powerpoint/2015/10/main"/>
 </file>
 
+<file path=ppt/diagrams/colors1.xml><?xml version="1.0" encoding="utf-8"?>
+<dgm:colorsDef xmlns:dgm="http://schemas.openxmlformats.org/drawingml/2006/diagram" xmlns:a="http://schemas.openxmlformats.org/drawingml/2006/main" uniqueId="urn:microsoft.com/office/officeart/2005/8/colors/accent1_2">
+  <dgm:title val=""/>
+  <dgm:desc val=""/>
+  <dgm:catLst>
+    <dgm:cat type="accent1" pri="11200"/>
+  </dgm:catLst>
+  <dgm:styleLbl name="node0">
+    <dgm:fillClrLst meth="repeat">
+      <a:schemeClr val="accent1"/>
+    </dgm:fillClrLst>
+    <dgm:linClrLst meth="repeat">
+      <a:schemeClr val="lt1"/>
+    </dgm:linClrLst>
+    <dgm:effectClrLst/>
+    <dgm:txLinClrLst/>
+    <dgm:txFillClrLst/>
+    <dgm:txEffectClrLst/>
+  </dgm:styleLbl>
+  <dgm:styleLbl name="alignNode1">
+    <dgm:fillClrLst meth="repeat">
+      <a:schemeClr val="accent1"/>
+    </dgm:fillClrLst>
+    <dgm:linClrLst meth="repeat">
+      <a:schemeClr val="accent1"/>
+    </dgm:linClrLst>
+    <dgm:effectClrLst/>
+    <dgm:txLinClrLst/>
+    <dgm:txFillClrLst/>
+    <dgm:txEffectClrLst/>
+  </dgm:styleLbl>
+  <dgm:styleLbl name="node1">
+    <dgm:fillClrLst meth="repeat">
+      <a:schemeClr val="accent1"/>
+    </dgm:fillClrLst>
+    <dgm:linClrLst meth="repeat">
+      <a:schemeClr val="lt1"/>
+    </dgm:linClrLst>
+    <dgm:effectClrLst/>
+    <dgm:txLinClrLst/>
+    <dgm:txFillClrLst/>
+    <dgm:txEffectClrLst/>
+  </dgm:styleLbl>
+  <dgm:styleLbl name="lnNode1">
+    <dgm:fillClrLst meth="repeat">
+      <a:schemeClr val="accent1"/>
+    </dgm:fillClrLst>
+    <dgm:linClrLst meth="repeat">
+      <a:schemeClr val="lt1"/>
+    </dgm:linClrLst>
+    <dgm:effectClrLst/>
+    <dgm:txLinClrLst/>
+    <dgm:txFillClrLst/>
+    <dgm:txEffectClrLst/>
+  </dgm:styleLbl>
+  <dgm:styleLbl name="vennNode1">
+    <dgm:fillClrLst meth="repeat">
+      <a:schemeClr val="accent1">
+        <a:alpha val="50000"/>
+      </a:schemeClr>
+    </dgm:fillClrLst>
+    <dgm:linClrLst meth="repeat">
+      <a:schemeClr val="lt1"/>
+    </dgm:linClrLst>
+    <dgm:effectClrLst/>
+    <dgm:txLinClrLst/>
+    <dgm:txFillClrLst/>
+    <dgm:txEffectClrLst/>
+  </dgm:styleLbl>
+  <dgm:styleLbl name="node2">
+    <dgm:fillClrLst meth="repeat">
+      <a:schemeClr val="accent1"/>
+    </dgm:fillClrLst>
+    <dgm:linClrLst meth="repeat">
+      <a:schemeClr val="lt1"/>
+    </dgm:linClrLst>
+    <dgm:effectClrLst/>
+    <dgm:txLinClrLst/>
+    <dgm:txFillClrLst/>
+    <dgm:txEffectClrLst/>
+  </dgm:styleLbl>
+  <dgm:styleLbl name="node3">
+    <dgm:fillClrLst meth="repeat">
+      <a:schemeClr val="accent1"/>
+    </dgm:fillClrLst>
+    <dgm:linClrLst meth="repeat">
+      <a:schemeClr val="lt1"/>
+    </dgm:linClrLst>
+    <dgm:effectClrLst/>
+    <dgm:txLinClrLst/>
+    <dgm:txFillClrLst/>
+    <dgm:txEffectClrLst/>
+  </dgm:styleLbl>
+  <dgm:styleLbl name="node4">
+    <dgm:fillClrLst meth="repeat">
+      <a:schemeClr val="accent1"/>
+    </dgm:fillClrLst>
+    <dgm:linClrLst meth="repeat">
+      <a:schemeClr val="lt1"/>
+    </dgm:linClrLst>
+    <dgm:effectClrLst/>
+    <dgm:txLinClrLst/>
+    <dgm:txFillClrLst/>
+    <dgm:txEffectClrLst/>
+  </dgm:styleLbl>
+  <dgm:styleLbl name="fgImgPlace1">
+    <dgm:fillClrLst meth="repeat">
+      <a:schemeClr val="accent1">
+        <a:tint val="50000"/>
+      </a:schemeClr>
+    </dgm:fillClrLst>
+    <dgm:linClrLst meth="repeat">
+      <a:schemeClr val="lt1"/>
+    </dgm:linClrLst>
+    <dgm:effectClrLst/>
+    <dgm:txLinClrLst/>
+    <dgm:txFillClrLst meth="repeat">
+      <a:schemeClr val="lt1"/>
+    </dgm:txFillClrLst>
+    <dgm:txEffectClrLst/>
+  </dgm:styleLbl>
+  <dgm:styleLbl name="alignImgPlace1">
+    <dgm:fillClrLst meth="repeat">
+      <a:schemeClr val="accent1">
+        <a:tint val="50000"/>
+      </a:schemeClr>
+    </dgm:fillClrLst>
+    <dgm:linClrLst meth="repeat">
+      <a:schemeClr val="lt1"/>
+    </dgm:linClrLst>
+    <dgm:effectClrLst/>
+    <dgm:txLinClrLst/>
+    <dgm:txFillClrLst meth="repeat">
+      <a:schemeClr val="lt1"/>
+    </dgm:txFillClrLst>
+    <dgm:txEffectClrLst/>
+  </dgm:styleLbl>
+  <dgm:styleLbl name="bgImgPlace1">
+    <dgm:fillClrLst meth="repeat">
+      <a:schemeClr val="accent1">
+        <a:tint val="50000"/>
+      </a:schemeClr>
+    </dgm:fillClrLst>
+    <dgm:linClrLst meth="repeat">
+      <a:schemeClr val="lt1"/>
+    </dgm:linClrLst>
+    <dgm:effectClrLst/>
+    <dgm:txLinClrLst/>
+    <dgm:txFillClrLst meth="repeat">
+      <a:schemeClr val="lt1"/>
+    </dgm:txFillClrLst>
+    <dgm:txEffectClrLst/>
+  </dgm:styleLbl>
+  <dgm:styleLbl name="sibTrans2D1">
+    <dgm:fillClrLst meth="repeat">
+      <a:schemeClr val="accent1">
+        <a:tint val="60000"/>
+      </a:schemeClr>
+    </dgm:fillClrLst>
+    <dgm:linClrLst meth="repeat">
+      <a:schemeClr val="accent1">
+        <a:tint val="60000"/>
+      </a:schemeClr>
+    </dgm:linClrLst>
+    <dgm:effectClrLst/>
+    <dgm:txLinClrLst/>
+    <dgm:txFillClrLst/>
+    <dgm:txEffectClrLst/>
+  </dgm:styleLbl>
+  <dgm:styleLbl name="fgSibTrans2D1">
+    <dgm:fillClrLst meth="repeat">
+      <a:schemeClr val="accent1">
+        <a:tint val="60000"/>
+      </a:schemeClr>
+    </dgm:fillClrLst>
+    <dgm:linClrLst meth="repeat">
+      <a:schemeClr val="accent1">
+        <a:tint val="60000"/>
+      </a:schemeClr>
+    </dgm:linClrLst>
+    <dgm:effectClrLst/>
+    <dgm:txLinClrLst/>
+    <dgm:txFillClrLst/>
+    <dgm:txEffectClrLst/>
+  </dgm:styleLbl>
+  <dgm:styleLbl name="bgSibTrans2D1">
+    <dgm:fillClrLst meth="repeat">
+      <a:schemeClr val="accent1">
+        <a:tint val="60000"/>
+      </a:schemeClr>
+    </dgm:fillClrLst>
+    <dgm:linClrLst meth="repeat">
+      <a:schemeClr val="accent1">
+        <a:tint val="60000"/>
+      </a:schemeClr>
+    </dgm:linClrLst>
+    <dgm:effectClrLst/>
+    <dgm:txLinClrLst/>
+    <dgm:txFillClrLst/>
+    <dgm:txEffectClrLst/>
+  </dgm:styleLbl>
+  <dgm:styleLbl name="sibTrans1D1">
+    <dgm:fillClrLst meth="repeat">
+      <a:schemeClr val="accent1"/>
+    </dgm:fillClrLst>
+    <dgm:linClrLst meth="repeat">
+      <a:schemeClr val="accent1"/>
+    </dgm:linClrLst>
+    <dgm:effectClrLst/>
+    <dgm:txLinClrLst/>
+    <dgm:txFillClrLst meth="repeat">
+      <a:schemeClr val="tx1"/>
+    </dgm:txFillClrLst>
+    <dgm:txEffectClrLst/>
+  </dgm:styleLbl>
+  <dgm:styleLbl name="callout">
+    <dgm:fillClrLst meth="repeat">
+      <a:schemeClr val="accent1"/>
+    </dgm:fillClrLst>
+    <dgm:linClrLst meth="repeat">
+      <a:schemeClr val="accent1">
+        <a:tint val="50000"/>
+      </a:schemeClr>
+    </dgm:linClrLst>
+    <dgm:effectClrLst/>
+    <dgm:txLinClrLst/>
+    <dgm:txFillClrLst meth="repeat">
+      <a:schemeClr val="tx1"/>
+    </dgm:txFillClrLst>
+    <dgm:txEffectClrLst/>
+  </dgm:styleLbl>
+  <dgm:styleLbl name="asst0">
+    <dgm:fillClrLst meth="repeat">
+      <a:schemeClr val="accent1"/>
+    </dgm:fillClrLst>
+    <dgm:linClrLst meth="repeat">
+      <a:schemeClr val="lt1"/>
+    </dgm:linClrLst>
+    <dgm:effectClrLst/>
+    <dgm:txLinClrLst/>
+    <dgm:txFillClrLst/>
+    <dgm:txEffectClrLst/>
+  </dgm:styleLbl>
+  <dgm:styleLbl name="asst1">
+    <dgm:fillClrLst meth="repeat">
+      <a:schemeClr val="accent1"/>
+    </dgm:fillClrLst>
+    <dgm:linClrLst meth="repeat">
+      <a:schemeClr val="lt1"/>
+    </dgm:linClrLst>
+    <dgm:effectClrLst/>
+    <dgm:txLinClrLst/>
+    <dgm:txFillClrLst/>
+    <dgm:txEffectClrLst/>
+  </dgm:styleLbl>
+  <dgm:styleLbl name="asst2">
+    <dgm:fillClrLst meth="repeat">
+      <a:schemeClr val="accent1"/>
+    </dgm:fillClrLst>
+    <dgm:linClrLst meth="repeat">
+      <a:schemeClr val="lt1"/>
+    </dgm:linClrLst>
+    <dgm:effectClrLst/>
+    <dgm:txLinClrLst/>
+    <dgm:txFillClrLst/>
+    <dgm:txEffectClrLst/>
+  </dgm:styleLbl>
+  <dgm:styleLbl name="asst3">
+    <dgm:fillClrLst meth="repeat">
+      <a:schemeClr val="accent1"/>
+    </dgm:fillClrLst>
+    <dgm:linClrLst meth="repeat">
+      <a:schemeClr val="lt1"/>
+    </dgm:linClrLst>
+    <dgm:effectClrLst/>
+    <dgm:txLinClrLst/>
+    <dgm:txFillClrLst/>
+    <dgm:txEffectClrLst/>
+  </dgm:styleLbl>
+  <dgm:styleLbl name="asst4">
+    <dgm:fillClrLst meth="repeat">
+      <a:schemeClr val="accent1"/>
+    </dgm:fillClrLst>
+    <dgm:linClrLst meth="repeat">
+      <a:schemeClr val="lt1"/>
+    </dgm:linClrLst>
+    <dgm:effectClrLst/>
+    <dgm:txLinClrLst/>
+    <dgm:txFillClrLst/>
+    <dgm:txEffectClrLst/>
+  </dgm:styleLbl>
+  <dgm:styleLbl name="parChTrans2D1">
+    <dgm:fillClrLst meth="repeat">
+      <a:schemeClr val="accent1">
+        <a:tint val="60000"/>
+      </a:schemeClr>
+    </dgm:fillClrLst>
+    <dgm:linClrLst meth="repeat">
+      <a:schemeClr val="accent1">
+        <a:tint val="60000"/>
+      </a:schemeClr>
+    </dgm:linClrLst>
+    <dgm:effectClrLst/>
+    <dgm:txLinClrLst/>
+    <dgm:txFillClrLst meth="repeat">
+      <a:schemeClr val="lt1"/>
+    </dgm:txFillClrLst>
+    <dgm:txEffectClrLst/>
+  </dgm:styleLbl>
+  <dgm:styleLbl name="parChTrans2D2">
+    <dgm:fillClrLst meth="repeat">
+      <a:schemeClr val="accent1"/>
+    </dgm:fillClrLst>
+    <dgm:linClrLst meth="repeat">
+      <a:schemeClr val="accent1"/>
+    </dgm:linClrLst>
+    <dgm:effectClrLst/>
+    <dgm:txLinClrLst/>
+    <dgm:txFillClrLst meth="repeat">
+      <a:schemeClr val="lt1"/>
+    </dgm:txFillClrLst>
+    <dgm:txEffectClrLst/>
+  </dgm:styleLbl>
+  <dgm:styleLbl name="parChTrans2D3">
+    <dgm:fillClrLst meth="repeat">
+      <a:schemeClr val="accent1"/>
+    </dgm:fillClrLst>
+    <dgm:linClrLst meth="repeat">
+      <a:schemeClr val="accent1"/>
+    </dgm:linClrLst>
+    <dgm:effectClrLst/>
+    <dgm:txLinClrLst/>
+    <dgm:txFillClrLst meth="repeat">
+      <a:schemeClr val="lt1"/>
+    </dgm:txFillClrLst>
+    <dgm:txEffectClrLst/>
+  </dgm:styleLbl>
+  <dgm:styleLbl name="parChTrans2D4">
+    <dgm:fillClrLst meth="repeat">
+      <a:schemeClr val="accent1"/>
+    </dgm:fillClrLst>
+    <dgm:linClrLst meth="repeat">
+      <a:schemeClr val="accent1"/>
+    </dgm:linClrLst>
+    <dgm:effectClrLst/>
+    <dgm:txLinClrLst/>
+    <dgm:txFillClrLst meth="repeat">
+      <a:schemeClr val="lt1"/>
+    </dgm:txFillClrLst>
+    <dgm:txEffectClrLst/>
+  </dgm:styleLbl>
+  <dgm:styleLbl name="parChTrans1D1">
+    <dgm:fillClrLst meth="repeat">
+      <a:schemeClr val="accent1"/>
+    </dgm:fillClrLst>
+    <dgm:linClrLst meth="repeat">
+      <a:schemeClr val="accent1">
+        <a:shade val="60000"/>
+      </a:schemeClr>
+    </dgm:linClrLst>
+    <dgm:effectClrLst/>
+    <dgm:txLinClrLst/>
+    <dgm:txFillClrLst meth="repeat">
+      <a:schemeClr val="tx1"/>
+    </dgm:txFillClrLst>
+    <dgm:txEffectClrLst/>
+  </dgm:styleLbl>
+  <dgm:styleLbl name="parChTrans1D2">
+    <dgm:fillClrLst meth="repeat">
+      <a:schemeClr val="accent1"/>
+    </dgm:fillClrLst>
+    <dgm:linClrLst meth="repeat">
+      <a:schemeClr val="accent1">
+        <a:shade val="60000"/>
+      </a:schemeClr>
+    </dgm:linClrLst>
+    <dgm:effectClrLst/>
+    <dgm:txLinClrLst/>
+    <dgm:txFillClrLst meth="repeat">
+      <a:schemeClr val="tx1"/>
+    </dgm:txFillClrLst>
+    <dgm:txEffectClrLst/>
+  </dgm:styleLbl>
+  <dgm:styleLbl name="parChTrans1D3">
+    <dgm:fillClrLst meth="repeat">
+      <a:schemeClr val="accent1"/>
+    </dgm:fillClrLst>
+    <dgm:linClrLst meth="repeat">
+      <a:schemeClr val="accent1">
+        <a:shade val="80000"/>
+      </a:schemeClr>
+    </dgm:linClrLst>
+    <dgm:effectClrLst/>
+    <dgm:txLinClrLst/>
+    <dgm:txFillClrLst meth="repeat">
+      <a:schemeClr val="tx1"/>
+    </dgm:txFillClrLst>
+    <dgm:txEffectClrLst/>
+  </dgm:styleLbl>
+  <dgm:styleLbl name="parChTrans1D4">
+    <dgm:fillClrLst meth="repeat">
+      <a:schemeClr val="accent1"/>
+    </dgm:fillClrLst>
+    <dgm:linClrLst meth="repeat">
+      <a:schemeClr val="accent1">
+        <a:shade val="80000"/>
+      </a:schemeClr>
+    </dgm:linClrLst>
+    <dgm:effectClrLst/>
+    <dgm:txLinClrLst/>
+    <dgm:txFillClrLst meth="repeat">
+      <a:schemeClr val="tx1"/>
+    </dgm:txFillClrLst>
+    <dgm:txEffectClrLst/>
+  </dgm:styleLbl>
+  <dgm:styleLbl name="fgAcc1">
+    <dgm:fillClrLst meth="repeat">
+      <a:schemeClr val="lt1">
+        <a:alpha val="90000"/>
+      </a:schemeClr>
+    </dgm:fillClrLst>
+    <dgm:linClrLst meth="repeat">
+      <a:schemeClr val="accent1"/>
+    </dgm:linClrLst>
+    <dgm:effectClrLst/>
+    <dgm:txLinClrLst/>
+    <dgm:txFillClrLst meth="repeat">
+      <a:schemeClr val="dk1"/>
+    </dgm:txFillClrLst>
+    <dgm:txEffectClrLst/>
+  </dgm:styleLbl>
+  <dgm:styleLbl name="conFgAcc1">
+    <dgm:fillClrLst meth="repeat">
+      <a:schemeClr val="lt1">
+        <a:alpha val="90000"/>
+      </a:schemeClr>
+    </dgm:fillClrLst>
+    <dgm:linClrLst meth="repeat">
+      <a:schemeClr val="accent1"/>
+    </dgm:linClrLst>
+    <dgm:effectClrLst/>
+    <dgm:txLinClrLst/>
+    <dgm:txFillClrLst meth="repeat">
+      <a:schemeClr val="dk1"/>
+    </dgm:txFillClrLst>
+    <dgm:txEffectClrLst/>
+  </dgm:styleLbl>
+  <dgm:styleLbl name="alignAcc1">
+    <dgm:fillClrLst meth="repeat">
+      <a:schemeClr val="lt1">
+        <a:alpha val="90000"/>
+      </a:schemeClr>
+    </dgm:fillClrLst>
+    <dgm:linClrLst meth="repeat">
+      <a:schemeClr val="accent1"/>
+    </dgm:linClrLst>
+    <dgm:effectClrLst/>
+    <dgm:txLinClrLst/>
+    <dgm:txFillClrLst meth="repeat">
+      <a:schemeClr val="dk1"/>
+    </dgm:txFillClrLst>
+    <dgm:txEffectClrLst/>
+  </dgm:styleLbl>
+  <dgm:styleLbl name="trAlignAcc1">
+    <dgm:fillClrLst meth="repeat">
+      <a:schemeClr val="lt1">
+        <a:alpha val="40000"/>
+      </a:schemeClr>
+    </dgm:fillClrLst>
+    <dgm:linClrLst meth="repeat">
+      <a:schemeClr val="accent1"/>
+    </dgm:linClrLst>
+    <dgm:effectClrLst/>
+    <dgm:txLinClrLst/>
+    <dgm:txFillClrLst meth="repeat">
+      <a:schemeClr val="dk1"/>
+    </dgm:txFillClrLst>
+    <dgm:txEffectClrLst/>
+  </dgm:styleLbl>
+  <dgm:styleLbl name="bgAcc1">
+    <dgm:fillClrLst meth="repeat">
+      <a:schemeClr val="lt1">
+        <a:alpha val="90000"/>
+      </a:schemeClr>
+    </dgm:fillClrLst>
+    <dgm:linClrLst meth="repeat">
+      <a:schemeClr val="accent1"/>
+    </dgm:linClrLst>
+    <dgm:effectClrLst/>
+    <dgm:txLinClrLst/>
+    <dgm:txFillClrLst meth="repeat">
+      <a:schemeClr val="dk1"/>
+    </dgm:txFillClrLst>
+    <dgm:txEffectClrLst/>
+  </dgm:styleLbl>
+  <dgm:styleLbl name="solidFgAcc1">
+    <dgm:fillClrLst meth="repeat">
+      <a:schemeClr val="lt1"/>
+    </dgm:fillClrLst>
+    <dgm:linClrLst meth="repeat">
+      <a:schemeClr val="accent1"/>
+    </dgm:linClrLst>
+    <dgm:effectClrLst/>
+    <dgm:txLinClrLst/>
+    <dgm:txFillClrLst meth="repeat">
+      <a:schemeClr val="dk1"/>
+    </dgm:txFillClrLst>
+    <dgm:txEffectClrLst/>
+  </dgm:styleLbl>
+  <dgm:styleLbl name="solidAlignAcc1">
+    <dgm:fillClrLst meth="repeat">
+      <a:schemeClr val="lt1"/>
+    </dgm:fillClrLst>
+    <dgm:linClrLst meth="repeat">
+      <a:schemeClr val="accent1"/>
+    </dgm:linClrLst>
+    <dgm:effectClrLst/>
+    <dgm:txLinClrLst/>
+    <dgm:txFillClrLst meth="repeat">
+      <a:schemeClr val="dk1"/>
+    </dgm:txFillClrLst>
+    <dgm:txEffectClrLst/>
+  </dgm:styleLbl>
+  <dgm:styleLbl name="solidBgAcc1">
+    <dgm:fillClrLst meth="repeat">
+      <a:schemeClr val="lt1"/>
+    </dgm:fillClrLst>
+    <dgm:linClrLst meth="repeat">
+      <a:schemeClr val="accent1"/>
+    </dgm:linClrLst>
+    <dgm:effectClrLst/>
+    <dgm:txLinClrLst/>
+    <dgm:txFillClrLst meth="repeat">
+      <a:schemeClr val="dk1"/>
+    </dgm:txFillClrLst>
+    <dgm:txEffectClrLst/>
+  </dgm:styleLbl>
+  <dgm:styleLbl name="fgAccFollowNode1">
+    <dgm:fillClrLst meth="repeat">
+      <a:schemeClr val="accent1">
+        <a:alpha val="90000"/>
+        <a:tint val="40000"/>
+      </a:schemeClr>
+    </dgm:fillClrLst>
+    <dgm:linClrLst meth="repeat">
+      <a:schemeClr val="accent1">
+        <a:alpha val="90000"/>
+        <a:tint val="40000"/>
+      </a:schemeClr>
+    </dgm:linClrLst>
+    <dgm:effectClrLst/>
+    <dgm:txLinClrLst/>
+    <dgm:txFillClrLst meth="repeat">
+      <a:schemeClr val="dk1"/>
+    </dgm:txFillClrLst>
+    <dgm:txEffectClrLst/>
+  </dgm:styleLbl>
+  <dgm:styleLbl name="alignAccFollowNode1">
+    <dgm:fillClrLst meth="repeat">
+      <a:schemeClr val="accent1">
+        <a:alpha val="90000"/>
+        <a:tint val="40000"/>
+      </a:schemeClr>
+    </dgm:fillClrLst>
+    <dgm:linClrLst meth="repeat">
+      <a:schemeClr val="accent1">
+        <a:alpha val="90000"/>
+        <a:tint val="40000"/>
+      </a:schemeClr>
+    </dgm:linClrLst>
+    <dgm:effectClrLst/>
+    <dgm:txLinClrLst/>
+    <dgm:txFillClrLst meth="repeat">
+      <a:schemeClr val="dk1"/>
+    </dgm:txFillClrLst>
+    <dgm:txEffectClrLst/>
+  </dgm:styleLbl>
+  <dgm:styleLbl name="bgAccFollowNode1">
+    <dgm:fillClrLst meth="repeat">
+      <a:schemeClr val="accent1">
+        <a:alpha val="90000"/>
+        <a:tint val="40000"/>
+      </a:schemeClr>
+    </dgm:fillClrLst>
+    <dgm:linClrLst meth="repeat">
+      <a:schemeClr val="accent1">
+        <a:alpha val="90000"/>
+        <a:tint val="40000"/>
+      </a:schemeClr>
+    </dgm:linClrLst>
+    <dgm:effectClrLst/>
+    <dgm:txLinClrLst/>
+    <dgm:txFillClrLst meth="repeat">
+      <a:schemeClr val="dk1"/>
+    </dgm:txFillClrLst>
+    <dgm:txEffectClrLst/>
+  </dgm:styleLbl>
+  <dgm:styleLbl name="fgAcc0">
+    <dgm:fillClrLst meth="repeat">
+      <a:schemeClr val="lt1">
+        <a:alpha val="90000"/>
+      </a:schemeClr>
+    </dgm:fillClrLst>
+    <dgm:linClrLst meth="repeat">
+      <a:schemeClr val="accent1"/>
+    </dgm:linClrLst>
+    <dgm:effectClrLst/>
+    <dgm:txLinClrLst/>
+    <dgm:txFillClrLst meth="repeat">
+      <a:schemeClr val="dk1"/>
+    </dgm:txFillClrLst>
+    <dgm:txEffectClrLst/>
+  </dgm:styleLbl>
+  <dgm:styleLbl name="fgAcc2">
+    <dgm:fillClrLst meth="repeat">
+      <a:schemeClr val="lt1">
+        <a:alpha val="90000"/>
+      </a:schemeClr>
+    </dgm:fillClrLst>
+    <dgm:linClrLst meth="repeat">
+      <a:schemeClr val="accent1"/>
+    </dgm:linClrLst>
+    <dgm:effectClrLst/>
+    <dgm:txLinClrLst/>
+    <dgm:txFillClrLst meth="repeat">
+      <a:schemeClr val="dk1"/>
+    </dgm:txFillClrLst>
+    <dgm:txEffectClrLst/>
+  </dgm:styleLbl>
+  <dgm:styleLbl name="fgAcc3">
+    <dgm:fillClrLst meth="repeat">
+      <a:schemeClr val="lt1">
+        <a:alpha val="90000"/>
+      </a:schemeClr>
+    </dgm:fillClrLst>
+    <dgm:linClrLst meth="repeat">
+      <a:schemeClr val="accent1"/>
+    </dgm:linClrLst>
+    <dgm:effectClrLst/>
+    <dgm:txLinClrLst/>
+    <dgm:txFillClrLst meth="repeat">
+      <a:schemeClr val="dk1"/>
+    </dgm:txFillClrLst>
+    <dgm:txEffectClrLst/>
+  </dgm:styleLbl>
+  <dgm:styleLbl name="fgAcc4">
+    <dgm:fillClrLst meth="repeat">
+      <a:schemeClr val="lt1">
+        <a:alpha val="90000"/>
+      </a:schemeClr>
+    </dgm:fillClrLst>
+    <dgm:linClrLst meth="repeat">
+      <a:schemeClr val="accent1"/>
+    </dgm:linClrLst>
+    <dgm:effectClrLst/>
+    <dgm:txLinClrLst/>
+    <dgm:txFillClrLst meth="repeat">
+      <a:schemeClr val="dk1"/>
+    </dgm:txFillClrLst>
+    <dgm:txEffectClrLst/>
+  </dgm:styleLbl>
+  <dgm:styleLbl name="bgShp">
+    <dgm:fillClrLst meth="repeat">
+      <a:schemeClr val="accent1">
+        <a:tint val="40000"/>
+      </a:schemeClr>
+    </dgm:fillClrLst>
+    <dgm:linClrLst meth="repeat">
+      <a:schemeClr val="accent1"/>
+    </dgm:linClrLst>
+    <dgm:effectClrLst/>
+    <dgm:txLinClrLst/>
+    <dgm:txFillClrLst meth="repeat">
+      <a:schemeClr val="dk1"/>
+    </dgm:txFillClrLst>
+    <dgm:txEffectClrLst/>
+  </dgm:styleLbl>
+  <dgm:styleLbl name="dkBgShp">
+    <dgm:fillClrLst meth="repeat">
+      <a:schemeClr val="accent1">
+        <a:shade val="80000"/>
+      </a:schemeClr>
+    </dgm:fillClrLst>
+    <dgm:linClrLst meth="repeat">
+      <a:schemeClr val="accent1"/>
+    </dgm:linClrLst>
+    <dgm:effectClrLst/>
+    <dgm:txLinClrLst/>
+    <dgm:txFillClrLst meth="repeat">
+      <a:schemeClr val="lt1"/>
+    </dgm:txFillClrLst>
+    <dgm:txEffectClrLst/>
+  </dgm:styleLbl>
+  <dgm:styleLbl name="trBgShp">
+    <dgm:fillClrLst meth="repeat">
+      <a:schemeClr val="accent1">
+        <a:tint val="50000"/>
+        <a:alpha val="40000"/>
+      </a:schemeClr>
+    </dgm:fillClrLst>
+    <dgm:linClrLst meth="repeat">
+      <a:schemeClr val="accent1"/>
+    </dgm:linClrLst>
+    <dgm:effectClrLst/>
+    <dgm:txLinClrLst/>
+    <dgm:txFillClrLst meth="repeat">
+      <a:schemeClr val="lt1"/>
+    </dgm:txFillClrLst>
+    <dgm:txEffectClrLst/>
+  </dgm:styleLbl>
+  <dgm:styleLbl name="fgShp">
+    <dgm:fillClrLst meth="repeat">
+      <a:schemeClr val="accent1">
+        <a:tint val="60000"/>
+      </a:schemeClr>
+    </dgm:fillClrLst>
+    <dgm:linClrLst meth="repeat">
+      <a:schemeClr val="lt1"/>
+    </dgm:linClrLst>
+    <dgm:effectClrLst/>
+    <dgm:txLinClrLst/>
+    <dgm:txFillClrLst meth="repeat">
+      <a:schemeClr val="dk1"/>
+    </dgm:txFillClrLst>
+    <dgm:txEffectClrLst/>
+  </dgm:styleLbl>
+  <dgm:styleLbl name="revTx">
+    <dgm:fillClrLst meth="repeat">
+      <a:schemeClr val="lt1">
+        <a:alpha val="0"/>
+      </a:schemeClr>
+    </dgm:fillClrLst>
+    <dgm:linClrLst meth="repeat">
+      <a:schemeClr val="dk1">
+        <a:alpha val="0"/>
+      </a:schemeClr>
+    </dgm:linClrLst>
+    <dgm:effectClrLst/>
+    <dgm:txLinClrLst/>
+    <dgm:txFillClrLst meth="repeat">
+      <a:schemeClr val="tx1"/>
+    </dgm:txFillClrLst>
+    <dgm:txEffectClrLst/>
+  </dgm:styleLbl>
+</dgm:colorsDef>
+</file>
+
+<file path=ppt/diagrams/data1.xml><?xml version="1.0" encoding="utf-8"?>
+<dgm:dataModel xmlns:dgm="http://schemas.openxmlformats.org/drawingml/2006/diagram" xmlns:a="http://schemas.openxmlformats.org/drawingml/2006/main">
+  <dgm:ptLst>
+    <dgm:pt modelId="{B630F1C9-CFF9-C84B-9433-1FBC8CEA9D1D}" type="doc">
+      <dgm:prSet loTypeId="urn:microsoft.com/office/officeart/2005/8/layout/orgChart1" loCatId="" qsTypeId="urn:microsoft.com/office/officeart/2005/8/quickstyle/simple4" qsCatId="simple" csTypeId="urn:microsoft.com/office/officeart/2005/8/colors/accent1_2" csCatId="accent1" phldr="1"/>
+      <dgm:spPr/>
+      <dgm:t>
+        <a:bodyPr/>
+        <a:lstStyle/>
+        <a:p>
+          <a:endParaRPr lang="zh-CN" altLang="en-US"/>
+        </a:p>
+      </dgm:t>
+    </dgm:pt>
+    <dgm:pt modelId="{089B8A85-A84E-8741-B756-D6E8208AA69F}">
+      <dgm:prSet phldrT="[文本]"/>
+      <dgm:spPr/>
+      <dgm:t>
+        <a:bodyPr/>
+        <a:lstStyle/>
+        <a:p>
+          <a:r>
+            <a:rPr lang="zh-CN" altLang="en-US" dirty="0" smtClean="0"/>
+            <a:t>容器</a:t>
+          </a:r>
+          <a:endParaRPr lang="zh-CN" altLang="en-US" dirty="0"/>
+        </a:p>
+      </dgm:t>
+    </dgm:pt>
+    <dgm:pt modelId="{27981E1A-4EBC-F94C-AFFD-74909A2E96B4}" type="parTrans" cxnId="{F62AC43D-1497-514E-A908-657860816B79}">
+      <dgm:prSet/>
+      <dgm:spPr/>
+      <dgm:t>
+        <a:bodyPr/>
+        <a:lstStyle/>
+        <a:p>
+          <a:endParaRPr lang="zh-CN" altLang="en-US"/>
+        </a:p>
+      </dgm:t>
+    </dgm:pt>
+    <dgm:pt modelId="{61E66DFC-B98F-E545-84BD-A702DE60BA1A}" type="sibTrans" cxnId="{F62AC43D-1497-514E-A908-657860816B79}">
+      <dgm:prSet/>
+      <dgm:spPr/>
+      <dgm:t>
+        <a:bodyPr/>
+        <a:lstStyle/>
+        <a:p>
+          <a:endParaRPr lang="zh-CN" altLang="en-US"/>
+        </a:p>
+      </dgm:t>
+    </dgm:pt>
+    <dgm:pt modelId="{CA618E98-DA33-544D-905E-6F6DF2BBE287}">
+      <dgm:prSet phldrT="[文本]"/>
+      <dgm:spPr/>
+      <dgm:t>
+        <a:bodyPr/>
+        <a:lstStyle/>
+        <a:p>
+          <a:r>
+            <a:rPr lang="zh-CN" altLang="en-US" dirty="0" smtClean="0"/>
+            <a:t>子项</a:t>
+          </a:r>
+          <a:endParaRPr lang="zh-CN" altLang="en-US" dirty="0"/>
+        </a:p>
+      </dgm:t>
+    </dgm:pt>
+    <dgm:pt modelId="{C6F298F6-653B-A941-BECE-D7AEC4FBA17A}" type="parTrans" cxnId="{B978757A-C9B3-B041-9CE6-BE78C0AFAB64}">
+      <dgm:prSet/>
+      <dgm:spPr/>
+      <dgm:t>
+        <a:bodyPr/>
+        <a:lstStyle/>
+        <a:p>
+          <a:endParaRPr lang="zh-CN" altLang="en-US"/>
+        </a:p>
+      </dgm:t>
+    </dgm:pt>
+    <dgm:pt modelId="{8D63A4A8-B27F-F049-8522-3B9C02AE055A}" type="sibTrans" cxnId="{B978757A-C9B3-B041-9CE6-BE78C0AFAB64}">
+      <dgm:prSet/>
+      <dgm:spPr/>
+      <dgm:t>
+        <a:bodyPr/>
+        <a:lstStyle/>
+        <a:p>
+          <a:endParaRPr lang="zh-CN" altLang="en-US"/>
+        </a:p>
+      </dgm:t>
+    </dgm:pt>
+    <dgm:pt modelId="{2A6A6557-22E6-4440-93F4-318AD223EC07}">
+      <dgm:prSet phldrT="[文本]"/>
+      <dgm:spPr/>
+      <dgm:t>
+        <a:bodyPr/>
+        <a:lstStyle/>
+        <a:p>
+          <a:r>
+            <a:rPr lang="zh-CN" altLang="en-US" dirty="0" smtClean="0"/>
+            <a:t>子项</a:t>
+          </a:r>
+          <a:endParaRPr lang="zh-CN" altLang="en-US" dirty="0"/>
+        </a:p>
+      </dgm:t>
+    </dgm:pt>
+    <dgm:pt modelId="{09F5AA4F-3F0E-F448-8010-EADD0EFAB073}" type="parTrans" cxnId="{36499D25-40B4-1D48-BB6A-188E0817850C}">
+      <dgm:prSet/>
+      <dgm:spPr/>
+      <dgm:t>
+        <a:bodyPr/>
+        <a:lstStyle/>
+        <a:p>
+          <a:endParaRPr lang="zh-CN" altLang="en-US"/>
+        </a:p>
+      </dgm:t>
+    </dgm:pt>
+    <dgm:pt modelId="{014CBFC8-1CC7-9F4F-86AA-E0299D0A476E}" type="sibTrans" cxnId="{36499D25-40B4-1D48-BB6A-188E0817850C}">
+      <dgm:prSet/>
+      <dgm:spPr/>
+      <dgm:t>
+        <a:bodyPr/>
+        <a:lstStyle/>
+        <a:p>
+          <a:endParaRPr lang="zh-CN" altLang="en-US"/>
+        </a:p>
+      </dgm:t>
+    </dgm:pt>
+    <dgm:pt modelId="{EA1A376E-E1CF-A54F-BD1E-7342A9121FF1}">
+      <dgm:prSet phldrT="[文本]"/>
+      <dgm:spPr/>
+      <dgm:t>
+        <a:bodyPr/>
+        <a:lstStyle/>
+        <a:p>
+          <a:r>
+            <a:rPr lang="zh-CN" altLang="en-US" dirty="0" smtClean="0"/>
+            <a:t>子项</a:t>
+          </a:r>
+          <a:endParaRPr lang="zh-CN" altLang="en-US" dirty="0"/>
+        </a:p>
+      </dgm:t>
+    </dgm:pt>
+    <dgm:pt modelId="{329218CD-5EBE-6347-A54F-9E27A2C28CFE}" type="parTrans" cxnId="{BE659CD9-82CA-734C-92A2-CFFD7BE81836}">
+      <dgm:prSet/>
+      <dgm:spPr/>
+      <dgm:t>
+        <a:bodyPr/>
+        <a:lstStyle/>
+        <a:p>
+          <a:endParaRPr lang="zh-CN" altLang="en-US"/>
+        </a:p>
+      </dgm:t>
+    </dgm:pt>
+    <dgm:pt modelId="{CD21B503-EE73-0C40-B6FB-14DEEF4484AD}" type="sibTrans" cxnId="{BE659CD9-82CA-734C-92A2-CFFD7BE81836}">
+      <dgm:prSet/>
+      <dgm:spPr/>
+      <dgm:t>
+        <a:bodyPr/>
+        <a:lstStyle/>
+        <a:p>
+          <a:endParaRPr lang="zh-CN" altLang="en-US"/>
+        </a:p>
+      </dgm:t>
+    </dgm:pt>
+    <dgm:pt modelId="{FE162D69-B4B1-E547-8BED-2B0564183F40}">
+      <dgm:prSet phldrT="[文本]"/>
+      <dgm:spPr/>
+      <dgm:t>
+        <a:bodyPr/>
+        <a:lstStyle/>
+        <a:p>
+          <a:r>
+            <a:rPr lang="zh-CN" altLang="en-US" dirty="0" smtClean="0"/>
+            <a:t>子项</a:t>
+          </a:r>
+          <a:endParaRPr lang="zh-CN" altLang="en-US" dirty="0"/>
+        </a:p>
+      </dgm:t>
+    </dgm:pt>
+    <dgm:pt modelId="{A7033AB8-3E3C-6345-82A7-26D79CBF095E}" type="parTrans" cxnId="{0D994073-879E-A84B-8FA2-1D632ABBC0D7}">
+      <dgm:prSet/>
+      <dgm:spPr/>
+      <dgm:t>
+        <a:bodyPr/>
+        <a:lstStyle/>
+        <a:p>
+          <a:endParaRPr lang="zh-CN" altLang="en-US"/>
+        </a:p>
+      </dgm:t>
+    </dgm:pt>
+    <dgm:pt modelId="{257972D6-2FDF-444E-BAE3-ADF052ACC722}" type="sibTrans" cxnId="{0D994073-879E-A84B-8FA2-1D632ABBC0D7}">
+      <dgm:prSet/>
+      <dgm:spPr/>
+      <dgm:t>
+        <a:bodyPr/>
+        <a:lstStyle/>
+        <a:p>
+          <a:endParaRPr lang="zh-CN" altLang="en-US"/>
+        </a:p>
+      </dgm:t>
+    </dgm:pt>
+    <dgm:pt modelId="{061C52BE-7CF4-EC44-BF9D-04F9145BF7C0}">
+      <dgm:prSet phldrT="[文本]"/>
+      <dgm:spPr/>
+      <dgm:t>
+        <a:bodyPr/>
+        <a:lstStyle/>
+        <a:p>
+          <a:r>
+            <a:rPr lang="zh-CN" altLang="en-US" dirty="0" smtClean="0"/>
+            <a:t>子项</a:t>
+          </a:r>
+          <a:endParaRPr lang="zh-CN" altLang="en-US" dirty="0"/>
+        </a:p>
+      </dgm:t>
+    </dgm:pt>
+    <dgm:pt modelId="{10A48251-DC0A-F346-B0C6-66C14C6B50F4}" type="parTrans" cxnId="{95F85091-8AEA-BF44-A577-D8A3DC8E7D82}">
+      <dgm:prSet/>
+      <dgm:spPr/>
+      <dgm:t>
+        <a:bodyPr/>
+        <a:lstStyle/>
+        <a:p>
+          <a:endParaRPr lang="zh-CN" altLang="en-US"/>
+        </a:p>
+      </dgm:t>
+    </dgm:pt>
+    <dgm:pt modelId="{EB6167F5-7DA7-0843-9DDF-A62488ACB411}" type="sibTrans" cxnId="{95F85091-8AEA-BF44-A577-D8A3DC8E7D82}">
+      <dgm:prSet/>
+      <dgm:spPr/>
+      <dgm:t>
+        <a:bodyPr/>
+        <a:lstStyle/>
+        <a:p>
+          <a:endParaRPr lang="zh-CN" altLang="en-US"/>
+        </a:p>
+      </dgm:t>
+    </dgm:pt>
+    <dgm:pt modelId="{DC210692-E386-2344-954E-98E6D550EFD6}" type="pres">
+      <dgm:prSet presAssocID="{B630F1C9-CFF9-C84B-9433-1FBC8CEA9D1D}" presName="hierChild1" presStyleCnt="0">
+        <dgm:presLayoutVars>
+          <dgm:orgChart val="1"/>
+          <dgm:chPref val="1"/>
+          <dgm:dir/>
+          <dgm:animOne val="branch"/>
+          <dgm:animLvl val="lvl"/>
+          <dgm:resizeHandles/>
+        </dgm:presLayoutVars>
+      </dgm:prSet>
+      <dgm:spPr/>
+      <dgm:t>
+        <a:bodyPr/>
+        <a:lstStyle/>
+        <a:p>
+          <a:endParaRPr lang="zh-CN" altLang="en-US"/>
+        </a:p>
+      </dgm:t>
+    </dgm:pt>
+    <dgm:pt modelId="{7A8FBCC4-2340-DC43-9573-EA65C77E6E6A}" type="pres">
+      <dgm:prSet presAssocID="{089B8A85-A84E-8741-B756-D6E8208AA69F}" presName="hierRoot1" presStyleCnt="0">
+        <dgm:presLayoutVars>
+          <dgm:hierBranch val="init"/>
+        </dgm:presLayoutVars>
+      </dgm:prSet>
+      <dgm:spPr/>
+    </dgm:pt>
+    <dgm:pt modelId="{BAD9196E-4268-2842-AB85-1F29C96DF1C6}" type="pres">
+      <dgm:prSet presAssocID="{089B8A85-A84E-8741-B756-D6E8208AA69F}" presName="rootComposite1" presStyleCnt="0"/>
+      <dgm:spPr/>
+    </dgm:pt>
+    <dgm:pt modelId="{8904E6B1-D046-FE46-8617-2327D1B7EBFF}" type="pres">
+      <dgm:prSet presAssocID="{089B8A85-A84E-8741-B756-D6E8208AA69F}" presName="rootText1" presStyleLbl="node0" presStyleIdx="0" presStyleCnt="1">
+        <dgm:presLayoutVars>
+          <dgm:chPref val="3"/>
+        </dgm:presLayoutVars>
+      </dgm:prSet>
+      <dgm:spPr/>
+      <dgm:t>
+        <a:bodyPr/>
+        <a:lstStyle/>
+        <a:p>
+          <a:endParaRPr lang="zh-CN" altLang="en-US"/>
+        </a:p>
+      </dgm:t>
+    </dgm:pt>
+    <dgm:pt modelId="{C2E6BAFA-5D71-CC47-8BF1-00F48C9795BF}" type="pres">
+      <dgm:prSet presAssocID="{089B8A85-A84E-8741-B756-D6E8208AA69F}" presName="rootConnector1" presStyleLbl="node1" presStyleIdx="0" presStyleCnt="0"/>
+      <dgm:spPr/>
+      <dgm:t>
+        <a:bodyPr/>
+        <a:lstStyle/>
+        <a:p>
+          <a:endParaRPr lang="zh-CN" altLang="en-US"/>
+        </a:p>
+      </dgm:t>
+    </dgm:pt>
+    <dgm:pt modelId="{E9E551C8-67AD-BD49-8105-3EC6BCAFB418}" type="pres">
+      <dgm:prSet presAssocID="{089B8A85-A84E-8741-B756-D6E8208AA69F}" presName="hierChild2" presStyleCnt="0"/>
+      <dgm:spPr/>
+    </dgm:pt>
+    <dgm:pt modelId="{5F453A73-8BDC-0840-840B-D1D0D6D6D6F0}" type="pres">
+      <dgm:prSet presAssocID="{C6F298F6-653B-A941-BECE-D7AEC4FBA17A}" presName="Name37" presStyleLbl="parChTrans1D2" presStyleIdx="0" presStyleCnt="5"/>
+      <dgm:spPr/>
+      <dgm:t>
+        <a:bodyPr/>
+        <a:lstStyle/>
+        <a:p>
+          <a:endParaRPr lang="zh-CN" altLang="en-US"/>
+        </a:p>
+      </dgm:t>
+    </dgm:pt>
+    <dgm:pt modelId="{22CDC3F1-D998-2C46-B14A-9EC46B795BDC}" type="pres">
+      <dgm:prSet presAssocID="{CA618E98-DA33-544D-905E-6F6DF2BBE287}" presName="hierRoot2" presStyleCnt="0">
+        <dgm:presLayoutVars>
+          <dgm:hierBranch val="init"/>
+        </dgm:presLayoutVars>
+      </dgm:prSet>
+      <dgm:spPr/>
+    </dgm:pt>
+    <dgm:pt modelId="{1182EA99-D581-EB45-BE60-B59C3DBD4A40}" type="pres">
+      <dgm:prSet presAssocID="{CA618E98-DA33-544D-905E-6F6DF2BBE287}" presName="rootComposite" presStyleCnt="0"/>
+      <dgm:spPr/>
+    </dgm:pt>
+    <dgm:pt modelId="{BDEEFA10-8AEC-064F-B79C-DE044C5232CD}" type="pres">
+      <dgm:prSet presAssocID="{CA618E98-DA33-544D-905E-6F6DF2BBE287}" presName="rootText" presStyleLbl="node2" presStyleIdx="0" presStyleCnt="5">
+        <dgm:presLayoutVars>
+          <dgm:chPref val="3"/>
+        </dgm:presLayoutVars>
+      </dgm:prSet>
+      <dgm:spPr/>
+      <dgm:t>
+        <a:bodyPr/>
+        <a:lstStyle/>
+        <a:p>
+          <a:endParaRPr lang="zh-CN" altLang="en-US"/>
+        </a:p>
+      </dgm:t>
+    </dgm:pt>
+    <dgm:pt modelId="{197EEB88-9CF5-1D40-B8CC-7685270E438E}" type="pres">
+      <dgm:prSet presAssocID="{CA618E98-DA33-544D-905E-6F6DF2BBE287}" presName="rootConnector" presStyleLbl="node2" presStyleIdx="0" presStyleCnt="5"/>
+      <dgm:spPr/>
+      <dgm:t>
+        <a:bodyPr/>
+        <a:lstStyle/>
+        <a:p>
+          <a:endParaRPr lang="zh-CN" altLang="en-US"/>
+        </a:p>
+      </dgm:t>
+    </dgm:pt>
+    <dgm:pt modelId="{3CBB2ADC-B038-FD4A-B0F5-CAC2A0F76FC5}" type="pres">
+      <dgm:prSet presAssocID="{CA618E98-DA33-544D-905E-6F6DF2BBE287}" presName="hierChild4" presStyleCnt="0"/>
+      <dgm:spPr/>
+    </dgm:pt>
+    <dgm:pt modelId="{FF0498F4-0711-FC40-BF83-7BD2F778B94F}" type="pres">
+      <dgm:prSet presAssocID="{CA618E98-DA33-544D-905E-6F6DF2BBE287}" presName="hierChild5" presStyleCnt="0"/>
+      <dgm:spPr/>
+    </dgm:pt>
+    <dgm:pt modelId="{FDC577A4-973B-6644-9FB7-0F014835A0EF}" type="pres">
+      <dgm:prSet presAssocID="{09F5AA4F-3F0E-F448-8010-EADD0EFAB073}" presName="Name37" presStyleLbl="parChTrans1D2" presStyleIdx="1" presStyleCnt="5"/>
+      <dgm:spPr/>
+      <dgm:t>
+        <a:bodyPr/>
+        <a:lstStyle/>
+        <a:p>
+          <a:endParaRPr lang="zh-CN" altLang="en-US"/>
+        </a:p>
+      </dgm:t>
+    </dgm:pt>
+    <dgm:pt modelId="{2B95877C-4FEB-E749-A8CC-3AE5355562EC}" type="pres">
+      <dgm:prSet presAssocID="{2A6A6557-22E6-4440-93F4-318AD223EC07}" presName="hierRoot2" presStyleCnt="0">
+        <dgm:presLayoutVars>
+          <dgm:hierBranch val="init"/>
+        </dgm:presLayoutVars>
+      </dgm:prSet>
+      <dgm:spPr/>
+    </dgm:pt>
+    <dgm:pt modelId="{FC92C182-A2B1-0C49-B5DC-761934DE552E}" type="pres">
+      <dgm:prSet presAssocID="{2A6A6557-22E6-4440-93F4-318AD223EC07}" presName="rootComposite" presStyleCnt="0"/>
+      <dgm:spPr/>
+    </dgm:pt>
+    <dgm:pt modelId="{4BE14C3B-968F-914B-8541-347ECA41D053}" type="pres">
+      <dgm:prSet presAssocID="{2A6A6557-22E6-4440-93F4-318AD223EC07}" presName="rootText" presStyleLbl="node2" presStyleIdx="1" presStyleCnt="5">
+        <dgm:presLayoutVars>
+          <dgm:chPref val="3"/>
+        </dgm:presLayoutVars>
+      </dgm:prSet>
+      <dgm:spPr/>
+      <dgm:t>
+        <a:bodyPr/>
+        <a:lstStyle/>
+        <a:p>
+          <a:endParaRPr lang="zh-CN" altLang="en-US"/>
+        </a:p>
+      </dgm:t>
+    </dgm:pt>
+    <dgm:pt modelId="{0B5A722B-B604-914D-A9EE-33F6F187EB5B}" type="pres">
+      <dgm:prSet presAssocID="{2A6A6557-22E6-4440-93F4-318AD223EC07}" presName="rootConnector" presStyleLbl="node2" presStyleIdx="1" presStyleCnt="5"/>
+      <dgm:spPr/>
+      <dgm:t>
+        <a:bodyPr/>
+        <a:lstStyle/>
+        <a:p>
+          <a:endParaRPr lang="zh-CN" altLang="en-US"/>
+        </a:p>
+      </dgm:t>
+    </dgm:pt>
+    <dgm:pt modelId="{973BC156-42E0-DF42-9A75-EE6B17340535}" type="pres">
+      <dgm:prSet presAssocID="{2A6A6557-22E6-4440-93F4-318AD223EC07}" presName="hierChild4" presStyleCnt="0"/>
+      <dgm:spPr/>
+    </dgm:pt>
+    <dgm:pt modelId="{CB465E90-033B-AB4A-8994-11DA8FB485E1}" type="pres">
+      <dgm:prSet presAssocID="{2A6A6557-22E6-4440-93F4-318AD223EC07}" presName="hierChild5" presStyleCnt="0"/>
+      <dgm:spPr/>
+    </dgm:pt>
+    <dgm:pt modelId="{A9A95BD9-9298-2B46-B854-9553EE11AF97}" type="pres">
+      <dgm:prSet presAssocID="{329218CD-5EBE-6347-A54F-9E27A2C28CFE}" presName="Name37" presStyleLbl="parChTrans1D2" presStyleIdx="2" presStyleCnt="5"/>
+      <dgm:spPr/>
+      <dgm:t>
+        <a:bodyPr/>
+        <a:lstStyle/>
+        <a:p>
+          <a:endParaRPr lang="zh-CN" altLang="en-US"/>
+        </a:p>
+      </dgm:t>
+    </dgm:pt>
+    <dgm:pt modelId="{A7F8F8EC-5259-9A43-84EE-395FD82D16A9}" type="pres">
+      <dgm:prSet presAssocID="{EA1A376E-E1CF-A54F-BD1E-7342A9121FF1}" presName="hierRoot2" presStyleCnt="0">
+        <dgm:presLayoutVars>
+          <dgm:hierBranch val="init"/>
+        </dgm:presLayoutVars>
+      </dgm:prSet>
+      <dgm:spPr/>
+    </dgm:pt>
+    <dgm:pt modelId="{5AA718A9-58F8-364B-BB3B-18E2BE9152FE}" type="pres">
+      <dgm:prSet presAssocID="{EA1A376E-E1CF-A54F-BD1E-7342A9121FF1}" presName="rootComposite" presStyleCnt="0"/>
+      <dgm:spPr/>
+    </dgm:pt>
+    <dgm:pt modelId="{A21CCBC8-A77B-6042-82D6-5803E2F4FC1D}" type="pres">
+      <dgm:prSet presAssocID="{EA1A376E-E1CF-A54F-BD1E-7342A9121FF1}" presName="rootText" presStyleLbl="node2" presStyleIdx="2" presStyleCnt="5">
+        <dgm:presLayoutVars>
+          <dgm:chPref val="3"/>
+        </dgm:presLayoutVars>
+      </dgm:prSet>
+      <dgm:spPr/>
+      <dgm:t>
+        <a:bodyPr/>
+        <a:lstStyle/>
+        <a:p>
+          <a:endParaRPr lang="zh-CN" altLang="en-US"/>
+        </a:p>
+      </dgm:t>
+    </dgm:pt>
+    <dgm:pt modelId="{DA252AC9-999F-9842-BE2B-A684D0F3A41B}" type="pres">
+      <dgm:prSet presAssocID="{EA1A376E-E1CF-A54F-BD1E-7342A9121FF1}" presName="rootConnector" presStyleLbl="node2" presStyleIdx="2" presStyleCnt="5"/>
+      <dgm:spPr/>
+      <dgm:t>
+        <a:bodyPr/>
+        <a:lstStyle/>
+        <a:p>
+          <a:endParaRPr lang="zh-CN" altLang="en-US"/>
+        </a:p>
+      </dgm:t>
+    </dgm:pt>
+    <dgm:pt modelId="{95CE0AA0-85E8-AD48-8195-B05139935582}" type="pres">
+      <dgm:prSet presAssocID="{EA1A376E-E1CF-A54F-BD1E-7342A9121FF1}" presName="hierChild4" presStyleCnt="0"/>
+      <dgm:spPr/>
+    </dgm:pt>
+    <dgm:pt modelId="{9400B4FA-58CC-5344-96FC-A57FAD29BE5B}" type="pres">
+      <dgm:prSet presAssocID="{EA1A376E-E1CF-A54F-BD1E-7342A9121FF1}" presName="hierChild5" presStyleCnt="0"/>
+      <dgm:spPr/>
+    </dgm:pt>
+    <dgm:pt modelId="{28BD0A43-C438-8540-BA7D-919523FBADED}" type="pres">
+      <dgm:prSet presAssocID="{A7033AB8-3E3C-6345-82A7-26D79CBF095E}" presName="Name37" presStyleLbl="parChTrans1D2" presStyleIdx="3" presStyleCnt="5"/>
+      <dgm:spPr/>
+      <dgm:t>
+        <a:bodyPr/>
+        <a:lstStyle/>
+        <a:p>
+          <a:endParaRPr lang="zh-CN" altLang="en-US"/>
+        </a:p>
+      </dgm:t>
+    </dgm:pt>
+    <dgm:pt modelId="{7C36B6A0-E97E-D44D-81B7-A7D5BBB82803}" type="pres">
+      <dgm:prSet presAssocID="{FE162D69-B4B1-E547-8BED-2B0564183F40}" presName="hierRoot2" presStyleCnt="0">
+        <dgm:presLayoutVars>
+          <dgm:hierBranch val="init"/>
+        </dgm:presLayoutVars>
+      </dgm:prSet>
+      <dgm:spPr/>
+    </dgm:pt>
+    <dgm:pt modelId="{0E967C56-2DBA-5A4A-94F4-0C2093D391E8}" type="pres">
+      <dgm:prSet presAssocID="{FE162D69-B4B1-E547-8BED-2B0564183F40}" presName="rootComposite" presStyleCnt="0"/>
+      <dgm:spPr/>
+    </dgm:pt>
+    <dgm:pt modelId="{E8A948CA-0671-8A4E-8362-4C3C998C5DBC}" type="pres">
+      <dgm:prSet presAssocID="{FE162D69-B4B1-E547-8BED-2B0564183F40}" presName="rootText" presStyleLbl="node2" presStyleIdx="3" presStyleCnt="5">
+        <dgm:presLayoutVars>
+          <dgm:chPref val="3"/>
+        </dgm:presLayoutVars>
+      </dgm:prSet>
+      <dgm:spPr/>
+      <dgm:t>
+        <a:bodyPr/>
+        <a:lstStyle/>
+        <a:p>
+          <a:endParaRPr lang="zh-CN" altLang="en-US"/>
+        </a:p>
+      </dgm:t>
+    </dgm:pt>
+    <dgm:pt modelId="{300CF57F-9E39-574B-B47A-26D80C1E0634}" type="pres">
+      <dgm:prSet presAssocID="{FE162D69-B4B1-E547-8BED-2B0564183F40}" presName="rootConnector" presStyleLbl="node2" presStyleIdx="3" presStyleCnt="5"/>
+      <dgm:spPr/>
+      <dgm:t>
+        <a:bodyPr/>
+        <a:lstStyle/>
+        <a:p>
+          <a:endParaRPr lang="zh-CN" altLang="en-US"/>
+        </a:p>
+      </dgm:t>
+    </dgm:pt>
+    <dgm:pt modelId="{78463A7A-DE5A-4947-AFCF-0B5A2544CFC2}" type="pres">
+      <dgm:prSet presAssocID="{FE162D69-B4B1-E547-8BED-2B0564183F40}" presName="hierChild4" presStyleCnt="0"/>
+      <dgm:spPr/>
+    </dgm:pt>
+    <dgm:pt modelId="{D8D1908D-737F-DA4C-A1B6-E5CF54E3B40C}" type="pres">
+      <dgm:prSet presAssocID="{FE162D69-B4B1-E547-8BED-2B0564183F40}" presName="hierChild5" presStyleCnt="0"/>
+      <dgm:spPr/>
+    </dgm:pt>
+    <dgm:pt modelId="{568A960C-ED31-8249-945C-CE587423A17E}" type="pres">
+      <dgm:prSet presAssocID="{10A48251-DC0A-F346-B0C6-66C14C6B50F4}" presName="Name37" presStyleLbl="parChTrans1D2" presStyleIdx="4" presStyleCnt="5"/>
+      <dgm:spPr/>
+      <dgm:t>
+        <a:bodyPr/>
+        <a:lstStyle/>
+        <a:p>
+          <a:endParaRPr lang="zh-CN" altLang="en-US"/>
+        </a:p>
+      </dgm:t>
+    </dgm:pt>
+    <dgm:pt modelId="{5C94DFD0-ED71-B545-9003-B4CB4810F207}" type="pres">
+      <dgm:prSet presAssocID="{061C52BE-7CF4-EC44-BF9D-04F9145BF7C0}" presName="hierRoot2" presStyleCnt="0">
+        <dgm:presLayoutVars>
+          <dgm:hierBranch val="init"/>
+        </dgm:presLayoutVars>
+      </dgm:prSet>
+      <dgm:spPr/>
+    </dgm:pt>
+    <dgm:pt modelId="{9FB4ACC7-BFC5-B048-A63B-4F84BBBD2280}" type="pres">
+      <dgm:prSet presAssocID="{061C52BE-7CF4-EC44-BF9D-04F9145BF7C0}" presName="rootComposite" presStyleCnt="0"/>
+      <dgm:spPr/>
+    </dgm:pt>
+    <dgm:pt modelId="{B72AEC3D-2C06-374B-AE6F-706739B1FFEB}" type="pres">
+      <dgm:prSet presAssocID="{061C52BE-7CF4-EC44-BF9D-04F9145BF7C0}" presName="rootText" presStyleLbl="node2" presStyleIdx="4" presStyleCnt="5">
+        <dgm:presLayoutVars>
+          <dgm:chPref val="3"/>
+        </dgm:presLayoutVars>
+      </dgm:prSet>
+      <dgm:spPr/>
+      <dgm:t>
+        <a:bodyPr/>
+        <a:lstStyle/>
+        <a:p>
+          <a:endParaRPr lang="zh-CN" altLang="en-US"/>
+        </a:p>
+      </dgm:t>
+    </dgm:pt>
+    <dgm:pt modelId="{A6F5B899-1841-8B4F-8A6E-A82CCF0C2E8D}" type="pres">
+      <dgm:prSet presAssocID="{061C52BE-7CF4-EC44-BF9D-04F9145BF7C0}" presName="rootConnector" presStyleLbl="node2" presStyleIdx="4" presStyleCnt="5"/>
+      <dgm:spPr/>
+      <dgm:t>
+        <a:bodyPr/>
+        <a:lstStyle/>
+        <a:p>
+          <a:endParaRPr lang="zh-CN" altLang="en-US"/>
+        </a:p>
+      </dgm:t>
+    </dgm:pt>
+    <dgm:pt modelId="{CEB308C0-099D-BB45-8424-AE8CCEB43E93}" type="pres">
+      <dgm:prSet presAssocID="{061C52BE-7CF4-EC44-BF9D-04F9145BF7C0}" presName="hierChild4" presStyleCnt="0"/>
+      <dgm:spPr/>
+    </dgm:pt>
+    <dgm:pt modelId="{026B9CEF-90EB-3D4A-80E6-5BCB4FD537B5}" type="pres">
+      <dgm:prSet presAssocID="{061C52BE-7CF4-EC44-BF9D-04F9145BF7C0}" presName="hierChild5" presStyleCnt="0"/>
+      <dgm:spPr/>
+    </dgm:pt>
+    <dgm:pt modelId="{A72DE82D-7BC8-C947-8585-756F7C7DA42D}" type="pres">
+      <dgm:prSet presAssocID="{089B8A85-A84E-8741-B756-D6E8208AA69F}" presName="hierChild3" presStyleCnt="0"/>
+      <dgm:spPr/>
+    </dgm:pt>
+  </dgm:ptLst>
+  <dgm:cxnLst>
+    <dgm:cxn modelId="{D8E11897-2E10-3B48-8D9A-BDA93585F597}" type="presOf" srcId="{10A48251-DC0A-F346-B0C6-66C14C6B50F4}" destId="{568A960C-ED31-8249-945C-CE587423A17E}" srcOrd="0" destOrd="0" presId="urn:microsoft.com/office/officeart/2005/8/layout/orgChart1"/>
+    <dgm:cxn modelId="{67F3C80B-8EE5-334E-AAAB-9918F69E5465}" type="presOf" srcId="{EA1A376E-E1CF-A54F-BD1E-7342A9121FF1}" destId="{A21CCBC8-A77B-6042-82D6-5803E2F4FC1D}" srcOrd="0" destOrd="0" presId="urn:microsoft.com/office/officeart/2005/8/layout/orgChart1"/>
+    <dgm:cxn modelId="{F62AC43D-1497-514E-A908-657860816B79}" srcId="{B630F1C9-CFF9-C84B-9433-1FBC8CEA9D1D}" destId="{089B8A85-A84E-8741-B756-D6E8208AA69F}" srcOrd="0" destOrd="0" parTransId="{27981E1A-4EBC-F94C-AFFD-74909A2E96B4}" sibTransId="{61E66DFC-B98F-E545-84BD-A702DE60BA1A}"/>
+    <dgm:cxn modelId="{6ED9E108-7214-FA49-A007-EB019736C06B}" type="presOf" srcId="{2A6A6557-22E6-4440-93F4-318AD223EC07}" destId="{4BE14C3B-968F-914B-8541-347ECA41D053}" srcOrd="0" destOrd="0" presId="urn:microsoft.com/office/officeart/2005/8/layout/orgChart1"/>
+    <dgm:cxn modelId="{61E9B137-E1C3-1849-9899-B129AAB9BFED}" type="presOf" srcId="{CA618E98-DA33-544D-905E-6F6DF2BBE287}" destId="{197EEB88-9CF5-1D40-B8CC-7685270E438E}" srcOrd="1" destOrd="0" presId="urn:microsoft.com/office/officeart/2005/8/layout/orgChart1"/>
+    <dgm:cxn modelId="{6B9A7B00-EF08-9F4A-A72A-BAE58C230504}" type="presOf" srcId="{A7033AB8-3E3C-6345-82A7-26D79CBF095E}" destId="{28BD0A43-C438-8540-BA7D-919523FBADED}" srcOrd="0" destOrd="0" presId="urn:microsoft.com/office/officeart/2005/8/layout/orgChart1"/>
+    <dgm:cxn modelId="{E49D7F24-616E-A94D-865F-0288CA6CA4DC}" type="presOf" srcId="{B630F1C9-CFF9-C84B-9433-1FBC8CEA9D1D}" destId="{DC210692-E386-2344-954E-98E6D550EFD6}" srcOrd="0" destOrd="0" presId="urn:microsoft.com/office/officeart/2005/8/layout/orgChart1"/>
+    <dgm:cxn modelId="{9A480B42-5E34-1242-A5BB-E63AB04D3A0D}" type="presOf" srcId="{061C52BE-7CF4-EC44-BF9D-04F9145BF7C0}" destId="{A6F5B899-1841-8B4F-8A6E-A82CCF0C2E8D}" srcOrd="1" destOrd="0" presId="urn:microsoft.com/office/officeart/2005/8/layout/orgChart1"/>
+    <dgm:cxn modelId="{31FF4A7A-C43B-E740-8D27-71294B78F62F}" type="presOf" srcId="{329218CD-5EBE-6347-A54F-9E27A2C28CFE}" destId="{A9A95BD9-9298-2B46-B854-9553EE11AF97}" srcOrd="0" destOrd="0" presId="urn:microsoft.com/office/officeart/2005/8/layout/orgChart1"/>
+    <dgm:cxn modelId="{49C168B2-9EDD-3940-A311-3D8BE8470AA7}" type="presOf" srcId="{089B8A85-A84E-8741-B756-D6E8208AA69F}" destId="{C2E6BAFA-5D71-CC47-8BF1-00F48C9795BF}" srcOrd="1" destOrd="0" presId="urn:microsoft.com/office/officeart/2005/8/layout/orgChart1"/>
+    <dgm:cxn modelId="{E1362577-7708-814B-ACC3-2950977E451F}" type="presOf" srcId="{2A6A6557-22E6-4440-93F4-318AD223EC07}" destId="{0B5A722B-B604-914D-A9EE-33F6F187EB5B}" srcOrd="1" destOrd="0" presId="urn:microsoft.com/office/officeart/2005/8/layout/orgChart1"/>
+    <dgm:cxn modelId="{BBFBCA1C-E326-B34E-A943-897F943CC915}" type="presOf" srcId="{09F5AA4F-3F0E-F448-8010-EADD0EFAB073}" destId="{FDC577A4-973B-6644-9FB7-0F014835A0EF}" srcOrd="0" destOrd="0" presId="urn:microsoft.com/office/officeart/2005/8/layout/orgChart1"/>
+    <dgm:cxn modelId="{07192F67-731B-A44F-B3D9-C65C2B3D4541}" type="presOf" srcId="{C6F298F6-653B-A941-BECE-D7AEC4FBA17A}" destId="{5F453A73-8BDC-0840-840B-D1D0D6D6D6F0}" srcOrd="0" destOrd="0" presId="urn:microsoft.com/office/officeart/2005/8/layout/orgChart1"/>
+    <dgm:cxn modelId="{B978757A-C9B3-B041-9CE6-BE78C0AFAB64}" srcId="{089B8A85-A84E-8741-B756-D6E8208AA69F}" destId="{CA618E98-DA33-544D-905E-6F6DF2BBE287}" srcOrd="0" destOrd="0" parTransId="{C6F298F6-653B-A941-BECE-D7AEC4FBA17A}" sibTransId="{8D63A4A8-B27F-F049-8522-3B9C02AE055A}"/>
+    <dgm:cxn modelId="{BE659CD9-82CA-734C-92A2-CFFD7BE81836}" srcId="{089B8A85-A84E-8741-B756-D6E8208AA69F}" destId="{EA1A376E-E1CF-A54F-BD1E-7342A9121FF1}" srcOrd="2" destOrd="0" parTransId="{329218CD-5EBE-6347-A54F-9E27A2C28CFE}" sibTransId="{CD21B503-EE73-0C40-B6FB-14DEEF4484AD}"/>
+    <dgm:cxn modelId="{9F12EB13-1A82-2541-9432-2991F9EC4E2B}" type="presOf" srcId="{FE162D69-B4B1-E547-8BED-2B0564183F40}" destId="{300CF57F-9E39-574B-B47A-26D80C1E0634}" srcOrd="1" destOrd="0" presId="urn:microsoft.com/office/officeart/2005/8/layout/orgChart1"/>
+    <dgm:cxn modelId="{95F85091-8AEA-BF44-A577-D8A3DC8E7D82}" srcId="{089B8A85-A84E-8741-B756-D6E8208AA69F}" destId="{061C52BE-7CF4-EC44-BF9D-04F9145BF7C0}" srcOrd="4" destOrd="0" parTransId="{10A48251-DC0A-F346-B0C6-66C14C6B50F4}" sibTransId="{EB6167F5-7DA7-0843-9DDF-A62488ACB411}"/>
+    <dgm:cxn modelId="{6C95D86D-53B0-F248-9872-EF6302AB73A2}" type="presOf" srcId="{EA1A376E-E1CF-A54F-BD1E-7342A9121FF1}" destId="{DA252AC9-999F-9842-BE2B-A684D0F3A41B}" srcOrd="1" destOrd="0" presId="urn:microsoft.com/office/officeart/2005/8/layout/orgChart1"/>
+    <dgm:cxn modelId="{36499D25-40B4-1D48-BB6A-188E0817850C}" srcId="{089B8A85-A84E-8741-B756-D6E8208AA69F}" destId="{2A6A6557-22E6-4440-93F4-318AD223EC07}" srcOrd="1" destOrd="0" parTransId="{09F5AA4F-3F0E-F448-8010-EADD0EFAB073}" sibTransId="{014CBFC8-1CC7-9F4F-86AA-E0299D0A476E}"/>
+    <dgm:cxn modelId="{EAF51809-CF8B-C843-B54E-FF47D256811D}" type="presOf" srcId="{FE162D69-B4B1-E547-8BED-2B0564183F40}" destId="{E8A948CA-0671-8A4E-8362-4C3C998C5DBC}" srcOrd="0" destOrd="0" presId="urn:microsoft.com/office/officeart/2005/8/layout/orgChart1"/>
+    <dgm:cxn modelId="{F80E946B-E716-C84E-808B-D73F61F883DD}" type="presOf" srcId="{061C52BE-7CF4-EC44-BF9D-04F9145BF7C0}" destId="{B72AEC3D-2C06-374B-AE6F-706739B1FFEB}" srcOrd="0" destOrd="0" presId="urn:microsoft.com/office/officeart/2005/8/layout/orgChart1"/>
+    <dgm:cxn modelId="{0D994073-879E-A84B-8FA2-1D632ABBC0D7}" srcId="{089B8A85-A84E-8741-B756-D6E8208AA69F}" destId="{FE162D69-B4B1-E547-8BED-2B0564183F40}" srcOrd="3" destOrd="0" parTransId="{A7033AB8-3E3C-6345-82A7-26D79CBF095E}" sibTransId="{257972D6-2FDF-444E-BAE3-ADF052ACC722}"/>
+    <dgm:cxn modelId="{62E7C7F3-67A0-C146-AB9E-B0B6B7B2D873}" type="presOf" srcId="{CA618E98-DA33-544D-905E-6F6DF2BBE287}" destId="{BDEEFA10-8AEC-064F-B79C-DE044C5232CD}" srcOrd="0" destOrd="0" presId="urn:microsoft.com/office/officeart/2005/8/layout/orgChart1"/>
+    <dgm:cxn modelId="{CEF91CF3-F79F-0E47-B246-1E87B1A443B8}" type="presOf" srcId="{089B8A85-A84E-8741-B756-D6E8208AA69F}" destId="{8904E6B1-D046-FE46-8617-2327D1B7EBFF}" srcOrd="0" destOrd="0" presId="urn:microsoft.com/office/officeart/2005/8/layout/orgChart1"/>
+    <dgm:cxn modelId="{CD96D850-2517-1F47-B960-5D72730DEF12}" type="presParOf" srcId="{DC210692-E386-2344-954E-98E6D550EFD6}" destId="{7A8FBCC4-2340-DC43-9573-EA65C77E6E6A}" srcOrd="0" destOrd="0" presId="urn:microsoft.com/office/officeart/2005/8/layout/orgChart1"/>
+    <dgm:cxn modelId="{4F23630D-09B1-444B-AD44-B666487FB2A8}" type="presParOf" srcId="{7A8FBCC4-2340-DC43-9573-EA65C77E6E6A}" destId="{BAD9196E-4268-2842-AB85-1F29C96DF1C6}" srcOrd="0" destOrd="0" presId="urn:microsoft.com/office/officeart/2005/8/layout/orgChart1"/>
+    <dgm:cxn modelId="{9E73D6F8-C570-0546-A7F4-FF2169A8CD9D}" type="presParOf" srcId="{BAD9196E-4268-2842-AB85-1F29C96DF1C6}" destId="{8904E6B1-D046-FE46-8617-2327D1B7EBFF}" srcOrd="0" destOrd="0" presId="urn:microsoft.com/office/officeart/2005/8/layout/orgChart1"/>
+    <dgm:cxn modelId="{13B19C91-1D6A-F745-A63B-5E4DD309CF8F}" type="presParOf" srcId="{BAD9196E-4268-2842-AB85-1F29C96DF1C6}" destId="{C2E6BAFA-5D71-CC47-8BF1-00F48C9795BF}" srcOrd="1" destOrd="0" presId="urn:microsoft.com/office/officeart/2005/8/layout/orgChart1"/>
+    <dgm:cxn modelId="{9646C43D-E9F9-724E-A280-4F55DC6CAB79}" type="presParOf" srcId="{7A8FBCC4-2340-DC43-9573-EA65C77E6E6A}" destId="{E9E551C8-67AD-BD49-8105-3EC6BCAFB418}" srcOrd="1" destOrd="0" presId="urn:microsoft.com/office/officeart/2005/8/layout/orgChart1"/>
+    <dgm:cxn modelId="{88E191B1-05B0-5A40-9034-9636FEC113AF}" type="presParOf" srcId="{E9E551C8-67AD-BD49-8105-3EC6BCAFB418}" destId="{5F453A73-8BDC-0840-840B-D1D0D6D6D6F0}" srcOrd="0" destOrd="0" presId="urn:microsoft.com/office/officeart/2005/8/layout/orgChart1"/>
+    <dgm:cxn modelId="{6EE56BD5-EA7B-F041-8F49-E84B9FE33E21}" type="presParOf" srcId="{E9E551C8-67AD-BD49-8105-3EC6BCAFB418}" destId="{22CDC3F1-D998-2C46-B14A-9EC46B795BDC}" srcOrd="1" destOrd="0" presId="urn:microsoft.com/office/officeart/2005/8/layout/orgChart1"/>
+    <dgm:cxn modelId="{3BE5FADA-F8DC-FF48-83CB-7D1B8CFEF66F}" type="presParOf" srcId="{22CDC3F1-D998-2C46-B14A-9EC46B795BDC}" destId="{1182EA99-D581-EB45-BE60-B59C3DBD4A40}" srcOrd="0" destOrd="0" presId="urn:microsoft.com/office/officeart/2005/8/layout/orgChart1"/>
+    <dgm:cxn modelId="{F6F49796-CCDF-EC4F-9EE2-6DCB5C458BC4}" type="presParOf" srcId="{1182EA99-D581-EB45-BE60-B59C3DBD4A40}" destId="{BDEEFA10-8AEC-064F-B79C-DE044C5232CD}" srcOrd="0" destOrd="0" presId="urn:microsoft.com/office/officeart/2005/8/layout/orgChart1"/>
+    <dgm:cxn modelId="{6E893705-5572-6E4B-86C7-EA49DC82011F}" type="presParOf" srcId="{1182EA99-D581-EB45-BE60-B59C3DBD4A40}" destId="{197EEB88-9CF5-1D40-B8CC-7685270E438E}" srcOrd="1" destOrd="0" presId="urn:microsoft.com/office/officeart/2005/8/layout/orgChart1"/>
+    <dgm:cxn modelId="{745B27DB-9D87-C744-9EA3-67116CA8399F}" type="presParOf" srcId="{22CDC3F1-D998-2C46-B14A-9EC46B795BDC}" destId="{3CBB2ADC-B038-FD4A-B0F5-CAC2A0F76FC5}" srcOrd="1" destOrd="0" presId="urn:microsoft.com/office/officeart/2005/8/layout/orgChart1"/>
+    <dgm:cxn modelId="{5C55774B-1AD2-E54C-9001-493468039903}" type="presParOf" srcId="{22CDC3F1-D998-2C46-B14A-9EC46B795BDC}" destId="{FF0498F4-0711-FC40-BF83-7BD2F778B94F}" srcOrd="2" destOrd="0" presId="urn:microsoft.com/office/officeart/2005/8/layout/orgChart1"/>
+    <dgm:cxn modelId="{FB846C7F-ACF6-0A42-A574-2FA8490F59F4}" type="presParOf" srcId="{E9E551C8-67AD-BD49-8105-3EC6BCAFB418}" destId="{FDC577A4-973B-6644-9FB7-0F014835A0EF}" srcOrd="2" destOrd="0" presId="urn:microsoft.com/office/officeart/2005/8/layout/orgChart1"/>
+    <dgm:cxn modelId="{9B2D3CC6-9CB6-6B40-BF6C-2365AD95A2B7}" type="presParOf" srcId="{E9E551C8-67AD-BD49-8105-3EC6BCAFB418}" destId="{2B95877C-4FEB-E749-A8CC-3AE5355562EC}" srcOrd="3" destOrd="0" presId="urn:microsoft.com/office/officeart/2005/8/layout/orgChart1"/>
+    <dgm:cxn modelId="{B2B7954D-6A7B-A945-B3CC-5C52DC1BBA7F}" type="presParOf" srcId="{2B95877C-4FEB-E749-A8CC-3AE5355562EC}" destId="{FC92C182-A2B1-0C49-B5DC-761934DE552E}" srcOrd="0" destOrd="0" presId="urn:microsoft.com/office/officeart/2005/8/layout/orgChart1"/>
+    <dgm:cxn modelId="{C3359B9C-934F-1140-B2CE-A20FFD956DAC}" type="presParOf" srcId="{FC92C182-A2B1-0C49-B5DC-761934DE552E}" destId="{4BE14C3B-968F-914B-8541-347ECA41D053}" srcOrd="0" destOrd="0" presId="urn:microsoft.com/office/officeart/2005/8/layout/orgChart1"/>
+    <dgm:cxn modelId="{82885694-41CE-BD44-A46E-54DE155130BB}" type="presParOf" srcId="{FC92C182-A2B1-0C49-B5DC-761934DE552E}" destId="{0B5A722B-B604-914D-A9EE-33F6F187EB5B}" srcOrd="1" destOrd="0" presId="urn:microsoft.com/office/officeart/2005/8/layout/orgChart1"/>
+    <dgm:cxn modelId="{0E4DF004-C6B1-FE4D-9B7A-4D3F8E11A59C}" type="presParOf" srcId="{2B95877C-4FEB-E749-A8CC-3AE5355562EC}" destId="{973BC156-42E0-DF42-9A75-EE6B17340535}" srcOrd="1" destOrd="0" presId="urn:microsoft.com/office/officeart/2005/8/layout/orgChart1"/>
+    <dgm:cxn modelId="{9B25B878-1F0A-664C-8646-4893C3E752B9}" type="presParOf" srcId="{2B95877C-4FEB-E749-A8CC-3AE5355562EC}" destId="{CB465E90-033B-AB4A-8994-11DA8FB485E1}" srcOrd="2" destOrd="0" presId="urn:microsoft.com/office/officeart/2005/8/layout/orgChart1"/>
+    <dgm:cxn modelId="{E7D9F9F8-7E3F-9D41-8EFB-6E4783FC966D}" type="presParOf" srcId="{E9E551C8-67AD-BD49-8105-3EC6BCAFB418}" destId="{A9A95BD9-9298-2B46-B854-9553EE11AF97}" srcOrd="4" destOrd="0" presId="urn:microsoft.com/office/officeart/2005/8/layout/orgChart1"/>
+    <dgm:cxn modelId="{CE9F0E40-77EC-E242-9BE4-11ED4B34529C}" type="presParOf" srcId="{E9E551C8-67AD-BD49-8105-3EC6BCAFB418}" destId="{A7F8F8EC-5259-9A43-84EE-395FD82D16A9}" srcOrd="5" destOrd="0" presId="urn:microsoft.com/office/officeart/2005/8/layout/orgChart1"/>
+    <dgm:cxn modelId="{07327A30-3BD2-F447-8220-82E318E10BBC}" type="presParOf" srcId="{A7F8F8EC-5259-9A43-84EE-395FD82D16A9}" destId="{5AA718A9-58F8-364B-BB3B-18E2BE9152FE}" srcOrd="0" destOrd="0" presId="urn:microsoft.com/office/officeart/2005/8/layout/orgChart1"/>
+    <dgm:cxn modelId="{5F5870A0-B4D6-584A-B838-AB1AF0D4BD59}" type="presParOf" srcId="{5AA718A9-58F8-364B-BB3B-18E2BE9152FE}" destId="{A21CCBC8-A77B-6042-82D6-5803E2F4FC1D}" srcOrd="0" destOrd="0" presId="urn:microsoft.com/office/officeart/2005/8/layout/orgChart1"/>
+    <dgm:cxn modelId="{85BD7D95-FB5B-C04D-B157-1657713D6518}" type="presParOf" srcId="{5AA718A9-58F8-364B-BB3B-18E2BE9152FE}" destId="{DA252AC9-999F-9842-BE2B-A684D0F3A41B}" srcOrd="1" destOrd="0" presId="urn:microsoft.com/office/officeart/2005/8/layout/orgChart1"/>
+    <dgm:cxn modelId="{BCA95868-85E1-534A-AEAC-D1F06435B316}" type="presParOf" srcId="{A7F8F8EC-5259-9A43-84EE-395FD82D16A9}" destId="{95CE0AA0-85E8-AD48-8195-B05139935582}" srcOrd="1" destOrd="0" presId="urn:microsoft.com/office/officeart/2005/8/layout/orgChart1"/>
+    <dgm:cxn modelId="{6E578ED3-0047-1E48-BD3B-14CD0D13C4A5}" type="presParOf" srcId="{A7F8F8EC-5259-9A43-84EE-395FD82D16A9}" destId="{9400B4FA-58CC-5344-96FC-A57FAD29BE5B}" srcOrd="2" destOrd="0" presId="urn:microsoft.com/office/officeart/2005/8/layout/orgChart1"/>
+    <dgm:cxn modelId="{E87DDD8B-B085-034B-B185-E6A674454C20}" type="presParOf" srcId="{E9E551C8-67AD-BD49-8105-3EC6BCAFB418}" destId="{28BD0A43-C438-8540-BA7D-919523FBADED}" srcOrd="6" destOrd="0" presId="urn:microsoft.com/office/officeart/2005/8/layout/orgChart1"/>
+    <dgm:cxn modelId="{CC684AFD-5DD5-A742-B1A1-9020976C808D}" type="presParOf" srcId="{E9E551C8-67AD-BD49-8105-3EC6BCAFB418}" destId="{7C36B6A0-E97E-D44D-81B7-A7D5BBB82803}" srcOrd="7" destOrd="0" presId="urn:microsoft.com/office/officeart/2005/8/layout/orgChart1"/>
+    <dgm:cxn modelId="{2C920944-227F-DE40-BB57-099076DCE29E}" type="presParOf" srcId="{7C36B6A0-E97E-D44D-81B7-A7D5BBB82803}" destId="{0E967C56-2DBA-5A4A-94F4-0C2093D391E8}" srcOrd="0" destOrd="0" presId="urn:microsoft.com/office/officeart/2005/8/layout/orgChart1"/>
+    <dgm:cxn modelId="{62F07AE9-6773-BC4A-A523-21EC1C4F2E37}" type="presParOf" srcId="{0E967C56-2DBA-5A4A-94F4-0C2093D391E8}" destId="{E8A948CA-0671-8A4E-8362-4C3C998C5DBC}" srcOrd="0" destOrd="0" presId="urn:microsoft.com/office/officeart/2005/8/layout/orgChart1"/>
+    <dgm:cxn modelId="{891D6D24-DC9D-FF46-9B29-4CBE6367D8F7}" type="presParOf" srcId="{0E967C56-2DBA-5A4A-94F4-0C2093D391E8}" destId="{300CF57F-9E39-574B-B47A-26D80C1E0634}" srcOrd="1" destOrd="0" presId="urn:microsoft.com/office/officeart/2005/8/layout/orgChart1"/>
+    <dgm:cxn modelId="{BE89D7DE-E080-7B4B-8CC5-8042D4A54324}" type="presParOf" srcId="{7C36B6A0-E97E-D44D-81B7-A7D5BBB82803}" destId="{78463A7A-DE5A-4947-AFCF-0B5A2544CFC2}" srcOrd="1" destOrd="0" presId="urn:microsoft.com/office/officeart/2005/8/layout/orgChart1"/>
+    <dgm:cxn modelId="{34EEC4A6-CB71-3C4A-B027-D3EACFC3B7E6}" type="presParOf" srcId="{7C36B6A0-E97E-D44D-81B7-A7D5BBB82803}" destId="{D8D1908D-737F-DA4C-A1B6-E5CF54E3B40C}" srcOrd="2" destOrd="0" presId="urn:microsoft.com/office/officeart/2005/8/layout/orgChart1"/>
+    <dgm:cxn modelId="{EEB52E28-02A4-4742-8787-DBAD0B761F01}" type="presParOf" srcId="{E9E551C8-67AD-BD49-8105-3EC6BCAFB418}" destId="{568A960C-ED31-8249-945C-CE587423A17E}" srcOrd="8" destOrd="0" presId="urn:microsoft.com/office/officeart/2005/8/layout/orgChart1"/>
+    <dgm:cxn modelId="{2CD2D63F-E4CD-E74D-9BF0-1805B2279F69}" type="presParOf" srcId="{E9E551C8-67AD-BD49-8105-3EC6BCAFB418}" destId="{5C94DFD0-ED71-B545-9003-B4CB4810F207}" srcOrd="9" destOrd="0" presId="urn:microsoft.com/office/officeart/2005/8/layout/orgChart1"/>
+    <dgm:cxn modelId="{F19B8980-8215-AC45-B0CC-B70A2F6C54A4}" type="presParOf" srcId="{5C94DFD0-ED71-B545-9003-B4CB4810F207}" destId="{9FB4ACC7-BFC5-B048-A63B-4F84BBBD2280}" srcOrd="0" destOrd="0" presId="urn:microsoft.com/office/officeart/2005/8/layout/orgChart1"/>
+    <dgm:cxn modelId="{DD92A45D-982B-F642-8DBF-3DF56BB3F296}" type="presParOf" srcId="{9FB4ACC7-BFC5-B048-A63B-4F84BBBD2280}" destId="{B72AEC3D-2C06-374B-AE6F-706739B1FFEB}" srcOrd="0" destOrd="0" presId="urn:microsoft.com/office/officeart/2005/8/layout/orgChart1"/>
+    <dgm:cxn modelId="{E1CB4BB6-18E7-624E-8045-674E75C81366}" type="presParOf" srcId="{9FB4ACC7-BFC5-B048-A63B-4F84BBBD2280}" destId="{A6F5B899-1841-8B4F-8A6E-A82CCF0C2E8D}" srcOrd="1" destOrd="0" presId="urn:microsoft.com/office/officeart/2005/8/layout/orgChart1"/>
+    <dgm:cxn modelId="{6CBB78CE-E66C-5048-85C7-70F95D5BB236}" type="presParOf" srcId="{5C94DFD0-ED71-B545-9003-B4CB4810F207}" destId="{CEB308C0-099D-BB45-8424-AE8CCEB43E93}" srcOrd="1" destOrd="0" presId="urn:microsoft.com/office/officeart/2005/8/layout/orgChart1"/>
+    <dgm:cxn modelId="{ECA5191E-E1F1-2141-9597-8FA85B576EA5}" type="presParOf" srcId="{5C94DFD0-ED71-B545-9003-B4CB4810F207}" destId="{026B9CEF-90EB-3D4A-80E6-5BCB4FD537B5}" srcOrd="2" destOrd="0" presId="urn:microsoft.com/office/officeart/2005/8/layout/orgChart1"/>
+    <dgm:cxn modelId="{4BD28E9C-2F8D-AC44-9F78-7DEF859EC665}" type="presParOf" srcId="{7A8FBCC4-2340-DC43-9573-EA65C77E6E6A}" destId="{A72DE82D-7BC8-C947-8585-756F7C7DA42D}" srcOrd="2" destOrd="0" presId="urn:microsoft.com/office/officeart/2005/8/layout/orgChart1"/>
+  </dgm:cxnLst>
+  <dgm:bg/>
+  <dgm:whole/>
+  <dgm:extLst>
+    <a:ext uri="http://schemas.microsoft.com/office/drawing/2008/diagram">
+      <dsp:dataModelExt xmlns:dsp="http://schemas.microsoft.com/office/drawing/2008/diagram" relId="rId6" minVer="http://schemas.openxmlformats.org/drawingml/2006/diagram"/>
+    </a:ext>
+  </dgm:extLst>
+</dgm:dataModel>
+</file>
+
+<file path=ppt/diagrams/drawing1.xml><?xml version="1.0" encoding="utf-8"?>
+<dsp:drawing xmlns:dgm="http://schemas.openxmlformats.org/drawingml/2006/diagram" xmlns:dsp="http://schemas.microsoft.com/office/drawing/2008/diagram" xmlns:a="http://schemas.openxmlformats.org/drawingml/2006/main">
+  <dsp:spTree>
+    <dsp:nvGrpSpPr>
+      <dsp:cNvPr id="0" name=""/>
+      <dsp:cNvGrpSpPr/>
+    </dsp:nvGrpSpPr>
+    <dsp:grpSpPr/>
+    <dsp:sp modelId="{568A960C-ED31-8249-945C-CE587423A17E}">
+      <dsp:nvSpPr>
+        <dsp:cNvPr id="0" name=""/>
+        <dsp:cNvSpPr/>
+      </dsp:nvSpPr>
+      <dsp:spPr>
+        <a:xfrm>
+          <a:off x="4064000" y="2563221"/>
+          <a:ext cx="3367533" cy="292224"/>
+        </a:xfrm>
+        <a:custGeom>
+          <a:avLst/>
+          <a:gdLst/>
+          <a:ahLst/>
+          <a:cxnLst/>
+          <a:rect l="0" t="0" r="0" b="0"/>
+          <a:pathLst>
+            <a:path>
+              <a:moveTo>
+                <a:pt x="0" y="0"/>
+              </a:moveTo>
+              <a:lnTo>
+                <a:pt x="0" y="146112"/>
+              </a:lnTo>
+              <a:lnTo>
+                <a:pt x="3367533" y="146112"/>
+              </a:lnTo>
+              <a:lnTo>
+                <a:pt x="3367533" y="292224"/>
+              </a:lnTo>
+            </a:path>
+          </a:pathLst>
+        </a:custGeom>
+        <a:noFill/>
+        <a:ln w="9525" cap="rnd" cmpd="sng" algn="ctr">
+          <a:solidFill>
+            <a:schemeClr val="accent1">
+              <a:shade val="60000"/>
+              <a:hueOff val="0"/>
+              <a:satOff val="0"/>
+              <a:lumOff val="0"/>
+              <a:alphaOff val="0"/>
+            </a:schemeClr>
+          </a:solidFill>
+          <a:prstDash val="solid"/>
+        </a:ln>
+        <a:effectLst/>
+      </dsp:spPr>
+      <dsp:style>
+        <a:lnRef idx="1">
+          <a:scrgbClr r="0" g="0" b="0"/>
+        </a:lnRef>
+        <a:fillRef idx="0">
+          <a:scrgbClr r="0" g="0" b="0"/>
+        </a:fillRef>
+        <a:effectRef idx="0">
+          <a:scrgbClr r="0" g="0" b="0"/>
+        </a:effectRef>
+        <a:fontRef idx="minor"/>
+      </dsp:style>
+    </dsp:sp>
+    <dsp:sp modelId="{28BD0A43-C438-8540-BA7D-919523FBADED}">
+      <dsp:nvSpPr>
+        <dsp:cNvPr id="0" name=""/>
+        <dsp:cNvSpPr/>
+      </dsp:nvSpPr>
+      <dsp:spPr>
+        <a:xfrm>
+          <a:off x="4064000" y="2563221"/>
+          <a:ext cx="1683766" cy="292224"/>
+        </a:xfrm>
+        <a:custGeom>
+          <a:avLst/>
+          <a:gdLst/>
+          <a:ahLst/>
+          <a:cxnLst/>
+          <a:rect l="0" t="0" r="0" b="0"/>
+          <a:pathLst>
+            <a:path>
+              <a:moveTo>
+                <a:pt x="0" y="0"/>
+              </a:moveTo>
+              <a:lnTo>
+                <a:pt x="0" y="146112"/>
+              </a:lnTo>
+              <a:lnTo>
+                <a:pt x="1683766" y="146112"/>
+              </a:lnTo>
+              <a:lnTo>
+                <a:pt x="1683766" y="292224"/>
+              </a:lnTo>
+            </a:path>
+          </a:pathLst>
+        </a:custGeom>
+        <a:noFill/>
+        <a:ln w="9525" cap="rnd" cmpd="sng" algn="ctr">
+          <a:solidFill>
+            <a:schemeClr val="accent1">
+              <a:shade val="60000"/>
+              <a:hueOff val="0"/>
+              <a:satOff val="0"/>
+              <a:lumOff val="0"/>
+              <a:alphaOff val="0"/>
+            </a:schemeClr>
+          </a:solidFill>
+          <a:prstDash val="solid"/>
+        </a:ln>
+        <a:effectLst/>
+      </dsp:spPr>
+      <dsp:style>
+        <a:lnRef idx="1">
+          <a:scrgbClr r="0" g="0" b="0"/>
+        </a:lnRef>
+        <a:fillRef idx="0">
+          <a:scrgbClr r="0" g="0" b="0"/>
+        </a:fillRef>
+        <a:effectRef idx="0">
+          <a:scrgbClr r="0" g="0" b="0"/>
+        </a:effectRef>
+        <a:fontRef idx="minor"/>
+      </dsp:style>
+    </dsp:sp>
+    <dsp:sp modelId="{A9A95BD9-9298-2B46-B854-9553EE11AF97}">
+      <dsp:nvSpPr>
+        <dsp:cNvPr id="0" name=""/>
+        <dsp:cNvSpPr/>
+      </dsp:nvSpPr>
+      <dsp:spPr>
+        <a:xfrm>
+          <a:off x="4018280" y="2563221"/>
+          <a:ext cx="91440" cy="292224"/>
+        </a:xfrm>
+        <a:custGeom>
+          <a:avLst/>
+          <a:gdLst/>
+          <a:ahLst/>
+          <a:cxnLst/>
+          <a:rect l="0" t="0" r="0" b="0"/>
+          <a:pathLst>
+            <a:path>
+              <a:moveTo>
+                <a:pt x="45720" y="0"/>
+              </a:moveTo>
+              <a:lnTo>
+                <a:pt x="45720" y="292224"/>
+              </a:lnTo>
+            </a:path>
+          </a:pathLst>
+        </a:custGeom>
+        <a:noFill/>
+        <a:ln w="9525" cap="rnd" cmpd="sng" algn="ctr">
+          <a:solidFill>
+            <a:schemeClr val="accent1">
+              <a:shade val="60000"/>
+              <a:hueOff val="0"/>
+              <a:satOff val="0"/>
+              <a:lumOff val="0"/>
+              <a:alphaOff val="0"/>
+            </a:schemeClr>
+          </a:solidFill>
+          <a:prstDash val="solid"/>
+        </a:ln>
+        <a:effectLst/>
+      </dsp:spPr>
+      <dsp:style>
+        <a:lnRef idx="1">
+          <a:scrgbClr r="0" g="0" b="0"/>
+        </a:lnRef>
+        <a:fillRef idx="0">
+          <a:scrgbClr r="0" g="0" b="0"/>
+        </a:fillRef>
+        <a:effectRef idx="0">
+          <a:scrgbClr r="0" g="0" b="0"/>
+        </a:effectRef>
+        <a:fontRef idx="minor"/>
+      </dsp:style>
+    </dsp:sp>
+    <dsp:sp modelId="{FDC577A4-973B-6644-9FB7-0F014835A0EF}">
+      <dsp:nvSpPr>
+        <dsp:cNvPr id="0" name=""/>
+        <dsp:cNvSpPr/>
+      </dsp:nvSpPr>
+      <dsp:spPr>
+        <a:xfrm>
+          <a:off x="2380233" y="2563221"/>
+          <a:ext cx="1683766" cy="292224"/>
+        </a:xfrm>
+        <a:custGeom>
+          <a:avLst/>
+          <a:gdLst/>
+          <a:ahLst/>
+          <a:cxnLst/>
+          <a:rect l="0" t="0" r="0" b="0"/>
+          <a:pathLst>
+            <a:path>
+              <a:moveTo>
+                <a:pt x="1683766" y="0"/>
+              </a:moveTo>
+              <a:lnTo>
+                <a:pt x="1683766" y="146112"/>
+              </a:lnTo>
+              <a:lnTo>
+                <a:pt x="0" y="146112"/>
+              </a:lnTo>
+              <a:lnTo>
+                <a:pt x="0" y="292224"/>
+              </a:lnTo>
+            </a:path>
+          </a:pathLst>
+        </a:custGeom>
+        <a:noFill/>
+        <a:ln w="9525" cap="rnd" cmpd="sng" algn="ctr">
+          <a:solidFill>
+            <a:schemeClr val="accent1">
+              <a:shade val="60000"/>
+              <a:hueOff val="0"/>
+              <a:satOff val="0"/>
+              <a:lumOff val="0"/>
+              <a:alphaOff val="0"/>
+            </a:schemeClr>
+          </a:solidFill>
+          <a:prstDash val="solid"/>
+        </a:ln>
+        <a:effectLst/>
+      </dsp:spPr>
+      <dsp:style>
+        <a:lnRef idx="1">
+          <a:scrgbClr r="0" g="0" b="0"/>
+        </a:lnRef>
+        <a:fillRef idx="0">
+          <a:scrgbClr r="0" g="0" b="0"/>
+        </a:fillRef>
+        <a:effectRef idx="0">
+          <a:scrgbClr r="0" g="0" b="0"/>
+        </a:effectRef>
+        <a:fontRef idx="minor"/>
+      </dsp:style>
+    </dsp:sp>
+    <dsp:sp modelId="{5F453A73-8BDC-0840-840B-D1D0D6D6D6F0}">
+      <dsp:nvSpPr>
+        <dsp:cNvPr id="0" name=""/>
+        <dsp:cNvSpPr/>
+      </dsp:nvSpPr>
+      <dsp:spPr>
+        <a:xfrm>
+          <a:off x="696466" y="2563221"/>
+          <a:ext cx="3367533" cy="292224"/>
+        </a:xfrm>
+        <a:custGeom>
+          <a:avLst/>
+          <a:gdLst/>
+          <a:ahLst/>
+          <a:cxnLst/>
+          <a:rect l="0" t="0" r="0" b="0"/>
+          <a:pathLst>
+            <a:path>
+              <a:moveTo>
+                <a:pt x="3367533" y="0"/>
+              </a:moveTo>
+              <a:lnTo>
+                <a:pt x="3367533" y="146112"/>
+              </a:lnTo>
+              <a:lnTo>
+                <a:pt x="0" y="146112"/>
+              </a:lnTo>
+              <a:lnTo>
+                <a:pt x="0" y="292224"/>
+              </a:lnTo>
+            </a:path>
+          </a:pathLst>
+        </a:custGeom>
+        <a:noFill/>
+        <a:ln w="9525" cap="rnd" cmpd="sng" algn="ctr">
+          <a:solidFill>
+            <a:schemeClr val="accent1">
+              <a:shade val="60000"/>
+              <a:hueOff val="0"/>
+              <a:satOff val="0"/>
+              <a:lumOff val="0"/>
+              <a:alphaOff val="0"/>
+            </a:schemeClr>
+          </a:solidFill>
+          <a:prstDash val="solid"/>
+        </a:ln>
+        <a:effectLst/>
+      </dsp:spPr>
+      <dsp:style>
+        <a:lnRef idx="1">
+          <a:scrgbClr r="0" g="0" b="0"/>
+        </a:lnRef>
+        <a:fillRef idx="0">
+          <a:scrgbClr r="0" g="0" b="0"/>
+        </a:fillRef>
+        <a:effectRef idx="0">
+          <a:scrgbClr r="0" g="0" b="0"/>
+        </a:effectRef>
+        <a:fontRef idx="minor"/>
+      </dsp:style>
+    </dsp:sp>
+    <dsp:sp modelId="{8904E6B1-D046-FE46-8617-2327D1B7EBFF}">
+      <dsp:nvSpPr>
+        <dsp:cNvPr id="0" name=""/>
+        <dsp:cNvSpPr/>
+      </dsp:nvSpPr>
+      <dsp:spPr>
+        <a:xfrm>
+          <a:off x="3368228" y="1867450"/>
+          <a:ext cx="1391542" cy="695771"/>
+        </a:xfrm>
+        <a:prstGeom prst="rect">
+          <a:avLst/>
+        </a:prstGeom>
+        <a:gradFill rotWithShape="0">
+          <a:gsLst>
+            <a:gs pos="0">
+              <a:schemeClr val="accent1">
+                <a:hueOff val="0"/>
+                <a:satOff val="0"/>
+                <a:lumOff val="0"/>
+                <a:alphaOff val="0"/>
+                <a:tint val="96000"/>
+                <a:lumMod val="104000"/>
+              </a:schemeClr>
+            </a:gs>
+            <a:gs pos="100000">
+              <a:schemeClr val="accent1">
+                <a:hueOff val="0"/>
+                <a:satOff val="0"/>
+                <a:lumOff val="0"/>
+                <a:alphaOff val="0"/>
+                <a:shade val="84000"/>
+                <a:lumMod val="84000"/>
+              </a:schemeClr>
+            </a:gs>
+          </a:gsLst>
+          <a:lin ang="5400000" scaled="0"/>
+        </a:gradFill>
+        <a:ln>
+          <a:noFill/>
+        </a:ln>
+        <a:effectLst>
+          <a:innerShdw blurRad="50800" dist="25400" dir="13500000">
+            <a:srgbClr val="000000">
+              <a:alpha val="55000"/>
+            </a:srgbClr>
+          </a:innerShdw>
+        </a:effectLst>
+      </dsp:spPr>
+      <dsp:style>
+        <a:lnRef idx="0">
+          <a:scrgbClr r="0" g="0" b="0"/>
+        </a:lnRef>
+        <a:fillRef idx="3">
+          <a:scrgbClr r="0" g="0" b="0"/>
+        </a:fillRef>
+        <a:effectRef idx="2">
+          <a:scrgbClr r="0" g="0" b="0"/>
+        </a:effectRef>
+        <a:fontRef idx="minor">
+          <a:schemeClr val="lt1"/>
+        </a:fontRef>
+      </dsp:style>
+      <dsp:txBody>
+        <a:bodyPr spcFirstLastPara="0" vert="horz" wrap="square" lIns="27305" tIns="27305" rIns="27305" bIns="27305" numCol="1" spcCol="1270" anchor="ctr" anchorCtr="0">
+          <a:noAutofit/>
+        </a:bodyPr>
+        <a:lstStyle/>
+        <a:p>
+          <a:pPr lvl="0" algn="ctr" defTabSz="1911350">
+            <a:lnSpc>
+              <a:spcPct val="90000"/>
+            </a:lnSpc>
+            <a:spcBef>
+              <a:spcPct val="0"/>
+            </a:spcBef>
+            <a:spcAft>
+              <a:spcPct val="35000"/>
+            </a:spcAft>
+          </a:pPr>
+          <a:r>
+            <a:rPr lang="zh-CN" altLang="en-US" sz="4300" kern="1200" dirty="0" smtClean="0"/>
+            <a:t>容器</a:t>
+          </a:r>
+          <a:endParaRPr lang="zh-CN" altLang="en-US" sz="4300" kern="1200" dirty="0"/>
+        </a:p>
+      </dsp:txBody>
+      <dsp:txXfrm>
+        <a:off x="3368228" y="1867450"/>
+        <a:ext cx="1391542" cy="695771"/>
+      </dsp:txXfrm>
+    </dsp:sp>
+    <dsp:sp modelId="{BDEEFA10-8AEC-064F-B79C-DE044C5232CD}">
+      <dsp:nvSpPr>
+        <dsp:cNvPr id="0" name=""/>
+        <dsp:cNvSpPr/>
+      </dsp:nvSpPr>
+      <dsp:spPr>
+        <a:xfrm>
+          <a:off x="694" y="2855445"/>
+          <a:ext cx="1391542" cy="695771"/>
+        </a:xfrm>
+        <a:prstGeom prst="rect">
+          <a:avLst/>
+        </a:prstGeom>
+        <a:gradFill rotWithShape="0">
+          <a:gsLst>
+            <a:gs pos="0">
+              <a:schemeClr val="accent1">
+                <a:hueOff val="0"/>
+                <a:satOff val="0"/>
+                <a:lumOff val="0"/>
+                <a:alphaOff val="0"/>
+                <a:tint val="96000"/>
+                <a:lumMod val="104000"/>
+              </a:schemeClr>
+            </a:gs>
+            <a:gs pos="100000">
+              <a:schemeClr val="accent1">
+                <a:hueOff val="0"/>
+                <a:satOff val="0"/>
+                <a:lumOff val="0"/>
+                <a:alphaOff val="0"/>
+                <a:shade val="84000"/>
+                <a:lumMod val="84000"/>
+              </a:schemeClr>
+            </a:gs>
+          </a:gsLst>
+          <a:lin ang="5400000" scaled="0"/>
+        </a:gradFill>
+        <a:ln>
+          <a:noFill/>
+        </a:ln>
+        <a:effectLst>
+          <a:innerShdw blurRad="50800" dist="25400" dir="13500000">
+            <a:srgbClr val="000000">
+              <a:alpha val="55000"/>
+            </a:srgbClr>
+          </a:innerShdw>
+        </a:effectLst>
+      </dsp:spPr>
+      <dsp:style>
+        <a:lnRef idx="0">
+          <a:scrgbClr r="0" g="0" b="0"/>
+        </a:lnRef>
+        <a:fillRef idx="3">
+          <a:scrgbClr r="0" g="0" b="0"/>
+        </a:fillRef>
+        <a:effectRef idx="2">
+          <a:scrgbClr r="0" g="0" b="0"/>
+        </a:effectRef>
+        <a:fontRef idx="minor">
+          <a:schemeClr val="lt1"/>
+        </a:fontRef>
+      </dsp:style>
+      <dsp:txBody>
+        <a:bodyPr spcFirstLastPara="0" vert="horz" wrap="square" lIns="27305" tIns="27305" rIns="27305" bIns="27305" numCol="1" spcCol="1270" anchor="ctr" anchorCtr="0">
+          <a:noAutofit/>
+        </a:bodyPr>
+        <a:lstStyle/>
+        <a:p>
+          <a:pPr lvl="0" algn="ctr" defTabSz="1911350">
+            <a:lnSpc>
+              <a:spcPct val="90000"/>
+            </a:lnSpc>
+            <a:spcBef>
+              <a:spcPct val="0"/>
+            </a:spcBef>
+            <a:spcAft>
+              <a:spcPct val="35000"/>
+            </a:spcAft>
+          </a:pPr>
+          <a:r>
+            <a:rPr lang="zh-CN" altLang="en-US" sz="4300" kern="1200" dirty="0" smtClean="0"/>
+            <a:t>子项</a:t>
+          </a:r>
+          <a:endParaRPr lang="zh-CN" altLang="en-US" sz="4300" kern="1200" dirty="0"/>
+        </a:p>
+      </dsp:txBody>
+      <dsp:txXfrm>
+        <a:off x="694" y="2855445"/>
+        <a:ext cx="1391542" cy="695771"/>
+      </dsp:txXfrm>
+    </dsp:sp>
+    <dsp:sp modelId="{4BE14C3B-968F-914B-8541-347ECA41D053}">
+      <dsp:nvSpPr>
+        <dsp:cNvPr id="0" name=""/>
+        <dsp:cNvSpPr/>
+      </dsp:nvSpPr>
+      <dsp:spPr>
+        <a:xfrm>
+          <a:off x="1684461" y="2855445"/>
+          <a:ext cx="1391542" cy="695771"/>
+        </a:xfrm>
+        <a:prstGeom prst="rect">
+          <a:avLst/>
+        </a:prstGeom>
+        <a:gradFill rotWithShape="0">
+          <a:gsLst>
+            <a:gs pos="0">
+              <a:schemeClr val="accent1">
+                <a:hueOff val="0"/>
+                <a:satOff val="0"/>
+                <a:lumOff val="0"/>
+                <a:alphaOff val="0"/>
+                <a:tint val="96000"/>
+                <a:lumMod val="104000"/>
+              </a:schemeClr>
+            </a:gs>
+            <a:gs pos="100000">
+              <a:schemeClr val="accent1">
+                <a:hueOff val="0"/>
+                <a:satOff val="0"/>
+                <a:lumOff val="0"/>
+                <a:alphaOff val="0"/>
+                <a:shade val="84000"/>
+                <a:lumMod val="84000"/>
+              </a:schemeClr>
+            </a:gs>
+          </a:gsLst>
+          <a:lin ang="5400000" scaled="0"/>
+        </a:gradFill>
+        <a:ln>
+          <a:noFill/>
+        </a:ln>
+        <a:effectLst>
+          <a:innerShdw blurRad="50800" dist="25400" dir="13500000">
+            <a:srgbClr val="000000">
+              <a:alpha val="55000"/>
+            </a:srgbClr>
+          </a:innerShdw>
+        </a:effectLst>
+      </dsp:spPr>
+      <dsp:style>
+        <a:lnRef idx="0">
+          <a:scrgbClr r="0" g="0" b="0"/>
+        </a:lnRef>
+        <a:fillRef idx="3">
+          <a:scrgbClr r="0" g="0" b="0"/>
+        </a:fillRef>
+        <a:effectRef idx="2">
+          <a:scrgbClr r="0" g="0" b="0"/>
+        </a:effectRef>
+        <a:fontRef idx="minor">
+          <a:schemeClr val="lt1"/>
+        </a:fontRef>
+      </dsp:style>
+      <dsp:txBody>
+        <a:bodyPr spcFirstLastPara="0" vert="horz" wrap="square" lIns="27305" tIns="27305" rIns="27305" bIns="27305" numCol="1" spcCol="1270" anchor="ctr" anchorCtr="0">
+          <a:noAutofit/>
+        </a:bodyPr>
+        <a:lstStyle/>
+        <a:p>
+          <a:pPr lvl="0" algn="ctr" defTabSz="1911350">
+            <a:lnSpc>
+              <a:spcPct val="90000"/>
+            </a:lnSpc>
+            <a:spcBef>
+              <a:spcPct val="0"/>
+            </a:spcBef>
+            <a:spcAft>
+              <a:spcPct val="35000"/>
+            </a:spcAft>
+          </a:pPr>
+          <a:r>
+            <a:rPr lang="zh-CN" altLang="en-US" sz="4300" kern="1200" dirty="0" smtClean="0"/>
+            <a:t>子项</a:t>
+          </a:r>
+          <a:endParaRPr lang="zh-CN" altLang="en-US" sz="4300" kern="1200" dirty="0"/>
+        </a:p>
+      </dsp:txBody>
+      <dsp:txXfrm>
+        <a:off x="1684461" y="2855445"/>
+        <a:ext cx="1391542" cy="695771"/>
+      </dsp:txXfrm>
+    </dsp:sp>
+    <dsp:sp modelId="{A21CCBC8-A77B-6042-82D6-5803E2F4FC1D}">
+      <dsp:nvSpPr>
+        <dsp:cNvPr id="0" name=""/>
+        <dsp:cNvSpPr/>
+      </dsp:nvSpPr>
+      <dsp:spPr>
+        <a:xfrm>
+          <a:off x="3368228" y="2855445"/>
+          <a:ext cx="1391542" cy="695771"/>
+        </a:xfrm>
+        <a:prstGeom prst="rect">
+          <a:avLst/>
+        </a:prstGeom>
+        <a:gradFill rotWithShape="0">
+          <a:gsLst>
+            <a:gs pos="0">
+              <a:schemeClr val="accent1">
+                <a:hueOff val="0"/>
+                <a:satOff val="0"/>
+                <a:lumOff val="0"/>
+                <a:alphaOff val="0"/>
+                <a:tint val="96000"/>
+                <a:lumMod val="104000"/>
+              </a:schemeClr>
+            </a:gs>
+            <a:gs pos="100000">
+              <a:schemeClr val="accent1">
+                <a:hueOff val="0"/>
+                <a:satOff val="0"/>
+                <a:lumOff val="0"/>
+                <a:alphaOff val="0"/>
+                <a:shade val="84000"/>
+                <a:lumMod val="84000"/>
+              </a:schemeClr>
+            </a:gs>
+          </a:gsLst>
+          <a:lin ang="5400000" scaled="0"/>
+        </a:gradFill>
+        <a:ln>
+          <a:noFill/>
+        </a:ln>
+        <a:effectLst>
+          <a:innerShdw blurRad="50800" dist="25400" dir="13500000">
+            <a:srgbClr val="000000">
+              <a:alpha val="55000"/>
+            </a:srgbClr>
+          </a:innerShdw>
+        </a:effectLst>
+      </dsp:spPr>
+      <dsp:style>
+        <a:lnRef idx="0">
+          <a:scrgbClr r="0" g="0" b="0"/>
+        </a:lnRef>
+        <a:fillRef idx="3">
+          <a:scrgbClr r="0" g="0" b="0"/>
+        </a:fillRef>
+        <a:effectRef idx="2">
+          <a:scrgbClr r="0" g="0" b="0"/>
+        </a:effectRef>
+        <a:fontRef idx="minor">
+          <a:schemeClr val="lt1"/>
+        </a:fontRef>
+      </dsp:style>
+      <dsp:txBody>
+        <a:bodyPr spcFirstLastPara="0" vert="horz" wrap="square" lIns="27305" tIns="27305" rIns="27305" bIns="27305" numCol="1" spcCol="1270" anchor="ctr" anchorCtr="0">
+          <a:noAutofit/>
+        </a:bodyPr>
+        <a:lstStyle/>
+        <a:p>
+          <a:pPr lvl="0" algn="ctr" defTabSz="1911350">
+            <a:lnSpc>
+              <a:spcPct val="90000"/>
+            </a:lnSpc>
+            <a:spcBef>
+              <a:spcPct val="0"/>
+            </a:spcBef>
+            <a:spcAft>
+              <a:spcPct val="35000"/>
+            </a:spcAft>
+          </a:pPr>
+          <a:r>
+            <a:rPr lang="zh-CN" altLang="en-US" sz="4300" kern="1200" dirty="0" smtClean="0"/>
+            <a:t>子项</a:t>
+          </a:r>
+          <a:endParaRPr lang="zh-CN" altLang="en-US" sz="4300" kern="1200" dirty="0"/>
+        </a:p>
+      </dsp:txBody>
+      <dsp:txXfrm>
+        <a:off x="3368228" y="2855445"/>
+        <a:ext cx="1391542" cy="695771"/>
+      </dsp:txXfrm>
+    </dsp:sp>
+    <dsp:sp modelId="{E8A948CA-0671-8A4E-8362-4C3C998C5DBC}">
+      <dsp:nvSpPr>
+        <dsp:cNvPr id="0" name=""/>
+        <dsp:cNvSpPr/>
+      </dsp:nvSpPr>
+      <dsp:spPr>
+        <a:xfrm>
+          <a:off x="5051995" y="2855445"/>
+          <a:ext cx="1391542" cy="695771"/>
+        </a:xfrm>
+        <a:prstGeom prst="rect">
+          <a:avLst/>
+        </a:prstGeom>
+        <a:gradFill rotWithShape="0">
+          <a:gsLst>
+            <a:gs pos="0">
+              <a:schemeClr val="accent1">
+                <a:hueOff val="0"/>
+                <a:satOff val="0"/>
+                <a:lumOff val="0"/>
+                <a:alphaOff val="0"/>
+                <a:tint val="96000"/>
+                <a:lumMod val="104000"/>
+              </a:schemeClr>
+            </a:gs>
+            <a:gs pos="100000">
+              <a:schemeClr val="accent1">
+                <a:hueOff val="0"/>
+                <a:satOff val="0"/>
+                <a:lumOff val="0"/>
+                <a:alphaOff val="0"/>
+                <a:shade val="84000"/>
+                <a:lumMod val="84000"/>
+              </a:schemeClr>
+            </a:gs>
+          </a:gsLst>
+          <a:lin ang="5400000" scaled="0"/>
+        </a:gradFill>
+        <a:ln>
+          <a:noFill/>
+        </a:ln>
+        <a:effectLst>
+          <a:innerShdw blurRad="50800" dist="25400" dir="13500000">
+            <a:srgbClr val="000000">
+              <a:alpha val="55000"/>
+            </a:srgbClr>
+          </a:innerShdw>
+        </a:effectLst>
+      </dsp:spPr>
+      <dsp:style>
+        <a:lnRef idx="0">
+          <a:scrgbClr r="0" g="0" b="0"/>
+        </a:lnRef>
+        <a:fillRef idx="3">
+          <a:scrgbClr r="0" g="0" b="0"/>
+        </a:fillRef>
+        <a:effectRef idx="2">
+          <a:scrgbClr r="0" g="0" b="0"/>
+        </a:effectRef>
+        <a:fontRef idx="minor">
+          <a:schemeClr val="lt1"/>
+        </a:fontRef>
+      </dsp:style>
+      <dsp:txBody>
+        <a:bodyPr spcFirstLastPara="0" vert="horz" wrap="square" lIns="27305" tIns="27305" rIns="27305" bIns="27305" numCol="1" spcCol="1270" anchor="ctr" anchorCtr="0">
+          <a:noAutofit/>
+        </a:bodyPr>
+        <a:lstStyle/>
+        <a:p>
+          <a:pPr lvl="0" algn="ctr" defTabSz="1911350">
+            <a:lnSpc>
+              <a:spcPct val="90000"/>
+            </a:lnSpc>
+            <a:spcBef>
+              <a:spcPct val="0"/>
+            </a:spcBef>
+            <a:spcAft>
+              <a:spcPct val="35000"/>
+            </a:spcAft>
+          </a:pPr>
+          <a:r>
+            <a:rPr lang="zh-CN" altLang="en-US" sz="4300" kern="1200" dirty="0" smtClean="0"/>
+            <a:t>子项</a:t>
+          </a:r>
+          <a:endParaRPr lang="zh-CN" altLang="en-US" sz="4300" kern="1200" dirty="0"/>
+        </a:p>
+      </dsp:txBody>
+      <dsp:txXfrm>
+        <a:off x="5051995" y="2855445"/>
+        <a:ext cx="1391542" cy="695771"/>
+      </dsp:txXfrm>
+    </dsp:sp>
+    <dsp:sp modelId="{B72AEC3D-2C06-374B-AE6F-706739B1FFEB}">
+      <dsp:nvSpPr>
+        <dsp:cNvPr id="0" name=""/>
+        <dsp:cNvSpPr/>
+      </dsp:nvSpPr>
+      <dsp:spPr>
+        <a:xfrm>
+          <a:off x="6735762" y="2855445"/>
+          <a:ext cx="1391542" cy="695771"/>
+        </a:xfrm>
+        <a:prstGeom prst="rect">
+          <a:avLst/>
+        </a:prstGeom>
+        <a:gradFill rotWithShape="0">
+          <a:gsLst>
+            <a:gs pos="0">
+              <a:schemeClr val="accent1">
+                <a:hueOff val="0"/>
+                <a:satOff val="0"/>
+                <a:lumOff val="0"/>
+                <a:alphaOff val="0"/>
+                <a:tint val="96000"/>
+                <a:lumMod val="104000"/>
+              </a:schemeClr>
+            </a:gs>
+            <a:gs pos="100000">
+              <a:schemeClr val="accent1">
+                <a:hueOff val="0"/>
+                <a:satOff val="0"/>
+                <a:lumOff val="0"/>
+                <a:alphaOff val="0"/>
+                <a:shade val="84000"/>
+                <a:lumMod val="84000"/>
+              </a:schemeClr>
+            </a:gs>
+          </a:gsLst>
+          <a:lin ang="5400000" scaled="0"/>
+        </a:gradFill>
+        <a:ln>
+          <a:noFill/>
+        </a:ln>
+        <a:effectLst>
+          <a:innerShdw blurRad="50800" dist="25400" dir="13500000">
+            <a:srgbClr val="000000">
+              <a:alpha val="55000"/>
+            </a:srgbClr>
+          </a:innerShdw>
+        </a:effectLst>
+      </dsp:spPr>
+      <dsp:style>
+        <a:lnRef idx="0">
+          <a:scrgbClr r="0" g="0" b="0"/>
+        </a:lnRef>
+        <a:fillRef idx="3">
+          <a:scrgbClr r="0" g="0" b="0"/>
+        </a:fillRef>
+        <a:effectRef idx="2">
+          <a:scrgbClr r="0" g="0" b="0"/>
+        </a:effectRef>
+        <a:fontRef idx="minor">
+          <a:schemeClr val="lt1"/>
+        </a:fontRef>
+      </dsp:style>
+      <dsp:txBody>
+        <a:bodyPr spcFirstLastPara="0" vert="horz" wrap="square" lIns="27305" tIns="27305" rIns="27305" bIns="27305" numCol="1" spcCol="1270" anchor="ctr" anchorCtr="0">
+          <a:noAutofit/>
+        </a:bodyPr>
+        <a:lstStyle/>
+        <a:p>
+          <a:pPr lvl="0" algn="ctr" defTabSz="1911350">
+            <a:lnSpc>
+              <a:spcPct val="90000"/>
+            </a:lnSpc>
+            <a:spcBef>
+              <a:spcPct val="0"/>
+            </a:spcBef>
+            <a:spcAft>
+              <a:spcPct val="35000"/>
+            </a:spcAft>
+          </a:pPr>
+          <a:r>
+            <a:rPr lang="zh-CN" altLang="en-US" sz="4300" kern="1200" dirty="0" smtClean="0"/>
+            <a:t>子项</a:t>
+          </a:r>
+          <a:endParaRPr lang="zh-CN" altLang="en-US" sz="4300" kern="1200" dirty="0"/>
+        </a:p>
+      </dsp:txBody>
+      <dsp:txXfrm>
+        <a:off x="6735762" y="2855445"/>
+        <a:ext cx="1391542" cy="695771"/>
+      </dsp:txXfrm>
+    </dsp:sp>
+  </dsp:spTree>
+</dsp:drawing>
+</file>
+
+<file path=ppt/diagrams/layout1.xml><?xml version="1.0" encoding="utf-8"?>
+<dgm:layoutDef xmlns:dgm="http://schemas.openxmlformats.org/drawingml/2006/diagram" xmlns:a="http://schemas.openxmlformats.org/drawingml/2006/main" uniqueId="urn:microsoft.com/office/officeart/2005/8/layout/orgChart1">
+  <dgm:title val=""/>
+  <dgm:desc val=""/>
+  <dgm:catLst>
+    <dgm:cat type="hierarchy" pri="1000"/>
+    <dgm:cat type="convert" pri="6000"/>
+  </dgm:catLst>
+  <dgm:sampData>
+    <dgm:dataModel>
+      <dgm:ptLst>
+        <dgm:pt modelId="0" type="doc"/>
+        <dgm:pt modelId="1">
+          <dgm:prSet phldr="1"/>
+        </dgm:pt>
+        <dgm:pt modelId="2" type="asst">
+          <dgm:prSet phldr="1"/>
+        </dgm:pt>
+        <dgm:pt modelId="3">
+          <dgm:prSet phldr="1"/>
+        </dgm:pt>
+        <dgm:pt modelId="4">
+          <dgm:prSet phldr="1"/>
+        </dgm:pt>
+        <dgm:pt modelId="5">
+          <dgm:prSet phldr="1"/>
+        </dgm:pt>
+      </dgm:ptLst>
+      <dgm:cxnLst>
+        <dgm:cxn modelId="5" srcId="0" destId="1" srcOrd="0" destOrd="0"/>
+        <dgm:cxn modelId="6" srcId="1" destId="2" srcOrd="0" destOrd="0"/>
+        <dgm:cxn modelId="7" srcId="1" destId="3" srcOrd="1" destOrd="0"/>
+        <dgm:cxn modelId="8" srcId="1" destId="4" srcOrd="2" destOrd="0"/>
+        <dgm:cxn modelId="9" srcId="1" destId="5" srcOrd="3" destOrd="0"/>
+      </dgm:cxnLst>
+      <dgm:bg/>
+      <dgm:whole/>
+    </dgm:dataModel>
+  </dgm:sampData>
+  <dgm:styleData>
+    <dgm:dataModel>
+      <dgm:ptLst>
+        <dgm:pt modelId="0" type="doc"/>
+        <dgm:pt modelId="1"/>
+        <dgm:pt modelId="12"/>
+        <dgm:pt modelId="13"/>
+      </dgm:ptLst>
+      <dgm:cxnLst>
+        <dgm:cxn modelId="2" srcId="0" destId="1" srcOrd="0" destOrd="0"/>
+        <dgm:cxn modelId="16" srcId="1" destId="12" srcOrd="1" destOrd="0"/>
+        <dgm:cxn modelId="17" srcId="1" destId="13" srcOrd="2" destOrd="0"/>
+      </dgm:cxnLst>
+      <dgm:bg/>
+      <dgm:whole/>
+    </dgm:dataModel>
+  </dgm:styleData>
+  <dgm:clrData>
+    <dgm:dataModel>
+      <dgm:ptLst>
+        <dgm:pt modelId="0" type="doc"/>
+        <dgm:pt modelId="1"/>
+        <dgm:pt modelId="11" type="asst"/>
+        <dgm:pt modelId="12"/>
+        <dgm:pt modelId="13"/>
+        <dgm:pt modelId="14"/>
+      </dgm:ptLst>
+      <dgm:cxnLst>
+        <dgm:cxn modelId="2" srcId="0" destId="1" srcOrd="0" destOrd="0"/>
+        <dgm:cxn modelId="15" srcId="1" destId="11" srcOrd="0" destOrd="0"/>
+        <dgm:cxn modelId="16" srcId="1" destId="12" srcOrd="1" destOrd="0"/>
+        <dgm:cxn modelId="17" srcId="1" destId="13" srcOrd="2" destOrd="0"/>
+        <dgm:cxn modelId="18" srcId="1" destId="14" srcOrd="2" destOrd="0"/>
+      </dgm:cxnLst>
+      <dgm:bg/>
+      <dgm:whole/>
+    </dgm:dataModel>
+  </dgm:clrData>
+  <dgm:layoutNode name="hierChild1">
+    <dgm:varLst>
+      <dgm:orgChart val="1"/>
+      <dgm:chPref val="1"/>
+      <dgm:dir/>
+      <dgm:animOne val="branch"/>
+      <dgm:animLvl val="lvl"/>
+      <dgm:resizeHandles/>
+    </dgm:varLst>
+    <dgm:choose name="Name0">
+      <dgm:if name="Name1" func="var" arg="dir" op="equ" val="norm">
+        <dgm:alg type="hierChild">
+          <dgm:param type="linDir" val="fromL"/>
+        </dgm:alg>
+      </dgm:if>
+      <dgm:else name="Name2">
+        <dgm:alg type="hierChild">
+          <dgm:param type="linDir" val="fromR"/>
+        </dgm:alg>
+      </dgm:else>
+    </dgm:choose>
+    <dgm:shape xmlns:r="http://schemas.openxmlformats.org/officeDocument/2006/relationships" r:blip="">
+      <dgm:adjLst/>
+    </dgm:shape>
+    <dgm:presOf/>
+    <dgm:constrLst>
+      <dgm:constr type="w" for="des" forName="rootComposite1" refType="w" fact="10"/>
+      <dgm:constr type="h" for="des" forName="rootComposite1" refType="w" refFor="des" refForName="rootComposite1" fact="0.5"/>
+      <dgm:constr type="w" for="des" forName="rootComposite" refType="w" fact="10"/>
+      <dgm:constr type="h" for="des" forName="rootComposite" refType="w" refFor="des" refForName="rootComposite1" fact="0.5"/>
+      <dgm:constr type="w" for="des" forName="rootComposite3" refType="w" fact="10"/>
+      <dgm:constr type="h" for="des" forName="rootComposite3" refType="w" refFor="des" refForName="rootComposite1" fact="0.5"/>
+      <dgm:constr type="primFontSz" for="des" ptType="node" op="equ"/>
+      <dgm:constr type="sp" for="des" op="equ"/>
+      <dgm:constr type="sp" for="des" forName="hierRoot1" refType="w" refFor="des" refForName="rootComposite1" fact="0.21"/>
+      <dgm:constr type="sp" for="des" forName="hierRoot2" refType="sp" refFor="des" refForName="hierRoot1"/>
+      <dgm:constr type="sp" for="des" forName="hierRoot3" refType="sp" refFor="des" refForName="hierRoot1"/>
+      <dgm:constr type="sibSp" refType="w" refFor="des" refForName="rootComposite1" fact="0.21"/>
+      <dgm:constr type="sibSp" for="des" forName="hierChild2" refType="sibSp"/>
+      <dgm:constr type="sibSp" for="des" forName="hierChild3" refType="sibSp"/>
+      <dgm:constr type="sibSp" for="des" forName="hierChild4" refType="sibSp"/>
+      <dgm:constr type="sibSp" for="des" forName="hierChild5" refType="sibSp"/>
+      <dgm:constr type="sibSp" for="des" forName="hierChild6" refType="sibSp"/>
+      <dgm:constr type="sibSp" for="des" forName="hierChild7" refType="sibSp"/>
+      <dgm:constr type="secSibSp" refType="w" refFor="des" refForName="rootComposite1" fact="0.21"/>
+      <dgm:constr type="secSibSp" for="des" forName="hierChild2" refType="secSibSp"/>
+      <dgm:constr type="secSibSp" for="des" forName="hierChild3" refType="secSibSp"/>
+      <dgm:constr type="secSibSp" for="des" forName="hierChild4" refType="secSibSp"/>
+      <dgm:constr type="secSibSp" for="des" forName="hierChild5" refType="secSibSp"/>
+      <dgm:constr type="secSibSp" for="des" forName="hierChild6" refType="secSibSp"/>
+      <dgm:constr type="secSibSp" for="des" forName="hierChild7" refType="secSibSp"/>
+    </dgm:constrLst>
+    <dgm:ruleLst/>
+    <dgm:forEach name="Name3" axis="ch">
+      <dgm:forEach name="Name4" axis="self" ptType="node">
+        <dgm:layoutNode name="hierRoot1">
+          <dgm:varLst>
+            <dgm:hierBranch val="init"/>
+          </dgm:varLst>
+          <dgm:choose name="Name5">
+            <dgm:if name="Name6" func="var" arg="hierBranch" op="equ" val="l">
+              <dgm:choose name="Name7">
+                <dgm:if name="Name8" axis="ch" ptType="asst" func="cnt" op="gte" val="1">
+                  <dgm:alg type="hierRoot">
+                    <dgm:param type="hierAlign" val="tR"/>
+                  </dgm:alg>
+                  <dgm:constrLst>
+                    <dgm:constr type="alignOff" val="0.65"/>
+                  </dgm:constrLst>
+                </dgm:if>
+                <dgm:else name="Name9">
+                  <dgm:alg type="hierRoot">
+                    <dgm:param type="hierAlign" val="tR"/>
+                  </dgm:alg>
+                  <dgm:constrLst>
+                    <dgm:constr type="alignOff" val="0.25"/>
+                  </dgm:constrLst>
+                </dgm:else>
+              </dgm:choose>
+            </dgm:if>
+            <dgm:if name="Name10" func="var" arg="hierBranch" op="equ" val="r">
+              <dgm:choose name="Name11">
+                <dgm:if name="Name12" axis="ch" ptType="asst" func="cnt" op="gte" val="1">
+                  <dgm:alg type="hierRoot">
+                    <dgm:param type="hierAlign" val="tL"/>
+                  </dgm:alg>
+                  <dgm:constrLst>
+                    <dgm:constr type="alignOff" val="0.65"/>
+                  </dgm:constrLst>
+                </dgm:if>
+                <dgm:else name="Name13">
+                  <dgm:alg type="hierRoot">
+                    <dgm:param type="hierAlign" val="tL"/>
+                  </dgm:alg>
+                  <dgm:constrLst>
+                    <dgm:constr type="alignOff" val="0.25"/>
+                  </dgm:constrLst>
+                </dgm:else>
+              </dgm:choose>
+            </dgm:if>
+            <dgm:if name="Name14" func="var" arg="hierBranch" op="equ" val="hang">
+              <dgm:alg type="hierRoot"/>
+              <dgm:constrLst>
+                <dgm:constr type="alignOff" val="0.65"/>
+              </dgm:constrLst>
+            </dgm:if>
+            <dgm:else name="Name15">
+              <dgm:alg type="hierRoot"/>
+              <dgm:constrLst>
+                <dgm:constr type="alignOff"/>
+                <dgm:constr type="bendDist" for="des" ptType="parTrans" refType="sp" fact="0.5"/>
+              </dgm:constrLst>
+            </dgm:else>
+          </dgm:choose>
+          <dgm:shape xmlns:r="http://schemas.openxmlformats.org/officeDocument/2006/relationships" r:blip="">
+            <dgm:adjLst/>
+          </dgm:shape>
+          <dgm:presOf/>
+          <dgm:ruleLst/>
+          <dgm:layoutNode name="rootComposite1">
+            <dgm:alg type="composite"/>
+            <dgm:shape xmlns:r="http://schemas.openxmlformats.org/officeDocument/2006/relationships" r:blip="">
+              <dgm:adjLst/>
+            </dgm:shape>
+            <dgm:presOf axis="self" ptType="node" cnt="1"/>
+            <dgm:choose name="Name16">
+              <dgm:if name="Name17" func="var" arg="hierBranch" op="equ" val="init">
+                <dgm:constrLst>
+                  <dgm:constr type="l" for="ch" forName="rootText1"/>
+                  <dgm:constr type="t" for="ch" forName="rootText1"/>
+                  <dgm:constr type="w" for="ch" forName="rootText1" refType="w"/>
+                  <dgm:constr type="h" for="ch" forName="rootText1" refType="h"/>
+                  <dgm:constr type="l" for="ch" forName="rootConnector1"/>
+                  <dgm:constr type="t" for="ch" forName="rootConnector1"/>
+                  <dgm:constr type="w" for="ch" forName="rootConnector1" refType="w" refFor="ch" refForName="rootText1" fact="0.2"/>
+                  <dgm:constr type="h" for="ch" forName="rootConnector1" refType="h" refFor="ch" refForName="rootText1"/>
+                </dgm:constrLst>
+              </dgm:if>
+              <dgm:if name="Name18" func="var" arg="hierBranch" op="equ" val="l">
+                <dgm:constrLst>
+                  <dgm:constr type="l" for="ch" forName="rootText1"/>
+                  <dgm:constr type="t" for="ch" forName="rootText1"/>
+                  <dgm:constr type="w" for="ch" forName="rootText1" refType="w"/>
+                  <dgm:constr type="h" for="ch" forName="rootText1" refType="h"/>
+                  <dgm:constr type="r" for="ch" forName="rootConnector1" refType="w"/>
+                  <dgm:constr type="t" for="ch" forName="rootConnector1"/>
+                  <dgm:constr type="w" for="ch" forName="rootConnector1" refType="w" refFor="ch" refForName="rootText1" fact="0.2"/>
+                  <dgm:constr type="h" for="ch" forName="rootConnector1" refType="h" refFor="ch" refForName="rootText1"/>
+                </dgm:constrLst>
+              </dgm:if>
+              <dgm:if name="Name19" func="var" arg="hierBranch" op="equ" val="r">
+                <dgm:constrLst>
+                  <dgm:constr type="l" for="ch" forName="rootText1"/>
+                  <dgm:constr type="t" for="ch" forName="rootText1"/>
+                  <dgm:constr type="w" for="ch" forName="rootText1" refType="w"/>
+                  <dgm:constr type="h" for="ch" forName="rootText1" refType="h"/>
+                  <dgm:constr type="l" for="ch" forName="rootConnector1"/>
+                  <dgm:constr type="t" for="ch" forName="rootConnector1"/>
+                  <dgm:constr type="w" for="ch" forName="rootConnector1" refType="w" refFor="ch" refForName="rootText1" fact="0.2"/>
+                  <dgm:constr type="h" for="ch" forName="rootConnector1" refType="h" refFor="ch" refForName="rootText1"/>
+                </dgm:constrLst>
+              </dgm:if>
+              <dgm:else name="Name20">
+                <dgm:constrLst>
+                  <dgm:constr type="l" for="ch" forName="rootText1"/>
+                  <dgm:constr type="t" for="ch" forName="rootText1"/>
+                  <dgm:constr type="w" for="ch" forName="rootText1" refType="w"/>
+                  <dgm:constr type="h" for="ch" forName="rootText1" refType="h"/>
+                  <dgm:constr type="r" for="ch" forName="rootConnector1" refType="w"/>
+                  <dgm:constr type="t" for="ch" forName="rootConnector1"/>
+                  <dgm:constr type="w" for="ch" forName="rootConnector1" refType="w" refFor="ch" refForName="rootText1" fact="0.2"/>
+                  <dgm:constr type="h" for="ch" forName="rootConnector1" refType="h" refFor="ch" refForName="rootText1"/>
+                </dgm:constrLst>
+              </dgm:else>
+            </dgm:choose>
+            <dgm:ruleLst/>
+            <dgm:layoutNode name="rootText1" styleLbl="node0">
+              <dgm:varLst>
+                <dgm:chPref val="3"/>
+              </dgm:varLst>
+              <dgm:alg type="tx"/>
+              <dgm:shape xmlns:r="http://schemas.openxmlformats.org/officeDocument/2006/relationships" type="rect" r:blip="">
+                <dgm:adjLst/>
+              </dgm:shape>
+              <dgm:presOf axis="self" ptType="node" cnt="1"/>
+              <dgm:constrLst>
+                <dgm:constr type="primFontSz" val="65"/>
+                <dgm:constr type="lMarg" refType="primFontSz" fact="0.05"/>
+                <dgm:constr type="rMarg" refType="primFontSz" fact="0.05"/>
+                <dgm:constr type="tMarg" refType="primFontSz" fact="0.05"/>
+                <dgm:constr type="bMarg" refType="primFontSz" fact="0.05"/>
+              </dgm:constrLst>
+              <dgm:ruleLst>
+                <dgm:rule type="primFontSz" val="5" fact="NaN" max="NaN"/>
+              </dgm:ruleLst>
+            </dgm:layoutNode>
+            <dgm:layoutNode name="rootConnector1" moveWith="rootText1">
+              <dgm:alg type="sp"/>
+              <dgm:shape xmlns:r="http://schemas.openxmlformats.org/officeDocument/2006/relationships" type="rect" r:blip="" hideGeom="1">
+                <dgm:adjLst/>
+              </dgm:shape>
+              <dgm:presOf axis="self" ptType="node" cnt="1"/>
+              <dgm:constrLst/>
+              <dgm:ruleLst/>
+            </dgm:layoutNode>
+          </dgm:layoutNode>
+          <dgm:layoutNode name="hierChild2">
+            <dgm:choose name="Name21">
+              <dgm:if name="Name22" func="var" arg="hierBranch" op="equ" val="l">
+                <dgm:alg type="hierChild">
+                  <dgm:param type="chAlign" val="r"/>
+                  <dgm:param type="linDir" val="fromT"/>
+                </dgm:alg>
+              </dgm:if>
+              <dgm:if name="Name23" func="var" arg="hierBranch" op="equ" val="r">
+                <dgm:alg type="hierChild">
+                  <dgm:param type="chAlign" val="l"/>
+                  <dgm:param type="linDir" val="fromT"/>
+                </dgm:alg>
+              </dgm:if>
+              <dgm:if name="Name24" func="var" arg="hierBranch" op="equ" val="hang">
+                <dgm:choose name="Name25">
+                  <dgm:if name="Name26" func="var" arg="dir" op="equ" val="norm">
+                    <dgm:alg type="hierChild">
+                      <dgm:param type="chAlign" val="l"/>
+                      <dgm:param type="linDir" val="fromL"/>
+                      <dgm:param type="secChAlign" val="t"/>
+                      <dgm:param type="secLinDir" val="fromT"/>
+                    </dgm:alg>
+                  </dgm:if>
+                  <dgm:else name="Name27">
+                    <dgm:alg type="hierChild">
+                      <dgm:param type="chAlign" val="l"/>
+                      <dgm:param type="linDir" val="fromR"/>
+                      <dgm:param type="secChAlign" val="t"/>
+                      <dgm:param type="secLinDir" val="fromT"/>
+                    </dgm:alg>
+                  </dgm:else>
+                </dgm:choose>
+              </dgm:if>
+              <dgm:else name="Name28">
+                <dgm:choose name="Name29">
+                  <dgm:if name="Name30" func="var" arg="dir" op="equ" val="norm">
+                    <dgm:alg type="hierChild"/>
+                  </dgm:if>
+                  <dgm:else name="Name31">
+                    <dgm:alg type="hierChild">
+                      <dgm:param type="linDir" val="fromR"/>
+                    </dgm:alg>
+                  </dgm:else>
+                </dgm:choose>
+              </dgm:else>
+            </dgm:choose>
+            <dgm:shape xmlns:r="http://schemas.openxmlformats.org/officeDocument/2006/relationships" r:blip="">
+              <dgm:adjLst/>
+            </dgm:shape>
+            <dgm:presOf/>
+            <dgm:constrLst/>
+            <dgm:ruleLst/>
+            <dgm:forEach name="rep2a" axis="ch" ptType="nonAsst">
+              <dgm:forEach name="Name32" axis="precedSib" ptType="parTrans" st="-1" cnt="1">
+                <dgm:choose name="Name33">
+                  <dgm:if name="Name34" func="var" arg="hierBranch" op="equ" val="std">
+                    <dgm:layoutNode name="Name35">
+                      <dgm:alg type="conn">
+                        <dgm:param type="connRout" val="bend"/>
+                        <dgm:param type="dim" val="1D"/>
+                        <dgm:param type="endSty" val="noArr"/>
+                        <dgm:param type="begPts" val="bCtr"/>
+                        <dgm:param type="endPts" val="tCtr"/>
+                        <dgm:param type="bendPt" val="end"/>
+                      </dgm:alg>
+                      <dgm:shape xmlns:r="http://schemas.openxmlformats.org/officeDocument/2006/relationships" type="conn" r:blip="" zOrderOff="-99999">
+                        <dgm:adjLst/>
+                      </dgm:shape>
+                      <dgm:presOf axis="self"/>
+                      <dgm:constrLst>
+                        <dgm:constr type="begPad"/>
+                        <dgm:constr type="endPad"/>
+                      </dgm:constrLst>
+                      <dgm:ruleLst/>
+                    </dgm:layoutNode>
+                  </dgm:if>
+                  <dgm:if name="Name36" func="var" arg="hierBranch" op="equ" val="init">
+                    <dgm:layoutNode name="Name37">
+                      <dgm:choose name="Name38">
+                        <dgm:if name="Name39" axis="self" func="depth" op="lte" val="2">
+                          <dgm:alg type="conn">
+                            <dgm:param type="connRout" val="bend"/>
+                            <dgm:param type="dim" val="1D"/>
+                            <dgm:param type="endSty" val="noArr"/>
+                            <dgm:param type="begPts" val="bCtr"/>
+                            <dgm:param type="endPts" val="tCtr"/>
+                            <dgm:param type="bendPt" val="end"/>
+                          </dgm:alg>
+                        </dgm:if>
+                        <dgm:else name="Name40">
+                          <dgm:choose name="Name41">
+                            <dgm:if name="Name42" axis="par des" func="maxDepth" op="lte" val="1">
+                              <dgm:choose name="Name43">
+                                <dgm:if name="Name44" axis="par ch" ptType="node asst" func="cnt" op="gte" val="1">
+                                  <dgm:alg type="conn">
+                                    <dgm:param type="connRout" val="bend"/>
+                                    <dgm:param type="dim" val="1D"/>
+                                    <dgm:param type="endSty" val="noArr"/>
+                                    <dgm:param type="begPts" val="bCtr"/>
+                                    <dgm:param type="endPts" val="midL midR"/>
+                                  </dgm:alg>
+                                </dgm:if>
+                                <dgm:else name="Name45">
+                                  <dgm:alg type="conn">
+                                    <dgm:param type="connRout" val="bend"/>
+                                    <dgm:param type="dim" val="1D"/>
+                                    <dgm:param type="endSty" val="noArr"/>
+                                    <dgm:param type="begPts" val="bCtr"/>
+                                    <dgm:param type="endPts" val="midL midR"/>
+                                    <dgm:param type="srcNode" val="rootConnector"/>
+                                  </dgm:alg>
+                                </dgm:else>
+                              </dgm:choose>
+                            </dgm:if>
+                            <dgm:else name="Name46">
+                              <dgm:alg type="conn">
+                                <dgm:param type="connRout" val="bend"/>
+                                <dgm:param type="dim" val="1D"/>
+                                <dgm:param type="endSty" val="noArr"/>
+                                <dgm:param type="begPts" val="bCtr"/>
+                                <dgm:param type="endPts" val="tCtr"/>
+                                <dgm:param type="bendPt" val="end"/>
+                              </dgm:alg>
+                            </dgm:else>
+                          </dgm:choose>
+                        </dgm:else>
+                      </dgm:choose>
+                      <dgm:shape xmlns:r="http://schemas.openxmlformats.org/officeDocument/2006/relationships" type="conn" r:blip="" zOrderOff="-99999">
+                        <dgm:adjLst/>
+                      </dgm:shape>
+                      <dgm:presOf axis="self"/>
+                      <dgm:constrLst>
+                        <dgm:constr type="begPad"/>
+                        <dgm:constr type="endPad"/>
+                      </dgm:constrLst>
+                      <dgm:ruleLst/>
+                    </dgm:layoutNode>
+                  </dgm:if>
+                  <dgm:if name="Name47" func="var" arg="hierBranch" op="equ" val="hang">
+                    <dgm:layoutNode name="Name48">
+                      <dgm:alg type="conn">
+                        <dgm:param type="connRout" val="bend"/>
+                        <dgm:param type="dim" val="1D"/>
+                        <dgm:param type="endSty" val="noArr"/>
+                        <dgm:param type="begPts" val="bCtr"/>
+                        <dgm:param type="endPts" val="midL midR"/>
+                      </dgm:alg>
+                      <dgm:shape xmlns:r="http://schemas.openxmlformats.org/officeDocument/2006/relationships" type="conn" r:blip="" zOrderOff="-99999">
+                        <dgm:adjLst/>
+                      </dgm:shape>
+                      <dgm:presOf axis="self"/>
+                      <dgm:constrLst>
+                        <dgm:constr type="begPad"/>
+                        <dgm:constr type="endPad"/>
+                      </dgm:constrLst>
+                      <dgm:ruleLst/>
+                    </dgm:layoutNode>
+                  </dgm:if>
+                  <dgm:else name="Name49">
+                    <dgm:layoutNode name="Name50">
+                      <dgm:choose name="Name51">
+                        <dgm:if name="Name52" axis="self" func="depth" op="lte" val="2">
+                          <dgm:choose name="Name53">
+                            <dgm:if name="Name54" axis="par ch" ptType="node asst" func="cnt" op="gte" val="1">
+                              <dgm:alg type="conn">
+                                <dgm:param type="connRout" val="bend"/>
+                                <dgm:param type="dim" val="1D"/>
+                                <dgm:param type="endSty" val="noArr"/>
+                                <dgm:param type="begPts" val="bCtr"/>
+                                <dgm:param type="endPts" val="midL midR"/>
+                              </dgm:alg>
+                            </dgm:if>
+                            <dgm:else name="Name55">
+                              <dgm:alg type="conn">
+                                <dgm:param type="connRout" val="bend"/>
+                                <dgm:param type="dim" val="1D"/>
+                                <dgm:param type="endSty" val="noArr"/>
+                                <dgm:param type="begPts" val="bCtr"/>
+                                <dgm:param type="endPts" val="midL midR"/>
+                                <dgm:param type="srcNode" val="rootConnector1"/>
+                              </dgm:alg>
+                            </dgm:else>
+                          </dgm:choose>
+                        </dgm:if>
+                        <dgm:else name="Name56">
+                          <dgm:choose name="Name57">
+                            <dgm:if name="Name58" axis="par ch" ptType="node asst" func="cnt" op="gte" val="1">
+                              <dgm:alg type="conn">
+                                <dgm:param type="connRout" val="bend"/>
+                                <dgm:param type="dim" val="1D"/>
+                                <dgm:param type="endSty" val="noArr"/>
+                                <dgm:param type="begPts" val="bCtr"/>
+                                <dgm:param type="endPts" val="midL midR"/>
+                              </dgm:alg>
+                            </dgm:if>
+                            <dgm:else name="Name59">
+                              <dgm:alg type="conn">
+                                <dgm:param type="connRout" val="bend"/>
+                                <dgm:param type="dim" val="1D"/>
+                                <dgm:param type="endSty" val="noArr"/>
+                                <dgm:param type="begPts" val="bCtr"/>
+                                <dgm:param type="endPts" val="midL midR"/>
+                                <dgm:param type="srcNode" val="rootConnector"/>
+                              </dgm:alg>
+                            </dgm:else>
+                          </dgm:choose>
+                        </dgm:else>
+                      </dgm:choose>
+                      <dgm:shape xmlns:r="http://schemas.openxmlformats.org/officeDocument/2006/relationships" type="conn" r:blip="" zOrderOff="-99999">
+                        <dgm:adjLst/>
+                      </dgm:shape>
+                      <dgm:presOf axis="self"/>
+                      <dgm:constrLst>
+                        <dgm:constr type="begPad"/>
+                        <dgm:constr type="endPad"/>
+                      </dgm:constrLst>
+                      <dgm:ruleLst/>
+                    </dgm:layoutNode>
+                  </dgm:else>
+                </dgm:choose>
+              </dgm:forEach>
+              <dgm:layoutNode name="hierRoot2">
+                <dgm:varLst>
+                  <dgm:hierBranch val="init"/>
+                </dgm:varLst>
+                <dgm:choose name="Name60">
+                  <dgm:if name="Name61" func="var" arg="hierBranch" op="equ" val="l">
+                    <dgm:choose name="Name62">
+                      <dgm:if name="Name63" axis="ch" ptType="asst" func="cnt" op="gte" val="1">
+                        <dgm:alg type="hierRoot">
+                          <dgm:param type="hierAlign" val="tR"/>
+                        </dgm:alg>
+                        <dgm:shape xmlns:r="http://schemas.openxmlformats.org/officeDocument/2006/relationships" r:blip="">
+                          <dgm:adjLst/>
+                        </dgm:shape>
+                        <dgm:presOf/>
+                        <dgm:constrLst>
+                          <dgm:constr type="alignOff" val="0.65"/>
+                        </dgm:constrLst>
+                      </dgm:if>
+                      <dgm:else name="Name64">
+                        <dgm:alg type="hierRoot">
+                          <dgm:param type="hierAlign" val="tR"/>
+                        </dgm:alg>
+                        <dgm:shape xmlns:r="http://schemas.openxmlformats.org/officeDocument/2006/relationships" r:blip="">
+                          <dgm:adjLst/>
+                        </dgm:shape>
+                        <dgm:presOf/>
+                        <dgm:constrLst>
+                          <dgm:constr type="alignOff" val="0.25"/>
+                        </dgm:constrLst>
+                      </dgm:else>
+                    </dgm:choose>
+                  </dgm:if>
+                  <dgm:if name="Name65" func="var" arg="hierBranch" op="equ" val="r">
+                    <dgm:choose name="Name66">
+                      <dgm:if name="Name67" axis="ch" ptType="asst" func="cnt" op="gte" val="1">
+                        <dgm:alg type="hierRoot">
+                          <dgm:param type="hierAlign" val="tL"/>
+                        </dgm:alg>
+                        <dgm:shape xmlns:r="http://schemas.openxmlformats.org/officeDocument/2006/relationships" r:blip="">
+                          <dgm:adjLst/>
+                        </dgm:shape>
+                        <dgm:presOf/>
+                        <dgm:constrLst>
+                          <dgm:constr type="alignOff" val="0.65"/>
+                        </dgm:constrLst>
+                      </dgm:if>
+                      <dgm:else name="Name68">
+                        <dgm:alg type="hierRoot">
+                          <dgm:param type="hierAlign" val="tL"/>
+                        </dgm:alg>
+                        <dgm:shape xmlns:r="http://schemas.openxmlformats.org/officeDocument/2006/relationships" r:blip="">
+                          <dgm:adjLst/>
+                        </dgm:shape>
+                        <dgm:presOf/>
+                        <dgm:constrLst>
+                          <dgm:constr type="alignOff" val="0.25"/>
+                        </dgm:constrLst>
+                      </dgm:else>
+                    </dgm:choose>
+                  </dgm:if>
+                  <dgm:if name="Name69" func="var" arg="hierBranch" op="equ" val="std">
+                    <dgm:alg type="hierRoot"/>
+                    <dgm:shape xmlns:r="http://schemas.openxmlformats.org/officeDocument/2006/relationships" r:blip="">
+                      <dgm:adjLst/>
+                    </dgm:shape>
+                    <dgm:presOf/>
+                    <dgm:constrLst>
+                      <dgm:constr type="alignOff"/>
+                      <dgm:constr type="bendDist" for="des" ptType="parTrans" refType="sp" fact="0.5"/>
+                    </dgm:constrLst>
+                  </dgm:if>
+                  <dgm:if name="Name70" func="var" arg="hierBranch" op="equ" val="init">
+                    <dgm:choose name="Name71">
+                      <dgm:if name="Name72" axis="des" func="maxDepth" op="lte" val="1">
+                        <dgm:choose name="Name73">
+                          <dgm:if name="Name74" axis="ch" ptType="asst" func="cnt" op="gte" val="1">
+                            <dgm:alg type="hierRoot">
+                              <dgm:param type="hierAlign" val="tL"/>
+                            </dgm:alg>
+                            <dgm:shape xmlns:r="http://schemas.openxmlformats.org/officeDocument/2006/relationships" r:blip="">
+                              <dgm:adjLst/>
+                            </dgm:shape>
+                            <dgm:presOf/>
+                            <dgm:constrLst>
+                              <dgm:constr type="alignOff" val="0.65"/>
+                            </dgm:constrLst>
+                          </dgm:if>
+                          <dgm:else name="Name75">
+                            <dgm:alg type="hierRoot">
+                              <dgm:param type="hierAlign" val="tL"/>
+                            </dgm:alg>
+                            <dgm:shape xmlns:r="http://schemas.openxmlformats.org/officeDocument/2006/relationships" r:blip="">
+                              <dgm:adjLst/>
+                            </dgm:shape>
+                            <dgm:presOf/>
+                            <dgm:constrLst>
+                              <dgm:constr type="alignOff" val="0.25"/>
+                            </dgm:constrLst>
+                          </dgm:else>
+                        </dgm:choose>
+                      </dgm:if>
+                      <dgm:else name="Name76">
+                        <dgm:alg type="hierRoot"/>
+                        <dgm:shape xmlns:r="http://schemas.openxmlformats.org/officeDocument/2006/relationships" r:blip="">
+                          <dgm:adjLst/>
+                        </dgm:shape>
+                        <dgm:presOf/>
+                        <dgm:constrLst>
+                          <dgm:constr type="alignOff"/>
+                          <dgm:constr type="bendDist" for="des" ptType="parTrans" refType="sp" fact="0.5"/>
+                        </dgm:constrLst>
+                      </dgm:else>
+                    </dgm:choose>
+                  </dgm:if>
+                  <dgm:else name="Name77">
+                    <dgm:alg type="hierRoot"/>
+                    <dgm:shape xmlns:r="http://schemas.openxmlformats.org/officeDocument/2006/relationships" r:blip="">
+                      <dgm:adjLst/>
+                    </dgm:shape>
+                    <dgm:presOf/>
+                    <dgm:constrLst>
+                      <dgm:constr type="alignOff" val="0.65"/>
+                    </dgm:constrLst>
+                  </dgm:else>
+                </dgm:choose>
+                <dgm:ruleLst/>
+                <dgm:layoutNode name="rootComposite">
+                  <dgm:alg type="composite"/>
+                  <dgm:shape xmlns:r="http://schemas.openxmlformats.org/officeDocument/2006/relationships" r:blip="">
+                    <dgm:adjLst/>
+                  </dgm:shape>
+                  <dgm:presOf axis="self" ptType="node" cnt="1"/>
+                  <dgm:choose name="Name78">
+                    <dgm:if name="Name79" func="var" arg="hierBranch" op="equ" val="init">
+                      <dgm:constrLst>
+                        <dgm:constr type="l" for="ch" forName="rootText"/>
+                        <dgm:constr type="t" for="ch" forName="rootText"/>
+                        <dgm:constr type="w" for="ch" forName="rootText" refType="w"/>
+                        <dgm:constr type="h" for="ch" forName="rootText" refType="h"/>
+                        <dgm:constr type="l" for="ch" forName="rootConnector"/>
+                        <dgm:constr type="t" for="ch" forName="rootConnector"/>
+                        <dgm:constr type="w" for="ch" forName="rootConnector" refType="w" refFor="ch" refForName="rootText" fact="0.2"/>
+                        <dgm:constr type="h" for="ch" forName="rootConnector" refType="h" refFor="ch" refForName="rootText"/>
+                      </dgm:constrLst>
+                    </dgm:if>
+                    <dgm:if name="Name80" func="var" arg="hierBranch" op="equ" val="l">
+                      <dgm:constrLst>
+                        <dgm:constr type="l" for="ch" forName="rootText"/>
+                        <dgm:constr type="t" for="ch" forName="rootText"/>
+                        <dgm:constr type="w" for="ch" forName="rootText" refType="w"/>
+                        <dgm:constr type="h" for="ch" forName="rootText" refType="h"/>
+                        <dgm:constr type="r" for="ch" forName="rootConnector" refType="w"/>
+                        <dgm:constr type="t" for="ch" forName="rootConnector"/>
+                        <dgm:constr type="w" for="ch" forName="rootConnector" refType="w" refFor="ch" refForName="rootText" fact="0.2"/>
+                        <dgm:constr type="h" for="ch" forName="rootConnector" refType="h" refFor="ch" refForName="rootText"/>
+                      </dgm:constrLst>
+                    </dgm:if>
+                    <dgm:if name="Name81" func="var" arg="hierBranch" op="equ" val="r">
+                      <dgm:constrLst>
+                        <dgm:constr type="l" for="ch" forName="rootText"/>
+                        <dgm:constr type="t" for="ch" forName="rootText"/>
+                        <dgm:constr type="w" for="ch" forName="rootText" refType="w"/>
+                        <dgm:constr type="h" for="ch" forName="rootText" refType="h"/>
+                        <dgm:constr type="l" for="ch" forName="rootConnector"/>
+                        <dgm:constr type="t" for="ch" forName="rootConnector"/>
+                        <dgm:constr type="w" for="ch" forName="rootConnector" refType="w" refFor="ch" refForName="rootText" fact="0.2"/>
+                        <dgm:constr type="h" for="ch" forName="rootConnector" refType="h" refFor="ch" refForName="rootText"/>
+                      </dgm:constrLst>
+                    </dgm:if>
+                    <dgm:else name="Name82">
+                      <dgm:constrLst>
+                        <dgm:constr type="l" for="ch" forName="rootText"/>
+                        <dgm:constr type="t" for="ch" forName="rootText"/>
+                        <dgm:constr type="w" for="ch" forName="rootText" refType="w"/>
+                        <dgm:constr type="h" for="ch" forName="rootText" refType="h"/>
+                        <dgm:constr type="r" for="ch" forName="rootConnector" refType="w"/>
+                        <dgm:constr type="t" for="ch" forName="rootConnector"/>
+                        <dgm:constr type="w" for="ch" forName="rootConnector" refType="w" refFor="ch" refForName="rootText" fact="0.2"/>
+                        <dgm:constr type="h" for="ch" forName="rootConnector" refType="h" refFor="ch" refForName="rootText"/>
+                      </dgm:constrLst>
+                    </dgm:else>
+                  </dgm:choose>
+                  <dgm:ruleLst/>
+                  <dgm:layoutNode name="rootText">
+                    <dgm:varLst>
+                      <dgm:chPref val="3"/>
+                    </dgm:varLst>
+                    <dgm:alg type="tx"/>
+                    <dgm:shape xmlns:r="http://schemas.openxmlformats.org/officeDocument/2006/relationships" type="rect" r:blip="">
+                      <dgm:adjLst/>
+                    </dgm:shape>
+                    <dgm:presOf axis="self" ptType="node" cnt="1"/>
+                    <dgm:constrLst>
+                      <dgm:constr type="primFontSz" val="65"/>
+                      <dgm:constr type="lMarg" refType="primFontSz" fact="0.05"/>
+                      <dgm:constr type="rMarg" refType="primFontSz" fact="0.05"/>
+                      <dgm:constr type="tMarg" refType="primFontSz" fact="0.05"/>
+                      <dgm:constr type="bMarg" refType="primFontSz" fact="0.05"/>
+                    </dgm:constrLst>
+                    <dgm:ruleLst>
+                      <dgm:rule type="primFontSz" val="5" fact="NaN" max="NaN"/>
+                    </dgm:ruleLst>
+                  </dgm:layoutNode>
+                  <dgm:layoutNode name="rootConnector" moveWith="rootText">
+                    <dgm:alg type="sp"/>
+                    <dgm:shape xmlns:r="http://schemas.openxmlformats.org/officeDocument/2006/relationships" type="rect" r:blip="" hideGeom="1">
+                      <dgm:adjLst/>
+                    </dgm:shape>
+                    <dgm:presOf axis="self" ptType="node" cnt="1"/>
+                    <dgm:constrLst/>
+                    <dgm:ruleLst/>
+                  </dgm:layoutNode>
+                </dgm:layoutNode>
+                <dgm:layoutNode name="hierChild4">
+                  <dgm:choose name="Name83">
+                    <dgm:if name="Name84" func="var" arg="hierBranch" op="equ" val="l">
+                      <dgm:alg type="hierChild">
+                        <dgm:param type="chAlign" val="r"/>
+                        <dgm:param type="linDir" val="fromT"/>
+                      </dgm:alg>
+                    </dgm:if>
+                    <dgm:if name="Name85" func="var" arg="hierBranch" op="equ" val="r">
+                      <dgm:alg type="hierChild">
+                        <dgm:param type="chAlign" val="l"/>
+                        <dgm:param type="linDir" val="fromT"/>
+                      </dgm:alg>
+                    </dgm:if>
+                    <dgm:if name="Name86" func="var" arg="hierBranch" op="equ" val="hang">
+                      <dgm:choose name="Name87">
+                        <dgm:if name="Name88" func="var" arg="dir" op="equ" val="norm">
+                          <dgm:alg type="hierChild">
+                            <dgm:param type="chAlign" val="l"/>
+                            <dgm:param type="linDir" val="fromL"/>
+                            <dgm:param type="secChAlign" val="t"/>
+                            <dgm:param type="secLinDir" val="fromT"/>
+                          </dgm:alg>
+                        </dgm:if>
+                        <dgm:else name="Name89">
+                          <dgm:alg type="hierChild">
+                            <dgm:param type="chAlign" val="l"/>
+                            <dgm:param type="linDir" val="fromR"/>
+                            <dgm:param type="secChAlign" val="t"/>
+                            <dgm:param type="secLinDir" val="fromT"/>
+                          </dgm:alg>
+                        </dgm:else>
+                      </dgm:choose>
+                    </dgm:if>
+                    <dgm:if name="Name90" func="var" arg="hierBranch" op="equ" val="std">
+                      <dgm:choose name="Name91">
+                        <dgm:if name="Name92" func="var" arg="dir" op="equ" val="norm">
+                          <dgm:alg type="hierChild"/>
+                        </dgm:if>
+                        <dgm:else name="Name93">
+                          <dgm:alg type="hierChild">
+                            <dgm:param type="linDir" val="fromR"/>
+                          </dgm:alg>
+                        </dgm:else>
+                      </dgm:choose>
+                    </dgm:if>
+                    <dgm:if name="Name94" func="var" arg="hierBranch" op="equ" val="init">
+                      <dgm:choose name="Name95">
+                        <dgm:if name="Name96" axis="des" func="maxDepth" op="lte" val="1">
+                          <dgm:alg type="hierChild">
+                            <dgm:param type="chAlign" val="l"/>
+                            <dgm:param type="linDir" val="fromT"/>
+                          </dgm:alg>
+                        </dgm:if>
+                        <dgm:else name="Name97">
+                          <dgm:choose name="Name98">
+                            <dgm:if name="Name99" func="var" arg="dir" op="equ" val="norm">
+                              <dgm:alg type="hierChild"/>
+                            </dgm:if>
+                            <dgm:else name="Name100">
+                              <dgm:alg type="hierChild">
+                                <dgm:param type="linDir" val="fromR"/>
+                              </dgm:alg>
+                            </dgm:else>
+                          </dgm:choose>
+                        </dgm:else>
+                      </dgm:choose>
+                    </dgm:if>
+                    <dgm:else name="Name101"/>
+                  </dgm:choose>
+                  <dgm:shape xmlns:r="http://schemas.openxmlformats.org/officeDocument/2006/relationships" r:blip="">
+                    <dgm:adjLst/>
+                  </dgm:shape>
+                  <dgm:presOf/>
+                  <dgm:constrLst/>
+                  <dgm:ruleLst/>
+                  <dgm:forEach name="Name102" ref="rep2a"/>
+                </dgm:layoutNode>
+                <dgm:layoutNode name="hierChild5">
+                  <dgm:choose name="Name103">
+                    <dgm:if name="Name104" func="var" arg="dir" op="equ" val="norm">
+                      <dgm:alg type="hierChild">
+                        <dgm:param type="chAlign" val="l"/>
+                        <dgm:param type="linDir" val="fromL"/>
+                        <dgm:param type="secChAlign" val="t"/>
+                        <dgm:param type="secLinDir" val="fromT"/>
+                      </dgm:alg>
+                    </dgm:if>
+                    <dgm:else name="Name105">
+                      <dgm:alg type="hierChild">
+                        <dgm:param type="chAlign" val="l"/>
+                        <dgm:param type="linDir" val="fromR"/>
+                        <dgm:param type="secChAlign" val="t"/>
+                        <dgm:param type="secLinDir" val="fromT"/>
+                      </dgm:alg>
+                    </dgm:else>
+                  </dgm:choose>
+                  <dgm:shape xmlns:r="http://schemas.openxmlformats.org/officeDocument/2006/relationships" r:blip="">
+                    <dgm:adjLst/>
+                  </dgm:shape>
+                  <dgm:presOf/>
+                  <dgm:constrLst/>
+                  <dgm:ruleLst/>
+                  <dgm:forEach name="Name106" ref="rep2b"/>
+                </dgm:layoutNode>
+              </dgm:layoutNode>
+            </dgm:forEach>
+          </dgm:layoutNode>
+          <dgm:layoutNode name="hierChild3">
+            <dgm:choose name="Name107">
+              <dgm:if name="Name108" func="var" arg="dir" op="equ" val="norm">
+                <dgm:alg type="hierChild">
+                  <dgm:param type="chAlign" val="l"/>
+                  <dgm:param type="linDir" val="fromL"/>
+                  <dgm:param type="secChAlign" val="t"/>
+                  <dgm:param type="secLinDir" val="fromT"/>
+                </dgm:alg>
+              </dgm:if>
+              <dgm:else name="Name109">
+                <dgm:alg type="hierChild">
+                  <dgm:param type="chAlign" val="l"/>
+                  <dgm:param type="linDir" val="fromR"/>
+                  <dgm:param type="secChAlign" val="t"/>
+                  <dgm:param type="secLinDir" val="fromT"/>
+                </dgm:alg>
+              </dgm:else>
+            </dgm:choose>
+            <dgm:shape xmlns:r="http://schemas.openxmlformats.org/officeDocument/2006/relationships" r:blip="">
+              <dgm:adjLst/>
+            </dgm:shape>
+            <dgm:presOf/>
+            <dgm:constrLst/>
+            <dgm:ruleLst/>
+            <dgm:forEach name="rep2b" axis="ch" ptType="asst">
+              <dgm:forEach name="Name110" axis="precedSib" ptType="parTrans" st="-1" cnt="1">
+                <dgm:layoutNode name="Name111">
+                  <dgm:alg type="conn">
+                    <dgm:param type="connRout" val="bend"/>
+                    <dgm:param type="dim" val="1D"/>
+                    <dgm:param type="endSty" val="noArr"/>
+                    <dgm:param type="begPts" val="bCtr"/>
+                    <dgm:param type="endPts" val="midL midR"/>
+                  </dgm:alg>
+                  <dgm:shape xmlns:r="http://schemas.openxmlformats.org/officeDocument/2006/relationships" type="conn" r:blip="" zOrderOff="-99999">
+                    <dgm:adjLst/>
+                  </dgm:shape>
+                  <dgm:presOf axis="self"/>
+                  <dgm:constrLst>
+                    <dgm:constr type="begPad"/>
+                    <dgm:constr type="endPad"/>
+                  </dgm:constrLst>
+                  <dgm:ruleLst/>
+                </dgm:layoutNode>
+              </dgm:forEach>
+              <dgm:layoutNode name="hierRoot3">
+                <dgm:varLst>
+                  <dgm:hierBranch val="init"/>
+                </dgm:varLst>
+                <dgm:choose name="Name112">
+                  <dgm:if name="Name113" func="var" arg="hierBranch" op="equ" val="l">
+                    <dgm:alg type="hierRoot">
+                      <dgm:param type="hierAlign" val="tR"/>
+                    </dgm:alg>
+                    <dgm:shape xmlns:r="http://schemas.openxmlformats.org/officeDocument/2006/relationships" r:blip="">
+                      <dgm:adjLst/>
+                    </dgm:shape>
+                    <dgm:presOf/>
+                    <dgm:constrLst>
+                      <dgm:constr type="alignOff" val="0.65"/>
+                    </dgm:constrLst>
+                  </dgm:if>
+                  <dgm:if name="Name114" func="var" arg="hierBranch" op="equ" val="r">
+                    <dgm:alg type="hierRoot">
+                      <dgm:param type="hierAlign" val="tL"/>
+                    </dgm:alg>
+                    <dgm:shape xmlns:r="http://schemas.openxmlformats.org/officeDocument/2006/relationships" r:blip="">
+                      <dgm:adjLst/>
+                    </dgm:shape>
+                    <dgm:presOf/>
+                    <dgm:constrLst>
+                      <dgm:constr type="alignOff" val="0.65"/>
+                    </dgm:constrLst>
+                  </dgm:if>
+                  <dgm:if name="Name115" func="var" arg="hierBranch" op="equ" val="hang">
+                    <dgm:alg type="hierRoot"/>
+                    <dgm:shape xmlns:r="http://schemas.openxmlformats.org/officeDocument/2006/relationships" r:blip="">
+                      <dgm:adjLst/>
+                    </dgm:shape>
+                    <dgm:presOf/>
+                    <dgm:constrLst>
+                      <dgm:constr type="alignOff" val="0.65"/>
+                    </dgm:constrLst>
+                  </dgm:if>
+                  <dgm:if name="Name116" func="var" arg="hierBranch" op="equ" val="std">
+                    <dgm:alg type="hierRoot"/>
+                    <dgm:shape xmlns:r="http://schemas.openxmlformats.org/officeDocument/2006/relationships" r:blip="">
+                      <dgm:adjLst/>
+                    </dgm:shape>
+                    <dgm:presOf/>
+                    <dgm:constrLst>
+                      <dgm:constr type="alignOff"/>
+                      <dgm:constr type="bendDist" for="des" ptType="parTrans" refType="sp" fact="0.5"/>
+                    </dgm:constrLst>
+                  </dgm:if>
+                  <dgm:if name="Name117" func="var" arg="hierBranch" op="equ" val="init">
+                    <dgm:choose name="Name118">
+                      <dgm:if name="Name119" axis="des" func="maxDepth" op="lte" val="1">
+                        <dgm:alg type="hierRoot">
+                          <dgm:param type="hierAlign" val="tL"/>
+                        </dgm:alg>
+                        <dgm:shape xmlns:r="http://schemas.openxmlformats.org/officeDocument/2006/relationships" r:blip="">
+                          <dgm:adjLst/>
+                        </dgm:shape>
+                        <dgm:presOf/>
+                        <dgm:constrLst>
+                          <dgm:constr type="alignOff" val="0.65"/>
+                        </dgm:constrLst>
+                      </dgm:if>
+                      <dgm:else name="Name120">
+                        <dgm:alg type="hierRoot"/>
+                        <dgm:shape xmlns:r="http://schemas.openxmlformats.org/officeDocument/2006/relationships" r:blip="">
+                          <dgm:adjLst/>
+                        </dgm:shape>
+                        <dgm:presOf/>
+                        <dgm:constrLst>
+                          <dgm:constr type="alignOff"/>
+                          <dgm:constr type="bendDist" for="des" ptType="parTrans" refType="sp" fact="0.5"/>
+                        </dgm:constrLst>
+                      </dgm:else>
+                    </dgm:choose>
+                  </dgm:if>
+                  <dgm:else name="Name121"/>
+                </dgm:choose>
+                <dgm:ruleLst/>
+                <dgm:layoutNode name="rootComposite3">
+                  <dgm:alg type="composite"/>
+                  <dgm:shape xmlns:r="http://schemas.openxmlformats.org/officeDocument/2006/relationships" r:blip="">
+                    <dgm:adjLst/>
+                  </dgm:shape>
+                  <dgm:presOf axis="self" ptType="node" cnt="1"/>
+                  <dgm:choose name="Name122">
+                    <dgm:if name="Name123" func="var" arg="hierBranch" op="equ" val="init">
+                      <dgm:constrLst>
+                        <dgm:constr type="l" for="ch" forName="rootText3"/>
+                        <dgm:constr type="t" for="ch" forName="rootText3"/>
+                        <dgm:constr type="w" for="ch" forName="rootText3" refType="w"/>
+                        <dgm:constr type="h" for="ch" forName="rootText3" refType="h"/>
+                        <dgm:constr type="l" for="ch" forName="rootConnector3"/>
+                        <dgm:constr type="t" for="ch" forName="rootConnector3"/>
+                        <dgm:constr type="w" for="ch" forName="rootConnector3" refType="w" refFor="ch" refForName="rootText3" fact="0.2"/>
+                        <dgm:constr type="h" for="ch" forName="rootConnector3" refType="h" refFor="ch" refForName="rootText3"/>
+                      </dgm:constrLst>
+                    </dgm:if>
+                    <dgm:if name="Name124" func="var" arg="hierBranch" op="equ" val="l">
+                      <dgm:constrLst>
+                        <dgm:constr type="l" for="ch" forName="rootText3"/>
+                        <dgm:constr type="t" for="ch" forName="rootText3"/>
+                        <dgm:constr type="w" for="ch" forName="rootText3" refType="w"/>
+                        <dgm:constr type="h" for="ch" forName="rootText3" refType="h"/>
+                        <dgm:constr type="r" for="ch" forName="rootConnector3" refType="w"/>
+                        <dgm:constr type="t" for="ch" forName="rootConnector3"/>
+                        <dgm:constr type="w" for="ch" forName="rootConnector3" refType="w" refFor="ch" refForName="rootText3" fact="0.2"/>
+                        <dgm:constr type="h" for="ch" forName="rootConnector3" refType="h" refFor="ch" refForName="rootText3"/>
+                      </dgm:constrLst>
+                    </dgm:if>
+                    <dgm:if name="Name125" func="var" arg="hierBranch" op="equ" val="r">
+                      <dgm:constrLst>
+                        <dgm:constr type="l" for="ch" forName="rootText3"/>
+                        <dgm:constr type="t" for="ch" forName="rootText3"/>
+                        <dgm:constr type="w" for="ch" forName="rootText3" refType="w"/>
+                        <dgm:constr type="h" for="ch" forName="rootText3" refType="h"/>
+                        <dgm:constr type="l" for="ch" forName="rootConnector3"/>
+                        <dgm:constr type="t" for="ch" forName="rootConnector3"/>
+                        <dgm:constr type="w" for="ch" forName="rootConnector3" refType="w" refFor="ch" refForName="rootText3" fact="0.2"/>
+                        <dgm:constr type="h" for="ch" forName="rootConnector3" refType="h" refFor="ch" refForName="rootText3"/>
+                      </dgm:constrLst>
+                    </dgm:if>
+                    <dgm:else name="Name126">
+                      <dgm:constrLst>
+                        <dgm:constr type="l" for="ch" forName="rootText3"/>
+                        <dgm:constr type="t" for="ch" forName="rootText3"/>
+                        <dgm:constr type="w" for="ch" forName="rootText3" refType="w"/>
+                        <dgm:constr type="h" for="ch" forName="rootText3" refType="h"/>
+                        <dgm:constr type="r" for="ch" forName="rootConnector3" refType="w"/>
+                        <dgm:constr type="t" for="ch" forName="rootConnector3"/>
+                        <dgm:constr type="w" for="ch" forName="rootConnector3" refType="w" refFor="ch" refForName="rootText3" fact="0.2"/>
+                        <dgm:constr type="h" for="ch" forName="rootConnector3" refType="h" refFor="ch" refForName="rootText3"/>
+                      </dgm:constrLst>
+                    </dgm:else>
+                  </dgm:choose>
+                  <dgm:ruleLst/>
+                  <dgm:layoutNode name="rootText3">
+                    <dgm:varLst>
+                      <dgm:chPref val="3"/>
+                    </dgm:varLst>
+                    <dgm:alg type="tx"/>
+                    <dgm:shape xmlns:r="http://schemas.openxmlformats.org/officeDocument/2006/relationships" type="rect" r:blip="">
+                      <dgm:adjLst/>
+                    </dgm:shape>
+                    <dgm:presOf axis="self" ptType="node" cnt="1"/>
+                    <dgm:constrLst>
+                      <dgm:constr type="primFontSz" val="65"/>
+                      <dgm:constr type="lMarg" refType="primFontSz" fact="0.05"/>
+                      <dgm:constr type="rMarg" refType="primFontSz" fact="0.05"/>
+                      <dgm:constr type="tMarg" refType="primFontSz" fact="0.05"/>
+                      <dgm:constr type="bMarg" refType="primFontSz" fact="0.05"/>
+                    </dgm:constrLst>
+                    <dgm:ruleLst>
+                      <dgm:rule type="primFontSz" val="5" fact="NaN" max="NaN"/>
+                    </dgm:ruleLst>
+                  </dgm:layoutNode>
+                  <dgm:layoutNode name="rootConnector3" moveWith="rootText1">
+                    <dgm:alg type="sp"/>
+                    <dgm:shape xmlns:r="http://schemas.openxmlformats.org/officeDocument/2006/relationships" type="rect" r:blip="" hideGeom="1">
+                      <dgm:adjLst/>
+                    </dgm:shape>
+                    <dgm:presOf axis="self" ptType="node" cnt="1"/>
+                    <dgm:constrLst/>
+                    <dgm:ruleLst/>
+                  </dgm:layoutNode>
+                </dgm:layoutNode>
+                <dgm:layoutNode name="hierChild6">
+                  <dgm:choose name="Name127">
+                    <dgm:if name="Name128" func="var" arg="hierBranch" op="equ" val="l">
+                      <dgm:alg type="hierChild">
+                        <dgm:param type="chAlign" val="r"/>
+                        <dgm:param type="linDir" val="fromT"/>
+                      </dgm:alg>
+                    </dgm:if>
+                    <dgm:if name="Name129" func="var" arg="hierBranch" op="equ" val="r">
+                      <dgm:alg type="hierChild">
+                        <dgm:param type="chAlign" val="l"/>
+                        <dgm:param type="linDir" val="fromT"/>
+                      </dgm:alg>
+                    </dgm:if>
+                    <dgm:if name="Name130" func="var" arg="hierBranch" op="equ" val="hang">
+                      <dgm:choose name="Name131">
+                        <dgm:if name="Name132" func="var" arg="dir" op="equ" val="norm">
+                          <dgm:alg type="hierChild">
+                            <dgm:param type="chAlign" val="l"/>
+                            <dgm:param type="linDir" val="fromL"/>
+                            <dgm:param type="secChAlign" val="t"/>
+                            <dgm:param type="secLinDir" val="fromT"/>
+                          </dgm:alg>
+                        </dgm:if>
+                        <dgm:else name="Name133">
+                          <dgm:alg type="hierChild">
+                            <dgm:param type="chAlign" val="l"/>
+                            <dgm:param type="linDir" val="fromR"/>
+                            <dgm:param type="secChAlign" val="t"/>
+                            <dgm:param type="secLinDir" val="fromT"/>
+                          </dgm:alg>
+                        </dgm:else>
+                      </dgm:choose>
+                    </dgm:if>
+                    <dgm:if name="Name134" func="var" arg="hierBranch" op="equ" val="std">
+                      <dgm:choose name="Name135">
+                        <dgm:if name="Name136" func="var" arg="dir" op="equ" val="norm">
+                          <dgm:alg type="hierChild"/>
+                        </dgm:if>
+                        <dgm:else name="Name137">
+                          <dgm:alg type="hierChild">
+                            <dgm:param type="linDir" val="fromR"/>
+                          </dgm:alg>
+                        </dgm:else>
+                      </dgm:choose>
+                    </dgm:if>
+                    <dgm:if name="Name138" func="var" arg="hierBranch" op="equ" val="init">
+                      <dgm:choose name="Name139">
+                        <dgm:if name="Name140" axis="des" func="maxDepth" op="lte" val="1">
+                          <dgm:alg type="hierChild">
+                            <dgm:param type="chAlign" val="l"/>
+                            <dgm:param type="linDir" val="fromT"/>
+                          </dgm:alg>
+                        </dgm:if>
+                        <dgm:else name="Name141">
+                          <dgm:alg type="hierChild"/>
+                        </dgm:else>
+                      </dgm:choose>
+                    </dgm:if>
+                    <dgm:else name="Name142"/>
+                  </dgm:choose>
+                  <dgm:shape xmlns:r="http://schemas.openxmlformats.org/officeDocument/2006/relationships" r:blip="">
+                    <dgm:adjLst/>
+                  </dgm:shape>
+                  <dgm:presOf/>
+                  <dgm:constrLst/>
+                  <dgm:ruleLst/>
+                  <dgm:forEach name="Name143" ref="rep2a"/>
+                </dgm:layoutNode>
+                <dgm:layoutNode name="hierChild7">
+                  <dgm:choose name="Name144">
+                    <dgm:if name="Name145" func="var" arg="dir" op="equ" val="norm">
+                      <dgm:alg type="hierChild">
+                        <dgm:param type="chAlign" val="l"/>
+                        <dgm:param type="linDir" val="fromL"/>
+                        <dgm:param type="secChAlign" val="t"/>
+                        <dgm:param type="secLinDir" val="fromT"/>
+                      </dgm:alg>
+                    </dgm:if>
+                    <dgm:else name="Name146">
+                      <dgm:alg type="hierChild">
+                        <dgm:param type="chAlign" val="l"/>
+                        <dgm:param type="linDir" val="fromR"/>
+                        <dgm:param type="secChAlign" val="t"/>
+                        <dgm:param type="secLinDir" val="fromT"/>
+                      </dgm:alg>
+                    </dgm:else>
+                  </dgm:choose>
+                  <dgm:shape xmlns:r="http://schemas.openxmlformats.org/officeDocument/2006/relationships" r:blip="">
+                    <dgm:adjLst/>
+                  </dgm:shape>
+                  <dgm:presOf/>
+                  <dgm:constrLst/>
+                  <dgm:ruleLst/>
+                  <dgm:forEach name="Name147" ref="rep2b"/>
+                </dgm:layoutNode>
+              </dgm:layoutNode>
+            </dgm:forEach>
+          </dgm:layoutNode>
+        </dgm:layoutNode>
+      </dgm:forEach>
+    </dgm:forEach>
+  </dgm:layoutNode>
+</dgm:layoutDef>
+</file>
+
+<file path=ppt/diagrams/quickStyle1.xml><?xml version="1.0" encoding="utf-8"?>
+<dgm:styleDef xmlns:dgm="http://schemas.openxmlformats.org/drawingml/2006/diagram" xmlns:a="http://schemas.openxmlformats.org/drawingml/2006/main" uniqueId="urn:microsoft.com/office/officeart/2005/8/quickstyle/simple4">
+  <dgm:title val=""/>
+  <dgm:desc val=""/>
+  <dgm:catLst>
+    <dgm:cat type="simple" pri="10400"/>
+  </dgm:catLst>
+  <dgm:scene3d>
+    <a:camera prst="orthographicFront"/>
+    <a:lightRig rig="threePt" dir="t"/>
+  </dgm:scene3d>
+  <dgm:styleLbl name="node0">
+    <dgm:scene3d>
+      <a:camera prst="orthographicFront"/>
+      <a:lightRig rig="threePt" dir="t"/>
+    </dgm:scene3d>
+    <dgm:sp3d/>
+    <dgm:txPr/>
+    <dgm:style>
+      <a:lnRef idx="0">
+        <a:scrgbClr r="0" g="0" b="0"/>
+      </a:lnRef>
+      <a:fillRef idx="3">
+        <a:scrgbClr r="0" g="0" b="0"/>
+      </a:fillRef>
+      <a:effectRef idx="2">
+        <a:scrgbClr r="0" g="0" b="0"/>
+      </a:effectRef>
+      <a:fontRef idx="minor">
+        <a:schemeClr val="lt1"/>
+      </a:fontRef>
+    </dgm:style>
+  </dgm:styleLbl>
+  <dgm:styleLbl name="lnNode1">
+    <dgm:scene3d>
+      <a:camera prst="orthographicFront"/>
+      <a:lightRig rig="threePt" dir="t"/>
+    </dgm:scene3d>
+    <dgm:sp3d/>
+    <dgm:txPr/>
+    <dgm:style>
+      <a:lnRef idx="1">
+        <a:scrgbClr r="0" g="0" b="0"/>
+      </a:lnRef>
+      <a:fillRef idx="3">
+        <a:scrgbClr r="0" g="0" b="0"/>
+      </a:fillRef>
+      <a:effectRef idx="2">
+        <a:scrgbClr r="0" g="0" b="0"/>
+      </a:effectRef>
+      <a:fontRef idx="minor">
+        <a:schemeClr val="lt1"/>
+      </a:fontRef>
+    </dgm:style>
+  </dgm:styleLbl>
+  <dgm:styleLbl name="vennNode1">
+    <dgm:scene3d>
+      <a:camera prst="orthographicFront"/>
+      <a:lightRig rig="threePt" dir="t"/>
+    </dgm:scene3d>
+    <dgm:sp3d/>
+    <dgm:txPr/>
+    <dgm:style>
+      <a:lnRef idx="0">
+        <a:scrgbClr r="0" g="0" b="0"/>
+      </a:lnRef>
+      <a:fillRef idx="3">
+        <a:scrgbClr r="0" g="0" b="0"/>
+      </a:fillRef>
+      <a:effectRef idx="0">
+        <a:scrgbClr r="0" g="0" b="0"/>
+      </a:effectRef>
+      <a:fontRef idx="minor">
+        <a:schemeClr val="tx1"/>
+      </a:fontRef>
+    </dgm:style>
+  </dgm:styleLbl>
+  <dgm:styleLbl name="alignNode1">
+    <dgm:scene3d>
+      <a:camera prst="orthographicFront"/>
+      <a:lightRig rig="threePt" dir="t"/>
+    </dgm:scene3d>
+    <dgm:sp3d/>
+    <dgm:txPr/>
+    <dgm:style>
+      <a:lnRef idx="1">
+        <a:scrgbClr r="0" g="0" b="0"/>
+      </a:lnRef>
+      <a:fillRef idx="3">
+        <a:scrgbClr r="0" g="0" b="0"/>
+      </a:fillRef>
+      <a:effectRef idx="2">
+        <a:scrgbClr r="0" g="0" b="0"/>
+      </a:effectRef>
+      <a:fontRef idx="minor">
+        <a:schemeClr val="lt1"/>
+      </a:fontRef>
+    </dgm:style>
+  </dgm:styleLbl>
+  <dgm:styleLbl name="node1">
+    <dgm:scene3d>
+      <a:camera prst="orthographicFront"/>
+      <a:lightRig rig="threePt" dir="t"/>
+    </dgm:scene3d>
+    <dgm:sp3d/>
+    <dgm:txPr/>
+    <dgm:style>
+      <a:lnRef idx="0">
+        <a:scrgbClr r="0" g="0" b="0"/>
+      </a:lnRef>
+      <a:fillRef idx="3">
+        <a:scrgbClr r="0" g="0" b="0"/>
+      </a:fillRef>
+      <a:effectRef idx="2">
+        <a:scrgbClr r="0" g="0" b="0"/>
+      </a:effectRef>
+      <a:fontRef idx="minor">
+        <a:schemeClr val="lt1"/>
+      </a:fontRef>
+    </dgm:style>
+  </dgm:styleLbl>
+  <dgm:styleLbl name="node2">
+    <dgm:scene3d>
+      <a:camera prst="orthographicFront"/>
+      <a:lightRig rig="threePt" dir="t"/>
+    </dgm:scene3d>
+    <dgm:sp3d/>
+    <dgm:txPr/>
+    <dgm:style>
+      <a:lnRef idx="0">
+        <a:scrgbClr r="0" g="0" b="0"/>
+      </a:lnRef>
+      <a:fillRef idx="3">
+        <a:scrgbClr r="0" g="0" b="0"/>
+      </a:fillRef>
+      <a:effectRef idx="2">
+        <a:scrgbClr r="0" g="0" b="0"/>
+      </a:effectRef>
+      <a:fontRef idx="minor">
+        <a:schemeClr val="lt1"/>
+      </a:fontRef>
+    </dgm:style>
+  </dgm:styleLbl>
+  <dgm:styleLbl name="node3">
+    <dgm:scene3d>
+      <a:camera prst="orthographicFront"/>
+      <a:lightRig rig="threePt" dir="t"/>
+    </dgm:scene3d>
+    <dgm:sp3d/>
+    <dgm:txPr/>
+    <dgm:style>
+      <a:lnRef idx="0">
+        <a:scrgbClr r="0" g="0" b="0"/>
+      </a:lnRef>
+      <a:fillRef idx="3">
+        <a:scrgbClr r="0" g="0" b="0"/>
+      </a:fillRef>
+      <a:effectRef idx="2">
+        <a:scrgbClr r="0" g="0" b="0"/>
+      </a:effectRef>
+      <a:fontRef idx="minor">
+        <a:schemeClr val="lt1"/>
+      </a:fontRef>
+    </dgm:style>
+  </dgm:styleLbl>
+  <dgm:styleLbl name="node4">
+    <dgm:scene3d>
+      <a:camera prst="orthographicFront"/>
+      <a:lightRig rig="threePt" dir="t"/>
+    </dgm:scene3d>
+    <dgm:sp3d/>
+    <dgm:txPr/>
+    <dgm:style>
+      <a:lnRef idx="0">
+        <a:scrgbClr r="0" g="0" b="0"/>
+      </a:lnRef>
+      <a:fillRef idx="3">
+        <a:scrgbClr r="0" g="0" b="0"/>
+      </a:fillRef>
+      <a:effectRef idx="2">
+        <a:scrgbClr r="0" g="0" b="0"/>
+      </a:effectRef>
+      <a:fontRef idx="minor">
+        <a:schemeClr val="lt1"/>
+      </a:fontRef>
+    </dgm:style>
+  </dgm:styleLbl>
+  <dgm:styleLbl name="fgImgPlace1">
+    <dgm:scene3d>
+      <a:camera prst="orthographicFront"/>
+      <a:lightRig rig="threePt" dir="t"/>
+    </dgm:scene3d>
+    <dgm:sp3d/>
+    <dgm:txPr/>
+    <dgm:style>
+      <a:lnRef idx="0">
+        <a:scrgbClr r="0" g="0" b="0"/>
+      </a:lnRef>
+      <a:fillRef idx="1">
+        <a:scrgbClr r="0" g="0" b="0"/>
+      </a:fillRef>
+      <a:effectRef idx="2">
+        <a:scrgbClr r="0" g="0" b="0"/>
+      </a:effectRef>
+      <a:fontRef idx="minor"/>
+    </dgm:style>
+  </dgm:styleLbl>
+  <dgm:styleLbl name="alignImgPlace1">
+    <dgm:scene3d>
+      <a:camera prst="orthographicFront"/>
+      <a:lightRig rig="threePt" dir="t"/>
+    </dgm:scene3d>
+    <dgm:sp3d/>
+    <dgm:txPr/>
+    <dgm:style>
+      <a:lnRef idx="0">
+        <a:scrgbClr r="0" g="0" b="0"/>
+      </a:lnRef>
+      <a:fillRef idx="1">
+        <a:scrgbClr r="0" g="0" b="0"/>
+      </a:fillRef>
+      <a:effectRef idx="2">
+        <a:scrgbClr r="0" g="0" b="0"/>
+      </a:effectRef>
+      <a:fontRef idx="minor"/>
+    </dgm:style>
+  </dgm:styleLbl>
+  <dgm:styleLbl name="bgImgPlace1">
+    <dgm:scene3d>
+      <a:camera prst="orthographicFront"/>
+      <a:lightRig rig="threePt" dir="t"/>
+    </dgm:scene3d>
+    <dgm:sp3d/>
+    <dgm:txPr/>
+    <dgm:style>
+      <a:lnRef idx="0">
+        <a:scrgbClr r="0" g="0" b="0"/>
+      </a:lnRef>
+      <a:fillRef idx="1">
+        <a:scrgbClr r="0" g="0" b="0"/>
+      </a:fillRef>
+      <a:effectRef idx="2">
+        <a:scrgbClr r="0" g="0" b="0"/>
+      </a:effectRef>
+      <a:fontRef idx="minor"/>
+    </dgm:style>
+  </dgm:styleLbl>
+  <dgm:styleLbl name="sibTrans2D1">
+    <dgm:scene3d>
+      <a:camera prst="orthographicFront"/>
+      <a:lightRig rig="threePt" dir="t"/>
+    </dgm:scene3d>
+    <dgm:sp3d/>
+    <dgm:txPr/>
+    <dgm:style>
+      <a:lnRef idx="0">
+        <a:scrgbClr r="0" g="0" b="0"/>
+      </a:lnRef>
+      <a:fillRef idx="3">
+        <a:scrgbClr r="0" g="0" b="0"/>
+      </a:fillRef>
+      <a:effectRef idx="2">
+        <a:scrgbClr r="0" g="0" b="0"/>
+      </a:effectRef>
+      <a:fontRef idx="minor">
+        <a:schemeClr val="lt1"/>
+      </a:fontRef>
+    </dgm:style>
+  </dgm:styleLbl>
+  <dgm:styleLbl name="fgSibTrans2D1">
+    <dgm:scene3d>
+      <a:camera prst="orthographicFront"/>
+      <a:lightRig rig="threePt" dir="t"/>
+    </dgm:scene3d>
+    <dgm:sp3d/>
+    <dgm:txPr/>
+    <dgm:style>
+      <a:lnRef idx="0">
+        <a:scrgbClr r="0" g="0" b="0"/>
+      </a:lnRef>
+      <a:fillRef idx="3">
+        <a:scrgbClr r="0" g="0" b="0"/>
+      </a:fillRef>
+      <a:effectRef idx="2">
+        <a:scrgbClr r="0" g="0" b="0"/>
+      </a:effectRef>
+      <a:fontRef idx="minor">
+        <a:schemeClr val="lt1"/>
+      </a:fontRef>
+    </dgm:style>
+  </dgm:styleLbl>
+  <dgm:styleLbl name="bgSibTrans2D1">
+    <dgm:scene3d>
+      <a:camera prst="orthographicFront"/>
+      <a:lightRig rig="threePt" dir="t"/>
+    </dgm:scene3d>
+    <dgm:sp3d/>
+    <dgm:txPr/>
+    <dgm:style>
+      <a:lnRef idx="0">
+        <a:scrgbClr r="0" g="0" b="0"/>
+      </a:lnRef>
+      <a:fillRef idx="3">
+        <a:scrgbClr r="0" g="0" b="0"/>
+      </a:fillRef>
+      <a:effectRef idx="2">
+        <a:scrgbClr r="0" g="0" b="0"/>
+      </a:effectRef>
+      <a:fontRef idx="minor">
+        <a:schemeClr val="lt1"/>
+      </a:fontRef>
+    </dgm:style>
+  </dgm:styleLbl>
+  <dgm:styleLbl name="sibTrans1D1">
+    <dgm:scene3d>
+      <a:camera prst="orthographicFront"/>
+      <a:lightRig rig="threePt" dir="t"/>
+    </dgm:scene3d>
+    <dgm:sp3d/>
+    <dgm:txPr/>
+    <dgm:style>
+      <a:lnRef idx="1">
+        <a:scrgbClr r="0" g="0" b="0"/>
+      </a:lnRef>
+      <a:fillRef idx="0">
+        <a:scrgbClr r="0" g="0" b="0"/>
+      </a:fillRef>
+      <a:effectRef idx="0">
+        <a:scrgbClr r="0" g="0" b="0"/>
+      </a:effectRef>
+      <a:fontRef idx="minor"/>
+    </dgm:style>
+  </dgm:styleLbl>
+  <dgm:styleLbl name="callout">
+    <dgm:scene3d>
+      <a:camera prst="orthographicFront"/>
+      <a:lightRig rig="threePt" dir="t"/>
+    </dgm:scene3d>
+    <dgm:sp3d/>
+    <dgm:txPr/>
+    <dgm:style>
+      <a:lnRef idx="2">
+        <a:scrgbClr r="0" g="0" b="0"/>
+      </a:lnRef>
+      <a:fillRef idx="1">
+        <a:scrgbClr r="0" g="0" b="0"/>
+      </a:fillRef>
+      <a:effectRef idx="1">
+        <a:scrgbClr r="0" g="0" b="0"/>
+      </a:effectRef>
+      <a:fontRef idx="minor"/>
+    </dgm:style>
+  </dgm:styleLbl>
+  <dgm:styleLbl name="asst0">
+    <dgm:scene3d>
+      <a:camera prst="orthographicFront"/>
+      <a:lightRig rig="threePt" dir="t"/>
+    </dgm:scene3d>
+    <dgm:sp3d/>
+    <dgm:txPr/>
+    <dgm:style>
+      <a:lnRef idx="0">
+        <a:scrgbClr r="0" g="0" b="0"/>
+      </a:lnRef>
+      <a:fillRef idx="3">
+        <a:scrgbClr r="0" g="0" b="0"/>
+      </a:fillRef>
+      <a:effectRef idx="2">
+        <a:scrgbClr r="0" g="0" b="0"/>
+      </a:effectRef>
+      <a:fontRef idx="minor">
+        <a:schemeClr val="lt1"/>
+      </a:fontRef>
+    </dgm:style>
+  </dgm:styleLbl>
+  <dgm:styleLbl name="asst1">
+    <dgm:scene3d>
+      <a:camera prst="orthographicFront"/>
+      <a:lightRig rig="threePt" dir="t"/>
+    </dgm:scene3d>
+    <dgm:sp3d/>
+    <dgm:txPr/>
+    <dgm:style>
+      <a:lnRef idx="0">
+        <a:scrgbClr r="0" g="0" b="0"/>
+      </a:lnRef>
+      <a:fillRef idx="3">
+        <a:scrgbClr r="0" g="0" b="0"/>
+      </a:fillRef>
+      <a:effectRef idx="2">
+        <a:scrgbClr r="0" g="0" b="0"/>
+      </a:effectRef>
+      <a:fontRef idx="minor">
+        <a:schemeClr val="lt1"/>
+      </a:fontRef>
+    </dgm:style>
+  </dgm:styleLbl>
+  <dgm:styleLbl name="asst2">
+    <dgm:scene3d>
+      <a:camera prst="orthographicFront"/>
+      <a:lightRig rig="threePt" dir="t"/>
+    </dgm:scene3d>
+    <dgm:sp3d/>
+    <dgm:txPr/>
+    <dgm:style>
+      <a:lnRef idx="0">
+        <a:scrgbClr r="0" g="0" b="0"/>
+      </a:lnRef>
+      <a:fillRef idx="3">
+        <a:scrgbClr r="0" g="0" b="0"/>
+      </a:fillRef>
+      <a:effectRef idx="2">
+        <a:scrgbClr r="0" g="0" b="0"/>
+      </a:effectRef>
+      <a:fontRef idx="minor">
+        <a:schemeClr val="lt1"/>
+      </a:fontRef>
+    </dgm:style>
+  </dgm:styleLbl>
+  <dgm:styleLbl name="asst3">
+    <dgm:scene3d>
+      <a:camera prst="orthographicFront"/>
+      <a:lightRig rig="threePt" dir="t"/>
+    </dgm:scene3d>
+    <dgm:sp3d/>
+    <dgm:txPr/>
+    <dgm:style>
+      <a:lnRef idx="0">
+        <a:scrgbClr r="0" g="0" b="0"/>
+      </a:lnRef>
+      <a:fillRef idx="3">
+        <a:scrgbClr r="0" g="0" b="0"/>
+      </a:fillRef>
+      <a:effectRef idx="2">
+        <a:scrgbClr r="0" g="0" b="0"/>
+      </a:effectRef>
+      <a:fontRef idx="minor">
+        <a:schemeClr val="lt1"/>
+      </a:fontRef>
+    </dgm:style>
+  </dgm:styleLbl>
+  <dgm:styleLbl name="asst4">
+    <dgm:scene3d>
+      <a:camera prst="orthographicFront"/>
+      <a:lightRig rig="threePt" dir="t"/>
+    </dgm:scene3d>
+    <dgm:sp3d/>
+    <dgm:txPr/>
+    <dgm:style>
+      <a:lnRef idx="0">
+        <a:scrgbClr r="0" g="0" b="0"/>
+      </a:lnRef>
+      <a:fillRef idx="3">
+        <a:scrgbClr r="0" g="0" b="0"/>
+      </a:fillRef>
+      <a:effectRef idx="2">
+        <a:scrgbClr r="0" g="0" b="0"/>
+      </a:effectRef>
+      <a:fontRef idx="minor">
+        <a:schemeClr val="lt1"/>
+      </a:fontRef>
+    </dgm:style>
+  </dgm:styleLbl>
+  <dgm:styleLbl name="parChTrans2D1">
+    <dgm:scene3d>
+      <a:camera prst="orthographicFront"/>
+      <a:lightRig rig="threePt" dir="t"/>
+    </dgm:scene3d>
+    <dgm:sp3d/>
+    <dgm:txPr/>
+    <dgm:style>
+      <a:lnRef idx="0">
+        <a:scrgbClr r="0" g="0" b="0"/>
+      </a:lnRef>
+      <a:fillRef idx="3">
+        <a:scrgbClr r="0" g="0" b="0"/>
+      </a:fillRef>
+      <a:effectRef idx="2">
+        <a:scrgbClr r="0" g="0" b="0"/>
+      </a:effectRef>
+      <a:fontRef idx="minor">
+        <a:schemeClr val="lt1"/>
+      </a:fontRef>
+    </dgm:style>
+  </dgm:styleLbl>
+  <dgm:styleLbl name="parChTrans2D2">
+    <dgm:scene3d>
+      <a:camera prst="orthographicFront"/>
+      <a:lightRig rig="threePt" dir="t"/>
+    </dgm:scene3d>
+    <dgm:sp3d/>
+    <dgm:txPr/>
+    <dgm:style>
+      <a:lnRef idx="0">
+        <a:scrgbClr r="0" g="0" b="0"/>
+      </a:lnRef>
+      <a:fillRef idx="3">
+        <a:scrgbClr r="0" g="0" b="0"/>
+      </a:fillRef>
+      <a:effectRef idx="2">
+        <a:scrgbClr r="0" g="0" b="0"/>
+      </a:effectRef>
+      <a:fontRef idx="minor">
+        <a:schemeClr val="lt1"/>
+      </a:fontRef>
+    </dgm:style>
+  </dgm:styleLbl>
+  <dgm:styleLbl name="parChTrans2D3">
+    <dgm:scene3d>
+      <a:camera prst="orthographicFront"/>
+      <a:lightRig rig="threePt" dir="t"/>
+    </dgm:scene3d>
+    <dgm:sp3d/>
+    <dgm:txPr/>
+    <dgm:style>
+      <a:lnRef idx="1">
+        <a:scrgbClr r="0" g="0" b="0"/>
+      </a:lnRef>
+      <a:fillRef idx="3">
+        <a:scrgbClr r="0" g="0" b="0"/>
+      </a:fillRef>
+      <a:effectRef idx="2">
+        <a:scrgbClr r="0" g="0" b="0"/>
+      </a:effectRef>
+      <a:fontRef idx="minor">
+        <a:schemeClr val="lt1"/>
+      </a:fontRef>
+    </dgm:style>
+  </dgm:styleLbl>
+  <dgm:styleLbl name="parChTrans2D4">
+    <dgm:scene3d>
+      <a:camera prst="orthographicFront"/>
+      <a:lightRig rig="threePt" dir="t"/>
+    </dgm:scene3d>
+    <dgm:sp3d/>
+    <dgm:txPr/>
+    <dgm:style>
+      <a:lnRef idx="1">
+        <a:scrgbClr r="0" g="0" b="0"/>
+      </a:lnRef>
+      <a:fillRef idx="3">
+        <a:scrgbClr r="0" g="0" b="0"/>
+      </a:fillRef>
+      <a:effectRef idx="2">
+        <a:scrgbClr r="0" g="0" b="0"/>
+      </a:effectRef>
+      <a:fontRef idx="minor">
+        <a:schemeClr val="lt1"/>
+      </a:fontRef>
+    </dgm:style>
+  </dgm:styleLbl>
+  <dgm:styleLbl name="parChTrans1D1">
+    <dgm:scene3d>
+      <a:camera prst="orthographicFront"/>
+      <a:lightRig rig="threePt" dir="t"/>
+    </dgm:scene3d>
+    <dgm:sp3d/>
+    <dgm:txPr/>
+    <dgm:style>
+      <a:lnRef idx="1">
+        <a:scrgbClr r="0" g="0" b="0"/>
+      </a:lnRef>
+      <a:fillRef idx="0">
+        <a:scrgbClr r="0" g="0" b="0"/>
+      </a:fillRef>
+      <a:effectRef idx="0">
+        <a:scrgbClr r="0" g="0" b="0"/>
+      </a:effectRef>
+      <a:fontRef idx="minor"/>
+    </dgm:style>
+  </dgm:styleLbl>
+  <dgm:styleLbl name="parChTrans1D2">
+    <dgm:scene3d>
+      <a:camera prst="orthographicFront"/>
+      <a:lightRig rig="threePt" dir="t"/>
+    </dgm:scene3d>
+    <dgm:sp3d/>
+    <dgm:txPr/>
+    <dgm:style>
+      <a:lnRef idx="1">
+        <a:scrgbClr r="0" g="0" b="0"/>
+      </a:lnRef>
+      <a:fillRef idx="0">
+        <a:scrgbClr r="0" g="0" b="0"/>
+      </a:fillRef>
+      <a:effectRef idx="0">
+        <a:scrgbClr r="0" g="0" b="0"/>
+      </a:effectRef>
+      <a:fontRef idx="minor"/>
+    </dgm:style>
+  </dgm:styleLbl>
+  <dgm:styleLbl name="parChTrans1D3">
+    <dgm:scene3d>
+      <a:camera prst="orthographicFront"/>
+      <a:lightRig rig="threePt" dir="t"/>
+    </dgm:scene3d>
+    <dgm:sp3d/>
+    <dgm:txPr/>
+    <dgm:style>
+      <a:lnRef idx="1">
+        <a:scrgbClr r="0" g="0" b="0"/>
+      </a:lnRef>
+      <a:fillRef idx="0">
+        <a:scrgbClr r="0" g="0" b="0"/>
+      </a:fillRef>
+      <a:effectRef idx="0">
+        <a:scrgbClr r="0" g="0" b="0"/>
+      </a:effectRef>
+      <a:fontRef idx="minor"/>
+    </dgm:style>
+  </dgm:styleLbl>
+  <dgm:styleLbl name="parChTrans1D4">
+    <dgm:scene3d>
+      <a:camera prst="orthographicFront"/>
+      <a:lightRig rig="threePt" dir="t"/>
+    </dgm:scene3d>
+    <dgm:sp3d/>
+    <dgm:txPr/>
+    <dgm:style>
+      <a:lnRef idx="1">
+        <a:scrgbClr r="0" g="0" b="0"/>
+      </a:lnRef>
+      <a:fillRef idx="0">
+        <a:scrgbClr r="0" g="0" b="0"/>
+      </a:fillRef>
+      <a:effectRef idx="0">
+        <a:scrgbClr r="0" g="0" b="0"/>
+      </a:effectRef>
+      <a:fontRef idx="minor"/>
+    </dgm:style>
+  </dgm:styleLbl>
+  <dgm:styleLbl name="fgAcc1">
+    <dgm:scene3d>
+      <a:camera prst="orthographicFront"/>
+      <a:lightRig rig="threePt" dir="t"/>
+    </dgm:scene3d>
+    <dgm:sp3d/>
+    <dgm:txPr/>
+    <dgm:style>
+      <a:lnRef idx="1">
+        <a:scrgbClr r="0" g="0" b="0"/>
+      </a:lnRef>
+      <a:fillRef idx="1">
+        <a:scrgbClr r="0" g="0" b="0"/>
+      </a:fillRef>
+      <a:effectRef idx="0">
+        <a:scrgbClr r="0" g="0" b="0"/>
+      </a:effectRef>
+      <a:fontRef idx="minor"/>
+    </dgm:style>
+  </dgm:styleLbl>
+  <dgm:styleLbl name="conFgAcc1">
+    <dgm:scene3d>
+      <a:camera prst="orthographicFront"/>
+      <a:lightRig rig="threePt" dir="t"/>
+    </dgm:scene3d>
+    <dgm:sp3d/>
+    <dgm:txPr/>
+    <dgm:style>
+      <a:lnRef idx="1">
+        <a:scrgbClr r="0" g="0" b="0"/>
+      </a:lnRef>
+      <a:fillRef idx="1">
+        <a:scrgbClr r="0" g="0" b="0"/>
+      </a:fillRef>
+      <a:effectRef idx="0">
+        <a:scrgbClr r="0" g="0" b="0"/>
+      </a:effectRef>
+      <a:fontRef idx="minor"/>
+    </dgm:style>
+  </dgm:styleLbl>
+  <dgm:styleLbl name="alignAcc1">
+    <dgm:scene3d>
+      <a:camera prst="orthographicFront"/>
+      <a:lightRig rig="threePt" dir="t"/>
+    </dgm:scene3d>
+    <dgm:sp3d/>
+    <dgm:txPr/>
+    <dgm:style>
+      <a:lnRef idx="1">
+        <a:scrgbClr r="0" g="0" b="0"/>
+      </a:lnRef>
+      <a:fillRef idx="1">
+        <a:scrgbClr r="0" g="0" b="0"/>
+      </a:fillRef>
+      <a:effectRef idx="0">
+        <a:scrgbClr r="0" g="0" b="0"/>
+      </a:effectRef>
+      <a:fontRef idx="minor"/>
+    </dgm:style>
+  </dgm:styleLbl>
+  <dgm:styleLbl name="trAlignAcc1">
+    <dgm:scene3d>
+      <a:camera prst="orthographicFront"/>
+      <a:lightRig rig="threePt" dir="t"/>
+    </dgm:scene3d>
+    <dgm:sp3d/>
+    <dgm:txPr/>
+    <dgm:style>
+      <a:lnRef idx="1">
+        <a:scrgbClr r="0" g="0" b="0"/>
+      </a:lnRef>
+      <a:fillRef idx="1">
+        <a:scrgbClr r="0" g="0" b="0"/>
+      </a:fillRef>
+      <a:effectRef idx="0">
+        <a:scrgbClr r="0" g="0" b="0"/>
+      </a:effectRef>
+      <a:fontRef idx="minor"/>
+    </dgm:style>
+  </dgm:styleLbl>
+  <dgm:styleLbl name="bgAcc1">
+    <dgm:scene3d>
+      <a:camera prst="orthographicFront"/>
+      <a:lightRig rig="threePt" dir="t"/>
+    </dgm:scene3d>
+    <dgm:sp3d/>
+    <dgm:txPr/>
+    <dgm:style>
+      <a:lnRef idx="1">
+        <a:scrgbClr r="0" g="0" b="0"/>
+      </a:lnRef>
+      <a:fillRef idx="1">
+        <a:scrgbClr r="0" g="0" b="0"/>
+      </a:fillRef>
+      <a:effectRef idx="0">
+        <a:scrgbClr r="0" g="0" b="0"/>
+      </a:effectRef>
+      <a:fontRef idx="minor"/>
+    </dgm:style>
+  </dgm:styleLbl>
+  <dgm:styleLbl name="solidFgAcc1">
+    <dgm:scene3d>
+      <a:camera prst="orthographicFront"/>
+      <a:lightRig rig="threePt" dir="t"/>
+    </dgm:scene3d>
+    <dgm:sp3d/>
+    <dgm:txPr/>
+    <dgm:style>
+      <a:lnRef idx="1">
+        <a:scrgbClr r="0" g="0" b="0"/>
+      </a:lnRef>
+      <a:fillRef idx="1">
+        <a:scrgbClr r="0" g="0" b="0"/>
+      </a:fillRef>
+      <a:effectRef idx="0">
+        <a:scrgbClr r="0" g="0" b="0"/>
+      </a:effectRef>
+      <a:fontRef idx="minor"/>
+    </dgm:style>
+  </dgm:styleLbl>
+  <dgm:styleLbl name="solidAlignAcc1">
+    <dgm:scene3d>
+      <a:camera prst="orthographicFront"/>
+      <a:lightRig rig="threePt" dir="t"/>
+    </dgm:scene3d>
+    <dgm:sp3d/>
+    <dgm:txPr/>
+    <dgm:style>
+      <a:lnRef idx="1">
+        <a:scrgbClr r="0" g="0" b="0"/>
+      </a:lnRef>
+      <a:fillRef idx="1">
+        <a:scrgbClr r="0" g="0" b="0"/>
+      </a:fillRef>
+      <a:effectRef idx="0">
+        <a:scrgbClr r="0" g="0" b="0"/>
+      </a:effectRef>
+      <a:fontRef idx="minor"/>
+    </dgm:style>
+  </dgm:styleLbl>
+  <dgm:styleLbl name="solidBgAcc1">
+    <dgm:scene3d>
+      <a:camera prst="orthographicFront"/>
+      <a:lightRig rig="threePt" dir="t"/>
+    </dgm:scene3d>
+    <dgm:sp3d/>
+    <dgm:txPr/>
+    <dgm:style>
+      <a:lnRef idx="1">
+        <a:scrgbClr r="0" g="0" b="0"/>
+      </a:lnRef>
+      <a:fillRef idx="1">
+        <a:scrgbClr r="0" g="0" b="0"/>
+      </a:fillRef>
+      <a:effectRef idx="0">
+        <a:scrgbClr r="0" g="0" b="0"/>
+      </a:effectRef>
+      <a:fontRef idx="minor"/>
+    </dgm:style>
+  </dgm:styleLbl>
+  <dgm:styleLbl name="fgAccFollowNode1">
+    <dgm:scene3d>
+      <a:camera prst="orthographicFront"/>
+      <a:lightRig rig="threePt" dir="t"/>
+    </dgm:scene3d>
+    <dgm:sp3d/>
+    <dgm:txPr/>
+    <dgm:style>
+      <a:lnRef idx="1">
+        <a:scrgbClr r="0" g="0" b="0"/>
+      </a:lnRef>
+      <a:fillRef idx="1">
+        <a:scrgbClr r="0" g="0" b="0"/>
+      </a:fillRef>
+      <a:effectRef idx="0">
+        <a:scrgbClr r="0" g="0" b="0"/>
+      </a:effectRef>
+      <a:fontRef idx="minor"/>
+    </dgm:style>
+  </dgm:styleLbl>
+  <dgm:styleLbl name="alignAccFollowNode1">
+    <dgm:scene3d>
+      <a:camera prst="orthographicFront"/>
+      <a:lightRig rig="threePt" dir="t"/>
+    </dgm:scene3d>
+    <dgm:sp3d/>
+    <dgm:txPr/>
+    <dgm:style>
+      <a:lnRef idx="1">
+        <a:scrgbClr r="0" g="0" b="0"/>
+      </a:lnRef>
+      <a:fillRef idx="1">
+        <a:scrgbClr r="0" g="0" b="0"/>
+      </a:fillRef>
+      <a:effectRef idx="0">
+        <a:scrgbClr r="0" g="0" b="0"/>
+      </a:effectRef>
+      <a:fontRef idx="minor"/>
+    </dgm:style>
+  </dgm:styleLbl>
+  <dgm:styleLbl name="bgAccFollowNode1">
+    <dgm:scene3d>
+      <a:camera prst="orthographicFront"/>
+      <a:lightRig rig="threePt" dir="t"/>
+    </dgm:scene3d>
+    <dgm:sp3d/>
+    <dgm:txPr/>
+    <dgm:style>
+      <a:lnRef idx="1">
+        <a:scrgbClr r="0" g="0" b="0"/>
+      </a:lnRef>
+      <a:fillRef idx="1">
+        <a:scrgbClr r="0" g="0" b="0"/>
+      </a:fillRef>
+      <a:effectRef idx="0">
+        <a:scrgbClr r="0" g="0" b="0"/>
+      </a:effectRef>
+      <a:fontRef idx="minor"/>
+    </dgm:style>
+  </dgm:styleLbl>
+  <dgm:styleLbl name="fgAcc0">
+    <dgm:scene3d>
+      <a:camera prst="orthographicFront"/>
+      <a:lightRig rig="threePt" dir="t"/>
+    </dgm:scene3d>
+    <dgm:sp3d/>
+    <dgm:txPr/>
+    <dgm:style>
+      <a:lnRef idx="1">
+        <a:scrgbClr r="0" g="0" b="0"/>
+      </a:lnRef>
+      <a:fillRef idx="1">
+        <a:scrgbClr r="0" g="0" b="0"/>
+      </a:fillRef>
+      <a:effectRef idx="0">
+        <a:scrgbClr r="0" g="0" b="0"/>
+      </a:effectRef>
+      <a:fontRef idx="minor"/>
+    </dgm:style>
+  </dgm:styleLbl>
+  <dgm:styleLbl name="fgAcc2">
+    <dgm:scene3d>
+      <a:camera prst="orthographicFront"/>
+      <a:lightRig rig="threePt" dir="t"/>
+    </dgm:scene3d>
+    <dgm:sp3d/>
+    <dgm:txPr/>
+    <dgm:style>
+      <a:lnRef idx="1">
+        <a:scrgbClr r="0" g="0" b="0"/>
+      </a:lnRef>
+      <a:fillRef idx="1">
+        <a:scrgbClr r="0" g="0" b="0"/>
+      </a:fillRef>
+      <a:effectRef idx="0">
+        <a:scrgbClr r="0" g="0" b="0"/>
+      </a:effectRef>
+      <a:fontRef idx="minor"/>
+    </dgm:style>
+  </dgm:styleLbl>
+  <dgm:styleLbl name="fgAcc3">
+    <dgm:scene3d>
+      <a:camera prst="orthographicFront"/>
+      <a:lightRig rig="threePt" dir="t"/>
+    </dgm:scene3d>
+    <dgm:sp3d/>
+    <dgm:txPr/>
+    <dgm:style>
+      <a:lnRef idx="1">
+        <a:scrgbClr r="0" g="0" b="0"/>
+      </a:lnRef>
+      <a:fillRef idx="1">
+        <a:scrgbClr r="0" g="0" b="0"/>
+      </a:fillRef>
+      <a:effectRef idx="0">
+        <a:scrgbClr r="0" g="0" b="0"/>
+      </a:effectRef>
+      <a:fontRef idx="minor"/>
+    </dgm:style>
+  </dgm:styleLbl>
+  <dgm:styleLbl name="fgAcc4">
+    <dgm:scene3d>
+      <a:camera prst="orthographicFront"/>
+      <a:lightRig rig="threePt" dir="t"/>
+    </dgm:scene3d>
+    <dgm:sp3d/>
+    <dgm:txPr/>
+    <dgm:style>
+      <a:lnRef idx="1">
+        <a:scrgbClr r="0" g="0" b="0"/>
+      </a:lnRef>
+      <a:fillRef idx="1">
+        <a:scrgbClr r="0" g="0" b="0"/>
+      </a:fillRef>
+      <a:effectRef idx="0">
+        <a:scrgbClr r="0" g="0" b="0"/>
+      </a:effectRef>
+      <a:fontRef idx="minor"/>
+    </dgm:style>
+  </dgm:styleLbl>
+  <dgm:styleLbl name="bgShp">
+    <dgm:scene3d>
+      <a:camera prst="orthographicFront"/>
+      <a:lightRig rig="threePt" dir="t"/>
+    </dgm:scene3d>
+    <dgm:sp3d/>
+    <dgm:txPr/>
+    <dgm:style>
+      <a:lnRef idx="0">
+        <a:scrgbClr r="0" g="0" b="0"/>
+      </a:lnRef>
+      <a:fillRef idx="1">
+        <a:scrgbClr r="0" g="0" b="0"/>
+      </a:fillRef>
+      <a:effectRef idx="2">
+        <a:scrgbClr r="0" g="0" b="0"/>
+      </a:effectRef>
+      <a:fontRef idx="minor"/>
+    </dgm:style>
+  </dgm:styleLbl>
+  <dgm:styleLbl name="dkBgShp">
+    <dgm:scene3d>
+      <a:camera prst="orthographicFront"/>
+      <a:lightRig rig="threePt" dir="t"/>
+    </dgm:scene3d>
+    <dgm:sp3d/>
+    <dgm:txPr/>
+    <dgm:style>
+      <a:lnRef idx="0">
+        <a:scrgbClr r="0" g="0" b="0"/>
+      </a:lnRef>
+      <a:fillRef idx="1">
+        <a:scrgbClr r="0" g="0" b="0"/>
+      </a:fillRef>
+      <a:effectRef idx="2">
+        <a:scrgbClr r="0" g="0" b="0"/>
+      </a:effectRef>
+      <a:fontRef idx="minor"/>
+    </dgm:style>
+  </dgm:styleLbl>
+  <dgm:styleLbl name="trBgShp">
+    <dgm:scene3d>
+      <a:camera prst="orthographicFront"/>
+      <a:lightRig rig="threePt" dir="t"/>
+    </dgm:scene3d>
+    <dgm:sp3d/>
+    <dgm:txPr/>
+    <dgm:style>
+      <a:lnRef idx="0">
+        <a:scrgbClr r="0" g="0" b="0"/>
+      </a:lnRef>
+      <a:fillRef idx="1">
+        <a:scrgbClr r="0" g="0" b="0"/>
+      </a:fillRef>
+      <a:effectRef idx="0">
+        <a:scrgbClr r="0" g="0" b="0"/>
+      </a:effectRef>
+      <a:fontRef idx="minor"/>
+    </dgm:style>
+  </dgm:styleLbl>
+  <dgm:styleLbl name="fgShp">
+    <dgm:scene3d>
+      <a:camera prst="orthographicFront"/>
+      <a:lightRig rig="threePt" dir="t"/>
+    </dgm:scene3d>
+    <dgm:sp3d/>
+    <dgm:txPr/>
+    <dgm:style>
+      <a:lnRef idx="0">
+        <a:scrgbClr r="0" g="0" b="0"/>
+      </a:lnRef>
+      <a:fillRef idx="3">
+        <a:scrgbClr r="0" g="0" b="0"/>
+      </a:fillRef>
+      <a:effectRef idx="2">
+        <a:scrgbClr r="0" g="0" b="0"/>
+      </a:effectRef>
+      <a:fontRef idx="minor"/>
+    </dgm:style>
+  </dgm:styleLbl>
+  <dgm:styleLbl name="revTx">
+    <dgm:scene3d>
+      <a:camera prst="orthographicFront"/>
+      <a:lightRig rig="threePt" dir="t"/>
+    </dgm:scene3d>
+    <dgm:sp3d/>
+    <dgm:txPr/>
+    <dgm:style>
+      <a:lnRef idx="0">
+        <a:scrgbClr r="0" g="0" b="0"/>
+      </a:lnRef>
+      <a:fillRef idx="0">
+        <a:scrgbClr r="0" g="0" b="0"/>
+      </a:fillRef>
+      <a:effectRef idx="0">
+        <a:scrgbClr r="0" g="0" b="0"/>
+      </a:effectRef>
+      <a:fontRef idx="minor"/>
+    </dgm:style>
+  </dgm:styleLbl>
+</dgm:styleDef>
+</file>
+
+<file path=ppt/notesMasters/notesMaster1.xml><?xml version="1.0" encoding="utf-8"?>
+<p:notesMaster xmlns:a="http://schemas.openxmlformats.org/drawingml/2006/main" xmlns:r="http://schemas.openxmlformats.org/officeDocument/2006/relationships" xmlns:p="http://schemas.openxmlformats.org/presentationml/2006/main">
+  <p:cSld>
+    <p:bg>
+      <p:bgRef idx="1001">
+        <a:schemeClr val="bg1"/>
+      </p:bgRef>
+    </p:bg>
+    <p:spTree>
+      <p:nvGrpSpPr>
+        <p:cNvPr id="1" name=""/>
+        <p:cNvGrpSpPr/>
+        <p:nvPr/>
+      </p:nvGrpSpPr>
+      <p:grpSpPr>
+        <a:xfrm>
+          <a:off x="0" y="0"/>
+          <a:ext cx="0" cy="0"/>
+          <a:chOff x="0" y="0"/>
+          <a:chExt cx="0" cy="0"/>
+        </a:xfrm>
+      </p:grpSpPr>
+      <p:sp>
+        <p:nvSpPr>
+          <p:cNvPr id="2" name="页眉占位符 1"/>
+          <p:cNvSpPr>
+            <a:spLocks noGrp="1"/>
+          </p:cNvSpPr>
+          <p:nvPr>
+            <p:ph type="hdr" sz="quarter"/>
+          </p:nvPr>
+        </p:nvSpPr>
+        <p:spPr>
+          <a:xfrm>
+            <a:off x="0" y="0"/>
+            <a:ext cx="2971800" cy="458788"/>
+          </a:xfrm>
+          <a:prstGeom prst="rect">
+            <a:avLst/>
+          </a:prstGeom>
+        </p:spPr>
+        <p:txBody>
+          <a:bodyPr vert="horz" lIns="91440" tIns="45720" rIns="91440" bIns="45720" rtlCol="0"/>
+          <a:lstStyle>
+            <a:lvl1pPr algn="l">
+              <a:defRPr sz="1200"/>
+            </a:lvl1pPr>
+          </a:lstStyle>
+          <a:p>
+            <a:endParaRPr kumimoji="1" lang="zh-CN" altLang="en-US"/>
+          </a:p>
+        </p:txBody>
+      </p:sp>
+      <p:sp>
+        <p:nvSpPr>
+          <p:cNvPr id="3" name="日期占位符 2"/>
+          <p:cNvSpPr>
+            <a:spLocks noGrp="1"/>
+          </p:cNvSpPr>
+          <p:nvPr>
+            <p:ph type="dt" idx="1"/>
+          </p:nvPr>
+        </p:nvSpPr>
+        <p:spPr>
+          <a:xfrm>
+            <a:off x="3884613" y="0"/>
+            <a:ext cx="2971800" cy="458788"/>
+          </a:xfrm>
+          <a:prstGeom prst="rect">
+            <a:avLst/>
+          </a:prstGeom>
+        </p:spPr>
+        <p:txBody>
+          <a:bodyPr vert="horz" lIns="91440" tIns="45720" rIns="91440" bIns="45720" rtlCol="0"/>
+          <a:lstStyle>
+            <a:lvl1pPr algn="r">
+              <a:defRPr sz="1200"/>
+            </a:lvl1pPr>
+          </a:lstStyle>
+          <a:p>
+            <a:fld id="{A2756CE2-F1A8-264D-87FF-64A1347B7A98}" type="datetimeFigureOut">
+              <a:rPr kumimoji="1" lang="zh-CN" altLang="en-US" smtClean="0"/>
+              <a:t>17/9/27</a:t>
+            </a:fld>
+            <a:endParaRPr kumimoji="1" lang="zh-CN" altLang="en-US"/>
+          </a:p>
+        </p:txBody>
+      </p:sp>
+      <p:sp>
+        <p:nvSpPr>
+          <p:cNvPr id="4" name="幻灯片图像占位符 3"/>
+          <p:cNvSpPr>
+            <a:spLocks noGrp="1" noRot="1" noChangeAspect="1"/>
+          </p:cNvSpPr>
+          <p:nvPr>
+            <p:ph type="sldImg" idx="2"/>
+          </p:nvPr>
+        </p:nvSpPr>
+        <p:spPr>
+          <a:xfrm>
+            <a:off x="685800" y="1143000"/>
+            <a:ext cx="5486400" cy="3086100"/>
+          </a:xfrm>
+          <a:prstGeom prst="rect">
+            <a:avLst/>
+          </a:prstGeom>
+          <a:noFill/>
+          <a:ln w="12700">
+            <a:solidFill>
+              <a:prstClr val="black"/>
+            </a:solidFill>
+          </a:ln>
+        </p:spPr>
+        <p:txBody>
+          <a:bodyPr vert="horz" lIns="91440" tIns="45720" rIns="91440" bIns="45720" rtlCol="0" anchor="ctr"/>
+          <a:lstStyle/>
+          <a:p>
+            <a:endParaRPr lang="zh-CN" altLang="en-US"/>
+          </a:p>
+        </p:txBody>
+      </p:sp>
+      <p:sp>
+        <p:nvSpPr>
+          <p:cNvPr id="5" name="备注占位符 4"/>
+          <p:cNvSpPr>
+            <a:spLocks noGrp="1"/>
+          </p:cNvSpPr>
+          <p:nvPr>
+            <p:ph type="body" sz="quarter" idx="3"/>
+          </p:nvPr>
+        </p:nvSpPr>
+        <p:spPr>
+          <a:xfrm>
+            <a:off x="685800" y="4400550"/>
+            <a:ext cx="5486400" cy="3600450"/>
+          </a:xfrm>
+          <a:prstGeom prst="rect">
+            <a:avLst/>
+          </a:prstGeom>
+        </p:spPr>
+        <p:txBody>
+          <a:bodyPr vert="horz" lIns="91440" tIns="45720" rIns="91440" bIns="45720" rtlCol="0"/>
+          <a:lstStyle/>
+          <a:p>
+            <a:pPr lvl="0"/>
+            <a:r>
+              <a:rPr kumimoji="1" lang="zh-CN" altLang="en-US" smtClean="0"/>
+              <a:t>单击此处编辑母版文本样式</a:t>
+            </a:r>
+          </a:p>
+          <a:p>
+            <a:pPr lvl="1"/>
+            <a:r>
+              <a:rPr kumimoji="1" lang="zh-CN" altLang="en-US" smtClean="0"/>
+              <a:t>二级</a:t>
+            </a:r>
+          </a:p>
+          <a:p>
+            <a:pPr lvl="2"/>
+            <a:r>
+              <a:rPr kumimoji="1" lang="zh-CN" altLang="en-US" smtClean="0"/>
+              <a:t>三级</a:t>
+            </a:r>
+          </a:p>
+          <a:p>
+            <a:pPr lvl="3"/>
+            <a:r>
+              <a:rPr kumimoji="1" lang="zh-CN" altLang="en-US" smtClean="0"/>
+              <a:t>四级</a:t>
+            </a:r>
+          </a:p>
+          <a:p>
+            <a:pPr lvl="4"/>
+            <a:r>
+              <a:rPr kumimoji="1" lang="zh-CN" altLang="en-US" smtClean="0"/>
+              <a:t>五级</a:t>
+            </a:r>
+            <a:endParaRPr kumimoji="1" lang="zh-CN" altLang="en-US"/>
+          </a:p>
+        </p:txBody>
+      </p:sp>
+      <p:sp>
+        <p:nvSpPr>
+          <p:cNvPr id="6" name="页脚占位符 5"/>
+          <p:cNvSpPr>
+            <a:spLocks noGrp="1"/>
+          </p:cNvSpPr>
+          <p:nvPr>
+            <p:ph type="ftr" sz="quarter" idx="4"/>
+          </p:nvPr>
+        </p:nvSpPr>
+        <p:spPr>
+          <a:xfrm>
+            <a:off x="0" y="8685213"/>
+            <a:ext cx="2971800" cy="458787"/>
+          </a:xfrm>
+          <a:prstGeom prst="rect">
+            <a:avLst/>
+          </a:prstGeom>
+        </p:spPr>
+        <p:txBody>
+          <a:bodyPr vert="horz" lIns="91440" tIns="45720" rIns="91440" bIns="45720" rtlCol="0" anchor="b"/>
+          <a:lstStyle>
+            <a:lvl1pPr algn="l">
+              <a:defRPr sz="1200"/>
+            </a:lvl1pPr>
+          </a:lstStyle>
+          <a:p>
+            <a:endParaRPr kumimoji="1" lang="zh-CN" altLang="en-US"/>
+          </a:p>
+        </p:txBody>
+      </p:sp>
+      <p:sp>
+        <p:nvSpPr>
+          <p:cNvPr id="7" name="幻灯片编号占位符 6"/>
+          <p:cNvSpPr>
+            <a:spLocks noGrp="1"/>
+          </p:cNvSpPr>
+          <p:nvPr>
+            <p:ph type="sldNum" sz="quarter" idx="5"/>
+          </p:nvPr>
+        </p:nvSpPr>
+        <p:spPr>
+          <a:xfrm>
+            <a:off x="3884613" y="8685213"/>
+            <a:ext cx="2971800" cy="458787"/>
+          </a:xfrm>
+          <a:prstGeom prst="rect">
+            <a:avLst/>
+          </a:prstGeom>
+        </p:spPr>
+        <p:txBody>
+          <a:bodyPr vert="horz" lIns="91440" tIns="45720" rIns="91440" bIns="45720" rtlCol="0" anchor="b"/>
+          <a:lstStyle>
+            <a:lvl1pPr algn="r">
+              <a:defRPr sz="1200"/>
+            </a:lvl1pPr>
+          </a:lstStyle>
+          <a:p>
+            <a:fld id="{D89A8FB1-0786-3949-8BE7-5A2ED635B795}" type="slidenum">
+              <a:rPr kumimoji="1" lang="zh-CN" altLang="en-US" smtClean="0"/>
+              <a:t>‹#›</a:t>
+            </a:fld>
+            <a:endParaRPr kumimoji="1" lang="zh-CN" altLang="en-US"/>
+          </a:p>
+        </p:txBody>
+      </p:sp>
+    </p:spTree>
+    <p:extLst>
+      <p:ext uri="{BB962C8B-B14F-4D97-AF65-F5344CB8AC3E}">
+        <p14:creationId xmlns:p14="http://schemas.microsoft.com/office/powerpoint/2010/main" val="1610073275"/>
+      </p:ext>
+    </p:extLst>
+  </p:cSld>
+  <p:clrMap bg1="lt1" tx1="dk1" bg2="lt2" tx2="dk2" accent1="accent1" accent2="accent2" accent3="accent3" accent4="accent4" accent5="accent5" accent6="accent6" hlink="hlink" folHlink="folHlink"/>
+  <p:notesStyle>
+    <a:lvl1pPr marL="0" algn="l" defTabSz="914400" rtl="0" eaLnBrk="1" latinLnBrk="0" hangingPunct="1">
+      <a:defRPr sz="1200" kern="1200">
+        <a:solidFill>
+          <a:schemeClr val="tx1"/>
+        </a:solidFill>
+        <a:latin typeface="+mn-lt"/>
+        <a:ea typeface="+mn-ea"/>
+        <a:cs typeface="+mn-cs"/>
+      </a:defRPr>
+    </a:lvl1pPr>
+    <a:lvl2pPr marL="457200" algn="l" defTabSz="914400" rtl="0" eaLnBrk="1" latinLnBrk="0" hangingPunct="1">
+      <a:defRPr sz="1200" kern="1200">
+        <a:solidFill>
+          <a:schemeClr val="tx1"/>
+        </a:solidFill>
+        <a:latin typeface="+mn-lt"/>
+        <a:ea typeface="+mn-ea"/>
+        <a:cs typeface="+mn-cs"/>
+      </a:defRPr>
+    </a:lvl2pPr>
+    <a:lvl3pPr marL="914400" algn="l" defTabSz="914400" rtl="0" eaLnBrk="1" latinLnBrk="0" hangingPunct="1">
+      <a:defRPr sz="1200" kern="1200">
+        <a:solidFill>
+          <a:schemeClr val="tx1"/>
+        </a:solidFill>
+        <a:latin typeface="+mn-lt"/>
+        <a:ea typeface="+mn-ea"/>
+        <a:cs typeface="+mn-cs"/>
+      </a:defRPr>
+    </a:lvl3pPr>
+    <a:lvl4pPr marL="1371600" algn="l" defTabSz="914400" rtl="0" eaLnBrk="1" latinLnBrk="0" hangingPunct="1">
+      <a:defRPr sz="1200" kern="1200">
+        <a:solidFill>
+          <a:schemeClr val="tx1"/>
+        </a:solidFill>
+        <a:latin typeface="+mn-lt"/>
+        <a:ea typeface="+mn-ea"/>
+        <a:cs typeface="+mn-cs"/>
+      </a:defRPr>
+    </a:lvl4pPr>
+    <a:lvl5pPr marL="1828800" algn="l" defTabSz="914400" rtl="0" eaLnBrk="1" latinLnBrk="0" hangingPunct="1">
+      <a:defRPr sz="1200" kern="1200">
+        <a:solidFill>
+          <a:schemeClr val="tx1"/>
+        </a:solidFill>
+        <a:latin typeface="+mn-lt"/>
+        <a:ea typeface="+mn-ea"/>
+        <a:cs typeface="+mn-cs"/>
+      </a:defRPr>
+    </a:lvl5pPr>
+    <a:lvl6pPr marL="2286000" algn="l" defTabSz="914400" rtl="0" eaLnBrk="1" latinLnBrk="0" hangingPunct="1">
+      <a:defRPr sz="1200" kern="1200">
+        <a:solidFill>
+          <a:schemeClr val="tx1"/>
+        </a:solidFill>
+        <a:latin typeface="+mn-lt"/>
+        <a:ea typeface="+mn-ea"/>
+        <a:cs typeface="+mn-cs"/>
+      </a:defRPr>
+    </a:lvl6pPr>
+    <a:lvl7pPr marL="2743200" algn="l" defTabSz="914400" rtl="0" eaLnBrk="1" latinLnBrk="0" hangingPunct="1">
+      <a:defRPr sz="1200" kern="1200">
+        <a:solidFill>
+          <a:schemeClr val="tx1"/>
+        </a:solidFill>
+        <a:latin typeface="+mn-lt"/>
+        <a:ea typeface="+mn-ea"/>
+        <a:cs typeface="+mn-cs"/>
+      </a:defRPr>
+    </a:lvl7pPr>
+    <a:lvl8pPr marL="3200400" algn="l" defTabSz="914400" rtl="0" eaLnBrk="1" latinLnBrk="0" hangingPunct="1">
+      <a:defRPr sz="1200" kern="1200">
+        <a:solidFill>
+          <a:schemeClr val="tx1"/>
+        </a:solidFill>
+        <a:latin typeface="+mn-lt"/>
+        <a:ea typeface="+mn-ea"/>
+        <a:cs typeface="+mn-cs"/>
+      </a:defRPr>
+    </a:lvl8pPr>
+    <a:lvl9pPr marL="3657600" algn="l" defTabSz="914400" rtl="0" eaLnBrk="1" latinLnBrk="0" hangingPunct="1">
+      <a:defRPr sz="1200" kern="1200">
+        <a:solidFill>
+          <a:schemeClr val="tx1"/>
+        </a:solidFill>
+        <a:latin typeface="+mn-lt"/>
+        <a:ea typeface="+mn-ea"/>
+        <a:cs typeface="+mn-cs"/>
+      </a:defRPr>
+    </a:lvl9pPr>
+  </p:notesStyle>
+</p:notesMaster>
+</file>
+
 <file path=ppt/slideLayouts/slideLayout1.xml><?xml version="1.0" encoding="utf-8"?>
 <p:sldLayout xmlns:a="http://schemas.openxmlformats.org/drawingml/2006/main" xmlns:r="http://schemas.openxmlformats.org/officeDocument/2006/relationships" xmlns:p="http://schemas.openxmlformats.org/presentationml/2006/main" type="title" preserve="1">
   <p:cSld name="标题幻灯片">
@@ -352,7 +5160,7 @@
             <a:fld id="{B61BEF0D-F0BB-DE4B-95CE-6DB70DBA9567}" type="datetimeFigureOut">
               <a:rPr lang="en-US" dirty="0"/>
               <a:pPr/>
-              <a:t>9/27/2017</a:t>
+              <a:t>9/27/17</a:t>
             </a:fld>
             <a:endParaRPr lang="en-US" dirty="0"/>
           </a:p>
@@ -640,7 +5448,7 @@
             <a:fld id="{B61BEF0D-F0BB-DE4B-95CE-6DB70DBA9567}" type="datetimeFigureOut">
               <a:rPr lang="en-US" dirty="0"/>
               <a:pPr/>
-              <a:t>9/27/2017</a:t>
+              <a:t>9/27/17</a:t>
             </a:fld>
             <a:endParaRPr lang="en-US" dirty="0"/>
           </a:p>
@@ -896,7 +5704,7 @@
             <a:fld id="{B61BEF0D-F0BB-DE4B-95CE-6DB70DBA9567}" type="datetimeFigureOut">
               <a:rPr lang="en-US" dirty="0"/>
               <a:pPr/>
-              <a:t>9/27/2017</a:t>
+              <a:t>9/27/17</a:t>
             </a:fld>
             <a:endParaRPr lang="en-US" dirty="0"/>
           </a:p>
@@ -1362,7 +6170,7 @@
             <a:fld id="{B61BEF0D-F0BB-DE4B-95CE-6DB70DBA9567}" type="datetimeFigureOut">
               <a:rPr lang="en-US" dirty="0"/>
               <a:pPr/>
-              <a:t>9/27/2017</a:t>
+              <a:t>9/27/17</a:t>
             </a:fld>
             <a:endParaRPr lang="en-US" dirty="0"/>
           </a:p>
@@ -1539,7 +6347,7 @@
             <a:fld id="{B61BEF0D-F0BB-DE4B-95CE-6DB70DBA9567}" type="datetimeFigureOut">
               <a:rPr lang="en-US" dirty="0"/>
               <a:pPr/>
-              <a:t>9/27/2017</a:t>
+              <a:t>9/27/17</a:t>
             </a:fld>
             <a:endParaRPr lang="en-US" dirty="0"/>
           </a:p>
@@ -2112,7 +6920,7 @@
             <a:fld id="{B61BEF0D-F0BB-DE4B-95CE-6DB70DBA9567}" type="datetimeFigureOut">
               <a:rPr lang="en-US" dirty="0"/>
               <a:pPr/>
-              <a:t>9/27/2017</a:t>
+              <a:t>9/27/17</a:t>
             </a:fld>
             <a:endParaRPr lang="en-US" dirty="0"/>
           </a:p>
@@ -2441,7 +7249,7 @@
             <a:fld id="{B61BEF0D-F0BB-DE4B-95CE-6DB70DBA9567}" type="datetimeFigureOut">
               <a:rPr lang="en-US" dirty="0"/>
               <a:pPr/>
-              <a:t>9/27/2017</a:t>
+              <a:t>9/27/17</a:t>
             </a:fld>
             <a:endParaRPr lang="en-US" dirty="0"/>
           </a:p>
@@ -2613,7 +7421,7 @@
             <a:fld id="{B61BEF0D-F0BB-DE4B-95CE-6DB70DBA9567}" type="datetimeFigureOut">
               <a:rPr lang="en-US" dirty="0"/>
               <a:pPr/>
-              <a:t>9/27/2017</a:t>
+              <a:t>9/27/17</a:t>
             </a:fld>
             <a:endParaRPr lang="en-US" dirty="0"/>
           </a:p>
@@ -2790,7 +7598,7 @@
             <a:fld id="{B61BEF0D-F0BB-DE4B-95CE-6DB70DBA9567}" type="datetimeFigureOut">
               <a:rPr lang="en-US" dirty="0"/>
               <a:pPr/>
-              <a:t>9/27/2017</a:t>
+              <a:t>9/27/17</a:t>
             </a:fld>
             <a:endParaRPr lang="en-US" dirty="0"/>
           </a:p>
@@ -2957,7 +7765,7 @@
             <a:fld id="{B61BEF0D-F0BB-DE4B-95CE-6DB70DBA9567}" type="datetimeFigureOut">
               <a:rPr lang="en-US" dirty="0"/>
               <a:pPr/>
-              <a:t>9/27/2017</a:t>
+              <a:t>9/27/17</a:t>
             </a:fld>
             <a:endParaRPr lang="en-US" dirty="0"/>
           </a:p>
@@ -3211,7 +8019,7 @@
             <a:fld id="{B61BEF0D-F0BB-DE4B-95CE-6DB70DBA9567}" type="datetimeFigureOut">
               <a:rPr lang="en-US" dirty="0"/>
               <a:pPr/>
-              <a:t>9/27/2017</a:t>
+              <a:t>9/27/17</a:t>
             </a:fld>
             <a:endParaRPr lang="en-US" dirty="0"/>
           </a:p>
@@ -3500,7 +8308,7 @@
             <a:fld id="{B61BEF0D-F0BB-DE4B-95CE-6DB70DBA9567}" type="datetimeFigureOut">
               <a:rPr lang="en-US" dirty="0"/>
               <a:pPr/>
-              <a:t>9/27/2017</a:t>
+              <a:t>9/27/17</a:t>
             </a:fld>
             <a:endParaRPr lang="en-US" dirty="0"/>
           </a:p>
@@ -3927,7 +8735,7 @@
             <a:fld id="{B61BEF0D-F0BB-DE4B-95CE-6DB70DBA9567}" type="datetimeFigureOut">
               <a:rPr lang="en-US" dirty="0"/>
               <a:pPr/>
-              <a:t>9/27/2017</a:t>
+              <a:t>9/27/17</a:t>
             </a:fld>
             <a:endParaRPr lang="en-US" dirty="0"/>
           </a:p>
@@ -4042,7 +8850,7 @@
             <a:fld id="{B61BEF0D-F0BB-DE4B-95CE-6DB70DBA9567}" type="datetimeFigureOut">
               <a:rPr lang="en-US" dirty="0"/>
               <a:pPr/>
-              <a:t>9/27/2017</a:t>
+              <a:t>9/27/17</a:t>
             </a:fld>
             <a:endParaRPr lang="en-US" dirty="0"/>
           </a:p>
@@ -4134,7 +8942,7 @@
             <a:fld id="{B61BEF0D-F0BB-DE4B-95CE-6DB70DBA9567}" type="datetimeFigureOut">
               <a:rPr lang="en-US" dirty="0"/>
               <a:pPr/>
-              <a:t>9/27/2017</a:t>
+              <a:t>9/27/17</a:t>
             </a:fld>
             <a:endParaRPr lang="en-US" dirty="0"/>
           </a:p>
@@ -4414,7 +9222,7 @@
             <a:fld id="{B61BEF0D-F0BB-DE4B-95CE-6DB70DBA9567}" type="datetimeFigureOut">
               <a:rPr lang="en-US" dirty="0"/>
               <a:pPr/>
-              <a:t>9/27/2017</a:t>
+              <a:t>9/27/17</a:t>
             </a:fld>
             <a:endParaRPr lang="en-US" dirty="0"/>
           </a:p>
@@ -4702,7 +9510,7 @@
             <a:fld id="{B61BEF0D-F0BB-DE4B-95CE-6DB70DBA9567}" type="datetimeFigureOut">
               <a:rPr lang="en-US" dirty="0"/>
               <a:pPr/>
-              <a:t>9/27/2017</a:t>
+              <a:t>9/27/17</a:t>
             </a:fld>
             <a:endParaRPr lang="en-US" dirty="0"/>
           </a:p>
@@ -4930,7 +9738,7 @@
             <a:fld id="{B61BEF0D-F0BB-DE4B-95CE-6DB70DBA9567}" type="datetimeFigureOut">
               <a:rPr lang="en-US" dirty="0"/>
               <a:pPr/>
-              <a:t>9/27/2017</a:t>
+              <a:t>9/27/17</a:t>
             </a:fld>
             <a:endParaRPr lang="en-US" dirty="0"/>
           </a:p>
@@ -5681,6 +10489,17 @@
 <file path=ppt/slides/slide1.xml><?xml version="1.0" encoding="utf-8"?>
 <p:sld xmlns:a="http://schemas.openxmlformats.org/drawingml/2006/main" xmlns:r="http://schemas.openxmlformats.org/officeDocument/2006/relationships" xmlns:p="http://schemas.openxmlformats.org/presentationml/2006/main">
   <p:cSld>
+    <p:bg>
+      <p:bgPr>
+        <a:solidFill>
+          <a:schemeClr val="bg1">
+            <a:lumMod val="85000"/>
+            <a:lumOff val="15000"/>
+          </a:schemeClr>
+        </a:solidFill>
+        <a:effectLst/>
+      </p:bgPr>
+    </p:bg>
     <p:spTree>
       <p:nvGrpSpPr>
         <p:cNvPr id="1" name=""/>
@@ -5743,6 +10562,17 @@
 <file path=ppt/slides/slide10.xml><?xml version="1.0" encoding="utf-8"?>
 <p:sld xmlns:a="http://schemas.openxmlformats.org/drawingml/2006/main" xmlns:r="http://schemas.openxmlformats.org/officeDocument/2006/relationships" xmlns:p="http://schemas.openxmlformats.org/presentationml/2006/main">
   <p:cSld>
+    <p:bg>
+      <p:bgPr>
+        <a:solidFill>
+          <a:schemeClr val="bg1">
+            <a:lumMod val="85000"/>
+            <a:lumOff val="15000"/>
+          </a:schemeClr>
+        </a:solidFill>
+        <a:effectLst/>
+      </p:bgPr>
+    </p:bg>
     <p:spTree>
       <p:nvGrpSpPr>
         <p:cNvPr id="1" name=""/>
@@ -5762,7 +10592,7 @@
           <p:cNvPr id="2" name="标题 1">
             <a:extLst>
               <a:ext uri="{FF2B5EF4-FFF2-40B4-BE49-F238E27FC236}">
-                <a16:creationId xmlns:a16="http://schemas.microsoft.com/office/drawing/2014/main" id="{A938CF80-F668-4B65-B009-F9F86A52F090}"/>
+                <a16:creationId xmlns="" xmlns:a16="http://schemas.microsoft.com/office/drawing/2014/main" id="{A938CF80-F668-4B65-B009-F9F86A52F090}"/>
               </a:ext>
             </a:extLst>
           </p:cNvPr>
@@ -5796,7 +10626,7 @@
           <p:cNvPr id="4" name="文本框 3">
             <a:extLst>
               <a:ext uri="{FF2B5EF4-FFF2-40B4-BE49-F238E27FC236}">
-                <a16:creationId xmlns:a16="http://schemas.microsoft.com/office/drawing/2014/main" id="{21022717-DEE6-4DFE-BEFC-C21B40A54266}"/>
+                <a16:creationId xmlns="" xmlns:a16="http://schemas.microsoft.com/office/drawing/2014/main" id="{21022717-DEE6-4DFE-BEFC-C21B40A54266}"/>
               </a:ext>
             </a:extLst>
           </p:cNvPr>
@@ -5875,6 +10705,17 @@
 <file path=ppt/slides/slide11.xml><?xml version="1.0" encoding="utf-8"?>
 <p:sld xmlns:a="http://schemas.openxmlformats.org/drawingml/2006/main" xmlns:r="http://schemas.openxmlformats.org/officeDocument/2006/relationships" xmlns:p="http://schemas.openxmlformats.org/presentationml/2006/main">
   <p:cSld>
+    <p:bg>
+      <p:bgPr>
+        <a:solidFill>
+          <a:schemeClr val="bg1">
+            <a:lumMod val="85000"/>
+            <a:lumOff val="15000"/>
+          </a:schemeClr>
+        </a:solidFill>
+        <a:effectLst/>
+      </p:bgPr>
+    </p:bg>
     <p:spTree>
       <p:nvGrpSpPr>
         <p:cNvPr id="1" name=""/>
@@ -5894,7 +10735,7 @@
           <p:cNvPr id="2" name="标题 1">
             <a:extLst>
               <a:ext uri="{FF2B5EF4-FFF2-40B4-BE49-F238E27FC236}">
-                <a16:creationId xmlns:a16="http://schemas.microsoft.com/office/drawing/2014/main" id="{A938CF80-F668-4B65-B009-F9F86A52F090}"/>
+                <a16:creationId xmlns="" xmlns:a16="http://schemas.microsoft.com/office/drawing/2014/main" id="{A938CF80-F668-4B65-B009-F9F86A52F090}"/>
               </a:ext>
             </a:extLst>
           </p:cNvPr>
@@ -5928,7 +10769,7 @@
           <p:cNvPr id="4" name="文本框 3">
             <a:extLst>
               <a:ext uri="{FF2B5EF4-FFF2-40B4-BE49-F238E27FC236}">
-                <a16:creationId xmlns:a16="http://schemas.microsoft.com/office/drawing/2014/main" id="{21022717-DEE6-4DFE-BEFC-C21B40A54266}"/>
+                <a16:creationId xmlns="" xmlns:a16="http://schemas.microsoft.com/office/drawing/2014/main" id="{21022717-DEE6-4DFE-BEFC-C21B40A54266}"/>
               </a:ext>
             </a:extLst>
           </p:cNvPr>
@@ -5993,6 +10834,17 @@
 <file path=ppt/slides/slide12.xml><?xml version="1.0" encoding="utf-8"?>
 <p:sld xmlns:a="http://schemas.openxmlformats.org/drawingml/2006/main" xmlns:r="http://schemas.openxmlformats.org/officeDocument/2006/relationships" xmlns:p="http://schemas.openxmlformats.org/presentationml/2006/main">
   <p:cSld>
+    <p:bg>
+      <p:bgPr>
+        <a:solidFill>
+          <a:schemeClr val="bg1">
+            <a:lumMod val="85000"/>
+            <a:lumOff val="15000"/>
+          </a:schemeClr>
+        </a:solidFill>
+        <a:effectLst/>
+      </p:bgPr>
+    </p:bg>
     <p:spTree>
       <p:nvGrpSpPr>
         <p:cNvPr id="1" name=""/>
@@ -6012,7 +10864,7 @@
           <p:cNvPr id="2" name="标题 1">
             <a:extLst>
               <a:ext uri="{FF2B5EF4-FFF2-40B4-BE49-F238E27FC236}">
-                <a16:creationId xmlns:a16="http://schemas.microsoft.com/office/drawing/2014/main" id="{A938CF80-F668-4B65-B009-F9F86A52F090}"/>
+                <a16:creationId xmlns="" xmlns:a16="http://schemas.microsoft.com/office/drawing/2014/main" id="{A938CF80-F668-4B65-B009-F9F86A52F090}"/>
               </a:ext>
             </a:extLst>
           </p:cNvPr>
@@ -6046,7 +10898,7 @@
           <p:cNvPr id="4" name="文本框 3">
             <a:extLst>
               <a:ext uri="{FF2B5EF4-FFF2-40B4-BE49-F238E27FC236}">
-                <a16:creationId xmlns:a16="http://schemas.microsoft.com/office/drawing/2014/main" id="{21022717-DEE6-4DFE-BEFC-C21B40A54266}"/>
+                <a16:creationId xmlns="" xmlns:a16="http://schemas.microsoft.com/office/drawing/2014/main" id="{21022717-DEE6-4DFE-BEFC-C21B40A54266}"/>
               </a:ext>
             </a:extLst>
           </p:cNvPr>
@@ -6143,6 +10995,17 @@
 <file path=ppt/slides/slide13.xml><?xml version="1.0" encoding="utf-8"?>
 <p:sld xmlns:a="http://schemas.openxmlformats.org/drawingml/2006/main" xmlns:r="http://schemas.openxmlformats.org/officeDocument/2006/relationships" xmlns:p="http://schemas.openxmlformats.org/presentationml/2006/main">
   <p:cSld>
+    <p:bg>
+      <p:bgPr>
+        <a:solidFill>
+          <a:schemeClr val="bg1">
+            <a:lumMod val="85000"/>
+            <a:lumOff val="15000"/>
+          </a:schemeClr>
+        </a:solidFill>
+        <a:effectLst/>
+      </p:bgPr>
+    </p:bg>
     <p:spTree>
       <p:nvGrpSpPr>
         <p:cNvPr id="1" name=""/>
@@ -6162,7 +11025,7 @@
           <p:cNvPr id="2" name="标题 1">
             <a:extLst>
               <a:ext uri="{FF2B5EF4-FFF2-40B4-BE49-F238E27FC236}">
-                <a16:creationId xmlns:a16="http://schemas.microsoft.com/office/drawing/2014/main" id="{A938CF80-F668-4B65-B009-F9F86A52F090}"/>
+                <a16:creationId xmlns="" xmlns:a16="http://schemas.microsoft.com/office/drawing/2014/main" id="{A938CF80-F668-4B65-B009-F9F86A52F090}"/>
               </a:ext>
             </a:extLst>
           </p:cNvPr>
@@ -6196,7 +11059,7 @@
           <p:cNvPr id="4" name="文本框 3">
             <a:extLst>
               <a:ext uri="{FF2B5EF4-FFF2-40B4-BE49-F238E27FC236}">
-                <a16:creationId xmlns:a16="http://schemas.microsoft.com/office/drawing/2014/main" id="{21022717-DEE6-4DFE-BEFC-C21B40A54266}"/>
+                <a16:creationId xmlns="" xmlns:a16="http://schemas.microsoft.com/office/drawing/2014/main" id="{21022717-DEE6-4DFE-BEFC-C21B40A54266}"/>
               </a:ext>
             </a:extLst>
           </p:cNvPr>
@@ -6301,6 +11164,17 @@
 <file path=ppt/slides/slide14.xml><?xml version="1.0" encoding="utf-8"?>
 <p:sld xmlns:a="http://schemas.openxmlformats.org/drawingml/2006/main" xmlns:r="http://schemas.openxmlformats.org/officeDocument/2006/relationships" xmlns:p="http://schemas.openxmlformats.org/presentationml/2006/main">
   <p:cSld>
+    <p:bg>
+      <p:bgPr>
+        <a:solidFill>
+          <a:schemeClr val="bg1">
+            <a:lumMod val="85000"/>
+            <a:lumOff val="15000"/>
+          </a:schemeClr>
+        </a:solidFill>
+        <a:effectLst/>
+      </p:bgPr>
+    </p:bg>
     <p:spTree>
       <p:nvGrpSpPr>
         <p:cNvPr id="1" name=""/>
@@ -6320,7 +11194,7 @@
           <p:cNvPr id="2" name="标题 1">
             <a:extLst>
               <a:ext uri="{FF2B5EF4-FFF2-40B4-BE49-F238E27FC236}">
-                <a16:creationId xmlns:a16="http://schemas.microsoft.com/office/drawing/2014/main" id="{A938CF80-F668-4B65-B009-F9F86A52F090}"/>
+                <a16:creationId xmlns="" xmlns:a16="http://schemas.microsoft.com/office/drawing/2014/main" id="{A938CF80-F668-4B65-B009-F9F86A52F090}"/>
               </a:ext>
             </a:extLst>
           </p:cNvPr>
@@ -6354,7 +11228,7 @@
           <p:cNvPr id="4" name="文本框 3">
             <a:extLst>
               <a:ext uri="{FF2B5EF4-FFF2-40B4-BE49-F238E27FC236}">
-                <a16:creationId xmlns:a16="http://schemas.microsoft.com/office/drawing/2014/main" id="{21022717-DEE6-4DFE-BEFC-C21B40A54266}"/>
+                <a16:creationId xmlns="" xmlns:a16="http://schemas.microsoft.com/office/drawing/2014/main" id="{21022717-DEE6-4DFE-BEFC-C21B40A54266}"/>
               </a:ext>
             </a:extLst>
           </p:cNvPr>
@@ -6461,6 +11335,17 @@
 <file path=ppt/slides/slide15.xml><?xml version="1.0" encoding="utf-8"?>
 <p:sld xmlns:a="http://schemas.openxmlformats.org/drawingml/2006/main" xmlns:r="http://schemas.openxmlformats.org/officeDocument/2006/relationships" xmlns:p="http://schemas.openxmlformats.org/presentationml/2006/main">
   <p:cSld>
+    <p:bg>
+      <p:bgPr>
+        <a:solidFill>
+          <a:schemeClr val="bg1">
+            <a:lumMod val="85000"/>
+            <a:lumOff val="15000"/>
+          </a:schemeClr>
+        </a:solidFill>
+        <a:effectLst/>
+      </p:bgPr>
+    </p:bg>
     <p:spTree>
       <p:nvGrpSpPr>
         <p:cNvPr id="1" name=""/>
@@ -6480,7 +11365,7 @@
           <p:cNvPr id="2" name="标题 1">
             <a:extLst>
               <a:ext uri="{FF2B5EF4-FFF2-40B4-BE49-F238E27FC236}">
-                <a16:creationId xmlns:a16="http://schemas.microsoft.com/office/drawing/2014/main" id="{8FC3F6F2-B4D0-4A5C-9A8B-A53E071F436D}"/>
+                <a16:creationId xmlns="" xmlns:a16="http://schemas.microsoft.com/office/drawing/2014/main" id="{8FC3F6F2-B4D0-4A5C-9A8B-A53E071F436D}"/>
               </a:ext>
             </a:extLst>
           </p:cNvPr>
@@ -6516,7 +11401,7 @@
           <p:cNvPr id="7" name="文本框 6">
             <a:extLst>
               <a:ext uri="{FF2B5EF4-FFF2-40B4-BE49-F238E27FC236}">
-                <a16:creationId xmlns:a16="http://schemas.microsoft.com/office/drawing/2014/main" id="{2C276D97-CCCB-476C-81CE-B4294E655EFC}"/>
+                <a16:creationId xmlns="" xmlns:a16="http://schemas.microsoft.com/office/drawing/2014/main" id="{2C276D97-CCCB-476C-81CE-B4294E655EFC}"/>
               </a:ext>
             </a:extLst>
           </p:cNvPr>
@@ -6611,6 +11496,17 @@
 <file path=ppt/slides/slide16.xml><?xml version="1.0" encoding="utf-8"?>
 <p:sld xmlns:a="http://schemas.openxmlformats.org/drawingml/2006/main" xmlns:r="http://schemas.openxmlformats.org/officeDocument/2006/relationships" xmlns:p="http://schemas.openxmlformats.org/presentationml/2006/main">
   <p:cSld>
+    <p:bg>
+      <p:bgPr>
+        <a:solidFill>
+          <a:schemeClr val="bg1">
+            <a:lumMod val="85000"/>
+            <a:lumOff val="15000"/>
+          </a:schemeClr>
+        </a:solidFill>
+        <a:effectLst/>
+      </p:bgPr>
+    </p:bg>
     <p:spTree>
       <p:nvGrpSpPr>
         <p:cNvPr id="1" name=""/>
@@ -6630,7 +11526,7 @@
           <p:cNvPr id="2" name="标题 1">
             <a:extLst>
               <a:ext uri="{FF2B5EF4-FFF2-40B4-BE49-F238E27FC236}">
-                <a16:creationId xmlns:a16="http://schemas.microsoft.com/office/drawing/2014/main" id="{A938CF80-F668-4B65-B009-F9F86A52F090}"/>
+                <a16:creationId xmlns="" xmlns:a16="http://schemas.microsoft.com/office/drawing/2014/main" id="{A938CF80-F668-4B65-B009-F9F86A52F090}"/>
               </a:ext>
             </a:extLst>
           </p:cNvPr>
@@ -6664,7 +11560,7 @@
           <p:cNvPr id="4" name="文本框 3">
             <a:extLst>
               <a:ext uri="{FF2B5EF4-FFF2-40B4-BE49-F238E27FC236}">
-                <a16:creationId xmlns:a16="http://schemas.microsoft.com/office/drawing/2014/main" id="{21022717-DEE6-4DFE-BEFC-C21B40A54266}"/>
+                <a16:creationId xmlns="" xmlns:a16="http://schemas.microsoft.com/office/drawing/2014/main" id="{21022717-DEE6-4DFE-BEFC-C21B40A54266}"/>
               </a:ext>
             </a:extLst>
           </p:cNvPr>
@@ -6725,6 +11621,17 @@
 <file path=ppt/slides/slide17.xml><?xml version="1.0" encoding="utf-8"?>
 <p:sld xmlns:a="http://schemas.openxmlformats.org/drawingml/2006/main" xmlns:r="http://schemas.openxmlformats.org/officeDocument/2006/relationships" xmlns:p="http://schemas.openxmlformats.org/presentationml/2006/main">
   <p:cSld>
+    <p:bg>
+      <p:bgPr>
+        <a:solidFill>
+          <a:schemeClr val="bg1">
+            <a:lumMod val="85000"/>
+            <a:lumOff val="15000"/>
+          </a:schemeClr>
+        </a:solidFill>
+        <a:effectLst/>
+      </p:bgPr>
+    </p:bg>
     <p:spTree>
       <p:nvGrpSpPr>
         <p:cNvPr id="1" name=""/>
@@ -6744,7 +11651,7 @@
           <p:cNvPr id="2" name="标题 1">
             <a:extLst>
               <a:ext uri="{FF2B5EF4-FFF2-40B4-BE49-F238E27FC236}">
-                <a16:creationId xmlns:a16="http://schemas.microsoft.com/office/drawing/2014/main" id="{A938CF80-F668-4B65-B009-F9F86A52F090}"/>
+                <a16:creationId xmlns="" xmlns:a16="http://schemas.microsoft.com/office/drawing/2014/main" id="{A938CF80-F668-4B65-B009-F9F86A52F090}"/>
               </a:ext>
             </a:extLst>
           </p:cNvPr>
@@ -6778,7 +11685,7 @@
           <p:cNvPr id="4" name="文本框 3">
             <a:extLst>
               <a:ext uri="{FF2B5EF4-FFF2-40B4-BE49-F238E27FC236}">
-                <a16:creationId xmlns:a16="http://schemas.microsoft.com/office/drawing/2014/main" id="{21022717-DEE6-4DFE-BEFC-C21B40A54266}"/>
+                <a16:creationId xmlns="" xmlns:a16="http://schemas.microsoft.com/office/drawing/2014/main" id="{21022717-DEE6-4DFE-BEFC-C21B40A54266}"/>
               </a:ext>
             </a:extLst>
           </p:cNvPr>
@@ -6869,6 +11776,17 @@
 <file path=ppt/slides/slide18.xml><?xml version="1.0" encoding="utf-8"?>
 <p:sld xmlns:a="http://schemas.openxmlformats.org/drawingml/2006/main" xmlns:r="http://schemas.openxmlformats.org/officeDocument/2006/relationships" xmlns:p="http://schemas.openxmlformats.org/presentationml/2006/main">
   <p:cSld>
+    <p:bg>
+      <p:bgPr>
+        <a:solidFill>
+          <a:schemeClr val="bg1">
+            <a:lumMod val="85000"/>
+            <a:lumOff val="15000"/>
+          </a:schemeClr>
+        </a:solidFill>
+        <a:effectLst/>
+      </p:bgPr>
+    </p:bg>
     <p:spTree>
       <p:nvGrpSpPr>
         <p:cNvPr id="1" name=""/>
@@ -6888,7 +11806,7 @@
           <p:cNvPr id="2" name="标题 1">
             <a:extLst>
               <a:ext uri="{FF2B5EF4-FFF2-40B4-BE49-F238E27FC236}">
-                <a16:creationId xmlns:a16="http://schemas.microsoft.com/office/drawing/2014/main" id="{A938CF80-F668-4B65-B009-F9F86A52F090}"/>
+                <a16:creationId xmlns="" xmlns:a16="http://schemas.microsoft.com/office/drawing/2014/main" id="{A938CF80-F668-4B65-B009-F9F86A52F090}"/>
               </a:ext>
             </a:extLst>
           </p:cNvPr>
@@ -6922,7 +11840,7 @@
           <p:cNvPr id="4" name="文本框 3">
             <a:extLst>
               <a:ext uri="{FF2B5EF4-FFF2-40B4-BE49-F238E27FC236}">
-                <a16:creationId xmlns:a16="http://schemas.microsoft.com/office/drawing/2014/main" id="{21022717-DEE6-4DFE-BEFC-C21B40A54266}"/>
+                <a16:creationId xmlns="" xmlns:a16="http://schemas.microsoft.com/office/drawing/2014/main" id="{21022717-DEE6-4DFE-BEFC-C21B40A54266}"/>
               </a:ext>
             </a:extLst>
           </p:cNvPr>
@@ -7037,6 +11955,17 @@
 <file path=ppt/slides/slide19.xml><?xml version="1.0" encoding="utf-8"?>
 <p:sld xmlns:a="http://schemas.openxmlformats.org/drawingml/2006/main" xmlns:r="http://schemas.openxmlformats.org/officeDocument/2006/relationships" xmlns:p="http://schemas.openxmlformats.org/presentationml/2006/main">
   <p:cSld>
+    <p:bg>
+      <p:bgPr>
+        <a:solidFill>
+          <a:schemeClr val="bg1">
+            <a:lumMod val="85000"/>
+            <a:lumOff val="15000"/>
+          </a:schemeClr>
+        </a:solidFill>
+        <a:effectLst/>
+      </p:bgPr>
+    </p:bg>
     <p:spTree>
       <p:nvGrpSpPr>
         <p:cNvPr id="1" name=""/>
@@ -7056,7 +11985,7 @@
           <p:cNvPr id="2" name="标题 1">
             <a:extLst>
               <a:ext uri="{FF2B5EF4-FFF2-40B4-BE49-F238E27FC236}">
-                <a16:creationId xmlns:a16="http://schemas.microsoft.com/office/drawing/2014/main" id="{A938CF80-F668-4B65-B009-F9F86A52F090}"/>
+                <a16:creationId xmlns="" xmlns:a16="http://schemas.microsoft.com/office/drawing/2014/main" id="{A938CF80-F668-4B65-B009-F9F86A52F090}"/>
               </a:ext>
             </a:extLst>
           </p:cNvPr>
@@ -7090,7 +12019,7 @@
           <p:cNvPr id="4" name="文本框 3">
             <a:extLst>
               <a:ext uri="{FF2B5EF4-FFF2-40B4-BE49-F238E27FC236}">
-                <a16:creationId xmlns:a16="http://schemas.microsoft.com/office/drawing/2014/main" id="{21022717-DEE6-4DFE-BEFC-C21B40A54266}"/>
+                <a16:creationId xmlns="" xmlns:a16="http://schemas.microsoft.com/office/drawing/2014/main" id="{21022717-DEE6-4DFE-BEFC-C21B40A54266}"/>
               </a:ext>
             </a:extLst>
           </p:cNvPr>
@@ -7151,6 +12080,17 @@
 <file path=ppt/slides/slide2.xml><?xml version="1.0" encoding="utf-8"?>
 <p:sld xmlns:a="http://schemas.openxmlformats.org/drawingml/2006/main" xmlns:r="http://schemas.openxmlformats.org/officeDocument/2006/relationships" xmlns:p="http://schemas.openxmlformats.org/presentationml/2006/main">
   <p:cSld>
+    <p:bg>
+      <p:bgPr>
+        <a:solidFill>
+          <a:schemeClr val="bg1">
+            <a:lumMod val="85000"/>
+            <a:lumOff val="15000"/>
+          </a:schemeClr>
+        </a:solidFill>
+        <a:effectLst/>
+      </p:bgPr>
+    </p:bg>
     <p:spTree>
       <p:nvGrpSpPr>
         <p:cNvPr id="1" name=""/>
@@ -7170,7 +12110,7 @@
           <p:cNvPr id="2" name="标题 1">
             <a:extLst>
               <a:ext uri="{FF2B5EF4-FFF2-40B4-BE49-F238E27FC236}">
-                <a16:creationId xmlns:a16="http://schemas.microsoft.com/office/drawing/2014/main" id="{BF44213F-0934-433F-A9BF-E7BA286E83BB}"/>
+                <a16:creationId xmlns="" xmlns:a16="http://schemas.microsoft.com/office/drawing/2014/main" id="{BF44213F-0934-433F-A9BF-E7BA286E83BB}"/>
               </a:ext>
             </a:extLst>
           </p:cNvPr>
@@ -7230,6 +12170,17 @@
 <file path=ppt/slides/slide20.xml><?xml version="1.0" encoding="utf-8"?>
 <p:sld xmlns:a="http://schemas.openxmlformats.org/drawingml/2006/main" xmlns:r="http://schemas.openxmlformats.org/officeDocument/2006/relationships" xmlns:p="http://schemas.openxmlformats.org/presentationml/2006/main">
   <p:cSld>
+    <p:bg>
+      <p:bgPr>
+        <a:solidFill>
+          <a:schemeClr val="bg1">
+            <a:lumMod val="85000"/>
+            <a:lumOff val="15000"/>
+          </a:schemeClr>
+        </a:solidFill>
+        <a:effectLst/>
+      </p:bgPr>
+    </p:bg>
     <p:spTree>
       <p:nvGrpSpPr>
         <p:cNvPr id="1" name=""/>
@@ -7249,7 +12200,7 @@
           <p:cNvPr id="2" name="标题 1">
             <a:extLst>
               <a:ext uri="{FF2B5EF4-FFF2-40B4-BE49-F238E27FC236}">
-                <a16:creationId xmlns:a16="http://schemas.microsoft.com/office/drawing/2014/main" id="{A938CF80-F668-4B65-B009-F9F86A52F090}"/>
+                <a16:creationId xmlns="" xmlns:a16="http://schemas.microsoft.com/office/drawing/2014/main" id="{A938CF80-F668-4B65-B009-F9F86A52F090}"/>
               </a:ext>
             </a:extLst>
           </p:cNvPr>
@@ -7283,7 +12234,7 @@
           <p:cNvPr id="4" name="文本框 3">
             <a:extLst>
               <a:ext uri="{FF2B5EF4-FFF2-40B4-BE49-F238E27FC236}">
-                <a16:creationId xmlns:a16="http://schemas.microsoft.com/office/drawing/2014/main" id="{21022717-DEE6-4DFE-BEFC-C21B40A54266}"/>
+                <a16:creationId xmlns="" xmlns:a16="http://schemas.microsoft.com/office/drawing/2014/main" id="{21022717-DEE6-4DFE-BEFC-C21B40A54266}"/>
               </a:ext>
             </a:extLst>
           </p:cNvPr>
@@ -7356,6 +12307,17 @@
 <file path=ppt/slides/slide21.xml><?xml version="1.0" encoding="utf-8"?>
 <p:sld xmlns:a="http://schemas.openxmlformats.org/drawingml/2006/main" xmlns:r="http://schemas.openxmlformats.org/officeDocument/2006/relationships" xmlns:p="http://schemas.openxmlformats.org/presentationml/2006/main">
   <p:cSld>
+    <p:bg>
+      <p:bgPr>
+        <a:solidFill>
+          <a:schemeClr val="bg1">
+            <a:lumMod val="85000"/>
+            <a:lumOff val="15000"/>
+          </a:schemeClr>
+        </a:solidFill>
+        <a:effectLst/>
+      </p:bgPr>
+    </p:bg>
     <p:spTree>
       <p:nvGrpSpPr>
         <p:cNvPr id="1" name=""/>
@@ -7375,7 +12337,7 @@
           <p:cNvPr id="2" name="标题 1">
             <a:extLst>
               <a:ext uri="{FF2B5EF4-FFF2-40B4-BE49-F238E27FC236}">
-                <a16:creationId xmlns:a16="http://schemas.microsoft.com/office/drawing/2014/main" id="{A938CF80-F668-4B65-B009-F9F86A52F090}"/>
+                <a16:creationId xmlns="" xmlns:a16="http://schemas.microsoft.com/office/drawing/2014/main" id="{A938CF80-F668-4B65-B009-F9F86A52F090}"/>
               </a:ext>
             </a:extLst>
           </p:cNvPr>
@@ -7409,7 +12371,7 @@
           <p:cNvPr id="4" name="文本框 3">
             <a:extLst>
               <a:ext uri="{FF2B5EF4-FFF2-40B4-BE49-F238E27FC236}">
-                <a16:creationId xmlns:a16="http://schemas.microsoft.com/office/drawing/2014/main" id="{21022717-DEE6-4DFE-BEFC-C21B40A54266}"/>
+                <a16:creationId xmlns="" xmlns:a16="http://schemas.microsoft.com/office/drawing/2014/main" id="{21022717-DEE6-4DFE-BEFC-C21B40A54266}"/>
               </a:ext>
             </a:extLst>
           </p:cNvPr>
@@ -7494,6 +12456,17 @@
 <file path=ppt/slides/slide22.xml><?xml version="1.0" encoding="utf-8"?>
 <p:sld xmlns:a="http://schemas.openxmlformats.org/drawingml/2006/main" xmlns:r="http://schemas.openxmlformats.org/officeDocument/2006/relationships" xmlns:p="http://schemas.openxmlformats.org/presentationml/2006/main">
   <p:cSld>
+    <p:bg>
+      <p:bgPr>
+        <a:solidFill>
+          <a:schemeClr val="bg1">
+            <a:lumMod val="85000"/>
+            <a:lumOff val="15000"/>
+          </a:schemeClr>
+        </a:solidFill>
+        <a:effectLst/>
+      </p:bgPr>
+    </p:bg>
     <p:spTree>
       <p:nvGrpSpPr>
         <p:cNvPr id="1" name=""/>
@@ -7569,6 +12542,17 @@
 <file path=ppt/slides/slide23.xml><?xml version="1.0" encoding="utf-8"?>
 <p:sld xmlns:a="http://schemas.openxmlformats.org/drawingml/2006/main" xmlns:r="http://schemas.openxmlformats.org/officeDocument/2006/relationships" xmlns:p="http://schemas.openxmlformats.org/presentationml/2006/main">
   <p:cSld>
+    <p:bg>
+      <p:bgPr>
+        <a:solidFill>
+          <a:schemeClr val="bg1">
+            <a:lumMod val="85000"/>
+            <a:lumOff val="15000"/>
+          </a:schemeClr>
+        </a:solidFill>
+        <a:effectLst/>
+      </p:bgPr>
+    </p:bg>
     <p:spTree>
       <p:nvGrpSpPr>
         <p:cNvPr id="1" name=""/>
@@ -7588,7 +12572,7 @@
           <p:cNvPr id="2" name="标题 1">
             <a:extLst>
               <a:ext uri="{FF2B5EF4-FFF2-40B4-BE49-F238E27FC236}">
-                <a16:creationId xmlns:a16="http://schemas.microsoft.com/office/drawing/2014/main" id="{2561351D-6D5D-4341-8BC5-5D1FDEFB437F}"/>
+                <a16:creationId xmlns="" xmlns:a16="http://schemas.microsoft.com/office/drawing/2014/main" id="{2561351D-6D5D-4341-8BC5-5D1FDEFB437F}"/>
               </a:ext>
             </a:extLst>
           </p:cNvPr>
@@ -7613,7 +12597,7 @@
           <p:cNvPr id="3" name="内容占位符 2">
             <a:extLst>
               <a:ext uri="{FF2B5EF4-FFF2-40B4-BE49-F238E27FC236}">
-                <a16:creationId xmlns:a16="http://schemas.microsoft.com/office/drawing/2014/main" id="{E3610386-3375-41FE-A5B2-DFED69F1420B}"/>
+                <a16:creationId xmlns="" xmlns:a16="http://schemas.microsoft.com/office/drawing/2014/main" id="{E3610386-3375-41FE-A5B2-DFED69F1420B}"/>
               </a:ext>
             </a:extLst>
           </p:cNvPr>
@@ -7649,6 +12633,17 @@
 <file path=ppt/slides/slide3.xml><?xml version="1.0" encoding="utf-8"?>
 <p:sld xmlns:a="http://schemas.openxmlformats.org/drawingml/2006/main" xmlns:r="http://schemas.openxmlformats.org/officeDocument/2006/relationships" xmlns:p="http://schemas.openxmlformats.org/presentationml/2006/main">
   <p:cSld>
+    <p:bg>
+      <p:bgPr>
+        <a:solidFill>
+          <a:schemeClr val="bg1">
+            <a:lumMod val="85000"/>
+            <a:lumOff val="15000"/>
+          </a:schemeClr>
+        </a:solidFill>
+        <a:effectLst/>
+      </p:bgPr>
+    </p:bg>
     <p:spTree>
       <p:nvGrpSpPr>
         <p:cNvPr id="1" name=""/>
@@ -7668,7 +12663,7 @@
           <p:cNvPr id="3" name="内容占位符 2">
             <a:extLst>
               <a:ext uri="{FF2B5EF4-FFF2-40B4-BE49-F238E27FC236}">
-                <a16:creationId xmlns:a16="http://schemas.microsoft.com/office/drawing/2014/main" id="{BC9EE13F-5B54-47B4-9CDF-1658CD2F7DF9}"/>
+                <a16:creationId xmlns="" xmlns:a16="http://schemas.microsoft.com/office/drawing/2014/main" id="{BC9EE13F-5B54-47B4-9CDF-1658CD2F7DF9}"/>
               </a:ext>
             </a:extLst>
           </p:cNvPr>
@@ -7735,6 +12730,17 @@
 <file path=ppt/slides/slide4.xml><?xml version="1.0" encoding="utf-8"?>
 <p:sld xmlns:a="http://schemas.openxmlformats.org/drawingml/2006/main" xmlns:r="http://schemas.openxmlformats.org/officeDocument/2006/relationships" xmlns:p="http://schemas.openxmlformats.org/presentationml/2006/main">
   <p:cSld>
+    <p:bg>
+      <p:bgPr>
+        <a:solidFill>
+          <a:schemeClr val="bg1">
+            <a:lumMod val="85000"/>
+            <a:lumOff val="15000"/>
+          </a:schemeClr>
+        </a:solidFill>
+        <a:effectLst/>
+      </p:bgPr>
+    </p:bg>
     <p:spTree>
       <p:nvGrpSpPr>
         <p:cNvPr id="1" name=""/>
@@ -7749,44 +12755,12 @@
           <a:chExt cx="0" cy="0"/>
         </a:xfrm>
       </p:grpSpPr>
-      <p:pic>
-        <p:nvPicPr>
-          <p:cNvPr id="6" name="内容占位符 5">
-            <a:extLst>
-              <a:ext uri="{FF2B5EF4-FFF2-40B4-BE49-F238E27FC236}">
-                <a16:creationId xmlns:a16="http://schemas.microsoft.com/office/drawing/2014/main" id="{D7D413EA-B842-4027-ABE6-7A00996C8DAB}"/>
-              </a:ext>
-            </a:extLst>
-          </p:cNvPr>
-          <p:cNvPicPr>
-            <a:picLocks noGrp="1" noChangeAspect="1"/>
-          </p:cNvPicPr>
-          <p:nvPr>
-            <p:ph idx="1"/>
-          </p:nvPr>
-        </p:nvPicPr>
-        <p:blipFill>
-          <a:blip r:embed="rId2"/>
-          <a:stretch>
-            <a:fillRect/>
-          </a:stretch>
-        </p:blipFill>
-        <p:spPr>
-          <a:xfrm>
-            <a:off x="636274" y="2830483"/>
-            <a:ext cx="10916275" cy="2240280"/>
-          </a:xfrm>
-          <a:prstGeom prst="rect">
-            <a:avLst/>
-          </a:prstGeom>
-        </p:spPr>
-      </p:pic>
       <p:sp>
         <p:nvSpPr>
           <p:cNvPr id="5" name="标题 4">
             <a:extLst>
               <a:ext uri="{FF2B5EF4-FFF2-40B4-BE49-F238E27FC236}">
-                <a16:creationId xmlns:a16="http://schemas.microsoft.com/office/drawing/2014/main" id="{07F556DD-E811-4B23-9D66-FB5B03C42A0D}"/>
+                <a16:creationId xmlns="" xmlns:a16="http://schemas.microsoft.com/office/drawing/2014/main" id="{07F556DD-E811-4B23-9D66-FB5B03C42A0D}"/>
               </a:ext>
             </a:extLst>
           </p:cNvPr>
@@ -7810,10 +12784,230 @@
           </a:p>
         </p:txBody>
       </p:sp>
+      <p:sp>
+        <p:nvSpPr>
+          <p:cNvPr id="15" name="圆角矩形 14"/>
+          <p:cNvSpPr/>
+          <p:nvPr/>
+        </p:nvSpPr>
+        <p:spPr>
+          <a:xfrm>
+            <a:off x="1563508" y="2072811"/>
+            <a:ext cx="9061807" cy="1081355"/>
+          </a:xfrm>
+          <a:prstGeom prst="roundRect">
+            <a:avLst/>
+          </a:prstGeom>
+        </p:spPr>
+        <p:style>
+          <a:lnRef idx="2">
+            <a:schemeClr val="accent1">
+              <a:shade val="50000"/>
+            </a:schemeClr>
+          </a:lnRef>
+          <a:fillRef idx="1">
+            <a:schemeClr val="accent1"/>
+          </a:fillRef>
+          <a:effectRef idx="0">
+            <a:schemeClr val="accent1"/>
+          </a:effectRef>
+          <a:fontRef idx="minor">
+            <a:schemeClr val="lt1"/>
+          </a:fontRef>
+        </p:style>
+        <p:txBody>
+          <a:bodyPr rtlCol="0" anchor="ctr"/>
+          <a:lstStyle/>
+          <a:p>
+            <a:pPr algn="ctr"/>
+            <a:r>
+              <a:rPr kumimoji="1" lang="zh-CN" altLang="en-US" sz="3200" dirty="0" smtClean="0"/>
+              <a:t>头部</a:t>
+            </a:r>
+            <a:endParaRPr kumimoji="1" lang="zh-CN" altLang="en-US" sz="3200" dirty="0"/>
+          </a:p>
+        </p:txBody>
+      </p:sp>
+      <p:sp>
+        <p:nvSpPr>
+          <p:cNvPr id="16" name="圆角矩形 15"/>
+          <p:cNvSpPr/>
+          <p:nvPr/>
+        </p:nvSpPr>
+        <p:spPr>
+          <a:xfrm>
+            <a:off x="1563508" y="3339100"/>
+            <a:ext cx="2392043" cy="1099335"/>
+          </a:xfrm>
+          <a:prstGeom prst="roundRect">
+            <a:avLst/>
+          </a:prstGeom>
+        </p:spPr>
+        <p:style>
+          <a:lnRef idx="2">
+            <a:schemeClr val="accent1">
+              <a:shade val="50000"/>
+            </a:schemeClr>
+          </a:lnRef>
+          <a:fillRef idx="1">
+            <a:schemeClr val="accent1"/>
+          </a:fillRef>
+          <a:effectRef idx="0">
+            <a:schemeClr val="accent1"/>
+          </a:effectRef>
+          <a:fontRef idx="minor">
+            <a:schemeClr val="lt1"/>
+          </a:fontRef>
+        </p:style>
+        <p:txBody>
+          <a:bodyPr rtlCol="0" anchor="ctr"/>
+          <a:lstStyle/>
+          <a:p>
+            <a:pPr algn="ctr"/>
+            <a:r>
+              <a:rPr kumimoji="1" lang="zh-CN" altLang="en-US" sz="3200" dirty="0" smtClean="0"/>
+              <a:t>左侧</a:t>
+            </a:r>
+            <a:endParaRPr kumimoji="1" lang="zh-CN" altLang="en-US" sz="2800" dirty="0"/>
+          </a:p>
+        </p:txBody>
+      </p:sp>
+      <p:sp>
+        <p:nvSpPr>
+          <p:cNvPr id="17" name="圆角矩形 16"/>
+          <p:cNvSpPr/>
+          <p:nvPr/>
+        </p:nvSpPr>
+        <p:spPr>
+          <a:xfrm>
+            <a:off x="4162868" y="3339100"/>
+            <a:ext cx="3863083" cy="1099335"/>
+          </a:xfrm>
+          <a:prstGeom prst="roundRect">
+            <a:avLst/>
+          </a:prstGeom>
+        </p:spPr>
+        <p:style>
+          <a:lnRef idx="2">
+            <a:schemeClr val="accent1">
+              <a:shade val="50000"/>
+            </a:schemeClr>
+          </a:lnRef>
+          <a:fillRef idx="1">
+            <a:schemeClr val="accent1"/>
+          </a:fillRef>
+          <a:effectRef idx="0">
+            <a:schemeClr val="accent1"/>
+          </a:effectRef>
+          <a:fontRef idx="minor">
+            <a:schemeClr val="lt1"/>
+          </a:fontRef>
+        </p:style>
+        <p:txBody>
+          <a:bodyPr rtlCol="0" anchor="ctr"/>
+          <a:lstStyle/>
+          <a:p>
+            <a:pPr algn="ctr"/>
+            <a:r>
+              <a:rPr kumimoji="1" lang="zh-CN" altLang="en-US" sz="3200" dirty="0" smtClean="0"/>
+              <a:t>主体</a:t>
+            </a:r>
+            <a:endParaRPr kumimoji="1" lang="zh-CN" altLang="en-US" sz="3200" dirty="0"/>
+          </a:p>
+        </p:txBody>
+      </p:sp>
+      <p:sp>
+        <p:nvSpPr>
+          <p:cNvPr id="18" name="圆角矩形 17"/>
+          <p:cNvSpPr/>
+          <p:nvPr/>
+        </p:nvSpPr>
+        <p:spPr>
+          <a:xfrm>
+            <a:off x="8233268" y="3339100"/>
+            <a:ext cx="2392047" cy="1099335"/>
+          </a:xfrm>
+          <a:prstGeom prst="roundRect">
+            <a:avLst/>
+          </a:prstGeom>
+        </p:spPr>
+        <p:style>
+          <a:lnRef idx="2">
+            <a:schemeClr val="accent1">
+              <a:shade val="50000"/>
+            </a:schemeClr>
+          </a:lnRef>
+          <a:fillRef idx="1">
+            <a:schemeClr val="accent1"/>
+          </a:fillRef>
+          <a:effectRef idx="0">
+            <a:schemeClr val="accent1"/>
+          </a:effectRef>
+          <a:fontRef idx="minor">
+            <a:schemeClr val="lt1"/>
+          </a:fontRef>
+        </p:style>
+        <p:txBody>
+          <a:bodyPr rtlCol="0" anchor="ctr"/>
+          <a:lstStyle/>
+          <a:p>
+            <a:pPr algn="ctr"/>
+            <a:r>
+              <a:rPr kumimoji="1" lang="zh-CN" altLang="en-US" sz="3200" dirty="0" smtClean="0"/>
+              <a:t>右侧</a:t>
+            </a:r>
+            <a:endParaRPr kumimoji="1" lang="zh-CN" altLang="en-US" sz="3200" dirty="0"/>
+          </a:p>
+        </p:txBody>
+      </p:sp>
+      <p:sp>
+        <p:nvSpPr>
+          <p:cNvPr id="19" name="圆角矩形 18"/>
+          <p:cNvSpPr/>
+          <p:nvPr/>
+        </p:nvSpPr>
+        <p:spPr>
+          <a:xfrm>
+            <a:off x="1563507" y="4617377"/>
+            <a:ext cx="9061807" cy="1081355"/>
+          </a:xfrm>
+          <a:prstGeom prst="roundRect">
+            <a:avLst/>
+          </a:prstGeom>
+        </p:spPr>
+        <p:style>
+          <a:lnRef idx="2">
+            <a:schemeClr val="accent1">
+              <a:shade val="50000"/>
+            </a:schemeClr>
+          </a:lnRef>
+          <a:fillRef idx="1">
+            <a:schemeClr val="accent1"/>
+          </a:fillRef>
+          <a:effectRef idx="0">
+            <a:schemeClr val="accent1"/>
+          </a:effectRef>
+          <a:fontRef idx="minor">
+            <a:schemeClr val="lt1"/>
+          </a:fontRef>
+        </p:style>
+        <p:txBody>
+          <a:bodyPr rtlCol="0" anchor="ctr"/>
+          <a:lstStyle/>
+          <a:p>
+            <a:pPr algn="ctr"/>
+            <a:r>
+              <a:rPr kumimoji="1" lang="zh-CN" altLang="en-US" sz="3200" dirty="0" smtClean="0"/>
+              <a:t>底部</a:t>
+            </a:r>
+            <a:endParaRPr kumimoji="1" lang="zh-CN" altLang="en-US" sz="3200" dirty="0"/>
+          </a:p>
+        </p:txBody>
+      </p:sp>
     </p:spTree>
     <p:extLst>
       <p:ext uri="{BB962C8B-B14F-4D97-AF65-F5344CB8AC3E}">
-        <p14:creationId xmlns:p14="http://schemas.microsoft.com/office/powerpoint/2010/main" val="971763771"/>
+        <p14:creationId xmlns:p14="http://schemas.microsoft.com/office/powerpoint/2010/main" val="60097078"/>
       </p:ext>
     </p:extLst>
   </p:cSld>
@@ -7826,6 +13020,17 @@
 <file path=ppt/slides/slide5.xml><?xml version="1.0" encoding="utf-8"?>
 <p:sld xmlns:a="http://schemas.openxmlformats.org/drawingml/2006/main" xmlns:r="http://schemas.openxmlformats.org/officeDocument/2006/relationships" xmlns:p="http://schemas.openxmlformats.org/presentationml/2006/main">
   <p:cSld>
+    <p:bg>
+      <p:bgPr>
+        <a:solidFill>
+          <a:schemeClr val="bg1">
+            <a:lumMod val="85000"/>
+            <a:lumOff val="15000"/>
+          </a:schemeClr>
+        </a:solidFill>
+        <a:effectLst/>
+      </p:bgPr>
+    </p:bg>
     <p:spTree>
       <p:nvGrpSpPr>
         <p:cNvPr id="1" name=""/>
@@ -7845,7 +13050,7 @@
           <p:cNvPr id="4" name="内容占位符 3">
             <a:extLst>
               <a:ext uri="{FF2B5EF4-FFF2-40B4-BE49-F238E27FC236}">
-                <a16:creationId xmlns:a16="http://schemas.microsoft.com/office/drawing/2014/main" id="{B1D1394A-5A04-4824-B49A-568B8708CF1E}"/>
+                <a16:creationId xmlns="" xmlns:a16="http://schemas.microsoft.com/office/drawing/2014/main" id="{B1D1394A-5A04-4824-B49A-568B8708CF1E}"/>
               </a:ext>
             </a:extLst>
           </p:cNvPr>
@@ -7877,7 +13082,7 @@
           <p:cNvPr id="5" name="图片 4">
             <a:extLst>
               <a:ext uri="{FF2B5EF4-FFF2-40B4-BE49-F238E27FC236}">
-                <a16:creationId xmlns:a16="http://schemas.microsoft.com/office/drawing/2014/main" id="{58E3EA67-027F-46F2-B9C7-677369057EDA}"/>
+                <a16:creationId xmlns="" xmlns:a16="http://schemas.microsoft.com/office/drawing/2014/main" id="{58E3EA67-027F-46F2-B9C7-677369057EDA}"/>
               </a:ext>
             </a:extLst>
           </p:cNvPr>
@@ -7907,7 +13112,7 @@
           <p:cNvPr id="6" name="文本框 5">
             <a:extLst>
               <a:ext uri="{FF2B5EF4-FFF2-40B4-BE49-F238E27FC236}">
-                <a16:creationId xmlns:a16="http://schemas.microsoft.com/office/drawing/2014/main" id="{31D4119D-E39F-4963-9DED-E090160E6F69}"/>
+                <a16:creationId xmlns="" xmlns:a16="http://schemas.microsoft.com/office/drawing/2014/main" id="{31D4119D-E39F-4963-9DED-E090160E6F69}"/>
               </a:ext>
             </a:extLst>
           </p:cNvPr>
@@ -7954,6 +13159,17 @@
 <file path=ppt/slides/slide6.xml><?xml version="1.0" encoding="utf-8"?>
 <p:sld xmlns:a="http://schemas.openxmlformats.org/drawingml/2006/main" xmlns:r="http://schemas.openxmlformats.org/officeDocument/2006/relationships" xmlns:p="http://schemas.openxmlformats.org/presentationml/2006/main">
   <p:cSld>
+    <p:bg>
+      <p:bgPr>
+        <a:solidFill>
+          <a:schemeClr val="bg1">
+            <a:lumMod val="85000"/>
+            <a:lumOff val="15000"/>
+          </a:schemeClr>
+        </a:solidFill>
+        <a:effectLst/>
+      </p:bgPr>
+    </p:bg>
     <p:spTree>
       <p:nvGrpSpPr>
         <p:cNvPr id="1" name=""/>
@@ -8040,6 +13256,17 @@
 <file path=ppt/slides/slide7.xml><?xml version="1.0" encoding="utf-8"?>
 <p:sld xmlns:a="http://schemas.openxmlformats.org/drawingml/2006/main" xmlns:r="http://schemas.openxmlformats.org/officeDocument/2006/relationships" xmlns:p="http://schemas.openxmlformats.org/presentationml/2006/main">
   <p:cSld>
+    <p:bg>
+      <p:bgPr>
+        <a:solidFill>
+          <a:schemeClr val="bg1">
+            <a:lumMod val="85000"/>
+            <a:lumOff val="15000"/>
+          </a:schemeClr>
+        </a:solidFill>
+        <a:effectLst/>
+      </p:bgPr>
+    </p:bg>
     <p:spTree>
       <p:nvGrpSpPr>
         <p:cNvPr id="1" name=""/>
@@ -8059,7 +13286,7 @@
           <p:cNvPr id="2" name="标题 1">
             <a:extLst>
               <a:ext uri="{FF2B5EF4-FFF2-40B4-BE49-F238E27FC236}">
-                <a16:creationId xmlns:a16="http://schemas.microsoft.com/office/drawing/2014/main" id="{43B19053-8120-48B4-93E8-124D959FAC7C}"/>
+                <a16:creationId xmlns="" xmlns:a16="http://schemas.microsoft.com/office/drawing/2014/main" id="{43B19053-8120-48B4-93E8-124D959FAC7C}"/>
               </a:ext>
             </a:extLst>
           </p:cNvPr>
@@ -8089,508 +13316,28 @@
           </a:p>
         </p:txBody>
       </p:sp>
-      <p:sp>
-        <p:nvSpPr>
-          <p:cNvPr id="3" name="内容占位符 2">
-            <a:extLst>
-              <a:ext uri="{FF2B5EF4-FFF2-40B4-BE49-F238E27FC236}">
-                <a16:creationId xmlns:a16="http://schemas.microsoft.com/office/drawing/2014/main" id="{DBF8EBDD-8CD2-48C6-B735-72AAF4F6F24F}"/>
-              </a:ext>
-            </a:extLst>
-          </p:cNvPr>
-          <p:cNvSpPr>
-            <a:spLocks noGrp="1"/>
-          </p:cNvSpPr>
+      <p:graphicFrame>
+        <p:nvGraphicFramePr>
+          <p:cNvPr id="5" name="图表 4"/>
+          <p:cNvGraphicFramePr/>
           <p:nvPr>
-            <p:ph idx="1"/>
+            <p:extLst>
+              <p:ext uri="{D42A27DB-BD31-4B8C-83A1-F6EECF244321}">
+                <p14:modId xmlns:p14="http://schemas.microsoft.com/office/powerpoint/2010/main" val="906060007"/>
+              </p:ext>
+            </p:extLst>
           </p:nvPr>
-        </p:nvSpPr>
-        <p:spPr>
-          <a:xfrm>
-            <a:off x="1141413" y="2666999"/>
-            <a:ext cx="4464257" cy="3124201"/>
-          </a:xfrm>
-        </p:spPr>
-        <p:txBody>
-          <a:bodyPr>
-            <a:normAutofit/>
-          </a:bodyPr>
-          <a:lstStyle/>
-          <a:p>
-            <a:pPr marL="0" indent="0" algn="ctr">
-              <a:buNone/>
-            </a:pPr>
-            <a:r>
-              <a:rPr lang="zh-CN" altLang="en-US" sz="3600" dirty="0"/>
-              <a:t>容器</a:t>
-            </a:r>
-          </a:p>
-        </p:txBody>
-      </p:sp>
-      <p:sp>
-        <p:nvSpPr>
-          <p:cNvPr id="4" name="内容占位符 2">
-            <a:extLst>
-              <a:ext uri="{FF2B5EF4-FFF2-40B4-BE49-F238E27FC236}">
-                <a16:creationId xmlns:a16="http://schemas.microsoft.com/office/drawing/2014/main" id="{AE7F5706-F187-496B-A00A-F572793F1809}"/>
-              </a:ext>
-            </a:extLst>
-          </p:cNvPr>
-          <p:cNvSpPr txBox="1">
-            <a:spLocks/>
-          </p:cNvSpPr>
-          <p:nvPr/>
-        </p:nvSpPr>
-        <p:spPr>
-          <a:xfrm>
-            <a:off x="6201415" y="2666998"/>
-            <a:ext cx="5037550" cy="3124201"/>
-          </a:xfrm>
-          <a:prstGeom prst="rect">
-            <a:avLst/>
-          </a:prstGeom>
-        </p:spPr>
-        <p:txBody>
-          <a:bodyPr vert="horz" lIns="91440" tIns="45720" rIns="91440" bIns="45720" rtlCol="0" anchor="ctr">
-            <a:normAutofit/>
-          </a:bodyPr>
-          <a:lstStyle>
-            <a:lvl1pPr marL="285750" indent="-285750" algn="l" defTabSz="457200" rtl="0" eaLnBrk="1" latinLnBrk="0" hangingPunct="1">
-              <a:spcBef>
-                <a:spcPct val="20000"/>
-              </a:spcBef>
-              <a:spcAft>
-                <a:spcPts val="600"/>
-              </a:spcAft>
-              <a:buClr>
-                <a:schemeClr val="tx1"/>
-              </a:buClr>
-              <a:buSzPct val="100000"/>
-              <a:buFont typeface="Arial"/>
-              <a:buChar char="•"/>
-              <a:defRPr sz="2000" kern="1200" cap="small">
-                <a:gradFill flip="none" rotWithShape="1">
-                  <a:gsLst>
-                    <a:gs pos="0">
-                      <a:schemeClr val="tx1"/>
-                    </a:gs>
-                    <a:gs pos="100000">
-                      <a:schemeClr val="tx1">
-                        <a:lumMod val="75000"/>
-                      </a:schemeClr>
-                    </a:gs>
-                  </a:gsLst>
-                  <a:lin ang="5580000" scaled="0"/>
-                  <a:tileRect/>
-                </a:gradFill>
-                <a:effectLst>
-                  <a:glow rad="38100">
-                    <a:schemeClr val="bg1">
-                      <a:lumMod val="50000"/>
-                      <a:lumOff val="50000"/>
-                      <a:alpha val="20000"/>
-                    </a:schemeClr>
-                  </a:glow>
-                  <a:outerShdw blurRad="44450" dist="12700" dir="13860000" algn="tl" rotWithShape="0">
-                    <a:srgbClr val="000000">
-                      <a:alpha val="20000"/>
-                    </a:srgbClr>
-                  </a:outerShdw>
-                </a:effectLst>
-                <a:latin typeface="+mn-lt"/>
-                <a:ea typeface="+mn-ea"/>
-                <a:cs typeface="+mn-cs"/>
-              </a:defRPr>
-            </a:lvl1pPr>
-            <a:lvl2pPr marL="742950" indent="-285750" algn="l" defTabSz="457200" rtl="0" eaLnBrk="1" latinLnBrk="0" hangingPunct="1">
-              <a:spcBef>
-                <a:spcPct val="20000"/>
-              </a:spcBef>
-              <a:spcAft>
-                <a:spcPts val="600"/>
-              </a:spcAft>
-              <a:buClr>
-                <a:schemeClr val="tx1"/>
-              </a:buClr>
-              <a:buSzPct val="100000"/>
-              <a:buFont typeface="Arial"/>
-              <a:buChar char="•"/>
-              <a:defRPr sz="1800" kern="1200" cap="small">
-                <a:gradFill flip="none" rotWithShape="1">
-                  <a:gsLst>
-                    <a:gs pos="0">
-                      <a:schemeClr val="tx1"/>
-                    </a:gs>
-                    <a:gs pos="100000">
-                      <a:schemeClr val="tx1">
-                        <a:lumMod val="75000"/>
-                      </a:schemeClr>
-                    </a:gs>
-                  </a:gsLst>
-                  <a:lin ang="5580000" scaled="0"/>
-                  <a:tileRect/>
-                </a:gradFill>
-                <a:effectLst>
-                  <a:glow rad="38100">
-                    <a:schemeClr val="bg1">
-                      <a:lumMod val="50000"/>
-                      <a:lumOff val="50000"/>
-                      <a:alpha val="20000"/>
-                    </a:schemeClr>
-                  </a:glow>
-                  <a:outerShdw blurRad="44450" dist="12700" dir="13860000" algn="tl" rotWithShape="0">
-                    <a:srgbClr val="000000">
-                      <a:alpha val="20000"/>
-                    </a:srgbClr>
-                  </a:outerShdw>
-                </a:effectLst>
-                <a:latin typeface="+mn-lt"/>
-                <a:ea typeface="+mn-ea"/>
-                <a:cs typeface="+mn-cs"/>
-              </a:defRPr>
-            </a:lvl2pPr>
-            <a:lvl3pPr marL="1200150" indent="-285750" algn="l" defTabSz="457200" rtl="0" eaLnBrk="1" latinLnBrk="0" hangingPunct="1">
-              <a:spcBef>
-                <a:spcPct val="20000"/>
-              </a:spcBef>
-              <a:spcAft>
-                <a:spcPts val="600"/>
-              </a:spcAft>
-              <a:buClr>
-                <a:schemeClr val="tx1"/>
-              </a:buClr>
-              <a:buSzPct val="100000"/>
-              <a:buFont typeface="Arial"/>
-              <a:buChar char="•"/>
-              <a:defRPr sz="1600" kern="1200" cap="small">
-                <a:gradFill flip="none" rotWithShape="1">
-                  <a:gsLst>
-                    <a:gs pos="0">
-                      <a:schemeClr val="tx1"/>
-                    </a:gs>
-                    <a:gs pos="100000">
-                      <a:schemeClr val="tx1">
-                        <a:lumMod val="75000"/>
-                      </a:schemeClr>
-                    </a:gs>
-                  </a:gsLst>
-                  <a:lin ang="5580000" scaled="0"/>
-                  <a:tileRect/>
-                </a:gradFill>
-                <a:effectLst>
-                  <a:glow rad="38100">
-                    <a:schemeClr val="bg1">
-                      <a:lumMod val="50000"/>
-                      <a:lumOff val="50000"/>
-                      <a:alpha val="20000"/>
-                    </a:schemeClr>
-                  </a:glow>
-                  <a:outerShdw blurRad="44450" dist="12700" dir="13860000" algn="tl" rotWithShape="0">
-                    <a:srgbClr val="000000">
-                      <a:alpha val="20000"/>
-                    </a:srgbClr>
-                  </a:outerShdw>
-                </a:effectLst>
-                <a:latin typeface="+mn-lt"/>
-                <a:ea typeface="+mn-ea"/>
-                <a:cs typeface="+mn-cs"/>
-              </a:defRPr>
-            </a:lvl3pPr>
-            <a:lvl4pPr marL="1543050" indent="-171450" algn="l" defTabSz="457200" rtl="0" eaLnBrk="1" latinLnBrk="0" hangingPunct="1">
-              <a:spcBef>
-                <a:spcPct val="20000"/>
-              </a:spcBef>
-              <a:spcAft>
-                <a:spcPts val="600"/>
-              </a:spcAft>
-              <a:buClr>
-                <a:schemeClr val="tx1"/>
-              </a:buClr>
-              <a:buSzPct val="100000"/>
-              <a:buFont typeface="Arial"/>
-              <a:buChar char="•"/>
-              <a:defRPr sz="1400" kern="1200" cap="small">
-                <a:gradFill flip="none" rotWithShape="1">
-                  <a:gsLst>
-                    <a:gs pos="0">
-                      <a:schemeClr val="tx1"/>
-                    </a:gs>
-                    <a:gs pos="100000">
-                      <a:schemeClr val="tx1">
-                        <a:lumMod val="75000"/>
-                      </a:schemeClr>
-                    </a:gs>
-                  </a:gsLst>
-                  <a:lin ang="5580000" scaled="0"/>
-                  <a:tileRect/>
-                </a:gradFill>
-                <a:effectLst>
-                  <a:glow rad="38100">
-                    <a:schemeClr val="bg1">
-                      <a:lumMod val="50000"/>
-                      <a:lumOff val="50000"/>
-                      <a:alpha val="20000"/>
-                    </a:schemeClr>
-                  </a:glow>
-                  <a:outerShdw blurRad="44450" dist="12700" dir="13860000" algn="tl" rotWithShape="0">
-                    <a:srgbClr val="000000">
-                      <a:alpha val="20000"/>
-                    </a:srgbClr>
-                  </a:outerShdw>
-                </a:effectLst>
-                <a:latin typeface="+mn-lt"/>
-                <a:ea typeface="+mn-ea"/>
-                <a:cs typeface="+mn-cs"/>
-              </a:defRPr>
-            </a:lvl4pPr>
-            <a:lvl5pPr marL="2000250" indent="-171450" algn="l" defTabSz="457200" rtl="0" eaLnBrk="1" latinLnBrk="0" hangingPunct="1">
-              <a:spcBef>
-                <a:spcPct val="20000"/>
-              </a:spcBef>
-              <a:spcAft>
-                <a:spcPts val="600"/>
-              </a:spcAft>
-              <a:buClr>
-                <a:schemeClr val="tx1"/>
-              </a:buClr>
-              <a:buSzPct val="100000"/>
-              <a:buFont typeface="Arial"/>
-              <a:buChar char="•"/>
-              <a:defRPr sz="1400" kern="1200" cap="small">
-                <a:gradFill flip="none" rotWithShape="1">
-                  <a:gsLst>
-                    <a:gs pos="0">
-                      <a:schemeClr val="tx1"/>
-                    </a:gs>
-                    <a:gs pos="100000">
-                      <a:schemeClr val="tx1">
-                        <a:lumMod val="75000"/>
-                      </a:schemeClr>
-                    </a:gs>
-                  </a:gsLst>
-                  <a:lin ang="5580000" scaled="0"/>
-                  <a:tileRect/>
-                </a:gradFill>
-                <a:effectLst>
-                  <a:glow rad="38100">
-                    <a:schemeClr val="bg1">
-                      <a:lumMod val="50000"/>
-                      <a:lumOff val="50000"/>
-                      <a:alpha val="20000"/>
-                    </a:schemeClr>
-                  </a:glow>
-                  <a:outerShdw blurRad="44450" dist="12700" dir="13860000" algn="tl" rotWithShape="0">
-                    <a:srgbClr val="000000">
-                      <a:alpha val="20000"/>
-                    </a:srgbClr>
-                  </a:outerShdw>
-                </a:effectLst>
-                <a:latin typeface="+mn-lt"/>
-                <a:ea typeface="+mn-ea"/>
-                <a:cs typeface="+mn-cs"/>
-              </a:defRPr>
-            </a:lvl5pPr>
-            <a:lvl6pPr marL="2514600" indent="-228600" algn="l" defTabSz="457200" rtl="0" eaLnBrk="1" latinLnBrk="0" hangingPunct="1">
-              <a:spcBef>
-                <a:spcPct val="20000"/>
-              </a:spcBef>
-              <a:spcAft>
-                <a:spcPts val="600"/>
-              </a:spcAft>
-              <a:buClr>
-                <a:schemeClr val="tx1"/>
-              </a:buClr>
-              <a:buSzPct val="100000"/>
-              <a:buFont typeface="Arial"/>
-              <a:buChar char="•"/>
-              <a:defRPr sz="1200" kern="1200" cap="small">
-                <a:gradFill flip="none" rotWithShape="1">
-                  <a:gsLst>
-                    <a:gs pos="0">
-                      <a:schemeClr val="tx1"/>
-                    </a:gs>
-                    <a:gs pos="100000">
-                      <a:schemeClr val="tx1">
-                        <a:lumMod val="75000"/>
-                      </a:schemeClr>
-                    </a:gs>
-                  </a:gsLst>
-                  <a:lin ang="5580000" scaled="0"/>
-                  <a:tileRect/>
-                </a:gradFill>
-                <a:effectLst>
-                  <a:glow rad="38100">
-                    <a:schemeClr val="bg1">
-                      <a:lumMod val="50000"/>
-                      <a:lumOff val="50000"/>
-                      <a:alpha val="20000"/>
-                    </a:schemeClr>
-                  </a:glow>
-                  <a:outerShdw blurRad="44450" dist="12700" dir="13860000" algn="tl" rotWithShape="0">
-                    <a:srgbClr val="000000">
-                      <a:alpha val="20000"/>
-                    </a:srgbClr>
-                  </a:outerShdw>
-                </a:effectLst>
-                <a:latin typeface="+mn-lt"/>
-                <a:ea typeface="+mn-ea"/>
-                <a:cs typeface="+mn-cs"/>
-              </a:defRPr>
-            </a:lvl6pPr>
-            <a:lvl7pPr marL="2971800" indent="-228600" algn="l" defTabSz="457200" rtl="0" eaLnBrk="1" latinLnBrk="0" hangingPunct="1">
-              <a:spcBef>
-                <a:spcPct val="20000"/>
-              </a:spcBef>
-              <a:spcAft>
-                <a:spcPts val="600"/>
-              </a:spcAft>
-              <a:buClr>
-                <a:schemeClr val="tx1"/>
-              </a:buClr>
-              <a:buSzPct val="100000"/>
-              <a:buFont typeface="Arial"/>
-              <a:buChar char="•"/>
-              <a:defRPr sz="1200" kern="1200" cap="small">
-                <a:gradFill flip="none" rotWithShape="1">
-                  <a:gsLst>
-                    <a:gs pos="0">
-                      <a:schemeClr val="tx1"/>
-                    </a:gs>
-                    <a:gs pos="100000">
-                      <a:schemeClr val="tx1">
-                        <a:lumMod val="75000"/>
-                      </a:schemeClr>
-                    </a:gs>
-                  </a:gsLst>
-                  <a:lin ang="5580000" scaled="0"/>
-                  <a:tileRect/>
-                </a:gradFill>
-                <a:effectLst>
-                  <a:glow rad="38100">
-                    <a:schemeClr val="bg1">
-                      <a:lumMod val="50000"/>
-                      <a:lumOff val="50000"/>
-                      <a:alpha val="20000"/>
-                    </a:schemeClr>
-                  </a:glow>
-                  <a:outerShdw blurRad="44450" dist="12700" dir="13860000" algn="tl" rotWithShape="0">
-                    <a:srgbClr val="000000">
-                      <a:alpha val="20000"/>
-                    </a:srgbClr>
-                  </a:outerShdw>
-                </a:effectLst>
-                <a:latin typeface="+mn-lt"/>
-                <a:ea typeface="+mn-ea"/>
-                <a:cs typeface="+mn-cs"/>
-              </a:defRPr>
-            </a:lvl7pPr>
-            <a:lvl8pPr marL="3429000" indent="-228600" algn="l" defTabSz="457200" rtl="0" eaLnBrk="1" latinLnBrk="0" hangingPunct="1">
-              <a:spcBef>
-                <a:spcPct val="20000"/>
-              </a:spcBef>
-              <a:spcAft>
-                <a:spcPts val="600"/>
-              </a:spcAft>
-              <a:buClr>
-                <a:schemeClr val="tx1"/>
-              </a:buClr>
-              <a:buSzPct val="100000"/>
-              <a:buFont typeface="Arial"/>
-              <a:buChar char="•"/>
-              <a:defRPr sz="1200" kern="1200" cap="small">
-                <a:gradFill flip="none" rotWithShape="1">
-                  <a:gsLst>
-                    <a:gs pos="0">
-                      <a:schemeClr val="tx1"/>
-                    </a:gs>
-                    <a:gs pos="100000">
-                      <a:schemeClr val="tx1">
-                        <a:lumMod val="75000"/>
-                      </a:schemeClr>
-                    </a:gs>
-                  </a:gsLst>
-                  <a:lin ang="5580000" scaled="0"/>
-                  <a:tileRect/>
-                </a:gradFill>
-                <a:effectLst>
-                  <a:glow rad="38100">
-                    <a:schemeClr val="bg1">
-                      <a:lumMod val="50000"/>
-                      <a:lumOff val="50000"/>
-                      <a:alpha val="20000"/>
-                    </a:schemeClr>
-                  </a:glow>
-                  <a:outerShdw blurRad="44450" dist="12700" dir="13860000" algn="tl" rotWithShape="0">
-                    <a:srgbClr val="000000">
-                      <a:alpha val="20000"/>
-                    </a:srgbClr>
-                  </a:outerShdw>
-                </a:effectLst>
-                <a:latin typeface="+mn-lt"/>
-                <a:ea typeface="+mn-ea"/>
-                <a:cs typeface="+mn-cs"/>
-              </a:defRPr>
-            </a:lvl8pPr>
-            <a:lvl9pPr marL="3886200" indent="-228600" algn="l" defTabSz="457200" rtl="0" eaLnBrk="1" latinLnBrk="0" hangingPunct="1">
-              <a:spcBef>
-                <a:spcPct val="20000"/>
-              </a:spcBef>
-              <a:spcAft>
-                <a:spcPts val="600"/>
-              </a:spcAft>
-              <a:buClr>
-                <a:schemeClr val="tx1"/>
-              </a:buClr>
-              <a:buSzPct val="100000"/>
-              <a:buFont typeface="Arial"/>
-              <a:buChar char="•"/>
-              <a:defRPr sz="1200" kern="1200" cap="small">
-                <a:gradFill flip="none" rotWithShape="1">
-                  <a:gsLst>
-                    <a:gs pos="0">
-                      <a:schemeClr val="tx1"/>
-                    </a:gs>
-                    <a:gs pos="100000">
-                      <a:schemeClr val="tx1">
-                        <a:lumMod val="75000"/>
-                      </a:schemeClr>
-                    </a:gs>
-                  </a:gsLst>
-                  <a:lin ang="5580000" scaled="0"/>
-                  <a:tileRect/>
-                </a:gradFill>
-                <a:effectLst>
-                  <a:glow rad="38100">
-                    <a:schemeClr val="bg1">
-                      <a:lumMod val="50000"/>
-                      <a:lumOff val="50000"/>
-                      <a:alpha val="20000"/>
-                    </a:schemeClr>
-                  </a:glow>
-                  <a:outerShdw blurRad="44450" dist="12700" dir="13860000" algn="tl" rotWithShape="0">
-                    <a:srgbClr val="000000">
-                      <a:alpha val="20000"/>
-                    </a:srgbClr>
-                  </a:outerShdw>
-                </a:effectLst>
-                <a:latin typeface="+mn-lt"/>
-                <a:ea typeface="+mn-ea"/>
-                <a:cs typeface="+mn-cs"/>
-              </a:defRPr>
-            </a:lvl9pPr>
-          </a:lstStyle>
-          <a:p>
-            <a:pPr marL="0" indent="0" algn="ctr">
-              <a:buFont typeface="Arial"/>
-              <a:buNone/>
-            </a:pPr>
-            <a:r>
-              <a:rPr lang="zh-CN" altLang="en-US" sz="3600" dirty="0"/>
-              <a:t>子项</a:t>
-            </a:r>
-          </a:p>
-        </p:txBody>
-      </p:sp>
+        </p:nvGraphicFramePr>
+        <p:xfrm>
+          <a:off x="2032000" y="1152153"/>
+          <a:ext cx="8128000" cy="5418667"/>
+        </p:xfrm>
+        <a:graphic>
+          <a:graphicData uri="http://schemas.openxmlformats.org/drawingml/2006/diagram">
+            <dgm:relIds xmlns:dgm="http://schemas.openxmlformats.org/drawingml/2006/diagram" xmlns:r="http://schemas.openxmlformats.org/officeDocument/2006/relationships" r:dm="rId2" r:lo="rId3" r:qs="rId4" r:cs="rId5"/>
+          </a:graphicData>
+        </a:graphic>
+      </p:graphicFrame>
     </p:spTree>
     <p:extLst>
       <p:ext uri="{BB962C8B-B14F-4D97-AF65-F5344CB8AC3E}">
@@ -8607,6 +13354,17 @@
 <file path=ppt/slides/slide8.xml><?xml version="1.0" encoding="utf-8"?>
 <p:sld xmlns:a="http://schemas.openxmlformats.org/drawingml/2006/main" xmlns:r="http://schemas.openxmlformats.org/officeDocument/2006/relationships" xmlns:p="http://schemas.openxmlformats.org/presentationml/2006/main">
   <p:cSld>
+    <p:bg>
+      <p:bgPr>
+        <a:solidFill>
+          <a:schemeClr val="bg1">
+            <a:lumMod val="85000"/>
+            <a:lumOff val="15000"/>
+          </a:schemeClr>
+        </a:solidFill>
+        <a:effectLst/>
+      </p:bgPr>
+    </p:bg>
     <p:spTree>
       <p:nvGrpSpPr>
         <p:cNvPr id="1" name=""/>
@@ -8626,7 +13384,7 @@
           <p:cNvPr id="2" name="标题 1">
             <a:extLst>
               <a:ext uri="{FF2B5EF4-FFF2-40B4-BE49-F238E27FC236}">
-                <a16:creationId xmlns:a16="http://schemas.microsoft.com/office/drawing/2014/main" id="{8FC3F6F2-B4D0-4A5C-9A8B-A53E071F436D}"/>
+                <a16:creationId xmlns="" xmlns:a16="http://schemas.microsoft.com/office/drawing/2014/main" id="{8FC3F6F2-B4D0-4A5C-9A8B-A53E071F436D}"/>
               </a:ext>
             </a:extLst>
           </p:cNvPr>
@@ -8662,7 +13420,7 @@
           <p:cNvPr id="7" name="文本框 6">
             <a:extLst>
               <a:ext uri="{FF2B5EF4-FFF2-40B4-BE49-F238E27FC236}">
-                <a16:creationId xmlns:a16="http://schemas.microsoft.com/office/drawing/2014/main" id="{2C276D97-CCCB-476C-81CE-B4294E655EFC}"/>
+                <a16:creationId xmlns="" xmlns:a16="http://schemas.microsoft.com/office/drawing/2014/main" id="{2C276D97-CCCB-476C-81CE-B4294E655EFC}"/>
               </a:ext>
             </a:extLst>
           </p:cNvPr>
@@ -8754,6 +13512,17 @@
 <file path=ppt/slides/slide9.xml><?xml version="1.0" encoding="utf-8"?>
 <p:sld xmlns:a="http://schemas.openxmlformats.org/drawingml/2006/main" xmlns:r="http://schemas.openxmlformats.org/officeDocument/2006/relationships" xmlns:p="http://schemas.openxmlformats.org/presentationml/2006/main">
   <p:cSld>
+    <p:bg>
+      <p:bgPr>
+        <a:solidFill>
+          <a:schemeClr val="bg1">
+            <a:lumMod val="85000"/>
+            <a:lumOff val="15000"/>
+          </a:schemeClr>
+        </a:solidFill>
+        <a:effectLst/>
+      </p:bgPr>
+    </p:bg>
     <p:spTree>
       <p:nvGrpSpPr>
         <p:cNvPr id="1" name=""/>
@@ -8773,7 +13542,7 @@
           <p:cNvPr id="2" name="标题 1">
             <a:extLst>
               <a:ext uri="{FF2B5EF4-FFF2-40B4-BE49-F238E27FC236}">
-                <a16:creationId xmlns:a16="http://schemas.microsoft.com/office/drawing/2014/main" id="{A938CF80-F668-4B65-B009-F9F86A52F090}"/>
+                <a16:creationId xmlns="" xmlns:a16="http://schemas.microsoft.com/office/drawing/2014/main" id="{A938CF80-F668-4B65-B009-F9F86A52F090}"/>
               </a:ext>
             </a:extLst>
           </p:cNvPr>
@@ -8807,7 +13576,7 @@
           <p:cNvPr id="4" name="文本框 3">
             <a:extLst>
               <a:ext uri="{FF2B5EF4-FFF2-40B4-BE49-F238E27FC236}">
-                <a16:creationId xmlns:a16="http://schemas.microsoft.com/office/drawing/2014/main" id="{21022717-DEE6-4DFE-BEFC-C21B40A54266}"/>
+                <a16:creationId xmlns="" xmlns:a16="http://schemas.microsoft.com/office/drawing/2014/main" id="{21022717-DEE6-4DFE-BEFC-C21B40A54266}"/>
               </a:ext>
             </a:extLst>
           </p:cNvPr>
@@ -9144,4 +13913,265 @@
     </a:ext>
   </a:extLst>
 </a:theme>
+</file>
+
+<file path=ppt/theme/theme2.xml><?xml version="1.0" encoding="utf-8"?>
+<a:theme xmlns:a="http://schemas.openxmlformats.org/drawingml/2006/main" name="Office 主题">
+  <a:themeElements>
+    <a:clrScheme name="Office">
+      <a:dk1>
+        <a:sysClr val="windowText" lastClr="000000"/>
+      </a:dk1>
+      <a:lt1>
+        <a:sysClr val="window" lastClr="FFFFFF"/>
+      </a:lt1>
+      <a:dk2>
+        <a:srgbClr val="44546A"/>
+      </a:dk2>
+      <a:lt2>
+        <a:srgbClr val="E7E6E6"/>
+      </a:lt2>
+      <a:accent1>
+        <a:srgbClr val="4472C4"/>
+      </a:accent1>
+      <a:accent2>
+        <a:srgbClr val="ED7D31"/>
+      </a:accent2>
+      <a:accent3>
+        <a:srgbClr val="A5A5A5"/>
+      </a:accent3>
+      <a:accent4>
+        <a:srgbClr val="FFC000"/>
+      </a:accent4>
+      <a:accent5>
+        <a:srgbClr val="5B9BD5"/>
+      </a:accent5>
+      <a:accent6>
+        <a:srgbClr val="70AD47"/>
+      </a:accent6>
+      <a:hlink>
+        <a:srgbClr val="0563C1"/>
+      </a:hlink>
+      <a:folHlink>
+        <a:srgbClr val="954F72"/>
+      </a:folHlink>
+    </a:clrScheme>
+    <a:fontScheme name="Office">
+      <a:majorFont>
+        <a:latin typeface="DengXian Light" panose="020F0302020204030204"/>
+        <a:ea typeface=""/>
+        <a:cs typeface=""/>
+        <a:font script="Jpan" typeface="Yu Gothic Light"/>
+        <a:font script="Hang" typeface="맑은 고딕"/>
+        <a:font script="Hans" typeface="DengXian Light"/>
+        <a:font script="Hant" typeface="新細明體"/>
+        <a:font script="Arab" typeface="Times New Roman"/>
+        <a:font script="Hebr" typeface="Times New Roman"/>
+        <a:font script="Thai" typeface="Angsana New"/>
+        <a:font script="Ethi" typeface="Nyala"/>
+        <a:font script="Beng" typeface="Vrinda"/>
+        <a:font script="Gujr" typeface="Shruti"/>
+        <a:font script="Khmr" typeface="MoolBoran"/>
+        <a:font script="Knda" typeface="Tunga"/>
+        <a:font script="Guru" typeface="Raavi"/>
+        <a:font script="Cans" typeface="Euphemia"/>
+        <a:font script="Cher" typeface="Plantagenet Cherokee"/>
+        <a:font script="Yiii" typeface="Microsoft Yi Baiti"/>
+        <a:font script="Tibt" typeface="Microsoft Himalaya"/>
+        <a:font script="Thaa" typeface="MV Boli"/>
+        <a:font script="Deva" typeface="Mangal"/>
+        <a:font script="Telu" typeface="Gautami"/>
+        <a:font script="Taml" typeface="Latha"/>
+        <a:font script="Syrc" typeface="Estrangelo Edessa"/>
+        <a:font script="Orya" typeface="Kalinga"/>
+        <a:font script="Mlym" typeface="Kartika"/>
+        <a:font script="Laoo" typeface="DokChampa"/>
+        <a:font script="Sinh" typeface="Iskoola Pota"/>
+        <a:font script="Mong" typeface="Mongolian Baiti"/>
+        <a:font script="Viet" typeface="Times New Roman"/>
+        <a:font script="Uigh" typeface="Microsoft Uighur"/>
+        <a:font script="Geor" typeface="Sylfaen"/>
+      </a:majorFont>
+      <a:minorFont>
+        <a:latin typeface="DengXian" panose="020F0502020204030204"/>
+        <a:ea typeface=""/>
+        <a:cs typeface=""/>
+        <a:font script="Jpan" typeface="Yu Gothic"/>
+        <a:font script="Hang" typeface="맑은 고딕"/>
+        <a:font script="Hans" typeface="DengXian"/>
+        <a:font script="Hant" typeface="新細明體"/>
+        <a:font script="Arab" typeface="Arial"/>
+        <a:font script="Hebr" typeface="Arial"/>
+        <a:font script="Thai" typeface="Cordia New"/>
+        <a:font script="Ethi" typeface="Nyala"/>
+        <a:font script="Beng" typeface="Vrinda"/>
+        <a:font script="Gujr" typeface="Shruti"/>
+        <a:font script="Khmr" typeface="DaunPenh"/>
+        <a:font script="Knda" typeface="Tunga"/>
+        <a:font script="Guru" typeface="Raavi"/>
+        <a:font script="Cans" typeface="Euphemia"/>
+        <a:font script="Cher" typeface="Plantagenet Cherokee"/>
+        <a:font script="Yiii" typeface="Microsoft Yi Baiti"/>
+        <a:font script="Tibt" typeface="Microsoft Himalaya"/>
+        <a:font script="Thaa" typeface="MV Boli"/>
+        <a:font script="Deva" typeface="Mangal"/>
+        <a:font script="Telu" typeface="Gautami"/>
+        <a:font script="Taml" typeface="Latha"/>
+        <a:font script="Syrc" typeface="Estrangelo Edessa"/>
+        <a:font script="Orya" typeface="Kalinga"/>
+        <a:font script="Mlym" typeface="Kartika"/>
+        <a:font script="Laoo" typeface="DokChampa"/>
+        <a:font script="Sinh" typeface="Iskoola Pota"/>
+        <a:font script="Mong" typeface="Mongolian Baiti"/>
+        <a:font script="Viet" typeface="Arial"/>
+        <a:font script="Uigh" typeface="Microsoft Uighur"/>
+        <a:font script="Geor" typeface="Sylfaen"/>
+      </a:minorFont>
+    </a:fontScheme>
+    <a:fmtScheme name="Office">
+      <a:fillStyleLst>
+        <a:solidFill>
+          <a:schemeClr val="phClr"/>
+        </a:solidFill>
+        <a:gradFill rotWithShape="1">
+          <a:gsLst>
+            <a:gs pos="0">
+              <a:schemeClr val="phClr">
+                <a:lumMod val="110000"/>
+                <a:satMod val="105000"/>
+                <a:tint val="67000"/>
+              </a:schemeClr>
+            </a:gs>
+            <a:gs pos="50000">
+              <a:schemeClr val="phClr">
+                <a:lumMod val="105000"/>
+                <a:satMod val="103000"/>
+                <a:tint val="73000"/>
+              </a:schemeClr>
+            </a:gs>
+            <a:gs pos="100000">
+              <a:schemeClr val="phClr">
+                <a:lumMod val="105000"/>
+                <a:satMod val="109000"/>
+                <a:tint val="81000"/>
+              </a:schemeClr>
+            </a:gs>
+          </a:gsLst>
+          <a:lin ang="5400000" scaled="0"/>
+        </a:gradFill>
+        <a:gradFill rotWithShape="1">
+          <a:gsLst>
+            <a:gs pos="0">
+              <a:schemeClr val="phClr">
+                <a:satMod val="103000"/>
+                <a:lumMod val="102000"/>
+                <a:tint val="94000"/>
+              </a:schemeClr>
+            </a:gs>
+            <a:gs pos="50000">
+              <a:schemeClr val="phClr">
+                <a:satMod val="110000"/>
+                <a:lumMod val="100000"/>
+                <a:shade val="100000"/>
+              </a:schemeClr>
+            </a:gs>
+            <a:gs pos="100000">
+              <a:schemeClr val="phClr">
+                <a:lumMod val="99000"/>
+                <a:satMod val="120000"/>
+                <a:shade val="78000"/>
+              </a:schemeClr>
+            </a:gs>
+          </a:gsLst>
+          <a:lin ang="5400000" scaled="0"/>
+        </a:gradFill>
+      </a:fillStyleLst>
+      <a:lnStyleLst>
+        <a:ln w="6350" cap="flat" cmpd="sng" algn="ctr">
+          <a:solidFill>
+            <a:schemeClr val="phClr"/>
+          </a:solidFill>
+          <a:prstDash val="solid"/>
+          <a:miter lim="800000"/>
+        </a:ln>
+        <a:ln w="12700" cap="flat" cmpd="sng" algn="ctr">
+          <a:solidFill>
+            <a:schemeClr val="phClr"/>
+          </a:solidFill>
+          <a:prstDash val="solid"/>
+          <a:miter lim="800000"/>
+        </a:ln>
+        <a:ln w="19050" cap="flat" cmpd="sng" algn="ctr">
+          <a:solidFill>
+            <a:schemeClr val="phClr"/>
+          </a:solidFill>
+          <a:prstDash val="solid"/>
+          <a:miter lim="800000"/>
+        </a:ln>
+      </a:lnStyleLst>
+      <a:effectStyleLst>
+        <a:effectStyle>
+          <a:effectLst/>
+        </a:effectStyle>
+        <a:effectStyle>
+          <a:effectLst/>
+        </a:effectStyle>
+        <a:effectStyle>
+          <a:effectLst>
+            <a:outerShdw blurRad="57150" dist="19050" dir="5400000" algn="ctr" rotWithShape="0">
+              <a:srgbClr val="000000">
+                <a:alpha val="63000"/>
+              </a:srgbClr>
+            </a:outerShdw>
+          </a:effectLst>
+        </a:effectStyle>
+      </a:effectStyleLst>
+      <a:bgFillStyleLst>
+        <a:solidFill>
+          <a:schemeClr val="phClr"/>
+        </a:solidFill>
+        <a:solidFill>
+          <a:schemeClr val="phClr">
+            <a:tint val="95000"/>
+            <a:satMod val="170000"/>
+          </a:schemeClr>
+        </a:solidFill>
+        <a:gradFill rotWithShape="1">
+          <a:gsLst>
+            <a:gs pos="0">
+              <a:schemeClr val="phClr">
+                <a:tint val="93000"/>
+                <a:satMod val="150000"/>
+                <a:shade val="98000"/>
+                <a:lumMod val="102000"/>
+              </a:schemeClr>
+            </a:gs>
+            <a:gs pos="50000">
+              <a:schemeClr val="phClr">
+                <a:tint val="98000"/>
+                <a:satMod val="130000"/>
+                <a:shade val="90000"/>
+                <a:lumMod val="103000"/>
+              </a:schemeClr>
+            </a:gs>
+            <a:gs pos="100000">
+              <a:schemeClr val="phClr">
+                <a:shade val="63000"/>
+                <a:satMod val="120000"/>
+              </a:schemeClr>
+            </a:gs>
+          </a:gsLst>
+          <a:lin ang="5400000" scaled="0"/>
+        </a:gradFill>
+      </a:bgFillStyleLst>
+    </a:fmtScheme>
+  </a:themeElements>
+  <a:objectDefaults/>
+  <a:extraClrSchemeLst/>
+  <a:extLst>
+    <a:ext uri="{05A4C25C-085E-4340-85A3-A5531E510DB2}">
+      <thm15:themeFamily xmlns:thm15="http://schemas.microsoft.com/office/thememl/2012/main" name="Office Theme" id="{62F939B6-93AF-4DB8-9C6B-D6C7DFDC589F}" vid="{4A3C46E8-61CC-4603-A589-7422A47A8E4A}"/>
+    </a:ext>
+  </a:extLst>
+</a:theme>
 </file>
--- a/ppt/CSS Flex&Grid.pptx
+++ b/ppt/CSS Flex&Grid.pptx
@@ -5,7 +5,7 @@
     <p:sldMasterId id="2147483648" r:id="rId1"/>
   </p:sldMasterIdLst>
   <p:notesMasterIdLst>
-    <p:notesMasterId r:id="rId25"/>
+    <p:notesMasterId r:id="rId26"/>
   </p:notesMasterIdLst>
   <p:sldIdLst>
     <p:sldId id="256" r:id="rId2"/>
@@ -29,8 +29,9 @@
     <p:sldId id="276" r:id="rId20"/>
     <p:sldId id="277" r:id="rId21"/>
     <p:sldId id="278" r:id="rId22"/>
-    <p:sldId id="258" r:id="rId23"/>
-    <p:sldId id="263" r:id="rId24"/>
+    <p:sldId id="280" r:id="rId23"/>
+    <p:sldId id="258" r:id="rId24"/>
+    <p:sldId id="263" r:id="rId25"/>
   </p:sldIdLst>
   <p:sldSz cx="12192000" cy="6858000"/>
   <p:notesSz cx="6858000" cy="9144000"/>
@@ -4678,7 +4679,7 @@
           <a:p>
             <a:fld id="{A2756CE2-F1A8-264D-87FF-64A1347B7A98}" type="datetimeFigureOut">
               <a:rPr kumimoji="1" lang="zh-CN" altLang="en-US" smtClean="0"/>
-              <a:t>17/9/27</a:t>
+              <a:t>17/9/28</a:t>
             </a:fld>
             <a:endParaRPr kumimoji="1" lang="zh-CN" altLang="en-US"/>
           </a:p>
@@ -5160,7 +5161,7 @@
             <a:fld id="{B61BEF0D-F0BB-DE4B-95CE-6DB70DBA9567}" type="datetimeFigureOut">
               <a:rPr lang="en-US" dirty="0"/>
               <a:pPr/>
-              <a:t>9/27/17</a:t>
+              <a:t>9/28/17</a:t>
             </a:fld>
             <a:endParaRPr lang="en-US" dirty="0"/>
           </a:p>
@@ -5448,7 +5449,7 @@
             <a:fld id="{B61BEF0D-F0BB-DE4B-95CE-6DB70DBA9567}" type="datetimeFigureOut">
               <a:rPr lang="en-US" dirty="0"/>
               <a:pPr/>
-              <a:t>9/27/17</a:t>
+              <a:t>9/28/17</a:t>
             </a:fld>
             <a:endParaRPr lang="en-US" dirty="0"/>
           </a:p>
@@ -5704,7 +5705,7 @@
             <a:fld id="{B61BEF0D-F0BB-DE4B-95CE-6DB70DBA9567}" type="datetimeFigureOut">
               <a:rPr lang="en-US" dirty="0"/>
               <a:pPr/>
-              <a:t>9/27/17</a:t>
+              <a:t>9/28/17</a:t>
             </a:fld>
             <a:endParaRPr lang="en-US" dirty="0"/>
           </a:p>
@@ -6170,7 +6171,7 @@
             <a:fld id="{B61BEF0D-F0BB-DE4B-95CE-6DB70DBA9567}" type="datetimeFigureOut">
               <a:rPr lang="en-US" dirty="0"/>
               <a:pPr/>
-              <a:t>9/27/17</a:t>
+              <a:t>9/28/17</a:t>
             </a:fld>
             <a:endParaRPr lang="en-US" dirty="0"/>
           </a:p>
@@ -6347,7 +6348,7 @@
             <a:fld id="{B61BEF0D-F0BB-DE4B-95CE-6DB70DBA9567}" type="datetimeFigureOut">
               <a:rPr lang="en-US" dirty="0"/>
               <a:pPr/>
-              <a:t>9/27/17</a:t>
+              <a:t>9/28/17</a:t>
             </a:fld>
             <a:endParaRPr lang="en-US" dirty="0"/>
           </a:p>
@@ -6920,7 +6921,7 @@
             <a:fld id="{B61BEF0D-F0BB-DE4B-95CE-6DB70DBA9567}" type="datetimeFigureOut">
               <a:rPr lang="en-US" dirty="0"/>
               <a:pPr/>
-              <a:t>9/27/17</a:t>
+              <a:t>9/28/17</a:t>
             </a:fld>
             <a:endParaRPr lang="en-US" dirty="0"/>
           </a:p>
@@ -7249,7 +7250,7 @@
             <a:fld id="{B61BEF0D-F0BB-DE4B-95CE-6DB70DBA9567}" type="datetimeFigureOut">
               <a:rPr lang="en-US" dirty="0"/>
               <a:pPr/>
-              <a:t>9/27/17</a:t>
+              <a:t>9/28/17</a:t>
             </a:fld>
             <a:endParaRPr lang="en-US" dirty="0"/>
           </a:p>
@@ -7421,7 +7422,7 @@
             <a:fld id="{B61BEF0D-F0BB-DE4B-95CE-6DB70DBA9567}" type="datetimeFigureOut">
               <a:rPr lang="en-US" dirty="0"/>
               <a:pPr/>
-              <a:t>9/27/17</a:t>
+              <a:t>9/28/17</a:t>
             </a:fld>
             <a:endParaRPr lang="en-US" dirty="0"/>
           </a:p>
@@ -7598,7 +7599,7 @@
             <a:fld id="{B61BEF0D-F0BB-DE4B-95CE-6DB70DBA9567}" type="datetimeFigureOut">
               <a:rPr lang="en-US" dirty="0"/>
               <a:pPr/>
-              <a:t>9/27/17</a:t>
+              <a:t>9/28/17</a:t>
             </a:fld>
             <a:endParaRPr lang="en-US" dirty="0"/>
           </a:p>
@@ -7765,7 +7766,7 @@
             <a:fld id="{B61BEF0D-F0BB-DE4B-95CE-6DB70DBA9567}" type="datetimeFigureOut">
               <a:rPr lang="en-US" dirty="0"/>
               <a:pPr/>
-              <a:t>9/27/17</a:t>
+              <a:t>9/28/17</a:t>
             </a:fld>
             <a:endParaRPr lang="en-US" dirty="0"/>
           </a:p>
@@ -8019,7 +8020,7 @@
             <a:fld id="{B61BEF0D-F0BB-DE4B-95CE-6DB70DBA9567}" type="datetimeFigureOut">
               <a:rPr lang="en-US" dirty="0"/>
               <a:pPr/>
-              <a:t>9/27/17</a:t>
+              <a:t>9/28/17</a:t>
             </a:fld>
             <a:endParaRPr lang="en-US" dirty="0"/>
           </a:p>
@@ -8308,7 +8309,7 @@
             <a:fld id="{B61BEF0D-F0BB-DE4B-95CE-6DB70DBA9567}" type="datetimeFigureOut">
               <a:rPr lang="en-US" dirty="0"/>
               <a:pPr/>
-              <a:t>9/27/17</a:t>
+              <a:t>9/28/17</a:t>
             </a:fld>
             <a:endParaRPr lang="en-US" dirty="0"/>
           </a:p>
@@ -8735,7 +8736,7 @@
             <a:fld id="{B61BEF0D-F0BB-DE4B-95CE-6DB70DBA9567}" type="datetimeFigureOut">
               <a:rPr lang="en-US" dirty="0"/>
               <a:pPr/>
-              <a:t>9/27/17</a:t>
+              <a:t>9/28/17</a:t>
             </a:fld>
             <a:endParaRPr lang="en-US" dirty="0"/>
           </a:p>
@@ -8850,7 +8851,7 @@
             <a:fld id="{B61BEF0D-F0BB-DE4B-95CE-6DB70DBA9567}" type="datetimeFigureOut">
               <a:rPr lang="en-US" dirty="0"/>
               <a:pPr/>
-              <a:t>9/27/17</a:t>
+              <a:t>9/28/17</a:t>
             </a:fld>
             <a:endParaRPr lang="en-US" dirty="0"/>
           </a:p>
@@ -8942,7 +8943,7 @@
             <a:fld id="{B61BEF0D-F0BB-DE4B-95CE-6DB70DBA9567}" type="datetimeFigureOut">
               <a:rPr lang="en-US" dirty="0"/>
               <a:pPr/>
-              <a:t>9/27/17</a:t>
+              <a:t>9/28/17</a:t>
             </a:fld>
             <a:endParaRPr lang="en-US" dirty="0"/>
           </a:p>
@@ -9222,7 +9223,7 @@
             <a:fld id="{B61BEF0D-F0BB-DE4B-95CE-6DB70DBA9567}" type="datetimeFigureOut">
               <a:rPr lang="en-US" dirty="0"/>
               <a:pPr/>
-              <a:t>9/27/17</a:t>
+              <a:t>9/28/17</a:t>
             </a:fld>
             <a:endParaRPr lang="en-US" dirty="0"/>
           </a:p>
@@ -9510,7 +9511,7 @@
             <a:fld id="{B61BEF0D-F0BB-DE4B-95CE-6DB70DBA9567}" type="datetimeFigureOut">
               <a:rPr lang="en-US" dirty="0"/>
               <a:pPr/>
-              <a:t>9/27/17</a:t>
+              <a:t>9/28/17</a:t>
             </a:fld>
             <a:endParaRPr lang="en-US" dirty="0"/>
           </a:p>
@@ -9738,7 +9739,7 @@
             <a:fld id="{B61BEF0D-F0BB-DE4B-95CE-6DB70DBA9567}" type="datetimeFigureOut">
               <a:rPr lang="en-US" dirty="0"/>
               <a:pPr/>
-              <a:t>9/27/17</a:t>
+              <a:t>9/28/17</a:t>
             </a:fld>
             <a:endParaRPr lang="en-US" dirty="0"/>
           </a:p>
@@ -10592,7 +10593,7 @@
           <p:cNvPr id="2" name="标题 1">
             <a:extLst>
               <a:ext uri="{FF2B5EF4-FFF2-40B4-BE49-F238E27FC236}">
-                <a16:creationId xmlns="" xmlns:a16="http://schemas.microsoft.com/office/drawing/2014/main" id="{A938CF80-F668-4B65-B009-F9F86A52F090}"/>
+                <a16:creationId xmlns:a16="http://schemas.microsoft.com/office/drawing/2014/main" xmlns="" id="{A938CF80-F668-4B65-B009-F9F86A52F090}"/>
               </a:ext>
             </a:extLst>
           </p:cNvPr>
@@ -10626,7 +10627,7 @@
           <p:cNvPr id="4" name="文本框 3">
             <a:extLst>
               <a:ext uri="{FF2B5EF4-FFF2-40B4-BE49-F238E27FC236}">
-                <a16:creationId xmlns="" xmlns:a16="http://schemas.microsoft.com/office/drawing/2014/main" id="{21022717-DEE6-4DFE-BEFC-C21B40A54266}"/>
+                <a16:creationId xmlns:a16="http://schemas.microsoft.com/office/drawing/2014/main" xmlns="" id="{21022717-DEE6-4DFE-BEFC-C21B40A54266}"/>
               </a:ext>
             </a:extLst>
           </p:cNvPr>
@@ -10735,7 +10736,7 @@
           <p:cNvPr id="2" name="标题 1">
             <a:extLst>
               <a:ext uri="{FF2B5EF4-FFF2-40B4-BE49-F238E27FC236}">
-                <a16:creationId xmlns="" xmlns:a16="http://schemas.microsoft.com/office/drawing/2014/main" id="{A938CF80-F668-4B65-B009-F9F86A52F090}"/>
+                <a16:creationId xmlns:a16="http://schemas.microsoft.com/office/drawing/2014/main" xmlns="" id="{A938CF80-F668-4B65-B009-F9F86A52F090}"/>
               </a:ext>
             </a:extLst>
           </p:cNvPr>
@@ -10769,7 +10770,7 @@
           <p:cNvPr id="4" name="文本框 3">
             <a:extLst>
               <a:ext uri="{FF2B5EF4-FFF2-40B4-BE49-F238E27FC236}">
-                <a16:creationId xmlns="" xmlns:a16="http://schemas.microsoft.com/office/drawing/2014/main" id="{21022717-DEE6-4DFE-BEFC-C21B40A54266}"/>
+                <a16:creationId xmlns:a16="http://schemas.microsoft.com/office/drawing/2014/main" xmlns="" id="{21022717-DEE6-4DFE-BEFC-C21B40A54266}"/>
               </a:ext>
             </a:extLst>
           </p:cNvPr>
@@ -10864,7 +10865,7 @@
           <p:cNvPr id="2" name="标题 1">
             <a:extLst>
               <a:ext uri="{FF2B5EF4-FFF2-40B4-BE49-F238E27FC236}">
-                <a16:creationId xmlns="" xmlns:a16="http://schemas.microsoft.com/office/drawing/2014/main" id="{A938CF80-F668-4B65-B009-F9F86A52F090}"/>
+                <a16:creationId xmlns:a16="http://schemas.microsoft.com/office/drawing/2014/main" xmlns="" id="{A938CF80-F668-4B65-B009-F9F86A52F090}"/>
               </a:ext>
             </a:extLst>
           </p:cNvPr>
@@ -10898,7 +10899,7 @@
           <p:cNvPr id="4" name="文本框 3">
             <a:extLst>
               <a:ext uri="{FF2B5EF4-FFF2-40B4-BE49-F238E27FC236}">
-                <a16:creationId xmlns="" xmlns:a16="http://schemas.microsoft.com/office/drawing/2014/main" id="{21022717-DEE6-4DFE-BEFC-C21B40A54266}"/>
+                <a16:creationId xmlns:a16="http://schemas.microsoft.com/office/drawing/2014/main" xmlns="" id="{21022717-DEE6-4DFE-BEFC-C21B40A54266}"/>
               </a:ext>
             </a:extLst>
           </p:cNvPr>
@@ -11025,7 +11026,7 @@
           <p:cNvPr id="2" name="标题 1">
             <a:extLst>
               <a:ext uri="{FF2B5EF4-FFF2-40B4-BE49-F238E27FC236}">
-                <a16:creationId xmlns="" xmlns:a16="http://schemas.microsoft.com/office/drawing/2014/main" id="{A938CF80-F668-4B65-B009-F9F86A52F090}"/>
+                <a16:creationId xmlns:a16="http://schemas.microsoft.com/office/drawing/2014/main" xmlns="" id="{A938CF80-F668-4B65-B009-F9F86A52F090}"/>
               </a:ext>
             </a:extLst>
           </p:cNvPr>
@@ -11059,7 +11060,7 @@
           <p:cNvPr id="4" name="文本框 3">
             <a:extLst>
               <a:ext uri="{FF2B5EF4-FFF2-40B4-BE49-F238E27FC236}">
-                <a16:creationId xmlns="" xmlns:a16="http://schemas.microsoft.com/office/drawing/2014/main" id="{21022717-DEE6-4DFE-BEFC-C21B40A54266}"/>
+                <a16:creationId xmlns:a16="http://schemas.microsoft.com/office/drawing/2014/main" xmlns="" id="{21022717-DEE6-4DFE-BEFC-C21B40A54266}"/>
               </a:ext>
             </a:extLst>
           </p:cNvPr>
@@ -11194,7 +11195,7 @@
           <p:cNvPr id="2" name="标题 1">
             <a:extLst>
               <a:ext uri="{FF2B5EF4-FFF2-40B4-BE49-F238E27FC236}">
-                <a16:creationId xmlns="" xmlns:a16="http://schemas.microsoft.com/office/drawing/2014/main" id="{A938CF80-F668-4B65-B009-F9F86A52F090}"/>
+                <a16:creationId xmlns:a16="http://schemas.microsoft.com/office/drawing/2014/main" xmlns="" id="{A938CF80-F668-4B65-B009-F9F86A52F090}"/>
               </a:ext>
             </a:extLst>
           </p:cNvPr>
@@ -11228,7 +11229,7 @@
           <p:cNvPr id="4" name="文本框 3">
             <a:extLst>
               <a:ext uri="{FF2B5EF4-FFF2-40B4-BE49-F238E27FC236}">
-                <a16:creationId xmlns="" xmlns:a16="http://schemas.microsoft.com/office/drawing/2014/main" id="{21022717-DEE6-4DFE-BEFC-C21B40A54266}"/>
+                <a16:creationId xmlns:a16="http://schemas.microsoft.com/office/drawing/2014/main" xmlns="" id="{21022717-DEE6-4DFE-BEFC-C21B40A54266}"/>
               </a:ext>
             </a:extLst>
           </p:cNvPr>
@@ -11365,7 +11366,7 @@
           <p:cNvPr id="2" name="标题 1">
             <a:extLst>
               <a:ext uri="{FF2B5EF4-FFF2-40B4-BE49-F238E27FC236}">
-                <a16:creationId xmlns="" xmlns:a16="http://schemas.microsoft.com/office/drawing/2014/main" id="{8FC3F6F2-B4D0-4A5C-9A8B-A53E071F436D}"/>
+                <a16:creationId xmlns:a16="http://schemas.microsoft.com/office/drawing/2014/main" xmlns="" id="{8FC3F6F2-B4D0-4A5C-9A8B-A53E071F436D}"/>
               </a:ext>
             </a:extLst>
           </p:cNvPr>
@@ -11401,7 +11402,7 @@
           <p:cNvPr id="7" name="文本框 6">
             <a:extLst>
               <a:ext uri="{FF2B5EF4-FFF2-40B4-BE49-F238E27FC236}">
-                <a16:creationId xmlns="" xmlns:a16="http://schemas.microsoft.com/office/drawing/2014/main" id="{2C276D97-CCCB-476C-81CE-B4294E655EFC}"/>
+                <a16:creationId xmlns:a16="http://schemas.microsoft.com/office/drawing/2014/main" xmlns="" id="{2C276D97-CCCB-476C-81CE-B4294E655EFC}"/>
               </a:ext>
             </a:extLst>
           </p:cNvPr>
@@ -11526,7 +11527,7 @@
           <p:cNvPr id="2" name="标题 1">
             <a:extLst>
               <a:ext uri="{FF2B5EF4-FFF2-40B4-BE49-F238E27FC236}">
-                <a16:creationId xmlns="" xmlns:a16="http://schemas.microsoft.com/office/drawing/2014/main" id="{A938CF80-F668-4B65-B009-F9F86A52F090}"/>
+                <a16:creationId xmlns:a16="http://schemas.microsoft.com/office/drawing/2014/main" xmlns="" id="{A938CF80-F668-4B65-B009-F9F86A52F090}"/>
               </a:ext>
             </a:extLst>
           </p:cNvPr>
@@ -11560,7 +11561,7 @@
           <p:cNvPr id="4" name="文本框 3">
             <a:extLst>
               <a:ext uri="{FF2B5EF4-FFF2-40B4-BE49-F238E27FC236}">
-                <a16:creationId xmlns="" xmlns:a16="http://schemas.microsoft.com/office/drawing/2014/main" id="{21022717-DEE6-4DFE-BEFC-C21B40A54266}"/>
+                <a16:creationId xmlns:a16="http://schemas.microsoft.com/office/drawing/2014/main" xmlns="" id="{21022717-DEE6-4DFE-BEFC-C21B40A54266}"/>
               </a:ext>
             </a:extLst>
           </p:cNvPr>
@@ -11651,7 +11652,7 @@
           <p:cNvPr id="2" name="标题 1">
             <a:extLst>
               <a:ext uri="{FF2B5EF4-FFF2-40B4-BE49-F238E27FC236}">
-                <a16:creationId xmlns="" xmlns:a16="http://schemas.microsoft.com/office/drawing/2014/main" id="{A938CF80-F668-4B65-B009-F9F86A52F090}"/>
+                <a16:creationId xmlns:a16="http://schemas.microsoft.com/office/drawing/2014/main" xmlns="" id="{A938CF80-F668-4B65-B009-F9F86A52F090}"/>
               </a:ext>
             </a:extLst>
           </p:cNvPr>
@@ -11685,7 +11686,7 @@
           <p:cNvPr id="4" name="文本框 3">
             <a:extLst>
               <a:ext uri="{FF2B5EF4-FFF2-40B4-BE49-F238E27FC236}">
-                <a16:creationId xmlns="" xmlns:a16="http://schemas.microsoft.com/office/drawing/2014/main" id="{21022717-DEE6-4DFE-BEFC-C21B40A54266}"/>
+                <a16:creationId xmlns:a16="http://schemas.microsoft.com/office/drawing/2014/main" xmlns="" id="{21022717-DEE6-4DFE-BEFC-C21B40A54266}"/>
               </a:ext>
             </a:extLst>
           </p:cNvPr>
@@ -11806,7 +11807,7 @@
           <p:cNvPr id="2" name="标题 1">
             <a:extLst>
               <a:ext uri="{FF2B5EF4-FFF2-40B4-BE49-F238E27FC236}">
-                <a16:creationId xmlns="" xmlns:a16="http://schemas.microsoft.com/office/drawing/2014/main" id="{A938CF80-F668-4B65-B009-F9F86A52F090}"/>
+                <a16:creationId xmlns:a16="http://schemas.microsoft.com/office/drawing/2014/main" xmlns="" id="{A938CF80-F668-4B65-B009-F9F86A52F090}"/>
               </a:ext>
             </a:extLst>
           </p:cNvPr>
@@ -11840,7 +11841,7 @@
           <p:cNvPr id="4" name="文本框 3">
             <a:extLst>
               <a:ext uri="{FF2B5EF4-FFF2-40B4-BE49-F238E27FC236}">
-                <a16:creationId xmlns="" xmlns:a16="http://schemas.microsoft.com/office/drawing/2014/main" id="{21022717-DEE6-4DFE-BEFC-C21B40A54266}"/>
+                <a16:creationId xmlns:a16="http://schemas.microsoft.com/office/drawing/2014/main" xmlns="" id="{21022717-DEE6-4DFE-BEFC-C21B40A54266}"/>
               </a:ext>
             </a:extLst>
           </p:cNvPr>
@@ -11985,7 +11986,7 @@
           <p:cNvPr id="2" name="标题 1">
             <a:extLst>
               <a:ext uri="{FF2B5EF4-FFF2-40B4-BE49-F238E27FC236}">
-                <a16:creationId xmlns="" xmlns:a16="http://schemas.microsoft.com/office/drawing/2014/main" id="{A938CF80-F668-4B65-B009-F9F86A52F090}"/>
+                <a16:creationId xmlns:a16="http://schemas.microsoft.com/office/drawing/2014/main" xmlns="" id="{A938CF80-F668-4B65-B009-F9F86A52F090}"/>
               </a:ext>
             </a:extLst>
           </p:cNvPr>
@@ -12019,7 +12020,7 @@
           <p:cNvPr id="4" name="文本框 3">
             <a:extLst>
               <a:ext uri="{FF2B5EF4-FFF2-40B4-BE49-F238E27FC236}">
-                <a16:creationId xmlns="" xmlns:a16="http://schemas.microsoft.com/office/drawing/2014/main" id="{21022717-DEE6-4DFE-BEFC-C21B40A54266}"/>
+                <a16:creationId xmlns:a16="http://schemas.microsoft.com/office/drawing/2014/main" xmlns="" id="{21022717-DEE6-4DFE-BEFC-C21B40A54266}"/>
               </a:ext>
             </a:extLst>
           </p:cNvPr>
@@ -12110,7 +12111,7 @@
           <p:cNvPr id="2" name="标题 1">
             <a:extLst>
               <a:ext uri="{FF2B5EF4-FFF2-40B4-BE49-F238E27FC236}">
-                <a16:creationId xmlns="" xmlns:a16="http://schemas.microsoft.com/office/drawing/2014/main" id="{BF44213F-0934-433F-A9BF-E7BA286E83BB}"/>
+                <a16:creationId xmlns:a16="http://schemas.microsoft.com/office/drawing/2014/main" xmlns="" id="{BF44213F-0934-433F-A9BF-E7BA286E83BB}"/>
               </a:ext>
             </a:extLst>
           </p:cNvPr>
@@ -12200,7 +12201,7 @@
           <p:cNvPr id="2" name="标题 1">
             <a:extLst>
               <a:ext uri="{FF2B5EF4-FFF2-40B4-BE49-F238E27FC236}">
-                <a16:creationId xmlns="" xmlns:a16="http://schemas.microsoft.com/office/drawing/2014/main" id="{A938CF80-F668-4B65-B009-F9F86A52F090}"/>
+                <a16:creationId xmlns:a16="http://schemas.microsoft.com/office/drawing/2014/main" xmlns="" id="{A938CF80-F668-4B65-B009-F9F86A52F090}"/>
               </a:ext>
             </a:extLst>
           </p:cNvPr>
@@ -12234,7 +12235,7 @@
           <p:cNvPr id="4" name="文本框 3">
             <a:extLst>
               <a:ext uri="{FF2B5EF4-FFF2-40B4-BE49-F238E27FC236}">
-                <a16:creationId xmlns="" xmlns:a16="http://schemas.microsoft.com/office/drawing/2014/main" id="{21022717-DEE6-4DFE-BEFC-C21B40A54266}"/>
+                <a16:creationId xmlns:a16="http://schemas.microsoft.com/office/drawing/2014/main" xmlns="" id="{21022717-DEE6-4DFE-BEFC-C21B40A54266}"/>
               </a:ext>
             </a:extLst>
           </p:cNvPr>
@@ -12337,7 +12338,7 @@
           <p:cNvPr id="2" name="标题 1">
             <a:extLst>
               <a:ext uri="{FF2B5EF4-FFF2-40B4-BE49-F238E27FC236}">
-                <a16:creationId xmlns="" xmlns:a16="http://schemas.microsoft.com/office/drawing/2014/main" id="{A938CF80-F668-4B65-B009-F9F86A52F090}"/>
+                <a16:creationId xmlns:a16="http://schemas.microsoft.com/office/drawing/2014/main" xmlns="" id="{A938CF80-F668-4B65-B009-F9F86A52F090}"/>
               </a:ext>
             </a:extLst>
           </p:cNvPr>
@@ -12371,7 +12372,7 @@
           <p:cNvPr id="4" name="文本框 3">
             <a:extLst>
               <a:ext uri="{FF2B5EF4-FFF2-40B4-BE49-F238E27FC236}">
-                <a16:creationId xmlns="" xmlns:a16="http://schemas.microsoft.com/office/drawing/2014/main" id="{21022717-DEE6-4DFE-BEFC-C21B40A54266}"/>
+                <a16:creationId xmlns:a16="http://schemas.microsoft.com/office/drawing/2014/main" xmlns="" id="{21022717-DEE6-4DFE-BEFC-C21B40A54266}"/>
               </a:ext>
             </a:extLst>
           </p:cNvPr>
@@ -12500,6 +12501,85 @@
           </a:p>
         </p:txBody>
       </p:sp>
+      <p:sp>
+        <p:nvSpPr>
+          <p:cNvPr id="3" name="内容占位符 2"/>
+          <p:cNvSpPr>
+            <a:spLocks noGrp="1"/>
+          </p:cNvSpPr>
+          <p:nvPr>
+            <p:ph idx="1"/>
+          </p:nvPr>
+        </p:nvSpPr>
+        <p:spPr/>
+        <p:txBody>
+          <a:bodyPr/>
+          <a:lstStyle/>
+          <a:p>
+            <a:endParaRPr kumimoji="1" lang="zh-CN" altLang="en-US"/>
+          </a:p>
+        </p:txBody>
+      </p:sp>
+    </p:spTree>
+    <p:extLst>
+      <p:ext uri="{BB962C8B-B14F-4D97-AF65-F5344CB8AC3E}">
+        <p14:creationId xmlns:p14="http://schemas.microsoft.com/office/powerpoint/2010/main" val="456922411"/>
+      </p:ext>
+    </p:extLst>
+  </p:cSld>
+  <p:clrMapOvr>
+    <a:masterClrMapping/>
+  </p:clrMapOvr>
+</p:sld>
+</file>
+
+<file path=ppt/slides/slide23.xml><?xml version="1.0" encoding="utf-8"?>
+<p:sld xmlns:a="http://schemas.openxmlformats.org/drawingml/2006/main" xmlns:r="http://schemas.openxmlformats.org/officeDocument/2006/relationships" xmlns:p="http://schemas.openxmlformats.org/presentationml/2006/main">
+  <p:cSld>
+    <p:bg>
+      <p:bgPr>
+        <a:solidFill>
+          <a:schemeClr val="bg1">
+            <a:lumMod val="85000"/>
+            <a:lumOff val="15000"/>
+          </a:schemeClr>
+        </a:solidFill>
+        <a:effectLst/>
+      </p:bgPr>
+    </p:bg>
+    <p:spTree>
+      <p:nvGrpSpPr>
+        <p:cNvPr id="1" name=""/>
+        <p:cNvGrpSpPr/>
+        <p:nvPr/>
+      </p:nvGrpSpPr>
+      <p:grpSpPr>
+        <a:xfrm>
+          <a:off x="0" y="0"/>
+          <a:ext cx="0" cy="0"/>
+          <a:chOff x="0" y="0"/>
+          <a:chExt cx="0" cy="0"/>
+        </a:xfrm>
+      </p:grpSpPr>
+      <p:sp>
+        <p:nvSpPr>
+          <p:cNvPr id="2" name="标题 1"/>
+          <p:cNvSpPr>
+            <a:spLocks noGrp="1"/>
+          </p:cNvSpPr>
+          <p:nvPr>
+            <p:ph type="title"/>
+          </p:nvPr>
+        </p:nvSpPr>
+        <p:spPr/>
+        <p:txBody>
+          <a:bodyPr/>
+          <a:lstStyle/>
+          <a:p>
+            <a:endParaRPr kumimoji="1" lang="zh-CN" altLang="en-US"/>
+          </a:p>
+        </p:txBody>
+      </p:sp>
       <p:pic>
         <p:nvPicPr>
           <p:cNvPr id="5" name="内容占位符 4"/>
@@ -12539,7 +12619,7 @@
 </p:sld>
 </file>
 
-<file path=ppt/slides/slide23.xml><?xml version="1.0" encoding="utf-8"?>
+<file path=ppt/slides/slide24.xml><?xml version="1.0" encoding="utf-8"?>
 <p:sld xmlns:a="http://schemas.openxmlformats.org/drawingml/2006/main" xmlns:r="http://schemas.openxmlformats.org/officeDocument/2006/relationships" xmlns:p="http://schemas.openxmlformats.org/presentationml/2006/main">
   <p:cSld>
     <p:bg>
@@ -12572,7 +12652,7 @@
           <p:cNvPr id="2" name="标题 1">
             <a:extLst>
               <a:ext uri="{FF2B5EF4-FFF2-40B4-BE49-F238E27FC236}">
-                <a16:creationId xmlns="" xmlns:a16="http://schemas.microsoft.com/office/drawing/2014/main" id="{2561351D-6D5D-4341-8BC5-5D1FDEFB437F}"/>
+                <a16:creationId xmlns:a16="http://schemas.microsoft.com/office/drawing/2014/main" xmlns="" id="{2561351D-6D5D-4341-8BC5-5D1FDEFB437F}"/>
               </a:ext>
             </a:extLst>
           </p:cNvPr>
@@ -12597,7 +12677,7 @@
           <p:cNvPr id="3" name="内容占位符 2">
             <a:extLst>
               <a:ext uri="{FF2B5EF4-FFF2-40B4-BE49-F238E27FC236}">
-                <a16:creationId xmlns="" xmlns:a16="http://schemas.microsoft.com/office/drawing/2014/main" id="{E3610386-3375-41FE-A5B2-DFED69F1420B}"/>
+                <a16:creationId xmlns:a16="http://schemas.microsoft.com/office/drawing/2014/main" xmlns="" id="{E3610386-3375-41FE-A5B2-DFED69F1420B}"/>
               </a:ext>
             </a:extLst>
           </p:cNvPr>
@@ -12663,7 +12743,7 @@
           <p:cNvPr id="3" name="内容占位符 2">
             <a:extLst>
               <a:ext uri="{FF2B5EF4-FFF2-40B4-BE49-F238E27FC236}">
-                <a16:creationId xmlns="" xmlns:a16="http://schemas.microsoft.com/office/drawing/2014/main" id="{BC9EE13F-5B54-47B4-9CDF-1658CD2F7DF9}"/>
+                <a16:creationId xmlns:a16="http://schemas.microsoft.com/office/drawing/2014/main" xmlns="" id="{BC9EE13F-5B54-47B4-9CDF-1658CD2F7DF9}"/>
               </a:ext>
             </a:extLst>
           </p:cNvPr>
@@ -12760,7 +12840,7 @@
           <p:cNvPr id="5" name="标题 4">
             <a:extLst>
               <a:ext uri="{FF2B5EF4-FFF2-40B4-BE49-F238E27FC236}">
-                <a16:creationId xmlns="" xmlns:a16="http://schemas.microsoft.com/office/drawing/2014/main" id="{07F556DD-E811-4B23-9D66-FB5B03C42A0D}"/>
+                <a16:creationId xmlns:a16="http://schemas.microsoft.com/office/drawing/2014/main" xmlns="" id="{07F556DD-E811-4B23-9D66-FB5B03C42A0D}"/>
               </a:ext>
             </a:extLst>
           </p:cNvPr>
@@ -13050,7 +13130,7 @@
           <p:cNvPr id="4" name="内容占位符 3">
             <a:extLst>
               <a:ext uri="{FF2B5EF4-FFF2-40B4-BE49-F238E27FC236}">
-                <a16:creationId xmlns="" xmlns:a16="http://schemas.microsoft.com/office/drawing/2014/main" id="{B1D1394A-5A04-4824-B49A-568B8708CF1E}"/>
+                <a16:creationId xmlns:a16="http://schemas.microsoft.com/office/drawing/2014/main" xmlns="" id="{B1D1394A-5A04-4824-B49A-568B8708CF1E}"/>
               </a:ext>
             </a:extLst>
           </p:cNvPr>
@@ -13082,7 +13162,7 @@
           <p:cNvPr id="5" name="图片 4">
             <a:extLst>
               <a:ext uri="{FF2B5EF4-FFF2-40B4-BE49-F238E27FC236}">
-                <a16:creationId xmlns="" xmlns:a16="http://schemas.microsoft.com/office/drawing/2014/main" id="{58E3EA67-027F-46F2-B9C7-677369057EDA}"/>
+                <a16:creationId xmlns:a16="http://schemas.microsoft.com/office/drawing/2014/main" xmlns="" id="{58E3EA67-027F-46F2-B9C7-677369057EDA}"/>
               </a:ext>
             </a:extLst>
           </p:cNvPr>
@@ -13112,7 +13192,7 @@
           <p:cNvPr id="6" name="文本框 5">
             <a:extLst>
               <a:ext uri="{FF2B5EF4-FFF2-40B4-BE49-F238E27FC236}">
-                <a16:creationId xmlns="" xmlns:a16="http://schemas.microsoft.com/office/drawing/2014/main" id="{31D4119D-E39F-4963-9DED-E090160E6F69}"/>
+                <a16:creationId xmlns:a16="http://schemas.microsoft.com/office/drawing/2014/main" xmlns="" id="{31D4119D-E39F-4963-9DED-E090160E6F69}"/>
               </a:ext>
             </a:extLst>
           </p:cNvPr>
@@ -13286,7 +13366,7 @@
           <p:cNvPr id="2" name="标题 1">
             <a:extLst>
               <a:ext uri="{FF2B5EF4-FFF2-40B4-BE49-F238E27FC236}">
-                <a16:creationId xmlns="" xmlns:a16="http://schemas.microsoft.com/office/drawing/2014/main" id="{43B19053-8120-48B4-93E8-124D959FAC7C}"/>
+                <a16:creationId xmlns:a16="http://schemas.microsoft.com/office/drawing/2014/main" xmlns="" id="{43B19053-8120-48B4-93E8-124D959FAC7C}"/>
               </a:ext>
             </a:extLst>
           </p:cNvPr>
@@ -13384,7 +13464,7 @@
           <p:cNvPr id="2" name="标题 1">
             <a:extLst>
               <a:ext uri="{FF2B5EF4-FFF2-40B4-BE49-F238E27FC236}">
-                <a16:creationId xmlns="" xmlns:a16="http://schemas.microsoft.com/office/drawing/2014/main" id="{8FC3F6F2-B4D0-4A5C-9A8B-A53E071F436D}"/>
+                <a16:creationId xmlns:a16="http://schemas.microsoft.com/office/drawing/2014/main" xmlns="" id="{8FC3F6F2-B4D0-4A5C-9A8B-A53E071F436D}"/>
               </a:ext>
             </a:extLst>
           </p:cNvPr>
@@ -13420,7 +13500,7 @@
           <p:cNvPr id="7" name="文本框 6">
             <a:extLst>
               <a:ext uri="{FF2B5EF4-FFF2-40B4-BE49-F238E27FC236}">
-                <a16:creationId xmlns="" xmlns:a16="http://schemas.microsoft.com/office/drawing/2014/main" id="{2C276D97-CCCB-476C-81CE-B4294E655EFC}"/>
+                <a16:creationId xmlns:a16="http://schemas.microsoft.com/office/drawing/2014/main" xmlns="" id="{2C276D97-CCCB-476C-81CE-B4294E655EFC}"/>
               </a:ext>
             </a:extLst>
           </p:cNvPr>
@@ -13542,7 +13622,7 @@
           <p:cNvPr id="2" name="标题 1">
             <a:extLst>
               <a:ext uri="{FF2B5EF4-FFF2-40B4-BE49-F238E27FC236}">
-                <a16:creationId xmlns="" xmlns:a16="http://schemas.microsoft.com/office/drawing/2014/main" id="{A938CF80-F668-4B65-B009-F9F86A52F090}"/>
+                <a16:creationId xmlns:a16="http://schemas.microsoft.com/office/drawing/2014/main" xmlns="" id="{A938CF80-F668-4B65-B009-F9F86A52F090}"/>
               </a:ext>
             </a:extLst>
           </p:cNvPr>
@@ -13576,7 +13656,7 @@
           <p:cNvPr id="4" name="文本框 3">
             <a:extLst>
               <a:ext uri="{FF2B5EF4-FFF2-40B4-BE49-F238E27FC236}">
-                <a16:creationId xmlns="" xmlns:a16="http://schemas.microsoft.com/office/drawing/2014/main" id="{21022717-DEE6-4DFE-BEFC-C21B40A54266}"/>
+                <a16:creationId xmlns:a16="http://schemas.microsoft.com/office/drawing/2014/main" xmlns="" id="{21022717-DEE6-4DFE-BEFC-C21B40A54266}"/>
               </a:ext>
             </a:extLst>
           </p:cNvPr>

--- a/ppt/CSS Flex&Grid.pptx
+++ b/ppt/CSS Flex&Grid.pptx
@@ -5,7 +5,7 @@
     <p:sldMasterId id="2147483648" r:id="rId1"/>
   </p:sldMasterIdLst>
   <p:notesMasterIdLst>
-    <p:notesMasterId r:id="rId26"/>
+    <p:notesMasterId r:id="rId37"/>
   </p:notesMasterIdLst>
   <p:sldIdLst>
     <p:sldId id="256" r:id="rId2"/>
@@ -29,9 +29,20 @@
     <p:sldId id="276" r:id="rId20"/>
     <p:sldId id="277" r:id="rId21"/>
     <p:sldId id="278" r:id="rId22"/>
-    <p:sldId id="280" r:id="rId23"/>
-    <p:sldId id="258" r:id="rId24"/>
-    <p:sldId id="263" r:id="rId25"/>
+    <p:sldId id="281" r:id="rId23"/>
+    <p:sldId id="283" r:id="rId24"/>
+    <p:sldId id="285" r:id="rId25"/>
+    <p:sldId id="286" r:id="rId26"/>
+    <p:sldId id="287" r:id="rId27"/>
+    <p:sldId id="288" r:id="rId28"/>
+    <p:sldId id="289" r:id="rId29"/>
+    <p:sldId id="290" r:id="rId30"/>
+    <p:sldId id="291" r:id="rId31"/>
+    <p:sldId id="292" r:id="rId32"/>
+    <p:sldId id="284" r:id="rId33"/>
+    <p:sldId id="282" r:id="rId34"/>
+    <p:sldId id="258" r:id="rId35"/>
+    <p:sldId id="263" r:id="rId36"/>
   </p:sldIdLst>
   <p:sldSz cx="12192000" cy="6858000"/>
   <p:notesSz cx="6858000" cy="9144000"/>
@@ -889,6 +900,753 @@
 </dgm:colorsDef>
 </file>
 
+<file path=ppt/diagrams/colors2.xml><?xml version="1.0" encoding="utf-8"?>
+<dgm:colorsDef xmlns:dgm="http://schemas.openxmlformats.org/drawingml/2006/diagram" xmlns:a="http://schemas.openxmlformats.org/drawingml/2006/main" uniqueId="urn:microsoft.com/office/officeart/2005/8/colors/accent1_2">
+  <dgm:title val=""/>
+  <dgm:desc val=""/>
+  <dgm:catLst>
+    <dgm:cat type="accent1" pri="11200"/>
+  </dgm:catLst>
+  <dgm:styleLbl name="node0">
+    <dgm:fillClrLst meth="repeat">
+      <a:schemeClr val="accent1"/>
+    </dgm:fillClrLst>
+    <dgm:linClrLst meth="repeat">
+      <a:schemeClr val="lt1"/>
+    </dgm:linClrLst>
+    <dgm:effectClrLst/>
+    <dgm:txLinClrLst/>
+    <dgm:txFillClrLst/>
+    <dgm:txEffectClrLst/>
+  </dgm:styleLbl>
+  <dgm:styleLbl name="alignNode1">
+    <dgm:fillClrLst meth="repeat">
+      <a:schemeClr val="accent1"/>
+    </dgm:fillClrLst>
+    <dgm:linClrLst meth="repeat">
+      <a:schemeClr val="accent1"/>
+    </dgm:linClrLst>
+    <dgm:effectClrLst/>
+    <dgm:txLinClrLst/>
+    <dgm:txFillClrLst/>
+    <dgm:txEffectClrLst/>
+  </dgm:styleLbl>
+  <dgm:styleLbl name="node1">
+    <dgm:fillClrLst meth="repeat">
+      <a:schemeClr val="accent1"/>
+    </dgm:fillClrLst>
+    <dgm:linClrLst meth="repeat">
+      <a:schemeClr val="lt1"/>
+    </dgm:linClrLst>
+    <dgm:effectClrLst/>
+    <dgm:txLinClrLst/>
+    <dgm:txFillClrLst/>
+    <dgm:txEffectClrLst/>
+  </dgm:styleLbl>
+  <dgm:styleLbl name="lnNode1">
+    <dgm:fillClrLst meth="repeat">
+      <a:schemeClr val="accent1"/>
+    </dgm:fillClrLst>
+    <dgm:linClrLst meth="repeat">
+      <a:schemeClr val="lt1"/>
+    </dgm:linClrLst>
+    <dgm:effectClrLst/>
+    <dgm:txLinClrLst/>
+    <dgm:txFillClrLst/>
+    <dgm:txEffectClrLst/>
+  </dgm:styleLbl>
+  <dgm:styleLbl name="vennNode1">
+    <dgm:fillClrLst meth="repeat">
+      <a:schemeClr val="accent1">
+        <a:alpha val="50000"/>
+      </a:schemeClr>
+    </dgm:fillClrLst>
+    <dgm:linClrLst meth="repeat">
+      <a:schemeClr val="lt1"/>
+    </dgm:linClrLst>
+    <dgm:effectClrLst/>
+    <dgm:txLinClrLst/>
+    <dgm:txFillClrLst/>
+    <dgm:txEffectClrLst/>
+  </dgm:styleLbl>
+  <dgm:styleLbl name="node2">
+    <dgm:fillClrLst meth="repeat">
+      <a:schemeClr val="accent1"/>
+    </dgm:fillClrLst>
+    <dgm:linClrLst meth="repeat">
+      <a:schemeClr val="lt1"/>
+    </dgm:linClrLst>
+    <dgm:effectClrLst/>
+    <dgm:txLinClrLst/>
+    <dgm:txFillClrLst/>
+    <dgm:txEffectClrLst/>
+  </dgm:styleLbl>
+  <dgm:styleLbl name="node3">
+    <dgm:fillClrLst meth="repeat">
+      <a:schemeClr val="accent1"/>
+    </dgm:fillClrLst>
+    <dgm:linClrLst meth="repeat">
+      <a:schemeClr val="lt1"/>
+    </dgm:linClrLst>
+    <dgm:effectClrLst/>
+    <dgm:txLinClrLst/>
+    <dgm:txFillClrLst/>
+    <dgm:txEffectClrLst/>
+  </dgm:styleLbl>
+  <dgm:styleLbl name="node4">
+    <dgm:fillClrLst meth="repeat">
+      <a:schemeClr val="accent1"/>
+    </dgm:fillClrLst>
+    <dgm:linClrLst meth="repeat">
+      <a:schemeClr val="lt1"/>
+    </dgm:linClrLst>
+    <dgm:effectClrLst/>
+    <dgm:txLinClrLst/>
+    <dgm:txFillClrLst/>
+    <dgm:txEffectClrLst/>
+  </dgm:styleLbl>
+  <dgm:styleLbl name="fgImgPlace1">
+    <dgm:fillClrLst meth="repeat">
+      <a:schemeClr val="accent1">
+        <a:tint val="50000"/>
+      </a:schemeClr>
+    </dgm:fillClrLst>
+    <dgm:linClrLst meth="repeat">
+      <a:schemeClr val="lt1"/>
+    </dgm:linClrLst>
+    <dgm:effectClrLst/>
+    <dgm:txLinClrLst/>
+    <dgm:txFillClrLst meth="repeat">
+      <a:schemeClr val="lt1"/>
+    </dgm:txFillClrLst>
+    <dgm:txEffectClrLst/>
+  </dgm:styleLbl>
+  <dgm:styleLbl name="alignImgPlace1">
+    <dgm:fillClrLst meth="repeat">
+      <a:schemeClr val="accent1">
+        <a:tint val="50000"/>
+      </a:schemeClr>
+    </dgm:fillClrLst>
+    <dgm:linClrLst meth="repeat">
+      <a:schemeClr val="lt1"/>
+    </dgm:linClrLst>
+    <dgm:effectClrLst/>
+    <dgm:txLinClrLst/>
+    <dgm:txFillClrLst meth="repeat">
+      <a:schemeClr val="lt1"/>
+    </dgm:txFillClrLst>
+    <dgm:txEffectClrLst/>
+  </dgm:styleLbl>
+  <dgm:styleLbl name="bgImgPlace1">
+    <dgm:fillClrLst meth="repeat">
+      <a:schemeClr val="accent1">
+        <a:tint val="50000"/>
+      </a:schemeClr>
+    </dgm:fillClrLst>
+    <dgm:linClrLst meth="repeat">
+      <a:schemeClr val="lt1"/>
+    </dgm:linClrLst>
+    <dgm:effectClrLst/>
+    <dgm:txLinClrLst/>
+    <dgm:txFillClrLst meth="repeat">
+      <a:schemeClr val="lt1"/>
+    </dgm:txFillClrLst>
+    <dgm:txEffectClrLst/>
+  </dgm:styleLbl>
+  <dgm:styleLbl name="sibTrans2D1">
+    <dgm:fillClrLst meth="repeat">
+      <a:schemeClr val="accent1">
+        <a:tint val="60000"/>
+      </a:schemeClr>
+    </dgm:fillClrLst>
+    <dgm:linClrLst meth="repeat">
+      <a:schemeClr val="accent1">
+        <a:tint val="60000"/>
+      </a:schemeClr>
+    </dgm:linClrLst>
+    <dgm:effectClrLst/>
+    <dgm:txLinClrLst/>
+    <dgm:txFillClrLst/>
+    <dgm:txEffectClrLst/>
+  </dgm:styleLbl>
+  <dgm:styleLbl name="fgSibTrans2D1">
+    <dgm:fillClrLst meth="repeat">
+      <a:schemeClr val="accent1">
+        <a:tint val="60000"/>
+      </a:schemeClr>
+    </dgm:fillClrLst>
+    <dgm:linClrLst meth="repeat">
+      <a:schemeClr val="accent1">
+        <a:tint val="60000"/>
+      </a:schemeClr>
+    </dgm:linClrLst>
+    <dgm:effectClrLst/>
+    <dgm:txLinClrLst/>
+    <dgm:txFillClrLst/>
+    <dgm:txEffectClrLst/>
+  </dgm:styleLbl>
+  <dgm:styleLbl name="bgSibTrans2D1">
+    <dgm:fillClrLst meth="repeat">
+      <a:schemeClr val="accent1">
+        <a:tint val="60000"/>
+      </a:schemeClr>
+    </dgm:fillClrLst>
+    <dgm:linClrLst meth="repeat">
+      <a:schemeClr val="accent1">
+        <a:tint val="60000"/>
+      </a:schemeClr>
+    </dgm:linClrLst>
+    <dgm:effectClrLst/>
+    <dgm:txLinClrLst/>
+    <dgm:txFillClrLst/>
+    <dgm:txEffectClrLst/>
+  </dgm:styleLbl>
+  <dgm:styleLbl name="sibTrans1D1">
+    <dgm:fillClrLst meth="repeat">
+      <a:schemeClr val="accent1"/>
+    </dgm:fillClrLst>
+    <dgm:linClrLst meth="repeat">
+      <a:schemeClr val="accent1"/>
+    </dgm:linClrLst>
+    <dgm:effectClrLst/>
+    <dgm:txLinClrLst/>
+    <dgm:txFillClrLst meth="repeat">
+      <a:schemeClr val="tx1"/>
+    </dgm:txFillClrLst>
+    <dgm:txEffectClrLst/>
+  </dgm:styleLbl>
+  <dgm:styleLbl name="callout">
+    <dgm:fillClrLst meth="repeat">
+      <a:schemeClr val="accent1"/>
+    </dgm:fillClrLst>
+    <dgm:linClrLst meth="repeat">
+      <a:schemeClr val="accent1">
+        <a:tint val="50000"/>
+      </a:schemeClr>
+    </dgm:linClrLst>
+    <dgm:effectClrLst/>
+    <dgm:txLinClrLst/>
+    <dgm:txFillClrLst meth="repeat">
+      <a:schemeClr val="tx1"/>
+    </dgm:txFillClrLst>
+    <dgm:txEffectClrLst/>
+  </dgm:styleLbl>
+  <dgm:styleLbl name="asst0">
+    <dgm:fillClrLst meth="repeat">
+      <a:schemeClr val="accent1"/>
+    </dgm:fillClrLst>
+    <dgm:linClrLst meth="repeat">
+      <a:schemeClr val="lt1"/>
+    </dgm:linClrLst>
+    <dgm:effectClrLst/>
+    <dgm:txLinClrLst/>
+    <dgm:txFillClrLst/>
+    <dgm:txEffectClrLst/>
+  </dgm:styleLbl>
+  <dgm:styleLbl name="asst1">
+    <dgm:fillClrLst meth="repeat">
+      <a:schemeClr val="accent1"/>
+    </dgm:fillClrLst>
+    <dgm:linClrLst meth="repeat">
+      <a:schemeClr val="lt1"/>
+    </dgm:linClrLst>
+    <dgm:effectClrLst/>
+    <dgm:txLinClrLst/>
+    <dgm:txFillClrLst/>
+    <dgm:txEffectClrLst/>
+  </dgm:styleLbl>
+  <dgm:styleLbl name="asst2">
+    <dgm:fillClrLst meth="repeat">
+      <a:schemeClr val="accent1"/>
+    </dgm:fillClrLst>
+    <dgm:linClrLst meth="repeat">
+      <a:schemeClr val="lt1"/>
+    </dgm:linClrLst>
+    <dgm:effectClrLst/>
+    <dgm:txLinClrLst/>
+    <dgm:txFillClrLst/>
+    <dgm:txEffectClrLst/>
+  </dgm:styleLbl>
+  <dgm:styleLbl name="asst3">
+    <dgm:fillClrLst meth="repeat">
+      <a:schemeClr val="accent1"/>
+    </dgm:fillClrLst>
+    <dgm:linClrLst meth="repeat">
+      <a:schemeClr val="lt1"/>
+    </dgm:linClrLst>
+    <dgm:effectClrLst/>
+    <dgm:txLinClrLst/>
+    <dgm:txFillClrLst/>
+    <dgm:txEffectClrLst/>
+  </dgm:styleLbl>
+  <dgm:styleLbl name="asst4">
+    <dgm:fillClrLst meth="repeat">
+      <a:schemeClr val="accent1"/>
+    </dgm:fillClrLst>
+    <dgm:linClrLst meth="repeat">
+      <a:schemeClr val="lt1"/>
+    </dgm:linClrLst>
+    <dgm:effectClrLst/>
+    <dgm:txLinClrLst/>
+    <dgm:txFillClrLst/>
+    <dgm:txEffectClrLst/>
+  </dgm:styleLbl>
+  <dgm:styleLbl name="parChTrans2D1">
+    <dgm:fillClrLst meth="repeat">
+      <a:schemeClr val="accent1">
+        <a:tint val="60000"/>
+      </a:schemeClr>
+    </dgm:fillClrLst>
+    <dgm:linClrLst meth="repeat">
+      <a:schemeClr val="accent1">
+        <a:tint val="60000"/>
+      </a:schemeClr>
+    </dgm:linClrLst>
+    <dgm:effectClrLst/>
+    <dgm:txLinClrLst/>
+    <dgm:txFillClrLst meth="repeat">
+      <a:schemeClr val="lt1"/>
+    </dgm:txFillClrLst>
+    <dgm:txEffectClrLst/>
+  </dgm:styleLbl>
+  <dgm:styleLbl name="parChTrans2D2">
+    <dgm:fillClrLst meth="repeat">
+      <a:schemeClr val="accent1"/>
+    </dgm:fillClrLst>
+    <dgm:linClrLst meth="repeat">
+      <a:schemeClr val="accent1"/>
+    </dgm:linClrLst>
+    <dgm:effectClrLst/>
+    <dgm:txLinClrLst/>
+    <dgm:txFillClrLst meth="repeat">
+      <a:schemeClr val="lt1"/>
+    </dgm:txFillClrLst>
+    <dgm:txEffectClrLst/>
+  </dgm:styleLbl>
+  <dgm:styleLbl name="parChTrans2D3">
+    <dgm:fillClrLst meth="repeat">
+      <a:schemeClr val="accent1"/>
+    </dgm:fillClrLst>
+    <dgm:linClrLst meth="repeat">
+      <a:schemeClr val="accent1"/>
+    </dgm:linClrLst>
+    <dgm:effectClrLst/>
+    <dgm:txLinClrLst/>
+    <dgm:txFillClrLst meth="repeat">
+      <a:schemeClr val="lt1"/>
+    </dgm:txFillClrLst>
+    <dgm:txEffectClrLst/>
+  </dgm:styleLbl>
+  <dgm:styleLbl name="parChTrans2D4">
+    <dgm:fillClrLst meth="repeat">
+      <a:schemeClr val="accent1"/>
+    </dgm:fillClrLst>
+    <dgm:linClrLst meth="repeat">
+      <a:schemeClr val="accent1"/>
+    </dgm:linClrLst>
+    <dgm:effectClrLst/>
+    <dgm:txLinClrLst/>
+    <dgm:txFillClrLst meth="repeat">
+      <a:schemeClr val="lt1"/>
+    </dgm:txFillClrLst>
+    <dgm:txEffectClrLst/>
+  </dgm:styleLbl>
+  <dgm:styleLbl name="parChTrans1D1">
+    <dgm:fillClrLst meth="repeat">
+      <a:schemeClr val="accent1"/>
+    </dgm:fillClrLst>
+    <dgm:linClrLst meth="repeat">
+      <a:schemeClr val="accent1">
+        <a:shade val="60000"/>
+      </a:schemeClr>
+    </dgm:linClrLst>
+    <dgm:effectClrLst/>
+    <dgm:txLinClrLst/>
+    <dgm:txFillClrLst meth="repeat">
+      <a:schemeClr val="tx1"/>
+    </dgm:txFillClrLst>
+    <dgm:txEffectClrLst/>
+  </dgm:styleLbl>
+  <dgm:styleLbl name="parChTrans1D2">
+    <dgm:fillClrLst meth="repeat">
+      <a:schemeClr val="accent1"/>
+    </dgm:fillClrLst>
+    <dgm:linClrLst meth="repeat">
+      <a:schemeClr val="accent1">
+        <a:shade val="60000"/>
+      </a:schemeClr>
+    </dgm:linClrLst>
+    <dgm:effectClrLst/>
+    <dgm:txLinClrLst/>
+    <dgm:txFillClrLst meth="repeat">
+      <a:schemeClr val="tx1"/>
+    </dgm:txFillClrLst>
+    <dgm:txEffectClrLst/>
+  </dgm:styleLbl>
+  <dgm:styleLbl name="parChTrans1D3">
+    <dgm:fillClrLst meth="repeat">
+      <a:schemeClr val="accent1"/>
+    </dgm:fillClrLst>
+    <dgm:linClrLst meth="repeat">
+      <a:schemeClr val="accent1">
+        <a:shade val="80000"/>
+      </a:schemeClr>
+    </dgm:linClrLst>
+    <dgm:effectClrLst/>
+    <dgm:txLinClrLst/>
+    <dgm:txFillClrLst meth="repeat">
+      <a:schemeClr val="tx1"/>
+    </dgm:txFillClrLst>
+    <dgm:txEffectClrLst/>
+  </dgm:styleLbl>
+  <dgm:styleLbl name="parChTrans1D4">
+    <dgm:fillClrLst meth="repeat">
+      <a:schemeClr val="accent1"/>
+    </dgm:fillClrLst>
+    <dgm:linClrLst meth="repeat">
+      <a:schemeClr val="accent1">
+        <a:shade val="80000"/>
+      </a:schemeClr>
+    </dgm:linClrLst>
+    <dgm:effectClrLst/>
+    <dgm:txLinClrLst/>
+    <dgm:txFillClrLst meth="repeat">
+      <a:schemeClr val="tx1"/>
+    </dgm:txFillClrLst>
+    <dgm:txEffectClrLst/>
+  </dgm:styleLbl>
+  <dgm:styleLbl name="fgAcc1">
+    <dgm:fillClrLst meth="repeat">
+      <a:schemeClr val="lt1">
+        <a:alpha val="90000"/>
+      </a:schemeClr>
+    </dgm:fillClrLst>
+    <dgm:linClrLst meth="repeat">
+      <a:schemeClr val="accent1"/>
+    </dgm:linClrLst>
+    <dgm:effectClrLst/>
+    <dgm:txLinClrLst/>
+    <dgm:txFillClrLst meth="repeat">
+      <a:schemeClr val="dk1"/>
+    </dgm:txFillClrLst>
+    <dgm:txEffectClrLst/>
+  </dgm:styleLbl>
+  <dgm:styleLbl name="conFgAcc1">
+    <dgm:fillClrLst meth="repeat">
+      <a:schemeClr val="lt1">
+        <a:alpha val="90000"/>
+      </a:schemeClr>
+    </dgm:fillClrLst>
+    <dgm:linClrLst meth="repeat">
+      <a:schemeClr val="accent1"/>
+    </dgm:linClrLst>
+    <dgm:effectClrLst/>
+    <dgm:txLinClrLst/>
+    <dgm:txFillClrLst meth="repeat">
+      <a:schemeClr val="dk1"/>
+    </dgm:txFillClrLst>
+    <dgm:txEffectClrLst/>
+  </dgm:styleLbl>
+  <dgm:styleLbl name="alignAcc1">
+    <dgm:fillClrLst meth="repeat">
+      <a:schemeClr val="lt1">
+        <a:alpha val="90000"/>
+      </a:schemeClr>
+    </dgm:fillClrLst>
+    <dgm:linClrLst meth="repeat">
+      <a:schemeClr val="accent1"/>
+    </dgm:linClrLst>
+    <dgm:effectClrLst/>
+    <dgm:txLinClrLst/>
+    <dgm:txFillClrLst meth="repeat">
+      <a:schemeClr val="dk1"/>
+    </dgm:txFillClrLst>
+    <dgm:txEffectClrLst/>
+  </dgm:styleLbl>
+  <dgm:styleLbl name="trAlignAcc1">
+    <dgm:fillClrLst meth="repeat">
+      <a:schemeClr val="lt1">
+        <a:alpha val="40000"/>
+      </a:schemeClr>
+    </dgm:fillClrLst>
+    <dgm:linClrLst meth="repeat">
+      <a:schemeClr val="accent1"/>
+    </dgm:linClrLst>
+    <dgm:effectClrLst/>
+    <dgm:txLinClrLst/>
+    <dgm:txFillClrLst meth="repeat">
+      <a:schemeClr val="dk1"/>
+    </dgm:txFillClrLst>
+    <dgm:txEffectClrLst/>
+  </dgm:styleLbl>
+  <dgm:styleLbl name="bgAcc1">
+    <dgm:fillClrLst meth="repeat">
+      <a:schemeClr val="lt1">
+        <a:alpha val="90000"/>
+      </a:schemeClr>
+    </dgm:fillClrLst>
+    <dgm:linClrLst meth="repeat">
+      <a:schemeClr val="accent1"/>
+    </dgm:linClrLst>
+    <dgm:effectClrLst/>
+    <dgm:txLinClrLst/>
+    <dgm:txFillClrLst meth="repeat">
+      <a:schemeClr val="dk1"/>
+    </dgm:txFillClrLst>
+    <dgm:txEffectClrLst/>
+  </dgm:styleLbl>
+  <dgm:styleLbl name="solidFgAcc1">
+    <dgm:fillClrLst meth="repeat">
+      <a:schemeClr val="lt1"/>
+    </dgm:fillClrLst>
+    <dgm:linClrLst meth="repeat">
+      <a:schemeClr val="accent1"/>
+    </dgm:linClrLst>
+    <dgm:effectClrLst/>
+    <dgm:txLinClrLst/>
+    <dgm:txFillClrLst meth="repeat">
+      <a:schemeClr val="dk1"/>
+    </dgm:txFillClrLst>
+    <dgm:txEffectClrLst/>
+  </dgm:styleLbl>
+  <dgm:styleLbl name="solidAlignAcc1">
+    <dgm:fillClrLst meth="repeat">
+      <a:schemeClr val="lt1"/>
+    </dgm:fillClrLst>
+    <dgm:linClrLst meth="repeat">
+      <a:schemeClr val="accent1"/>
+    </dgm:linClrLst>
+    <dgm:effectClrLst/>
+    <dgm:txLinClrLst/>
+    <dgm:txFillClrLst meth="repeat">
+      <a:schemeClr val="dk1"/>
+    </dgm:txFillClrLst>
+    <dgm:txEffectClrLst/>
+  </dgm:styleLbl>
+  <dgm:styleLbl name="solidBgAcc1">
+    <dgm:fillClrLst meth="repeat">
+      <a:schemeClr val="lt1"/>
+    </dgm:fillClrLst>
+    <dgm:linClrLst meth="repeat">
+      <a:schemeClr val="accent1"/>
+    </dgm:linClrLst>
+    <dgm:effectClrLst/>
+    <dgm:txLinClrLst/>
+    <dgm:txFillClrLst meth="repeat">
+      <a:schemeClr val="dk1"/>
+    </dgm:txFillClrLst>
+    <dgm:txEffectClrLst/>
+  </dgm:styleLbl>
+  <dgm:styleLbl name="fgAccFollowNode1">
+    <dgm:fillClrLst meth="repeat">
+      <a:schemeClr val="accent1">
+        <a:alpha val="90000"/>
+        <a:tint val="40000"/>
+      </a:schemeClr>
+    </dgm:fillClrLst>
+    <dgm:linClrLst meth="repeat">
+      <a:schemeClr val="accent1">
+        <a:alpha val="90000"/>
+        <a:tint val="40000"/>
+      </a:schemeClr>
+    </dgm:linClrLst>
+    <dgm:effectClrLst/>
+    <dgm:txLinClrLst/>
+    <dgm:txFillClrLst meth="repeat">
+      <a:schemeClr val="dk1"/>
+    </dgm:txFillClrLst>
+    <dgm:txEffectClrLst/>
+  </dgm:styleLbl>
+  <dgm:styleLbl name="alignAccFollowNode1">
+    <dgm:fillClrLst meth="repeat">
+      <a:schemeClr val="accent1">
+        <a:alpha val="90000"/>
+        <a:tint val="40000"/>
+      </a:schemeClr>
+    </dgm:fillClrLst>
+    <dgm:linClrLst meth="repeat">
+      <a:schemeClr val="accent1">
+        <a:alpha val="90000"/>
+        <a:tint val="40000"/>
+      </a:schemeClr>
+    </dgm:linClrLst>
+    <dgm:effectClrLst/>
+    <dgm:txLinClrLst/>
+    <dgm:txFillClrLst meth="repeat">
+      <a:schemeClr val="dk1"/>
+    </dgm:txFillClrLst>
+    <dgm:txEffectClrLst/>
+  </dgm:styleLbl>
+  <dgm:styleLbl name="bgAccFollowNode1">
+    <dgm:fillClrLst meth="repeat">
+      <a:schemeClr val="accent1">
+        <a:alpha val="90000"/>
+        <a:tint val="40000"/>
+      </a:schemeClr>
+    </dgm:fillClrLst>
+    <dgm:linClrLst meth="repeat">
+      <a:schemeClr val="accent1">
+        <a:alpha val="90000"/>
+        <a:tint val="40000"/>
+      </a:schemeClr>
+    </dgm:linClrLst>
+    <dgm:effectClrLst/>
+    <dgm:txLinClrLst/>
+    <dgm:txFillClrLst meth="repeat">
+      <a:schemeClr val="dk1"/>
+    </dgm:txFillClrLst>
+    <dgm:txEffectClrLst/>
+  </dgm:styleLbl>
+  <dgm:styleLbl name="fgAcc0">
+    <dgm:fillClrLst meth="repeat">
+      <a:schemeClr val="lt1">
+        <a:alpha val="90000"/>
+      </a:schemeClr>
+    </dgm:fillClrLst>
+    <dgm:linClrLst meth="repeat">
+      <a:schemeClr val="accent1"/>
+    </dgm:linClrLst>
+    <dgm:effectClrLst/>
+    <dgm:txLinClrLst/>
+    <dgm:txFillClrLst meth="repeat">
+      <a:schemeClr val="dk1"/>
+    </dgm:txFillClrLst>
+    <dgm:txEffectClrLst/>
+  </dgm:styleLbl>
+  <dgm:styleLbl name="fgAcc2">
+    <dgm:fillClrLst meth="repeat">
+      <a:schemeClr val="lt1">
+        <a:alpha val="90000"/>
+      </a:schemeClr>
+    </dgm:fillClrLst>
+    <dgm:linClrLst meth="repeat">
+      <a:schemeClr val="accent1"/>
+    </dgm:linClrLst>
+    <dgm:effectClrLst/>
+    <dgm:txLinClrLst/>
+    <dgm:txFillClrLst meth="repeat">
+      <a:schemeClr val="dk1"/>
+    </dgm:txFillClrLst>
+    <dgm:txEffectClrLst/>
+  </dgm:styleLbl>
+  <dgm:styleLbl name="fgAcc3">
+    <dgm:fillClrLst meth="repeat">
+      <a:schemeClr val="lt1">
+        <a:alpha val="90000"/>
+      </a:schemeClr>
+    </dgm:fillClrLst>
+    <dgm:linClrLst meth="repeat">
+      <a:schemeClr val="accent1"/>
+    </dgm:linClrLst>
+    <dgm:effectClrLst/>
+    <dgm:txLinClrLst/>
+    <dgm:txFillClrLst meth="repeat">
+      <a:schemeClr val="dk1"/>
+    </dgm:txFillClrLst>
+    <dgm:txEffectClrLst/>
+  </dgm:styleLbl>
+  <dgm:styleLbl name="fgAcc4">
+    <dgm:fillClrLst meth="repeat">
+      <a:schemeClr val="lt1">
+        <a:alpha val="90000"/>
+      </a:schemeClr>
+    </dgm:fillClrLst>
+    <dgm:linClrLst meth="repeat">
+      <a:schemeClr val="accent1"/>
+    </dgm:linClrLst>
+    <dgm:effectClrLst/>
+    <dgm:txLinClrLst/>
+    <dgm:txFillClrLst meth="repeat">
+      <a:schemeClr val="dk1"/>
+    </dgm:txFillClrLst>
+    <dgm:txEffectClrLst/>
+  </dgm:styleLbl>
+  <dgm:styleLbl name="bgShp">
+    <dgm:fillClrLst meth="repeat">
+      <a:schemeClr val="accent1">
+        <a:tint val="40000"/>
+      </a:schemeClr>
+    </dgm:fillClrLst>
+    <dgm:linClrLst meth="repeat">
+      <a:schemeClr val="accent1"/>
+    </dgm:linClrLst>
+    <dgm:effectClrLst/>
+    <dgm:txLinClrLst/>
+    <dgm:txFillClrLst meth="repeat">
+      <a:schemeClr val="dk1"/>
+    </dgm:txFillClrLst>
+    <dgm:txEffectClrLst/>
+  </dgm:styleLbl>
+  <dgm:styleLbl name="dkBgShp">
+    <dgm:fillClrLst meth="repeat">
+      <a:schemeClr val="accent1">
+        <a:shade val="80000"/>
+      </a:schemeClr>
+    </dgm:fillClrLst>
+    <dgm:linClrLst meth="repeat">
+      <a:schemeClr val="accent1"/>
+    </dgm:linClrLst>
+    <dgm:effectClrLst/>
+    <dgm:txLinClrLst/>
+    <dgm:txFillClrLst meth="repeat">
+      <a:schemeClr val="lt1"/>
+    </dgm:txFillClrLst>
+    <dgm:txEffectClrLst/>
+  </dgm:styleLbl>
+  <dgm:styleLbl name="trBgShp">
+    <dgm:fillClrLst meth="repeat">
+      <a:schemeClr val="accent1">
+        <a:tint val="50000"/>
+        <a:alpha val="40000"/>
+      </a:schemeClr>
+    </dgm:fillClrLst>
+    <dgm:linClrLst meth="repeat">
+      <a:schemeClr val="accent1"/>
+    </dgm:linClrLst>
+    <dgm:effectClrLst/>
+    <dgm:txLinClrLst/>
+    <dgm:txFillClrLst meth="repeat">
+      <a:schemeClr val="lt1"/>
+    </dgm:txFillClrLst>
+    <dgm:txEffectClrLst/>
+  </dgm:styleLbl>
+  <dgm:styleLbl name="fgShp">
+    <dgm:fillClrLst meth="repeat">
+      <a:schemeClr val="accent1">
+        <a:tint val="60000"/>
+      </a:schemeClr>
+    </dgm:fillClrLst>
+    <dgm:linClrLst meth="repeat">
+      <a:schemeClr val="lt1"/>
+    </dgm:linClrLst>
+    <dgm:effectClrLst/>
+    <dgm:txLinClrLst/>
+    <dgm:txFillClrLst meth="repeat">
+      <a:schemeClr val="dk1"/>
+    </dgm:txFillClrLst>
+    <dgm:txEffectClrLst/>
+  </dgm:styleLbl>
+  <dgm:styleLbl name="revTx">
+    <dgm:fillClrLst meth="repeat">
+      <a:schemeClr val="lt1">
+        <a:alpha val="0"/>
+      </a:schemeClr>
+    </dgm:fillClrLst>
+    <dgm:linClrLst meth="repeat">
+      <a:schemeClr val="dk1">
+        <a:alpha val="0"/>
+      </a:schemeClr>
+    </dgm:linClrLst>
+    <dgm:effectClrLst/>
+    <dgm:txLinClrLst/>
+    <dgm:txFillClrLst meth="repeat">
+      <a:schemeClr val="tx1"/>
+    </dgm:txFillClrLst>
+    <dgm:txEffectClrLst/>
+  </dgm:styleLbl>
+</dgm:colorsDef>
+</file>
+
 <file path=ppt/diagrams/data1.xml><?xml version="1.0" encoding="utf-8"?>
 <dgm:dataModel xmlns:dgm="http://schemas.openxmlformats.org/drawingml/2006/diagram" xmlns:a="http://schemas.openxmlformats.org/drawingml/2006/main">
   <dgm:ptLst>
@@ -911,10 +1669,9 @@
         <a:lstStyle/>
         <a:p>
           <a:r>
-            <a:rPr lang="zh-CN" altLang="en-US" dirty="0" smtClean="0"/>
+            <a:rPr lang="zh-CN" altLang="en-US" dirty="0"/>
             <a:t>容器</a:t>
           </a:r>
-          <a:endParaRPr lang="zh-CN" altLang="en-US" dirty="0"/>
         </a:p>
       </dgm:t>
     </dgm:pt>
@@ -948,10 +1705,9 @@
         <a:lstStyle/>
         <a:p>
           <a:r>
-            <a:rPr lang="zh-CN" altLang="en-US" dirty="0" smtClean="0"/>
+            <a:rPr lang="zh-CN" altLang="en-US" dirty="0"/>
             <a:t>子项</a:t>
           </a:r>
-          <a:endParaRPr lang="zh-CN" altLang="en-US" dirty="0"/>
         </a:p>
       </dgm:t>
     </dgm:pt>
@@ -985,10 +1741,9 @@
         <a:lstStyle/>
         <a:p>
           <a:r>
-            <a:rPr lang="zh-CN" altLang="en-US" dirty="0" smtClean="0"/>
+            <a:rPr lang="zh-CN" altLang="en-US" dirty="0"/>
             <a:t>子项</a:t>
           </a:r>
-          <a:endParaRPr lang="zh-CN" altLang="en-US" dirty="0"/>
         </a:p>
       </dgm:t>
     </dgm:pt>
@@ -1022,10 +1777,9 @@
         <a:lstStyle/>
         <a:p>
           <a:r>
-            <a:rPr lang="zh-CN" altLang="en-US" dirty="0" smtClean="0"/>
+            <a:rPr lang="zh-CN" altLang="en-US" dirty="0"/>
             <a:t>子项</a:t>
           </a:r>
-          <a:endParaRPr lang="zh-CN" altLang="en-US" dirty="0"/>
         </a:p>
       </dgm:t>
     </dgm:pt>
@@ -1059,10 +1813,9 @@
         <a:lstStyle/>
         <a:p>
           <a:r>
-            <a:rPr lang="zh-CN" altLang="en-US" dirty="0" smtClean="0"/>
+            <a:rPr lang="zh-CN" altLang="en-US" dirty="0"/>
             <a:t>子项</a:t>
           </a:r>
-          <a:endParaRPr lang="zh-CN" altLang="en-US" dirty="0"/>
         </a:p>
       </dgm:t>
     </dgm:pt>
@@ -1096,10 +1849,9 @@
         <a:lstStyle/>
         <a:p>
           <a:r>
-            <a:rPr lang="zh-CN" altLang="en-US" dirty="0" smtClean="0"/>
+            <a:rPr lang="zh-CN" altLang="en-US" dirty="0"/>
             <a:t>子项</a:t>
           </a:r>
-          <a:endParaRPr lang="zh-CN" altLang="en-US" dirty="0"/>
         </a:p>
       </dgm:t>
     </dgm:pt>
@@ -1137,13 +1889,6 @@
         </dgm:presLayoutVars>
       </dgm:prSet>
       <dgm:spPr/>
-      <dgm:t>
-        <a:bodyPr/>
-        <a:lstStyle/>
-        <a:p>
-          <a:endParaRPr lang="zh-CN" altLang="en-US"/>
-        </a:p>
-      </dgm:t>
     </dgm:pt>
     <dgm:pt modelId="{7A8FBCC4-2340-DC43-9573-EA65C77E6E6A}" type="pres">
       <dgm:prSet presAssocID="{089B8A85-A84E-8741-B756-D6E8208AA69F}" presName="hierRoot1" presStyleCnt="0">
@@ -1164,24 +1909,10 @@
         </dgm:presLayoutVars>
       </dgm:prSet>
       <dgm:spPr/>
-      <dgm:t>
-        <a:bodyPr/>
-        <a:lstStyle/>
-        <a:p>
-          <a:endParaRPr lang="zh-CN" altLang="en-US"/>
-        </a:p>
-      </dgm:t>
     </dgm:pt>
     <dgm:pt modelId="{C2E6BAFA-5D71-CC47-8BF1-00F48C9795BF}" type="pres">
       <dgm:prSet presAssocID="{089B8A85-A84E-8741-B756-D6E8208AA69F}" presName="rootConnector1" presStyleLbl="node1" presStyleIdx="0" presStyleCnt="0"/>
       <dgm:spPr/>
-      <dgm:t>
-        <a:bodyPr/>
-        <a:lstStyle/>
-        <a:p>
-          <a:endParaRPr lang="zh-CN" altLang="en-US"/>
-        </a:p>
-      </dgm:t>
     </dgm:pt>
     <dgm:pt modelId="{E9E551C8-67AD-BD49-8105-3EC6BCAFB418}" type="pres">
       <dgm:prSet presAssocID="{089B8A85-A84E-8741-B756-D6E8208AA69F}" presName="hierChild2" presStyleCnt="0"/>
@@ -1190,13 +1921,6 @@
     <dgm:pt modelId="{5F453A73-8BDC-0840-840B-D1D0D6D6D6F0}" type="pres">
       <dgm:prSet presAssocID="{C6F298F6-653B-A941-BECE-D7AEC4FBA17A}" presName="Name37" presStyleLbl="parChTrans1D2" presStyleIdx="0" presStyleCnt="5"/>
       <dgm:spPr/>
-      <dgm:t>
-        <a:bodyPr/>
-        <a:lstStyle/>
-        <a:p>
-          <a:endParaRPr lang="zh-CN" altLang="en-US"/>
-        </a:p>
-      </dgm:t>
     </dgm:pt>
     <dgm:pt modelId="{22CDC3F1-D998-2C46-B14A-9EC46B795BDC}" type="pres">
       <dgm:prSet presAssocID="{CA618E98-DA33-544D-905E-6F6DF2BBE287}" presName="hierRoot2" presStyleCnt="0">
@@ -1217,24 +1941,10 @@
         </dgm:presLayoutVars>
       </dgm:prSet>
       <dgm:spPr/>
-      <dgm:t>
-        <a:bodyPr/>
-        <a:lstStyle/>
-        <a:p>
-          <a:endParaRPr lang="zh-CN" altLang="en-US"/>
-        </a:p>
-      </dgm:t>
     </dgm:pt>
     <dgm:pt modelId="{197EEB88-9CF5-1D40-B8CC-7685270E438E}" type="pres">
       <dgm:prSet presAssocID="{CA618E98-DA33-544D-905E-6F6DF2BBE287}" presName="rootConnector" presStyleLbl="node2" presStyleIdx="0" presStyleCnt="5"/>
       <dgm:spPr/>
-      <dgm:t>
-        <a:bodyPr/>
-        <a:lstStyle/>
-        <a:p>
-          <a:endParaRPr lang="zh-CN" altLang="en-US"/>
-        </a:p>
-      </dgm:t>
     </dgm:pt>
     <dgm:pt modelId="{3CBB2ADC-B038-FD4A-B0F5-CAC2A0F76FC5}" type="pres">
       <dgm:prSet presAssocID="{CA618E98-DA33-544D-905E-6F6DF2BBE287}" presName="hierChild4" presStyleCnt="0"/>
@@ -1247,13 +1957,6 @@
     <dgm:pt modelId="{FDC577A4-973B-6644-9FB7-0F014835A0EF}" type="pres">
       <dgm:prSet presAssocID="{09F5AA4F-3F0E-F448-8010-EADD0EFAB073}" presName="Name37" presStyleLbl="parChTrans1D2" presStyleIdx="1" presStyleCnt="5"/>
       <dgm:spPr/>
-      <dgm:t>
-        <a:bodyPr/>
-        <a:lstStyle/>
-        <a:p>
-          <a:endParaRPr lang="zh-CN" altLang="en-US"/>
-        </a:p>
-      </dgm:t>
     </dgm:pt>
     <dgm:pt modelId="{2B95877C-4FEB-E749-A8CC-3AE5355562EC}" type="pres">
       <dgm:prSet presAssocID="{2A6A6557-22E6-4440-93F4-318AD223EC07}" presName="hierRoot2" presStyleCnt="0">
@@ -1274,24 +1977,10 @@
         </dgm:presLayoutVars>
       </dgm:prSet>
       <dgm:spPr/>
-      <dgm:t>
-        <a:bodyPr/>
-        <a:lstStyle/>
-        <a:p>
-          <a:endParaRPr lang="zh-CN" altLang="en-US"/>
-        </a:p>
-      </dgm:t>
     </dgm:pt>
     <dgm:pt modelId="{0B5A722B-B604-914D-A9EE-33F6F187EB5B}" type="pres">
       <dgm:prSet presAssocID="{2A6A6557-22E6-4440-93F4-318AD223EC07}" presName="rootConnector" presStyleLbl="node2" presStyleIdx="1" presStyleCnt="5"/>
       <dgm:spPr/>
-      <dgm:t>
-        <a:bodyPr/>
-        <a:lstStyle/>
-        <a:p>
-          <a:endParaRPr lang="zh-CN" altLang="en-US"/>
-        </a:p>
-      </dgm:t>
     </dgm:pt>
     <dgm:pt modelId="{973BC156-42E0-DF42-9A75-EE6B17340535}" type="pres">
       <dgm:prSet presAssocID="{2A6A6557-22E6-4440-93F4-318AD223EC07}" presName="hierChild4" presStyleCnt="0"/>
@@ -1304,13 +1993,6 @@
     <dgm:pt modelId="{A9A95BD9-9298-2B46-B854-9553EE11AF97}" type="pres">
       <dgm:prSet presAssocID="{329218CD-5EBE-6347-A54F-9E27A2C28CFE}" presName="Name37" presStyleLbl="parChTrans1D2" presStyleIdx="2" presStyleCnt="5"/>
       <dgm:spPr/>
-      <dgm:t>
-        <a:bodyPr/>
-        <a:lstStyle/>
-        <a:p>
-          <a:endParaRPr lang="zh-CN" altLang="en-US"/>
-        </a:p>
-      </dgm:t>
     </dgm:pt>
     <dgm:pt modelId="{A7F8F8EC-5259-9A43-84EE-395FD82D16A9}" type="pres">
       <dgm:prSet presAssocID="{EA1A376E-E1CF-A54F-BD1E-7342A9121FF1}" presName="hierRoot2" presStyleCnt="0">
@@ -1331,24 +2013,10 @@
         </dgm:presLayoutVars>
       </dgm:prSet>
       <dgm:spPr/>
-      <dgm:t>
-        <a:bodyPr/>
-        <a:lstStyle/>
-        <a:p>
-          <a:endParaRPr lang="zh-CN" altLang="en-US"/>
-        </a:p>
-      </dgm:t>
     </dgm:pt>
     <dgm:pt modelId="{DA252AC9-999F-9842-BE2B-A684D0F3A41B}" type="pres">
       <dgm:prSet presAssocID="{EA1A376E-E1CF-A54F-BD1E-7342A9121FF1}" presName="rootConnector" presStyleLbl="node2" presStyleIdx="2" presStyleCnt="5"/>
       <dgm:spPr/>
-      <dgm:t>
-        <a:bodyPr/>
-        <a:lstStyle/>
-        <a:p>
-          <a:endParaRPr lang="zh-CN" altLang="en-US"/>
-        </a:p>
-      </dgm:t>
     </dgm:pt>
     <dgm:pt modelId="{95CE0AA0-85E8-AD48-8195-B05139935582}" type="pres">
       <dgm:prSet presAssocID="{EA1A376E-E1CF-A54F-BD1E-7342A9121FF1}" presName="hierChild4" presStyleCnt="0"/>
@@ -1361,13 +2029,6 @@
     <dgm:pt modelId="{28BD0A43-C438-8540-BA7D-919523FBADED}" type="pres">
       <dgm:prSet presAssocID="{A7033AB8-3E3C-6345-82A7-26D79CBF095E}" presName="Name37" presStyleLbl="parChTrans1D2" presStyleIdx="3" presStyleCnt="5"/>
       <dgm:spPr/>
-      <dgm:t>
-        <a:bodyPr/>
-        <a:lstStyle/>
-        <a:p>
-          <a:endParaRPr lang="zh-CN" altLang="en-US"/>
-        </a:p>
-      </dgm:t>
     </dgm:pt>
     <dgm:pt modelId="{7C36B6A0-E97E-D44D-81B7-A7D5BBB82803}" type="pres">
       <dgm:prSet presAssocID="{FE162D69-B4B1-E547-8BED-2B0564183F40}" presName="hierRoot2" presStyleCnt="0">
@@ -1388,24 +2049,10 @@
         </dgm:presLayoutVars>
       </dgm:prSet>
       <dgm:spPr/>
-      <dgm:t>
-        <a:bodyPr/>
-        <a:lstStyle/>
-        <a:p>
-          <a:endParaRPr lang="zh-CN" altLang="en-US"/>
-        </a:p>
-      </dgm:t>
     </dgm:pt>
     <dgm:pt modelId="{300CF57F-9E39-574B-B47A-26D80C1E0634}" type="pres">
       <dgm:prSet presAssocID="{FE162D69-B4B1-E547-8BED-2B0564183F40}" presName="rootConnector" presStyleLbl="node2" presStyleIdx="3" presStyleCnt="5"/>
       <dgm:spPr/>
-      <dgm:t>
-        <a:bodyPr/>
-        <a:lstStyle/>
-        <a:p>
-          <a:endParaRPr lang="zh-CN" altLang="en-US"/>
-        </a:p>
-      </dgm:t>
     </dgm:pt>
     <dgm:pt modelId="{78463A7A-DE5A-4947-AFCF-0B5A2544CFC2}" type="pres">
       <dgm:prSet presAssocID="{FE162D69-B4B1-E547-8BED-2B0564183F40}" presName="hierChild4" presStyleCnt="0"/>
@@ -1418,13 +2065,6 @@
     <dgm:pt modelId="{568A960C-ED31-8249-945C-CE587423A17E}" type="pres">
       <dgm:prSet presAssocID="{10A48251-DC0A-F346-B0C6-66C14C6B50F4}" presName="Name37" presStyleLbl="parChTrans1D2" presStyleIdx="4" presStyleCnt="5"/>
       <dgm:spPr/>
-      <dgm:t>
-        <a:bodyPr/>
-        <a:lstStyle/>
-        <a:p>
-          <a:endParaRPr lang="zh-CN" altLang="en-US"/>
-        </a:p>
-      </dgm:t>
     </dgm:pt>
     <dgm:pt modelId="{5C94DFD0-ED71-B545-9003-B4CB4810F207}" type="pres">
       <dgm:prSet presAssocID="{061C52BE-7CF4-EC44-BF9D-04F9145BF7C0}" presName="hierRoot2" presStyleCnt="0">
@@ -1445,24 +2085,10 @@
         </dgm:presLayoutVars>
       </dgm:prSet>
       <dgm:spPr/>
-      <dgm:t>
-        <a:bodyPr/>
-        <a:lstStyle/>
-        <a:p>
-          <a:endParaRPr lang="zh-CN" altLang="en-US"/>
-        </a:p>
-      </dgm:t>
     </dgm:pt>
     <dgm:pt modelId="{A6F5B899-1841-8B4F-8A6E-A82CCF0C2E8D}" type="pres">
       <dgm:prSet presAssocID="{061C52BE-7CF4-EC44-BF9D-04F9145BF7C0}" presName="rootConnector" presStyleLbl="node2" presStyleIdx="4" presStyleCnt="5"/>
       <dgm:spPr/>
-      <dgm:t>
-        <a:bodyPr/>
-        <a:lstStyle/>
-        <a:p>
-          <a:endParaRPr lang="zh-CN" altLang="en-US"/>
-        </a:p>
-      </dgm:t>
     </dgm:pt>
     <dgm:pt modelId="{CEB308C0-099D-BB45-8424-AE8CCEB43E93}" type="pres">
       <dgm:prSet presAssocID="{061C52BE-7CF4-EC44-BF9D-04F9145BF7C0}" presName="hierChild4" presStyleCnt="0"/>
@@ -1478,30 +2104,563 @@
     </dgm:pt>
   </dgm:ptLst>
   <dgm:cxnLst>
+    <dgm:cxn modelId="{6B9A7B00-EF08-9F4A-A72A-BAE58C230504}" type="presOf" srcId="{A7033AB8-3E3C-6345-82A7-26D79CBF095E}" destId="{28BD0A43-C438-8540-BA7D-919523FBADED}" srcOrd="0" destOrd="0" presId="urn:microsoft.com/office/officeart/2005/8/layout/orgChart1"/>
+    <dgm:cxn modelId="{6ED9E108-7214-FA49-A007-EB019736C06B}" type="presOf" srcId="{2A6A6557-22E6-4440-93F4-318AD223EC07}" destId="{4BE14C3B-968F-914B-8541-347ECA41D053}" srcOrd="0" destOrd="0" presId="urn:microsoft.com/office/officeart/2005/8/layout/orgChart1"/>
+    <dgm:cxn modelId="{EAF51809-CF8B-C843-B54E-FF47D256811D}" type="presOf" srcId="{FE162D69-B4B1-E547-8BED-2B0564183F40}" destId="{E8A948CA-0671-8A4E-8362-4C3C998C5DBC}" srcOrd="0" destOrd="0" presId="urn:microsoft.com/office/officeart/2005/8/layout/orgChart1"/>
+    <dgm:cxn modelId="{67F3C80B-8EE5-334E-AAAB-9918F69E5465}" type="presOf" srcId="{EA1A376E-E1CF-A54F-BD1E-7342A9121FF1}" destId="{A21CCBC8-A77B-6042-82D6-5803E2F4FC1D}" srcOrd="0" destOrd="0" presId="urn:microsoft.com/office/officeart/2005/8/layout/orgChart1"/>
+    <dgm:cxn modelId="{9F12EB13-1A82-2541-9432-2991F9EC4E2B}" type="presOf" srcId="{FE162D69-B4B1-E547-8BED-2B0564183F40}" destId="{300CF57F-9E39-574B-B47A-26D80C1E0634}" srcOrd="1" destOrd="0" presId="urn:microsoft.com/office/officeart/2005/8/layout/orgChart1"/>
+    <dgm:cxn modelId="{BBFBCA1C-E326-B34E-A943-897F943CC915}" type="presOf" srcId="{09F5AA4F-3F0E-F448-8010-EADD0EFAB073}" destId="{FDC577A4-973B-6644-9FB7-0F014835A0EF}" srcOrd="0" destOrd="0" presId="urn:microsoft.com/office/officeart/2005/8/layout/orgChart1"/>
+    <dgm:cxn modelId="{E49D7F24-616E-A94D-865F-0288CA6CA4DC}" type="presOf" srcId="{B630F1C9-CFF9-C84B-9433-1FBC8CEA9D1D}" destId="{DC210692-E386-2344-954E-98E6D550EFD6}" srcOrd="0" destOrd="0" presId="urn:microsoft.com/office/officeart/2005/8/layout/orgChart1"/>
+    <dgm:cxn modelId="{36499D25-40B4-1D48-BB6A-188E0817850C}" srcId="{089B8A85-A84E-8741-B756-D6E8208AA69F}" destId="{2A6A6557-22E6-4440-93F4-318AD223EC07}" srcOrd="1" destOrd="0" parTransId="{09F5AA4F-3F0E-F448-8010-EADD0EFAB073}" sibTransId="{014CBFC8-1CC7-9F4F-86AA-E0299D0A476E}"/>
+    <dgm:cxn modelId="{61E9B137-E1C3-1849-9899-B129AAB9BFED}" type="presOf" srcId="{CA618E98-DA33-544D-905E-6F6DF2BBE287}" destId="{197EEB88-9CF5-1D40-B8CC-7685270E438E}" srcOrd="1" destOrd="0" presId="urn:microsoft.com/office/officeart/2005/8/layout/orgChart1"/>
+    <dgm:cxn modelId="{F62AC43D-1497-514E-A908-657860816B79}" srcId="{B630F1C9-CFF9-C84B-9433-1FBC8CEA9D1D}" destId="{089B8A85-A84E-8741-B756-D6E8208AA69F}" srcOrd="0" destOrd="0" parTransId="{27981E1A-4EBC-F94C-AFFD-74909A2E96B4}" sibTransId="{61E66DFC-B98F-E545-84BD-A702DE60BA1A}"/>
+    <dgm:cxn modelId="{9A480B42-5E34-1242-A5BB-E63AB04D3A0D}" type="presOf" srcId="{061C52BE-7CF4-EC44-BF9D-04F9145BF7C0}" destId="{A6F5B899-1841-8B4F-8A6E-A82CCF0C2E8D}" srcOrd="1" destOrd="0" presId="urn:microsoft.com/office/officeart/2005/8/layout/orgChart1"/>
+    <dgm:cxn modelId="{07192F67-731B-A44F-B3D9-C65C2B3D4541}" type="presOf" srcId="{C6F298F6-653B-A941-BECE-D7AEC4FBA17A}" destId="{5F453A73-8BDC-0840-840B-D1D0D6D6D6F0}" srcOrd="0" destOrd="0" presId="urn:microsoft.com/office/officeart/2005/8/layout/orgChart1"/>
+    <dgm:cxn modelId="{F80E946B-E716-C84E-808B-D73F61F883DD}" type="presOf" srcId="{061C52BE-7CF4-EC44-BF9D-04F9145BF7C0}" destId="{B72AEC3D-2C06-374B-AE6F-706739B1FFEB}" srcOrd="0" destOrd="0" presId="urn:microsoft.com/office/officeart/2005/8/layout/orgChart1"/>
+    <dgm:cxn modelId="{6C95D86D-53B0-F248-9872-EF6302AB73A2}" type="presOf" srcId="{EA1A376E-E1CF-A54F-BD1E-7342A9121FF1}" destId="{DA252AC9-999F-9842-BE2B-A684D0F3A41B}" srcOrd="1" destOrd="0" presId="urn:microsoft.com/office/officeart/2005/8/layout/orgChart1"/>
+    <dgm:cxn modelId="{0D994073-879E-A84B-8FA2-1D632ABBC0D7}" srcId="{089B8A85-A84E-8741-B756-D6E8208AA69F}" destId="{FE162D69-B4B1-E547-8BED-2B0564183F40}" srcOrd="3" destOrd="0" parTransId="{A7033AB8-3E3C-6345-82A7-26D79CBF095E}" sibTransId="{257972D6-2FDF-444E-BAE3-ADF052ACC722}"/>
+    <dgm:cxn modelId="{E1362577-7708-814B-ACC3-2950977E451F}" type="presOf" srcId="{2A6A6557-22E6-4440-93F4-318AD223EC07}" destId="{0B5A722B-B604-914D-A9EE-33F6F187EB5B}" srcOrd="1" destOrd="0" presId="urn:microsoft.com/office/officeart/2005/8/layout/orgChart1"/>
+    <dgm:cxn modelId="{31FF4A7A-C43B-E740-8D27-71294B78F62F}" type="presOf" srcId="{329218CD-5EBE-6347-A54F-9E27A2C28CFE}" destId="{A9A95BD9-9298-2B46-B854-9553EE11AF97}" srcOrd="0" destOrd="0" presId="urn:microsoft.com/office/officeart/2005/8/layout/orgChart1"/>
+    <dgm:cxn modelId="{B978757A-C9B3-B041-9CE6-BE78C0AFAB64}" srcId="{089B8A85-A84E-8741-B756-D6E8208AA69F}" destId="{CA618E98-DA33-544D-905E-6F6DF2BBE287}" srcOrd="0" destOrd="0" parTransId="{C6F298F6-653B-A941-BECE-D7AEC4FBA17A}" sibTransId="{8D63A4A8-B27F-F049-8522-3B9C02AE055A}"/>
+    <dgm:cxn modelId="{95F85091-8AEA-BF44-A577-D8A3DC8E7D82}" srcId="{089B8A85-A84E-8741-B756-D6E8208AA69F}" destId="{061C52BE-7CF4-EC44-BF9D-04F9145BF7C0}" srcOrd="4" destOrd="0" parTransId="{10A48251-DC0A-F346-B0C6-66C14C6B50F4}" sibTransId="{EB6167F5-7DA7-0843-9DDF-A62488ACB411}"/>
     <dgm:cxn modelId="{D8E11897-2E10-3B48-8D9A-BDA93585F597}" type="presOf" srcId="{10A48251-DC0A-F346-B0C6-66C14C6B50F4}" destId="{568A960C-ED31-8249-945C-CE587423A17E}" srcOrd="0" destOrd="0" presId="urn:microsoft.com/office/officeart/2005/8/layout/orgChart1"/>
+    <dgm:cxn modelId="{49C168B2-9EDD-3940-A311-3D8BE8470AA7}" type="presOf" srcId="{089B8A85-A84E-8741-B756-D6E8208AA69F}" destId="{C2E6BAFA-5D71-CC47-8BF1-00F48C9795BF}" srcOrd="1" destOrd="0" presId="urn:microsoft.com/office/officeart/2005/8/layout/orgChart1"/>
+    <dgm:cxn modelId="{BE659CD9-82CA-734C-92A2-CFFD7BE81836}" srcId="{089B8A85-A84E-8741-B756-D6E8208AA69F}" destId="{EA1A376E-E1CF-A54F-BD1E-7342A9121FF1}" srcOrd="2" destOrd="0" parTransId="{329218CD-5EBE-6347-A54F-9E27A2C28CFE}" sibTransId="{CD21B503-EE73-0C40-B6FB-14DEEF4484AD}"/>
+    <dgm:cxn modelId="{CEF91CF3-F79F-0E47-B246-1E87B1A443B8}" type="presOf" srcId="{089B8A85-A84E-8741-B756-D6E8208AA69F}" destId="{8904E6B1-D046-FE46-8617-2327D1B7EBFF}" srcOrd="0" destOrd="0" presId="urn:microsoft.com/office/officeart/2005/8/layout/orgChart1"/>
+    <dgm:cxn modelId="{62E7C7F3-67A0-C146-AB9E-B0B6B7B2D873}" type="presOf" srcId="{CA618E98-DA33-544D-905E-6F6DF2BBE287}" destId="{BDEEFA10-8AEC-064F-B79C-DE044C5232CD}" srcOrd="0" destOrd="0" presId="urn:microsoft.com/office/officeart/2005/8/layout/orgChart1"/>
+    <dgm:cxn modelId="{CD96D850-2517-1F47-B960-5D72730DEF12}" type="presParOf" srcId="{DC210692-E386-2344-954E-98E6D550EFD6}" destId="{7A8FBCC4-2340-DC43-9573-EA65C77E6E6A}" srcOrd="0" destOrd="0" presId="urn:microsoft.com/office/officeart/2005/8/layout/orgChart1"/>
+    <dgm:cxn modelId="{4F23630D-09B1-444B-AD44-B666487FB2A8}" type="presParOf" srcId="{7A8FBCC4-2340-DC43-9573-EA65C77E6E6A}" destId="{BAD9196E-4268-2842-AB85-1F29C96DF1C6}" srcOrd="0" destOrd="0" presId="urn:microsoft.com/office/officeart/2005/8/layout/orgChart1"/>
+    <dgm:cxn modelId="{9E73D6F8-C570-0546-A7F4-FF2169A8CD9D}" type="presParOf" srcId="{BAD9196E-4268-2842-AB85-1F29C96DF1C6}" destId="{8904E6B1-D046-FE46-8617-2327D1B7EBFF}" srcOrd="0" destOrd="0" presId="urn:microsoft.com/office/officeart/2005/8/layout/orgChart1"/>
+    <dgm:cxn modelId="{13B19C91-1D6A-F745-A63B-5E4DD309CF8F}" type="presParOf" srcId="{BAD9196E-4268-2842-AB85-1F29C96DF1C6}" destId="{C2E6BAFA-5D71-CC47-8BF1-00F48C9795BF}" srcOrd="1" destOrd="0" presId="urn:microsoft.com/office/officeart/2005/8/layout/orgChart1"/>
+    <dgm:cxn modelId="{9646C43D-E9F9-724E-A280-4F55DC6CAB79}" type="presParOf" srcId="{7A8FBCC4-2340-DC43-9573-EA65C77E6E6A}" destId="{E9E551C8-67AD-BD49-8105-3EC6BCAFB418}" srcOrd="1" destOrd="0" presId="urn:microsoft.com/office/officeart/2005/8/layout/orgChart1"/>
+    <dgm:cxn modelId="{88E191B1-05B0-5A40-9034-9636FEC113AF}" type="presParOf" srcId="{E9E551C8-67AD-BD49-8105-3EC6BCAFB418}" destId="{5F453A73-8BDC-0840-840B-D1D0D6D6D6F0}" srcOrd="0" destOrd="0" presId="urn:microsoft.com/office/officeart/2005/8/layout/orgChart1"/>
+    <dgm:cxn modelId="{6EE56BD5-EA7B-F041-8F49-E84B9FE33E21}" type="presParOf" srcId="{E9E551C8-67AD-BD49-8105-3EC6BCAFB418}" destId="{22CDC3F1-D998-2C46-B14A-9EC46B795BDC}" srcOrd="1" destOrd="0" presId="urn:microsoft.com/office/officeart/2005/8/layout/orgChart1"/>
+    <dgm:cxn modelId="{3BE5FADA-F8DC-FF48-83CB-7D1B8CFEF66F}" type="presParOf" srcId="{22CDC3F1-D998-2C46-B14A-9EC46B795BDC}" destId="{1182EA99-D581-EB45-BE60-B59C3DBD4A40}" srcOrd="0" destOrd="0" presId="urn:microsoft.com/office/officeart/2005/8/layout/orgChart1"/>
+    <dgm:cxn modelId="{F6F49796-CCDF-EC4F-9EE2-6DCB5C458BC4}" type="presParOf" srcId="{1182EA99-D581-EB45-BE60-B59C3DBD4A40}" destId="{BDEEFA10-8AEC-064F-B79C-DE044C5232CD}" srcOrd="0" destOrd="0" presId="urn:microsoft.com/office/officeart/2005/8/layout/orgChart1"/>
+    <dgm:cxn modelId="{6E893705-5572-6E4B-86C7-EA49DC82011F}" type="presParOf" srcId="{1182EA99-D581-EB45-BE60-B59C3DBD4A40}" destId="{197EEB88-9CF5-1D40-B8CC-7685270E438E}" srcOrd="1" destOrd="0" presId="urn:microsoft.com/office/officeart/2005/8/layout/orgChart1"/>
+    <dgm:cxn modelId="{745B27DB-9D87-C744-9EA3-67116CA8399F}" type="presParOf" srcId="{22CDC3F1-D998-2C46-B14A-9EC46B795BDC}" destId="{3CBB2ADC-B038-FD4A-B0F5-CAC2A0F76FC5}" srcOrd="1" destOrd="0" presId="urn:microsoft.com/office/officeart/2005/8/layout/orgChart1"/>
+    <dgm:cxn modelId="{5C55774B-1AD2-E54C-9001-493468039903}" type="presParOf" srcId="{22CDC3F1-D998-2C46-B14A-9EC46B795BDC}" destId="{FF0498F4-0711-FC40-BF83-7BD2F778B94F}" srcOrd="2" destOrd="0" presId="urn:microsoft.com/office/officeart/2005/8/layout/orgChart1"/>
+    <dgm:cxn modelId="{FB846C7F-ACF6-0A42-A574-2FA8490F59F4}" type="presParOf" srcId="{E9E551C8-67AD-BD49-8105-3EC6BCAFB418}" destId="{FDC577A4-973B-6644-9FB7-0F014835A0EF}" srcOrd="2" destOrd="0" presId="urn:microsoft.com/office/officeart/2005/8/layout/orgChart1"/>
+    <dgm:cxn modelId="{9B2D3CC6-9CB6-6B40-BF6C-2365AD95A2B7}" type="presParOf" srcId="{E9E551C8-67AD-BD49-8105-3EC6BCAFB418}" destId="{2B95877C-4FEB-E749-A8CC-3AE5355562EC}" srcOrd="3" destOrd="0" presId="urn:microsoft.com/office/officeart/2005/8/layout/orgChart1"/>
+    <dgm:cxn modelId="{B2B7954D-6A7B-A945-B3CC-5C52DC1BBA7F}" type="presParOf" srcId="{2B95877C-4FEB-E749-A8CC-3AE5355562EC}" destId="{FC92C182-A2B1-0C49-B5DC-761934DE552E}" srcOrd="0" destOrd="0" presId="urn:microsoft.com/office/officeart/2005/8/layout/orgChart1"/>
+    <dgm:cxn modelId="{C3359B9C-934F-1140-B2CE-A20FFD956DAC}" type="presParOf" srcId="{FC92C182-A2B1-0C49-B5DC-761934DE552E}" destId="{4BE14C3B-968F-914B-8541-347ECA41D053}" srcOrd="0" destOrd="0" presId="urn:microsoft.com/office/officeart/2005/8/layout/orgChart1"/>
+    <dgm:cxn modelId="{82885694-41CE-BD44-A46E-54DE155130BB}" type="presParOf" srcId="{FC92C182-A2B1-0C49-B5DC-761934DE552E}" destId="{0B5A722B-B604-914D-A9EE-33F6F187EB5B}" srcOrd="1" destOrd="0" presId="urn:microsoft.com/office/officeart/2005/8/layout/orgChart1"/>
+    <dgm:cxn modelId="{0E4DF004-C6B1-FE4D-9B7A-4D3F8E11A59C}" type="presParOf" srcId="{2B95877C-4FEB-E749-A8CC-3AE5355562EC}" destId="{973BC156-42E0-DF42-9A75-EE6B17340535}" srcOrd="1" destOrd="0" presId="urn:microsoft.com/office/officeart/2005/8/layout/orgChart1"/>
+    <dgm:cxn modelId="{9B25B878-1F0A-664C-8646-4893C3E752B9}" type="presParOf" srcId="{2B95877C-4FEB-E749-A8CC-3AE5355562EC}" destId="{CB465E90-033B-AB4A-8994-11DA8FB485E1}" srcOrd="2" destOrd="0" presId="urn:microsoft.com/office/officeart/2005/8/layout/orgChart1"/>
+    <dgm:cxn modelId="{E7D9F9F8-7E3F-9D41-8EFB-6E4783FC966D}" type="presParOf" srcId="{E9E551C8-67AD-BD49-8105-3EC6BCAFB418}" destId="{A9A95BD9-9298-2B46-B854-9553EE11AF97}" srcOrd="4" destOrd="0" presId="urn:microsoft.com/office/officeart/2005/8/layout/orgChart1"/>
+    <dgm:cxn modelId="{CE9F0E40-77EC-E242-9BE4-11ED4B34529C}" type="presParOf" srcId="{E9E551C8-67AD-BD49-8105-3EC6BCAFB418}" destId="{A7F8F8EC-5259-9A43-84EE-395FD82D16A9}" srcOrd="5" destOrd="0" presId="urn:microsoft.com/office/officeart/2005/8/layout/orgChart1"/>
+    <dgm:cxn modelId="{07327A30-3BD2-F447-8220-82E318E10BBC}" type="presParOf" srcId="{A7F8F8EC-5259-9A43-84EE-395FD82D16A9}" destId="{5AA718A9-58F8-364B-BB3B-18E2BE9152FE}" srcOrd="0" destOrd="0" presId="urn:microsoft.com/office/officeart/2005/8/layout/orgChart1"/>
+    <dgm:cxn modelId="{5F5870A0-B4D6-584A-B838-AB1AF0D4BD59}" type="presParOf" srcId="{5AA718A9-58F8-364B-BB3B-18E2BE9152FE}" destId="{A21CCBC8-A77B-6042-82D6-5803E2F4FC1D}" srcOrd="0" destOrd="0" presId="urn:microsoft.com/office/officeart/2005/8/layout/orgChart1"/>
+    <dgm:cxn modelId="{85BD7D95-FB5B-C04D-B157-1657713D6518}" type="presParOf" srcId="{5AA718A9-58F8-364B-BB3B-18E2BE9152FE}" destId="{DA252AC9-999F-9842-BE2B-A684D0F3A41B}" srcOrd="1" destOrd="0" presId="urn:microsoft.com/office/officeart/2005/8/layout/orgChart1"/>
+    <dgm:cxn modelId="{BCA95868-85E1-534A-AEAC-D1F06435B316}" type="presParOf" srcId="{A7F8F8EC-5259-9A43-84EE-395FD82D16A9}" destId="{95CE0AA0-85E8-AD48-8195-B05139935582}" srcOrd="1" destOrd="0" presId="urn:microsoft.com/office/officeart/2005/8/layout/orgChart1"/>
+    <dgm:cxn modelId="{6E578ED3-0047-1E48-BD3B-14CD0D13C4A5}" type="presParOf" srcId="{A7F8F8EC-5259-9A43-84EE-395FD82D16A9}" destId="{9400B4FA-58CC-5344-96FC-A57FAD29BE5B}" srcOrd="2" destOrd="0" presId="urn:microsoft.com/office/officeart/2005/8/layout/orgChart1"/>
+    <dgm:cxn modelId="{E87DDD8B-B085-034B-B185-E6A674454C20}" type="presParOf" srcId="{E9E551C8-67AD-BD49-8105-3EC6BCAFB418}" destId="{28BD0A43-C438-8540-BA7D-919523FBADED}" srcOrd="6" destOrd="0" presId="urn:microsoft.com/office/officeart/2005/8/layout/orgChart1"/>
+    <dgm:cxn modelId="{CC684AFD-5DD5-A742-B1A1-9020976C808D}" type="presParOf" srcId="{E9E551C8-67AD-BD49-8105-3EC6BCAFB418}" destId="{7C36B6A0-E97E-D44D-81B7-A7D5BBB82803}" srcOrd="7" destOrd="0" presId="urn:microsoft.com/office/officeart/2005/8/layout/orgChart1"/>
+    <dgm:cxn modelId="{2C920944-227F-DE40-BB57-099076DCE29E}" type="presParOf" srcId="{7C36B6A0-E97E-D44D-81B7-A7D5BBB82803}" destId="{0E967C56-2DBA-5A4A-94F4-0C2093D391E8}" srcOrd="0" destOrd="0" presId="urn:microsoft.com/office/officeart/2005/8/layout/orgChart1"/>
+    <dgm:cxn modelId="{62F07AE9-6773-BC4A-A523-21EC1C4F2E37}" type="presParOf" srcId="{0E967C56-2DBA-5A4A-94F4-0C2093D391E8}" destId="{E8A948CA-0671-8A4E-8362-4C3C998C5DBC}" srcOrd="0" destOrd="0" presId="urn:microsoft.com/office/officeart/2005/8/layout/orgChart1"/>
+    <dgm:cxn modelId="{891D6D24-DC9D-FF46-9B29-4CBE6367D8F7}" type="presParOf" srcId="{0E967C56-2DBA-5A4A-94F4-0C2093D391E8}" destId="{300CF57F-9E39-574B-B47A-26D80C1E0634}" srcOrd="1" destOrd="0" presId="urn:microsoft.com/office/officeart/2005/8/layout/orgChart1"/>
+    <dgm:cxn modelId="{BE89D7DE-E080-7B4B-8CC5-8042D4A54324}" type="presParOf" srcId="{7C36B6A0-E97E-D44D-81B7-A7D5BBB82803}" destId="{78463A7A-DE5A-4947-AFCF-0B5A2544CFC2}" srcOrd="1" destOrd="0" presId="urn:microsoft.com/office/officeart/2005/8/layout/orgChart1"/>
+    <dgm:cxn modelId="{34EEC4A6-CB71-3C4A-B027-D3EACFC3B7E6}" type="presParOf" srcId="{7C36B6A0-E97E-D44D-81B7-A7D5BBB82803}" destId="{D8D1908D-737F-DA4C-A1B6-E5CF54E3B40C}" srcOrd="2" destOrd="0" presId="urn:microsoft.com/office/officeart/2005/8/layout/orgChart1"/>
+    <dgm:cxn modelId="{EEB52E28-02A4-4742-8787-DBAD0B761F01}" type="presParOf" srcId="{E9E551C8-67AD-BD49-8105-3EC6BCAFB418}" destId="{568A960C-ED31-8249-945C-CE587423A17E}" srcOrd="8" destOrd="0" presId="urn:microsoft.com/office/officeart/2005/8/layout/orgChart1"/>
+    <dgm:cxn modelId="{2CD2D63F-E4CD-E74D-9BF0-1805B2279F69}" type="presParOf" srcId="{E9E551C8-67AD-BD49-8105-3EC6BCAFB418}" destId="{5C94DFD0-ED71-B545-9003-B4CB4810F207}" srcOrd="9" destOrd="0" presId="urn:microsoft.com/office/officeart/2005/8/layout/orgChart1"/>
+    <dgm:cxn modelId="{F19B8980-8215-AC45-B0CC-B70A2F6C54A4}" type="presParOf" srcId="{5C94DFD0-ED71-B545-9003-B4CB4810F207}" destId="{9FB4ACC7-BFC5-B048-A63B-4F84BBBD2280}" srcOrd="0" destOrd="0" presId="urn:microsoft.com/office/officeart/2005/8/layout/orgChart1"/>
+    <dgm:cxn modelId="{DD92A45D-982B-F642-8DBF-3DF56BB3F296}" type="presParOf" srcId="{9FB4ACC7-BFC5-B048-A63B-4F84BBBD2280}" destId="{B72AEC3D-2C06-374B-AE6F-706739B1FFEB}" srcOrd="0" destOrd="0" presId="urn:microsoft.com/office/officeart/2005/8/layout/orgChart1"/>
+    <dgm:cxn modelId="{E1CB4BB6-18E7-624E-8045-674E75C81366}" type="presParOf" srcId="{9FB4ACC7-BFC5-B048-A63B-4F84BBBD2280}" destId="{A6F5B899-1841-8B4F-8A6E-A82CCF0C2E8D}" srcOrd="1" destOrd="0" presId="urn:microsoft.com/office/officeart/2005/8/layout/orgChart1"/>
+    <dgm:cxn modelId="{6CBB78CE-E66C-5048-85C7-70F95D5BB236}" type="presParOf" srcId="{5C94DFD0-ED71-B545-9003-B4CB4810F207}" destId="{CEB308C0-099D-BB45-8424-AE8CCEB43E93}" srcOrd="1" destOrd="0" presId="urn:microsoft.com/office/officeart/2005/8/layout/orgChart1"/>
+    <dgm:cxn modelId="{ECA5191E-E1F1-2141-9597-8FA85B576EA5}" type="presParOf" srcId="{5C94DFD0-ED71-B545-9003-B4CB4810F207}" destId="{026B9CEF-90EB-3D4A-80E6-5BCB4FD537B5}" srcOrd="2" destOrd="0" presId="urn:microsoft.com/office/officeart/2005/8/layout/orgChart1"/>
+    <dgm:cxn modelId="{4BD28E9C-2F8D-AC44-9F78-7DEF859EC665}" type="presParOf" srcId="{7A8FBCC4-2340-DC43-9573-EA65C77E6E6A}" destId="{A72DE82D-7BC8-C947-8585-756F7C7DA42D}" srcOrd="2" destOrd="0" presId="urn:microsoft.com/office/officeart/2005/8/layout/orgChart1"/>
+  </dgm:cxnLst>
+  <dgm:bg/>
+  <dgm:whole/>
+  <dgm:extLst>
+    <a:ext uri="http://schemas.microsoft.com/office/drawing/2008/diagram">
+      <dsp:dataModelExt xmlns:dsp="http://schemas.microsoft.com/office/drawing/2008/diagram" relId="rId6" minVer="http://schemas.openxmlformats.org/drawingml/2006/diagram"/>
+    </a:ext>
+  </dgm:extLst>
+</dgm:dataModel>
+</file>
+
+<file path=ppt/diagrams/data2.xml><?xml version="1.0" encoding="utf-8"?>
+<dgm:dataModel xmlns:dgm="http://schemas.openxmlformats.org/drawingml/2006/diagram" xmlns:a="http://schemas.openxmlformats.org/drawingml/2006/main">
+  <dgm:ptLst>
+    <dgm:pt modelId="{B630F1C9-CFF9-C84B-9433-1FBC8CEA9D1D}" type="doc">
+      <dgm:prSet loTypeId="urn:microsoft.com/office/officeart/2005/8/layout/orgChart1" loCatId="" qsTypeId="urn:microsoft.com/office/officeart/2005/8/quickstyle/simple4" qsCatId="simple" csTypeId="urn:microsoft.com/office/officeart/2005/8/colors/accent1_2" csCatId="accent1" phldr="1"/>
+      <dgm:spPr/>
+      <dgm:t>
+        <a:bodyPr/>
+        <a:lstStyle/>
+        <a:p>
+          <a:endParaRPr lang="zh-CN" altLang="en-US"/>
+        </a:p>
+      </dgm:t>
+    </dgm:pt>
+    <dgm:pt modelId="{089B8A85-A84E-8741-B756-D6E8208AA69F}">
+      <dgm:prSet phldrT="[文本]"/>
+      <dgm:spPr/>
+      <dgm:t>
+        <a:bodyPr/>
+        <a:lstStyle/>
+        <a:p>
+          <a:r>
+            <a:rPr lang="zh-CN" altLang="en-US" dirty="0"/>
+            <a:t>栅格容器</a:t>
+          </a:r>
+        </a:p>
+      </dgm:t>
+    </dgm:pt>
+    <dgm:pt modelId="{27981E1A-4EBC-F94C-AFFD-74909A2E96B4}" type="parTrans" cxnId="{F62AC43D-1497-514E-A908-657860816B79}">
+      <dgm:prSet/>
+      <dgm:spPr/>
+      <dgm:t>
+        <a:bodyPr/>
+        <a:lstStyle/>
+        <a:p>
+          <a:endParaRPr lang="zh-CN" altLang="en-US"/>
+        </a:p>
+      </dgm:t>
+    </dgm:pt>
+    <dgm:pt modelId="{61E66DFC-B98F-E545-84BD-A702DE60BA1A}" type="sibTrans" cxnId="{F62AC43D-1497-514E-A908-657860816B79}">
+      <dgm:prSet/>
+      <dgm:spPr/>
+      <dgm:t>
+        <a:bodyPr/>
+        <a:lstStyle/>
+        <a:p>
+          <a:endParaRPr lang="zh-CN" altLang="en-US"/>
+        </a:p>
+      </dgm:t>
+    </dgm:pt>
+    <dgm:pt modelId="{CA618E98-DA33-544D-905E-6F6DF2BBE287}">
+      <dgm:prSet phldrT="[文本]"/>
+      <dgm:spPr/>
+      <dgm:t>
+        <a:bodyPr/>
+        <a:lstStyle/>
+        <a:p>
+          <a:r>
+            <a:rPr lang="zh-CN" altLang="en-US" dirty="0"/>
+            <a:t>栅格项目</a:t>
+          </a:r>
+        </a:p>
+      </dgm:t>
+    </dgm:pt>
+    <dgm:pt modelId="{C6F298F6-653B-A941-BECE-D7AEC4FBA17A}" type="parTrans" cxnId="{B978757A-C9B3-B041-9CE6-BE78C0AFAB64}">
+      <dgm:prSet/>
+      <dgm:spPr/>
+      <dgm:t>
+        <a:bodyPr/>
+        <a:lstStyle/>
+        <a:p>
+          <a:endParaRPr lang="zh-CN" altLang="en-US"/>
+        </a:p>
+      </dgm:t>
+    </dgm:pt>
+    <dgm:pt modelId="{8D63A4A8-B27F-F049-8522-3B9C02AE055A}" type="sibTrans" cxnId="{B978757A-C9B3-B041-9CE6-BE78C0AFAB64}">
+      <dgm:prSet/>
+      <dgm:spPr/>
+      <dgm:t>
+        <a:bodyPr/>
+        <a:lstStyle/>
+        <a:p>
+          <a:endParaRPr lang="zh-CN" altLang="en-US"/>
+        </a:p>
+      </dgm:t>
+    </dgm:pt>
+    <dgm:pt modelId="{2A6A6557-22E6-4440-93F4-318AD223EC07}">
+      <dgm:prSet phldrT="[文本]"/>
+      <dgm:spPr/>
+      <dgm:t>
+        <a:bodyPr/>
+        <a:lstStyle/>
+        <a:p>
+          <a:r>
+            <a:rPr lang="zh-CN" altLang="en-US" dirty="0"/>
+            <a:t>栅格项目</a:t>
+          </a:r>
+        </a:p>
+      </dgm:t>
+    </dgm:pt>
+    <dgm:pt modelId="{09F5AA4F-3F0E-F448-8010-EADD0EFAB073}" type="parTrans" cxnId="{36499D25-40B4-1D48-BB6A-188E0817850C}">
+      <dgm:prSet/>
+      <dgm:spPr/>
+      <dgm:t>
+        <a:bodyPr/>
+        <a:lstStyle/>
+        <a:p>
+          <a:endParaRPr lang="zh-CN" altLang="en-US"/>
+        </a:p>
+      </dgm:t>
+    </dgm:pt>
+    <dgm:pt modelId="{014CBFC8-1CC7-9F4F-86AA-E0299D0A476E}" type="sibTrans" cxnId="{36499D25-40B4-1D48-BB6A-188E0817850C}">
+      <dgm:prSet/>
+      <dgm:spPr/>
+      <dgm:t>
+        <a:bodyPr/>
+        <a:lstStyle/>
+        <a:p>
+          <a:endParaRPr lang="zh-CN" altLang="en-US"/>
+        </a:p>
+      </dgm:t>
+    </dgm:pt>
+    <dgm:pt modelId="{EA1A376E-E1CF-A54F-BD1E-7342A9121FF1}">
+      <dgm:prSet phldrT="[文本]"/>
+      <dgm:spPr/>
+      <dgm:t>
+        <a:bodyPr/>
+        <a:lstStyle/>
+        <a:p>
+          <a:r>
+            <a:rPr lang="zh-CN" altLang="en-US" dirty="0"/>
+            <a:t>栅格项目</a:t>
+          </a:r>
+        </a:p>
+      </dgm:t>
+    </dgm:pt>
+    <dgm:pt modelId="{329218CD-5EBE-6347-A54F-9E27A2C28CFE}" type="parTrans" cxnId="{BE659CD9-82CA-734C-92A2-CFFD7BE81836}">
+      <dgm:prSet/>
+      <dgm:spPr/>
+      <dgm:t>
+        <a:bodyPr/>
+        <a:lstStyle/>
+        <a:p>
+          <a:endParaRPr lang="zh-CN" altLang="en-US"/>
+        </a:p>
+      </dgm:t>
+    </dgm:pt>
+    <dgm:pt modelId="{CD21B503-EE73-0C40-B6FB-14DEEF4484AD}" type="sibTrans" cxnId="{BE659CD9-82CA-734C-92A2-CFFD7BE81836}">
+      <dgm:prSet/>
+      <dgm:spPr/>
+      <dgm:t>
+        <a:bodyPr/>
+        <a:lstStyle/>
+        <a:p>
+          <a:endParaRPr lang="zh-CN" altLang="en-US"/>
+        </a:p>
+      </dgm:t>
+    </dgm:pt>
+    <dgm:pt modelId="{FE162D69-B4B1-E547-8BED-2B0564183F40}">
+      <dgm:prSet phldrT="[文本]"/>
+      <dgm:spPr/>
+      <dgm:t>
+        <a:bodyPr/>
+        <a:lstStyle/>
+        <a:p>
+          <a:r>
+            <a:rPr lang="zh-CN" altLang="en-US" dirty="0"/>
+            <a:t>栅格项目</a:t>
+          </a:r>
+        </a:p>
+      </dgm:t>
+    </dgm:pt>
+    <dgm:pt modelId="{A7033AB8-3E3C-6345-82A7-26D79CBF095E}" type="parTrans" cxnId="{0D994073-879E-A84B-8FA2-1D632ABBC0D7}">
+      <dgm:prSet/>
+      <dgm:spPr/>
+      <dgm:t>
+        <a:bodyPr/>
+        <a:lstStyle/>
+        <a:p>
+          <a:endParaRPr lang="zh-CN" altLang="en-US"/>
+        </a:p>
+      </dgm:t>
+    </dgm:pt>
+    <dgm:pt modelId="{257972D6-2FDF-444E-BAE3-ADF052ACC722}" type="sibTrans" cxnId="{0D994073-879E-A84B-8FA2-1D632ABBC0D7}">
+      <dgm:prSet/>
+      <dgm:spPr/>
+      <dgm:t>
+        <a:bodyPr/>
+        <a:lstStyle/>
+        <a:p>
+          <a:endParaRPr lang="zh-CN" altLang="en-US"/>
+        </a:p>
+      </dgm:t>
+    </dgm:pt>
+    <dgm:pt modelId="{061C52BE-7CF4-EC44-BF9D-04F9145BF7C0}">
+      <dgm:prSet phldrT="[文本]"/>
+      <dgm:spPr/>
+      <dgm:t>
+        <a:bodyPr/>
+        <a:lstStyle/>
+        <a:p>
+          <a:r>
+            <a:rPr lang="zh-CN" altLang="en-US" dirty="0"/>
+            <a:t>栅格项目</a:t>
+          </a:r>
+        </a:p>
+      </dgm:t>
+    </dgm:pt>
+    <dgm:pt modelId="{10A48251-DC0A-F346-B0C6-66C14C6B50F4}" type="parTrans" cxnId="{95F85091-8AEA-BF44-A577-D8A3DC8E7D82}">
+      <dgm:prSet/>
+      <dgm:spPr/>
+      <dgm:t>
+        <a:bodyPr/>
+        <a:lstStyle/>
+        <a:p>
+          <a:endParaRPr lang="zh-CN" altLang="en-US"/>
+        </a:p>
+      </dgm:t>
+    </dgm:pt>
+    <dgm:pt modelId="{EB6167F5-7DA7-0843-9DDF-A62488ACB411}" type="sibTrans" cxnId="{95F85091-8AEA-BF44-A577-D8A3DC8E7D82}">
+      <dgm:prSet/>
+      <dgm:spPr/>
+      <dgm:t>
+        <a:bodyPr/>
+        <a:lstStyle/>
+        <a:p>
+          <a:endParaRPr lang="zh-CN" altLang="en-US"/>
+        </a:p>
+      </dgm:t>
+    </dgm:pt>
+    <dgm:pt modelId="{DC210692-E386-2344-954E-98E6D550EFD6}" type="pres">
+      <dgm:prSet presAssocID="{B630F1C9-CFF9-C84B-9433-1FBC8CEA9D1D}" presName="hierChild1" presStyleCnt="0">
+        <dgm:presLayoutVars>
+          <dgm:orgChart val="1"/>
+          <dgm:chPref val="1"/>
+          <dgm:dir/>
+          <dgm:animOne val="branch"/>
+          <dgm:animLvl val="lvl"/>
+          <dgm:resizeHandles/>
+        </dgm:presLayoutVars>
+      </dgm:prSet>
+      <dgm:spPr/>
+    </dgm:pt>
+    <dgm:pt modelId="{7A8FBCC4-2340-DC43-9573-EA65C77E6E6A}" type="pres">
+      <dgm:prSet presAssocID="{089B8A85-A84E-8741-B756-D6E8208AA69F}" presName="hierRoot1" presStyleCnt="0">
+        <dgm:presLayoutVars>
+          <dgm:hierBranch val="init"/>
+        </dgm:presLayoutVars>
+      </dgm:prSet>
+      <dgm:spPr/>
+    </dgm:pt>
+    <dgm:pt modelId="{BAD9196E-4268-2842-AB85-1F29C96DF1C6}" type="pres">
+      <dgm:prSet presAssocID="{089B8A85-A84E-8741-B756-D6E8208AA69F}" presName="rootComposite1" presStyleCnt="0"/>
+      <dgm:spPr/>
+    </dgm:pt>
+    <dgm:pt modelId="{8904E6B1-D046-FE46-8617-2327D1B7EBFF}" type="pres">
+      <dgm:prSet presAssocID="{089B8A85-A84E-8741-B756-D6E8208AA69F}" presName="rootText1" presStyleLbl="node0" presStyleIdx="0" presStyleCnt="1">
+        <dgm:presLayoutVars>
+          <dgm:chPref val="3"/>
+        </dgm:presLayoutVars>
+      </dgm:prSet>
+      <dgm:spPr/>
+    </dgm:pt>
+    <dgm:pt modelId="{C2E6BAFA-5D71-CC47-8BF1-00F48C9795BF}" type="pres">
+      <dgm:prSet presAssocID="{089B8A85-A84E-8741-B756-D6E8208AA69F}" presName="rootConnector1" presStyleLbl="node1" presStyleIdx="0" presStyleCnt="0"/>
+      <dgm:spPr/>
+    </dgm:pt>
+    <dgm:pt modelId="{E9E551C8-67AD-BD49-8105-3EC6BCAFB418}" type="pres">
+      <dgm:prSet presAssocID="{089B8A85-A84E-8741-B756-D6E8208AA69F}" presName="hierChild2" presStyleCnt="0"/>
+      <dgm:spPr/>
+    </dgm:pt>
+    <dgm:pt modelId="{5F453A73-8BDC-0840-840B-D1D0D6D6D6F0}" type="pres">
+      <dgm:prSet presAssocID="{C6F298F6-653B-A941-BECE-D7AEC4FBA17A}" presName="Name37" presStyleLbl="parChTrans1D2" presStyleIdx="0" presStyleCnt="5"/>
+      <dgm:spPr/>
+    </dgm:pt>
+    <dgm:pt modelId="{22CDC3F1-D998-2C46-B14A-9EC46B795BDC}" type="pres">
+      <dgm:prSet presAssocID="{CA618E98-DA33-544D-905E-6F6DF2BBE287}" presName="hierRoot2" presStyleCnt="0">
+        <dgm:presLayoutVars>
+          <dgm:hierBranch val="init"/>
+        </dgm:presLayoutVars>
+      </dgm:prSet>
+      <dgm:spPr/>
+    </dgm:pt>
+    <dgm:pt modelId="{1182EA99-D581-EB45-BE60-B59C3DBD4A40}" type="pres">
+      <dgm:prSet presAssocID="{CA618E98-DA33-544D-905E-6F6DF2BBE287}" presName="rootComposite" presStyleCnt="0"/>
+      <dgm:spPr/>
+    </dgm:pt>
+    <dgm:pt modelId="{BDEEFA10-8AEC-064F-B79C-DE044C5232CD}" type="pres">
+      <dgm:prSet presAssocID="{CA618E98-DA33-544D-905E-6F6DF2BBE287}" presName="rootText" presStyleLbl="node2" presStyleIdx="0" presStyleCnt="5">
+        <dgm:presLayoutVars>
+          <dgm:chPref val="3"/>
+        </dgm:presLayoutVars>
+      </dgm:prSet>
+      <dgm:spPr/>
+    </dgm:pt>
+    <dgm:pt modelId="{197EEB88-9CF5-1D40-B8CC-7685270E438E}" type="pres">
+      <dgm:prSet presAssocID="{CA618E98-DA33-544D-905E-6F6DF2BBE287}" presName="rootConnector" presStyleLbl="node2" presStyleIdx="0" presStyleCnt="5"/>
+      <dgm:spPr/>
+    </dgm:pt>
+    <dgm:pt modelId="{3CBB2ADC-B038-FD4A-B0F5-CAC2A0F76FC5}" type="pres">
+      <dgm:prSet presAssocID="{CA618E98-DA33-544D-905E-6F6DF2BBE287}" presName="hierChild4" presStyleCnt="0"/>
+      <dgm:spPr/>
+    </dgm:pt>
+    <dgm:pt modelId="{FF0498F4-0711-FC40-BF83-7BD2F778B94F}" type="pres">
+      <dgm:prSet presAssocID="{CA618E98-DA33-544D-905E-6F6DF2BBE287}" presName="hierChild5" presStyleCnt="0"/>
+      <dgm:spPr/>
+    </dgm:pt>
+    <dgm:pt modelId="{FDC577A4-973B-6644-9FB7-0F014835A0EF}" type="pres">
+      <dgm:prSet presAssocID="{09F5AA4F-3F0E-F448-8010-EADD0EFAB073}" presName="Name37" presStyleLbl="parChTrans1D2" presStyleIdx="1" presStyleCnt="5"/>
+      <dgm:spPr/>
+    </dgm:pt>
+    <dgm:pt modelId="{2B95877C-4FEB-E749-A8CC-3AE5355562EC}" type="pres">
+      <dgm:prSet presAssocID="{2A6A6557-22E6-4440-93F4-318AD223EC07}" presName="hierRoot2" presStyleCnt="0">
+        <dgm:presLayoutVars>
+          <dgm:hierBranch val="init"/>
+        </dgm:presLayoutVars>
+      </dgm:prSet>
+      <dgm:spPr/>
+    </dgm:pt>
+    <dgm:pt modelId="{FC92C182-A2B1-0C49-B5DC-761934DE552E}" type="pres">
+      <dgm:prSet presAssocID="{2A6A6557-22E6-4440-93F4-318AD223EC07}" presName="rootComposite" presStyleCnt="0"/>
+      <dgm:spPr/>
+    </dgm:pt>
+    <dgm:pt modelId="{4BE14C3B-968F-914B-8541-347ECA41D053}" type="pres">
+      <dgm:prSet presAssocID="{2A6A6557-22E6-4440-93F4-318AD223EC07}" presName="rootText" presStyleLbl="node2" presStyleIdx="1" presStyleCnt="5">
+        <dgm:presLayoutVars>
+          <dgm:chPref val="3"/>
+        </dgm:presLayoutVars>
+      </dgm:prSet>
+      <dgm:spPr/>
+    </dgm:pt>
+    <dgm:pt modelId="{0B5A722B-B604-914D-A9EE-33F6F187EB5B}" type="pres">
+      <dgm:prSet presAssocID="{2A6A6557-22E6-4440-93F4-318AD223EC07}" presName="rootConnector" presStyleLbl="node2" presStyleIdx="1" presStyleCnt="5"/>
+      <dgm:spPr/>
+    </dgm:pt>
+    <dgm:pt modelId="{973BC156-42E0-DF42-9A75-EE6B17340535}" type="pres">
+      <dgm:prSet presAssocID="{2A6A6557-22E6-4440-93F4-318AD223EC07}" presName="hierChild4" presStyleCnt="0"/>
+      <dgm:spPr/>
+    </dgm:pt>
+    <dgm:pt modelId="{CB465E90-033B-AB4A-8994-11DA8FB485E1}" type="pres">
+      <dgm:prSet presAssocID="{2A6A6557-22E6-4440-93F4-318AD223EC07}" presName="hierChild5" presStyleCnt="0"/>
+      <dgm:spPr/>
+    </dgm:pt>
+    <dgm:pt modelId="{A9A95BD9-9298-2B46-B854-9553EE11AF97}" type="pres">
+      <dgm:prSet presAssocID="{329218CD-5EBE-6347-A54F-9E27A2C28CFE}" presName="Name37" presStyleLbl="parChTrans1D2" presStyleIdx="2" presStyleCnt="5"/>
+      <dgm:spPr/>
+    </dgm:pt>
+    <dgm:pt modelId="{A7F8F8EC-5259-9A43-84EE-395FD82D16A9}" type="pres">
+      <dgm:prSet presAssocID="{EA1A376E-E1CF-A54F-BD1E-7342A9121FF1}" presName="hierRoot2" presStyleCnt="0">
+        <dgm:presLayoutVars>
+          <dgm:hierBranch val="init"/>
+        </dgm:presLayoutVars>
+      </dgm:prSet>
+      <dgm:spPr/>
+    </dgm:pt>
+    <dgm:pt modelId="{5AA718A9-58F8-364B-BB3B-18E2BE9152FE}" type="pres">
+      <dgm:prSet presAssocID="{EA1A376E-E1CF-A54F-BD1E-7342A9121FF1}" presName="rootComposite" presStyleCnt="0"/>
+      <dgm:spPr/>
+    </dgm:pt>
+    <dgm:pt modelId="{A21CCBC8-A77B-6042-82D6-5803E2F4FC1D}" type="pres">
+      <dgm:prSet presAssocID="{EA1A376E-E1CF-A54F-BD1E-7342A9121FF1}" presName="rootText" presStyleLbl="node2" presStyleIdx="2" presStyleCnt="5">
+        <dgm:presLayoutVars>
+          <dgm:chPref val="3"/>
+        </dgm:presLayoutVars>
+      </dgm:prSet>
+      <dgm:spPr/>
+    </dgm:pt>
+    <dgm:pt modelId="{DA252AC9-999F-9842-BE2B-A684D0F3A41B}" type="pres">
+      <dgm:prSet presAssocID="{EA1A376E-E1CF-A54F-BD1E-7342A9121FF1}" presName="rootConnector" presStyleLbl="node2" presStyleIdx="2" presStyleCnt="5"/>
+      <dgm:spPr/>
+    </dgm:pt>
+    <dgm:pt modelId="{95CE0AA0-85E8-AD48-8195-B05139935582}" type="pres">
+      <dgm:prSet presAssocID="{EA1A376E-E1CF-A54F-BD1E-7342A9121FF1}" presName="hierChild4" presStyleCnt="0"/>
+      <dgm:spPr/>
+    </dgm:pt>
+    <dgm:pt modelId="{9400B4FA-58CC-5344-96FC-A57FAD29BE5B}" type="pres">
+      <dgm:prSet presAssocID="{EA1A376E-E1CF-A54F-BD1E-7342A9121FF1}" presName="hierChild5" presStyleCnt="0"/>
+      <dgm:spPr/>
+    </dgm:pt>
+    <dgm:pt modelId="{28BD0A43-C438-8540-BA7D-919523FBADED}" type="pres">
+      <dgm:prSet presAssocID="{A7033AB8-3E3C-6345-82A7-26D79CBF095E}" presName="Name37" presStyleLbl="parChTrans1D2" presStyleIdx="3" presStyleCnt="5"/>
+      <dgm:spPr/>
+    </dgm:pt>
+    <dgm:pt modelId="{7C36B6A0-E97E-D44D-81B7-A7D5BBB82803}" type="pres">
+      <dgm:prSet presAssocID="{FE162D69-B4B1-E547-8BED-2B0564183F40}" presName="hierRoot2" presStyleCnt="0">
+        <dgm:presLayoutVars>
+          <dgm:hierBranch val="init"/>
+        </dgm:presLayoutVars>
+      </dgm:prSet>
+      <dgm:spPr/>
+    </dgm:pt>
+    <dgm:pt modelId="{0E967C56-2DBA-5A4A-94F4-0C2093D391E8}" type="pres">
+      <dgm:prSet presAssocID="{FE162D69-B4B1-E547-8BED-2B0564183F40}" presName="rootComposite" presStyleCnt="0"/>
+      <dgm:spPr/>
+    </dgm:pt>
+    <dgm:pt modelId="{E8A948CA-0671-8A4E-8362-4C3C998C5DBC}" type="pres">
+      <dgm:prSet presAssocID="{FE162D69-B4B1-E547-8BED-2B0564183F40}" presName="rootText" presStyleLbl="node2" presStyleIdx="3" presStyleCnt="5">
+        <dgm:presLayoutVars>
+          <dgm:chPref val="3"/>
+        </dgm:presLayoutVars>
+      </dgm:prSet>
+      <dgm:spPr/>
+    </dgm:pt>
+    <dgm:pt modelId="{300CF57F-9E39-574B-B47A-26D80C1E0634}" type="pres">
+      <dgm:prSet presAssocID="{FE162D69-B4B1-E547-8BED-2B0564183F40}" presName="rootConnector" presStyleLbl="node2" presStyleIdx="3" presStyleCnt="5"/>
+      <dgm:spPr/>
+    </dgm:pt>
+    <dgm:pt modelId="{78463A7A-DE5A-4947-AFCF-0B5A2544CFC2}" type="pres">
+      <dgm:prSet presAssocID="{FE162D69-B4B1-E547-8BED-2B0564183F40}" presName="hierChild4" presStyleCnt="0"/>
+      <dgm:spPr/>
+    </dgm:pt>
+    <dgm:pt modelId="{D8D1908D-737F-DA4C-A1B6-E5CF54E3B40C}" type="pres">
+      <dgm:prSet presAssocID="{FE162D69-B4B1-E547-8BED-2B0564183F40}" presName="hierChild5" presStyleCnt="0"/>
+      <dgm:spPr/>
+    </dgm:pt>
+    <dgm:pt modelId="{568A960C-ED31-8249-945C-CE587423A17E}" type="pres">
+      <dgm:prSet presAssocID="{10A48251-DC0A-F346-B0C6-66C14C6B50F4}" presName="Name37" presStyleLbl="parChTrans1D2" presStyleIdx="4" presStyleCnt="5"/>
+      <dgm:spPr/>
+    </dgm:pt>
+    <dgm:pt modelId="{5C94DFD0-ED71-B545-9003-B4CB4810F207}" type="pres">
+      <dgm:prSet presAssocID="{061C52BE-7CF4-EC44-BF9D-04F9145BF7C0}" presName="hierRoot2" presStyleCnt="0">
+        <dgm:presLayoutVars>
+          <dgm:hierBranch val="init"/>
+        </dgm:presLayoutVars>
+      </dgm:prSet>
+      <dgm:spPr/>
+    </dgm:pt>
+    <dgm:pt modelId="{9FB4ACC7-BFC5-B048-A63B-4F84BBBD2280}" type="pres">
+      <dgm:prSet presAssocID="{061C52BE-7CF4-EC44-BF9D-04F9145BF7C0}" presName="rootComposite" presStyleCnt="0"/>
+      <dgm:spPr/>
+    </dgm:pt>
+    <dgm:pt modelId="{B72AEC3D-2C06-374B-AE6F-706739B1FFEB}" type="pres">
+      <dgm:prSet presAssocID="{061C52BE-7CF4-EC44-BF9D-04F9145BF7C0}" presName="rootText" presStyleLbl="node2" presStyleIdx="4" presStyleCnt="5">
+        <dgm:presLayoutVars>
+          <dgm:chPref val="3"/>
+        </dgm:presLayoutVars>
+      </dgm:prSet>
+      <dgm:spPr/>
+    </dgm:pt>
+    <dgm:pt modelId="{A6F5B899-1841-8B4F-8A6E-A82CCF0C2E8D}" type="pres">
+      <dgm:prSet presAssocID="{061C52BE-7CF4-EC44-BF9D-04F9145BF7C0}" presName="rootConnector" presStyleLbl="node2" presStyleIdx="4" presStyleCnt="5"/>
+      <dgm:spPr/>
+    </dgm:pt>
+    <dgm:pt modelId="{CEB308C0-099D-BB45-8424-AE8CCEB43E93}" type="pres">
+      <dgm:prSet presAssocID="{061C52BE-7CF4-EC44-BF9D-04F9145BF7C0}" presName="hierChild4" presStyleCnt="0"/>
+      <dgm:spPr/>
+    </dgm:pt>
+    <dgm:pt modelId="{026B9CEF-90EB-3D4A-80E6-5BCB4FD537B5}" type="pres">
+      <dgm:prSet presAssocID="{061C52BE-7CF4-EC44-BF9D-04F9145BF7C0}" presName="hierChild5" presStyleCnt="0"/>
+      <dgm:spPr/>
+    </dgm:pt>
+    <dgm:pt modelId="{A72DE82D-7BC8-C947-8585-756F7C7DA42D}" type="pres">
+      <dgm:prSet presAssocID="{089B8A85-A84E-8741-B756-D6E8208AA69F}" presName="hierChild3" presStyleCnt="0"/>
+      <dgm:spPr/>
+    </dgm:pt>
+  </dgm:ptLst>
+  <dgm:cxnLst>
+    <dgm:cxn modelId="{6B9A7B00-EF08-9F4A-A72A-BAE58C230504}" type="presOf" srcId="{A7033AB8-3E3C-6345-82A7-26D79CBF095E}" destId="{28BD0A43-C438-8540-BA7D-919523FBADED}" srcOrd="0" destOrd="0" presId="urn:microsoft.com/office/officeart/2005/8/layout/orgChart1"/>
+    <dgm:cxn modelId="{6ED9E108-7214-FA49-A007-EB019736C06B}" type="presOf" srcId="{2A6A6557-22E6-4440-93F4-318AD223EC07}" destId="{4BE14C3B-968F-914B-8541-347ECA41D053}" srcOrd="0" destOrd="0" presId="urn:microsoft.com/office/officeart/2005/8/layout/orgChart1"/>
+    <dgm:cxn modelId="{EAF51809-CF8B-C843-B54E-FF47D256811D}" type="presOf" srcId="{FE162D69-B4B1-E547-8BED-2B0564183F40}" destId="{E8A948CA-0671-8A4E-8362-4C3C998C5DBC}" srcOrd="0" destOrd="0" presId="urn:microsoft.com/office/officeart/2005/8/layout/orgChart1"/>
     <dgm:cxn modelId="{67F3C80B-8EE5-334E-AAAB-9918F69E5465}" type="presOf" srcId="{EA1A376E-E1CF-A54F-BD1E-7342A9121FF1}" destId="{A21CCBC8-A77B-6042-82D6-5803E2F4FC1D}" srcOrd="0" destOrd="0" presId="urn:microsoft.com/office/officeart/2005/8/layout/orgChart1"/>
+    <dgm:cxn modelId="{9F12EB13-1A82-2541-9432-2991F9EC4E2B}" type="presOf" srcId="{FE162D69-B4B1-E547-8BED-2B0564183F40}" destId="{300CF57F-9E39-574B-B47A-26D80C1E0634}" srcOrd="1" destOrd="0" presId="urn:microsoft.com/office/officeart/2005/8/layout/orgChart1"/>
+    <dgm:cxn modelId="{BBFBCA1C-E326-B34E-A943-897F943CC915}" type="presOf" srcId="{09F5AA4F-3F0E-F448-8010-EADD0EFAB073}" destId="{FDC577A4-973B-6644-9FB7-0F014835A0EF}" srcOrd="0" destOrd="0" presId="urn:microsoft.com/office/officeart/2005/8/layout/orgChart1"/>
+    <dgm:cxn modelId="{E49D7F24-616E-A94D-865F-0288CA6CA4DC}" type="presOf" srcId="{B630F1C9-CFF9-C84B-9433-1FBC8CEA9D1D}" destId="{DC210692-E386-2344-954E-98E6D550EFD6}" srcOrd="0" destOrd="0" presId="urn:microsoft.com/office/officeart/2005/8/layout/orgChart1"/>
+    <dgm:cxn modelId="{36499D25-40B4-1D48-BB6A-188E0817850C}" srcId="{089B8A85-A84E-8741-B756-D6E8208AA69F}" destId="{2A6A6557-22E6-4440-93F4-318AD223EC07}" srcOrd="1" destOrd="0" parTransId="{09F5AA4F-3F0E-F448-8010-EADD0EFAB073}" sibTransId="{014CBFC8-1CC7-9F4F-86AA-E0299D0A476E}"/>
+    <dgm:cxn modelId="{61E9B137-E1C3-1849-9899-B129AAB9BFED}" type="presOf" srcId="{CA618E98-DA33-544D-905E-6F6DF2BBE287}" destId="{197EEB88-9CF5-1D40-B8CC-7685270E438E}" srcOrd="1" destOrd="0" presId="urn:microsoft.com/office/officeart/2005/8/layout/orgChart1"/>
     <dgm:cxn modelId="{F62AC43D-1497-514E-A908-657860816B79}" srcId="{B630F1C9-CFF9-C84B-9433-1FBC8CEA9D1D}" destId="{089B8A85-A84E-8741-B756-D6E8208AA69F}" srcOrd="0" destOrd="0" parTransId="{27981E1A-4EBC-F94C-AFFD-74909A2E96B4}" sibTransId="{61E66DFC-B98F-E545-84BD-A702DE60BA1A}"/>
-    <dgm:cxn modelId="{6ED9E108-7214-FA49-A007-EB019736C06B}" type="presOf" srcId="{2A6A6557-22E6-4440-93F4-318AD223EC07}" destId="{4BE14C3B-968F-914B-8541-347ECA41D053}" srcOrd="0" destOrd="0" presId="urn:microsoft.com/office/officeart/2005/8/layout/orgChart1"/>
-    <dgm:cxn modelId="{61E9B137-E1C3-1849-9899-B129AAB9BFED}" type="presOf" srcId="{CA618E98-DA33-544D-905E-6F6DF2BBE287}" destId="{197EEB88-9CF5-1D40-B8CC-7685270E438E}" srcOrd="1" destOrd="0" presId="urn:microsoft.com/office/officeart/2005/8/layout/orgChart1"/>
-    <dgm:cxn modelId="{6B9A7B00-EF08-9F4A-A72A-BAE58C230504}" type="presOf" srcId="{A7033AB8-3E3C-6345-82A7-26D79CBF095E}" destId="{28BD0A43-C438-8540-BA7D-919523FBADED}" srcOrd="0" destOrd="0" presId="urn:microsoft.com/office/officeart/2005/8/layout/orgChart1"/>
-    <dgm:cxn modelId="{E49D7F24-616E-A94D-865F-0288CA6CA4DC}" type="presOf" srcId="{B630F1C9-CFF9-C84B-9433-1FBC8CEA9D1D}" destId="{DC210692-E386-2344-954E-98E6D550EFD6}" srcOrd="0" destOrd="0" presId="urn:microsoft.com/office/officeart/2005/8/layout/orgChart1"/>
     <dgm:cxn modelId="{9A480B42-5E34-1242-A5BB-E63AB04D3A0D}" type="presOf" srcId="{061C52BE-7CF4-EC44-BF9D-04F9145BF7C0}" destId="{A6F5B899-1841-8B4F-8A6E-A82CCF0C2E8D}" srcOrd="1" destOrd="0" presId="urn:microsoft.com/office/officeart/2005/8/layout/orgChart1"/>
+    <dgm:cxn modelId="{07192F67-731B-A44F-B3D9-C65C2B3D4541}" type="presOf" srcId="{C6F298F6-653B-A941-BECE-D7AEC4FBA17A}" destId="{5F453A73-8BDC-0840-840B-D1D0D6D6D6F0}" srcOrd="0" destOrd="0" presId="urn:microsoft.com/office/officeart/2005/8/layout/orgChart1"/>
+    <dgm:cxn modelId="{F80E946B-E716-C84E-808B-D73F61F883DD}" type="presOf" srcId="{061C52BE-7CF4-EC44-BF9D-04F9145BF7C0}" destId="{B72AEC3D-2C06-374B-AE6F-706739B1FFEB}" srcOrd="0" destOrd="0" presId="urn:microsoft.com/office/officeart/2005/8/layout/orgChart1"/>
+    <dgm:cxn modelId="{6C95D86D-53B0-F248-9872-EF6302AB73A2}" type="presOf" srcId="{EA1A376E-E1CF-A54F-BD1E-7342A9121FF1}" destId="{DA252AC9-999F-9842-BE2B-A684D0F3A41B}" srcOrd="1" destOrd="0" presId="urn:microsoft.com/office/officeart/2005/8/layout/orgChart1"/>
+    <dgm:cxn modelId="{0D994073-879E-A84B-8FA2-1D632ABBC0D7}" srcId="{089B8A85-A84E-8741-B756-D6E8208AA69F}" destId="{FE162D69-B4B1-E547-8BED-2B0564183F40}" srcOrd="3" destOrd="0" parTransId="{A7033AB8-3E3C-6345-82A7-26D79CBF095E}" sibTransId="{257972D6-2FDF-444E-BAE3-ADF052ACC722}"/>
+    <dgm:cxn modelId="{E1362577-7708-814B-ACC3-2950977E451F}" type="presOf" srcId="{2A6A6557-22E6-4440-93F4-318AD223EC07}" destId="{0B5A722B-B604-914D-A9EE-33F6F187EB5B}" srcOrd="1" destOrd="0" presId="urn:microsoft.com/office/officeart/2005/8/layout/orgChart1"/>
     <dgm:cxn modelId="{31FF4A7A-C43B-E740-8D27-71294B78F62F}" type="presOf" srcId="{329218CD-5EBE-6347-A54F-9E27A2C28CFE}" destId="{A9A95BD9-9298-2B46-B854-9553EE11AF97}" srcOrd="0" destOrd="0" presId="urn:microsoft.com/office/officeart/2005/8/layout/orgChart1"/>
+    <dgm:cxn modelId="{B978757A-C9B3-B041-9CE6-BE78C0AFAB64}" srcId="{089B8A85-A84E-8741-B756-D6E8208AA69F}" destId="{CA618E98-DA33-544D-905E-6F6DF2BBE287}" srcOrd="0" destOrd="0" parTransId="{C6F298F6-653B-A941-BECE-D7AEC4FBA17A}" sibTransId="{8D63A4A8-B27F-F049-8522-3B9C02AE055A}"/>
+    <dgm:cxn modelId="{95F85091-8AEA-BF44-A577-D8A3DC8E7D82}" srcId="{089B8A85-A84E-8741-B756-D6E8208AA69F}" destId="{061C52BE-7CF4-EC44-BF9D-04F9145BF7C0}" srcOrd="4" destOrd="0" parTransId="{10A48251-DC0A-F346-B0C6-66C14C6B50F4}" sibTransId="{EB6167F5-7DA7-0843-9DDF-A62488ACB411}"/>
+    <dgm:cxn modelId="{D8E11897-2E10-3B48-8D9A-BDA93585F597}" type="presOf" srcId="{10A48251-DC0A-F346-B0C6-66C14C6B50F4}" destId="{568A960C-ED31-8249-945C-CE587423A17E}" srcOrd="0" destOrd="0" presId="urn:microsoft.com/office/officeart/2005/8/layout/orgChart1"/>
     <dgm:cxn modelId="{49C168B2-9EDD-3940-A311-3D8BE8470AA7}" type="presOf" srcId="{089B8A85-A84E-8741-B756-D6E8208AA69F}" destId="{C2E6BAFA-5D71-CC47-8BF1-00F48C9795BF}" srcOrd="1" destOrd="0" presId="urn:microsoft.com/office/officeart/2005/8/layout/orgChart1"/>
-    <dgm:cxn modelId="{E1362577-7708-814B-ACC3-2950977E451F}" type="presOf" srcId="{2A6A6557-22E6-4440-93F4-318AD223EC07}" destId="{0B5A722B-B604-914D-A9EE-33F6F187EB5B}" srcOrd="1" destOrd="0" presId="urn:microsoft.com/office/officeart/2005/8/layout/orgChart1"/>
-    <dgm:cxn modelId="{BBFBCA1C-E326-B34E-A943-897F943CC915}" type="presOf" srcId="{09F5AA4F-3F0E-F448-8010-EADD0EFAB073}" destId="{FDC577A4-973B-6644-9FB7-0F014835A0EF}" srcOrd="0" destOrd="0" presId="urn:microsoft.com/office/officeart/2005/8/layout/orgChart1"/>
-    <dgm:cxn modelId="{07192F67-731B-A44F-B3D9-C65C2B3D4541}" type="presOf" srcId="{C6F298F6-653B-A941-BECE-D7AEC4FBA17A}" destId="{5F453A73-8BDC-0840-840B-D1D0D6D6D6F0}" srcOrd="0" destOrd="0" presId="urn:microsoft.com/office/officeart/2005/8/layout/orgChart1"/>
-    <dgm:cxn modelId="{B978757A-C9B3-B041-9CE6-BE78C0AFAB64}" srcId="{089B8A85-A84E-8741-B756-D6E8208AA69F}" destId="{CA618E98-DA33-544D-905E-6F6DF2BBE287}" srcOrd="0" destOrd="0" parTransId="{C6F298F6-653B-A941-BECE-D7AEC4FBA17A}" sibTransId="{8D63A4A8-B27F-F049-8522-3B9C02AE055A}"/>
     <dgm:cxn modelId="{BE659CD9-82CA-734C-92A2-CFFD7BE81836}" srcId="{089B8A85-A84E-8741-B756-D6E8208AA69F}" destId="{EA1A376E-E1CF-A54F-BD1E-7342A9121FF1}" srcOrd="2" destOrd="0" parTransId="{329218CD-5EBE-6347-A54F-9E27A2C28CFE}" sibTransId="{CD21B503-EE73-0C40-B6FB-14DEEF4484AD}"/>
-    <dgm:cxn modelId="{9F12EB13-1A82-2541-9432-2991F9EC4E2B}" type="presOf" srcId="{FE162D69-B4B1-E547-8BED-2B0564183F40}" destId="{300CF57F-9E39-574B-B47A-26D80C1E0634}" srcOrd="1" destOrd="0" presId="urn:microsoft.com/office/officeart/2005/8/layout/orgChart1"/>
-    <dgm:cxn modelId="{95F85091-8AEA-BF44-A577-D8A3DC8E7D82}" srcId="{089B8A85-A84E-8741-B756-D6E8208AA69F}" destId="{061C52BE-7CF4-EC44-BF9D-04F9145BF7C0}" srcOrd="4" destOrd="0" parTransId="{10A48251-DC0A-F346-B0C6-66C14C6B50F4}" sibTransId="{EB6167F5-7DA7-0843-9DDF-A62488ACB411}"/>
-    <dgm:cxn modelId="{6C95D86D-53B0-F248-9872-EF6302AB73A2}" type="presOf" srcId="{EA1A376E-E1CF-A54F-BD1E-7342A9121FF1}" destId="{DA252AC9-999F-9842-BE2B-A684D0F3A41B}" srcOrd="1" destOrd="0" presId="urn:microsoft.com/office/officeart/2005/8/layout/orgChart1"/>
-    <dgm:cxn modelId="{36499D25-40B4-1D48-BB6A-188E0817850C}" srcId="{089B8A85-A84E-8741-B756-D6E8208AA69F}" destId="{2A6A6557-22E6-4440-93F4-318AD223EC07}" srcOrd="1" destOrd="0" parTransId="{09F5AA4F-3F0E-F448-8010-EADD0EFAB073}" sibTransId="{014CBFC8-1CC7-9F4F-86AA-E0299D0A476E}"/>
-    <dgm:cxn modelId="{EAF51809-CF8B-C843-B54E-FF47D256811D}" type="presOf" srcId="{FE162D69-B4B1-E547-8BED-2B0564183F40}" destId="{E8A948CA-0671-8A4E-8362-4C3C998C5DBC}" srcOrd="0" destOrd="0" presId="urn:microsoft.com/office/officeart/2005/8/layout/orgChart1"/>
-    <dgm:cxn modelId="{F80E946B-E716-C84E-808B-D73F61F883DD}" type="presOf" srcId="{061C52BE-7CF4-EC44-BF9D-04F9145BF7C0}" destId="{B72AEC3D-2C06-374B-AE6F-706739B1FFEB}" srcOrd="0" destOrd="0" presId="urn:microsoft.com/office/officeart/2005/8/layout/orgChart1"/>
-    <dgm:cxn modelId="{0D994073-879E-A84B-8FA2-1D632ABBC0D7}" srcId="{089B8A85-A84E-8741-B756-D6E8208AA69F}" destId="{FE162D69-B4B1-E547-8BED-2B0564183F40}" srcOrd="3" destOrd="0" parTransId="{A7033AB8-3E3C-6345-82A7-26D79CBF095E}" sibTransId="{257972D6-2FDF-444E-BAE3-ADF052ACC722}"/>
+    <dgm:cxn modelId="{CEF91CF3-F79F-0E47-B246-1E87B1A443B8}" type="presOf" srcId="{089B8A85-A84E-8741-B756-D6E8208AA69F}" destId="{8904E6B1-D046-FE46-8617-2327D1B7EBFF}" srcOrd="0" destOrd="0" presId="urn:microsoft.com/office/officeart/2005/8/layout/orgChart1"/>
     <dgm:cxn modelId="{62E7C7F3-67A0-C146-AB9E-B0B6B7B2D873}" type="presOf" srcId="{CA618E98-DA33-544D-905E-6F6DF2BBE287}" destId="{BDEEFA10-8AEC-064F-B79C-DE044C5232CD}" srcOrd="0" destOrd="0" presId="urn:microsoft.com/office/officeart/2005/8/layout/orgChart1"/>
-    <dgm:cxn modelId="{CEF91CF3-F79F-0E47-B246-1E87B1A443B8}" type="presOf" srcId="{089B8A85-A84E-8741-B756-D6E8208AA69F}" destId="{8904E6B1-D046-FE46-8617-2327D1B7EBFF}" srcOrd="0" destOrd="0" presId="urn:microsoft.com/office/officeart/2005/8/layout/orgChart1"/>
     <dgm:cxn modelId="{CD96D850-2517-1F47-B960-5D72730DEF12}" type="presParOf" srcId="{DC210692-E386-2344-954E-98E6D550EFD6}" destId="{7A8FBCC4-2340-DC43-9573-EA65C77E6E6A}" srcOrd="0" destOrd="0" presId="urn:microsoft.com/office/officeart/2005/8/layout/orgChart1"/>
     <dgm:cxn modelId="{4F23630D-09B1-444B-AD44-B666487FB2A8}" type="presParOf" srcId="{7A8FBCC4-2340-DC43-9573-EA65C77E6E6A}" destId="{BAD9196E-4268-2842-AB85-1F29C96DF1C6}" srcOrd="0" destOrd="0" presId="urn:microsoft.com/office/officeart/2005/8/layout/orgChart1"/>
     <dgm:cxn modelId="{9E73D6F8-C570-0546-A7F4-FF2169A8CD9D}" type="presParOf" srcId="{BAD9196E-4268-2842-AB85-1F29C96DF1C6}" destId="{8904E6B1-D046-FE46-8617-2327D1B7EBFF}" srcOrd="0" destOrd="0" presId="urn:microsoft.com/office/officeart/2005/8/layout/orgChart1"/>
@@ -1930,7 +3089,7 @@
         </a:bodyPr>
         <a:lstStyle/>
         <a:p>
-          <a:pPr lvl="0" algn="ctr" defTabSz="1911350">
+          <a:pPr marL="0" lvl="0" indent="0" algn="ctr" defTabSz="1911350">
             <a:lnSpc>
               <a:spcPct val="90000"/>
             </a:lnSpc>
@@ -1940,12 +3099,12 @@
             <a:spcAft>
               <a:spcPct val="35000"/>
             </a:spcAft>
+            <a:buNone/>
           </a:pPr>
           <a:r>
-            <a:rPr lang="zh-CN" altLang="en-US" sz="4300" kern="1200" dirty="0" smtClean="0"/>
+            <a:rPr lang="zh-CN" altLang="en-US" sz="4300" kern="1200" dirty="0"/>
             <a:t>容器</a:t>
           </a:r>
-          <a:endParaRPr lang="zh-CN" altLang="en-US" sz="4300" kern="1200" dirty="0"/>
         </a:p>
       </dsp:txBody>
       <dsp:txXfrm>
@@ -2022,7 +3181,7 @@
         </a:bodyPr>
         <a:lstStyle/>
         <a:p>
-          <a:pPr lvl="0" algn="ctr" defTabSz="1911350">
+          <a:pPr marL="0" lvl="0" indent="0" algn="ctr" defTabSz="1911350">
             <a:lnSpc>
               <a:spcPct val="90000"/>
             </a:lnSpc>
@@ -2032,12 +3191,12 @@
             <a:spcAft>
               <a:spcPct val="35000"/>
             </a:spcAft>
+            <a:buNone/>
           </a:pPr>
           <a:r>
-            <a:rPr lang="zh-CN" altLang="en-US" sz="4300" kern="1200" dirty="0" smtClean="0"/>
+            <a:rPr lang="zh-CN" altLang="en-US" sz="4300" kern="1200" dirty="0"/>
             <a:t>子项</a:t>
           </a:r>
-          <a:endParaRPr lang="zh-CN" altLang="en-US" sz="4300" kern="1200" dirty="0"/>
         </a:p>
       </dsp:txBody>
       <dsp:txXfrm>
@@ -2114,7 +3273,7 @@
         </a:bodyPr>
         <a:lstStyle/>
         <a:p>
-          <a:pPr lvl="0" algn="ctr" defTabSz="1911350">
+          <a:pPr marL="0" lvl="0" indent="0" algn="ctr" defTabSz="1911350">
             <a:lnSpc>
               <a:spcPct val="90000"/>
             </a:lnSpc>
@@ -2124,12 +3283,12 @@
             <a:spcAft>
               <a:spcPct val="35000"/>
             </a:spcAft>
+            <a:buNone/>
           </a:pPr>
           <a:r>
-            <a:rPr lang="zh-CN" altLang="en-US" sz="4300" kern="1200" dirty="0" smtClean="0"/>
+            <a:rPr lang="zh-CN" altLang="en-US" sz="4300" kern="1200" dirty="0"/>
             <a:t>子项</a:t>
           </a:r>
-          <a:endParaRPr lang="zh-CN" altLang="en-US" sz="4300" kern="1200" dirty="0"/>
         </a:p>
       </dsp:txBody>
       <dsp:txXfrm>
@@ -2206,7 +3365,7 @@
         </a:bodyPr>
         <a:lstStyle/>
         <a:p>
-          <a:pPr lvl="0" algn="ctr" defTabSz="1911350">
+          <a:pPr marL="0" lvl="0" indent="0" algn="ctr" defTabSz="1911350">
             <a:lnSpc>
               <a:spcPct val="90000"/>
             </a:lnSpc>
@@ -2216,12 +3375,12 @@
             <a:spcAft>
               <a:spcPct val="35000"/>
             </a:spcAft>
+            <a:buNone/>
           </a:pPr>
           <a:r>
-            <a:rPr lang="zh-CN" altLang="en-US" sz="4300" kern="1200" dirty="0" smtClean="0"/>
+            <a:rPr lang="zh-CN" altLang="en-US" sz="4300" kern="1200" dirty="0"/>
             <a:t>子项</a:t>
           </a:r>
-          <a:endParaRPr lang="zh-CN" altLang="en-US" sz="4300" kern="1200" dirty="0"/>
         </a:p>
       </dsp:txBody>
       <dsp:txXfrm>
@@ -2298,7 +3457,7 @@
         </a:bodyPr>
         <a:lstStyle/>
         <a:p>
-          <a:pPr lvl="0" algn="ctr" defTabSz="1911350">
+          <a:pPr marL="0" lvl="0" indent="0" algn="ctr" defTabSz="1911350">
             <a:lnSpc>
               <a:spcPct val="90000"/>
             </a:lnSpc>
@@ -2308,12 +3467,12 @@
             <a:spcAft>
               <a:spcPct val="35000"/>
             </a:spcAft>
+            <a:buNone/>
           </a:pPr>
           <a:r>
-            <a:rPr lang="zh-CN" altLang="en-US" sz="4300" kern="1200" dirty="0" smtClean="0"/>
+            <a:rPr lang="zh-CN" altLang="en-US" sz="4300" kern="1200" dirty="0"/>
             <a:t>子项</a:t>
           </a:r>
-          <a:endParaRPr lang="zh-CN" altLang="en-US" sz="4300" kern="1200" dirty="0"/>
         </a:p>
       </dsp:txBody>
       <dsp:txXfrm>
@@ -2390,7 +3549,7 @@
         </a:bodyPr>
         <a:lstStyle/>
         <a:p>
-          <a:pPr lvl="0" algn="ctr" defTabSz="1911350">
+          <a:pPr marL="0" lvl="0" indent="0" algn="ctr" defTabSz="1911350">
             <a:lnSpc>
               <a:spcPct val="90000"/>
             </a:lnSpc>
@@ -2400,12 +3559,12 @@
             <a:spcAft>
               <a:spcPct val="35000"/>
             </a:spcAft>
+            <a:buNone/>
           </a:pPr>
           <a:r>
-            <a:rPr lang="zh-CN" altLang="en-US" sz="4300" kern="1200" dirty="0" smtClean="0"/>
+            <a:rPr lang="zh-CN" altLang="en-US" sz="4300" kern="1200" dirty="0"/>
             <a:t>子项</a:t>
           </a:r>
-          <a:endParaRPr lang="zh-CN" altLang="en-US" sz="4300" kern="1200" dirty="0"/>
         </a:p>
       </dsp:txBody>
       <dsp:txXfrm>
@@ -2417,7 +3576,2016 @@
 </dsp:drawing>
 </file>
 
+<file path=ppt/diagrams/drawing2.xml><?xml version="1.0" encoding="utf-8"?>
+<dsp:drawing xmlns:dgm="http://schemas.openxmlformats.org/drawingml/2006/diagram" xmlns:dsp="http://schemas.microsoft.com/office/drawing/2008/diagram" xmlns:a="http://schemas.openxmlformats.org/drawingml/2006/main">
+  <dsp:spTree>
+    <dsp:nvGrpSpPr>
+      <dsp:cNvPr id="0" name=""/>
+      <dsp:cNvGrpSpPr/>
+    </dsp:nvGrpSpPr>
+    <dsp:grpSpPr/>
+    <dsp:sp modelId="{568A960C-ED31-8249-945C-CE587423A17E}">
+      <dsp:nvSpPr>
+        <dsp:cNvPr id="0" name=""/>
+        <dsp:cNvSpPr/>
+      </dsp:nvSpPr>
+      <dsp:spPr>
+        <a:xfrm>
+          <a:off x="4064000" y="1546025"/>
+          <a:ext cx="3367533" cy="292224"/>
+        </a:xfrm>
+        <a:custGeom>
+          <a:avLst/>
+          <a:gdLst/>
+          <a:ahLst/>
+          <a:cxnLst/>
+          <a:rect l="0" t="0" r="0" b="0"/>
+          <a:pathLst>
+            <a:path>
+              <a:moveTo>
+                <a:pt x="0" y="0"/>
+              </a:moveTo>
+              <a:lnTo>
+                <a:pt x="0" y="146112"/>
+              </a:lnTo>
+              <a:lnTo>
+                <a:pt x="3367533" y="146112"/>
+              </a:lnTo>
+              <a:lnTo>
+                <a:pt x="3367533" y="292224"/>
+              </a:lnTo>
+            </a:path>
+          </a:pathLst>
+        </a:custGeom>
+        <a:noFill/>
+        <a:ln w="9525" cap="rnd" cmpd="sng" algn="ctr">
+          <a:solidFill>
+            <a:schemeClr val="accent1">
+              <a:shade val="60000"/>
+              <a:hueOff val="0"/>
+              <a:satOff val="0"/>
+              <a:lumOff val="0"/>
+              <a:alphaOff val="0"/>
+            </a:schemeClr>
+          </a:solidFill>
+          <a:prstDash val="solid"/>
+        </a:ln>
+        <a:effectLst/>
+      </dsp:spPr>
+      <dsp:style>
+        <a:lnRef idx="1">
+          <a:scrgbClr r="0" g="0" b="0"/>
+        </a:lnRef>
+        <a:fillRef idx="0">
+          <a:scrgbClr r="0" g="0" b="0"/>
+        </a:fillRef>
+        <a:effectRef idx="0">
+          <a:scrgbClr r="0" g="0" b="0"/>
+        </a:effectRef>
+        <a:fontRef idx="minor"/>
+      </dsp:style>
+    </dsp:sp>
+    <dsp:sp modelId="{28BD0A43-C438-8540-BA7D-919523FBADED}">
+      <dsp:nvSpPr>
+        <dsp:cNvPr id="0" name=""/>
+        <dsp:cNvSpPr/>
+      </dsp:nvSpPr>
+      <dsp:spPr>
+        <a:xfrm>
+          <a:off x="4064000" y="1546025"/>
+          <a:ext cx="1683766" cy="292224"/>
+        </a:xfrm>
+        <a:custGeom>
+          <a:avLst/>
+          <a:gdLst/>
+          <a:ahLst/>
+          <a:cxnLst/>
+          <a:rect l="0" t="0" r="0" b="0"/>
+          <a:pathLst>
+            <a:path>
+              <a:moveTo>
+                <a:pt x="0" y="0"/>
+              </a:moveTo>
+              <a:lnTo>
+                <a:pt x="0" y="146112"/>
+              </a:lnTo>
+              <a:lnTo>
+                <a:pt x="1683766" y="146112"/>
+              </a:lnTo>
+              <a:lnTo>
+                <a:pt x="1683766" y="292224"/>
+              </a:lnTo>
+            </a:path>
+          </a:pathLst>
+        </a:custGeom>
+        <a:noFill/>
+        <a:ln w="9525" cap="rnd" cmpd="sng" algn="ctr">
+          <a:solidFill>
+            <a:schemeClr val="accent1">
+              <a:shade val="60000"/>
+              <a:hueOff val="0"/>
+              <a:satOff val="0"/>
+              <a:lumOff val="0"/>
+              <a:alphaOff val="0"/>
+            </a:schemeClr>
+          </a:solidFill>
+          <a:prstDash val="solid"/>
+        </a:ln>
+        <a:effectLst/>
+      </dsp:spPr>
+      <dsp:style>
+        <a:lnRef idx="1">
+          <a:scrgbClr r="0" g="0" b="0"/>
+        </a:lnRef>
+        <a:fillRef idx="0">
+          <a:scrgbClr r="0" g="0" b="0"/>
+        </a:fillRef>
+        <a:effectRef idx="0">
+          <a:scrgbClr r="0" g="0" b="0"/>
+        </a:effectRef>
+        <a:fontRef idx="minor"/>
+      </dsp:style>
+    </dsp:sp>
+    <dsp:sp modelId="{A9A95BD9-9298-2B46-B854-9553EE11AF97}">
+      <dsp:nvSpPr>
+        <dsp:cNvPr id="0" name=""/>
+        <dsp:cNvSpPr/>
+      </dsp:nvSpPr>
+      <dsp:spPr>
+        <a:xfrm>
+          <a:off x="4018280" y="1546025"/>
+          <a:ext cx="91440" cy="292224"/>
+        </a:xfrm>
+        <a:custGeom>
+          <a:avLst/>
+          <a:gdLst/>
+          <a:ahLst/>
+          <a:cxnLst/>
+          <a:rect l="0" t="0" r="0" b="0"/>
+          <a:pathLst>
+            <a:path>
+              <a:moveTo>
+                <a:pt x="45720" y="0"/>
+              </a:moveTo>
+              <a:lnTo>
+                <a:pt x="45720" y="292224"/>
+              </a:lnTo>
+            </a:path>
+          </a:pathLst>
+        </a:custGeom>
+        <a:noFill/>
+        <a:ln w="9525" cap="rnd" cmpd="sng" algn="ctr">
+          <a:solidFill>
+            <a:schemeClr val="accent1">
+              <a:shade val="60000"/>
+              <a:hueOff val="0"/>
+              <a:satOff val="0"/>
+              <a:lumOff val="0"/>
+              <a:alphaOff val="0"/>
+            </a:schemeClr>
+          </a:solidFill>
+          <a:prstDash val="solid"/>
+        </a:ln>
+        <a:effectLst/>
+      </dsp:spPr>
+      <dsp:style>
+        <a:lnRef idx="1">
+          <a:scrgbClr r="0" g="0" b="0"/>
+        </a:lnRef>
+        <a:fillRef idx="0">
+          <a:scrgbClr r="0" g="0" b="0"/>
+        </a:fillRef>
+        <a:effectRef idx="0">
+          <a:scrgbClr r="0" g="0" b="0"/>
+        </a:effectRef>
+        <a:fontRef idx="minor"/>
+      </dsp:style>
+    </dsp:sp>
+    <dsp:sp modelId="{FDC577A4-973B-6644-9FB7-0F014835A0EF}">
+      <dsp:nvSpPr>
+        <dsp:cNvPr id="0" name=""/>
+        <dsp:cNvSpPr/>
+      </dsp:nvSpPr>
+      <dsp:spPr>
+        <a:xfrm>
+          <a:off x="2380233" y="1546025"/>
+          <a:ext cx="1683766" cy="292224"/>
+        </a:xfrm>
+        <a:custGeom>
+          <a:avLst/>
+          <a:gdLst/>
+          <a:ahLst/>
+          <a:cxnLst/>
+          <a:rect l="0" t="0" r="0" b="0"/>
+          <a:pathLst>
+            <a:path>
+              <a:moveTo>
+                <a:pt x="1683766" y="0"/>
+              </a:moveTo>
+              <a:lnTo>
+                <a:pt x="1683766" y="146112"/>
+              </a:lnTo>
+              <a:lnTo>
+                <a:pt x="0" y="146112"/>
+              </a:lnTo>
+              <a:lnTo>
+                <a:pt x="0" y="292224"/>
+              </a:lnTo>
+            </a:path>
+          </a:pathLst>
+        </a:custGeom>
+        <a:noFill/>
+        <a:ln w="9525" cap="rnd" cmpd="sng" algn="ctr">
+          <a:solidFill>
+            <a:schemeClr val="accent1">
+              <a:shade val="60000"/>
+              <a:hueOff val="0"/>
+              <a:satOff val="0"/>
+              <a:lumOff val="0"/>
+              <a:alphaOff val="0"/>
+            </a:schemeClr>
+          </a:solidFill>
+          <a:prstDash val="solid"/>
+        </a:ln>
+        <a:effectLst/>
+      </dsp:spPr>
+      <dsp:style>
+        <a:lnRef idx="1">
+          <a:scrgbClr r="0" g="0" b="0"/>
+        </a:lnRef>
+        <a:fillRef idx="0">
+          <a:scrgbClr r="0" g="0" b="0"/>
+        </a:fillRef>
+        <a:effectRef idx="0">
+          <a:scrgbClr r="0" g="0" b="0"/>
+        </a:effectRef>
+        <a:fontRef idx="minor"/>
+      </dsp:style>
+    </dsp:sp>
+    <dsp:sp modelId="{5F453A73-8BDC-0840-840B-D1D0D6D6D6F0}">
+      <dsp:nvSpPr>
+        <dsp:cNvPr id="0" name=""/>
+        <dsp:cNvSpPr/>
+      </dsp:nvSpPr>
+      <dsp:spPr>
+        <a:xfrm>
+          <a:off x="696466" y="1546025"/>
+          <a:ext cx="3367533" cy="292224"/>
+        </a:xfrm>
+        <a:custGeom>
+          <a:avLst/>
+          <a:gdLst/>
+          <a:ahLst/>
+          <a:cxnLst/>
+          <a:rect l="0" t="0" r="0" b="0"/>
+          <a:pathLst>
+            <a:path>
+              <a:moveTo>
+                <a:pt x="3367533" y="0"/>
+              </a:moveTo>
+              <a:lnTo>
+                <a:pt x="3367533" y="146112"/>
+              </a:lnTo>
+              <a:lnTo>
+                <a:pt x="0" y="146112"/>
+              </a:lnTo>
+              <a:lnTo>
+                <a:pt x="0" y="292224"/>
+              </a:lnTo>
+            </a:path>
+          </a:pathLst>
+        </a:custGeom>
+        <a:noFill/>
+        <a:ln w="9525" cap="rnd" cmpd="sng" algn="ctr">
+          <a:solidFill>
+            <a:schemeClr val="accent1">
+              <a:shade val="60000"/>
+              <a:hueOff val="0"/>
+              <a:satOff val="0"/>
+              <a:lumOff val="0"/>
+              <a:alphaOff val="0"/>
+            </a:schemeClr>
+          </a:solidFill>
+          <a:prstDash val="solid"/>
+        </a:ln>
+        <a:effectLst/>
+      </dsp:spPr>
+      <dsp:style>
+        <a:lnRef idx="1">
+          <a:scrgbClr r="0" g="0" b="0"/>
+        </a:lnRef>
+        <a:fillRef idx="0">
+          <a:scrgbClr r="0" g="0" b="0"/>
+        </a:fillRef>
+        <a:effectRef idx="0">
+          <a:scrgbClr r="0" g="0" b="0"/>
+        </a:effectRef>
+        <a:fontRef idx="minor"/>
+      </dsp:style>
+    </dsp:sp>
+    <dsp:sp modelId="{8904E6B1-D046-FE46-8617-2327D1B7EBFF}">
+      <dsp:nvSpPr>
+        <dsp:cNvPr id="0" name=""/>
+        <dsp:cNvSpPr/>
+      </dsp:nvSpPr>
+      <dsp:spPr>
+        <a:xfrm>
+          <a:off x="3368228" y="850254"/>
+          <a:ext cx="1391542" cy="695771"/>
+        </a:xfrm>
+        <a:prstGeom prst="rect">
+          <a:avLst/>
+        </a:prstGeom>
+        <a:gradFill rotWithShape="0">
+          <a:gsLst>
+            <a:gs pos="0">
+              <a:schemeClr val="accent1">
+                <a:hueOff val="0"/>
+                <a:satOff val="0"/>
+                <a:lumOff val="0"/>
+                <a:alphaOff val="0"/>
+                <a:tint val="96000"/>
+                <a:lumMod val="104000"/>
+              </a:schemeClr>
+            </a:gs>
+            <a:gs pos="100000">
+              <a:schemeClr val="accent1">
+                <a:hueOff val="0"/>
+                <a:satOff val="0"/>
+                <a:lumOff val="0"/>
+                <a:alphaOff val="0"/>
+                <a:shade val="84000"/>
+                <a:lumMod val="84000"/>
+              </a:schemeClr>
+            </a:gs>
+          </a:gsLst>
+          <a:lin ang="5400000" scaled="0"/>
+        </a:gradFill>
+        <a:ln>
+          <a:noFill/>
+        </a:ln>
+        <a:effectLst>
+          <a:innerShdw blurRad="50800" dist="25400" dir="13500000">
+            <a:srgbClr val="000000">
+              <a:alpha val="55000"/>
+            </a:srgbClr>
+          </a:innerShdw>
+        </a:effectLst>
+      </dsp:spPr>
+      <dsp:style>
+        <a:lnRef idx="0">
+          <a:scrgbClr r="0" g="0" b="0"/>
+        </a:lnRef>
+        <a:fillRef idx="3">
+          <a:scrgbClr r="0" g="0" b="0"/>
+        </a:fillRef>
+        <a:effectRef idx="2">
+          <a:scrgbClr r="0" g="0" b="0"/>
+        </a:effectRef>
+        <a:fontRef idx="minor">
+          <a:schemeClr val="lt1"/>
+        </a:fontRef>
+      </dsp:style>
+      <dsp:txBody>
+        <a:bodyPr spcFirstLastPara="0" vert="horz" wrap="square" lIns="16510" tIns="16510" rIns="16510" bIns="16510" numCol="1" spcCol="1270" anchor="ctr" anchorCtr="0">
+          <a:noAutofit/>
+        </a:bodyPr>
+        <a:lstStyle/>
+        <a:p>
+          <a:pPr marL="0" lvl="0" indent="0" algn="ctr" defTabSz="1155700">
+            <a:lnSpc>
+              <a:spcPct val="90000"/>
+            </a:lnSpc>
+            <a:spcBef>
+              <a:spcPct val="0"/>
+            </a:spcBef>
+            <a:spcAft>
+              <a:spcPct val="35000"/>
+            </a:spcAft>
+            <a:buNone/>
+          </a:pPr>
+          <a:r>
+            <a:rPr lang="zh-CN" altLang="en-US" sz="2600" kern="1200" dirty="0"/>
+            <a:t>栅格容器</a:t>
+          </a:r>
+        </a:p>
+      </dsp:txBody>
+      <dsp:txXfrm>
+        <a:off x="3368228" y="850254"/>
+        <a:ext cx="1391542" cy="695771"/>
+      </dsp:txXfrm>
+    </dsp:sp>
+    <dsp:sp modelId="{BDEEFA10-8AEC-064F-B79C-DE044C5232CD}">
+      <dsp:nvSpPr>
+        <dsp:cNvPr id="0" name=""/>
+        <dsp:cNvSpPr/>
+      </dsp:nvSpPr>
+      <dsp:spPr>
+        <a:xfrm>
+          <a:off x="694" y="1838249"/>
+          <a:ext cx="1391542" cy="695771"/>
+        </a:xfrm>
+        <a:prstGeom prst="rect">
+          <a:avLst/>
+        </a:prstGeom>
+        <a:gradFill rotWithShape="0">
+          <a:gsLst>
+            <a:gs pos="0">
+              <a:schemeClr val="accent1">
+                <a:hueOff val="0"/>
+                <a:satOff val="0"/>
+                <a:lumOff val="0"/>
+                <a:alphaOff val="0"/>
+                <a:tint val="96000"/>
+                <a:lumMod val="104000"/>
+              </a:schemeClr>
+            </a:gs>
+            <a:gs pos="100000">
+              <a:schemeClr val="accent1">
+                <a:hueOff val="0"/>
+                <a:satOff val="0"/>
+                <a:lumOff val="0"/>
+                <a:alphaOff val="0"/>
+                <a:shade val="84000"/>
+                <a:lumMod val="84000"/>
+              </a:schemeClr>
+            </a:gs>
+          </a:gsLst>
+          <a:lin ang="5400000" scaled="0"/>
+        </a:gradFill>
+        <a:ln>
+          <a:noFill/>
+        </a:ln>
+        <a:effectLst>
+          <a:innerShdw blurRad="50800" dist="25400" dir="13500000">
+            <a:srgbClr val="000000">
+              <a:alpha val="55000"/>
+            </a:srgbClr>
+          </a:innerShdw>
+        </a:effectLst>
+      </dsp:spPr>
+      <dsp:style>
+        <a:lnRef idx="0">
+          <a:scrgbClr r="0" g="0" b="0"/>
+        </a:lnRef>
+        <a:fillRef idx="3">
+          <a:scrgbClr r="0" g="0" b="0"/>
+        </a:fillRef>
+        <a:effectRef idx="2">
+          <a:scrgbClr r="0" g="0" b="0"/>
+        </a:effectRef>
+        <a:fontRef idx="minor">
+          <a:schemeClr val="lt1"/>
+        </a:fontRef>
+      </dsp:style>
+      <dsp:txBody>
+        <a:bodyPr spcFirstLastPara="0" vert="horz" wrap="square" lIns="16510" tIns="16510" rIns="16510" bIns="16510" numCol="1" spcCol="1270" anchor="ctr" anchorCtr="0">
+          <a:noAutofit/>
+        </a:bodyPr>
+        <a:lstStyle/>
+        <a:p>
+          <a:pPr marL="0" lvl="0" indent="0" algn="ctr" defTabSz="1155700">
+            <a:lnSpc>
+              <a:spcPct val="90000"/>
+            </a:lnSpc>
+            <a:spcBef>
+              <a:spcPct val="0"/>
+            </a:spcBef>
+            <a:spcAft>
+              <a:spcPct val="35000"/>
+            </a:spcAft>
+            <a:buNone/>
+          </a:pPr>
+          <a:r>
+            <a:rPr lang="zh-CN" altLang="en-US" sz="2600" kern="1200" dirty="0"/>
+            <a:t>栅格项目</a:t>
+          </a:r>
+        </a:p>
+      </dsp:txBody>
+      <dsp:txXfrm>
+        <a:off x="694" y="1838249"/>
+        <a:ext cx="1391542" cy="695771"/>
+      </dsp:txXfrm>
+    </dsp:sp>
+    <dsp:sp modelId="{4BE14C3B-968F-914B-8541-347ECA41D053}">
+      <dsp:nvSpPr>
+        <dsp:cNvPr id="0" name=""/>
+        <dsp:cNvSpPr/>
+      </dsp:nvSpPr>
+      <dsp:spPr>
+        <a:xfrm>
+          <a:off x="1684461" y="1838249"/>
+          <a:ext cx="1391542" cy="695771"/>
+        </a:xfrm>
+        <a:prstGeom prst="rect">
+          <a:avLst/>
+        </a:prstGeom>
+        <a:gradFill rotWithShape="0">
+          <a:gsLst>
+            <a:gs pos="0">
+              <a:schemeClr val="accent1">
+                <a:hueOff val="0"/>
+                <a:satOff val="0"/>
+                <a:lumOff val="0"/>
+                <a:alphaOff val="0"/>
+                <a:tint val="96000"/>
+                <a:lumMod val="104000"/>
+              </a:schemeClr>
+            </a:gs>
+            <a:gs pos="100000">
+              <a:schemeClr val="accent1">
+                <a:hueOff val="0"/>
+                <a:satOff val="0"/>
+                <a:lumOff val="0"/>
+                <a:alphaOff val="0"/>
+                <a:shade val="84000"/>
+                <a:lumMod val="84000"/>
+              </a:schemeClr>
+            </a:gs>
+          </a:gsLst>
+          <a:lin ang="5400000" scaled="0"/>
+        </a:gradFill>
+        <a:ln>
+          <a:noFill/>
+        </a:ln>
+        <a:effectLst>
+          <a:innerShdw blurRad="50800" dist="25400" dir="13500000">
+            <a:srgbClr val="000000">
+              <a:alpha val="55000"/>
+            </a:srgbClr>
+          </a:innerShdw>
+        </a:effectLst>
+      </dsp:spPr>
+      <dsp:style>
+        <a:lnRef idx="0">
+          <a:scrgbClr r="0" g="0" b="0"/>
+        </a:lnRef>
+        <a:fillRef idx="3">
+          <a:scrgbClr r="0" g="0" b="0"/>
+        </a:fillRef>
+        <a:effectRef idx="2">
+          <a:scrgbClr r="0" g="0" b="0"/>
+        </a:effectRef>
+        <a:fontRef idx="minor">
+          <a:schemeClr val="lt1"/>
+        </a:fontRef>
+      </dsp:style>
+      <dsp:txBody>
+        <a:bodyPr spcFirstLastPara="0" vert="horz" wrap="square" lIns="16510" tIns="16510" rIns="16510" bIns="16510" numCol="1" spcCol="1270" anchor="ctr" anchorCtr="0">
+          <a:noAutofit/>
+        </a:bodyPr>
+        <a:lstStyle/>
+        <a:p>
+          <a:pPr marL="0" lvl="0" indent="0" algn="ctr" defTabSz="1155700">
+            <a:lnSpc>
+              <a:spcPct val="90000"/>
+            </a:lnSpc>
+            <a:spcBef>
+              <a:spcPct val="0"/>
+            </a:spcBef>
+            <a:spcAft>
+              <a:spcPct val="35000"/>
+            </a:spcAft>
+            <a:buNone/>
+          </a:pPr>
+          <a:r>
+            <a:rPr lang="zh-CN" altLang="en-US" sz="2600" kern="1200" dirty="0"/>
+            <a:t>栅格项目</a:t>
+          </a:r>
+        </a:p>
+      </dsp:txBody>
+      <dsp:txXfrm>
+        <a:off x="1684461" y="1838249"/>
+        <a:ext cx="1391542" cy="695771"/>
+      </dsp:txXfrm>
+    </dsp:sp>
+    <dsp:sp modelId="{A21CCBC8-A77B-6042-82D6-5803E2F4FC1D}">
+      <dsp:nvSpPr>
+        <dsp:cNvPr id="0" name=""/>
+        <dsp:cNvSpPr/>
+      </dsp:nvSpPr>
+      <dsp:spPr>
+        <a:xfrm>
+          <a:off x="3368228" y="1838249"/>
+          <a:ext cx="1391542" cy="695771"/>
+        </a:xfrm>
+        <a:prstGeom prst="rect">
+          <a:avLst/>
+        </a:prstGeom>
+        <a:gradFill rotWithShape="0">
+          <a:gsLst>
+            <a:gs pos="0">
+              <a:schemeClr val="accent1">
+                <a:hueOff val="0"/>
+                <a:satOff val="0"/>
+                <a:lumOff val="0"/>
+                <a:alphaOff val="0"/>
+                <a:tint val="96000"/>
+                <a:lumMod val="104000"/>
+              </a:schemeClr>
+            </a:gs>
+            <a:gs pos="100000">
+              <a:schemeClr val="accent1">
+                <a:hueOff val="0"/>
+                <a:satOff val="0"/>
+                <a:lumOff val="0"/>
+                <a:alphaOff val="0"/>
+                <a:shade val="84000"/>
+                <a:lumMod val="84000"/>
+              </a:schemeClr>
+            </a:gs>
+          </a:gsLst>
+          <a:lin ang="5400000" scaled="0"/>
+        </a:gradFill>
+        <a:ln>
+          <a:noFill/>
+        </a:ln>
+        <a:effectLst>
+          <a:innerShdw blurRad="50800" dist="25400" dir="13500000">
+            <a:srgbClr val="000000">
+              <a:alpha val="55000"/>
+            </a:srgbClr>
+          </a:innerShdw>
+        </a:effectLst>
+      </dsp:spPr>
+      <dsp:style>
+        <a:lnRef idx="0">
+          <a:scrgbClr r="0" g="0" b="0"/>
+        </a:lnRef>
+        <a:fillRef idx="3">
+          <a:scrgbClr r="0" g="0" b="0"/>
+        </a:fillRef>
+        <a:effectRef idx="2">
+          <a:scrgbClr r="0" g="0" b="0"/>
+        </a:effectRef>
+        <a:fontRef idx="minor">
+          <a:schemeClr val="lt1"/>
+        </a:fontRef>
+      </dsp:style>
+      <dsp:txBody>
+        <a:bodyPr spcFirstLastPara="0" vert="horz" wrap="square" lIns="16510" tIns="16510" rIns="16510" bIns="16510" numCol="1" spcCol="1270" anchor="ctr" anchorCtr="0">
+          <a:noAutofit/>
+        </a:bodyPr>
+        <a:lstStyle/>
+        <a:p>
+          <a:pPr marL="0" lvl="0" indent="0" algn="ctr" defTabSz="1155700">
+            <a:lnSpc>
+              <a:spcPct val="90000"/>
+            </a:lnSpc>
+            <a:spcBef>
+              <a:spcPct val="0"/>
+            </a:spcBef>
+            <a:spcAft>
+              <a:spcPct val="35000"/>
+            </a:spcAft>
+            <a:buNone/>
+          </a:pPr>
+          <a:r>
+            <a:rPr lang="zh-CN" altLang="en-US" sz="2600" kern="1200" dirty="0"/>
+            <a:t>栅格项目</a:t>
+          </a:r>
+        </a:p>
+      </dsp:txBody>
+      <dsp:txXfrm>
+        <a:off x="3368228" y="1838249"/>
+        <a:ext cx="1391542" cy="695771"/>
+      </dsp:txXfrm>
+    </dsp:sp>
+    <dsp:sp modelId="{E8A948CA-0671-8A4E-8362-4C3C998C5DBC}">
+      <dsp:nvSpPr>
+        <dsp:cNvPr id="0" name=""/>
+        <dsp:cNvSpPr/>
+      </dsp:nvSpPr>
+      <dsp:spPr>
+        <a:xfrm>
+          <a:off x="5051995" y="1838249"/>
+          <a:ext cx="1391542" cy="695771"/>
+        </a:xfrm>
+        <a:prstGeom prst="rect">
+          <a:avLst/>
+        </a:prstGeom>
+        <a:gradFill rotWithShape="0">
+          <a:gsLst>
+            <a:gs pos="0">
+              <a:schemeClr val="accent1">
+                <a:hueOff val="0"/>
+                <a:satOff val="0"/>
+                <a:lumOff val="0"/>
+                <a:alphaOff val="0"/>
+                <a:tint val="96000"/>
+                <a:lumMod val="104000"/>
+              </a:schemeClr>
+            </a:gs>
+            <a:gs pos="100000">
+              <a:schemeClr val="accent1">
+                <a:hueOff val="0"/>
+                <a:satOff val="0"/>
+                <a:lumOff val="0"/>
+                <a:alphaOff val="0"/>
+                <a:shade val="84000"/>
+                <a:lumMod val="84000"/>
+              </a:schemeClr>
+            </a:gs>
+          </a:gsLst>
+          <a:lin ang="5400000" scaled="0"/>
+        </a:gradFill>
+        <a:ln>
+          <a:noFill/>
+        </a:ln>
+        <a:effectLst>
+          <a:innerShdw blurRad="50800" dist="25400" dir="13500000">
+            <a:srgbClr val="000000">
+              <a:alpha val="55000"/>
+            </a:srgbClr>
+          </a:innerShdw>
+        </a:effectLst>
+      </dsp:spPr>
+      <dsp:style>
+        <a:lnRef idx="0">
+          <a:scrgbClr r="0" g="0" b="0"/>
+        </a:lnRef>
+        <a:fillRef idx="3">
+          <a:scrgbClr r="0" g="0" b="0"/>
+        </a:fillRef>
+        <a:effectRef idx="2">
+          <a:scrgbClr r="0" g="0" b="0"/>
+        </a:effectRef>
+        <a:fontRef idx="minor">
+          <a:schemeClr val="lt1"/>
+        </a:fontRef>
+      </dsp:style>
+      <dsp:txBody>
+        <a:bodyPr spcFirstLastPara="0" vert="horz" wrap="square" lIns="16510" tIns="16510" rIns="16510" bIns="16510" numCol="1" spcCol="1270" anchor="ctr" anchorCtr="0">
+          <a:noAutofit/>
+        </a:bodyPr>
+        <a:lstStyle/>
+        <a:p>
+          <a:pPr marL="0" lvl="0" indent="0" algn="ctr" defTabSz="1155700">
+            <a:lnSpc>
+              <a:spcPct val="90000"/>
+            </a:lnSpc>
+            <a:spcBef>
+              <a:spcPct val="0"/>
+            </a:spcBef>
+            <a:spcAft>
+              <a:spcPct val="35000"/>
+            </a:spcAft>
+            <a:buNone/>
+          </a:pPr>
+          <a:r>
+            <a:rPr lang="zh-CN" altLang="en-US" sz="2600" kern="1200" dirty="0"/>
+            <a:t>栅格项目</a:t>
+          </a:r>
+        </a:p>
+      </dsp:txBody>
+      <dsp:txXfrm>
+        <a:off x="5051995" y="1838249"/>
+        <a:ext cx="1391542" cy="695771"/>
+      </dsp:txXfrm>
+    </dsp:sp>
+    <dsp:sp modelId="{B72AEC3D-2C06-374B-AE6F-706739B1FFEB}">
+      <dsp:nvSpPr>
+        <dsp:cNvPr id="0" name=""/>
+        <dsp:cNvSpPr/>
+      </dsp:nvSpPr>
+      <dsp:spPr>
+        <a:xfrm>
+          <a:off x="6735762" y="1838249"/>
+          <a:ext cx="1391542" cy="695771"/>
+        </a:xfrm>
+        <a:prstGeom prst="rect">
+          <a:avLst/>
+        </a:prstGeom>
+        <a:gradFill rotWithShape="0">
+          <a:gsLst>
+            <a:gs pos="0">
+              <a:schemeClr val="accent1">
+                <a:hueOff val="0"/>
+                <a:satOff val="0"/>
+                <a:lumOff val="0"/>
+                <a:alphaOff val="0"/>
+                <a:tint val="96000"/>
+                <a:lumMod val="104000"/>
+              </a:schemeClr>
+            </a:gs>
+            <a:gs pos="100000">
+              <a:schemeClr val="accent1">
+                <a:hueOff val="0"/>
+                <a:satOff val="0"/>
+                <a:lumOff val="0"/>
+                <a:alphaOff val="0"/>
+                <a:shade val="84000"/>
+                <a:lumMod val="84000"/>
+              </a:schemeClr>
+            </a:gs>
+          </a:gsLst>
+          <a:lin ang="5400000" scaled="0"/>
+        </a:gradFill>
+        <a:ln>
+          <a:noFill/>
+        </a:ln>
+        <a:effectLst>
+          <a:innerShdw blurRad="50800" dist="25400" dir="13500000">
+            <a:srgbClr val="000000">
+              <a:alpha val="55000"/>
+            </a:srgbClr>
+          </a:innerShdw>
+        </a:effectLst>
+      </dsp:spPr>
+      <dsp:style>
+        <a:lnRef idx="0">
+          <a:scrgbClr r="0" g="0" b="0"/>
+        </a:lnRef>
+        <a:fillRef idx="3">
+          <a:scrgbClr r="0" g="0" b="0"/>
+        </a:fillRef>
+        <a:effectRef idx="2">
+          <a:scrgbClr r="0" g="0" b="0"/>
+        </a:effectRef>
+        <a:fontRef idx="minor">
+          <a:schemeClr val="lt1"/>
+        </a:fontRef>
+      </dsp:style>
+      <dsp:txBody>
+        <a:bodyPr spcFirstLastPara="0" vert="horz" wrap="square" lIns="16510" tIns="16510" rIns="16510" bIns="16510" numCol="1" spcCol="1270" anchor="ctr" anchorCtr="0">
+          <a:noAutofit/>
+        </a:bodyPr>
+        <a:lstStyle/>
+        <a:p>
+          <a:pPr marL="0" lvl="0" indent="0" algn="ctr" defTabSz="1155700">
+            <a:lnSpc>
+              <a:spcPct val="90000"/>
+            </a:lnSpc>
+            <a:spcBef>
+              <a:spcPct val="0"/>
+            </a:spcBef>
+            <a:spcAft>
+              <a:spcPct val="35000"/>
+            </a:spcAft>
+            <a:buNone/>
+          </a:pPr>
+          <a:r>
+            <a:rPr lang="zh-CN" altLang="en-US" sz="2600" kern="1200" dirty="0"/>
+            <a:t>栅格项目</a:t>
+          </a:r>
+        </a:p>
+      </dsp:txBody>
+      <dsp:txXfrm>
+        <a:off x="6735762" y="1838249"/>
+        <a:ext cx="1391542" cy="695771"/>
+      </dsp:txXfrm>
+    </dsp:sp>
+  </dsp:spTree>
+</dsp:drawing>
+</file>
+
 <file path=ppt/diagrams/layout1.xml><?xml version="1.0" encoding="utf-8"?>
+<dgm:layoutDef xmlns:dgm="http://schemas.openxmlformats.org/drawingml/2006/diagram" xmlns:a="http://schemas.openxmlformats.org/drawingml/2006/main" uniqueId="urn:microsoft.com/office/officeart/2005/8/layout/orgChart1">
+  <dgm:title val=""/>
+  <dgm:desc val=""/>
+  <dgm:catLst>
+    <dgm:cat type="hierarchy" pri="1000"/>
+    <dgm:cat type="convert" pri="6000"/>
+  </dgm:catLst>
+  <dgm:sampData>
+    <dgm:dataModel>
+      <dgm:ptLst>
+        <dgm:pt modelId="0" type="doc"/>
+        <dgm:pt modelId="1">
+          <dgm:prSet phldr="1"/>
+        </dgm:pt>
+        <dgm:pt modelId="2" type="asst">
+          <dgm:prSet phldr="1"/>
+        </dgm:pt>
+        <dgm:pt modelId="3">
+          <dgm:prSet phldr="1"/>
+        </dgm:pt>
+        <dgm:pt modelId="4">
+          <dgm:prSet phldr="1"/>
+        </dgm:pt>
+        <dgm:pt modelId="5">
+          <dgm:prSet phldr="1"/>
+        </dgm:pt>
+      </dgm:ptLst>
+      <dgm:cxnLst>
+        <dgm:cxn modelId="5" srcId="0" destId="1" srcOrd="0" destOrd="0"/>
+        <dgm:cxn modelId="6" srcId="1" destId="2" srcOrd="0" destOrd="0"/>
+        <dgm:cxn modelId="7" srcId="1" destId="3" srcOrd="1" destOrd="0"/>
+        <dgm:cxn modelId="8" srcId="1" destId="4" srcOrd="2" destOrd="0"/>
+        <dgm:cxn modelId="9" srcId="1" destId="5" srcOrd="3" destOrd="0"/>
+      </dgm:cxnLst>
+      <dgm:bg/>
+      <dgm:whole/>
+    </dgm:dataModel>
+  </dgm:sampData>
+  <dgm:styleData>
+    <dgm:dataModel>
+      <dgm:ptLst>
+        <dgm:pt modelId="0" type="doc"/>
+        <dgm:pt modelId="1"/>
+        <dgm:pt modelId="12"/>
+        <dgm:pt modelId="13"/>
+      </dgm:ptLst>
+      <dgm:cxnLst>
+        <dgm:cxn modelId="2" srcId="0" destId="1" srcOrd="0" destOrd="0"/>
+        <dgm:cxn modelId="16" srcId="1" destId="12" srcOrd="1" destOrd="0"/>
+        <dgm:cxn modelId="17" srcId="1" destId="13" srcOrd="2" destOrd="0"/>
+      </dgm:cxnLst>
+      <dgm:bg/>
+      <dgm:whole/>
+    </dgm:dataModel>
+  </dgm:styleData>
+  <dgm:clrData>
+    <dgm:dataModel>
+      <dgm:ptLst>
+        <dgm:pt modelId="0" type="doc"/>
+        <dgm:pt modelId="1"/>
+        <dgm:pt modelId="11" type="asst"/>
+        <dgm:pt modelId="12"/>
+        <dgm:pt modelId="13"/>
+        <dgm:pt modelId="14"/>
+      </dgm:ptLst>
+      <dgm:cxnLst>
+        <dgm:cxn modelId="2" srcId="0" destId="1" srcOrd="0" destOrd="0"/>
+        <dgm:cxn modelId="15" srcId="1" destId="11" srcOrd="0" destOrd="0"/>
+        <dgm:cxn modelId="16" srcId="1" destId="12" srcOrd="1" destOrd="0"/>
+        <dgm:cxn modelId="17" srcId="1" destId="13" srcOrd="2" destOrd="0"/>
+        <dgm:cxn modelId="18" srcId="1" destId="14" srcOrd="2" destOrd="0"/>
+      </dgm:cxnLst>
+      <dgm:bg/>
+      <dgm:whole/>
+    </dgm:dataModel>
+  </dgm:clrData>
+  <dgm:layoutNode name="hierChild1">
+    <dgm:varLst>
+      <dgm:orgChart val="1"/>
+      <dgm:chPref val="1"/>
+      <dgm:dir/>
+      <dgm:animOne val="branch"/>
+      <dgm:animLvl val="lvl"/>
+      <dgm:resizeHandles/>
+    </dgm:varLst>
+    <dgm:choose name="Name0">
+      <dgm:if name="Name1" func="var" arg="dir" op="equ" val="norm">
+        <dgm:alg type="hierChild">
+          <dgm:param type="linDir" val="fromL"/>
+        </dgm:alg>
+      </dgm:if>
+      <dgm:else name="Name2">
+        <dgm:alg type="hierChild">
+          <dgm:param type="linDir" val="fromR"/>
+        </dgm:alg>
+      </dgm:else>
+    </dgm:choose>
+    <dgm:shape xmlns:r="http://schemas.openxmlformats.org/officeDocument/2006/relationships" r:blip="">
+      <dgm:adjLst/>
+    </dgm:shape>
+    <dgm:presOf/>
+    <dgm:constrLst>
+      <dgm:constr type="w" for="des" forName="rootComposite1" refType="w" fact="10"/>
+      <dgm:constr type="h" for="des" forName="rootComposite1" refType="w" refFor="des" refForName="rootComposite1" fact="0.5"/>
+      <dgm:constr type="w" for="des" forName="rootComposite" refType="w" fact="10"/>
+      <dgm:constr type="h" for="des" forName="rootComposite" refType="w" refFor="des" refForName="rootComposite1" fact="0.5"/>
+      <dgm:constr type="w" for="des" forName="rootComposite3" refType="w" fact="10"/>
+      <dgm:constr type="h" for="des" forName="rootComposite3" refType="w" refFor="des" refForName="rootComposite1" fact="0.5"/>
+      <dgm:constr type="primFontSz" for="des" ptType="node" op="equ"/>
+      <dgm:constr type="sp" for="des" op="equ"/>
+      <dgm:constr type="sp" for="des" forName="hierRoot1" refType="w" refFor="des" refForName="rootComposite1" fact="0.21"/>
+      <dgm:constr type="sp" for="des" forName="hierRoot2" refType="sp" refFor="des" refForName="hierRoot1"/>
+      <dgm:constr type="sp" for="des" forName="hierRoot3" refType="sp" refFor="des" refForName="hierRoot1"/>
+      <dgm:constr type="sibSp" refType="w" refFor="des" refForName="rootComposite1" fact="0.21"/>
+      <dgm:constr type="sibSp" for="des" forName="hierChild2" refType="sibSp"/>
+      <dgm:constr type="sibSp" for="des" forName="hierChild3" refType="sibSp"/>
+      <dgm:constr type="sibSp" for="des" forName="hierChild4" refType="sibSp"/>
+      <dgm:constr type="sibSp" for="des" forName="hierChild5" refType="sibSp"/>
+      <dgm:constr type="sibSp" for="des" forName="hierChild6" refType="sibSp"/>
+      <dgm:constr type="sibSp" for="des" forName="hierChild7" refType="sibSp"/>
+      <dgm:constr type="secSibSp" refType="w" refFor="des" refForName="rootComposite1" fact="0.21"/>
+      <dgm:constr type="secSibSp" for="des" forName="hierChild2" refType="secSibSp"/>
+      <dgm:constr type="secSibSp" for="des" forName="hierChild3" refType="secSibSp"/>
+      <dgm:constr type="secSibSp" for="des" forName="hierChild4" refType="secSibSp"/>
+      <dgm:constr type="secSibSp" for="des" forName="hierChild5" refType="secSibSp"/>
+      <dgm:constr type="secSibSp" for="des" forName="hierChild6" refType="secSibSp"/>
+      <dgm:constr type="secSibSp" for="des" forName="hierChild7" refType="secSibSp"/>
+    </dgm:constrLst>
+    <dgm:ruleLst/>
+    <dgm:forEach name="Name3" axis="ch">
+      <dgm:forEach name="Name4" axis="self" ptType="node">
+        <dgm:layoutNode name="hierRoot1">
+          <dgm:varLst>
+            <dgm:hierBranch val="init"/>
+          </dgm:varLst>
+          <dgm:choose name="Name5">
+            <dgm:if name="Name6" func="var" arg="hierBranch" op="equ" val="l">
+              <dgm:choose name="Name7">
+                <dgm:if name="Name8" axis="ch" ptType="asst" func="cnt" op="gte" val="1">
+                  <dgm:alg type="hierRoot">
+                    <dgm:param type="hierAlign" val="tR"/>
+                  </dgm:alg>
+                  <dgm:constrLst>
+                    <dgm:constr type="alignOff" val="0.65"/>
+                  </dgm:constrLst>
+                </dgm:if>
+                <dgm:else name="Name9">
+                  <dgm:alg type="hierRoot">
+                    <dgm:param type="hierAlign" val="tR"/>
+                  </dgm:alg>
+                  <dgm:constrLst>
+                    <dgm:constr type="alignOff" val="0.25"/>
+                  </dgm:constrLst>
+                </dgm:else>
+              </dgm:choose>
+            </dgm:if>
+            <dgm:if name="Name10" func="var" arg="hierBranch" op="equ" val="r">
+              <dgm:choose name="Name11">
+                <dgm:if name="Name12" axis="ch" ptType="asst" func="cnt" op="gte" val="1">
+                  <dgm:alg type="hierRoot">
+                    <dgm:param type="hierAlign" val="tL"/>
+                  </dgm:alg>
+                  <dgm:constrLst>
+                    <dgm:constr type="alignOff" val="0.65"/>
+                  </dgm:constrLst>
+                </dgm:if>
+                <dgm:else name="Name13">
+                  <dgm:alg type="hierRoot">
+                    <dgm:param type="hierAlign" val="tL"/>
+                  </dgm:alg>
+                  <dgm:constrLst>
+                    <dgm:constr type="alignOff" val="0.25"/>
+                  </dgm:constrLst>
+                </dgm:else>
+              </dgm:choose>
+            </dgm:if>
+            <dgm:if name="Name14" func="var" arg="hierBranch" op="equ" val="hang">
+              <dgm:alg type="hierRoot"/>
+              <dgm:constrLst>
+                <dgm:constr type="alignOff" val="0.65"/>
+              </dgm:constrLst>
+            </dgm:if>
+            <dgm:else name="Name15">
+              <dgm:alg type="hierRoot"/>
+              <dgm:constrLst>
+                <dgm:constr type="alignOff"/>
+                <dgm:constr type="bendDist" for="des" ptType="parTrans" refType="sp" fact="0.5"/>
+              </dgm:constrLst>
+            </dgm:else>
+          </dgm:choose>
+          <dgm:shape xmlns:r="http://schemas.openxmlformats.org/officeDocument/2006/relationships" r:blip="">
+            <dgm:adjLst/>
+          </dgm:shape>
+          <dgm:presOf/>
+          <dgm:ruleLst/>
+          <dgm:layoutNode name="rootComposite1">
+            <dgm:alg type="composite"/>
+            <dgm:shape xmlns:r="http://schemas.openxmlformats.org/officeDocument/2006/relationships" r:blip="">
+              <dgm:adjLst/>
+            </dgm:shape>
+            <dgm:presOf axis="self" ptType="node" cnt="1"/>
+            <dgm:choose name="Name16">
+              <dgm:if name="Name17" func="var" arg="hierBranch" op="equ" val="init">
+                <dgm:constrLst>
+                  <dgm:constr type="l" for="ch" forName="rootText1"/>
+                  <dgm:constr type="t" for="ch" forName="rootText1"/>
+                  <dgm:constr type="w" for="ch" forName="rootText1" refType="w"/>
+                  <dgm:constr type="h" for="ch" forName="rootText1" refType="h"/>
+                  <dgm:constr type="l" for="ch" forName="rootConnector1"/>
+                  <dgm:constr type="t" for="ch" forName="rootConnector1"/>
+                  <dgm:constr type="w" for="ch" forName="rootConnector1" refType="w" refFor="ch" refForName="rootText1" fact="0.2"/>
+                  <dgm:constr type="h" for="ch" forName="rootConnector1" refType="h" refFor="ch" refForName="rootText1"/>
+                </dgm:constrLst>
+              </dgm:if>
+              <dgm:if name="Name18" func="var" arg="hierBranch" op="equ" val="l">
+                <dgm:constrLst>
+                  <dgm:constr type="l" for="ch" forName="rootText1"/>
+                  <dgm:constr type="t" for="ch" forName="rootText1"/>
+                  <dgm:constr type="w" for="ch" forName="rootText1" refType="w"/>
+                  <dgm:constr type="h" for="ch" forName="rootText1" refType="h"/>
+                  <dgm:constr type="r" for="ch" forName="rootConnector1" refType="w"/>
+                  <dgm:constr type="t" for="ch" forName="rootConnector1"/>
+                  <dgm:constr type="w" for="ch" forName="rootConnector1" refType="w" refFor="ch" refForName="rootText1" fact="0.2"/>
+                  <dgm:constr type="h" for="ch" forName="rootConnector1" refType="h" refFor="ch" refForName="rootText1"/>
+                </dgm:constrLst>
+              </dgm:if>
+              <dgm:if name="Name19" func="var" arg="hierBranch" op="equ" val="r">
+                <dgm:constrLst>
+                  <dgm:constr type="l" for="ch" forName="rootText1"/>
+                  <dgm:constr type="t" for="ch" forName="rootText1"/>
+                  <dgm:constr type="w" for="ch" forName="rootText1" refType="w"/>
+                  <dgm:constr type="h" for="ch" forName="rootText1" refType="h"/>
+                  <dgm:constr type="l" for="ch" forName="rootConnector1"/>
+                  <dgm:constr type="t" for="ch" forName="rootConnector1"/>
+                  <dgm:constr type="w" for="ch" forName="rootConnector1" refType="w" refFor="ch" refForName="rootText1" fact="0.2"/>
+                  <dgm:constr type="h" for="ch" forName="rootConnector1" refType="h" refFor="ch" refForName="rootText1"/>
+                </dgm:constrLst>
+              </dgm:if>
+              <dgm:else name="Name20">
+                <dgm:constrLst>
+                  <dgm:constr type="l" for="ch" forName="rootText1"/>
+                  <dgm:constr type="t" for="ch" forName="rootText1"/>
+                  <dgm:constr type="w" for="ch" forName="rootText1" refType="w"/>
+                  <dgm:constr type="h" for="ch" forName="rootText1" refType="h"/>
+                  <dgm:constr type="r" for="ch" forName="rootConnector1" refType="w"/>
+                  <dgm:constr type="t" for="ch" forName="rootConnector1"/>
+                  <dgm:constr type="w" for="ch" forName="rootConnector1" refType="w" refFor="ch" refForName="rootText1" fact="0.2"/>
+                  <dgm:constr type="h" for="ch" forName="rootConnector1" refType="h" refFor="ch" refForName="rootText1"/>
+                </dgm:constrLst>
+              </dgm:else>
+            </dgm:choose>
+            <dgm:ruleLst/>
+            <dgm:layoutNode name="rootText1" styleLbl="node0">
+              <dgm:varLst>
+                <dgm:chPref val="3"/>
+              </dgm:varLst>
+              <dgm:alg type="tx"/>
+              <dgm:shape xmlns:r="http://schemas.openxmlformats.org/officeDocument/2006/relationships" type="rect" r:blip="">
+                <dgm:adjLst/>
+              </dgm:shape>
+              <dgm:presOf axis="self" ptType="node" cnt="1"/>
+              <dgm:constrLst>
+                <dgm:constr type="primFontSz" val="65"/>
+                <dgm:constr type="lMarg" refType="primFontSz" fact="0.05"/>
+                <dgm:constr type="rMarg" refType="primFontSz" fact="0.05"/>
+                <dgm:constr type="tMarg" refType="primFontSz" fact="0.05"/>
+                <dgm:constr type="bMarg" refType="primFontSz" fact="0.05"/>
+              </dgm:constrLst>
+              <dgm:ruleLst>
+                <dgm:rule type="primFontSz" val="5" fact="NaN" max="NaN"/>
+              </dgm:ruleLst>
+            </dgm:layoutNode>
+            <dgm:layoutNode name="rootConnector1" moveWith="rootText1">
+              <dgm:alg type="sp"/>
+              <dgm:shape xmlns:r="http://schemas.openxmlformats.org/officeDocument/2006/relationships" type="rect" r:blip="" hideGeom="1">
+                <dgm:adjLst/>
+              </dgm:shape>
+              <dgm:presOf axis="self" ptType="node" cnt="1"/>
+              <dgm:constrLst/>
+              <dgm:ruleLst/>
+            </dgm:layoutNode>
+          </dgm:layoutNode>
+          <dgm:layoutNode name="hierChild2">
+            <dgm:choose name="Name21">
+              <dgm:if name="Name22" func="var" arg="hierBranch" op="equ" val="l">
+                <dgm:alg type="hierChild">
+                  <dgm:param type="chAlign" val="r"/>
+                  <dgm:param type="linDir" val="fromT"/>
+                </dgm:alg>
+              </dgm:if>
+              <dgm:if name="Name23" func="var" arg="hierBranch" op="equ" val="r">
+                <dgm:alg type="hierChild">
+                  <dgm:param type="chAlign" val="l"/>
+                  <dgm:param type="linDir" val="fromT"/>
+                </dgm:alg>
+              </dgm:if>
+              <dgm:if name="Name24" func="var" arg="hierBranch" op="equ" val="hang">
+                <dgm:choose name="Name25">
+                  <dgm:if name="Name26" func="var" arg="dir" op="equ" val="norm">
+                    <dgm:alg type="hierChild">
+                      <dgm:param type="chAlign" val="l"/>
+                      <dgm:param type="linDir" val="fromL"/>
+                      <dgm:param type="secChAlign" val="t"/>
+                      <dgm:param type="secLinDir" val="fromT"/>
+                    </dgm:alg>
+                  </dgm:if>
+                  <dgm:else name="Name27">
+                    <dgm:alg type="hierChild">
+                      <dgm:param type="chAlign" val="l"/>
+                      <dgm:param type="linDir" val="fromR"/>
+                      <dgm:param type="secChAlign" val="t"/>
+                      <dgm:param type="secLinDir" val="fromT"/>
+                    </dgm:alg>
+                  </dgm:else>
+                </dgm:choose>
+              </dgm:if>
+              <dgm:else name="Name28">
+                <dgm:choose name="Name29">
+                  <dgm:if name="Name30" func="var" arg="dir" op="equ" val="norm">
+                    <dgm:alg type="hierChild"/>
+                  </dgm:if>
+                  <dgm:else name="Name31">
+                    <dgm:alg type="hierChild">
+                      <dgm:param type="linDir" val="fromR"/>
+                    </dgm:alg>
+                  </dgm:else>
+                </dgm:choose>
+              </dgm:else>
+            </dgm:choose>
+            <dgm:shape xmlns:r="http://schemas.openxmlformats.org/officeDocument/2006/relationships" r:blip="">
+              <dgm:adjLst/>
+            </dgm:shape>
+            <dgm:presOf/>
+            <dgm:constrLst/>
+            <dgm:ruleLst/>
+            <dgm:forEach name="rep2a" axis="ch" ptType="nonAsst">
+              <dgm:forEach name="Name32" axis="precedSib" ptType="parTrans" st="-1" cnt="1">
+                <dgm:choose name="Name33">
+                  <dgm:if name="Name34" func="var" arg="hierBranch" op="equ" val="std">
+                    <dgm:layoutNode name="Name35">
+                      <dgm:alg type="conn">
+                        <dgm:param type="connRout" val="bend"/>
+                        <dgm:param type="dim" val="1D"/>
+                        <dgm:param type="endSty" val="noArr"/>
+                        <dgm:param type="begPts" val="bCtr"/>
+                        <dgm:param type="endPts" val="tCtr"/>
+                        <dgm:param type="bendPt" val="end"/>
+                      </dgm:alg>
+                      <dgm:shape xmlns:r="http://schemas.openxmlformats.org/officeDocument/2006/relationships" type="conn" r:blip="" zOrderOff="-99999">
+                        <dgm:adjLst/>
+                      </dgm:shape>
+                      <dgm:presOf axis="self"/>
+                      <dgm:constrLst>
+                        <dgm:constr type="begPad"/>
+                        <dgm:constr type="endPad"/>
+                      </dgm:constrLst>
+                      <dgm:ruleLst/>
+                    </dgm:layoutNode>
+                  </dgm:if>
+                  <dgm:if name="Name36" func="var" arg="hierBranch" op="equ" val="init">
+                    <dgm:layoutNode name="Name37">
+                      <dgm:choose name="Name38">
+                        <dgm:if name="Name39" axis="self" func="depth" op="lte" val="2">
+                          <dgm:alg type="conn">
+                            <dgm:param type="connRout" val="bend"/>
+                            <dgm:param type="dim" val="1D"/>
+                            <dgm:param type="endSty" val="noArr"/>
+                            <dgm:param type="begPts" val="bCtr"/>
+                            <dgm:param type="endPts" val="tCtr"/>
+                            <dgm:param type="bendPt" val="end"/>
+                          </dgm:alg>
+                        </dgm:if>
+                        <dgm:else name="Name40">
+                          <dgm:choose name="Name41">
+                            <dgm:if name="Name42" axis="par des" func="maxDepth" op="lte" val="1">
+                              <dgm:choose name="Name43">
+                                <dgm:if name="Name44" axis="par ch" ptType="node asst" func="cnt" op="gte" val="1">
+                                  <dgm:alg type="conn">
+                                    <dgm:param type="connRout" val="bend"/>
+                                    <dgm:param type="dim" val="1D"/>
+                                    <dgm:param type="endSty" val="noArr"/>
+                                    <dgm:param type="begPts" val="bCtr"/>
+                                    <dgm:param type="endPts" val="midL midR"/>
+                                  </dgm:alg>
+                                </dgm:if>
+                                <dgm:else name="Name45">
+                                  <dgm:alg type="conn">
+                                    <dgm:param type="connRout" val="bend"/>
+                                    <dgm:param type="dim" val="1D"/>
+                                    <dgm:param type="endSty" val="noArr"/>
+                                    <dgm:param type="begPts" val="bCtr"/>
+                                    <dgm:param type="endPts" val="midL midR"/>
+                                    <dgm:param type="srcNode" val="rootConnector"/>
+                                  </dgm:alg>
+                                </dgm:else>
+                              </dgm:choose>
+                            </dgm:if>
+                            <dgm:else name="Name46">
+                              <dgm:alg type="conn">
+                                <dgm:param type="connRout" val="bend"/>
+                                <dgm:param type="dim" val="1D"/>
+                                <dgm:param type="endSty" val="noArr"/>
+                                <dgm:param type="begPts" val="bCtr"/>
+                                <dgm:param type="endPts" val="tCtr"/>
+                                <dgm:param type="bendPt" val="end"/>
+                              </dgm:alg>
+                            </dgm:else>
+                          </dgm:choose>
+                        </dgm:else>
+                      </dgm:choose>
+                      <dgm:shape xmlns:r="http://schemas.openxmlformats.org/officeDocument/2006/relationships" type="conn" r:blip="" zOrderOff="-99999">
+                        <dgm:adjLst/>
+                      </dgm:shape>
+                      <dgm:presOf axis="self"/>
+                      <dgm:constrLst>
+                        <dgm:constr type="begPad"/>
+                        <dgm:constr type="endPad"/>
+                      </dgm:constrLst>
+                      <dgm:ruleLst/>
+                    </dgm:layoutNode>
+                  </dgm:if>
+                  <dgm:if name="Name47" func="var" arg="hierBranch" op="equ" val="hang">
+                    <dgm:layoutNode name="Name48">
+                      <dgm:alg type="conn">
+                        <dgm:param type="connRout" val="bend"/>
+                        <dgm:param type="dim" val="1D"/>
+                        <dgm:param type="endSty" val="noArr"/>
+                        <dgm:param type="begPts" val="bCtr"/>
+                        <dgm:param type="endPts" val="midL midR"/>
+                      </dgm:alg>
+                      <dgm:shape xmlns:r="http://schemas.openxmlformats.org/officeDocument/2006/relationships" type="conn" r:blip="" zOrderOff="-99999">
+                        <dgm:adjLst/>
+                      </dgm:shape>
+                      <dgm:presOf axis="self"/>
+                      <dgm:constrLst>
+                        <dgm:constr type="begPad"/>
+                        <dgm:constr type="endPad"/>
+                      </dgm:constrLst>
+                      <dgm:ruleLst/>
+                    </dgm:layoutNode>
+                  </dgm:if>
+                  <dgm:else name="Name49">
+                    <dgm:layoutNode name="Name50">
+                      <dgm:choose name="Name51">
+                        <dgm:if name="Name52" axis="self" func="depth" op="lte" val="2">
+                          <dgm:choose name="Name53">
+                            <dgm:if name="Name54" axis="par ch" ptType="node asst" func="cnt" op="gte" val="1">
+                              <dgm:alg type="conn">
+                                <dgm:param type="connRout" val="bend"/>
+                                <dgm:param type="dim" val="1D"/>
+                                <dgm:param type="endSty" val="noArr"/>
+                                <dgm:param type="begPts" val="bCtr"/>
+                                <dgm:param type="endPts" val="midL midR"/>
+                              </dgm:alg>
+                            </dgm:if>
+                            <dgm:else name="Name55">
+                              <dgm:alg type="conn">
+                                <dgm:param type="connRout" val="bend"/>
+                                <dgm:param type="dim" val="1D"/>
+                                <dgm:param type="endSty" val="noArr"/>
+                                <dgm:param type="begPts" val="bCtr"/>
+                                <dgm:param type="endPts" val="midL midR"/>
+                                <dgm:param type="srcNode" val="rootConnector1"/>
+                              </dgm:alg>
+                            </dgm:else>
+                          </dgm:choose>
+                        </dgm:if>
+                        <dgm:else name="Name56">
+                          <dgm:choose name="Name57">
+                            <dgm:if name="Name58" axis="par ch" ptType="node asst" func="cnt" op="gte" val="1">
+                              <dgm:alg type="conn">
+                                <dgm:param type="connRout" val="bend"/>
+                                <dgm:param type="dim" val="1D"/>
+                                <dgm:param type="endSty" val="noArr"/>
+                                <dgm:param type="begPts" val="bCtr"/>
+                                <dgm:param type="endPts" val="midL midR"/>
+                              </dgm:alg>
+                            </dgm:if>
+                            <dgm:else name="Name59">
+                              <dgm:alg type="conn">
+                                <dgm:param type="connRout" val="bend"/>
+                                <dgm:param type="dim" val="1D"/>
+                                <dgm:param type="endSty" val="noArr"/>
+                                <dgm:param type="begPts" val="bCtr"/>
+                                <dgm:param type="endPts" val="midL midR"/>
+                                <dgm:param type="srcNode" val="rootConnector"/>
+                              </dgm:alg>
+                            </dgm:else>
+                          </dgm:choose>
+                        </dgm:else>
+                      </dgm:choose>
+                      <dgm:shape xmlns:r="http://schemas.openxmlformats.org/officeDocument/2006/relationships" type="conn" r:blip="" zOrderOff="-99999">
+                        <dgm:adjLst/>
+                      </dgm:shape>
+                      <dgm:presOf axis="self"/>
+                      <dgm:constrLst>
+                        <dgm:constr type="begPad"/>
+                        <dgm:constr type="endPad"/>
+                      </dgm:constrLst>
+                      <dgm:ruleLst/>
+                    </dgm:layoutNode>
+                  </dgm:else>
+                </dgm:choose>
+              </dgm:forEach>
+              <dgm:layoutNode name="hierRoot2">
+                <dgm:varLst>
+                  <dgm:hierBranch val="init"/>
+                </dgm:varLst>
+                <dgm:choose name="Name60">
+                  <dgm:if name="Name61" func="var" arg="hierBranch" op="equ" val="l">
+                    <dgm:choose name="Name62">
+                      <dgm:if name="Name63" axis="ch" ptType="asst" func="cnt" op="gte" val="1">
+                        <dgm:alg type="hierRoot">
+                          <dgm:param type="hierAlign" val="tR"/>
+                        </dgm:alg>
+                        <dgm:shape xmlns:r="http://schemas.openxmlformats.org/officeDocument/2006/relationships" r:blip="">
+                          <dgm:adjLst/>
+                        </dgm:shape>
+                        <dgm:presOf/>
+                        <dgm:constrLst>
+                          <dgm:constr type="alignOff" val="0.65"/>
+                        </dgm:constrLst>
+                      </dgm:if>
+                      <dgm:else name="Name64">
+                        <dgm:alg type="hierRoot">
+                          <dgm:param type="hierAlign" val="tR"/>
+                        </dgm:alg>
+                        <dgm:shape xmlns:r="http://schemas.openxmlformats.org/officeDocument/2006/relationships" r:blip="">
+                          <dgm:adjLst/>
+                        </dgm:shape>
+                        <dgm:presOf/>
+                        <dgm:constrLst>
+                          <dgm:constr type="alignOff" val="0.25"/>
+                        </dgm:constrLst>
+                      </dgm:else>
+                    </dgm:choose>
+                  </dgm:if>
+                  <dgm:if name="Name65" func="var" arg="hierBranch" op="equ" val="r">
+                    <dgm:choose name="Name66">
+                      <dgm:if name="Name67" axis="ch" ptType="asst" func="cnt" op="gte" val="1">
+                        <dgm:alg type="hierRoot">
+                          <dgm:param type="hierAlign" val="tL"/>
+                        </dgm:alg>
+                        <dgm:shape xmlns:r="http://schemas.openxmlformats.org/officeDocument/2006/relationships" r:blip="">
+                          <dgm:adjLst/>
+                        </dgm:shape>
+                        <dgm:presOf/>
+                        <dgm:constrLst>
+                          <dgm:constr type="alignOff" val="0.65"/>
+                        </dgm:constrLst>
+                      </dgm:if>
+                      <dgm:else name="Name68">
+                        <dgm:alg type="hierRoot">
+                          <dgm:param type="hierAlign" val="tL"/>
+                        </dgm:alg>
+                        <dgm:shape xmlns:r="http://schemas.openxmlformats.org/officeDocument/2006/relationships" r:blip="">
+                          <dgm:adjLst/>
+                        </dgm:shape>
+                        <dgm:presOf/>
+                        <dgm:constrLst>
+                          <dgm:constr type="alignOff" val="0.25"/>
+                        </dgm:constrLst>
+                      </dgm:else>
+                    </dgm:choose>
+                  </dgm:if>
+                  <dgm:if name="Name69" func="var" arg="hierBranch" op="equ" val="std">
+                    <dgm:alg type="hierRoot"/>
+                    <dgm:shape xmlns:r="http://schemas.openxmlformats.org/officeDocument/2006/relationships" r:blip="">
+                      <dgm:adjLst/>
+                    </dgm:shape>
+                    <dgm:presOf/>
+                    <dgm:constrLst>
+                      <dgm:constr type="alignOff"/>
+                      <dgm:constr type="bendDist" for="des" ptType="parTrans" refType="sp" fact="0.5"/>
+                    </dgm:constrLst>
+                  </dgm:if>
+                  <dgm:if name="Name70" func="var" arg="hierBranch" op="equ" val="init">
+                    <dgm:choose name="Name71">
+                      <dgm:if name="Name72" axis="des" func="maxDepth" op="lte" val="1">
+                        <dgm:choose name="Name73">
+                          <dgm:if name="Name74" axis="ch" ptType="asst" func="cnt" op="gte" val="1">
+                            <dgm:alg type="hierRoot">
+                              <dgm:param type="hierAlign" val="tL"/>
+                            </dgm:alg>
+                            <dgm:shape xmlns:r="http://schemas.openxmlformats.org/officeDocument/2006/relationships" r:blip="">
+                              <dgm:adjLst/>
+                            </dgm:shape>
+                            <dgm:presOf/>
+                            <dgm:constrLst>
+                              <dgm:constr type="alignOff" val="0.65"/>
+                            </dgm:constrLst>
+                          </dgm:if>
+                          <dgm:else name="Name75">
+                            <dgm:alg type="hierRoot">
+                              <dgm:param type="hierAlign" val="tL"/>
+                            </dgm:alg>
+                            <dgm:shape xmlns:r="http://schemas.openxmlformats.org/officeDocument/2006/relationships" r:blip="">
+                              <dgm:adjLst/>
+                            </dgm:shape>
+                            <dgm:presOf/>
+                            <dgm:constrLst>
+                              <dgm:constr type="alignOff" val="0.25"/>
+                            </dgm:constrLst>
+                          </dgm:else>
+                        </dgm:choose>
+                      </dgm:if>
+                      <dgm:else name="Name76">
+                        <dgm:alg type="hierRoot"/>
+                        <dgm:shape xmlns:r="http://schemas.openxmlformats.org/officeDocument/2006/relationships" r:blip="">
+                          <dgm:adjLst/>
+                        </dgm:shape>
+                        <dgm:presOf/>
+                        <dgm:constrLst>
+                          <dgm:constr type="alignOff"/>
+                          <dgm:constr type="bendDist" for="des" ptType="parTrans" refType="sp" fact="0.5"/>
+                        </dgm:constrLst>
+                      </dgm:else>
+                    </dgm:choose>
+                  </dgm:if>
+                  <dgm:else name="Name77">
+                    <dgm:alg type="hierRoot"/>
+                    <dgm:shape xmlns:r="http://schemas.openxmlformats.org/officeDocument/2006/relationships" r:blip="">
+                      <dgm:adjLst/>
+                    </dgm:shape>
+                    <dgm:presOf/>
+                    <dgm:constrLst>
+                      <dgm:constr type="alignOff" val="0.65"/>
+                    </dgm:constrLst>
+                  </dgm:else>
+                </dgm:choose>
+                <dgm:ruleLst/>
+                <dgm:layoutNode name="rootComposite">
+                  <dgm:alg type="composite"/>
+                  <dgm:shape xmlns:r="http://schemas.openxmlformats.org/officeDocument/2006/relationships" r:blip="">
+                    <dgm:adjLst/>
+                  </dgm:shape>
+                  <dgm:presOf axis="self" ptType="node" cnt="1"/>
+                  <dgm:choose name="Name78">
+                    <dgm:if name="Name79" func="var" arg="hierBranch" op="equ" val="init">
+                      <dgm:constrLst>
+                        <dgm:constr type="l" for="ch" forName="rootText"/>
+                        <dgm:constr type="t" for="ch" forName="rootText"/>
+                        <dgm:constr type="w" for="ch" forName="rootText" refType="w"/>
+                        <dgm:constr type="h" for="ch" forName="rootText" refType="h"/>
+                        <dgm:constr type="l" for="ch" forName="rootConnector"/>
+                        <dgm:constr type="t" for="ch" forName="rootConnector"/>
+                        <dgm:constr type="w" for="ch" forName="rootConnector" refType="w" refFor="ch" refForName="rootText" fact="0.2"/>
+                        <dgm:constr type="h" for="ch" forName="rootConnector" refType="h" refFor="ch" refForName="rootText"/>
+                      </dgm:constrLst>
+                    </dgm:if>
+                    <dgm:if name="Name80" func="var" arg="hierBranch" op="equ" val="l">
+                      <dgm:constrLst>
+                        <dgm:constr type="l" for="ch" forName="rootText"/>
+                        <dgm:constr type="t" for="ch" forName="rootText"/>
+                        <dgm:constr type="w" for="ch" forName="rootText" refType="w"/>
+                        <dgm:constr type="h" for="ch" forName="rootText" refType="h"/>
+                        <dgm:constr type="r" for="ch" forName="rootConnector" refType="w"/>
+                        <dgm:constr type="t" for="ch" forName="rootConnector"/>
+                        <dgm:constr type="w" for="ch" forName="rootConnector" refType="w" refFor="ch" refForName="rootText" fact="0.2"/>
+                        <dgm:constr type="h" for="ch" forName="rootConnector" refType="h" refFor="ch" refForName="rootText"/>
+                      </dgm:constrLst>
+                    </dgm:if>
+                    <dgm:if name="Name81" func="var" arg="hierBranch" op="equ" val="r">
+                      <dgm:constrLst>
+                        <dgm:constr type="l" for="ch" forName="rootText"/>
+                        <dgm:constr type="t" for="ch" forName="rootText"/>
+                        <dgm:constr type="w" for="ch" forName="rootText" refType="w"/>
+                        <dgm:constr type="h" for="ch" forName="rootText" refType="h"/>
+                        <dgm:constr type="l" for="ch" forName="rootConnector"/>
+                        <dgm:constr type="t" for="ch" forName="rootConnector"/>
+                        <dgm:constr type="w" for="ch" forName="rootConnector" refType="w" refFor="ch" refForName="rootText" fact="0.2"/>
+                        <dgm:constr type="h" for="ch" forName="rootConnector" refType="h" refFor="ch" refForName="rootText"/>
+                      </dgm:constrLst>
+                    </dgm:if>
+                    <dgm:else name="Name82">
+                      <dgm:constrLst>
+                        <dgm:constr type="l" for="ch" forName="rootText"/>
+                        <dgm:constr type="t" for="ch" forName="rootText"/>
+                        <dgm:constr type="w" for="ch" forName="rootText" refType="w"/>
+                        <dgm:constr type="h" for="ch" forName="rootText" refType="h"/>
+                        <dgm:constr type="r" for="ch" forName="rootConnector" refType="w"/>
+                        <dgm:constr type="t" for="ch" forName="rootConnector"/>
+                        <dgm:constr type="w" for="ch" forName="rootConnector" refType="w" refFor="ch" refForName="rootText" fact="0.2"/>
+                        <dgm:constr type="h" for="ch" forName="rootConnector" refType="h" refFor="ch" refForName="rootText"/>
+                      </dgm:constrLst>
+                    </dgm:else>
+                  </dgm:choose>
+                  <dgm:ruleLst/>
+                  <dgm:layoutNode name="rootText">
+                    <dgm:varLst>
+                      <dgm:chPref val="3"/>
+                    </dgm:varLst>
+                    <dgm:alg type="tx"/>
+                    <dgm:shape xmlns:r="http://schemas.openxmlformats.org/officeDocument/2006/relationships" type="rect" r:blip="">
+                      <dgm:adjLst/>
+                    </dgm:shape>
+                    <dgm:presOf axis="self" ptType="node" cnt="1"/>
+                    <dgm:constrLst>
+                      <dgm:constr type="primFontSz" val="65"/>
+                      <dgm:constr type="lMarg" refType="primFontSz" fact="0.05"/>
+                      <dgm:constr type="rMarg" refType="primFontSz" fact="0.05"/>
+                      <dgm:constr type="tMarg" refType="primFontSz" fact="0.05"/>
+                      <dgm:constr type="bMarg" refType="primFontSz" fact="0.05"/>
+                    </dgm:constrLst>
+                    <dgm:ruleLst>
+                      <dgm:rule type="primFontSz" val="5" fact="NaN" max="NaN"/>
+                    </dgm:ruleLst>
+                  </dgm:layoutNode>
+                  <dgm:layoutNode name="rootConnector" moveWith="rootText">
+                    <dgm:alg type="sp"/>
+                    <dgm:shape xmlns:r="http://schemas.openxmlformats.org/officeDocument/2006/relationships" type="rect" r:blip="" hideGeom="1">
+                      <dgm:adjLst/>
+                    </dgm:shape>
+                    <dgm:presOf axis="self" ptType="node" cnt="1"/>
+                    <dgm:constrLst/>
+                    <dgm:ruleLst/>
+                  </dgm:layoutNode>
+                </dgm:layoutNode>
+                <dgm:layoutNode name="hierChild4">
+                  <dgm:choose name="Name83">
+                    <dgm:if name="Name84" func="var" arg="hierBranch" op="equ" val="l">
+                      <dgm:alg type="hierChild">
+                        <dgm:param type="chAlign" val="r"/>
+                        <dgm:param type="linDir" val="fromT"/>
+                      </dgm:alg>
+                    </dgm:if>
+                    <dgm:if name="Name85" func="var" arg="hierBranch" op="equ" val="r">
+                      <dgm:alg type="hierChild">
+                        <dgm:param type="chAlign" val="l"/>
+                        <dgm:param type="linDir" val="fromT"/>
+                      </dgm:alg>
+                    </dgm:if>
+                    <dgm:if name="Name86" func="var" arg="hierBranch" op="equ" val="hang">
+                      <dgm:choose name="Name87">
+                        <dgm:if name="Name88" func="var" arg="dir" op="equ" val="norm">
+                          <dgm:alg type="hierChild">
+                            <dgm:param type="chAlign" val="l"/>
+                            <dgm:param type="linDir" val="fromL"/>
+                            <dgm:param type="secChAlign" val="t"/>
+                            <dgm:param type="secLinDir" val="fromT"/>
+                          </dgm:alg>
+                        </dgm:if>
+                        <dgm:else name="Name89">
+                          <dgm:alg type="hierChild">
+                            <dgm:param type="chAlign" val="l"/>
+                            <dgm:param type="linDir" val="fromR"/>
+                            <dgm:param type="secChAlign" val="t"/>
+                            <dgm:param type="secLinDir" val="fromT"/>
+                          </dgm:alg>
+                        </dgm:else>
+                      </dgm:choose>
+                    </dgm:if>
+                    <dgm:if name="Name90" func="var" arg="hierBranch" op="equ" val="std">
+                      <dgm:choose name="Name91">
+                        <dgm:if name="Name92" func="var" arg="dir" op="equ" val="norm">
+                          <dgm:alg type="hierChild"/>
+                        </dgm:if>
+                        <dgm:else name="Name93">
+                          <dgm:alg type="hierChild">
+                            <dgm:param type="linDir" val="fromR"/>
+                          </dgm:alg>
+                        </dgm:else>
+                      </dgm:choose>
+                    </dgm:if>
+                    <dgm:if name="Name94" func="var" arg="hierBranch" op="equ" val="init">
+                      <dgm:choose name="Name95">
+                        <dgm:if name="Name96" axis="des" func="maxDepth" op="lte" val="1">
+                          <dgm:alg type="hierChild">
+                            <dgm:param type="chAlign" val="l"/>
+                            <dgm:param type="linDir" val="fromT"/>
+                          </dgm:alg>
+                        </dgm:if>
+                        <dgm:else name="Name97">
+                          <dgm:choose name="Name98">
+                            <dgm:if name="Name99" func="var" arg="dir" op="equ" val="norm">
+                              <dgm:alg type="hierChild"/>
+                            </dgm:if>
+                            <dgm:else name="Name100">
+                              <dgm:alg type="hierChild">
+                                <dgm:param type="linDir" val="fromR"/>
+                              </dgm:alg>
+                            </dgm:else>
+                          </dgm:choose>
+                        </dgm:else>
+                      </dgm:choose>
+                    </dgm:if>
+                    <dgm:else name="Name101"/>
+                  </dgm:choose>
+                  <dgm:shape xmlns:r="http://schemas.openxmlformats.org/officeDocument/2006/relationships" r:blip="">
+                    <dgm:adjLst/>
+                  </dgm:shape>
+                  <dgm:presOf/>
+                  <dgm:constrLst/>
+                  <dgm:ruleLst/>
+                  <dgm:forEach name="Name102" ref="rep2a"/>
+                </dgm:layoutNode>
+                <dgm:layoutNode name="hierChild5">
+                  <dgm:choose name="Name103">
+                    <dgm:if name="Name104" func="var" arg="dir" op="equ" val="norm">
+                      <dgm:alg type="hierChild">
+                        <dgm:param type="chAlign" val="l"/>
+                        <dgm:param type="linDir" val="fromL"/>
+                        <dgm:param type="secChAlign" val="t"/>
+                        <dgm:param type="secLinDir" val="fromT"/>
+                      </dgm:alg>
+                    </dgm:if>
+                    <dgm:else name="Name105">
+                      <dgm:alg type="hierChild">
+                        <dgm:param type="chAlign" val="l"/>
+                        <dgm:param type="linDir" val="fromR"/>
+                        <dgm:param type="secChAlign" val="t"/>
+                        <dgm:param type="secLinDir" val="fromT"/>
+                      </dgm:alg>
+                    </dgm:else>
+                  </dgm:choose>
+                  <dgm:shape xmlns:r="http://schemas.openxmlformats.org/officeDocument/2006/relationships" r:blip="">
+                    <dgm:adjLst/>
+                  </dgm:shape>
+                  <dgm:presOf/>
+                  <dgm:constrLst/>
+                  <dgm:ruleLst/>
+                  <dgm:forEach name="Name106" ref="rep2b"/>
+                </dgm:layoutNode>
+              </dgm:layoutNode>
+            </dgm:forEach>
+          </dgm:layoutNode>
+          <dgm:layoutNode name="hierChild3">
+            <dgm:choose name="Name107">
+              <dgm:if name="Name108" func="var" arg="dir" op="equ" val="norm">
+                <dgm:alg type="hierChild">
+                  <dgm:param type="chAlign" val="l"/>
+                  <dgm:param type="linDir" val="fromL"/>
+                  <dgm:param type="secChAlign" val="t"/>
+                  <dgm:param type="secLinDir" val="fromT"/>
+                </dgm:alg>
+              </dgm:if>
+              <dgm:else name="Name109">
+                <dgm:alg type="hierChild">
+                  <dgm:param type="chAlign" val="l"/>
+                  <dgm:param type="linDir" val="fromR"/>
+                  <dgm:param type="secChAlign" val="t"/>
+                  <dgm:param type="secLinDir" val="fromT"/>
+                </dgm:alg>
+              </dgm:else>
+            </dgm:choose>
+            <dgm:shape xmlns:r="http://schemas.openxmlformats.org/officeDocument/2006/relationships" r:blip="">
+              <dgm:adjLst/>
+            </dgm:shape>
+            <dgm:presOf/>
+            <dgm:constrLst/>
+            <dgm:ruleLst/>
+            <dgm:forEach name="rep2b" axis="ch" ptType="asst">
+              <dgm:forEach name="Name110" axis="precedSib" ptType="parTrans" st="-1" cnt="1">
+                <dgm:layoutNode name="Name111">
+                  <dgm:alg type="conn">
+                    <dgm:param type="connRout" val="bend"/>
+                    <dgm:param type="dim" val="1D"/>
+                    <dgm:param type="endSty" val="noArr"/>
+                    <dgm:param type="begPts" val="bCtr"/>
+                    <dgm:param type="endPts" val="midL midR"/>
+                  </dgm:alg>
+                  <dgm:shape xmlns:r="http://schemas.openxmlformats.org/officeDocument/2006/relationships" type="conn" r:blip="" zOrderOff="-99999">
+                    <dgm:adjLst/>
+                  </dgm:shape>
+                  <dgm:presOf axis="self"/>
+                  <dgm:constrLst>
+                    <dgm:constr type="begPad"/>
+                    <dgm:constr type="endPad"/>
+                  </dgm:constrLst>
+                  <dgm:ruleLst/>
+                </dgm:layoutNode>
+              </dgm:forEach>
+              <dgm:layoutNode name="hierRoot3">
+                <dgm:varLst>
+                  <dgm:hierBranch val="init"/>
+                </dgm:varLst>
+                <dgm:choose name="Name112">
+                  <dgm:if name="Name113" func="var" arg="hierBranch" op="equ" val="l">
+                    <dgm:alg type="hierRoot">
+                      <dgm:param type="hierAlign" val="tR"/>
+                    </dgm:alg>
+                    <dgm:shape xmlns:r="http://schemas.openxmlformats.org/officeDocument/2006/relationships" r:blip="">
+                      <dgm:adjLst/>
+                    </dgm:shape>
+                    <dgm:presOf/>
+                    <dgm:constrLst>
+                      <dgm:constr type="alignOff" val="0.65"/>
+                    </dgm:constrLst>
+                  </dgm:if>
+                  <dgm:if name="Name114" func="var" arg="hierBranch" op="equ" val="r">
+                    <dgm:alg type="hierRoot">
+                      <dgm:param type="hierAlign" val="tL"/>
+                    </dgm:alg>
+                    <dgm:shape xmlns:r="http://schemas.openxmlformats.org/officeDocument/2006/relationships" r:blip="">
+                      <dgm:adjLst/>
+                    </dgm:shape>
+                    <dgm:presOf/>
+                    <dgm:constrLst>
+                      <dgm:constr type="alignOff" val="0.65"/>
+                    </dgm:constrLst>
+                  </dgm:if>
+                  <dgm:if name="Name115" func="var" arg="hierBranch" op="equ" val="hang">
+                    <dgm:alg type="hierRoot"/>
+                    <dgm:shape xmlns:r="http://schemas.openxmlformats.org/officeDocument/2006/relationships" r:blip="">
+                      <dgm:adjLst/>
+                    </dgm:shape>
+                    <dgm:presOf/>
+                    <dgm:constrLst>
+                      <dgm:constr type="alignOff" val="0.65"/>
+                    </dgm:constrLst>
+                  </dgm:if>
+                  <dgm:if name="Name116" func="var" arg="hierBranch" op="equ" val="std">
+                    <dgm:alg type="hierRoot"/>
+                    <dgm:shape xmlns:r="http://schemas.openxmlformats.org/officeDocument/2006/relationships" r:blip="">
+                      <dgm:adjLst/>
+                    </dgm:shape>
+                    <dgm:presOf/>
+                    <dgm:constrLst>
+                      <dgm:constr type="alignOff"/>
+                      <dgm:constr type="bendDist" for="des" ptType="parTrans" refType="sp" fact="0.5"/>
+                    </dgm:constrLst>
+                  </dgm:if>
+                  <dgm:if name="Name117" func="var" arg="hierBranch" op="equ" val="init">
+                    <dgm:choose name="Name118">
+                      <dgm:if name="Name119" axis="des" func="maxDepth" op="lte" val="1">
+                        <dgm:alg type="hierRoot">
+                          <dgm:param type="hierAlign" val="tL"/>
+                        </dgm:alg>
+                        <dgm:shape xmlns:r="http://schemas.openxmlformats.org/officeDocument/2006/relationships" r:blip="">
+                          <dgm:adjLst/>
+                        </dgm:shape>
+                        <dgm:presOf/>
+                        <dgm:constrLst>
+                          <dgm:constr type="alignOff" val="0.65"/>
+                        </dgm:constrLst>
+                      </dgm:if>
+                      <dgm:else name="Name120">
+                        <dgm:alg type="hierRoot"/>
+                        <dgm:shape xmlns:r="http://schemas.openxmlformats.org/officeDocument/2006/relationships" r:blip="">
+                          <dgm:adjLst/>
+                        </dgm:shape>
+                        <dgm:presOf/>
+                        <dgm:constrLst>
+                          <dgm:constr type="alignOff"/>
+                          <dgm:constr type="bendDist" for="des" ptType="parTrans" refType="sp" fact="0.5"/>
+                        </dgm:constrLst>
+                      </dgm:else>
+                    </dgm:choose>
+                  </dgm:if>
+                  <dgm:else name="Name121"/>
+                </dgm:choose>
+                <dgm:ruleLst/>
+                <dgm:layoutNode name="rootComposite3">
+                  <dgm:alg type="composite"/>
+                  <dgm:shape xmlns:r="http://schemas.openxmlformats.org/officeDocument/2006/relationships" r:blip="">
+                    <dgm:adjLst/>
+                  </dgm:shape>
+                  <dgm:presOf axis="self" ptType="node" cnt="1"/>
+                  <dgm:choose name="Name122">
+                    <dgm:if name="Name123" func="var" arg="hierBranch" op="equ" val="init">
+                      <dgm:constrLst>
+                        <dgm:constr type="l" for="ch" forName="rootText3"/>
+                        <dgm:constr type="t" for="ch" forName="rootText3"/>
+                        <dgm:constr type="w" for="ch" forName="rootText3" refType="w"/>
+                        <dgm:constr type="h" for="ch" forName="rootText3" refType="h"/>
+                        <dgm:constr type="l" for="ch" forName="rootConnector3"/>
+                        <dgm:constr type="t" for="ch" forName="rootConnector3"/>
+                        <dgm:constr type="w" for="ch" forName="rootConnector3" refType="w" refFor="ch" refForName="rootText3" fact="0.2"/>
+                        <dgm:constr type="h" for="ch" forName="rootConnector3" refType="h" refFor="ch" refForName="rootText3"/>
+                      </dgm:constrLst>
+                    </dgm:if>
+                    <dgm:if name="Name124" func="var" arg="hierBranch" op="equ" val="l">
+                      <dgm:constrLst>
+                        <dgm:constr type="l" for="ch" forName="rootText3"/>
+                        <dgm:constr type="t" for="ch" forName="rootText3"/>
+                        <dgm:constr type="w" for="ch" forName="rootText3" refType="w"/>
+                        <dgm:constr type="h" for="ch" forName="rootText3" refType="h"/>
+                        <dgm:constr type="r" for="ch" forName="rootConnector3" refType="w"/>
+                        <dgm:constr type="t" for="ch" forName="rootConnector3"/>
+                        <dgm:constr type="w" for="ch" forName="rootConnector3" refType="w" refFor="ch" refForName="rootText3" fact="0.2"/>
+                        <dgm:constr type="h" for="ch" forName="rootConnector3" refType="h" refFor="ch" refForName="rootText3"/>
+                      </dgm:constrLst>
+                    </dgm:if>
+                    <dgm:if name="Name125" func="var" arg="hierBranch" op="equ" val="r">
+                      <dgm:constrLst>
+                        <dgm:constr type="l" for="ch" forName="rootText3"/>
+                        <dgm:constr type="t" for="ch" forName="rootText3"/>
+                        <dgm:constr type="w" for="ch" forName="rootText3" refType="w"/>
+                        <dgm:constr type="h" for="ch" forName="rootText3" refType="h"/>
+                        <dgm:constr type="l" for="ch" forName="rootConnector3"/>
+                        <dgm:constr type="t" for="ch" forName="rootConnector3"/>
+                        <dgm:constr type="w" for="ch" forName="rootConnector3" refType="w" refFor="ch" refForName="rootText3" fact="0.2"/>
+                        <dgm:constr type="h" for="ch" forName="rootConnector3" refType="h" refFor="ch" refForName="rootText3"/>
+                      </dgm:constrLst>
+                    </dgm:if>
+                    <dgm:else name="Name126">
+                      <dgm:constrLst>
+                        <dgm:constr type="l" for="ch" forName="rootText3"/>
+                        <dgm:constr type="t" for="ch" forName="rootText3"/>
+                        <dgm:constr type="w" for="ch" forName="rootText3" refType="w"/>
+                        <dgm:constr type="h" for="ch" forName="rootText3" refType="h"/>
+                        <dgm:constr type="r" for="ch" forName="rootConnector3" refType="w"/>
+                        <dgm:constr type="t" for="ch" forName="rootConnector3"/>
+                        <dgm:constr type="w" for="ch" forName="rootConnector3" refType="w" refFor="ch" refForName="rootText3" fact="0.2"/>
+                        <dgm:constr type="h" for="ch" forName="rootConnector3" refType="h" refFor="ch" refForName="rootText3"/>
+                      </dgm:constrLst>
+                    </dgm:else>
+                  </dgm:choose>
+                  <dgm:ruleLst/>
+                  <dgm:layoutNode name="rootText3">
+                    <dgm:varLst>
+                      <dgm:chPref val="3"/>
+                    </dgm:varLst>
+                    <dgm:alg type="tx"/>
+                    <dgm:shape xmlns:r="http://schemas.openxmlformats.org/officeDocument/2006/relationships" type="rect" r:blip="">
+                      <dgm:adjLst/>
+                    </dgm:shape>
+                    <dgm:presOf axis="self" ptType="node" cnt="1"/>
+                    <dgm:constrLst>
+                      <dgm:constr type="primFontSz" val="65"/>
+                      <dgm:constr type="lMarg" refType="primFontSz" fact="0.05"/>
+                      <dgm:constr type="rMarg" refType="primFontSz" fact="0.05"/>
+                      <dgm:constr type="tMarg" refType="primFontSz" fact="0.05"/>
+                      <dgm:constr type="bMarg" refType="primFontSz" fact="0.05"/>
+                    </dgm:constrLst>
+                    <dgm:ruleLst>
+                      <dgm:rule type="primFontSz" val="5" fact="NaN" max="NaN"/>
+                    </dgm:ruleLst>
+                  </dgm:layoutNode>
+                  <dgm:layoutNode name="rootConnector3" moveWith="rootText1">
+                    <dgm:alg type="sp"/>
+                    <dgm:shape xmlns:r="http://schemas.openxmlformats.org/officeDocument/2006/relationships" type="rect" r:blip="" hideGeom="1">
+                      <dgm:adjLst/>
+                    </dgm:shape>
+                    <dgm:presOf axis="self" ptType="node" cnt="1"/>
+                    <dgm:constrLst/>
+                    <dgm:ruleLst/>
+                  </dgm:layoutNode>
+                </dgm:layoutNode>
+                <dgm:layoutNode name="hierChild6">
+                  <dgm:choose name="Name127">
+                    <dgm:if name="Name128" func="var" arg="hierBranch" op="equ" val="l">
+                      <dgm:alg type="hierChild">
+                        <dgm:param type="chAlign" val="r"/>
+                        <dgm:param type="linDir" val="fromT"/>
+                      </dgm:alg>
+                    </dgm:if>
+                    <dgm:if name="Name129" func="var" arg="hierBranch" op="equ" val="r">
+                      <dgm:alg type="hierChild">
+                        <dgm:param type="chAlign" val="l"/>
+                        <dgm:param type="linDir" val="fromT"/>
+                      </dgm:alg>
+                    </dgm:if>
+                    <dgm:if name="Name130" func="var" arg="hierBranch" op="equ" val="hang">
+                      <dgm:choose name="Name131">
+                        <dgm:if name="Name132" func="var" arg="dir" op="equ" val="norm">
+                          <dgm:alg type="hierChild">
+                            <dgm:param type="chAlign" val="l"/>
+                            <dgm:param type="linDir" val="fromL"/>
+                            <dgm:param type="secChAlign" val="t"/>
+                            <dgm:param type="secLinDir" val="fromT"/>
+                          </dgm:alg>
+                        </dgm:if>
+                        <dgm:else name="Name133">
+                          <dgm:alg type="hierChild">
+                            <dgm:param type="chAlign" val="l"/>
+                            <dgm:param type="linDir" val="fromR"/>
+                            <dgm:param type="secChAlign" val="t"/>
+                            <dgm:param type="secLinDir" val="fromT"/>
+                          </dgm:alg>
+                        </dgm:else>
+                      </dgm:choose>
+                    </dgm:if>
+                    <dgm:if name="Name134" func="var" arg="hierBranch" op="equ" val="std">
+                      <dgm:choose name="Name135">
+                        <dgm:if name="Name136" func="var" arg="dir" op="equ" val="norm">
+                          <dgm:alg type="hierChild"/>
+                        </dgm:if>
+                        <dgm:else name="Name137">
+                          <dgm:alg type="hierChild">
+                            <dgm:param type="linDir" val="fromR"/>
+                          </dgm:alg>
+                        </dgm:else>
+                      </dgm:choose>
+                    </dgm:if>
+                    <dgm:if name="Name138" func="var" arg="hierBranch" op="equ" val="init">
+                      <dgm:choose name="Name139">
+                        <dgm:if name="Name140" axis="des" func="maxDepth" op="lte" val="1">
+                          <dgm:alg type="hierChild">
+                            <dgm:param type="chAlign" val="l"/>
+                            <dgm:param type="linDir" val="fromT"/>
+                          </dgm:alg>
+                        </dgm:if>
+                        <dgm:else name="Name141">
+                          <dgm:alg type="hierChild"/>
+                        </dgm:else>
+                      </dgm:choose>
+                    </dgm:if>
+                    <dgm:else name="Name142"/>
+                  </dgm:choose>
+                  <dgm:shape xmlns:r="http://schemas.openxmlformats.org/officeDocument/2006/relationships" r:blip="">
+                    <dgm:adjLst/>
+                  </dgm:shape>
+                  <dgm:presOf/>
+                  <dgm:constrLst/>
+                  <dgm:ruleLst/>
+                  <dgm:forEach name="Name143" ref="rep2a"/>
+                </dgm:layoutNode>
+                <dgm:layoutNode name="hierChild7">
+                  <dgm:choose name="Name144">
+                    <dgm:if name="Name145" func="var" arg="dir" op="equ" val="norm">
+                      <dgm:alg type="hierChild">
+                        <dgm:param type="chAlign" val="l"/>
+                        <dgm:param type="linDir" val="fromL"/>
+                        <dgm:param type="secChAlign" val="t"/>
+                        <dgm:param type="secLinDir" val="fromT"/>
+                      </dgm:alg>
+                    </dgm:if>
+                    <dgm:else name="Name146">
+                      <dgm:alg type="hierChild">
+                        <dgm:param type="chAlign" val="l"/>
+                        <dgm:param type="linDir" val="fromR"/>
+                        <dgm:param type="secChAlign" val="t"/>
+                        <dgm:param type="secLinDir" val="fromT"/>
+                      </dgm:alg>
+                    </dgm:else>
+                  </dgm:choose>
+                  <dgm:shape xmlns:r="http://schemas.openxmlformats.org/officeDocument/2006/relationships" r:blip="">
+                    <dgm:adjLst/>
+                  </dgm:shape>
+                  <dgm:presOf/>
+                  <dgm:constrLst/>
+                  <dgm:ruleLst/>
+                  <dgm:forEach name="Name147" ref="rep2b"/>
+                </dgm:layoutNode>
+              </dgm:layoutNode>
+            </dgm:forEach>
+          </dgm:layoutNode>
+        </dgm:layoutNode>
+      </dgm:forEach>
+    </dgm:forEach>
+  </dgm:layoutNode>
+</dgm:layoutDef>
+</file>
+
+<file path=ppt/diagrams/layout2.xml><?xml version="1.0" encoding="utf-8"?>
 <dgm:layoutDef xmlns:dgm="http://schemas.openxmlformats.org/drawingml/2006/diagram" xmlns:a="http://schemas.openxmlformats.org/drawingml/2006/main" uniqueId="urn:microsoft.com/office/officeart/2005/8/layout/orgChart1">
   <dgm:title val=""/>
   <dgm:desc val=""/>
@@ -4597,6 +7765,1040 @@
 </dgm:styleDef>
 </file>
 
+<file path=ppt/diagrams/quickStyle2.xml><?xml version="1.0" encoding="utf-8"?>
+<dgm:styleDef xmlns:dgm="http://schemas.openxmlformats.org/drawingml/2006/diagram" xmlns:a="http://schemas.openxmlformats.org/drawingml/2006/main" uniqueId="urn:microsoft.com/office/officeart/2005/8/quickstyle/simple4">
+  <dgm:title val=""/>
+  <dgm:desc val=""/>
+  <dgm:catLst>
+    <dgm:cat type="simple" pri="10400"/>
+  </dgm:catLst>
+  <dgm:scene3d>
+    <a:camera prst="orthographicFront"/>
+    <a:lightRig rig="threePt" dir="t"/>
+  </dgm:scene3d>
+  <dgm:styleLbl name="node0">
+    <dgm:scene3d>
+      <a:camera prst="orthographicFront"/>
+      <a:lightRig rig="threePt" dir="t"/>
+    </dgm:scene3d>
+    <dgm:sp3d/>
+    <dgm:txPr/>
+    <dgm:style>
+      <a:lnRef idx="0">
+        <a:scrgbClr r="0" g="0" b="0"/>
+      </a:lnRef>
+      <a:fillRef idx="3">
+        <a:scrgbClr r="0" g="0" b="0"/>
+      </a:fillRef>
+      <a:effectRef idx="2">
+        <a:scrgbClr r="0" g="0" b="0"/>
+      </a:effectRef>
+      <a:fontRef idx="minor">
+        <a:schemeClr val="lt1"/>
+      </a:fontRef>
+    </dgm:style>
+  </dgm:styleLbl>
+  <dgm:styleLbl name="lnNode1">
+    <dgm:scene3d>
+      <a:camera prst="orthographicFront"/>
+      <a:lightRig rig="threePt" dir="t"/>
+    </dgm:scene3d>
+    <dgm:sp3d/>
+    <dgm:txPr/>
+    <dgm:style>
+      <a:lnRef idx="1">
+        <a:scrgbClr r="0" g="0" b="0"/>
+      </a:lnRef>
+      <a:fillRef idx="3">
+        <a:scrgbClr r="0" g="0" b="0"/>
+      </a:fillRef>
+      <a:effectRef idx="2">
+        <a:scrgbClr r="0" g="0" b="0"/>
+      </a:effectRef>
+      <a:fontRef idx="minor">
+        <a:schemeClr val="lt1"/>
+      </a:fontRef>
+    </dgm:style>
+  </dgm:styleLbl>
+  <dgm:styleLbl name="vennNode1">
+    <dgm:scene3d>
+      <a:camera prst="orthographicFront"/>
+      <a:lightRig rig="threePt" dir="t"/>
+    </dgm:scene3d>
+    <dgm:sp3d/>
+    <dgm:txPr/>
+    <dgm:style>
+      <a:lnRef idx="0">
+        <a:scrgbClr r="0" g="0" b="0"/>
+      </a:lnRef>
+      <a:fillRef idx="3">
+        <a:scrgbClr r="0" g="0" b="0"/>
+      </a:fillRef>
+      <a:effectRef idx="0">
+        <a:scrgbClr r="0" g="0" b="0"/>
+      </a:effectRef>
+      <a:fontRef idx="minor">
+        <a:schemeClr val="tx1"/>
+      </a:fontRef>
+    </dgm:style>
+  </dgm:styleLbl>
+  <dgm:styleLbl name="alignNode1">
+    <dgm:scene3d>
+      <a:camera prst="orthographicFront"/>
+      <a:lightRig rig="threePt" dir="t"/>
+    </dgm:scene3d>
+    <dgm:sp3d/>
+    <dgm:txPr/>
+    <dgm:style>
+      <a:lnRef idx="1">
+        <a:scrgbClr r="0" g="0" b="0"/>
+      </a:lnRef>
+      <a:fillRef idx="3">
+        <a:scrgbClr r="0" g="0" b="0"/>
+      </a:fillRef>
+      <a:effectRef idx="2">
+        <a:scrgbClr r="0" g="0" b="0"/>
+      </a:effectRef>
+      <a:fontRef idx="minor">
+        <a:schemeClr val="lt1"/>
+      </a:fontRef>
+    </dgm:style>
+  </dgm:styleLbl>
+  <dgm:styleLbl name="node1">
+    <dgm:scene3d>
+      <a:camera prst="orthographicFront"/>
+      <a:lightRig rig="threePt" dir="t"/>
+    </dgm:scene3d>
+    <dgm:sp3d/>
+    <dgm:txPr/>
+    <dgm:style>
+      <a:lnRef idx="0">
+        <a:scrgbClr r="0" g="0" b="0"/>
+      </a:lnRef>
+      <a:fillRef idx="3">
+        <a:scrgbClr r="0" g="0" b="0"/>
+      </a:fillRef>
+      <a:effectRef idx="2">
+        <a:scrgbClr r="0" g="0" b="0"/>
+      </a:effectRef>
+      <a:fontRef idx="minor">
+        <a:schemeClr val="lt1"/>
+      </a:fontRef>
+    </dgm:style>
+  </dgm:styleLbl>
+  <dgm:styleLbl name="node2">
+    <dgm:scene3d>
+      <a:camera prst="orthographicFront"/>
+      <a:lightRig rig="threePt" dir="t"/>
+    </dgm:scene3d>
+    <dgm:sp3d/>
+    <dgm:txPr/>
+    <dgm:style>
+      <a:lnRef idx="0">
+        <a:scrgbClr r="0" g="0" b="0"/>
+      </a:lnRef>
+      <a:fillRef idx="3">
+        <a:scrgbClr r="0" g="0" b="0"/>
+      </a:fillRef>
+      <a:effectRef idx="2">
+        <a:scrgbClr r="0" g="0" b="0"/>
+      </a:effectRef>
+      <a:fontRef idx="minor">
+        <a:schemeClr val="lt1"/>
+      </a:fontRef>
+    </dgm:style>
+  </dgm:styleLbl>
+  <dgm:styleLbl name="node3">
+    <dgm:scene3d>
+      <a:camera prst="orthographicFront"/>
+      <a:lightRig rig="threePt" dir="t"/>
+    </dgm:scene3d>
+    <dgm:sp3d/>
+    <dgm:txPr/>
+    <dgm:style>
+      <a:lnRef idx="0">
+        <a:scrgbClr r="0" g="0" b="0"/>
+      </a:lnRef>
+      <a:fillRef idx="3">
+        <a:scrgbClr r="0" g="0" b="0"/>
+      </a:fillRef>
+      <a:effectRef idx="2">
+        <a:scrgbClr r="0" g="0" b="0"/>
+      </a:effectRef>
+      <a:fontRef idx="minor">
+        <a:schemeClr val="lt1"/>
+      </a:fontRef>
+    </dgm:style>
+  </dgm:styleLbl>
+  <dgm:styleLbl name="node4">
+    <dgm:scene3d>
+      <a:camera prst="orthographicFront"/>
+      <a:lightRig rig="threePt" dir="t"/>
+    </dgm:scene3d>
+    <dgm:sp3d/>
+    <dgm:txPr/>
+    <dgm:style>
+      <a:lnRef idx="0">
+        <a:scrgbClr r="0" g="0" b="0"/>
+      </a:lnRef>
+      <a:fillRef idx="3">
+        <a:scrgbClr r="0" g="0" b="0"/>
+      </a:fillRef>
+      <a:effectRef idx="2">
+        <a:scrgbClr r="0" g="0" b="0"/>
+      </a:effectRef>
+      <a:fontRef idx="minor">
+        <a:schemeClr val="lt1"/>
+      </a:fontRef>
+    </dgm:style>
+  </dgm:styleLbl>
+  <dgm:styleLbl name="fgImgPlace1">
+    <dgm:scene3d>
+      <a:camera prst="orthographicFront"/>
+      <a:lightRig rig="threePt" dir="t"/>
+    </dgm:scene3d>
+    <dgm:sp3d/>
+    <dgm:txPr/>
+    <dgm:style>
+      <a:lnRef idx="0">
+        <a:scrgbClr r="0" g="0" b="0"/>
+      </a:lnRef>
+      <a:fillRef idx="1">
+        <a:scrgbClr r="0" g="0" b="0"/>
+      </a:fillRef>
+      <a:effectRef idx="2">
+        <a:scrgbClr r="0" g="0" b="0"/>
+      </a:effectRef>
+      <a:fontRef idx="minor"/>
+    </dgm:style>
+  </dgm:styleLbl>
+  <dgm:styleLbl name="alignImgPlace1">
+    <dgm:scene3d>
+      <a:camera prst="orthographicFront"/>
+      <a:lightRig rig="threePt" dir="t"/>
+    </dgm:scene3d>
+    <dgm:sp3d/>
+    <dgm:txPr/>
+    <dgm:style>
+      <a:lnRef idx="0">
+        <a:scrgbClr r="0" g="0" b="0"/>
+      </a:lnRef>
+      <a:fillRef idx="1">
+        <a:scrgbClr r="0" g="0" b="0"/>
+      </a:fillRef>
+      <a:effectRef idx="2">
+        <a:scrgbClr r="0" g="0" b="0"/>
+      </a:effectRef>
+      <a:fontRef idx="minor"/>
+    </dgm:style>
+  </dgm:styleLbl>
+  <dgm:styleLbl name="bgImgPlace1">
+    <dgm:scene3d>
+      <a:camera prst="orthographicFront"/>
+      <a:lightRig rig="threePt" dir="t"/>
+    </dgm:scene3d>
+    <dgm:sp3d/>
+    <dgm:txPr/>
+    <dgm:style>
+      <a:lnRef idx="0">
+        <a:scrgbClr r="0" g="0" b="0"/>
+      </a:lnRef>
+      <a:fillRef idx="1">
+        <a:scrgbClr r="0" g="0" b="0"/>
+      </a:fillRef>
+      <a:effectRef idx="2">
+        <a:scrgbClr r="0" g="0" b="0"/>
+      </a:effectRef>
+      <a:fontRef idx="minor"/>
+    </dgm:style>
+  </dgm:styleLbl>
+  <dgm:styleLbl name="sibTrans2D1">
+    <dgm:scene3d>
+      <a:camera prst="orthographicFront"/>
+      <a:lightRig rig="threePt" dir="t"/>
+    </dgm:scene3d>
+    <dgm:sp3d/>
+    <dgm:txPr/>
+    <dgm:style>
+      <a:lnRef idx="0">
+        <a:scrgbClr r="0" g="0" b="0"/>
+      </a:lnRef>
+      <a:fillRef idx="3">
+        <a:scrgbClr r="0" g="0" b="0"/>
+      </a:fillRef>
+      <a:effectRef idx="2">
+        <a:scrgbClr r="0" g="0" b="0"/>
+      </a:effectRef>
+      <a:fontRef idx="minor">
+        <a:schemeClr val="lt1"/>
+      </a:fontRef>
+    </dgm:style>
+  </dgm:styleLbl>
+  <dgm:styleLbl name="fgSibTrans2D1">
+    <dgm:scene3d>
+      <a:camera prst="orthographicFront"/>
+      <a:lightRig rig="threePt" dir="t"/>
+    </dgm:scene3d>
+    <dgm:sp3d/>
+    <dgm:txPr/>
+    <dgm:style>
+      <a:lnRef idx="0">
+        <a:scrgbClr r="0" g="0" b="0"/>
+      </a:lnRef>
+      <a:fillRef idx="3">
+        <a:scrgbClr r="0" g="0" b="0"/>
+      </a:fillRef>
+      <a:effectRef idx="2">
+        <a:scrgbClr r="0" g="0" b="0"/>
+      </a:effectRef>
+      <a:fontRef idx="minor">
+        <a:schemeClr val="lt1"/>
+      </a:fontRef>
+    </dgm:style>
+  </dgm:styleLbl>
+  <dgm:styleLbl name="bgSibTrans2D1">
+    <dgm:scene3d>
+      <a:camera prst="orthographicFront"/>
+      <a:lightRig rig="threePt" dir="t"/>
+    </dgm:scene3d>
+    <dgm:sp3d/>
+    <dgm:txPr/>
+    <dgm:style>
+      <a:lnRef idx="0">
+        <a:scrgbClr r="0" g="0" b="0"/>
+      </a:lnRef>
+      <a:fillRef idx="3">
+        <a:scrgbClr r="0" g="0" b="0"/>
+      </a:fillRef>
+      <a:effectRef idx="2">
+        <a:scrgbClr r="0" g="0" b="0"/>
+      </a:effectRef>
+      <a:fontRef idx="minor">
+        <a:schemeClr val="lt1"/>
+      </a:fontRef>
+    </dgm:style>
+  </dgm:styleLbl>
+  <dgm:styleLbl name="sibTrans1D1">
+    <dgm:scene3d>
+      <a:camera prst="orthographicFront"/>
+      <a:lightRig rig="threePt" dir="t"/>
+    </dgm:scene3d>
+    <dgm:sp3d/>
+    <dgm:txPr/>
+    <dgm:style>
+      <a:lnRef idx="1">
+        <a:scrgbClr r="0" g="0" b="0"/>
+      </a:lnRef>
+      <a:fillRef idx="0">
+        <a:scrgbClr r="0" g="0" b="0"/>
+      </a:fillRef>
+      <a:effectRef idx="0">
+        <a:scrgbClr r="0" g="0" b="0"/>
+      </a:effectRef>
+      <a:fontRef idx="minor"/>
+    </dgm:style>
+  </dgm:styleLbl>
+  <dgm:styleLbl name="callout">
+    <dgm:scene3d>
+      <a:camera prst="orthographicFront"/>
+      <a:lightRig rig="threePt" dir="t"/>
+    </dgm:scene3d>
+    <dgm:sp3d/>
+    <dgm:txPr/>
+    <dgm:style>
+      <a:lnRef idx="2">
+        <a:scrgbClr r="0" g="0" b="0"/>
+      </a:lnRef>
+      <a:fillRef idx="1">
+        <a:scrgbClr r="0" g="0" b="0"/>
+      </a:fillRef>
+      <a:effectRef idx="1">
+        <a:scrgbClr r="0" g="0" b="0"/>
+      </a:effectRef>
+      <a:fontRef idx="minor"/>
+    </dgm:style>
+  </dgm:styleLbl>
+  <dgm:styleLbl name="asst0">
+    <dgm:scene3d>
+      <a:camera prst="orthographicFront"/>
+      <a:lightRig rig="threePt" dir="t"/>
+    </dgm:scene3d>
+    <dgm:sp3d/>
+    <dgm:txPr/>
+    <dgm:style>
+      <a:lnRef idx="0">
+        <a:scrgbClr r="0" g="0" b="0"/>
+      </a:lnRef>
+      <a:fillRef idx="3">
+        <a:scrgbClr r="0" g="0" b="0"/>
+      </a:fillRef>
+      <a:effectRef idx="2">
+        <a:scrgbClr r="0" g="0" b="0"/>
+      </a:effectRef>
+      <a:fontRef idx="minor">
+        <a:schemeClr val="lt1"/>
+      </a:fontRef>
+    </dgm:style>
+  </dgm:styleLbl>
+  <dgm:styleLbl name="asst1">
+    <dgm:scene3d>
+      <a:camera prst="orthographicFront"/>
+      <a:lightRig rig="threePt" dir="t"/>
+    </dgm:scene3d>
+    <dgm:sp3d/>
+    <dgm:txPr/>
+    <dgm:style>
+      <a:lnRef idx="0">
+        <a:scrgbClr r="0" g="0" b="0"/>
+      </a:lnRef>
+      <a:fillRef idx="3">
+        <a:scrgbClr r="0" g="0" b="0"/>
+      </a:fillRef>
+      <a:effectRef idx="2">
+        <a:scrgbClr r="0" g="0" b="0"/>
+      </a:effectRef>
+      <a:fontRef idx="minor">
+        <a:schemeClr val="lt1"/>
+      </a:fontRef>
+    </dgm:style>
+  </dgm:styleLbl>
+  <dgm:styleLbl name="asst2">
+    <dgm:scene3d>
+      <a:camera prst="orthographicFront"/>
+      <a:lightRig rig="threePt" dir="t"/>
+    </dgm:scene3d>
+    <dgm:sp3d/>
+    <dgm:txPr/>
+    <dgm:style>
+      <a:lnRef idx="0">
+        <a:scrgbClr r="0" g="0" b="0"/>
+      </a:lnRef>
+      <a:fillRef idx="3">
+        <a:scrgbClr r="0" g="0" b="0"/>
+      </a:fillRef>
+      <a:effectRef idx="2">
+        <a:scrgbClr r="0" g="0" b="0"/>
+      </a:effectRef>
+      <a:fontRef idx="minor">
+        <a:schemeClr val="lt1"/>
+      </a:fontRef>
+    </dgm:style>
+  </dgm:styleLbl>
+  <dgm:styleLbl name="asst3">
+    <dgm:scene3d>
+      <a:camera prst="orthographicFront"/>
+      <a:lightRig rig="threePt" dir="t"/>
+    </dgm:scene3d>
+    <dgm:sp3d/>
+    <dgm:txPr/>
+    <dgm:style>
+      <a:lnRef idx="0">
+        <a:scrgbClr r="0" g="0" b="0"/>
+      </a:lnRef>
+      <a:fillRef idx="3">
+        <a:scrgbClr r="0" g="0" b="0"/>
+      </a:fillRef>
+      <a:effectRef idx="2">
+        <a:scrgbClr r="0" g="0" b="0"/>
+      </a:effectRef>
+      <a:fontRef idx="minor">
+        <a:schemeClr val="lt1"/>
+      </a:fontRef>
+    </dgm:style>
+  </dgm:styleLbl>
+  <dgm:styleLbl name="asst4">
+    <dgm:scene3d>
+      <a:camera prst="orthographicFront"/>
+      <a:lightRig rig="threePt" dir="t"/>
+    </dgm:scene3d>
+    <dgm:sp3d/>
+    <dgm:txPr/>
+    <dgm:style>
+      <a:lnRef idx="0">
+        <a:scrgbClr r="0" g="0" b="0"/>
+      </a:lnRef>
+      <a:fillRef idx="3">
+        <a:scrgbClr r="0" g="0" b="0"/>
+      </a:fillRef>
+      <a:effectRef idx="2">
+        <a:scrgbClr r="0" g="0" b="0"/>
+      </a:effectRef>
+      <a:fontRef idx="minor">
+        <a:schemeClr val="lt1"/>
+      </a:fontRef>
+    </dgm:style>
+  </dgm:styleLbl>
+  <dgm:styleLbl name="parChTrans2D1">
+    <dgm:scene3d>
+      <a:camera prst="orthographicFront"/>
+      <a:lightRig rig="threePt" dir="t"/>
+    </dgm:scene3d>
+    <dgm:sp3d/>
+    <dgm:txPr/>
+    <dgm:style>
+      <a:lnRef idx="0">
+        <a:scrgbClr r="0" g="0" b="0"/>
+      </a:lnRef>
+      <a:fillRef idx="3">
+        <a:scrgbClr r="0" g="0" b="0"/>
+      </a:fillRef>
+      <a:effectRef idx="2">
+        <a:scrgbClr r="0" g="0" b="0"/>
+      </a:effectRef>
+      <a:fontRef idx="minor">
+        <a:schemeClr val="lt1"/>
+      </a:fontRef>
+    </dgm:style>
+  </dgm:styleLbl>
+  <dgm:styleLbl name="parChTrans2D2">
+    <dgm:scene3d>
+      <a:camera prst="orthographicFront"/>
+      <a:lightRig rig="threePt" dir="t"/>
+    </dgm:scene3d>
+    <dgm:sp3d/>
+    <dgm:txPr/>
+    <dgm:style>
+      <a:lnRef idx="0">
+        <a:scrgbClr r="0" g="0" b="0"/>
+      </a:lnRef>
+      <a:fillRef idx="3">
+        <a:scrgbClr r="0" g="0" b="0"/>
+      </a:fillRef>
+      <a:effectRef idx="2">
+        <a:scrgbClr r="0" g="0" b="0"/>
+      </a:effectRef>
+      <a:fontRef idx="minor">
+        <a:schemeClr val="lt1"/>
+      </a:fontRef>
+    </dgm:style>
+  </dgm:styleLbl>
+  <dgm:styleLbl name="parChTrans2D3">
+    <dgm:scene3d>
+      <a:camera prst="orthographicFront"/>
+      <a:lightRig rig="threePt" dir="t"/>
+    </dgm:scene3d>
+    <dgm:sp3d/>
+    <dgm:txPr/>
+    <dgm:style>
+      <a:lnRef idx="1">
+        <a:scrgbClr r="0" g="0" b="0"/>
+      </a:lnRef>
+      <a:fillRef idx="3">
+        <a:scrgbClr r="0" g="0" b="0"/>
+      </a:fillRef>
+      <a:effectRef idx="2">
+        <a:scrgbClr r="0" g="0" b="0"/>
+      </a:effectRef>
+      <a:fontRef idx="minor">
+        <a:schemeClr val="lt1"/>
+      </a:fontRef>
+    </dgm:style>
+  </dgm:styleLbl>
+  <dgm:styleLbl name="parChTrans2D4">
+    <dgm:scene3d>
+      <a:camera prst="orthographicFront"/>
+      <a:lightRig rig="threePt" dir="t"/>
+    </dgm:scene3d>
+    <dgm:sp3d/>
+    <dgm:txPr/>
+    <dgm:style>
+      <a:lnRef idx="1">
+        <a:scrgbClr r="0" g="0" b="0"/>
+      </a:lnRef>
+      <a:fillRef idx="3">
+        <a:scrgbClr r="0" g="0" b="0"/>
+      </a:fillRef>
+      <a:effectRef idx="2">
+        <a:scrgbClr r="0" g="0" b="0"/>
+      </a:effectRef>
+      <a:fontRef idx="minor">
+        <a:schemeClr val="lt1"/>
+      </a:fontRef>
+    </dgm:style>
+  </dgm:styleLbl>
+  <dgm:styleLbl name="parChTrans1D1">
+    <dgm:scene3d>
+      <a:camera prst="orthographicFront"/>
+      <a:lightRig rig="threePt" dir="t"/>
+    </dgm:scene3d>
+    <dgm:sp3d/>
+    <dgm:txPr/>
+    <dgm:style>
+      <a:lnRef idx="1">
+        <a:scrgbClr r="0" g="0" b="0"/>
+      </a:lnRef>
+      <a:fillRef idx="0">
+        <a:scrgbClr r="0" g="0" b="0"/>
+      </a:fillRef>
+      <a:effectRef idx="0">
+        <a:scrgbClr r="0" g="0" b="0"/>
+      </a:effectRef>
+      <a:fontRef idx="minor"/>
+    </dgm:style>
+  </dgm:styleLbl>
+  <dgm:styleLbl name="parChTrans1D2">
+    <dgm:scene3d>
+      <a:camera prst="orthographicFront"/>
+      <a:lightRig rig="threePt" dir="t"/>
+    </dgm:scene3d>
+    <dgm:sp3d/>
+    <dgm:txPr/>
+    <dgm:style>
+      <a:lnRef idx="1">
+        <a:scrgbClr r="0" g="0" b="0"/>
+      </a:lnRef>
+      <a:fillRef idx="0">
+        <a:scrgbClr r="0" g="0" b="0"/>
+      </a:fillRef>
+      <a:effectRef idx="0">
+        <a:scrgbClr r="0" g="0" b="0"/>
+      </a:effectRef>
+      <a:fontRef idx="minor"/>
+    </dgm:style>
+  </dgm:styleLbl>
+  <dgm:styleLbl name="parChTrans1D3">
+    <dgm:scene3d>
+      <a:camera prst="orthographicFront"/>
+      <a:lightRig rig="threePt" dir="t"/>
+    </dgm:scene3d>
+    <dgm:sp3d/>
+    <dgm:txPr/>
+    <dgm:style>
+      <a:lnRef idx="1">
+        <a:scrgbClr r="0" g="0" b="0"/>
+      </a:lnRef>
+      <a:fillRef idx="0">
+        <a:scrgbClr r="0" g="0" b="0"/>
+      </a:fillRef>
+      <a:effectRef idx="0">
+        <a:scrgbClr r="0" g="0" b="0"/>
+      </a:effectRef>
+      <a:fontRef idx="minor"/>
+    </dgm:style>
+  </dgm:styleLbl>
+  <dgm:styleLbl name="parChTrans1D4">
+    <dgm:scene3d>
+      <a:camera prst="orthographicFront"/>
+      <a:lightRig rig="threePt" dir="t"/>
+    </dgm:scene3d>
+    <dgm:sp3d/>
+    <dgm:txPr/>
+    <dgm:style>
+      <a:lnRef idx="1">
+        <a:scrgbClr r="0" g="0" b="0"/>
+      </a:lnRef>
+      <a:fillRef idx="0">
+        <a:scrgbClr r="0" g="0" b="0"/>
+      </a:fillRef>
+      <a:effectRef idx="0">
+        <a:scrgbClr r="0" g="0" b="0"/>
+      </a:effectRef>
+      <a:fontRef idx="minor"/>
+    </dgm:style>
+  </dgm:styleLbl>
+  <dgm:styleLbl name="fgAcc1">
+    <dgm:scene3d>
+      <a:camera prst="orthographicFront"/>
+      <a:lightRig rig="threePt" dir="t"/>
+    </dgm:scene3d>
+    <dgm:sp3d/>
+    <dgm:txPr/>
+    <dgm:style>
+      <a:lnRef idx="1">
+        <a:scrgbClr r="0" g="0" b="0"/>
+      </a:lnRef>
+      <a:fillRef idx="1">
+        <a:scrgbClr r="0" g="0" b="0"/>
+      </a:fillRef>
+      <a:effectRef idx="0">
+        <a:scrgbClr r="0" g="0" b="0"/>
+      </a:effectRef>
+      <a:fontRef idx="minor"/>
+    </dgm:style>
+  </dgm:styleLbl>
+  <dgm:styleLbl name="conFgAcc1">
+    <dgm:scene3d>
+      <a:camera prst="orthographicFront"/>
+      <a:lightRig rig="threePt" dir="t"/>
+    </dgm:scene3d>
+    <dgm:sp3d/>
+    <dgm:txPr/>
+    <dgm:style>
+      <a:lnRef idx="1">
+        <a:scrgbClr r="0" g="0" b="0"/>
+      </a:lnRef>
+      <a:fillRef idx="1">
+        <a:scrgbClr r="0" g="0" b="0"/>
+      </a:fillRef>
+      <a:effectRef idx="0">
+        <a:scrgbClr r="0" g="0" b="0"/>
+      </a:effectRef>
+      <a:fontRef idx="minor"/>
+    </dgm:style>
+  </dgm:styleLbl>
+  <dgm:styleLbl name="alignAcc1">
+    <dgm:scene3d>
+      <a:camera prst="orthographicFront"/>
+      <a:lightRig rig="threePt" dir="t"/>
+    </dgm:scene3d>
+    <dgm:sp3d/>
+    <dgm:txPr/>
+    <dgm:style>
+      <a:lnRef idx="1">
+        <a:scrgbClr r="0" g="0" b="0"/>
+      </a:lnRef>
+      <a:fillRef idx="1">
+        <a:scrgbClr r="0" g="0" b="0"/>
+      </a:fillRef>
+      <a:effectRef idx="0">
+        <a:scrgbClr r="0" g="0" b="0"/>
+      </a:effectRef>
+      <a:fontRef idx="minor"/>
+    </dgm:style>
+  </dgm:styleLbl>
+  <dgm:styleLbl name="trAlignAcc1">
+    <dgm:scene3d>
+      <a:camera prst="orthographicFront"/>
+      <a:lightRig rig="threePt" dir="t"/>
+    </dgm:scene3d>
+    <dgm:sp3d/>
+    <dgm:txPr/>
+    <dgm:style>
+      <a:lnRef idx="1">
+        <a:scrgbClr r="0" g="0" b="0"/>
+      </a:lnRef>
+      <a:fillRef idx="1">
+        <a:scrgbClr r="0" g="0" b="0"/>
+      </a:fillRef>
+      <a:effectRef idx="0">
+        <a:scrgbClr r="0" g="0" b="0"/>
+      </a:effectRef>
+      <a:fontRef idx="minor"/>
+    </dgm:style>
+  </dgm:styleLbl>
+  <dgm:styleLbl name="bgAcc1">
+    <dgm:scene3d>
+      <a:camera prst="orthographicFront"/>
+      <a:lightRig rig="threePt" dir="t"/>
+    </dgm:scene3d>
+    <dgm:sp3d/>
+    <dgm:txPr/>
+    <dgm:style>
+      <a:lnRef idx="1">
+        <a:scrgbClr r="0" g="0" b="0"/>
+      </a:lnRef>
+      <a:fillRef idx="1">
+        <a:scrgbClr r="0" g="0" b="0"/>
+      </a:fillRef>
+      <a:effectRef idx="0">
+        <a:scrgbClr r="0" g="0" b="0"/>
+      </a:effectRef>
+      <a:fontRef idx="minor"/>
+    </dgm:style>
+  </dgm:styleLbl>
+  <dgm:styleLbl name="solidFgAcc1">
+    <dgm:scene3d>
+      <a:camera prst="orthographicFront"/>
+      <a:lightRig rig="threePt" dir="t"/>
+    </dgm:scene3d>
+    <dgm:sp3d/>
+    <dgm:txPr/>
+    <dgm:style>
+      <a:lnRef idx="1">
+        <a:scrgbClr r="0" g="0" b="0"/>
+      </a:lnRef>
+      <a:fillRef idx="1">
+        <a:scrgbClr r="0" g="0" b="0"/>
+      </a:fillRef>
+      <a:effectRef idx="0">
+        <a:scrgbClr r="0" g="0" b="0"/>
+      </a:effectRef>
+      <a:fontRef idx="minor"/>
+    </dgm:style>
+  </dgm:styleLbl>
+  <dgm:styleLbl name="solidAlignAcc1">
+    <dgm:scene3d>
+      <a:camera prst="orthographicFront"/>
+      <a:lightRig rig="threePt" dir="t"/>
+    </dgm:scene3d>
+    <dgm:sp3d/>
+    <dgm:txPr/>
+    <dgm:style>
+      <a:lnRef idx="1">
+        <a:scrgbClr r="0" g="0" b="0"/>
+      </a:lnRef>
+      <a:fillRef idx="1">
+        <a:scrgbClr r="0" g="0" b="0"/>
+      </a:fillRef>
+      <a:effectRef idx="0">
+        <a:scrgbClr r="0" g="0" b="0"/>
+      </a:effectRef>
+      <a:fontRef idx="minor"/>
+    </dgm:style>
+  </dgm:styleLbl>
+  <dgm:styleLbl name="solidBgAcc1">
+    <dgm:scene3d>
+      <a:camera prst="orthographicFront"/>
+      <a:lightRig rig="threePt" dir="t"/>
+    </dgm:scene3d>
+    <dgm:sp3d/>
+    <dgm:txPr/>
+    <dgm:style>
+      <a:lnRef idx="1">
+        <a:scrgbClr r="0" g="0" b="0"/>
+      </a:lnRef>
+      <a:fillRef idx="1">
+        <a:scrgbClr r="0" g="0" b="0"/>
+      </a:fillRef>
+      <a:effectRef idx="0">
+        <a:scrgbClr r="0" g="0" b="0"/>
+      </a:effectRef>
+      <a:fontRef idx="minor"/>
+    </dgm:style>
+  </dgm:styleLbl>
+  <dgm:styleLbl name="fgAccFollowNode1">
+    <dgm:scene3d>
+      <a:camera prst="orthographicFront"/>
+      <a:lightRig rig="threePt" dir="t"/>
+    </dgm:scene3d>
+    <dgm:sp3d/>
+    <dgm:txPr/>
+    <dgm:style>
+      <a:lnRef idx="1">
+        <a:scrgbClr r="0" g="0" b="0"/>
+      </a:lnRef>
+      <a:fillRef idx="1">
+        <a:scrgbClr r="0" g="0" b="0"/>
+      </a:fillRef>
+      <a:effectRef idx="0">
+        <a:scrgbClr r="0" g="0" b="0"/>
+      </a:effectRef>
+      <a:fontRef idx="minor"/>
+    </dgm:style>
+  </dgm:styleLbl>
+  <dgm:styleLbl name="alignAccFollowNode1">
+    <dgm:scene3d>
+      <a:camera prst="orthographicFront"/>
+      <a:lightRig rig="threePt" dir="t"/>
+    </dgm:scene3d>
+    <dgm:sp3d/>
+    <dgm:txPr/>
+    <dgm:style>
+      <a:lnRef idx="1">
+        <a:scrgbClr r="0" g="0" b="0"/>
+      </a:lnRef>
+      <a:fillRef idx="1">
+        <a:scrgbClr r="0" g="0" b="0"/>
+      </a:fillRef>
+      <a:effectRef idx="0">
+        <a:scrgbClr r="0" g="0" b="0"/>
+      </a:effectRef>
+      <a:fontRef idx="minor"/>
+    </dgm:style>
+  </dgm:styleLbl>
+  <dgm:styleLbl name="bgAccFollowNode1">
+    <dgm:scene3d>
+      <a:camera prst="orthographicFront"/>
+      <a:lightRig rig="threePt" dir="t"/>
+    </dgm:scene3d>
+    <dgm:sp3d/>
+    <dgm:txPr/>
+    <dgm:style>
+      <a:lnRef idx="1">
+        <a:scrgbClr r="0" g="0" b="0"/>
+      </a:lnRef>
+      <a:fillRef idx="1">
+        <a:scrgbClr r="0" g="0" b="0"/>
+      </a:fillRef>
+      <a:effectRef idx="0">
+        <a:scrgbClr r="0" g="0" b="0"/>
+      </a:effectRef>
+      <a:fontRef idx="minor"/>
+    </dgm:style>
+  </dgm:styleLbl>
+  <dgm:styleLbl name="fgAcc0">
+    <dgm:scene3d>
+      <a:camera prst="orthographicFront"/>
+      <a:lightRig rig="threePt" dir="t"/>
+    </dgm:scene3d>
+    <dgm:sp3d/>
+    <dgm:txPr/>
+    <dgm:style>
+      <a:lnRef idx="1">
+        <a:scrgbClr r="0" g="0" b="0"/>
+      </a:lnRef>
+      <a:fillRef idx="1">
+        <a:scrgbClr r="0" g="0" b="0"/>
+      </a:fillRef>
+      <a:effectRef idx="0">
+        <a:scrgbClr r="0" g="0" b="0"/>
+      </a:effectRef>
+      <a:fontRef idx="minor"/>
+    </dgm:style>
+  </dgm:styleLbl>
+  <dgm:styleLbl name="fgAcc2">
+    <dgm:scene3d>
+      <a:camera prst="orthographicFront"/>
+      <a:lightRig rig="threePt" dir="t"/>
+    </dgm:scene3d>
+    <dgm:sp3d/>
+    <dgm:txPr/>
+    <dgm:style>
+      <a:lnRef idx="1">
+        <a:scrgbClr r="0" g="0" b="0"/>
+      </a:lnRef>
+      <a:fillRef idx="1">
+        <a:scrgbClr r="0" g="0" b="0"/>
+      </a:fillRef>
+      <a:effectRef idx="0">
+        <a:scrgbClr r="0" g="0" b="0"/>
+      </a:effectRef>
+      <a:fontRef idx="minor"/>
+    </dgm:style>
+  </dgm:styleLbl>
+  <dgm:styleLbl name="fgAcc3">
+    <dgm:scene3d>
+      <a:camera prst="orthographicFront"/>
+      <a:lightRig rig="threePt" dir="t"/>
+    </dgm:scene3d>
+    <dgm:sp3d/>
+    <dgm:txPr/>
+    <dgm:style>
+      <a:lnRef idx="1">
+        <a:scrgbClr r="0" g="0" b="0"/>
+      </a:lnRef>
+      <a:fillRef idx="1">
+        <a:scrgbClr r="0" g="0" b="0"/>
+      </a:fillRef>
+      <a:effectRef idx="0">
+        <a:scrgbClr r="0" g="0" b="0"/>
+      </a:effectRef>
+      <a:fontRef idx="minor"/>
+    </dgm:style>
+  </dgm:styleLbl>
+  <dgm:styleLbl name="fgAcc4">
+    <dgm:scene3d>
+      <a:camera prst="orthographicFront"/>
+      <a:lightRig rig="threePt" dir="t"/>
+    </dgm:scene3d>
+    <dgm:sp3d/>
+    <dgm:txPr/>
+    <dgm:style>
+      <a:lnRef idx="1">
+        <a:scrgbClr r="0" g="0" b="0"/>
+      </a:lnRef>
+      <a:fillRef idx="1">
+        <a:scrgbClr r="0" g="0" b="0"/>
+      </a:fillRef>
+      <a:effectRef idx="0">
+        <a:scrgbClr r="0" g="0" b="0"/>
+      </a:effectRef>
+      <a:fontRef idx="minor"/>
+    </dgm:style>
+  </dgm:styleLbl>
+  <dgm:styleLbl name="bgShp">
+    <dgm:scene3d>
+      <a:camera prst="orthographicFront"/>
+      <a:lightRig rig="threePt" dir="t"/>
+    </dgm:scene3d>
+    <dgm:sp3d/>
+    <dgm:txPr/>
+    <dgm:style>
+      <a:lnRef idx="0">
+        <a:scrgbClr r="0" g="0" b="0"/>
+      </a:lnRef>
+      <a:fillRef idx="1">
+        <a:scrgbClr r="0" g="0" b="0"/>
+      </a:fillRef>
+      <a:effectRef idx="2">
+        <a:scrgbClr r="0" g="0" b="0"/>
+      </a:effectRef>
+      <a:fontRef idx="minor"/>
+    </dgm:style>
+  </dgm:styleLbl>
+  <dgm:styleLbl name="dkBgShp">
+    <dgm:scene3d>
+      <a:camera prst="orthographicFront"/>
+      <a:lightRig rig="threePt" dir="t"/>
+    </dgm:scene3d>
+    <dgm:sp3d/>
+    <dgm:txPr/>
+    <dgm:style>
+      <a:lnRef idx="0">
+        <a:scrgbClr r="0" g="0" b="0"/>
+      </a:lnRef>
+      <a:fillRef idx="1">
+        <a:scrgbClr r="0" g="0" b="0"/>
+      </a:fillRef>
+      <a:effectRef idx="2">
+        <a:scrgbClr r="0" g="0" b="0"/>
+      </a:effectRef>
+      <a:fontRef idx="minor"/>
+    </dgm:style>
+  </dgm:styleLbl>
+  <dgm:styleLbl name="trBgShp">
+    <dgm:scene3d>
+      <a:camera prst="orthographicFront"/>
+      <a:lightRig rig="threePt" dir="t"/>
+    </dgm:scene3d>
+    <dgm:sp3d/>
+    <dgm:txPr/>
+    <dgm:style>
+      <a:lnRef idx="0">
+        <a:scrgbClr r="0" g="0" b="0"/>
+      </a:lnRef>
+      <a:fillRef idx="1">
+        <a:scrgbClr r="0" g="0" b="0"/>
+      </a:fillRef>
+      <a:effectRef idx="0">
+        <a:scrgbClr r="0" g="0" b="0"/>
+      </a:effectRef>
+      <a:fontRef idx="minor"/>
+    </dgm:style>
+  </dgm:styleLbl>
+  <dgm:styleLbl name="fgShp">
+    <dgm:scene3d>
+      <a:camera prst="orthographicFront"/>
+      <a:lightRig rig="threePt" dir="t"/>
+    </dgm:scene3d>
+    <dgm:sp3d/>
+    <dgm:txPr/>
+    <dgm:style>
+      <a:lnRef idx="0">
+        <a:scrgbClr r="0" g="0" b="0"/>
+      </a:lnRef>
+      <a:fillRef idx="3">
+        <a:scrgbClr r="0" g="0" b="0"/>
+      </a:fillRef>
+      <a:effectRef idx="2">
+        <a:scrgbClr r="0" g="0" b="0"/>
+      </a:effectRef>
+      <a:fontRef idx="minor"/>
+    </dgm:style>
+  </dgm:styleLbl>
+  <dgm:styleLbl name="revTx">
+    <dgm:scene3d>
+      <a:camera prst="orthographicFront"/>
+      <a:lightRig rig="threePt" dir="t"/>
+    </dgm:scene3d>
+    <dgm:sp3d/>
+    <dgm:txPr/>
+    <dgm:style>
+      <a:lnRef idx="0">
+        <a:scrgbClr r="0" g="0" b="0"/>
+      </a:lnRef>
+      <a:fillRef idx="0">
+        <a:scrgbClr r="0" g="0" b="0"/>
+      </a:fillRef>
+      <a:effectRef idx="0">
+        <a:scrgbClr r="0" g="0" b="0"/>
+      </a:effectRef>
+      <a:fontRef idx="minor"/>
+    </dgm:style>
+  </dgm:styleLbl>
+</dgm:styleDef>
+</file>
+
 <file path=ppt/notesMasters/notesMaster1.xml><?xml version="1.0" encoding="utf-8"?>
 <p:notesMaster xmlns:a="http://schemas.openxmlformats.org/drawingml/2006/main" xmlns:r="http://schemas.openxmlformats.org/officeDocument/2006/relationships" xmlns:p="http://schemas.openxmlformats.org/presentationml/2006/main">
   <p:cSld>
@@ -4679,7 +8881,7 @@
           <a:p>
             <a:fld id="{A2756CE2-F1A8-264D-87FF-64A1347B7A98}" type="datetimeFigureOut">
               <a:rPr kumimoji="1" lang="zh-CN" altLang="en-US" smtClean="0"/>
-              <a:t>17/9/28</a:t>
+              <a:t>2017/9/29</a:t>
             </a:fld>
             <a:endParaRPr kumimoji="1" lang="zh-CN" altLang="en-US"/>
           </a:p>
@@ -4743,38 +8945,37 @@
           <a:p>
             <a:pPr lvl="0"/>
             <a:r>
-              <a:rPr kumimoji="1" lang="zh-CN" altLang="en-US" smtClean="0"/>
+              <a:rPr kumimoji="1" lang="zh-CN" altLang="en-US"/>
               <a:t>单击此处编辑母版文本样式</a:t>
             </a:r>
           </a:p>
           <a:p>
             <a:pPr lvl="1"/>
             <a:r>
-              <a:rPr kumimoji="1" lang="zh-CN" altLang="en-US" smtClean="0"/>
+              <a:rPr kumimoji="1" lang="zh-CN" altLang="en-US"/>
               <a:t>二级</a:t>
             </a:r>
           </a:p>
           <a:p>
             <a:pPr lvl="2"/>
             <a:r>
-              <a:rPr kumimoji="1" lang="zh-CN" altLang="en-US" smtClean="0"/>
+              <a:rPr kumimoji="1" lang="zh-CN" altLang="en-US"/>
               <a:t>三级</a:t>
             </a:r>
           </a:p>
           <a:p>
             <a:pPr lvl="3"/>
             <a:r>
-              <a:rPr kumimoji="1" lang="zh-CN" altLang="en-US" smtClean="0"/>
+              <a:rPr kumimoji="1" lang="zh-CN" altLang="en-US"/>
               <a:t>四级</a:t>
             </a:r>
           </a:p>
           <a:p>
             <a:pPr lvl="4"/>
             <a:r>
-              <a:rPr kumimoji="1" lang="zh-CN" altLang="en-US" smtClean="0"/>
+              <a:rPr kumimoji="1" lang="zh-CN" altLang="en-US"/>
               <a:t>五级</a:t>
             </a:r>
-            <a:endParaRPr kumimoji="1" lang="zh-CN" altLang="en-US"/>
           </a:p>
         </p:txBody>
       </p:sp>
@@ -5161,7 +9362,7 @@
             <a:fld id="{B61BEF0D-F0BB-DE4B-95CE-6DB70DBA9567}" type="datetimeFigureOut">
               <a:rPr lang="en-US" dirty="0"/>
               <a:pPr/>
-              <a:t>9/28/17</a:t>
+              <a:t>9/29/2017</a:t>
             </a:fld>
             <a:endParaRPr lang="en-US" dirty="0"/>
           </a:p>
@@ -5449,7 +9650,7 @@
             <a:fld id="{B61BEF0D-F0BB-DE4B-95CE-6DB70DBA9567}" type="datetimeFigureOut">
               <a:rPr lang="en-US" dirty="0"/>
               <a:pPr/>
-              <a:t>9/28/17</a:t>
+              <a:t>9/29/2017</a:t>
             </a:fld>
             <a:endParaRPr lang="en-US" dirty="0"/>
           </a:p>
@@ -5705,7 +9906,7 @@
             <a:fld id="{B61BEF0D-F0BB-DE4B-95CE-6DB70DBA9567}" type="datetimeFigureOut">
               <a:rPr lang="en-US" dirty="0"/>
               <a:pPr/>
-              <a:t>9/28/17</a:t>
+              <a:t>9/29/2017</a:t>
             </a:fld>
             <a:endParaRPr lang="en-US" dirty="0"/>
           </a:p>
@@ -6171,7 +10372,7 @@
             <a:fld id="{B61BEF0D-F0BB-DE4B-95CE-6DB70DBA9567}" type="datetimeFigureOut">
               <a:rPr lang="en-US" dirty="0"/>
               <a:pPr/>
-              <a:t>9/28/17</a:t>
+              <a:t>9/29/2017</a:t>
             </a:fld>
             <a:endParaRPr lang="en-US" dirty="0"/>
           </a:p>
@@ -6348,7 +10549,7 @@
             <a:fld id="{B61BEF0D-F0BB-DE4B-95CE-6DB70DBA9567}" type="datetimeFigureOut">
               <a:rPr lang="en-US" dirty="0"/>
               <a:pPr/>
-              <a:t>9/28/17</a:t>
+              <a:t>9/29/2017</a:t>
             </a:fld>
             <a:endParaRPr lang="en-US" dirty="0"/>
           </a:p>
@@ -6921,7 +11122,7 @@
             <a:fld id="{B61BEF0D-F0BB-DE4B-95CE-6DB70DBA9567}" type="datetimeFigureOut">
               <a:rPr lang="en-US" dirty="0"/>
               <a:pPr/>
-              <a:t>9/28/17</a:t>
+              <a:t>9/29/2017</a:t>
             </a:fld>
             <a:endParaRPr lang="en-US" dirty="0"/>
           </a:p>
@@ -7250,7 +11451,7 @@
             <a:fld id="{B61BEF0D-F0BB-DE4B-95CE-6DB70DBA9567}" type="datetimeFigureOut">
               <a:rPr lang="en-US" dirty="0"/>
               <a:pPr/>
-              <a:t>9/28/17</a:t>
+              <a:t>9/29/2017</a:t>
             </a:fld>
             <a:endParaRPr lang="en-US" dirty="0"/>
           </a:p>
@@ -7422,7 +11623,7 @@
             <a:fld id="{B61BEF0D-F0BB-DE4B-95CE-6DB70DBA9567}" type="datetimeFigureOut">
               <a:rPr lang="en-US" dirty="0"/>
               <a:pPr/>
-              <a:t>9/28/17</a:t>
+              <a:t>9/29/2017</a:t>
             </a:fld>
             <a:endParaRPr lang="en-US" dirty="0"/>
           </a:p>
@@ -7599,7 +11800,7 @@
             <a:fld id="{B61BEF0D-F0BB-DE4B-95CE-6DB70DBA9567}" type="datetimeFigureOut">
               <a:rPr lang="en-US" dirty="0"/>
               <a:pPr/>
-              <a:t>9/28/17</a:t>
+              <a:t>9/29/2017</a:t>
             </a:fld>
             <a:endParaRPr lang="en-US" dirty="0"/>
           </a:p>
@@ -7766,7 +11967,7 @@
             <a:fld id="{B61BEF0D-F0BB-DE4B-95CE-6DB70DBA9567}" type="datetimeFigureOut">
               <a:rPr lang="en-US" dirty="0"/>
               <a:pPr/>
-              <a:t>9/28/17</a:t>
+              <a:t>9/29/2017</a:t>
             </a:fld>
             <a:endParaRPr lang="en-US" dirty="0"/>
           </a:p>
@@ -8020,7 +12221,7 @@
             <a:fld id="{B61BEF0D-F0BB-DE4B-95CE-6DB70DBA9567}" type="datetimeFigureOut">
               <a:rPr lang="en-US" dirty="0"/>
               <a:pPr/>
-              <a:t>9/28/17</a:t>
+              <a:t>9/29/2017</a:t>
             </a:fld>
             <a:endParaRPr lang="en-US" dirty="0"/>
           </a:p>
@@ -8309,7 +12510,7 @@
             <a:fld id="{B61BEF0D-F0BB-DE4B-95CE-6DB70DBA9567}" type="datetimeFigureOut">
               <a:rPr lang="en-US" dirty="0"/>
               <a:pPr/>
-              <a:t>9/28/17</a:t>
+              <a:t>9/29/2017</a:t>
             </a:fld>
             <a:endParaRPr lang="en-US" dirty="0"/>
           </a:p>
@@ -8736,7 +12937,7 @@
             <a:fld id="{B61BEF0D-F0BB-DE4B-95CE-6DB70DBA9567}" type="datetimeFigureOut">
               <a:rPr lang="en-US" dirty="0"/>
               <a:pPr/>
-              <a:t>9/28/17</a:t>
+              <a:t>9/29/2017</a:t>
             </a:fld>
             <a:endParaRPr lang="en-US" dirty="0"/>
           </a:p>
@@ -8851,7 +13052,7 @@
             <a:fld id="{B61BEF0D-F0BB-DE4B-95CE-6DB70DBA9567}" type="datetimeFigureOut">
               <a:rPr lang="en-US" dirty="0"/>
               <a:pPr/>
-              <a:t>9/28/17</a:t>
+              <a:t>9/29/2017</a:t>
             </a:fld>
             <a:endParaRPr lang="en-US" dirty="0"/>
           </a:p>
@@ -8943,7 +13144,7 @@
             <a:fld id="{B61BEF0D-F0BB-DE4B-95CE-6DB70DBA9567}" type="datetimeFigureOut">
               <a:rPr lang="en-US" dirty="0"/>
               <a:pPr/>
-              <a:t>9/28/17</a:t>
+              <a:t>9/29/2017</a:t>
             </a:fld>
             <a:endParaRPr lang="en-US" dirty="0"/>
           </a:p>
@@ -9223,7 +13424,7 @@
             <a:fld id="{B61BEF0D-F0BB-DE4B-95CE-6DB70DBA9567}" type="datetimeFigureOut">
               <a:rPr lang="en-US" dirty="0"/>
               <a:pPr/>
-              <a:t>9/28/17</a:t>
+              <a:t>9/29/2017</a:t>
             </a:fld>
             <a:endParaRPr lang="en-US" dirty="0"/>
           </a:p>
@@ -9511,7 +13712,7 @@
             <a:fld id="{B61BEF0D-F0BB-DE4B-95CE-6DB70DBA9567}" type="datetimeFigureOut">
               <a:rPr lang="en-US" dirty="0"/>
               <a:pPr/>
-              <a:t>9/28/17</a:t>
+              <a:t>9/29/2017</a:t>
             </a:fld>
             <a:endParaRPr lang="en-US" dirty="0"/>
           </a:p>
@@ -9739,7 +13940,7 @@
             <a:fld id="{B61BEF0D-F0BB-DE4B-95CE-6DB70DBA9567}" type="datetimeFigureOut">
               <a:rPr lang="en-US" dirty="0"/>
               <a:pPr/>
-              <a:t>9/28/17</a:t>
+              <a:t>9/29/2017</a:t>
             </a:fld>
             <a:endParaRPr lang="en-US" dirty="0"/>
           </a:p>
@@ -10593,7 +14794,7 @@
           <p:cNvPr id="2" name="标题 1">
             <a:extLst>
               <a:ext uri="{FF2B5EF4-FFF2-40B4-BE49-F238E27FC236}">
-                <a16:creationId xmlns:a16="http://schemas.microsoft.com/office/drawing/2014/main" xmlns="" id="{A938CF80-F668-4B65-B009-F9F86A52F090}"/>
+                <a16:creationId xmlns:a16="http://schemas.microsoft.com/office/drawing/2014/main" id="{A938CF80-F668-4B65-B009-F9F86A52F090}"/>
               </a:ext>
             </a:extLst>
           </p:cNvPr>
@@ -10627,7 +14828,7 @@
           <p:cNvPr id="4" name="文本框 3">
             <a:extLst>
               <a:ext uri="{FF2B5EF4-FFF2-40B4-BE49-F238E27FC236}">
-                <a16:creationId xmlns:a16="http://schemas.microsoft.com/office/drawing/2014/main" xmlns="" id="{21022717-DEE6-4DFE-BEFC-C21B40A54266}"/>
+                <a16:creationId xmlns:a16="http://schemas.microsoft.com/office/drawing/2014/main" id="{21022717-DEE6-4DFE-BEFC-C21B40A54266}"/>
               </a:ext>
             </a:extLst>
           </p:cNvPr>
@@ -10736,7 +14937,7 @@
           <p:cNvPr id="2" name="标题 1">
             <a:extLst>
               <a:ext uri="{FF2B5EF4-FFF2-40B4-BE49-F238E27FC236}">
-                <a16:creationId xmlns:a16="http://schemas.microsoft.com/office/drawing/2014/main" xmlns="" id="{A938CF80-F668-4B65-B009-F9F86A52F090}"/>
+                <a16:creationId xmlns:a16="http://schemas.microsoft.com/office/drawing/2014/main" id="{A938CF80-F668-4B65-B009-F9F86A52F090}"/>
               </a:ext>
             </a:extLst>
           </p:cNvPr>
@@ -10770,7 +14971,7 @@
           <p:cNvPr id="4" name="文本框 3">
             <a:extLst>
               <a:ext uri="{FF2B5EF4-FFF2-40B4-BE49-F238E27FC236}">
-                <a16:creationId xmlns:a16="http://schemas.microsoft.com/office/drawing/2014/main" xmlns="" id="{21022717-DEE6-4DFE-BEFC-C21B40A54266}"/>
+                <a16:creationId xmlns:a16="http://schemas.microsoft.com/office/drawing/2014/main" id="{21022717-DEE6-4DFE-BEFC-C21B40A54266}"/>
               </a:ext>
             </a:extLst>
           </p:cNvPr>
@@ -10865,7 +15066,7 @@
           <p:cNvPr id="2" name="标题 1">
             <a:extLst>
               <a:ext uri="{FF2B5EF4-FFF2-40B4-BE49-F238E27FC236}">
-                <a16:creationId xmlns:a16="http://schemas.microsoft.com/office/drawing/2014/main" xmlns="" id="{A938CF80-F668-4B65-B009-F9F86A52F090}"/>
+                <a16:creationId xmlns:a16="http://schemas.microsoft.com/office/drawing/2014/main" id="{A938CF80-F668-4B65-B009-F9F86A52F090}"/>
               </a:ext>
             </a:extLst>
           </p:cNvPr>
@@ -10899,7 +15100,7 @@
           <p:cNvPr id="4" name="文本框 3">
             <a:extLst>
               <a:ext uri="{FF2B5EF4-FFF2-40B4-BE49-F238E27FC236}">
-                <a16:creationId xmlns:a16="http://schemas.microsoft.com/office/drawing/2014/main" xmlns="" id="{21022717-DEE6-4DFE-BEFC-C21B40A54266}"/>
+                <a16:creationId xmlns:a16="http://schemas.microsoft.com/office/drawing/2014/main" id="{21022717-DEE6-4DFE-BEFC-C21B40A54266}"/>
               </a:ext>
             </a:extLst>
           </p:cNvPr>
@@ -11026,7 +15227,7 @@
           <p:cNvPr id="2" name="标题 1">
             <a:extLst>
               <a:ext uri="{FF2B5EF4-FFF2-40B4-BE49-F238E27FC236}">
-                <a16:creationId xmlns:a16="http://schemas.microsoft.com/office/drawing/2014/main" xmlns="" id="{A938CF80-F668-4B65-B009-F9F86A52F090}"/>
+                <a16:creationId xmlns:a16="http://schemas.microsoft.com/office/drawing/2014/main" id="{A938CF80-F668-4B65-B009-F9F86A52F090}"/>
               </a:ext>
             </a:extLst>
           </p:cNvPr>
@@ -11060,7 +15261,7 @@
           <p:cNvPr id="4" name="文本框 3">
             <a:extLst>
               <a:ext uri="{FF2B5EF4-FFF2-40B4-BE49-F238E27FC236}">
-                <a16:creationId xmlns:a16="http://schemas.microsoft.com/office/drawing/2014/main" xmlns="" id="{21022717-DEE6-4DFE-BEFC-C21B40A54266}"/>
+                <a16:creationId xmlns:a16="http://schemas.microsoft.com/office/drawing/2014/main" id="{21022717-DEE6-4DFE-BEFC-C21B40A54266}"/>
               </a:ext>
             </a:extLst>
           </p:cNvPr>
@@ -11195,7 +15396,7 @@
           <p:cNvPr id="2" name="标题 1">
             <a:extLst>
               <a:ext uri="{FF2B5EF4-FFF2-40B4-BE49-F238E27FC236}">
-                <a16:creationId xmlns:a16="http://schemas.microsoft.com/office/drawing/2014/main" xmlns="" id="{A938CF80-F668-4B65-B009-F9F86A52F090}"/>
+                <a16:creationId xmlns:a16="http://schemas.microsoft.com/office/drawing/2014/main" id="{A938CF80-F668-4B65-B009-F9F86A52F090}"/>
               </a:ext>
             </a:extLst>
           </p:cNvPr>
@@ -11229,7 +15430,7 @@
           <p:cNvPr id="4" name="文本框 3">
             <a:extLst>
               <a:ext uri="{FF2B5EF4-FFF2-40B4-BE49-F238E27FC236}">
-                <a16:creationId xmlns:a16="http://schemas.microsoft.com/office/drawing/2014/main" xmlns="" id="{21022717-DEE6-4DFE-BEFC-C21B40A54266}"/>
+                <a16:creationId xmlns:a16="http://schemas.microsoft.com/office/drawing/2014/main" id="{21022717-DEE6-4DFE-BEFC-C21B40A54266}"/>
               </a:ext>
             </a:extLst>
           </p:cNvPr>
@@ -11366,7 +15567,7 @@
           <p:cNvPr id="2" name="标题 1">
             <a:extLst>
               <a:ext uri="{FF2B5EF4-FFF2-40B4-BE49-F238E27FC236}">
-                <a16:creationId xmlns:a16="http://schemas.microsoft.com/office/drawing/2014/main" xmlns="" id="{8FC3F6F2-B4D0-4A5C-9A8B-A53E071F436D}"/>
+                <a16:creationId xmlns:a16="http://schemas.microsoft.com/office/drawing/2014/main" id="{8FC3F6F2-B4D0-4A5C-9A8B-A53E071F436D}"/>
               </a:ext>
             </a:extLst>
           </p:cNvPr>
@@ -11402,7 +15603,7 @@
           <p:cNvPr id="7" name="文本框 6">
             <a:extLst>
               <a:ext uri="{FF2B5EF4-FFF2-40B4-BE49-F238E27FC236}">
-                <a16:creationId xmlns:a16="http://schemas.microsoft.com/office/drawing/2014/main" xmlns="" id="{2C276D97-CCCB-476C-81CE-B4294E655EFC}"/>
+                <a16:creationId xmlns:a16="http://schemas.microsoft.com/office/drawing/2014/main" id="{2C276D97-CCCB-476C-81CE-B4294E655EFC}"/>
               </a:ext>
             </a:extLst>
           </p:cNvPr>
@@ -11527,7 +15728,7 @@
           <p:cNvPr id="2" name="标题 1">
             <a:extLst>
               <a:ext uri="{FF2B5EF4-FFF2-40B4-BE49-F238E27FC236}">
-                <a16:creationId xmlns:a16="http://schemas.microsoft.com/office/drawing/2014/main" xmlns="" id="{A938CF80-F668-4B65-B009-F9F86A52F090}"/>
+                <a16:creationId xmlns:a16="http://schemas.microsoft.com/office/drawing/2014/main" id="{A938CF80-F668-4B65-B009-F9F86A52F090}"/>
               </a:ext>
             </a:extLst>
           </p:cNvPr>
@@ -11561,7 +15762,7 @@
           <p:cNvPr id="4" name="文本框 3">
             <a:extLst>
               <a:ext uri="{FF2B5EF4-FFF2-40B4-BE49-F238E27FC236}">
-                <a16:creationId xmlns:a16="http://schemas.microsoft.com/office/drawing/2014/main" xmlns="" id="{21022717-DEE6-4DFE-BEFC-C21B40A54266}"/>
+                <a16:creationId xmlns:a16="http://schemas.microsoft.com/office/drawing/2014/main" id="{21022717-DEE6-4DFE-BEFC-C21B40A54266}"/>
               </a:ext>
             </a:extLst>
           </p:cNvPr>
@@ -11652,7 +15853,7 @@
           <p:cNvPr id="2" name="标题 1">
             <a:extLst>
               <a:ext uri="{FF2B5EF4-FFF2-40B4-BE49-F238E27FC236}">
-                <a16:creationId xmlns:a16="http://schemas.microsoft.com/office/drawing/2014/main" xmlns="" id="{A938CF80-F668-4B65-B009-F9F86A52F090}"/>
+                <a16:creationId xmlns:a16="http://schemas.microsoft.com/office/drawing/2014/main" id="{A938CF80-F668-4B65-B009-F9F86A52F090}"/>
               </a:ext>
             </a:extLst>
           </p:cNvPr>
@@ -11686,7 +15887,7 @@
           <p:cNvPr id="4" name="文本框 3">
             <a:extLst>
               <a:ext uri="{FF2B5EF4-FFF2-40B4-BE49-F238E27FC236}">
-                <a16:creationId xmlns:a16="http://schemas.microsoft.com/office/drawing/2014/main" xmlns="" id="{21022717-DEE6-4DFE-BEFC-C21B40A54266}"/>
+                <a16:creationId xmlns:a16="http://schemas.microsoft.com/office/drawing/2014/main" id="{21022717-DEE6-4DFE-BEFC-C21B40A54266}"/>
               </a:ext>
             </a:extLst>
           </p:cNvPr>
@@ -11807,7 +16008,7 @@
           <p:cNvPr id="2" name="标题 1">
             <a:extLst>
               <a:ext uri="{FF2B5EF4-FFF2-40B4-BE49-F238E27FC236}">
-                <a16:creationId xmlns:a16="http://schemas.microsoft.com/office/drawing/2014/main" xmlns="" id="{A938CF80-F668-4B65-B009-F9F86A52F090}"/>
+                <a16:creationId xmlns:a16="http://schemas.microsoft.com/office/drawing/2014/main" id="{A938CF80-F668-4B65-B009-F9F86A52F090}"/>
               </a:ext>
             </a:extLst>
           </p:cNvPr>
@@ -11841,7 +16042,7 @@
           <p:cNvPr id="4" name="文本框 3">
             <a:extLst>
               <a:ext uri="{FF2B5EF4-FFF2-40B4-BE49-F238E27FC236}">
-                <a16:creationId xmlns:a16="http://schemas.microsoft.com/office/drawing/2014/main" xmlns="" id="{21022717-DEE6-4DFE-BEFC-C21B40A54266}"/>
+                <a16:creationId xmlns:a16="http://schemas.microsoft.com/office/drawing/2014/main" id="{21022717-DEE6-4DFE-BEFC-C21B40A54266}"/>
               </a:ext>
             </a:extLst>
           </p:cNvPr>
@@ -11986,7 +16187,7 @@
           <p:cNvPr id="2" name="标题 1">
             <a:extLst>
               <a:ext uri="{FF2B5EF4-FFF2-40B4-BE49-F238E27FC236}">
-                <a16:creationId xmlns:a16="http://schemas.microsoft.com/office/drawing/2014/main" xmlns="" id="{A938CF80-F668-4B65-B009-F9F86A52F090}"/>
+                <a16:creationId xmlns:a16="http://schemas.microsoft.com/office/drawing/2014/main" id="{A938CF80-F668-4B65-B009-F9F86A52F090}"/>
               </a:ext>
             </a:extLst>
           </p:cNvPr>
@@ -12020,7 +16221,7 @@
           <p:cNvPr id="4" name="文本框 3">
             <a:extLst>
               <a:ext uri="{FF2B5EF4-FFF2-40B4-BE49-F238E27FC236}">
-                <a16:creationId xmlns:a16="http://schemas.microsoft.com/office/drawing/2014/main" xmlns="" id="{21022717-DEE6-4DFE-BEFC-C21B40A54266}"/>
+                <a16:creationId xmlns:a16="http://schemas.microsoft.com/office/drawing/2014/main" id="{21022717-DEE6-4DFE-BEFC-C21B40A54266}"/>
               </a:ext>
             </a:extLst>
           </p:cNvPr>
@@ -12111,7 +16312,7 @@
           <p:cNvPr id="2" name="标题 1">
             <a:extLst>
               <a:ext uri="{FF2B5EF4-FFF2-40B4-BE49-F238E27FC236}">
-                <a16:creationId xmlns:a16="http://schemas.microsoft.com/office/drawing/2014/main" xmlns="" id="{BF44213F-0934-433F-A9BF-E7BA286E83BB}"/>
+                <a16:creationId xmlns:a16="http://schemas.microsoft.com/office/drawing/2014/main" id="{BF44213F-0934-433F-A9BF-E7BA286E83BB}"/>
               </a:ext>
             </a:extLst>
           </p:cNvPr>
@@ -12201,7 +16402,7 @@
           <p:cNvPr id="2" name="标题 1">
             <a:extLst>
               <a:ext uri="{FF2B5EF4-FFF2-40B4-BE49-F238E27FC236}">
-                <a16:creationId xmlns:a16="http://schemas.microsoft.com/office/drawing/2014/main" xmlns="" id="{A938CF80-F668-4B65-B009-F9F86A52F090}"/>
+                <a16:creationId xmlns:a16="http://schemas.microsoft.com/office/drawing/2014/main" id="{A938CF80-F668-4B65-B009-F9F86A52F090}"/>
               </a:ext>
             </a:extLst>
           </p:cNvPr>
@@ -12235,7 +16436,7 @@
           <p:cNvPr id="4" name="文本框 3">
             <a:extLst>
               <a:ext uri="{FF2B5EF4-FFF2-40B4-BE49-F238E27FC236}">
-                <a16:creationId xmlns:a16="http://schemas.microsoft.com/office/drawing/2014/main" xmlns="" id="{21022717-DEE6-4DFE-BEFC-C21B40A54266}"/>
+                <a16:creationId xmlns:a16="http://schemas.microsoft.com/office/drawing/2014/main" id="{21022717-DEE6-4DFE-BEFC-C21B40A54266}"/>
               </a:ext>
             </a:extLst>
           </p:cNvPr>
@@ -12338,7 +16539,7 @@
           <p:cNvPr id="2" name="标题 1">
             <a:extLst>
               <a:ext uri="{FF2B5EF4-FFF2-40B4-BE49-F238E27FC236}">
-                <a16:creationId xmlns:a16="http://schemas.microsoft.com/office/drawing/2014/main" xmlns="" id="{A938CF80-F668-4B65-B009-F9F86A52F090}"/>
+                <a16:creationId xmlns:a16="http://schemas.microsoft.com/office/drawing/2014/main" id="{A938CF80-F668-4B65-B009-F9F86A52F090}"/>
               </a:ext>
             </a:extLst>
           </p:cNvPr>
@@ -12372,7 +16573,7 @@
           <p:cNvPr id="4" name="文本框 3">
             <a:extLst>
               <a:ext uri="{FF2B5EF4-FFF2-40B4-BE49-F238E27FC236}">
-                <a16:creationId xmlns:a16="http://schemas.microsoft.com/office/drawing/2014/main" xmlns="" id="{21022717-DEE6-4DFE-BEFC-C21B40A54266}"/>
+                <a16:creationId xmlns:a16="http://schemas.microsoft.com/office/drawing/2014/main" id="{21022717-DEE6-4DFE-BEFC-C21B40A54266}"/>
               </a:ext>
             </a:extLst>
           </p:cNvPr>
@@ -12457,182 +16658,6 @@
 <file path=ppt/slides/slide22.xml><?xml version="1.0" encoding="utf-8"?>
 <p:sld xmlns:a="http://schemas.openxmlformats.org/drawingml/2006/main" xmlns:r="http://schemas.openxmlformats.org/officeDocument/2006/relationships" xmlns:p="http://schemas.openxmlformats.org/presentationml/2006/main">
   <p:cSld>
-    <p:bg>
-      <p:bgPr>
-        <a:solidFill>
-          <a:schemeClr val="bg1">
-            <a:lumMod val="85000"/>
-            <a:lumOff val="15000"/>
-          </a:schemeClr>
-        </a:solidFill>
-        <a:effectLst/>
-      </p:bgPr>
-    </p:bg>
-    <p:spTree>
-      <p:nvGrpSpPr>
-        <p:cNvPr id="1" name=""/>
-        <p:cNvGrpSpPr/>
-        <p:nvPr/>
-      </p:nvGrpSpPr>
-      <p:grpSpPr>
-        <a:xfrm>
-          <a:off x="0" y="0"/>
-          <a:ext cx="0" cy="0"/>
-          <a:chOff x="0" y="0"/>
-          <a:chExt cx="0" cy="0"/>
-        </a:xfrm>
-      </p:grpSpPr>
-      <p:sp>
-        <p:nvSpPr>
-          <p:cNvPr id="2" name="标题 1"/>
-          <p:cNvSpPr>
-            <a:spLocks noGrp="1"/>
-          </p:cNvSpPr>
-          <p:nvPr>
-            <p:ph type="title"/>
-          </p:nvPr>
-        </p:nvSpPr>
-        <p:spPr/>
-        <p:txBody>
-          <a:bodyPr/>
-          <a:lstStyle/>
-          <a:p>
-            <a:endParaRPr kumimoji="1" lang="zh-CN" altLang="en-US"/>
-          </a:p>
-        </p:txBody>
-      </p:sp>
-      <p:sp>
-        <p:nvSpPr>
-          <p:cNvPr id="3" name="内容占位符 2"/>
-          <p:cNvSpPr>
-            <a:spLocks noGrp="1"/>
-          </p:cNvSpPr>
-          <p:nvPr>
-            <p:ph idx="1"/>
-          </p:nvPr>
-        </p:nvSpPr>
-        <p:spPr/>
-        <p:txBody>
-          <a:bodyPr/>
-          <a:lstStyle/>
-          <a:p>
-            <a:endParaRPr kumimoji="1" lang="zh-CN" altLang="en-US"/>
-          </a:p>
-        </p:txBody>
-      </p:sp>
-    </p:spTree>
-    <p:extLst>
-      <p:ext uri="{BB962C8B-B14F-4D97-AF65-F5344CB8AC3E}">
-        <p14:creationId xmlns:p14="http://schemas.microsoft.com/office/powerpoint/2010/main" val="456922411"/>
-      </p:ext>
-    </p:extLst>
-  </p:cSld>
-  <p:clrMapOvr>
-    <a:masterClrMapping/>
-  </p:clrMapOvr>
-</p:sld>
-</file>
-
-<file path=ppt/slides/slide23.xml><?xml version="1.0" encoding="utf-8"?>
-<p:sld xmlns:a="http://schemas.openxmlformats.org/drawingml/2006/main" xmlns:r="http://schemas.openxmlformats.org/officeDocument/2006/relationships" xmlns:p="http://schemas.openxmlformats.org/presentationml/2006/main">
-  <p:cSld>
-    <p:bg>
-      <p:bgPr>
-        <a:solidFill>
-          <a:schemeClr val="bg1">
-            <a:lumMod val="85000"/>
-            <a:lumOff val="15000"/>
-          </a:schemeClr>
-        </a:solidFill>
-        <a:effectLst/>
-      </p:bgPr>
-    </p:bg>
-    <p:spTree>
-      <p:nvGrpSpPr>
-        <p:cNvPr id="1" name=""/>
-        <p:cNvGrpSpPr/>
-        <p:nvPr/>
-      </p:nvGrpSpPr>
-      <p:grpSpPr>
-        <a:xfrm>
-          <a:off x="0" y="0"/>
-          <a:ext cx="0" cy="0"/>
-          <a:chOff x="0" y="0"/>
-          <a:chExt cx="0" cy="0"/>
-        </a:xfrm>
-      </p:grpSpPr>
-      <p:sp>
-        <p:nvSpPr>
-          <p:cNvPr id="2" name="标题 1"/>
-          <p:cNvSpPr>
-            <a:spLocks noGrp="1"/>
-          </p:cNvSpPr>
-          <p:nvPr>
-            <p:ph type="title"/>
-          </p:nvPr>
-        </p:nvSpPr>
-        <p:spPr/>
-        <p:txBody>
-          <a:bodyPr/>
-          <a:lstStyle/>
-          <a:p>
-            <a:endParaRPr kumimoji="1" lang="zh-CN" altLang="en-US"/>
-          </a:p>
-        </p:txBody>
-      </p:sp>
-      <p:pic>
-        <p:nvPicPr>
-          <p:cNvPr id="5" name="内容占位符 4"/>
-          <p:cNvPicPr>
-            <a:picLocks noGrp="1" noChangeAspect="1"/>
-          </p:cNvPicPr>
-          <p:nvPr>
-            <p:ph idx="1"/>
-          </p:nvPr>
-        </p:nvPicPr>
-        <p:blipFill>
-          <a:blip r:embed="rId2"/>
-          <a:stretch>
-            <a:fillRect/>
-          </a:stretch>
-        </p:blipFill>
-        <p:spPr>
-          <a:xfrm>
-            <a:off x="3058589" y="2667000"/>
-            <a:ext cx="6071648" cy="3124200"/>
-          </a:xfrm>
-          <a:prstGeom prst="rect">
-            <a:avLst/>
-          </a:prstGeom>
-        </p:spPr>
-      </p:pic>
-    </p:spTree>
-    <p:extLst>
-      <p:ext uri="{BB962C8B-B14F-4D97-AF65-F5344CB8AC3E}">
-        <p14:creationId xmlns:p14="http://schemas.microsoft.com/office/powerpoint/2010/main" val="337489002"/>
-      </p:ext>
-    </p:extLst>
-  </p:cSld>
-  <p:clrMapOvr>
-    <a:masterClrMapping/>
-  </p:clrMapOvr>
-</p:sld>
-</file>
-
-<file path=ppt/slides/slide24.xml><?xml version="1.0" encoding="utf-8"?>
-<p:sld xmlns:a="http://schemas.openxmlformats.org/drawingml/2006/main" xmlns:r="http://schemas.openxmlformats.org/officeDocument/2006/relationships" xmlns:p="http://schemas.openxmlformats.org/presentationml/2006/main">
-  <p:cSld>
-    <p:bg>
-      <p:bgPr>
-        <a:solidFill>
-          <a:schemeClr val="bg1">
-            <a:lumMod val="85000"/>
-            <a:lumOff val="15000"/>
-          </a:schemeClr>
-        </a:solidFill>
-        <a:effectLst/>
-      </p:bgPr>
-    </p:bg>
     <p:spTree>
       <p:nvGrpSpPr>
         <p:cNvPr id="1" name=""/>
@@ -12652,7 +16677,125 @@
           <p:cNvPr id="2" name="标题 1">
             <a:extLst>
               <a:ext uri="{FF2B5EF4-FFF2-40B4-BE49-F238E27FC236}">
-                <a16:creationId xmlns:a16="http://schemas.microsoft.com/office/drawing/2014/main" xmlns="" id="{2561351D-6D5D-4341-8BC5-5D1FDEFB437F}"/>
+                <a16:creationId xmlns:a16="http://schemas.microsoft.com/office/drawing/2014/main" id="{BF44213F-0934-433F-A9BF-E7BA286E83BB}"/>
+              </a:ext>
+            </a:extLst>
+          </p:cNvPr>
+          <p:cNvSpPr>
+            <a:spLocks noGrp="1"/>
+          </p:cNvSpPr>
+          <p:nvPr>
+            <p:ph type="title"/>
+          </p:nvPr>
+        </p:nvSpPr>
+        <p:spPr>
+          <a:xfrm>
+            <a:off x="1141413" y="882624"/>
+            <a:ext cx="9905998" cy="1905000"/>
+          </a:xfrm>
+        </p:spPr>
+        <p:txBody>
+          <a:bodyPr>
+            <a:normAutofit/>
+          </a:bodyPr>
+          <a:lstStyle/>
+          <a:p>
+            <a:pPr algn="ctr"/>
+            <a:r>
+              <a:rPr lang="en-US" altLang="zh-CN" sz="6600" dirty="0">
+                <a:effectLst/>
+              </a:rPr>
+              <a:t>GRID</a:t>
+            </a:r>
+            <a:r>
+              <a:rPr lang="zh-CN" altLang="en-US" sz="6600" dirty="0">
+                <a:effectLst/>
+              </a:rPr>
+              <a:t>布局</a:t>
+            </a:r>
+            <a:endParaRPr lang="zh-CN" altLang="en-US" sz="6600" dirty="0"/>
+          </a:p>
+        </p:txBody>
+      </p:sp>
+      <p:sp>
+        <p:nvSpPr>
+          <p:cNvPr id="3" name="内容占位符 2">
+            <a:extLst>
+              <a:ext uri="{FF2B5EF4-FFF2-40B4-BE49-F238E27FC236}">
+                <a16:creationId xmlns:a16="http://schemas.microsoft.com/office/drawing/2014/main" id="{12E3C09E-B16B-4351-93A1-E2A1A36A2F51}"/>
+              </a:ext>
+            </a:extLst>
+          </p:cNvPr>
+          <p:cNvSpPr>
+            <a:spLocks noGrp="1"/>
+          </p:cNvSpPr>
+          <p:nvPr>
+            <p:ph idx="1"/>
+          </p:nvPr>
+        </p:nvSpPr>
+        <p:spPr>
+          <a:xfrm>
+            <a:off x="1022143" y="3560618"/>
+            <a:ext cx="9905998" cy="1537252"/>
+          </a:xfrm>
+        </p:spPr>
+        <p:txBody>
+          <a:bodyPr>
+            <a:normAutofit/>
+          </a:bodyPr>
+          <a:lstStyle/>
+          <a:p>
+            <a:pPr marL="0" indent="0">
+              <a:buNone/>
+            </a:pPr>
+            <a:r>
+              <a:rPr lang="en-US" altLang="zh-CN" sz="3600" dirty="0"/>
+              <a:t>Grid</a:t>
+            </a:r>
+            <a:r>
+              <a:rPr lang="zh-CN" altLang="en-US" sz="3600" dirty="0"/>
+              <a:t>可以看作是可以做各种骚操作的表格。</a:t>
+            </a:r>
+            <a:endParaRPr lang="en-US" altLang="zh-CN" sz="3600" dirty="0"/>
+          </a:p>
+        </p:txBody>
+      </p:sp>
+    </p:spTree>
+    <p:extLst>
+      <p:ext uri="{BB962C8B-B14F-4D97-AF65-F5344CB8AC3E}">
+        <p14:creationId xmlns:p14="http://schemas.microsoft.com/office/powerpoint/2010/main" val="4042057112"/>
+      </p:ext>
+    </p:extLst>
+  </p:cSld>
+  <p:clrMapOvr>
+    <a:masterClrMapping/>
+  </p:clrMapOvr>
+</p:sld>
+</file>
+
+<file path=ppt/slides/slide23.xml><?xml version="1.0" encoding="utf-8"?>
+<p:sld xmlns:a="http://schemas.openxmlformats.org/drawingml/2006/main" xmlns:r="http://schemas.openxmlformats.org/officeDocument/2006/relationships" xmlns:p="http://schemas.openxmlformats.org/presentationml/2006/main">
+  <p:cSld>
+    <p:spTree>
+      <p:nvGrpSpPr>
+        <p:cNvPr id="1" name=""/>
+        <p:cNvGrpSpPr/>
+        <p:nvPr/>
+      </p:nvGrpSpPr>
+      <p:grpSpPr>
+        <a:xfrm>
+          <a:off x="0" y="0"/>
+          <a:ext cx="0" cy="0"/>
+          <a:chOff x="0" y="0"/>
+          <a:chExt cx="0" cy="0"/>
+        </a:xfrm>
+      </p:grpSpPr>
+      <p:sp>
+        <p:nvSpPr>
+          <p:cNvPr id="2" name="标题 1">
+            <a:extLst>
+              <a:ext uri="{FF2B5EF4-FFF2-40B4-BE49-F238E27FC236}">
+                <a16:creationId xmlns:a16="http://schemas.microsoft.com/office/drawing/2014/main" id="{43B19053-8120-48B4-93E8-124D959FAC7C}"/>
               </a:ext>
             </a:extLst>
           </p:cNvPr>
@@ -12665,19 +16808,81 @@
         </p:nvSpPr>
         <p:spPr/>
         <p:txBody>
-          <a:bodyPr/>
+          <a:bodyPr>
+            <a:normAutofit/>
+          </a:bodyPr>
           <a:lstStyle/>
           <a:p>
-            <a:endParaRPr lang="zh-CN" altLang="en-US"/>
+            <a:pPr algn="ctr"/>
+            <a:r>
+              <a:rPr lang="en-US" altLang="zh-CN" sz="4800" dirty="0"/>
+              <a:t>grid</a:t>
+            </a:r>
+            <a:r>
+              <a:rPr lang="zh-CN" altLang="en-US" sz="4800" dirty="0"/>
+              <a:t>基础结构</a:t>
+            </a:r>
           </a:p>
         </p:txBody>
       </p:sp>
+      <p:graphicFrame>
+        <p:nvGraphicFramePr>
+          <p:cNvPr id="5" name="图表 4"/>
+          <p:cNvGraphicFramePr/>
+          <p:nvPr>
+            <p:extLst>
+              <p:ext uri="{D42A27DB-BD31-4B8C-83A1-F6EECF244321}">
+                <p14:modId xmlns:p14="http://schemas.microsoft.com/office/powerpoint/2010/main" val="2641674282"/>
+              </p:ext>
+            </p:extLst>
+          </p:nvPr>
+        </p:nvGraphicFramePr>
+        <p:xfrm>
+          <a:off x="2030412" y="2251363"/>
+          <a:ext cx="8128000" cy="3384275"/>
+        </p:xfrm>
+        <a:graphic>
+          <a:graphicData uri="http://schemas.openxmlformats.org/drawingml/2006/diagram">
+            <dgm:relIds xmlns:dgm="http://schemas.openxmlformats.org/drawingml/2006/diagram" xmlns:r="http://schemas.openxmlformats.org/officeDocument/2006/relationships" r:dm="rId2" r:lo="rId3" r:qs="rId4" r:cs="rId5"/>
+          </a:graphicData>
+        </a:graphic>
+      </p:graphicFrame>
+    </p:spTree>
+    <p:extLst>
+      <p:ext uri="{BB962C8B-B14F-4D97-AF65-F5344CB8AC3E}">
+        <p14:creationId xmlns:p14="http://schemas.microsoft.com/office/powerpoint/2010/main" val="3194371596"/>
+      </p:ext>
+    </p:extLst>
+  </p:cSld>
+  <p:clrMapOvr>
+    <a:masterClrMapping/>
+  </p:clrMapOvr>
+</p:sld>
+</file>
+
+<file path=ppt/slides/slide24.xml><?xml version="1.0" encoding="utf-8"?>
+<p:sld xmlns:a="http://schemas.openxmlformats.org/drawingml/2006/main" xmlns:r="http://schemas.openxmlformats.org/officeDocument/2006/relationships" xmlns:p="http://schemas.openxmlformats.org/presentationml/2006/main">
+  <p:cSld>
+    <p:spTree>
+      <p:nvGrpSpPr>
+        <p:cNvPr id="1" name=""/>
+        <p:cNvGrpSpPr/>
+        <p:nvPr/>
+      </p:nvGrpSpPr>
+      <p:grpSpPr>
+        <a:xfrm>
+          <a:off x="0" y="0"/>
+          <a:ext cx="0" cy="0"/>
+          <a:chOff x="0" y="0"/>
+          <a:chExt cx="0" cy="0"/>
+        </a:xfrm>
+      </p:grpSpPr>
       <p:sp>
         <p:nvSpPr>
-          <p:cNvPr id="3" name="内容占位符 2">
+          <p:cNvPr id="2" name="标题 1">
             <a:extLst>
               <a:ext uri="{FF2B5EF4-FFF2-40B4-BE49-F238E27FC236}">
-                <a16:creationId xmlns:a16="http://schemas.microsoft.com/office/drawing/2014/main" xmlns="" id="{E3610386-3375-41FE-A5B2-DFED69F1420B}"/>
+                <a16:creationId xmlns:a16="http://schemas.microsoft.com/office/drawing/2014/main" id="{43B19053-8120-48B4-93E8-124D959FAC7C}"/>
               </a:ext>
             </a:extLst>
           </p:cNvPr>
@@ -12685,22 +16890,855 @@
             <a:spLocks noGrp="1"/>
           </p:cNvSpPr>
           <p:nvPr>
-            <p:ph idx="1"/>
+            <p:ph type="title"/>
           </p:nvPr>
         </p:nvSpPr>
         <p:spPr/>
         <p:txBody>
-          <a:bodyPr/>
+          <a:bodyPr>
+            <a:normAutofit/>
+          </a:bodyPr>
           <a:lstStyle/>
           <a:p>
-            <a:endParaRPr lang="zh-CN" altLang="en-US" dirty="0"/>
+            <a:pPr algn="ctr"/>
+            <a:r>
+              <a:rPr lang="en-US" altLang="zh-CN" sz="4800" dirty="0"/>
+              <a:t>grid</a:t>
+            </a:r>
+            <a:r>
+              <a:rPr lang="zh-CN" altLang="en-US" sz="4800" dirty="0"/>
+              <a:t>基础概念</a:t>
+            </a:r>
+          </a:p>
+        </p:txBody>
+      </p:sp>
+      <p:pic>
+        <p:nvPicPr>
+          <p:cNvPr id="4" name="图片 3">
+            <a:extLst>
+              <a:ext uri="{FF2B5EF4-FFF2-40B4-BE49-F238E27FC236}">
+                <a16:creationId xmlns:a16="http://schemas.microsoft.com/office/drawing/2014/main" id="{0C2414DF-F17E-4E23-A7EE-AECD7619C6C4}"/>
+              </a:ext>
+            </a:extLst>
+          </p:cNvPr>
+          <p:cNvPicPr>
+            <a:picLocks noChangeAspect="1"/>
+          </p:cNvPicPr>
+          <p:nvPr/>
+        </p:nvPicPr>
+        <p:blipFill>
+          <a:blip r:embed="rId2"/>
+          <a:stretch>
+            <a:fillRect/>
+          </a:stretch>
+        </p:blipFill>
+        <p:spPr>
+          <a:xfrm>
+            <a:off x="2122258" y="3138055"/>
+            <a:ext cx="7944308" cy="3098085"/>
+          </a:xfrm>
+          <a:prstGeom prst="rect">
+            <a:avLst/>
+          </a:prstGeom>
+        </p:spPr>
+      </p:pic>
+      <p:sp>
+        <p:nvSpPr>
+          <p:cNvPr id="3" name="文本框 2">
+            <a:extLst>
+              <a:ext uri="{FF2B5EF4-FFF2-40B4-BE49-F238E27FC236}">
+                <a16:creationId xmlns:a16="http://schemas.microsoft.com/office/drawing/2014/main" id="{8CE4A5DB-C8C7-4884-B51B-38E7676E02DB}"/>
+              </a:ext>
+            </a:extLst>
+          </p:cNvPr>
+          <p:cNvSpPr txBox="1"/>
+          <p:nvPr/>
+        </p:nvSpPr>
+        <p:spPr>
+          <a:xfrm>
+            <a:off x="1439284" y="2172978"/>
+            <a:ext cx="9310255" cy="523220"/>
+          </a:xfrm>
+          <a:prstGeom prst="rect">
+            <a:avLst/>
+          </a:prstGeom>
+          <a:noFill/>
+        </p:spPr>
+        <p:txBody>
+          <a:bodyPr wrap="square" rtlCol="0">
+            <a:spAutoFit/>
+          </a:bodyPr>
+          <a:lstStyle/>
+          <a:p>
+            <a:pPr algn="ctr"/>
+            <a:r>
+              <a:rPr lang="zh-CN" altLang="en-US" sz="2800" dirty="0"/>
+              <a:t>栅格容器  栅格线  栅格格子  栅格区域</a:t>
+            </a:r>
           </a:p>
         </p:txBody>
       </p:sp>
     </p:spTree>
     <p:extLst>
       <p:ext uri="{BB962C8B-B14F-4D97-AF65-F5344CB8AC3E}">
-        <p14:creationId xmlns:p14="http://schemas.microsoft.com/office/powerpoint/2010/main" val="3326483088"/>
+        <p14:creationId xmlns:p14="http://schemas.microsoft.com/office/powerpoint/2010/main" val="895197007"/>
+      </p:ext>
+    </p:extLst>
+  </p:cSld>
+  <p:clrMapOvr>
+    <a:masterClrMapping/>
+  </p:clrMapOvr>
+</p:sld>
+</file>
+
+<file path=ppt/slides/slide25.xml><?xml version="1.0" encoding="utf-8"?>
+<p:sld xmlns:a="http://schemas.openxmlformats.org/drawingml/2006/main" xmlns:r="http://schemas.openxmlformats.org/officeDocument/2006/relationships" xmlns:p="http://schemas.openxmlformats.org/presentationml/2006/main">
+  <p:cSld>
+    <p:spTree>
+      <p:nvGrpSpPr>
+        <p:cNvPr id="1" name=""/>
+        <p:cNvGrpSpPr/>
+        <p:nvPr/>
+      </p:nvGrpSpPr>
+      <p:grpSpPr>
+        <a:xfrm>
+          <a:off x="0" y="0"/>
+          <a:ext cx="0" cy="0"/>
+          <a:chOff x="0" y="0"/>
+          <a:chExt cx="0" cy="0"/>
+        </a:xfrm>
+      </p:grpSpPr>
+      <p:sp>
+        <p:nvSpPr>
+          <p:cNvPr id="2" name="标题 1">
+            <a:extLst>
+              <a:ext uri="{FF2B5EF4-FFF2-40B4-BE49-F238E27FC236}">
+                <a16:creationId xmlns:a16="http://schemas.microsoft.com/office/drawing/2014/main" id="{8FC3F6F2-B4D0-4A5C-9A8B-A53E071F436D}"/>
+              </a:ext>
+            </a:extLst>
+          </p:cNvPr>
+          <p:cNvSpPr>
+            <a:spLocks noGrp="1"/>
+          </p:cNvSpPr>
+          <p:nvPr>
+            <p:ph type="title"/>
+          </p:nvPr>
+        </p:nvSpPr>
+        <p:spPr>
+          <a:xfrm>
+            <a:off x="1141413" y="609600"/>
+            <a:ext cx="9905998" cy="1163782"/>
+          </a:xfrm>
+        </p:spPr>
+        <p:txBody>
+          <a:bodyPr>
+            <a:normAutofit/>
+          </a:bodyPr>
+          <a:lstStyle/>
+          <a:p>
+            <a:pPr algn="ctr"/>
+            <a:r>
+              <a:rPr lang="zh-CN" altLang="en-US" sz="4000" dirty="0"/>
+              <a:t>栅格容器属性</a:t>
+            </a:r>
+          </a:p>
+        </p:txBody>
+      </p:sp>
+      <p:sp>
+        <p:nvSpPr>
+          <p:cNvPr id="7" name="文本框 6">
+            <a:extLst>
+              <a:ext uri="{FF2B5EF4-FFF2-40B4-BE49-F238E27FC236}">
+                <a16:creationId xmlns:a16="http://schemas.microsoft.com/office/drawing/2014/main" id="{2C276D97-CCCB-476C-81CE-B4294E655EFC}"/>
+              </a:ext>
+            </a:extLst>
+          </p:cNvPr>
+          <p:cNvSpPr txBox="1"/>
+          <p:nvPr/>
+        </p:nvSpPr>
+        <p:spPr>
+          <a:xfrm>
+            <a:off x="523296" y="2264807"/>
+            <a:ext cx="4688039" cy="3539430"/>
+          </a:xfrm>
+          <a:prstGeom prst="rect">
+            <a:avLst/>
+          </a:prstGeom>
+          <a:noFill/>
+        </p:spPr>
+        <p:txBody>
+          <a:bodyPr wrap="square" rtlCol="0">
+            <a:spAutoFit/>
+          </a:bodyPr>
+          <a:lstStyle/>
+          <a:p>
+            <a:r>
+              <a:rPr lang="en-US" altLang="zh-CN" sz="2800" dirty="0"/>
+              <a:t>display</a:t>
+            </a:r>
+          </a:p>
+          <a:p>
+            <a:r>
+              <a:rPr lang="en-US" altLang="zh-CN" sz="2800" dirty="0"/>
+              <a:t>grid-template-columns</a:t>
+            </a:r>
+          </a:p>
+          <a:p>
+            <a:r>
+              <a:rPr lang="en-US" altLang="zh-CN" sz="2800" dirty="0"/>
+              <a:t>grid-template-rows</a:t>
+            </a:r>
+          </a:p>
+          <a:p>
+            <a:r>
+              <a:rPr lang="en-US" altLang="zh-CN" sz="2800" dirty="0"/>
+              <a:t>grid-template-areas</a:t>
+            </a:r>
+          </a:p>
+          <a:p>
+            <a:r>
+              <a:rPr lang="en-US" altLang="zh-CN" sz="2800" dirty="0"/>
+              <a:t>grid-column-gap</a:t>
+            </a:r>
+          </a:p>
+          <a:p>
+            <a:r>
+              <a:rPr lang="en-US" altLang="zh-CN" sz="2800" dirty="0"/>
+              <a:t>grid-row-gap</a:t>
+            </a:r>
+          </a:p>
+          <a:p>
+            <a:r>
+              <a:rPr lang="en-US" altLang="zh-CN" sz="2800" dirty="0"/>
+              <a:t>grid-gap</a:t>
+            </a:r>
+          </a:p>
+          <a:p>
+            <a:r>
+              <a:rPr lang="en-US" altLang="zh-CN" sz="2800" dirty="0"/>
+              <a:t>justify-items</a:t>
+            </a:r>
+          </a:p>
+        </p:txBody>
+      </p:sp>
+      <p:sp>
+        <p:nvSpPr>
+          <p:cNvPr id="4" name="文本框 3">
+            <a:extLst>
+              <a:ext uri="{FF2B5EF4-FFF2-40B4-BE49-F238E27FC236}">
+                <a16:creationId xmlns:a16="http://schemas.microsoft.com/office/drawing/2014/main" id="{70CAA7E5-B161-4735-9B43-E45C968FBE82}"/>
+              </a:ext>
+            </a:extLst>
+          </p:cNvPr>
+          <p:cNvSpPr txBox="1"/>
+          <p:nvPr/>
+        </p:nvSpPr>
+        <p:spPr>
+          <a:xfrm>
+            <a:off x="6977489" y="2264807"/>
+            <a:ext cx="4688039" cy="3108543"/>
+          </a:xfrm>
+          <a:prstGeom prst="rect">
+            <a:avLst/>
+          </a:prstGeom>
+          <a:noFill/>
+        </p:spPr>
+        <p:txBody>
+          <a:bodyPr wrap="square" rtlCol="0">
+            <a:spAutoFit/>
+          </a:bodyPr>
+          <a:lstStyle/>
+          <a:p>
+            <a:r>
+              <a:rPr lang="en-US" altLang="zh-CN" sz="2800" dirty="0"/>
+              <a:t>align-items</a:t>
+            </a:r>
+          </a:p>
+          <a:p>
+            <a:r>
+              <a:rPr lang="en-US" altLang="zh-CN" sz="2800" dirty="0"/>
+              <a:t>justify-content</a:t>
+            </a:r>
+          </a:p>
+          <a:p>
+            <a:r>
+              <a:rPr lang="en-US" altLang="zh-CN" sz="2800" dirty="0"/>
+              <a:t>align-content</a:t>
+            </a:r>
+          </a:p>
+          <a:p>
+            <a:r>
+              <a:rPr lang="en-US" altLang="zh-CN" sz="2800" dirty="0"/>
+              <a:t>grid-auto-columns</a:t>
+            </a:r>
+          </a:p>
+          <a:p>
+            <a:r>
+              <a:rPr lang="en-US" altLang="zh-CN" sz="2800" dirty="0"/>
+              <a:t>grid-auto-rows</a:t>
+            </a:r>
+          </a:p>
+          <a:p>
+            <a:r>
+              <a:rPr lang="en-US" altLang="zh-CN" sz="2800" dirty="0"/>
+              <a:t>grid-auto-flow</a:t>
+            </a:r>
+          </a:p>
+          <a:p>
+            <a:r>
+              <a:rPr lang="en-US" altLang="zh-CN" sz="2800" dirty="0"/>
+              <a:t>grid</a:t>
+            </a:r>
+            <a:endParaRPr lang="zh-CN" altLang="en-US" sz="2800" dirty="0"/>
+          </a:p>
+        </p:txBody>
+      </p:sp>
+    </p:spTree>
+    <p:extLst>
+      <p:ext uri="{BB962C8B-B14F-4D97-AF65-F5344CB8AC3E}">
+        <p14:creationId xmlns:p14="http://schemas.microsoft.com/office/powerpoint/2010/main" val="2598436639"/>
+      </p:ext>
+    </p:extLst>
+  </p:cSld>
+  <p:clrMapOvr>
+    <a:masterClrMapping/>
+  </p:clrMapOvr>
+</p:sld>
+</file>
+
+<file path=ppt/slides/slide26.xml><?xml version="1.0" encoding="utf-8"?>
+<p:sld xmlns:a="http://schemas.openxmlformats.org/drawingml/2006/main" xmlns:r="http://schemas.openxmlformats.org/officeDocument/2006/relationships" xmlns:p="http://schemas.openxmlformats.org/presentationml/2006/main">
+  <p:cSld>
+    <p:spTree>
+      <p:nvGrpSpPr>
+        <p:cNvPr id="1" name=""/>
+        <p:cNvGrpSpPr/>
+        <p:nvPr/>
+      </p:nvGrpSpPr>
+      <p:grpSpPr>
+        <a:xfrm>
+          <a:off x="0" y="0"/>
+          <a:ext cx="0" cy="0"/>
+          <a:chOff x="0" y="0"/>
+          <a:chExt cx="0" cy="0"/>
+        </a:xfrm>
+      </p:grpSpPr>
+      <p:sp>
+        <p:nvSpPr>
+          <p:cNvPr id="2" name="标题 1">
+            <a:extLst>
+              <a:ext uri="{FF2B5EF4-FFF2-40B4-BE49-F238E27FC236}">
+                <a16:creationId xmlns:a16="http://schemas.microsoft.com/office/drawing/2014/main" id="{A938CF80-F668-4B65-B009-F9F86A52F090}"/>
+              </a:ext>
+            </a:extLst>
+          </p:cNvPr>
+          <p:cNvSpPr>
+            <a:spLocks noGrp="1"/>
+          </p:cNvSpPr>
+          <p:nvPr>
+            <p:ph type="title"/>
+          </p:nvPr>
+        </p:nvSpPr>
+        <p:spPr>
+          <a:xfrm>
+            <a:off x="1141413" y="193964"/>
+            <a:ext cx="9905998" cy="1905000"/>
+          </a:xfrm>
+        </p:spPr>
+        <p:txBody>
+          <a:bodyPr>
+            <a:normAutofit/>
+          </a:bodyPr>
+          <a:lstStyle/>
+          <a:p>
+            <a:pPr algn="ctr"/>
+            <a:r>
+              <a:rPr lang="zh-CN" altLang="en-US" sz="4000" dirty="0">
+                <a:effectLst/>
+              </a:rPr>
+              <a:t>绘制</a:t>
+            </a:r>
+            <a:r>
+              <a:rPr lang="en-US" altLang="zh-CN" sz="4000" dirty="0">
+                <a:effectLst/>
+              </a:rPr>
+              <a:t>grid</a:t>
+            </a:r>
+            <a:r>
+              <a:rPr lang="zh-CN" altLang="en-US" sz="4000" dirty="0">
+                <a:effectLst/>
+              </a:rPr>
+              <a:t>布局</a:t>
+            </a:r>
+            <a:endParaRPr lang="zh-CN" altLang="en-US" sz="4800" dirty="0"/>
+          </a:p>
+        </p:txBody>
+      </p:sp>
+      <p:sp>
+        <p:nvSpPr>
+          <p:cNvPr id="4" name="文本框 3">
+            <a:extLst>
+              <a:ext uri="{FF2B5EF4-FFF2-40B4-BE49-F238E27FC236}">
+                <a16:creationId xmlns:a16="http://schemas.microsoft.com/office/drawing/2014/main" id="{21022717-DEE6-4DFE-BEFC-C21B40A54266}"/>
+              </a:ext>
+            </a:extLst>
+          </p:cNvPr>
+          <p:cNvSpPr txBox="1"/>
+          <p:nvPr/>
+        </p:nvSpPr>
+        <p:spPr>
+          <a:xfrm>
+            <a:off x="501994" y="2750592"/>
+            <a:ext cx="11184835" cy="2246769"/>
+          </a:xfrm>
+          <a:prstGeom prst="rect">
+            <a:avLst/>
+          </a:prstGeom>
+          <a:noFill/>
+        </p:spPr>
+        <p:txBody>
+          <a:bodyPr wrap="square" rtlCol="0">
+            <a:spAutoFit/>
+          </a:bodyPr>
+          <a:lstStyle/>
+          <a:p>
+            <a:r>
+              <a:rPr lang="en-US" altLang="zh-CN" sz="2800" dirty="0"/>
+              <a:t>display :</a:t>
+            </a:r>
+          </a:p>
+          <a:p>
+            <a:r>
+              <a:rPr lang="en-US" altLang="zh-CN" sz="2800" dirty="0"/>
+              <a:t>grid | inline-grid | </a:t>
+            </a:r>
+            <a:r>
+              <a:rPr lang="en-US" altLang="zh-CN" sz="2800" dirty="0" err="1"/>
+              <a:t>subgrid</a:t>
+            </a:r>
+            <a:endParaRPr lang="en-US" altLang="zh-CN" sz="2800" dirty="0"/>
+          </a:p>
+          <a:p>
+            <a:endParaRPr lang="en-US" altLang="zh-CN" sz="2800" dirty="0"/>
+          </a:p>
+          <a:p>
+            <a:r>
+              <a:rPr lang="en-US" altLang="zh-CN" sz="2800" dirty="0" err="1"/>
+              <a:t>subgrid</a:t>
+            </a:r>
+            <a:r>
+              <a:rPr lang="en-US" altLang="zh-CN" sz="2800" dirty="0"/>
+              <a:t> </a:t>
+            </a:r>
+            <a:r>
+              <a:rPr lang="zh-CN" altLang="en-US" sz="2800" dirty="0"/>
+              <a:t>栅格容器本身是一个栅格项目的话，可以根据它的父元素而不是它自己，指定行列大小。</a:t>
+            </a:r>
+            <a:endParaRPr lang="en-US" altLang="zh-CN" sz="2800" dirty="0"/>
+          </a:p>
+        </p:txBody>
+      </p:sp>
+    </p:spTree>
+    <p:extLst>
+      <p:ext uri="{BB962C8B-B14F-4D97-AF65-F5344CB8AC3E}">
+        <p14:creationId xmlns:p14="http://schemas.microsoft.com/office/powerpoint/2010/main" val="658399531"/>
+      </p:ext>
+    </p:extLst>
+  </p:cSld>
+  <p:clrMapOvr>
+    <a:masterClrMapping/>
+  </p:clrMapOvr>
+</p:sld>
+</file>
+
+<file path=ppt/slides/slide27.xml><?xml version="1.0" encoding="utf-8"?>
+<p:sld xmlns:a="http://schemas.openxmlformats.org/drawingml/2006/main" xmlns:r="http://schemas.openxmlformats.org/officeDocument/2006/relationships" xmlns:p="http://schemas.openxmlformats.org/presentationml/2006/main">
+  <p:cSld>
+    <p:spTree>
+      <p:nvGrpSpPr>
+        <p:cNvPr id="1" name=""/>
+        <p:cNvGrpSpPr/>
+        <p:nvPr/>
+      </p:nvGrpSpPr>
+      <p:grpSpPr>
+        <a:xfrm>
+          <a:off x="0" y="0"/>
+          <a:ext cx="0" cy="0"/>
+          <a:chOff x="0" y="0"/>
+          <a:chExt cx="0" cy="0"/>
+        </a:xfrm>
+      </p:grpSpPr>
+      <p:sp>
+        <p:nvSpPr>
+          <p:cNvPr id="2" name="标题 1">
+            <a:extLst>
+              <a:ext uri="{FF2B5EF4-FFF2-40B4-BE49-F238E27FC236}">
+                <a16:creationId xmlns:a16="http://schemas.microsoft.com/office/drawing/2014/main" id="{A938CF80-F668-4B65-B009-F9F86A52F090}"/>
+              </a:ext>
+            </a:extLst>
+          </p:cNvPr>
+          <p:cNvSpPr>
+            <a:spLocks noGrp="1"/>
+          </p:cNvSpPr>
+          <p:nvPr>
+            <p:ph type="title"/>
+          </p:nvPr>
+        </p:nvSpPr>
+        <p:spPr>
+          <a:xfrm>
+            <a:off x="1141413" y="0"/>
+            <a:ext cx="9905998" cy="1905000"/>
+          </a:xfrm>
+        </p:spPr>
+        <p:txBody>
+          <a:bodyPr>
+            <a:normAutofit/>
+          </a:bodyPr>
+          <a:lstStyle/>
+          <a:p>
+            <a:pPr algn="ctr"/>
+            <a:r>
+              <a:rPr lang="zh-CN" altLang="en-US" sz="4000" dirty="0">
+                <a:effectLst/>
+              </a:rPr>
+              <a:t>定义栅格轨迹大小</a:t>
+            </a:r>
+            <a:endParaRPr lang="zh-CN" altLang="en-US" sz="4800" dirty="0"/>
+          </a:p>
+        </p:txBody>
+      </p:sp>
+      <p:pic>
+        <p:nvPicPr>
+          <p:cNvPr id="3" name="图片 2">
+            <a:extLst>
+              <a:ext uri="{FF2B5EF4-FFF2-40B4-BE49-F238E27FC236}">
+                <a16:creationId xmlns:a16="http://schemas.microsoft.com/office/drawing/2014/main" id="{2FB23517-AA20-4946-BE26-4EF3804F6694}"/>
+              </a:ext>
+            </a:extLst>
+          </p:cNvPr>
+          <p:cNvPicPr>
+            <a:picLocks noChangeAspect="1"/>
+          </p:cNvPicPr>
+          <p:nvPr/>
+        </p:nvPicPr>
+        <p:blipFill>
+          <a:blip r:embed="rId2"/>
+          <a:stretch>
+            <a:fillRect/>
+          </a:stretch>
+        </p:blipFill>
+        <p:spPr>
+          <a:xfrm>
+            <a:off x="321886" y="1582070"/>
+            <a:ext cx="7533642" cy="1248553"/>
+          </a:xfrm>
+          <a:prstGeom prst="rect">
+            <a:avLst/>
+          </a:prstGeom>
+        </p:spPr>
+      </p:pic>
+      <p:pic>
+        <p:nvPicPr>
+          <p:cNvPr id="5" name="图片 4">
+            <a:extLst>
+              <a:ext uri="{FF2B5EF4-FFF2-40B4-BE49-F238E27FC236}">
+                <a16:creationId xmlns:a16="http://schemas.microsoft.com/office/drawing/2014/main" id="{3BFC5852-73E0-498B-95AF-29E018072C60}"/>
+              </a:ext>
+            </a:extLst>
+          </p:cNvPr>
+          <p:cNvPicPr>
+            <a:picLocks noChangeAspect="1"/>
+          </p:cNvPicPr>
+          <p:nvPr/>
+        </p:nvPicPr>
+        <p:blipFill>
+          <a:blip r:embed="rId3"/>
+          <a:stretch>
+            <a:fillRect/>
+          </a:stretch>
+        </p:blipFill>
+        <p:spPr>
+          <a:xfrm>
+            <a:off x="321886" y="3157571"/>
+            <a:ext cx="6702370" cy="1220559"/>
+          </a:xfrm>
+          <a:prstGeom prst="rect">
+            <a:avLst/>
+          </a:prstGeom>
+        </p:spPr>
+      </p:pic>
+    </p:spTree>
+    <p:extLst>
+      <p:ext uri="{BB962C8B-B14F-4D97-AF65-F5344CB8AC3E}">
+        <p14:creationId xmlns:p14="http://schemas.microsoft.com/office/powerpoint/2010/main" val="2948057606"/>
+      </p:ext>
+    </p:extLst>
+  </p:cSld>
+  <p:clrMapOvr>
+    <a:masterClrMapping/>
+  </p:clrMapOvr>
+</p:sld>
+</file>
+
+<file path=ppt/slides/slide28.xml><?xml version="1.0" encoding="utf-8"?>
+<p:sld xmlns:a="http://schemas.openxmlformats.org/drawingml/2006/main" xmlns:r="http://schemas.openxmlformats.org/officeDocument/2006/relationships" xmlns:p="http://schemas.openxmlformats.org/presentationml/2006/main">
+  <p:cSld>
+    <p:spTree>
+      <p:nvGrpSpPr>
+        <p:cNvPr id="1" name=""/>
+        <p:cNvGrpSpPr/>
+        <p:nvPr/>
+      </p:nvGrpSpPr>
+      <p:grpSpPr>
+        <a:xfrm>
+          <a:off x="0" y="0"/>
+          <a:ext cx="0" cy="0"/>
+          <a:chOff x="0" y="0"/>
+          <a:chExt cx="0" cy="0"/>
+        </a:xfrm>
+      </p:grpSpPr>
+      <p:sp>
+        <p:nvSpPr>
+          <p:cNvPr id="2" name="标题 1">
+            <a:extLst>
+              <a:ext uri="{FF2B5EF4-FFF2-40B4-BE49-F238E27FC236}">
+                <a16:creationId xmlns:a16="http://schemas.microsoft.com/office/drawing/2014/main" id="{A938CF80-F668-4B65-B009-F9F86A52F090}"/>
+              </a:ext>
+            </a:extLst>
+          </p:cNvPr>
+          <p:cNvSpPr>
+            <a:spLocks noGrp="1"/>
+          </p:cNvSpPr>
+          <p:nvPr>
+            <p:ph type="title"/>
+          </p:nvPr>
+        </p:nvSpPr>
+        <p:spPr>
+          <a:xfrm>
+            <a:off x="1141413" y="0"/>
+            <a:ext cx="9905998" cy="1905000"/>
+          </a:xfrm>
+        </p:spPr>
+        <p:txBody>
+          <a:bodyPr>
+            <a:normAutofit/>
+          </a:bodyPr>
+          <a:lstStyle/>
+          <a:p>
+            <a:pPr algn="ctr"/>
+            <a:r>
+              <a:rPr lang="zh-CN" altLang="en-US" sz="4000" dirty="0">
+                <a:effectLst/>
+              </a:rPr>
+              <a:t>定义栅格线名称</a:t>
+            </a:r>
+            <a:endParaRPr lang="zh-CN" altLang="en-US" sz="4800" dirty="0"/>
+          </a:p>
+        </p:txBody>
+      </p:sp>
+      <p:pic>
+        <p:nvPicPr>
+          <p:cNvPr id="7" name="图片 6">
+            <a:extLst>
+              <a:ext uri="{FF2B5EF4-FFF2-40B4-BE49-F238E27FC236}">
+                <a16:creationId xmlns:a16="http://schemas.microsoft.com/office/drawing/2014/main" id="{D78691B0-66BD-4616-A9DD-8E0ABA45FC2C}"/>
+              </a:ext>
+            </a:extLst>
+          </p:cNvPr>
+          <p:cNvPicPr>
+            <a:picLocks noChangeAspect="1"/>
+          </p:cNvPicPr>
+          <p:nvPr/>
+        </p:nvPicPr>
+        <p:blipFill>
+          <a:blip r:embed="rId2"/>
+          <a:stretch>
+            <a:fillRect/>
+          </a:stretch>
+        </p:blipFill>
+        <p:spPr>
+          <a:xfrm>
+            <a:off x="318654" y="1713204"/>
+            <a:ext cx="11357261" cy="2664832"/>
+          </a:xfrm>
+          <a:prstGeom prst="rect">
+            <a:avLst/>
+          </a:prstGeom>
+        </p:spPr>
+      </p:pic>
+    </p:spTree>
+    <p:extLst>
+      <p:ext uri="{BB962C8B-B14F-4D97-AF65-F5344CB8AC3E}">
+        <p14:creationId xmlns:p14="http://schemas.microsoft.com/office/powerpoint/2010/main" val="4210729770"/>
+      </p:ext>
+    </p:extLst>
+  </p:cSld>
+  <p:clrMapOvr>
+    <a:masterClrMapping/>
+  </p:clrMapOvr>
+</p:sld>
+</file>
+
+<file path=ppt/slides/slide29.xml><?xml version="1.0" encoding="utf-8"?>
+<p:sld xmlns:a="http://schemas.openxmlformats.org/drawingml/2006/main" xmlns:r="http://schemas.openxmlformats.org/officeDocument/2006/relationships" xmlns:p="http://schemas.openxmlformats.org/presentationml/2006/main">
+  <p:cSld>
+    <p:spTree>
+      <p:nvGrpSpPr>
+        <p:cNvPr id="1" name=""/>
+        <p:cNvGrpSpPr/>
+        <p:nvPr/>
+      </p:nvGrpSpPr>
+      <p:grpSpPr>
+        <a:xfrm>
+          <a:off x="0" y="0"/>
+          <a:ext cx="0" cy="0"/>
+          <a:chOff x="0" y="0"/>
+          <a:chExt cx="0" cy="0"/>
+        </a:xfrm>
+      </p:grpSpPr>
+      <p:sp>
+        <p:nvSpPr>
+          <p:cNvPr id="2" name="标题 1">
+            <a:extLst>
+              <a:ext uri="{FF2B5EF4-FFF2-40B4-BE49-F238E27FC236}">
+                <a16:creationId xmlns:a16="http://schemas.microsoft.com/office/drawing/2014/main" id="{A938CF80-F668-4B65-B009-F9F86A52F090}"/>
+              </a:ext>
+            </a:extLst>
+          </p:cNvPr>
+          <p:cNvSpPr>
+            <a:spLocks noGrp="1"/>
+          </p:cNvSpPr>
+          <p:nvPr>
+            <p:ph type="title"/>
+          </p:nvPr>
+        </p:nvSpPr>
+        <p:spPr>
+          <a:xfrm>
+            <a:off x="1141413" y="0"/>
+            <a:ext cx="9905998" cy="1905000"/>
+          </a:xfrm>
+        </p:spPr>
+        <p:txBody>
+          <a:bodyPr>
+            <a:normAutofit/>
+          </a:bodyPr>
+          <a:lstStyle/>
+          <a:p>
+            <a:pPr algn="ctr"/>
+            <a:r>
+              <a:rPr lang="zh-CN" altLang="en-US" sz="4000" dirty="0">
+                <a:effectLst/>
+              </a:rPr>
+              <a:t>定义栅格区域名称</a:t>
+            </a:r>
+            <a:endParaRPr lang="zh-CN" altLang="en-US" sz="4800" dirty="0"/>
+          </a:p>
+        </p:txBody>
+      </p:sp>
+      <p:sp>
+        <p:nvSpPr>
+          <p:cNvPr id="3" name="文本框 2">
+            <a:extLst>
+              <a:ext uri="{FF2B5EF4-FFF2-40B4-BE49-F238E27FC236}">
+                <a16:creationId xmlns:a16="http://schemas.microsoft.com/office/drawing/2014/main" id="{82DF5F2A-A4C0-4F51-80D7-23020D23A2BD}"/>
+              </a:ext>
+            </a:extLst>
+          </p:cNvPr>
+          <p:cNvSpPr txBox="1"/>
+          <p:nvPr/>
+        </p:nvSpPr>
+        <p:spPr>
+          <a:xfrm>
+            <a:off x="346364" y="2202873"/>
+            <a:ext cx="11596254" cy="3539430"/>
+          </a:xfrm>
+          <a:prstGeom prst="rect">
+            <a:avLst/>
+          </a:prstGeom>
+          <a:noFill/>
+        </p:spPr>
+        <p:txBody>
+          <a:bodyPr wrap="square" rtlCol="0">
+            <a:spAutoFit/>
+          </a:bodyPr>
+          <a:lstStyle/>
+          <a:p>
+            <a:r>
+              <a:rPr lang="zh-CN" altLang="en-US" sz="2800" dirty="0"/>
+              <a:t>栅格容器 </a:t>
+            </a:r>
+            <a:r>
+              <a:rPr lang="en-US" altLang="zh-CN" sz="2800" dirty="0"/>
+              <a:t>grid-template-areas</a:t>
+            </a:r>
+          </a:p>
+          <a:p>
+            <a:endParaRPr lang="en-US" altLang="zh-CN" sz="2800" dirty="0"/>
+          </a:p>
+          <a:p>
+            <a:r>
+              <a:rPr lang="zh-CN" altLang="en-US" sz="2800" dirty="0"/>
+              <a:t>栅格项目 </a:t>
+            </a:r>
+            <a:r>
+              <a:rPr lang="en-US" altLang="zh-CN" sz="2800" dirty="0"/>
+              <a:t>grid-area</a:t>
+            </a:r>
+          </a:p>
+          <a:p>
+            <a:endParaRPr lang="en-US" altLang="zh-CN" sz="2800" dirty="0"/>
+          </a:p>
+          <a:p>
+            <a:endParaRPr lang="en-US" altLang="zh-CN" sz="2800" dirty="0"/>
+          </a:p>
+          <a:p>
+            <a:r>
+              <a:rPr lang="zh-CN" altLang="en-US" sz="2800" dirty="0"/>
+              <a:t>简写属性：</a:t>
+            </a:r>
+            <a:r>
+              <a:rPr lang="en-US" altLang="zh-CN" sz="2800" dirty="0"/>
+              <a:t>grid-template</a:t>
+            </a:r>
+            <a:r>
+              <a:rPr lang="zh-CN" altLang="en-US" sz="2800" dirty="0"/>
+              <a:t>（</a:t>
+            </a:r>
+            <a:r>
+              <a:rPr lang="en-US" altLang="zh-CN" sz="2800" dirty="0"/>
+              <a:t>grid-template-columns</a:t>
+            </a:r>
+            <a:r>
+              <a:rPr lang="zh-CN" altLang="en-US" sz="2800" dirty="0"/>
+              <a:t>，</a:t>
+            </a:r>
+            <a:r>
+              <a:rPr lang="en-US" altLang="zh-CN" sz="2800" dirty="0"/>
+              <a:t>grid-template-rows </a:t>
+            </a:r>
+            <a:r>
+              <a:rPr lang="zh-CN" altLang="en-US" sz="2800" dirty="0"/>
+              <a:t>和 </a:t>
+            </a:r>
+            <a:r>
+              <a:rPr lang="en-US" altLang="zh-CN" sz="2800" dirty="0"/>
+              <a:t>grid-template-areas </a:t>
+            </a:r>
+            <a:r>
+              <a:rPr lang="zh-CN" altLang="en-US" sz="2800" dirty="0"/>
+              <a:t>的简写。）</a:t>
+            </a:r>
+            <a:endParaRPr lang="en-US" altLang="zh-CN" sz="2800" dirty="0"/>
+          </a:p>
+          <a:p>
+            <a:endParaRPr lang="zh-CN" altLang="en-US" sz="2800" dirty="0"/>
+          </a:p>
+        </p:txBody>
+      </p:sp>
+    </p:spTree>
+    <p:extLst>
+      <p:ext uri="{BB962C8B-B14F-4D97-AF65-F5344CB8AC3E}">
+        <p14:creationId xmlns:p14="http://schemas.microsoft.com/office/powerpoint/2010/main" val="2190741107"/>
       </p:ext>
     </p:extLst>
   </p:cSld>
@@ -12743,7 +17781,7 @@
           <p:cNvPr id="3" name="内容占位符 2">
             <a:extLst>
               <a:ext uri="{FF2B5EF4-FFF2-40B4-BE49-F238E27FC236}">
-                <a16:creationId xmlns:a16="http://schemas.microsoft.com/office/drawing/2014/main" xmlns="" id="{BC9EE13F-5B54-47B4-9CDF-1658CD2F7DF9}"/>
+                <a16:creationId xmlns:a16="http://schemas.microsoft.com/office/drawing/2014/main" id="{BC9EE13F-5B54-47B4-9CDF-1658CD2F7DF9}"/>
               </a:ext>
             </a:extLst>
           </p:cNvPr>
@@ -12798,6 +17836,604 @@
     <p:extLst>
       <p:ext uri="{BB962C8B-B14F-4D97-AF65-F5344CB8AC3E}">
         <p14:creationId xmlns:p14="http://schemas.microsoft.com/office/powerpoint/2010/main" val="1824422325"/>
+      </p:ext>
+    </p:extLst>
+  </p:cSld>
+  <p:clrMapOvr>
+    <a:masterClrMapping/>
+  </p:clrMapOvr>
+</p:sld>
+</file>
+
+<file path=ppt/slides/slide30.xml><?xml version="1.0" encoding="utf-8"?>
+<p:sld xmlns:a="http://schemas.openxmlformats.org/drawingml/2006/main" xmlns:r="http://schemas.openxmlformats.org/officeDocument/2006/relationships" xmlns:p="http://schemas.openxmlformats.org/presentationml/2006/main">
+  <p:cSld>
+    <p:spTree>
+      <p:nvGrpSpPr>
+        <p:cNvPr id="1" name=""/>
+        <p:cNvGrpSpPr/>
+        <p:nvPr/>
+      </p:nvGrpSpPr>
+      <p:grpSpPr>
+        <a:xfrm>
+          <a:off x="0" y="0"/>
+          <a:ext cx="0" cy="0"/>
+          <a:chOff x="0" y="0"/>
+          <a:chExt cx="0" cy="0"/>
+        </a:xfrm>
+      </p:grpSpPr>
+      <p:sp>
+        <p:nvSpPr>
+          <p:cNvPr id="2" name="标题 1">
+            <a:extLst>
+              <a:ext uri="{FF2B5EF4-FFF2-40B4-BE49-F238E27FC236}">
+                <a16:creationId xmlns:a16="http://schemas.microsoft.com/office/drawing/2014/main" id="{A938CF80-F668-4B65-B009-F9F86A52F090}"/>
+              </a:ext>
+            </a:extLst>
+          </p:cNvPr>
+          <p:cNvSpPr>
+            <a:spLocks noGrp="1"/>
+          </p:cNvSpPr>
+          <p:nvPr>
+            <p:ph type="title"/>
+          </p:nvPr>
+        </p:nvSpPr>
+        <p:spPr>
+          <a:xfrm>
+            <a:off x="1141413" y="0"/>
+            <a:ext cx="9905998" cy="1905000"/>
+          </a:xfrm>
+        </p:spPr>
+        <p:txBody>
+          <a:bodyPr>
+            <a:normAutofit/>
+          </a:bodyPr>
+          <a:lstStyle/>
+          <a:p>
+            <a:pPr algn="ctr"/>
+            <a:r>
+              <a:rPr lang="zh-CN" altLang="en-US" sz="4000" dirty="0">
+                <a:effectLst/>
+              </a:rPr>
+              <a:t>定义栅格线大小</a:t>
+            </a:r>
+            <a:endParaRPr lang="zh-CN" altLang="en-US" sz="4800" dirty="0"/>
+          </a:p>
+        </p:txBody>
+      </p:sp>
+      <p:sp>
+        <p:nvSpPr>
+          <p:cNvPr id="3" name="文本框 2">
+            <a:extLst>
+              <a:ext uri="{FF2B5EF4-FFF2-40B4-BE49-F238E27FC236}">
+                <a16:creationId xmlns:a16="http://schemas.microsoft.com/office/drawing/2014/main" id="{82DF5F2A-A4C0-4F51-80D7-23020D23A2BD}"/>
+              </a:ext>
+            </a:extLst>
+          </p:cNvPr>
+          <p:cNvSpPr txBox="1"/>
+          <p:nvPr/>
+        </p:nvSpPr>
+        <p:spPr>
+          <a:xfrm>
+            <a:off x="346364" y="1676401"/>
+            <a:ext cx="11596254" cy="2246769"/>
+          </a:xfrm>
+          <a:prstGeom prst="rect">
+            <a:avLst/>
+          </a:prstGeom>
+          <a:noFill/>
+        </p:spPr>
+        <p:txBody>
+          <a:bodyPr wrap="square" rtlCol="0">
+            <a:spAutoFit/>
+          </a:bodyPr>
+          <a:lstStyle/>
+          <a:p>
+            <a:r>
+              <a:rPr lang="zh-CN" altLang="en-US" sz="2800" dirty="0"/>
+              <a:t>列栅格线大小 </a:t>
+            </a:r>
+            <a:r>
+              <a:rPr lang="en-US" altLang="zh-CN" sz="2800" dirty="0"/>
+              <a:t>grid-column-gap </a:t>
+            </a:r>
+          </a:p>
+          <a:p>
+            <a:endParaRPr lang="en-US" altLang="zh-CN" sz="2800" dirty="0"/>
+          </a:p>
+          <a:p>
+            <a:r>
+              <a:rPr lang="zh-CN" altLang="en-US" sz="2800" dirty="0"/>
+              <a:t>行栅格线大小 </a:t>
+            </a:r>
+            <a:r>
+              <a:rPr lang="en-US" altLang="zh-CN" sz="2800" dirty="0"/>
+              <a:t>grid-row-gap</a:t>
+            </a:r>
+          </a:p>
+          <a:p>
+            <a:endParaRPr lang="en-US" altLang="zh-CN" sz="2800" dirty="0"/>
+          </a:p>
+          <a:p>
+            <a:r>
+              <a:rPr lang="zh-CN" altLang="en-US" sz="2800" dirty="0"/>
+              <a:t>简写 </a:t>
+            </a:r>
+            <a:r>
+              <a:rPr lang="en-US" altLang="zh-CN" sz="2800" dirty="0"/>
+              <a:t>grid-gap</a:t>
+            </a:r>
+            <a:endParaRPr lang="zh-CN" altLang="en-US" sz="2800" dirty="0"/>
+          </a:p>
+        </p:txBody>
+      </p:sp>
+    </p:spTree>
+    <p:extLst>
+      <p:ext uri="{BB962C8B-B14F-4D97-AF65-F5344CB8AC3E}">
+        <p14:creationId xmlns:p14="http://schemas.microsoft.com/office/powerpoint/2010/main" val="113749506"/>
+      </p:ext>
+    </p:extLst>
+  </p:cSld>
+  <p:clrMapOvr>
+    <a:masterClrMapping/>
+  </p:clrMapOvr>
+</p:sld>
+</file>
+
+<file path=ppt/slides/slide31.xml><?xml version="1.0" encoding="utf-8"?>
+<p:sld xmlns:a="http://schemas.openxmlformats.org/drawingml/2006/main" xmlns:r="http://schemas.openxmlformats.org/officeDocument/2006/relationships" xmlns:p="http://schemas.openxmlformats.org/presentationml/2006/main">
+  <p:cSld>
+    <p:spTree>
+      <p:nvGrpSpPr>
+        <p:cNvPr id="1" name=""/>
+        <p:cNvGrpSpPr/>
+        <p:nvPr/>
+      </p:nvGrpSpPr>
+      <p:grpSpPr>
+        <a:xfrm>
+          <a:off x="0" y="0"/>
+          <a:ext cx="0" cy="0"/>
+          <a:chOff x="0" y="0"/>
+          <a:chExt cx="0" cy="0"/>
+        </a:xfrm>
+      </p:grpSpPr>
+      <p:sp>
+        <p:nvSpPr>
+          <p:cNvPr id="2" name="标题 1">
+            <a:extLst>
+              <a:ext uri="{FF2B5EF4-FFF2-40B4-BE49-F238E27FC236}">
+                <a16:creationId xmlns:a16="http://schemas.microsoft.com/office/drawing/2014/main" id="{A938CF80-F668-4B65-B009-F9F86A52F090}"/>
+              </a:ext>
+            </a:extLst>
+          </p:cNvPr>
+          <p:cNvSpPr>
+            <a:spLocks noGrp="1"/>
+          </p:cNvSpPr>
+          <p:nvPr>
+            <p:ph type="title"/>
+          </p:nvPr>
+        </p:nvSpPr>
+        <p:spPr>
+          <a:xfrm>
+            <a:off x="1141413" y="0"/>
+            <a:ext cx="9905998" cy="1905000"/>
+          </a:xfrm>
+        </p:spPr>
+        <p:txBody>
+          <a:bodyPr>
+            <a:normAutofit/>
+          </a:bodyPr>
+          <a:lstStyle/>
+          <a:p>
+            <a:pPr algn="ctr"/>
+            <a:r>
+              <a:rPr lang="zh-CN" altLang="en-US" sz="4000" dirty="0">
+                <a:effectLst/>
+              </a:rPr>
+              <a:t>栅格项目内容对齐</a:t>
+            </a:r>
+            <a:endParaRPr lang="zh-CN" altLang="en-US" sz="4800" dirty="0"/>
+          </a:p>
+        </p:txBody>
+      </p:sp>
+      <p:sp>
+        <p:nvSpPr>
+          <p:cNvPr id="3" name="文本框 2">
+            <a:extLst>
+              <a:ext uri="{FF2B5EF4-FFF2-40B4-BE49-F238E27FC236}">
+                <a16:creationId xmlns:a16="http://schemas.microsoft.com/office/drawing/2014/main" id="{82DF5F2A-A4C0-4F51-80D7-23020D23A2BD}"/>
+              </a:ext>
+            </a:extLst>
+          </p:cNvPr>
+          <p:cNvSpPr txBox="1"/>
+          <p:nvPr/>
+        </p:nvSpPr>
+        <p:spPr>
+          <a:xfrm>
+            <a:off x="346364" y="1676401"/>
+            <a:ext cx="11596254" cy="3970318"/>
+          </a:xfrm>
+          <a:prstGeom prst="rect">
+            <a:avLst/>
+          </a:prstGeom>
+          <a:noFill/>
+        </p:spPr>
+        <p:txBody>
+          <a:bodyPr wrap="square" rtlCol="0">
+            <a:spAutoFit/>
+          </a:bodyPr>
+          <a:lstStyle/>
+          <a:p>
+            <a:r>
+              <a:rPr lang="zh-CN" altLang="en-US" sz="2800" dirty="0"/>
+              <a:t>列轴方向 </a:t>
+            </a:r>
+            <a:r>
+              <a:rPr lang="en-US" altLang="zh-CN" sz="2800" dirty="0"/>
+              <a:t>justify-items</a:t>
+            </a:r>
+          </a:p>
+          <a:p>
+            <a:endParaRPr lang="en-US" altLang="zh-CN" sz="2800" dirty="0"/>
+          </a:p>
+          <a:p>
+            <a:r>
+              <a:rPr lang="zh-CN" altLang="en-US" sz="2800" dirty="0"/>
+              <a:t>行轴方向 </a:t>
+            </a:r>
+            <a:r>
+              <a:rPr lang="en-US" altLang="zh-CN" sz="2800" dirty="0"/>
+              <a:t>align-items</a:t>
+            </a:r>
+          </a:p>
+          <a:p>
+            <a:endParaRPr lang="en-US" altLang="zh-CN" sz="2800" dirty="0"/>
+          </a:p>
+          <a:p>
+            <a:r>
+              <a:rPr lang="en-US" altLang="zh-CN" sz="2800" b="1" dirty="0"/>
+              <a:t>start</a:t>
+            </a:r>
+            <a:r>
+              <a:rPr lang="zh-CN" altLang="en-US" sz="2800" dirty="0"/>
+              <a:t> 使内容与轴头部对齐</a:t>
+            </a:r>
+          </a:p>
+          <a:p>
+            <a:r>
+              <a:rPr lang="en-US" altLang="zh-CN" sz="2800" b="1" dirty="0"/>
+              <a:t>end</a:t>
+            </a:r>
+            <a:r>
+              <a:rPr lang="zh-CN" altLang="en-US" sz="2800" dirty="0"/>
+              <a:t> 使内容与轴尾部对齐</a:t>
+            </a:r>
+          </a:p>
+          <a:p>
+            <a:r>
+              <a:rPr lang="en-US" altLang="zh-CN" sz="2800" b="1" dirty="0"/>
+              <a:t>center</a:t>
+            </a:r>
+            <a:r>
+              <a:rPr lang="zh-CN" altLang="en-US" sz="2800" dirty="0"/>
+              <a:t> 使内容在轴上居中</a:t>
+            </a:r>
+          </a:p>
+          <a:p>
+            <a:r>
+              <a:rPr lang="en-US" altLang="zh-CN" sz="2800" b="1" dirty="0"/>
+              <a:t>stretch</a:t>
+            </a:r>
+            <a:r>
+              <a:rPr lang="zh-CN" altLang="en-US" sz="2800" dirty="0"/>
+              <a:t> 使内容充满整个栅格区域（默认属性）</a:t>
+            </a:r>
+          </a:p>
+          <a:p>
+            <a:endParaRPr lang="en-US" altLang="zh-CN" sz="2800" dirty="0"/>
+          </a:p>
+        </p:txBody>
+      </p:sp>
+    </p:spTree>
+    <p:extLst>
+      <p:ext uri="{BB962C8B-B14F-4D97-AF65-F5344CB8AC3E}">
+        <p14:creationId xmlns:p14="http://schemas.microsoft.com/office/powerpoint/2010/main" val="87306109"/>
+      </p:ext>
+    </p:extLst>
+  </p:cSld>
+  <p:clrMapOvr>
+    <a:masterClrMapping/>
+  </p:clrMapOvr>
+</p:sld>
+</file>
+
+<file path=ppt/slides/slide32.xml><?xml version="1.0" encoding="utf-8"?>
+<p:sld xmlns:a="http://schemas.openxmlformats.org/drawingml/2006/main" xmlns:r="http://schemas.openxmlformats.org/officeDocument/2006/relationships" xmlns:p="http://schemas.openxmlformats.org/presentationml/2006/main">
+  <p:cSld>
+    <p:spTree>
+      <p:nvGrpSpPr>
+        <p:cNvPr id="1" name=""/>
+        <p:cNvGrpSpPr/>
+        <p:nvPr/>
+      </p:nvGrpSpPr>
+      <p:grpSpPr>
+        <a:xfrm>
+          <a:off x="0" y="0"/>
+          <a:ext cx="0" cy="0"/>
+          <a:chOff x="0" y="0"/>
+          <a:chExt cx="0" cy="0"/>
+        </a:xfrm>
+      </p:grpSpPr>
+    </p:spTree>
+    <p:extLst>
+      <p:ext uri="{BB962C8B-B14F-4D97-AF65-F5344CB8AC3E}">
+        <p14:creationId xmlns:p14="http://schemas.microsoft.com/office/powerpoint/2010/main" val="4247745519"/>
+      </p:ext>
+    </p:extLst>
+  </p:cSld>
+  <p:clrMapOvr>
+    <a:masterClrMapping/>
+  </p:clrMapOvr>
+</p:sld>
+</file>
+
+<file path=ppt/slides/slide33.xml><?xml version="1.0" encoding="utf-8"?>
+<p:sld xmlns:a="http://schemas.openxmlformats.org/drawingml/2006/main" xmlns:r="http://schemas.openxmlformats.org/officeDocument/2006/relationships" xmlns:p="http://schemas.openxmlformats.org/presentationml/2006/main">
+  <p:cSld>
+    <p:spTree>
+      <p:nvGrpSpPr>
+        <p:cNvPr id="1" name=""/>
+        <p:cNvGrpSpPr/>
+        <p:nvPr/>
+      </p:nvGrpSpPr>
+      <p:grpSpPr>
+        <a:xfrm>
+          <a:off x="0" y="0"/>
+          <a:ext cx="0" cy="0"/>
+          <a:chOff x="0" y="0"/>
+          <a:chExt cx="0" cy="0"/>
+        </a:xfrm>
+      </p:grpSpPr>
+      <p:sp>
+        <p:nvSpPr>
+          <p:cNvPr id="3" name="内容占位符 2">
+            <a:extLst>
+              <a:ext uri="{FF2B5EF4-FFF2-40B4-BE49-F238E27FC236}">
+                <a16:creationId xmlns:a16="http://schemas.microsoft.com/office/drawing/2014/main" id="{BC9EE13F-5B54-47B4-9CDF-1658CD2F7DF9}"/>
+              </a:ext>
+            </a:extLst>
+          </p:cNvPr>
+          <p:cNvSpPr>
+            <a:spLocks noGrp="1"/>
+          </p:cNvSpPr>
+          <p:nvPr>
+            <p:ph idx="1"/>
+          </p:nvPr>
+        </p:nvSpPr>
+        <p:spPr>
+          <a:xfrm>
+            <a:off x="1022143" y="360218"/>
+            <a:ext cx="9905998" cy="6053834"/>
+          </a:xfrm>
+        </p:spPr>
+        <p:txBody>
+          <a:bodyPr>
+            <a:normAutofit/>
+          </a:bodyPr>
+          <a:lstStyle/>
+          <a:p>
+            <a:pPr marL="0" indent="0">
+              <a:buNone/>
+            </a:pPr>
+            <a:r>
+              <a:rPr lang="en-US" altLang="zh-CN" sz="3600" dirty="0"/>
+              <a:t>Grid</a:t>
+            </a:r>
+            <a:r>
+              <a:rPr lang="zh-CN" altLang="en-US" sz="3600" dirty="0"/>
+              <a:t>是基于栅格结构的二维布局。</a:t>
+            </a:r>
+            <a:r>
+              <a:rPr lang="en-US" altLang="zh-CN" sz="3600" dirty="0"/>
+              <a:t>flex</a:t>
+            </a:r>
+            <a:r>
+              <a:rPr lang="zh-CN" altLang="en-US" sz="3600" dirty="0"/>
+              <a:t>可以解决一些简单的布局问题，</a:t>
+            </a:r>
+            <a:r>
+              <a:rPr lang="en-US" altLang="zh-CN" sz="3600" dirty="0"/>
+              <a:t>grid</a:t>
+            </a:r>
+            <a:r>
+              <a:rPr lang="zh-CN" altLang="en-US" sz="3600" dirty="0"/>
+              <a:t>花样更多。</a:t>
+            </a:r>
+            <a:endParaRPr lang="en-US" altLang="zh-CN" sz="3600" dirty="0"/>
+          </a:p>
+        </p:txBody>
+      </p:sp>
+    </p:spTree>
+    <p:extLst>
+      <p:ext uri="{BB962C8B-B14F-4D97-AF65-F5344CB8AC3E}">
+        <p14:creationId xmlns:p14="http://schemas.microsoft.com/office/powerpoint/2010/main" val="283312713"/>
+      </p:ext>
+    </p:extLst>
+  </p:cSld>
+  <p:clrMapOvr>
+    <a:masterClrMapping/>
+  </p:clrMapOvr>
+</p:sld>
+</file>
+
+<file path=ppt/slides/slide34.xml><?xml version="1.0" encoding="utf-8"?>
+<p:sld xmlns:a="http://schemas.openxmlformats.org/drawingml/2006/main" xmlns:r="http://schemas.openxmlformats.org/officeDocument/2006/relationships" xmlns:p="http://schemas.openxmlformats.org/presentationml/2006/main">
+  <p:cSld>
+    <p:bg>
+      <p:bgPr>
+        <a:solidFill>
+          <a:schemeClr val="bg1">
+            <a:lumMod val="85000"/>
+            <a:lumOff val="15000"/>
+          </a:schemeClr>
+        </a:solidFill>
+        <a:effectLst/>
+      </p:bgPr>
+    </p:bg>
+    <p:spTree>
+      <p:nvGrpSpPr>
+        <p:cNvPr id="1" name=""/>
+        <p:cNvGrpSpPr/>
+        <p:nvPr/>
+      </p:nvGrpSpPr>
+      <p:grpSpPr>
+        <a:xfrm>
+          <a:off x="0" y="0"/>
+          <a:ext cx="0" cy="0"/>
+          <a:chOff x="0" y="0"/>
+          <a:chExt cx="0" cy="0"/>
+        </a:xfrm>
+      </p:grpSpPr>
+      <p:sp>
+        <p:nvSpPr>
+          <p:cNvPr id="2" name="标题 1"/>
+          <p:cNvSpPr>
+            <a:spLocks noGrp="1"/>
+          </p:cNvSpPr>
+          <p:nvPr>
+            <p:ph type="title"/>
+          </p:nvPr>
+        </p:nvSpPr>
+        <p:spPr/>
+        <p:txBody>
+          <a:bodyPr/>
+          <a:lstStyle/>
+          <a:p>
+            <a:endParaRPr kumimoji="1" lang="zh-CN" altLang="en-US"/>
+          </a:p>
+        </p:txBody>
+      </p:sp>
+      <p:pic>
+        <p:nvPicPr>
+          <p:cNvPr id="5" name="内容占位符 4"/>
+          <p:cNvPicPr>
+            <a:picLocks noGrp="1" noChangeAspect="1"/>
+          </p:cNvPicPr>
+          <p:nvPr>
+            <p:ph idx="1"/>
+          </p:nvPr>
+        </p:nvPicPr>
+        <p:blipFill>
+          <a:blip r:embed="rId2"/>
+          <a:stretch>
+            <a:fillRect/>
+          </a:stretch>
+        </p:blipFill>
+        <p:spPr>
+          <a:xfrm>
+            <a:off x="3058589" y="2667000"/>
+            <a:ext cx="6071648" cy="3124200"/>
+          </a:xfrm>
+          <a:prstGeom prst="rect">
+            <a:avLst/>
+          </a:prstGeom>
+        </p:spPr>
+      </p:pic>
+    </p:spTree>
+    <p:extLst>
+      <p:ext uri="{BB962C8B-B14F-4D97-AF65-F5344CB8AC3E}">
+        <p14:creationId xmlns:p14="http://schemas.microsoft.com/office/powerpoint/2010/main" val="337489002"/>
+      </p:ext>
+    </p:extLst>
+  </p:cSld>
+  <p:clrMapOvr>
+    <a:masterClrMapping/>
+  </p:clrMapOvr>
+</p:sld>
+</file>
+
+<file path=ppt/slides/slide35.xml><?xml version="1.0" encoding="utf-8"?>
+<p:sld xmlns:a="http://schemas.openxmlformats.org/drawingml/2006/main" xmlns:r="http://schemas.openxmlformats.org/officeDocument/2006/relationships" xmlns:p="http://schemas.openxmlformats.org/presentationml/2006/main">
+  <p:cSld>
+    <p:bg>
+      <p:bgPr>
+        <a:solidFill>
+          <a:schemeClr val="bg1">
+            <a:lumMod val="85000"/>
+            <a:lumOff val="15000"/>
+          </a:schemeClr>
+        </a:solidFill>
+        <a:effectLst/>
+      </p:bgPr>
+    </p:bg>
+    <p:spTree>
+      <p:nvGrpSpPr>
+        <p:cNvPr id="1" name=""/>
+        <p:cNvGrpSpPr/>
+        <p:nvPr/>
+      </p:nvGrpSpPr>
+      <p:grpSpPr>
+        <a:xfrm>
+          <a:off x="0" y="0"/>
+          <a:ext cx="0" cy="0"/>
+          <a:chOff x="0" y="0"/>
+          <a:chExt cx="0" cy="0"/>
+        </a:xfrm>
+      </p:grpSpPr>
+      <p:sp>
+        <p:nvSpPr>
+          <p:cNvPr id="2" name="标题 1">
+            <a:extLst>
+              <a:ext uri="{FF2B5EF4-FFF2-40B4-BE49-F238E27FC236}">
+                <a16:creationId xmlns:a16="http://schemas.microsoft.com/office/drawing/2014/main" id="{2561351D-6D5D-4341-8BC5-5D1FDEFB437F}"/>
+              </a:ext>
+            </a:extLst>
+          </p:cNvPr>
+          <p:cNvSpPr>
+            <a:spLocks noGrp="1"/>
+          </p:cNvSpPr>
+          <p:nvPr>
+            <p:ph type="title"/>
+          </p:nvPr>
+        </p:nvSpPr>
+        <p:spPr/>
+        <p:txBody>
+          <a:bodyPr/>
+          <a:lstStyle/>
+          <a:p>
+            <a:endParaRPr lang="zh-CN" altLang="en-US"/>
+          </a:p>
+        </p:txBody>
+      </p:sp>
+      <p:sp>
+        <p:nvSpPr>
+          <p:cNvPr id="3" name="内容占位符 2">
+            <a:extLst>
+              <a:ext uri="{FF2B5EF4-FFF2-40B4-BE49-F238E27FC236}">
+                <a16:creationId xmlns:a16="http://schemas.microsoft.com/office/drawing/2014/main" id="{E3610386-3375-41FE-A5B2-DFED69F1420B}"/>
+              </a:ext>
+            </a:extLst>
+          </p:cNvPr>
+          <p:cNvSpPr>
+            <a:spLocks noGrp="1"/>
+          </p:cNvSpPr>
+          <p:nvPr>
+            <p:ph idx="1"/>
+          </p:nvPr>
+        </p:nvSpPr>
+        <p:spPr/>
+        <p:txBody>
+          <a:bodyPr/>
+          <a:lstStyle/>
+          <a:p>
+            <a:endParaRPr lang="zh-CN" altLang="en-US" dirty="0"/>
+          </a:p>
+        </p:txBody>
+      </p:sp>
+    </p:spTree>
+    <p:extLst>
+      <p:ext uri="{BB962C8B-B14F-4D97-AF65-F5344CB8AC3E}">
+        <p14:creationId xmlns:p14="http://schemas.microsoft.com/office/powerpoint/2010/main" val="3326483088"/>
       </p:ext>
     </p:extLst>
   </p:cSld>
@@ -12840,7 +18476,7 @@
           <p:cNvPr id="5" name="标题 4">
             <a:extLst>
               <a:ext uri="{FF2B5EF4-FFF2-40B4-BE49-F238E27FC236}">
-                <a16:creationId xmlns:a16="http://schemas.microsoft.com/office/drawing/2014/main" xmlns="" id="{07F556DD-E811-4B23-9D66-FB5B03C42A0D}"/>
+                <a16:creationId xmlns:a16="http://schemas.microsoft.com/office/drawing/2014/main" id="{07F556DD-E811-4B23-9D66-FB5B03C42A0D}"/>
               </a:ext>
             </a:extLst>
           </p:cNvPr>
@@ -12901,10 +18537,9 @@
           <a:p>
             <a:pPr algn="ctr"/>
             <a:r>
-              <a:rPr kumimoji="1" lang="zh-CN" altLang="en-US" sz="3200" dirty="0" smtClean="0"/>
+              <a:rPr kumimoji="1" lang="zh-CN" altLang="en-US" sz="3200" dirty="0"/>
               <a:t>头部</a:t>
             </a:r>
-            <a:endParaRPr kumimoji="1" lang="zh-CN" altLang="en-US" sz="3200" dirty="0"/>
           </a:p>
         </p:txBody>
       </p:sp>
@@ -12945,7 +18580,7 @@
           <a:p>
             <a:pPr algn="ctr"/>
             <a:r>
-              <a:rPr kumimoji="1" lang="zh-CN" altLang="en-US" sz="3200" dirty="0" smtClean="0"/>
+              <a:rPr kumimoji="1" lang="zh-CN" altLang="en-US" sz="3200" dirty="0"/>
               <a:t>左侧</a:t>
             </a:r>
             <a:endParaRPr kumimoji="1" lang="zh-CN" altLang="en-US" sz="2800" dirty="0"/>
@@ -12989,10 +18624,9 @@
           <a:p>
             <a:pPr algn="ctr"/>
             <a:r>
-              <a:rPr kumimoji="1" lang="zh-CN" altLang="en-US" sz="3200" dirty="0" smtClean="0"/>
+              <a:rPr kumimoji="1" lang="zh-CN" altLang="en-US" sz="3200" dirty="0"/>
               <a:t>主体</a:t>
             </a:r>
-            <a:endParaRPr kumimoji="1" lang="zh-CN" altLang="en-US" sz="3200" dirty="0"/>
           </a:p>
         </p:txBody>
       </p:sp>
@@ -13033,10 +18667,9 @@
           <a:p>
             <a:pPr algn="ctr"/>
             <a:r>
-              <a:rPr kumimoji="1" lang="zh-CN" altLang="en-US" sz="3200" dirty="0" smtClean="0"/>
+              <a:rPr kumimoji="1" lang="zh-CN" altLang="en-US" sz="3200" dirty="0"/>
               <a:t>右侧</a:t>
             </a:r>
-            <a:endParaRPr kumimoji="1" lang="zh-CN" altLang="en-US" sz="3200" dirty="0"/>
           </a:p>
         </p:txBody>
       </p:sp>
@@ -13077,10 +18710,9 @@
           <a:p>
             <a:pPr algn="ctr"/>
             <a:r>
-              <a:rPr kumimoji="1" lang="zh-CN" altLang="en-US" sz="3200" dirty="0" smtClean="0"/>
+              <a:rPr kumimoji="1" lang="zh-CN" altLang="en-US" sz="3200" dirty="0"/>
               <a:t>底部</a:t>
             </a:r>
-            <a:endParaRPr kumimoji="1" lang="zh-CN" altLang="en-US" sz="3200" dirty="0"/>
           </a:p>
         </p:txBody>
       </p:sp>
@@ -13130,7 +18762,7 @@
           <p:cNvPr id="4" name="内容占位符 3">
             <a:extLst>
               <a:ext uri="{FF2B5EF4-FFF2-40B4-BE49-F238E27FC236}">
-                <a16:creationId xmlns:a16="http://schemas.microsoft.com/office/drawing/2014/main" xmlns="" id="{B1D1394A-5A04-4824-B49A-568B8708CF1E}"/>
+                <a16:creationId xmlns:a16="http://schemas.microsoft.com/office/drawing/2014/main" id="{B1D1394A-5A04-4824-B49A-568B8708CF1E}"/>
               </a:ext>
             </a:extLst>
           </p:cNvPr>
@@ -13162,7 +18794,7 @@
           <p:cNvPr id="5" name="图片 4">
             <a:extLst>
               <a:ext uri="{FF2B5EF4-FFF2-40B4-BE49-F238E27FC236}">
-                <a16:creationId xmlns:a16="http://schemas.microsoft.com/office/drawing/2014/main" xmlns="" id="{58E3EA67-027F-46F2-B9C7-677369057EDA}"/>
+                <a16:creationId xmlns:a16="http://schemas.microsoft.com/office/drawing/2014/main" id="{58E3EA67-027F-46F2-B9C7-677369057EDA}"/>
               </a:ext>
             </a:extLst>
           </p:cNvPr>
@@ -13192,7 +18824,7 @@
           <p:cNvPr id="6" name="文本框 5">
             <a:extLst>
               <a:ext uri="{FF2B5EF4-FFF2-40B4-BE49-F238E27FC236}">
-                <a16:creationId xmlns:a16="http://schemas.microsoft.com/office/drawing/2014/main" xmlns="" id="{31D4119D-E39F-4963-9DED-E090160E6F69}"/>
+                <a16:creationId xmlns:a16="http://schemas.microsoft.com/office/drawing/2014/main" id="{31D4119D-E39F-4963-9DED-E090160E6F69}"/>
               </a:ext>
             </a:extLst>
           </p:cNvPr>
@@ -13366,7 +18998,7 @@
           <p:cNvPr id="2" name="标题 1">
             <a:extLst>
               <a:ext uri="{FF2B5EF4-FFF2-40B4-BE49-F238E27FC236}">
-                <a16:creationId xmlns:a16="http://schemas.microsoft.com/office/drawing/2014/main" xmlns="" id="{43B19053-8120-48B4-93E8-124D959FAC7C}"/>
+                <a16:creationId xmlns:a16="http://schemas.microsoft.com/office/drawing/2014/main" id="{43B19053-8120-48B4-93E8-124D959FAC7C}"/>
               </a:ext>
             </a:extLst>
           </p:cNvPr>
@@ -13464,7 +19096,7 @@
           <p:cNvPr id="2" name="标题 1">
             <a:extLst>
               <a:ext uri="{FF2B5EF4-FFF2-40B4-BE49-F238E27FC236}">
-                <a16:creationId xmlns:a16="http://schemas.microsoft.com/office/drawing/2014/main" xmlns="" id="{8FC3F6F2-B4D0-4A5C-9A8B-A53E071F436D}"/>
+                <a16:creationId xmlns:a16="http://schemas.microsoft.com/office/drawing/2014/main" id="{8FC3F6F2-B4D0-4A5C-9A8B-A53E071F436D}"/>
               </a:ext>
             </a:extLst>
           </p:cNvPr>
@@ -13500,7 +19132,7 @@
           <p:cNvPr id="7" name="文本框 6">
             <a:extLst>
               <a:ext uri="{FF2B5EF4-FFF2-40B4-BE49-F238E27FC236}">
-                <a16:creationId xmlns:a16="http://schemas.microsoft.com/office/drawing/2014/main" xmlns="" id="{2C276D97-CCCB-476C-81CE-B4294E655EFC}"/>
+                <a16:creationId xmlns:a16="http://schemas.microsoft.com/office/drawing/2014/main" id="{2C276D97-CCCB-476C-81CE-B4294E655EFC}"/>
               </a:ext>
             </a:extLst>
           </p:cNvPr>
@@ -13622,7 +19254,7 @@
           <p:cNvPr id="2" name="标题 1">
             <a:extLst>
               <a:ext uri="{FF2B5EF4-FFF2-40B4-BE49-F238E27FC236}">
-                <a16:creationId xmlns:a16="http://schemas.microsoft.com/office/drawing/2014/main" xmlns="" id="{A938CF80-F668-4B65-B009-F9F86A52F090}"/>
+                <a16:creationId xmlns:a16="http://schemas.microsoft.com/office/drawing/2014/main" id="{A938CF80-F668-4B65-B009-F9F86A52F090}"/>
               </a:ext>
             </a:extLst>
           </p:cNvPr>
@@ -13656,7 +19288,7 @@
           <p:cNvPr id="4" name="文本框 3">
             <a:extLst>
               <a:ext uri="{FF2B5EF4-FFF2-40B4-BE49-F238E27FC236}">
-                <a16:creationId xmlns:a16="http://schemas.microsoft.com/office/drawing/2014/main" xmlns="" id="{21022717-DEE6-4DFE-BEFC-C21B40A54266}"/>
+                <a16:creationId xmlns:a16="http://schemas.microsoft.com/office/drawing/2014/main" id="{21022717-DEE6-4DFE-BEFC-C21B40A54266}"/>
               </a:ext>
             </a:extLst>
           </p:cNvPr>

--- a/ppt/CSS Flex&Grid.pptx
+++ b/ppt/CSS Flex&Grid.pptx
@@ -5,7 +5,7 @@
     <p:sldMasterId id="2147483648" r:id="rId1"/>
   </p:sldMasterIdLst>
   <p:notesMasterIdLst>
-    <p:notesMasterId r:id="rId37"/>
+    <p:notesMasterId r:id="rId43"/>
   </p:notesMasterIdLst>
   <p:sldIdLst>
     <p:sldId id="256" r:id="rId2"/>
@@ -30,19 +30,25 @@
     <p:sldId id="277" r:id="rId21"/>
     <p:sldId id="278" r:id="rId22"/>
     <p:sldId id="281" r:id="rId23"/>
-    <p:sldId id="283" r:id="rId24"/>
-    <p:sldId id="285" r:id="rId25"/>
-    <p:sldId id="286" r:id="rId26"/>
-    <p:sldId id="287" r:id="rId27"/>
-    <p:sldId id="288" r:id="rId28"/>
-    <p:sldId id="289" r:id="rId29"/>
-    <p:sldId id="290" r:id="rId30"/>
-    <p:sldId id="291" r:id="rId31"/>
-    <p:sldId id="292" r:id="rId32"/>
-    <p:sldId id="284" r:id="rId33"/>
-    <p:sldId id="282" r:id="rId34"/>
-    <p:sldId id="258" r:id="rId35"/>
-    <p:sldId id="263" r:id="rId36"/>
+    <p:sldId id="297" r:id="rId24"/>
+    <p:sldId id="283" r:id="rId25"/>
+    <p:sldId id="285" r:id="rId26"/>
+    <p:sldId id="286" r:id="rId27"/>
+    <p:sldId id="287" r:id="rId28"/>
+    <p:sldId id="288" r:id="rId29"/>
+    <p:sldId id="289" r:id="rId30"/>
+    <p:sldId id="290" r:id="rId31"/>
+    <p:sldId id="291" r:id="rId32"/>
+    <p:sldId id="292" r:id="rId33"/>
+    <p:sldId id="293" r:id="rId34"/>
+    <p:sldId id="294" r:id="rId35"/>
+    <p:sldId id="295" r:id="rId36"/>
+    <p:sldId id="296" r:id="rId37"/>
+    <p:sldId id="298" r:id="rId38"/>
+    <p:sldId id="299" r:id="rId39"/>
+    <p:sldId id="301" r:id="rId40"/>
+    <p:sldId id="300" r:id="rId41"/>
+    <p:sldId id="263" r:id="rId42"/>
   </p:sldIdLst>
   <p:sldSz cx="12192000" cy="6858000"/>
   <p:notesSz cx="6858000" cy="9144000"/>
@@ -1889,6 +1895,13 @@
         </dgm:presLayoutVars>
       </dgm:prSet>
       <dgm:spPr/>
+      <dgm:t>
+        <a:bodyPr/>
+        <a:lstStyle/>
+        <a:p>
+          <a:endParaRPr lang="zh-CN" altLang="en-US"/>
+        </a:p>
+      </dgm:t>
     </dgm:pt>
     <dgm:pt modelId="{7A8FBCC4-2340-DC43-9573-EA65C77E6E6A}" type="pres">
       <dgm:prSet presAssocID="{089B8A85-A84E-8741-B756-D6E8208AA69F}" presName="hierRoot1" presStyleCnt="0">
@@ -1909,10 +1922,24 @@
         </dgm:presLayoutVars>
       </dgm:prSet>
       <dgm:spPr/>
+      <dgm:t>
+        <a:bodyPr/>
+        <a:lstStyle/>
+        <a:p>
+          <a:endParaRPr lang="zh-CN" altLang="en-US"/>
+        </a:p>
+      </dgm:t>
     </dgm:pt>
     <dgm:pt modelId="{C2E6BAFA-5D71-CC47-8BF1-00F48C9795BF}" type="pres">
       <dgm:prSet presAssocID="{089B8A85-A84E-8741-B756-D6E8208AA69F}" presName="rootConnector1" presStyleLbl="node1" presStyleIdx="0" presStyleCnt="0"/>
       <dgm:spPr/>
+      <dgm:t>
+        <a:bodyPr/>
+        <a:lstStyle/>
+        <a:p>
+          <a:endParaRPr lang="zh-CN" altLang="en-US"/>
+        </a:p>
+      </dgm:t>
     </dgm:pt>
     <dgm:pt modelId="{E9E551C8-67AD-BD49-8105-3EC6BCAFB418}" type="pres">
       <dgm:prSet presAssocID="{089B8A85-A84E-8741-B756-D6E8208AA69F}" presName="hierChild2" presStyleCnt="0"/>
@@ -1921,6 +1948,13 @@
     <dgm:pt modelId="{5F453A73-8BDC-0840-840B-D1D0D6D6D6F0}" type="pres">
       <dgm:prSet presAssocID="{C6F298F6-653B-A941-BECE-D7AEC4FBA17A}" presName="Name37" presStyleLbl="parChTrans1D2" presStyleIdx="0" presStyleCnt="5"/>
       <dgm:spPr/>
+      <dgm:t>
+        <a:bodyPr/>
+        <a:lstStyle/>
+        <a:p>
+          <a:endParaRPr lang="zh-CN" altLang="en-US"/>
+        </a:p>
+      </dgm:t>
     </dgm:pt>
     <dgm:pt modelId="{22CDC3F1-D998-2C46-B14A-9EC46B795BDC}" type="pres">
       <dgm:prSet presAssocID="{CA618E98-DA33-544D-905E-6F6DF2BBE287}" presName="hierRoot2" presStyleCnt="0">
@@ -1941,10 +1975,24 @@
         </dgm:presLayoutVars>
       </dgm:prSet>
       <dgm:spPr/>
+      <dgm:t>
+        <a:bodyPr/>
+        <a:lstStyle/>
+        <a:p>
+          <a:endParaRPr lang="zh-CN" altLang="en-US"/>
+        </a:p>
+      </dgm:t>
     </dgm:pt>
     <dgm:pt modelId="{197EEB88-9CF5-1D40-B8CC-7685270E438E}" type="pres">
       <dgm:prSet presAssocID="{CA618E98-DA33-544D-905E-6F6DF2BBE287}" presName="rootConnector" presStyleLbl="node2" presStyleIdx="0" presStyleCnt="5"/>
       <dgm:spPr/>
+      <dgm:t>
+        <a:bodyPr/>
+        <a:lstStyle/>
+        <a:p>
+          <a:endParaRPr lang="zh-CN" altLang="en-US"/>
+        </a:p>
+      </dgm:t>
     </dgm:pt>
     <dgm:pt modelId="{3CBB2ADC-B038-FD4A-B0F5-CAC2A0F76FC5}" type="pres">
       <dgm:prSet presAssocID="{CA618E98-DA33-544D-905E-6F6DF2BBE287}" presName="hierChild4" presStyleCnt="0"/>
@@ -1957,6 +2005,13 @@
     <dgm:pt modelId="{FDC577A4-973B-6644-9FB7-0F014835A0EF}" type="pres">
       <dgm:prSet presAssocID="{09F5AA4F-3F0E-F448-8010-EADD0EFAB073}" presName="Name37" presStyleLbl="parChTrans1D2" presStyleIdx="1" presStyleCnt="5"/>
       <dgm:spPr/>
+      <dgm:t>
+        <a:bodyPr/>
+        <a:lstStyle/>
+        <a:p>
+          <a:endParaRPr lang="zh-CN" altLang="en-US"/>
+        </a:p>
+      </dgm:t>
     </dgm:pt>
     <dgm:pt modelId="{2B95877C-4FEB-E749-A8CC-3AE5355562EC}" type="pres">
       <dgm:prSet presAssocID="{2A6A6557-22E6-4440-93F4-318AD223EC07}" presName="hierRoot2" presStyleCnt="0">
@@ -1977,10 +2032,24 @@
         </dgm:presLayoutVars>
       </dgm:prSet>
       <dgm:spPr/>
+      <dgm:t>
+        <a:bodyPr/>
+        <a:lstStyle/>
+        <a:p>
+          <a:endParaRPr lang="zh-CN" altLang="en-US"/>
+        </a:p>
+      </dgm:t>
     </dgm:pt>
     <dgm:pt modelId="{0B5A722B-B604-914D-A9EE-33F6F187EB5B}" type="pres">
       <dgm:prSet presAssocID="{2A6A6557-22E6-4440-93F4-318AD223EC07}" presName="rootConnector" presStyleLbl="node2" presStyleIdx="1" presStyleCnt="5"/>
       <dgm:spPr/>
+      <dgm:t>
+        <a:bodyPr/>
+        <a:lstStyle/>
+        <a:p>
+          <a:endParaRPr lang="zh-CN" altLang="en-US"/>
+        </a:p>
+      </dgm:t>
     </dgm:pt>
     <dgm:pt modelId="{973BC156-42E0-DF42-9A75-EE6B17340535}" type="pres">
       <dgm:prSet presAssocID="{2A6A6557-22E6-4440-93F4-318AD223EC07}" presName="hierChild4" presStyleCnt="0"/>
@@ -1993,6 +2062,13 @@
     <dgm:pt modelId="{A9A95BD9-9298-2B46-B854-9553EE11AF97}" type="pres">
       <dgm:prSet presAssocID="{329218CD-5EBE-6347-A54F-9E27A2C28CFE}" presName="Name37" presStyleLbl="parChTrans1D2" presStyleIdx="2" presStyleCnt="5"/>
       <dgm:spPr/>
+      <dgm:t>
+        <a:bodyPr/>
+        <a:lstStyle/>
+        <a:p>
+          <a:endParaRPr lang="zh-CN" altLang="en-US"/>
+        </a:p>
+      </dgm:t>
     </dgm:pt>
     <dgm:pt modelId="{A7F8F8EC-5259-9A43-84EE-395FD82D16A9}" type="pres">
       <dgm:prSet presAssocID="{EA1A376E-E1CF-A54F-BD1E-7342A9121FF1}" presName="hierRoot2" presStyleCnt="0">
@@ -2013,10 +2089,24 @@
         </dgm:presLayoutVars>
       </dgm:prSet>
       <dgm:spPr/>
+      <dgm:t>
+        <a:bodyPr/>
+        <a:lstStyle/>
+        <a:p>
+          <a:endParaRPr lang="zh-CN" altLang="en-US"/>
+        </a:p>
+      </dgm:t>
     </dgm:pt>
     <dgm:pt modelId="{DA252AC9-999F-9842-BE2B-A684D0F3A41B}" type="pres">
       <dgm:prSet presAssocID="{EA1A376E-E1CF-A54F-BD1E-7342A9121FF1}" presName="rootConnector" presStyleLbl="node2" presStyleIdx="2" presStyleCnt="5"/>
       <dgm:spPr/>
+      <dgm:t>
+        <a:bodyPr/>
+        <a:lstStyle/>
+        <a:p>
+          <a:endParaRPr lang="zh-CN" altLang="en-US"/>
+        </a:p>
+      </dgm:t>
     </dgm:pt>
     <dgm:pt modelId="{95CE0AA0-85E8-AD48-8195-B05139935582}" type="pres">
       <dgm:prSet presAssocID="{EA1A376E-E1CF-A54F-BD1E-7342A9121FF1}" presName="hierChild4" presStyleCnt="0"/>
@@ -2029,6 +2119,13 @@
     <dgm:pt modelId="{28BD0A43-C438-8540-BA7D-919523FBADED}" type="pres">
       <dgm:prSet presAssocID="{A7033AB8-3E3C-6345-82A7-26D79CBF095E}" presName="Name37" presStyleLbl="parChTrans1D2" presStyleIdx="3" presStyleCnt="5"/>
       <dgm:spPr/>
+      <dgm:t>
+        <a:bodyPr/>
+        <a:lstStyle/>
+        <a:p>
+          <a:endParaRPr lang="zh-CN" altLang="en-US"/>
+        </a:p>
+      </dgm:t>
     </dgm:pt>
     <dgm:pt modelId="{7C36B6A0-E97E-D44D-81B7-A7D5BBB82803}" type="pres">
       <dgm:prSet presAssocID="{FE162D69-B4B1-E547-8BED-2B0564183F40}" presName="hierRoot2" presStyleCnt="0">
@@ -2049,10 +2146,24 @@
         </dgm:presLayoutVars>
       </dgm:prSet>
       <dgm:spPr/>
+      <dgm:t>
+        <a:bodyPr/>
+        <a:lstStyle/>
+        <a:p>
+          <a:endParaRPr lang="zh-CN" altLang="en-US"/>
+        </a:p>
+      </dgm:t>
     </dgm:pt>
     <dgm:pt modelId="{300CF57F-9E39-574B-B47A-26D80C1E0634}" type="pres">
       <dgm:prSet presAssocID="{FE162D69-B4B1-E547-8BED-2B0564183F40}" presName="rootConnector" presStyleLbl="node2" presStyleIdx="3" presStyleCnt="5"/>
       <dgm:spPr/>
+      <dgm:t>
+        <a:bodyPr/>
+        <a:lstStyle/>
+        <a:p>
+          <a:endParaRPr lang="zh-CN" altLang="en-US"/>
+        </a:p>
+      </dgm:t>
     </dgm:pt>
     <dgm:pt modelId="{78463A7A-DE5A-4947-AFCF-0B5A2544CFC2}" type="pres">
       <dgm:prSet presAssocID="{FE162D69-B4B1-E547-8BED-2B0564183F40}" presName="hierChild4" presStyleCnt="0"/>
@@ -2065,6 +2176,13 @@
     <dgm:pt modelId="{568A960C-ED31-8249-945C-CE587423A17E}" type="pres">
       <dgm:prSet presAssocID="{10A48251-DC0A-F346-B0C6-66C14C6B50F4}" presName="Name37" presStyleLbl="parChTrans1D2" presStyleIdx="4" presStyleCnt="5"/>
       <dgm:spPr/>
+      <dgm:t>
+        <a:bodyPr/>
+        <a:lstStyle/>
+        <a:p>
+          <a:endParaRPr lang="zh-CN" altLang="en-US"/>
+        </a:p>
+      </dgm:t>
     </dgm:pt>
     <dgm:pt modelId="{5C94DFD0-ED71-B545-9003-B4CB4810F207}" type="pres">
       <dgm:prSet presAssocID="{061C52BE-7CF4-EC44-BF9D-04F9145BF7C0}" presName="hierRoot2" presStyleCnt="0">
@@ -2085,10 +2203,24 @@
         </dgm:presLayoutVars>
       </dgm:prSet>
       <dgm:spPr/>
+      <dgm:t>
+        <a:bodyPr/>
+        <a:lstStyle/>
+        <a:p>
+          <a:endParaRPr lang="zh-CN" altLang="en-US"/>
+        </a:p>
+      </dgm:t>
     </dgm:pt>
     <dgm:pt modelId="{A6F5B899-1841-8B4F-8A6E-A82CCF0C2E8D}" type="pres">
       <dgm:prSet presAssocID="{061C52BE-7CF4-EC44-BF9D-04F9145BF7C0}" presName="rootConnector" presStyleLbl="node2" presStyleIdx="4" presStyleCnt="5"/>
       <dgm:spPr/>
+      <dgm:t>
+        <a:bodyPr/>
+        <a:lstStyle/>
+        <a:p>
+          <a:endParaRPr lang="zh-CN" altLang="en-US"/>
+        </a:p>
+      </dgm:t>
     </dgm:pt>
     <dgm:pt modelId="{CEB308C0-099D-BB45-8424-AE8CCEB43E93}" type="pres">
       <dgm:prSet presAssocID="{061C52BE-7CF4-EC44-BF9D-04F9145BF7C0}" presName="hierChild4" presStyleCnt="0"/>
@@ -2104,30 +2236,30 @@
     </dgm:pt>
   </dgm:ptLst>
   <dgm:cxnLst>
+    <dgm:cxn modelId="{D8E11897-2E10-3B48-8D9A-BDA93585F597}" type="presOf" srcId="{10A48251-DC0A-F346-B0C6-66C14C6B50F4}" destId="{568A960C-ED31-8249-945C-CE587423A17E}" srcOrd="0" destOrd="0" presId="urn:microsoft.com/office/officeart/2005/8/layout/orgChart1"/>
+    <dgm:cxn modelId="{67F3C80B-8EE5-334E-AAAB-9918F69E5465}" type="presOf" srcId="{EA1A376E-E1CF-A54F-BD1E-7342A9121FF1}" destId="{A21CCBC8-A77B-6042-82D6-5803E2F4FC1D}" srcOrd="0" destOrd="0" presId="urn:microsoft.com/office/officeart/2005/8/layout/orgChart1"/>
+    <dgm:cxn modelId="{F62AC43D-1497-514E-A908-657860816B79}" srcId="{B630F1C9-CFF9-C84B-9433-1FBC8CEA9D1D}" destId="{089B8A85-A84E-8741-B756-D6E8208AA69F}" srcOrd="0" destOrd="0" parTransId="{27981E1A-4EBC-F94C-AFFD-74909A2E96B4}" sibTransId="{61E66DFC-B98F-E545-84BD-A702DE60BA1A}"/>
+    <dgm:cxn modelId="{6ED9E108-7214-FA49-A007-EB019736C06B}" type="presOf" srcId="{2A6A6557-22E6-4440-93F4-318AD223EC07}" destId="{4BE14C3B-968F-914B-8541-347ECA41D053}" srcOrd="0" destOrd="0" presId="urn:microsoft.com/office/officeart/2005/8/layout/orgChart1"/>
+    <dgm:cxn modelId="{61E9B137-E1C3-1849-9899-B129AAB9BFED}" type="presOf" srcId="{CA618E98-DA33-544D-905E-6F6DF2BBE287}" destId="{197EEB88-9CF5-1D40-B8CC-7685270E438E}" srcOrd="1" destOrd="0" presId="urn:microsoft.com/office/officeart/2005/8/layout/orgChart1"/>
     <dgm:cxn modelId="{6B9A7B00-EF08-9F4A-A72A-BAE58C230504}" type="presOf" srcId="{A7033AB8-3E3C-6345-82A7-26D79CBF095E}" destId="{28BD0A43-C438-8540-BA7D-919523FBADED}" srcOrd="0" destOrd="0" presId="urn:microsoft.com/office/officeart/2005/8/layout/orgChart1"/>
-    <dgm:cxn modelId="{6ED9E108-7214-FA49-A007-EB019736C06B}" type="presOf" srcId="{2A6A6557-22E6-4440-93F4-318AD223EC07}" destId="{4BE14C3B-968F-914B-8541-347ECA41D053}" srcOrd="0" destOrd="0" presId="urn:microsoft.com/office/officeart/2005/8/layout/orgChart1"/>
+    <dgm:cxn modelId="{E49D7F24-616E-A94D-865F-0288CA6CA4DC}" type="presOf" srcId="{B630F1C9-CFF9-C84B-9433-1FBC8CEA9D1D}" destId="{DC210692-E386-2344-954E-98E6D550EFD6}" srcOrd="0" destOrd="0" presId="urn:microsoft.com/office/officeart/2005/8/layout/orgChart1"/>
+    <dgm:cxn modelId="{9A480B42-5E34-1242-A5BB-E63AB04D3A0D}" type="presOf" srcId="{061C52BE-7CF4-EC44-BF9D-04F9145BF7C0}" destId="{A6F5B899-1841-8B4F-8A6E-A82CCF0C2E8D}" srcOrd="1" destOrd="0" presId="urn:microsoft.com/office/officeart/2005/8/layout/orgChart1"/>
+    <dgm:cxn modelId="{31FF4A7A-C43B-E740-8D27-71294B78F62F}" type="presOf" srcId="{329218CD-5EBE-6347-A54F-9E27A2C28CFE}" destId="{A9A95BD9-9298-2B46-B854-9553EE11AF97}" srcOrd="0" destOrd="0" presId="urn:microsoft.com/office/officeart/2005/8/layout/orgChart1"/>
+    <dgm:cxn modelId="{49C168B2-9EDD-3940-A311-3D8BE8470AA7}" type="presOf" srcId="{089B8A85-A84E-8741-B756-D6E8208AA69F}" destId="{C2E6BAFA-5D71-CC47-8BF1-00F48C9795BF}" srcOrd="1" destOrd="0" presId="urn:microsoft.com/office/officeart/2005/8/layout/orgChart1"/>
+    <dgm:cxn modelId="{E1362577-7708-814B-ACC3-2950977E451F}" type="presOf" srcId="{2A6A6557-22E6-4440-93F4-318AD223EC07}" destId="{0B5A722B-B604-914D-A9EE-33F6F187EB5B}" srcOrd="1" destOrd="0" presId="urn:microsoft.com/office/officeart/2005/8/layout/orgChart1"/>
+    <dgm:cxn modelId="{BBFBCA1C-E326-B34E-A943-897F943CC915}" type="presOf" srcId="{09F5AA4F-3F0E-F448-8010-EADD0EFAB073}" destId="{FDC577A4-973B-6644-9FB7-0F014835A0EF}" srcOrd="0" destOrd="0" presId="urn:microsoft.com/office/officeart/2005/8/layout/orgChart1"/>
+    <dgm:cxn modelId="{07192F67-731B-A44F-B3D9-C65C2B3D4541}" type="presOf" srcId="{C6F298F6-653B-A941-BECE-D7AEC4FBA17A}" destId="{5F453A73-8BDC-0840-840B-D1D0D6D6D6F0}" srcOrd="0" destOrd="0" presId="urn:microsoft.com/office/officeart/2005/8/layout/orgChart1"/>
+    <dgm:cxn modelId="{B978757A-C9B3-B041-9CE6-BE78C0AFAB64}" srcId="{089B8A85-A84E-8741-B756-D6E8208AA69F}" destId="{CA618E98-DA33-544D-905E-6F6DF2BBE287}" srcOrd="0" destOrd="0" parTransId="{C6F298F6-653B-A941-BECE-D7AEC4FBA17A}" sibTransId="{8D63A4A8-B27F-F049-8522-3B9C02AE055A}"/>
+    <dgm:cxn modelId="{BE659CD9-82CA-734C-92A2-CFFD7BE81836}" srcId="{089B8A85-A84E-8741-B756-D6E8208AA69F}" destId="{EA1A376E-E1CF-A54F-BD1E-7342A9121FF1}" srcOrd="2" destOrd="0" parTransId="{329218CD-5EBE-6347-A54F-9E27A2C28CFE}" sibTransId="{CD21B503-EE73-0C40-B6FB-14DEEF4484AD}"/>
+    <dgm:cxn modelId="{9F12EB13-1A82-2541-9432-2991F9EC4E2B}" type="presOf" srcId="{FE162D69-B4B1-E547-8BED-2B0564183F40}" destId="{300CF57F-9E39-574B-B47A-26D80C1E0634}" srcOrd="1" destOrd="0" presId="urn:microsoft.com/office/officeart/2005/8/layout/orgChart1"/>
+    <dgm:cxn modelId="{95F85091-8AEA-BF44-A577-D8A3DC8E7D82}" srcId="{089B8A85-A84E-8741-B756-D6E8208AA69F}" destId="{061C52BE-7CF4-EC44-BF9D-04F9145BF7C0}" srcOrd="4" destOrd="0" parTransId="{10A48251-DC0A-F346-B0C6-66C14C6B50F4}" sibTransId="{EB6167F5-7DA7-0843-9DDF-A62488ACB411}"/>
+    <dgm:cxn modelId="{6C95D86D-53B0-F248-9872-EF6302AB73A2}" type="presOf" srcId="{EA1A376E-E1CF-A54F-BD1E-7342A9121FF1}" destId="{DA252AC9-999F-9842-BE2B-A684D0F3A41B}" srcOrd="1" destOrd="0" presId="urn:microsoft.com/office/officeart/2005/8/layout/orgChart1"/>
+    <dgm:cxn modelId="{36499D25-40B4-1D48-BB6A-188E0817850C}" srcId="{089B8A85-A84E-8741-B756-D6E8208AA69F}" destId="{2A6A6557-22E6-4440-93F4-318AD223EC07}" srcOrd="1" destOrd="0" parTransId="{09F5AA4F-3F0E-F448-8010-EADD0EFAB073}" sibTransId="{014CBFC8-1CC7-9F4F-86AA-E0299D0A476E}"/>
     <dgm:cxn modelId="{EAF51809-CF8B-C843-B54E-FF47D256811D}" type="presOf" srcId="{FE162D69-B4B1-E547-8BED-2B0564183F40}" destId="{E8A948CA-0671-8A4E-8362-4C3C998C5DBC}" srcOrd="0" destOrd="0" presId="urn:microsoft.com/office/officeart/2005/8/layout/orgChart1"/>
-    <dgm:cxn modelId="{67F3C80B-8EE5-334E-AAAB-9918F69E5465}" type="presOf" srcId="{EA1A376E-E1CF-A54F-BD1E-7342A9121FF1}" destId="{A21CCBC8-A77B-6042-82D6-5803E2F4FC1D}" srcOrd="0" destOrd="0" presId="urn:microsoft.com/office/officeart/2005/8/layout/orgChart1"/>
-    <dgm:cxn modelId="{9F12EB13-1A82-2541-9432-2991F9EC4E2B}" type="presOf" srcId="{FE162D69-B4B1-E547-8BED-2B0564183F40}" destId="{300CF57F-9E39-574B-B47A-26D80C1E0634}" srcOrd="1" destOrd="0" presId="urn:microsoft.com/office/officeart/2005/8/layout/orgChart1"/>
-    <dgm:cxn modelId="{BBFBCA1C-E326-B34E-A943-897F943CC915}" type="presOf" srcId="{09F5AA4F-3F0E-F448-8010-EADD0EFAB073}" destId="{FDC577A4-973B-6644-9FB7-0F014835A0EF}" srcOrd="0" destOrd="0" presId="urn:microsoft.com/office/officeart/2005/8/layout/orgChart1"/>
-    <dgm:cxn modelId="{E49D7F24-616E-A94D-865F-0288CA6CA4DC}" type="presOf" srcId="{B630F1C9-CFF9-C84B-9433-1FBC8CEA9D1D}" destId="{DC210692-E386-2344-954E-98E6D550EFD6}" srcOrd="0" destOrd="0" presId="urn:microsoft.com/office/officeart/2005/8/layout/orgChart1"/>
-    <dgm:cxn modelId="{36499D25-40B4-1D48-BB6A-188E0817850C}" srcId="{089B8A85-A84E-8741-B756-D6E8208AA69F}" destId="{2A6A6557-22E6-4440-93F4-318AD223EC07}" srcOrd="1" destOrd="0" parTransId="{09F5AA4F-3F0E-F448-8010-EADD0EFAB073}" sibTransId="{014CBFC8-1CC7-9F4F-86AA-E0299D0A476E}"/>
-    <dgm:cxn modelId="{61E9B137-E1C3-1849-9899-B129AAB9BFED}" type="presOf" srcId="{CA618E98-DA33-544D-905E-6F6DF2BBE287}" destId="{197EEB88-9CF5-1D40-B8CC-7685270E438E}" srcOrd="1" destOrd="0" presId="urn:microsoft.com/office/officeart/2005/8/layout/orgChart1"/>
-    <dgm:cxn modelId="{F62AC43D-1497-514E-A908-657860816B79}" srcId="{B630F1C9-CFF9-C84B-9433-1FBC8CEA9D1D}" destId="{089B8A85-A84E-8741-B756-D6E8208AA69F}" srcOrd="0" destOrd="0" parTransId="{27981E1A-4EBC-F94C-AFFD-74909A2E96B4}" sibTransId="{61E66DFC-B98F-E545-84BD-A702DE60BA1A}"/>
-    <dgm:cxn modelId="{9A480B42-5E34-1242-A5BB-E63AB04D3A0D}" type="presOf" srcId="{061C52BE-7CF4-EC44-BF9D-04F9145BF7C0}" destId="{A6F5B899-1841-8B4F-8A6E-A82CCF0C2E8D}" srcOrd="1" destOrd="0" presId="urn:microsoft.com/office/officeart/2005/8/layout/orgChart1"/>
-    <dgm:cxn modelId="{07192F67-731B-A44F-B3D9-C65C2B3D4541}" type="presOf" srcId="{C6F298F6-653B-A941-BECE-D7AEC4FBA17A}" destId="{5F453A73-8BDC-0840-840B-D1D0D6D6D6F0}" srcOrd="0" destOrd="0" presId="urn:microsoft.com/office/officeart/2005/8/layout/orgChart1"/>
     <dgm:cxn modelId="{F80E946B-E716-C84E-808B-D73F61F883DD}" type="presOf" srcId="{061C52BE-7CF4-EC44-BF9D-04F9145BF7C0}" destId="{B72AEC3D-2C06-374B-AE6F-706739B1FFEB}" srcOrd="0" destOrd="0" presId="urn:microsoft.com/office/officeart/2005/8/layout/orgChart1"/>
-    <dgm:cxn modelId="{6C95D86D-53B0-F248-9872-EF6302AB73A2}" type="presOf" srcId="{EA1A376E-E1CF-A54F-BD1E-7342A9121FF1}" destId="{DA252AC9-999F-9842-BE2B-A684D0F3A41B}" srcOrd="1" destOrd="0" presId="urn:microsoft.com/office/officeart/2005/8/layout/orgChart1"/>
     <dgm:cxn modelId="{0D994073-879E-A84B-8FA2-1D632ABBC0D7}" srcId="{089B8A85-A84E-8741-B756-D6E8208AA69F}" destId="{FE162D69-B4B1-E547-8BED-2B0564183F40}" srcOrd="3" destOrd="0" parTransId="{A7033AB8-3E3C-6345-82A7-26D79CBF095E}" sibTransId="{257972D6-2FDF-444E-BAE3-ADF052ACC722}"/>
-    <dgm:cxn modelId="{E1362577-7708-814B-ACC3-2950977E451F}" type="presOf" srcId="{2A6A6557-22E6-4440-93F4-318AD223EC07}" destId="{0B5A722B-B604-914D-A9EE-33F6F187EB5B}" srcOrd="1" destOrd="0" presId="urn:microsoft.com/office/officeart/2005/8/layout/orgChart1"/>
-    <dgm:cxn modelId="{31FF4A7A-C43B-E740-8D27-71294B78F62F}" type="presOf" srcId="{329218CD-5EBE-6347-A54F-9E27A2C28CFE}" destId="{A9A95BD9-9298-2B46-B854-9553EE11AF97}" srcOrd="0" destOrd="0" presId="urn:microsoft.com/office/officeart/2005/8/layout/orgChart1"/>
-    <dgm:cxn modelId="{B978757A-C9B3-B041-9CE6-BE78C0AFAB64}" srcId="{089B8A85-A84E-8741-B756-D6E8208AA69F}" destId="{CA618E98-DA33-544D-905E-6F6DF2BBE287}" srcOrd="0" destOrd="0" parTransId="{C6F298F6-653B-A941-BECE-D7AEC4FBA17A}" sibTransId="{8D63A4A8-B27F-F049-8522-3B9C02AE055A}"/>
-    <dgm:cxn modelId="{95F85091-8AEA-BF44-A577-D8A3DC8E7D82}" srcId="{089B8A85-A84E-8741-B756-D6E8208AA69F}" destId="{061C52BE-7CF4-EC44-BF9D-04F9145BF7C0}" srcOrd="4" destOrd="0" parTransId="{10A48251-DC0A-F346-B0C6-66C14C6B50F4}" sibTransId="{EB6167F5-7DA7-0843-9DDF-A62488ACB411}"/>
-    <dgm:cxn modelId="{D8E11897-2E10-3B48-8D9A-BDA93585F597}" type="presOf" srcId="{10A48251-DC0A-F346-B0C6-66C14C6B50F4}" destId="{568A960C-ED31-8249-945C-CE587423A17E}" srcOrd="0" destOrd="0" presId="urn:microsoft.com/office/officeart/2005/8/layout/orgChart1"/>
-    <dgm:cxn modelId="{49C168B2-9EDD-3940-A311-3D8BE8470AA7}" type="presOf" srcId="{089B8A85-A84E-8741-B756-D6E8208AA69F}" destId="{C2E6BAFA-5D71-CC47-8BF1-00F48C9795BF}" srcOrd="1" destOrd="0" presId="urn:microsoft.com/office/officeart/2005/8/layout/orgChart1"/>
-    <dgm:cxn modelId="{BE659CD9-82CA-734C-92A2-CFFD7BE81836}" srcId="{089B8A85-A84E-8741-B756-D6E8208AA69F}" destId="{EA1A376E-E1CF-A54F-BD1E-7342A9121FF1}" srcOrd="2" destOrd="0" parTransId="{329218CD-5EBE-6347-A54F-9E27A2C28CFE}" sibTransId="{CD21B503-EE73-0C40-B6FB-14DEEF4484AD}"/>
+    <dgm:cxn modelId="{62E7C7F3-67A0-C146-AB9E-B0B6B7B2D873}" type="presOf" srcId="{CA618E98-DA33-544D-905E-6F6DF2BBE287}" destId="{BDEEFA10-8AEC-064F-B79C-DE044C5232CD}" srcOrd="0" destOrd="0" presId="urn:microsoft.com/office/officeart/2005/8/layout/orgChart1"/>
     <dgm:cxn modelId="{CEF91CF3-F79F-0E47-B246-1E87B1A443B8}" type="presOf" srcId="{089B8A85-A84E-8741-B756-D6E8208AA69F}" destId="{8904E6B1-D046-FE46-8617-2327D1B7EBFF}" srcOrd="0" destOrd="0" presId="urn:microsoft.com/office/officeart/2005/8/layout/orgChart1"/>
-    <dgm:cxn modelId="{62E7C7F3-67A0-C146-AB9E-B0B6B7B2D873}" type="presOf" srcId="{CA618E98-DA33-544D-905E-6F6DF2BBE287}" destId="{BDEEFA10-8AEC-064F-B79C-DE044C5232CD}" srcOrd="0" destOrd="0" presId="urn:microsoft.com/office/officeart/2005/8/layout/orgChart1"/>
     <dgm:cxn modelId="{CD96D850-2517-1F47-B960-5D72730DEF12}" type="presParOf" srcId="{DC210692-E386-2344-954E-98E6D550EFD6}" destId="{7A8FBCC4-2340-DC43-9573-EA65C77E6E6A}" srcOrd="0" destOrd="0" presId="urn:microsoft.com/office/officeart/2005/8/layout/orgChart1"/>
     <dgm:cxn modelId="{4F23630D-09B1-444B-AD44-B666487FB2A8}" type="presParOf" srcId="{7A8FBCC4-2340-DC43-9573-EA65C77E6E6A}" destId="{BAD9196E-4268-2842-AB85-1F29C96DF1C6}" srcOrd="0" destOrd="0" presId="urn:microsoft.com/office/officeart/2005/8/layout/orgChart1"/>
     <dgm:cxn modelId="{9E73D6F8-C570-0546-A7F4-FF2169A8CD9D}" type="presParOf" srcId="{BAD9196E-4268-2842-AB85-1F29C96DF1C6}" destId="{8904E6B1-D046-FE46-8617-2327D1B7EBFF}" srcOrd="0" destOrd="0" presId="urn:microsoft.com/office/officeart/2005/8/layout/orgChart1"/>
@@ -2422,6 +2554,13 @@
         </dgm:presLayoutVars>
       </dgm:prSet>
       <dgm:spPr/>
+      <dgm:t>
+        <a:bodyPr/>
+        <a:lstStyle/>
+        <a:p>
+          <a:endParaRPr lang="zh-CN" altLang="en-US"/>
+        </a:p>
+      </dgm:t>
     </dgm:pt>
     <dgm:pt modelId="{7A8FBCC4-2340-DC43-9573-EA65C77E6E6A}" type="pres">
       <dgm:prSet presAssocID="{089B8A85-A84E-8741-B756-D6E8208AA69F}" presName="hierRoot1" presStyleCnt="0">
@@ -2442,10 +2581,24 @@
         </dgm:presLayoutVars>
       </dgm:prSet>
       <dgm:spPr/>
+      <dgm:t>
+        <a:bodyPr/>
+        <a:lstStyle/>
+        <a:p>
+          <a:endParaRPr lang="zh-CN" altLang="en-US"/>
+        </a:p>
+      </dgm:t>
     </dgm:pt>
     <dgm:pt modelId="{C2E6BAFA-5D71-CC47-8BF1-00F48C9795BF}" type="pres">
       <dgm:prSet presAssocID="{089B8A85-A84E-8741-B756-D6E8208AA69F}" presName="rootConnector1" presStyleLbl="node1" presStyleIdx="0" presStyleCnt="0"/>
       <dgm:spPr/>
+      <dgm:t>
+        <a:bodyPr/>
+        <a:lstStyle/>
+        <a:p>
+          <a:endParaRPr lang="zh-CN" altLang="en-US"/>
+        </a:p>
+      </dgm:t>
     </dgm:pt>
     <dgm:pt modelId="{E9E551C8-67AD-BD49-8105-3EC6BCAFB418}" type="pres">
       <dgm:prSet presAssocID="{089B8A85-A84E-8741-B756-D6E8208AA69F}" presName="hierChild2" presStyleCnt="0"/>
@@ -2454,6 +2607,13 @@
     <dgm:pt modelId="{5F453A73-8BDC-0840-840B-D1D0D6D6D6F0}" type="pres">
       <dgm:prSet presAssocID="{C6F298F6-653B-A941-BECE-D7AEC4FBA17A}" presName="Name37" presStyleLbl="parChTrans1D2" presStyleIdx="0" presStyleCnt="5"/>
       <dgm:spPr/>
+      <dgm:t>
+        <a:bodyPr/>
+        <a:lstStyle/>
+        <a:p>
+          <a:endParaRPr lang="zh-CN" altLang="en-US"/>
+        </a:p>
+      </dgm:t>
     </dgm:pt>
     <dgm:pt modelId="{22CDC3F1-D998-2C46-B14A-9EC46B795BDC}" type="pres">
       <dgm:prSet presAssocID="{CA618E98-DA33-544D-905E-6F6DF2BBE287}" presName="hierRoot2" presStyleCnt="0">
@@ -2474,10 +2634,24 @@
         </dgm:presLayoutVars>
       </dgm:prSet>
       <dgm:spPr/>
+      <dgm:t>
+        <a:bodyPr/>
+        <a:lstStyle/>
+        <a:p>
+          <a:endParaRPr lang="zh-CN" altLang="en-US"/>
+        </a:p>
+      </dgm:t>
     </dgm:pt>
     <dgm:pt modelId="{197EEB88-9CF5-1D40-B8CC-7685270E438E}" type="pres">
       <dgm:prSet presAssocID="{CA618E98-DA33-544D-905E-6F6DF2BBE287}" presName="rootConnector" presStyleLbl="node2" presStyleIdx="0" presStyleCnt="5"/>
       <dgm:spPr/>
+      <dgm:t>
+        <a:bodyPr/>
+        <a:lstStyle/>
+        <a:p>
+          <a:endParaRPr lang="zh-CN" altLang="en-US"/>
+        </a:p>
+      </dgm:t>
     </dgm:pt>
     <dgm:pt modelId="{3CBB2ADC-B038-FD4A-B0F5-CAC2A0F76FC5}" type="pres">
       <dgm:prSet presAssocID="{CA618E98-DA33-544D-905E-6F6DF2BBE287}" presName="hierChild4" presStyleCnt="0"/>
@@ -2490,6 +2664,13 @@
     <dgm:pt modelId="{FDC577A4-973B-6644-9FB7-0F014835A0EF}" type="pres">
       <dgm:prSet presAssocID="{09F5AA4F-3F0E-F448-8010-EADD0EFAB073}" presName="Name37" presStyleLbl="parChTrans1D2" presStyleIdx="1" presStyleCnt="5"/>
       <dgm:spPr/>
+      <dgm:t>
+        <a:bodyPr/>
+        <a:lstStyle/>
+        <a:p>
+          <a:endParaRPr lang="zh-CN" altLang="en-US"/>
+        </a:p>
+      </dgm:t>
     </dgm:pt>
     <dgm:pt modelId="{2B95877C-4FEB-E749-A8CC-3AE5355562EC}" type="pres">
       <dgm:prSet presAssocID="{2A6A6557-22E6-4440-93F4-318AD223EC07}" presName="hierRoot2" presStyleCnt="0">
@@ -2510,10 +2691,24 @@
         </dgm:presLayoutVars>
       </dgm:prSet>
       <dgm:spPr/>
+      <dgm:t>
+        <a:bodyPr/>
+        <a:lstStyle/>
+        <a:p>
+          <a:endParaRPr lang="zh-CN" altLang="en-US"/>
+        </a:p>
+      </dgm:t>
     </dgm:pt>
     <dgm:pt modelId="{0B5A722B-B604-914D-A9EE-33F6F187EB5B}" type="pres">
       <dgm:prSet presAssocID="{2A6A6557-22E6-4440-93F4-318AD223EC07}" presName="rootConnector" presStyleLbl="node2" presStyleIdx="1" presStyleCnt="5"/>
       <dgm:spPr/>
+      <dgm:t>
+        <a:bodyPr/>
+        <a:lstStyle/>
+        <a:p>
+          <a:endParaRPr lang="zh-CN" altLang="en-US"/>
+        </a:p>
+      </dgm:t>
     </dgm:pt>
     <dgm:pt modelId="{973BC156-42E0-DF42-9A75-EE6B17340535}" type="pres">
       <dgm:prSet presAssocID="{2A6A6557-22E6-4440-93F4-318AD223EC07}" presName="hierChild4" presStyleCnt="0"/>
@@ -2526,6 +2721,13 @@
     <dgm:pt modelId="{A9A95BD9-9298-2B46-B854-9553EE11AF97}" type="pres">
       <dgm:prSet presAssocID="{329218CD-5EBE-6347-A54F-9E27A2C28CFE}" presName="Name37" presStyleLbl="parChTrans1D2" presStyleIdx="2" presStyleCnt="5"/>
       <dgm:spPr/>
+      <dgm:t>
+        <a:bodyPr/>
+        <a:lstStyle/>
+        <a:p>
+          <a:endParaRPr lang="zh-CN" altLang="en-US"/>
+        </a:p>
+      </dgm:t>
     </dgm:pt>
     <dgm:pt modelId="{A7F8F8EC-5259-9A43-84EE-395FD82D16A9}" type="pres">
       <dgm:prSet presAssocID="{EA1A376E-E1CF-A54F-BD1E-7342A9121FF1}" presName="hierRoot2" presStyleCnt="0">
@@ -2546,10 +2748,24 @@
         </dgm:presLayoutVars>
       </dgm:prSet>
       <dgm:spPr/>
+      <dgm:t>
+        <a:bodyPr/>
+        <a:lstStyle/>
+        <a:p>
+          <a:endParaRPr lang="zh-CN" altLang="en-US"/>
+        </a:p>
+      </dgm:t>
     </dgm:pt>
     <dgm:pt modelId="{DA252AC9-999F-9842-BE2B-A684D0F3A41B}" type="pres">
       <dgm:prSet presAssocID="{EA1A376E-E1CF-A54F-BD1E-7342A9121FF1}" presName="rootConnector" presStyleLbl="node2" presStyleIdx="2" presStyleCnt="5"/>
       <dgm:spPr/>
+      <dgm:t>
+        <a:bodyPr/>
+        <a:lstStyle/>
+        <a:p>
+          <a:endParaRPr lang="zh-CN" altLang="en-US"/>
+        </a:p>
+      </dgm:t>
     </dgm:pt>
     <dgm:pt modelId="{95CE0AA0-85E8-AD48-8195-B05139935582}" type="pres">
       <dgm:prSet presAssocID="{EA1A376E-E1CF-A54F-BD1E-7342A9121FF1}" presName="hierChild4" presStyleCnt="0"/>
@@ -2562,6 +2778,13 @@
     <dgm:pt modelId="{28BD0A43-C438-8540-BA7D-919523FBADED}" type="pres">
       <dgm:prSet presAssocID="{A7033AB8-3E3C-6345-82A7-26D79CBF095E}" presName="Name37" presStyleLbl="parChTrans1D2" presStyleIdx="3" presStyleCnt="5"/>
       <dgm:spPr/>
+      <dgm:t>
+        <a:bodyPr/>
+        <a:lstStyle/>
+        <a:p>
+          <a:endParaRPr lang="zh-CN" altLang="en-US"/>
+        </a:p>
+      </dgm:t>
     </dgm:pt>
     <dgm:pt modelId="{7C36B6A0-E97E-D44D-81B7-A7D5BBB82803}" type="pres">
       <dgm:prSet presAssocID="{FE162D69-B4B1-E547-8BED-2B0564183F40}" presName="hierRoot2" presStyleCnt="0">
@@ -2582,10 +2805,24 @@
         </dgm:presLayoutVars>
       </dgm:prSet>
       <dgm:spPr/>
+      <dgm:t>
+        <a:bodyPr/>
+        <a:lstStyle/>
+        <a:p>
+          <a:endParaRPr lang="zh-CN" altLang="en-US"/>
+        </a:p>
+      </dgm:t>
     </dgm:pt>
     <dgm:pt modelId="{300CF57F-9E39-574B-B47A-26D80C1E0634}" type="pres">
       <dgm:prSet presAssocID="{FE162D69-B4B1-E547-8BED-2B0564183F40}" presName="rootConnector" presStyleLbl="node2" presStyleIdx="3" presStyleCnt="5"/>
       <dgm:spPr/>
+      <dgm:t>
+        <a:bodyPr/>
+        <a:lstStyle/>
+        <a:p>
+          <a:endParaRPr lang="zh-CN" altLang="en-US"/>
+        </a:p>
+      </dgm:t>
     </dgm:pt>
     <dgm:pt modelId="{78463A7A-DE5A-4947-AFCF-0B5A2544CFC2}" type="pres">
       <dgm:prSet presAssocID="{FE162D69-B4B1-E547-8BED-2B0564183F40}" presName="hierChild4" presStyleCnt="0"/>
@@ -2598,6 +2835,13 @@
     <dgm:pt modelId="{568A960C-ED31-8249-945C-CE587423A17E}" type="pres">
       <dgm:prSet presAssocID="{10A48251-DC0A-F346-B0C6-66C14C6B50F4}" presName="Name37" presStyleLbl="parChTrans1D2" presStyleIdx="4" presStyleCnt="5"/>
       <dgm:spPr/>
+      <dgm:t>
+        <a:bodyPr/>
+        <a:lstStyle/>
+        <a:p>
+          <a:endParaRPr lang="zh-CN" altLang="en-US"/>
+        </a:p>
+      </dgm:t>
     </dgm:pt>
     <dgm:pt modelId="{5C94DFD0-ED71-B545-9003-B4CB4810F207}" type="pres">
       <dgm:prSet presAssocID="{061C52BE-7CF4-EC44-BF9D-04F9145BF7C0}" presName="hierRoot2" presStyleCnt="0">
@@ -2618,10 +2862,24 @@
         </dgm:presLayoutVars>
       </dgm:prSet>
       <dgm:spPr/>
+      <dgm:t>
+        <a:bodyPr/>
+        <a:lstStyle/>
+        <a:p>
+          <a:endParaRPr lang="zh-CN" altLang="en-US"/>
+        </a:p>
+      </dgm:t>
     </dgm:pt>
     <dgm:pt modelId="{A6F5B899-1841-8B4F-8A6E-A82CCF0C2E8D}" type="pres">
       <dgm:prSet presAssocID="{061C52BE-7CF4-EC44-BF9D-04F9145BF7C0}" presName="rootConnector" presStyleLbl="node2" presStyleIdx="4" presStyleCnt="5"/>
       <dgm:spPr/>
+      <dgm:t>
+        <a:bodyPr/>
+        <a:lstStyle/>
+        <a:p>
+          <a:endParaRPr lang="zh-CN" altLang="en-US"/>
+        </a:p>
+      </dgm:t>
     </dgm:pt>
     <dgm:pt modelId="{CEB308C0-099D-BB45-8424-AE8CCEB43E93}" type="pres">
       <dgm:prSet presAssocID="{061C52BE-7CF4-EC44-BF9D-04F9145BF7C0}" presName="hierChild4" presStyleCnt="0"/>
@@ -2637,30 +2895,30 @@
     </dgm:pt>
   </dgm:ptLst>
   <dgm:cxnLst>
+    <dgm:cxn modelId="{D8E11897-2E10-3B48-8D9A-BDA93585F597}" type="presOf" srcId="{10A48251-DC0A-F346-B0C6-66C14C6B50F4}" destId="{568A960C-ED31-8249-945C-CE587423A17E}" srcOrd="0" destOrd="0" presId="urn:microsoft.com/office/officeart/2005/8/layout/orgChart1"/>
+    <dgm:cxn modelId="{67F3C80B-8EE5-334E-AAAB-9918F69E5465}" type="presOf" srcId="{EA1A376E-E1CF-A54F-BD1E-7342A9121FF1}" destId="{A21CCBC8-A77B-6042-82D6-5803E2F4FC1D}" srcOrd="0" destOrd="0" presId="urn:microsoft.com/office/officeart/2005/8/layout/orgChart1"/>
+    <dgm:cxn modelId="{F62AC43D-1497-514E-A908-657860816B79}" srcId="{B630F1C9-CFF9-C84B-9433-1FBC8CEA9D1D}" destId="{089B8A85-A84E-8741-B756-D6E8208AA69F}" srcOrd="0" destOrd="0" parTransId="{27981E1A-4EBC-F94C-AFFD-74909A2E96B4}" sibTransId="{61E66DFC-B98F-E545-84BD-A702DE60BA1A}"/>
+    <dgm:cxn modelId="{6ED9E108-7214-FA49-A007-EB019736C06B}" type="presOf" srcId="{2A6A6557-22E6-4440-93F4-318AD223EC07}" destId="{4BE14C3B-968F-914B-8541-347ECA41D053}" srcOrd="0" destOrd="0" presId="urn:microsoft.com/office/officeart/2005/8/layout/orgChart1"/>
+    <dgm:cxn modelId="{61E9B137-E1C3-1849-9899-B129AAB9BFED}" type="presOf" srcId="{CA618E98-DA33-544D-905E-6F6DF2BBE287}" destId="{197EEB88-9CF5-1D40-B8CC-7685270E438E}" srcOrd="1" destOrd="0" presId="urn:microsoft.com/office/officeart/2005/8/layout/orgChart1"/>
     <dgm:cxn modelId="{6B9A7B00-EF08-9F4A-A72A-BAE58C230504}" type="presOf" srcId="{A7033AB8-3E3C-6345-82A7-26D79CBF095E}" destId="{28BD0A43-C438-8540-BA7D-919523FBADED}" srcOrd="0" destOrd="0" presId="urn:microsoft.com/office/officeart/2005/8/layout/orgChart1"/>
-    <dgm:cxn modelId="{6ED9E108-7214-FA49-A007-EB019736C06B}" type="presOf" srcId="{2A6A6557-22E6-4440-93F4-318AD223EC07}" destId="{4BE14C3B-968F-914B-8541-347ECA41D053}" srcOrd="0" destOrd="0" presId="urn:microsoft.com/office/officeart/2005/8/layout/orgChart1"/>
+    <dgm:cxn modelId="{E49D7F24-616E-A94D-865F-0288CA6CA4DC}" type="presOf" srcId="{B630F1C9-CFF9-C84B-9433-1FBC8CEA9D1D}" destId="{DC210692-E386-2344-954E-98E6D550EFD6}" srcOrd="0" destOrd="0" presId="urn:microsoft.com/office/officeart/2005/8/layout/orgChart1"/>
+    <dgm:cxn modelId="{9A480B42-5E34-1242-A5BB-E63AB04D3A0D}" type="presOf" srcId="{061C52BE-7CF4-EC44-BF9D-04F9145BF7C0}" destId="{A6F5B899-1841-8B4F-8A6E-A82CCF0C2E8D}" srcOrd="1" destOrd="0" presId="urn:microsoft.com/office/officeart/2005/8/layout/orgChart1"/>
+    <dgm:cxn modelId="{31FF4A7A-C43B-E740-8D27-71294B78F62F}" type="presOf" srcId="{329218CD-5EBE-6347-A54F-9E27A2C28CFE}" destId="{A9A95BD9-9298-2B46-B854-9553EE11AF97}" srcOrd="0" destOrd="0" presId="urn:microsoft.com/office/officeart/2005/8/layout/orgChart1"/>
+    <dgm:cxn modelId="{49C168B2-9EDD-3940-A311-3D8BE8470AA7}" type="presOf" srcId="{089B8A85-A84E-8741-B756-D6E8208AA69F}" destId="{C2E6BAFA-5D71-CC47-8BF1-00F48C9795BF}" srcOrd="1" destOrd="0" presId="urn:microsoft.com/office/officeart/2005/8/layout/orgChart1"/>
+    <dgm:cxn modelId="{E1362577-7708-814B-ACC3-2950977E451F}" type="presOf" srcId="{2A6A6557-22E6-4440-93F4-318AD223EC07}" destId="{0B5A722B-B604-914D-A9EE-33F6F187EB5B}" srcOrd="1" destOrd="0" presId="urn:microsoft.com/office/officeart/2005/8/layout/orgChart1"/>
+    <dgm:cxn modelId="{BBFBCA1C-E326-B34E-A943-897F943CC915}" type="presOf" srcId="{09F5AA4F-3F0E-F448-8010-EADD0EFAB073}" destId="{FDC577A4-973B-6644-9FB7-0F014835A0EF}" srcOrd="0" destOrd="0" presId="urn:microsoft.com/office/officeart/2005/8/layout/orgChart1"/>
+    <dgm:cxn modelId="{07192F67-731B-A44F-B3D9-C65C2B3D4541}" type="presOf" srcId="{C6F298F6-653B-A941-BECE-D7AEC4FBA17A}" destId="{5F453A73-8BDC-0840-840B-D1D0D6D6D6F0}" srcOrd="0" destOrd="0" presId="urn:microsoft.com/office/officeart/2005/8/layout/orgChart1"/>
+    <dgm:cxn modelId="{B978757A-C9B3-B041-9CE6-BE78C0AFAB64}" srcId="{089B8A85-A84E-8741-B756-D6E8208AA69F}" destId="{CA618E98-DA33-544D-905E-6F6DF2BBE287}" srcOrd="0" destOrd="0" parTransId="{C6F298F6-653B-A941-BECE-D7AEC4FBA17A}" sibTransId="{8D63A4A8-B27F-F049-8522-3B9C02AE055A}"/>
+    <dgm:cxn modelId="{BE659CD9-82CA-734C-92A2-CFFD7BE81836}" srcId="{089B8A85-A84E-8741-B756-D6E8208AA69F}" destId="{EA1A376E-E1CF-A54F-BD1E-7342A9121FF1}" srcOrd="2" destOrd="0" parTransId="{329218CD-5EBE-6347-A54F-9E27A2C28CFE}" sibTransId="{CD21B503-EE73-0C40-B6FB-14DEEF4484AD}"/>
+    <dgm:cxn modelId="{9F12EB13-1A82-2541-9432-2991F9EC4E2B}" type="presOf" srcId="{FE162D69-B4B1-E547-8BED-2B0564183F40}" destId="{300CF57F-9E39-574B-B47A-26D80C1E0634}" srcOrd="1" destOrd="0" presId="urn:microsoft.com/office/officeart/2005/8/layout/orgChart1"/>
+    <dgm:cxn modelId="{95F85091-8AEA-BF44-A577-D8A3DC8E7D82}" srcId="{089B8A85-A84E-8741-B756-D6E8208AA69F}" destId="{061C52BE-7CF4-EC44-BF9D-04F9145BF7C0}" srcOrd="4" destOrd="0" parTransId="{10A48251-DC0A-F346-B0C6-66C14C6B50F4}" sibTransId="{EB6167F5-7DA7-0843-9DDF-A62488ACB411}"/>
+    <dgm:cxn modelId="{6C95D86D-53B0-F248-9872-EF6302AB73A2}" type="presOf" srcId="{EA1A376E-E1CF-A54F-BD1E-7342A9121FF1}" destId="{DA252AC9-999F-9842-BE2B-A684D0F3A41B}" srcOrd="1" destOrd="0" presId="urn:microsoft.com/office/officeart/2005/8/layout/orgChart1"/>
+    <dgm:cxn modelId="{36499D25-40B4-1D48-BB6A-188E0817850C}" srcId="{089B8A85-A84E-8741-B756-D6E8208AA69F}" destId="{2A6A6557-22E6-4440-93F4-318AD223EC07}" srcOrd="1" destOrd="0" parTransId="{09F5AA4F-3F0E-F448-8010-EADD0EFAB073}" sibTransId="{014CBFC8-1CC7-9F4F-86AA-E0299D0A476E}"/>
     <dgm:cxn modelId="{EAF51809-CF8B-C843-B54E-FF47D256811D}" type="presOf" srcId="{FE162D69-B4B1-E547-8BED-2B0564183F40}" destId="{E8A948CA-0671-8A4E-8362-4C3C998C5DBC}" srcOrd="0" destOrd="0" presId="urn:microsoft.com/office/officeart/2005/8/layout/orgChart1"/>
-    <dgm:cxn modelId="{67F3C80B-8EE5-334E-AAAB-9918F69E5465}" type="presOf" srcId="{EA1A376E-E1CF-A54F-BD1E-7342A9121FF1}" destId="{A21CCBC8-A77B-6042-82D6-5803E2F4FC1D}" srcOrd="0" destOrd="0" presId="urn:microsoft.com/office/officeart/2005/8/layout/orgChart1"/>
-    <dgm:cxn modelId="{9F12EB13-1A82-2541-9432-2991F9EC4E2B}" type="presOf" srcId="{FE162D69-B4B1-E547-8BED-2B0564183F40}" destId="{300CF57F-9E39-574B-B47A-26D80C1E0634}" srcOrd="1" destOrd="0" presId="urn:microsoft.com/office/officeart/2005/8/layout/orgChart1"/>
-    <dgm:cxn modelId="{BBFBCA1C-E326-B34E-A943-897F943CC915}" type="presOf" srcId="{09F5AA4F-3F0E-F448-8010-EADD0EFAB073}" destId="{FDC577A4-973B-6644-9FB7-0F014835A0EF}" srcOrd="0" destOrd="0" presId="urn:microsoft.com/office/officeart/2005/8/layout/orgChart1"/>
-    <dgm:cxn modelId="{E49D7F24-616E-A94D-865F-0288CA6CA4DC}" type="presOf" srcId="{B630F1C9-CFF9-C84B-9433-1FBC8CEA9D1D}" destId="{DC210692-E386-2344-954E-98E6D550EFD6}" srcOrd="0" destOrd="0" presId="urn:microsoft.com/office/officeart/2005/8/layout/orgChart1"/>
-    <dgm:cxn modelId="{36499D25-40B4-1D48-BB6A-188E0817850C}" srcId="{089B8A85-A84E-8741-B756-D6E8208AA69F}" destId="{2A6A6557-22E6-4440-93F4-318AD223EC07}" srcOrd="1" destOrd="0" parTransId="{09F5AA4F-3F0E-F448-8010-EADD0EFAB073}" sibTransId="{014CBFC8-1CC7-9F4F-86AA-E0299D0A476E}"/>
-    <dgm:cxn modelId="{61E9B137-E1C3-1849-9899-B129AAB9BFED}" type="presOf" srcId="{CA618E98-DA33-544D-905E-6F6DF2BBE287}" destId="{197EEB88-9CF5-1D40-B8CC-7685270E438E}" srcOrd="1" destOrd="0" presId="urn:microsoft.com/office/officeart/2005/8/layout/orgChart1"/>
-    <dgm:cxn modelId="{F62AC43D-1497-514E-A908-657860816B79}" srcId="{B630F1C9-CFF9-C84B-9433-1FBC8CEA9D1D}" destId="{089B8A85-A84E-8741-B756-D6E8208AA69F}" srcOrd="0" destOrd="0" parTransId="{27981E1A-4EBC-F94C-AFFD-74909A2E96B4}" sibTransId="{61E66DFC-B98F-E545-84BD-A702DE60BA1A}"/>
-    <dgm:cxn modelId="{9A480B42-5E34-1242-A5BB-E63AB04D3A0D}" type="presOf" srcId="{061C52BE-7CF4-EC44-BF9D-04F9145BF7C0}" destId="{A6F5B899-1841-8B4F-8A6E-A82CCF0C2E8D}" srcOrd="1" destOrd="0" presId="urn:microsoft.com/office/officeart/2005/8/layout/orgChart1"/>
-    <dgm:cxn modelId="{07192F67-731B-A44F-B3D9-C65C2B3D4541}" type="presOf" srcId="{C6F298F6-653B-A941-BECE-D7AEC4FBA17A}" destId="{5F453A73-8BDC-0840-840B-D1D0D6D6D6F0}" srcOrd="0" destOrd="0" presId="urn:microsoft.com/office/officeart/2005/8/layout/orgChart1"/>
     <dgm:cxn modelId="{F80E946B-E716-C84E-808B-D73F61F883DD}" type="presOf" srcId="{061C52BE-7CF4-EC44-BF9D-04F9145BF7C0}" destId="{B72AEC3D-2C06-374B-AE6F-706739B1FFEB}" srcOrd="0" destOrd="0" presId="urn:microsoft.com/office/officeart/2005/8/layout/orgChart1"/>
-    <dgm:cxn modelId="{6C95D86D-53B0-F248-9872-EF6302AB73A2}" type="presOf" srcId="{EA1A376E-E1CF-A54F-BD1E-7342A9121FF1}" destId="{DA252AC9-999F-9842-BE2B-A684D0F3A41B}" srcOrd="1" destOrd="0" presId="urn:microsoft.com/office/officeart/2005/8/layout/orgChart1"/>
     <dgm:cxn modelId="{0D994073-879E-A84B-8FA2-1D632ABBC0D7}" srcId="{089B8A85-A84E-8741-B756-D6E8208AA69F}" destId="{FE162D69-B4B1-E547-8BED-2B0564183F40}" srcOrd="3" destOrd="0" parTransId="{A7033AB8-3E3C-6345-82A7-26D79CBF095E}" sibTransId="{257972D6-2FDF-444E-BAE3-ADF052ACC722}"/>
-    <dgm:cxn modelId="{E1362577-7708-814B-ACC3-2950977E451F}" type="presOf" srcId="{2A6A6557-22E6-4440-93F4-318AD223EC07}" destId="{0B5A722B-B604-914D-A9EE-33F6F187EB5B}" srcOrd="1" destOrd="0" presId="urn:microsoft.com/office/officeart/2005/8/layout/orgChart1"/>
-    <dgm:cxn modelId="{31FF4A7A-C43B-E740-8D27-71294B78F62F}" type="presOf" srcId="{329218CD-5EBE-6347-A54F-9E27A2C28CFE}" destId="{A9A95BD9-9298-2B46-B854-9553EE11AF97}" srcOrd="0" destOrd="0" presId="urn:microsoft.com/office/officeart/2005/8/layout/orgChart1"/>
-    <dgm:cxn modelId="{B978757A-C9B3-B041-9CE6-BE78C0AFAB64}" srcId="{089B8A85-A84E-8741-B756-D6E8208AA69F}" destId="{CA618E98-DA33-544D-905E-6F6DF2BBE287}" srcOrd="0" destOrd="0" parTransId="{C6F298F6-653B-A941-BECE-D7AEC4FBA17A}" sibTransId="{8D63A4A8-B27F-F049-8522-3B9C02AE055A}"/>
-    <dgm:cxn modelId="{95F85091-8AEA-BF44-A577-D8A3DC8E7D82}" srcId="{089B8A85-A84E-8741-B756-D6E8208AA69F}" destId="{061C52BE-7CF4-EC44-BF9D-04F9145BF7C0}" srcOrd="4" destOrd="0" parTransId="{10A48251-DC0A-F346-B0C6-66C14C6B50F4}" sibTransId="{EB6167F5-7DA7-0843-9DDF-A62488ACB411}"/>
-    <dgm:cxn modelId="{D8E11897-2E10-3B48-8D9A-BDA93585F597}" type="presOf" srcId="{10A48251-DC0A-F346-B0C6-66C14C6B50F4}" destId="{568A960C-ED31-8249-945C-CE587423A17E}" srcOrd="0" destOrd="0" presId="urn:microsoft.com/office/officeart/2005/8/layout/orgChart1"/>
-    <dgm:cxn modelId="{49C168B2-9EDD-3940-A311-3D8BE8470AA7}" type="presOf" srcId="{089B8A85-A84E-8741-B756-D6E8208AA69F}" destId="{C2E6BAFA-5D71-CC47-8BF1-00F48C9795BF}" srcOrd="1" destOrd="0" presId="urn:microsoft.com/office/officeart/2005/8/layout/orgChart1"/>
-    <dgm:cxn modelId="{BE659CD9-82CA-734C-92A2-CFFD7BE81836}" srcId="{089B8A85-A84E-8741-B756-D6E8208AA69F}" destId="{EA1A376E-E1CF-A54F-BD1E-7342A9121FF1}" srcOrd="2" destOrd="0" parTransId="{329218CD-5EBE-6347-A54F-9E27A2C28CFE}" sibTransId="{CD21B503-EE73-0C40-B6FB-14DEEF4484AD}"/>
+    <dgm:cxn modelId="{62E7C7F3-67A0-C146-AB9E-B0B6B7B2D873}" type="presOf" srcId="{CA618E98-DA33-544D-905E-6F6DF2BBE287}" destId="{BDEEFA10-8AEC-064F-B79C-DE044C5232CD}" srcOrd="0" destOrd="0" presId="urn:microsoft.com/office/officeart/2005/8/layout/orgChart1"/>
     <dgm:cxn modelId="{CEF91CF3-F79F-0E47-B246-1E87B1A443B8}" type="presOf" srcId="{089B8A85-A84E-8741-B756-D6E8208AA69F}" destId="{8904E6B1-D046-FE46-8617-2327D1B7EBFF}" srcOrd="0" destOrd="0" presId="urn:microsoft.com/office/officeart/2005/8/layout/orgChart1"/>
-    <dgm:cxn modelId="{62E7C7F3-67A0-C146-AB9E-B0B6B7B2D873}" type="presOf" srcId="{CA618E98-DA33-544D-905E-6F6DF2BBE287}" destId="{BDEEFA10-8AEC-064F-B79C-DE044C5232CD}" srcOrd="0" destOrd="0" presId="urn:microsoft.com/office/officeart/2005/8/layout/orgChart1"/>
     <dgm:cxn modelId="{CD96D850-2517-1F47-B960-5D72730DEF12}" type="presParOf" srcId="{DC210692-E386-2344-954E-98E6D550EFD6}" destId="{7A8FBCC4-2340-DC43-9573-EA65C77E6E6A}" srcOrd="0" destOrd="0" presId="urn:microsoft.com/office/officeart/2005/8/layout/orgChart1"/>
     <dgm:cxn modelId="{4F23630D-09B1-444B-AD44-B666487FB2A8}" type="presParOf" srcId="{7A8FBCC4-2340-DC43-9573-EA65C77E6E6A}" destId="{BAD9196E-4268-2842-AB85-1F29C96DF1C6}" srcOrd="0" destOrd="0" presId="urn:microsoft.com/office/officeart/2005/8/layout/orgChart1"/>
     <dgm:cxn modelId="{9E73D6F8-C570-0546-A7F4-FF2169A8CD9D}" type="presParOf" srcId="{BAD9196E-4268-2842-AB85-1F29C96DF1C6}" destId="{8904E6B1-D046-FE46-8617-2327D1B7EBFF}" srcOrd="0" destOrd="0" presId="urn:microsoft.com/office/officeart/2005/8/layout/orgChart1"/>
@@ -3089,7 +3347,7 @@
         </a:bodyPr>
         <a:lstStyle/>
         <a:p>
-          <a:pPr marL="0" lvl="0" indent="0" algn="ctr" defTabSz="1911350">
+          <a:pPr lvl="0" algn="ctr" defTabSz="1911350">
             <a:lnSpc>
               <a:spcPct val="90000"/>
             </a:lnSpc>
@@ -3099,7 +3357,6 @@
             <a:spcAft>
               <a:spcPct val="35000"/>
             </a:spcAft>
-            <a:buNone/>
           </a:pPr>
           <a:r>
             <a:rPr lang="zh-CN" altLang="en-US" sz="4300" kern="1200" dirty="0"/>
@@ -3181,7 +3438,7 @@
         </a:bodyPr>
         <a:lstStyle/>
         <a:p>
-          <a:pPr marL="0" lvl="0" indent="0" algn="ctr" defTabSz="1911350">
+          <a:pPr lvl="0" algn="ctr" defTabSz="1911350">
             <a:lnSpc>
               <a:spcPct val="90000"/>
             </a:lnSpc>
@@ -3191,7 +3448,6 @@
             <a:spcAft>
               <a:spcPct val="35000"/>
             </a:spcAft>
-            <a:buNone/>
           </a:pPr>
           <a:r>
             <a:rPr lang="zh-CN" altLang="en-US" sz="4300" kern="1200" dirty="0"/>
@@ -3273,7 +3529,7 @@
         </a:bodyPr>
         <a:lstStyle/>
         <a:p>
-          <a:pPr marL="0" lvl="0" indent="0" algn="ctr" defTabSz="1911350">
+          <a:pPr lvl="0" algn="ctr" defTabSz="1911350">
             <a:lnSpc>
               <a:spcPct val="90000"/>
             </a:lnSpc>
@@ -3283,7 +3539,6 @@
             <a:spcAft>
               <a:spcPct val="35000"/>
             </a:spcAft>
-            <a:buNone/>
           </a:pPr>
           <a:r>
             <a:rPr lang="zh-CN" altLang="en-US" sz="4300" kern="1200" dirty="0"/>
@@ -3365,7 +3620,7 @@
         </a:bodyPr>
         <a:lstStyle/>
         <a:p>
-          <a:pPr marL="0" lvl="0" indent="0" algn="ctr" defTabSz="1911350">
+          <a:pPr lvl="0" algn="ctr" defTabSz="1911350">
             <a:lnSpc>
               <a:spcPct val="90000"/>
             </a:lnSpc>
@@ -3375,7 +3630,6 @@
             <a:spcAft>
               <a:spcPct val="35000"/>
             </a:spcAft>
-            <a:buNone/>
           </a:pPr>
           <a:r>
             <a:rPr lang="zh-CN" altLang="en-US" sz="4300" kern="1200" dirty="0"/>
@@ -3457,7 +3711,7 @@
         </a:bodyPr>
         <a:lstStyle/>
         <a:p>
-          <a:pPr marL="0" lvl="0" indent="0" algn="ctr" defTabSz="1911350">
+          <a:pPr lvl="0" algn="ctr" defTabSz="1911350">
             <a:lnSpc>
               <a:spcPct val="90000"/>
             </a:lnSpc>
@@ -3467,7 +3721,6 @@
             <a:spcAft>
               <a:spcPct val="35000"/>
             </a:spcAft>
-            <a:buNone/>
           </a:pPr>
           <a:r>
             <a:rPr lang="zh-CN" altLang="en-US" sz="4300" kern="1200" dirty="0"/>
@@ -3549,7 +3802,7 @@
         </a:bodyPr>
         <a:lstStyle/>
         <a:p>
-          <a:pPr marL="0" lvl="0" indent="0" algn="ctr" defTabSz="1911350">
+          <a:pPr lvl="0" algn="ctr" defTabSz="1911350">
             <a:lnSpc>
               <a:spcPct val="90000"/>
             </a:lnSpc>
@@ -3559,7 +3812,6 @@
             <a:spcAft>
               <a:spcPct val="35000"/>
             </a:spcAft>
-            <a:buNone/>
           </a:pPr>
           <a:r>
             <a:rPr lang="zh-CN" altLang="en-US" sz="4300" kern="1200" dirty="0"/>
@@ -3952,7 +4204,7 @@
         </a:bodyPr>
         <a:lstStyle/>
         <a:p>
-          <a:pPr marL="0" lvl="0" indent="0" algn="ctr" defTabSz="1155700">
+          <a:pPr lvl="0" algn="ctr" defTabSz="1155700">
             <a:lnSpc>
               <a:spcPct val="90000"/>
             </a:lnSpc>
@@ -3962,7 +4214,6 @@
             <a:spcAft>
               <a:spcPct val="35000"/>
             </a:spcAft>
-            <a:buNone/>
           </a:pPr>
           <a:r>
             <a:rPr lang="zh-CN" altLang="en-US" sz="2600" kern="1200" dirty="0"/>
@@ -4044,7 +4295,7 @@
         </a:bodyPr>
         <a:lstStyle/>
         <a:p>
-          <a:pPr marL="0" lvl="0" indent="0" algn="ctr" defTabSz="1155700">
+          <a:pPr lvl="0" algn="ctr" defTabSz="1155700">
             <a:lnSpc>
               <a:spcPct val="90000"/>
             </a:lnSpc>
@@ -4054,7 +4305,6 @@
             <a:spcAft>
               <a:spcPct val="35000"/>
             </a:spcAft>
-            <a:buNone/>
           </a:pPr>
           <a:r>
             <a:rPr lang="zh-CN" altLang="en-US" sz="2600" kern="1200" dirty="0"/>
@@ -4136,7 +4386,7 @@
         </a:bodyPr>
         <a:lstStyle/>
         <a:p>
-          <a:pPr marL="0" lvl="0" indent="0" algn="ctr" defTabSz="1155700">
+          <a:pPr lvl="0" algn="ctr" defTabSz="1155700">
             <a:lnSpc>
               <a:spcPct val="90000"/>
             </a:lnSpc>
@@ -4146,7 +4396,6 @@
             <a:spcAft>
               <a:spcPct val="35000"/>
             </a:spcAft>
-            <a:buNone/>
           </a:pPr>
           <a:r>
             <a:rPr lang="zh-CN" altLang="en-US" sz="2600" kern="1200" dirty="0"/>
@@ -4228,7 +4477,7 @@
         </a:bodyPr>
         <a:lstStyle/>
         <a:p>
-          <a:pPr marL="0" lvl="0" indent="0" algn="ctr" defTabSz="1155700">
+          <a:pPr lvl="0" algn="ctr" defTabSz="1155700">
             <a:lnSpc>
               <a:spcPct val="90000"/>
             </a:lnSpc>
@@ -4238,7 +4487,6 @@
             <a:spcAft>
               <a:spcPct val="35000"/>
             </a:spcAft>
-            <a:buNone/>
           </a:pPr>
           <a:r>
             <a:rPr lang="zh-CN" altLang="en-US" sz="2600" kern="1200" dirty="0"/>
@@ -4320,7 +4568,7 @@
         </a:bodyPr>
         <a:lstStyle/>
         <a:p>
-          <a:pPr marL="0" lvl="0" indent="0" algn="ctr" defTabSz="1155700">
+          <a:pPr lvl="0" algn="ctr" defTabSz="1155700">
             <a:lnSpc>
               <a:spcPct val="90000"/>
             </a:lnSpc>
@@ -4330,7 +4578,6 @@
             <a:spcAft>
               <a:spcPct val="35000"/>
             </a:spcAft>
-            <a:buNone/>
           </a:pPr>
           <a:r>
             <a:rPr lang="zh-CN" altLang="en-US" sz="2600" kern="1200" dirty="0"/>
@@ -4412,7 +4659,7 @@
         </a:bodyPr>
         <a:lstStyle/>
         <a:p>
-          <a:pPr marL="0" lvl="0" indent="0" algn="ctr" defTabSz="1155700">
+          <a:pPr lvl="0" algn="ctr" defTabSz="1155700">
             <a:lnSpc>
               <a:spcPct val="90000"/>
             </a:lnSpc>
@@ -4422,7 +4669,6 @@
             <a:spcAft>
               <a:spcPct val="35000"/>
             </a:spcAft>
-            <a:buNone/>
           </a:pPr>
           <a:r>
             <a:rPr lang="zh-CN" altLang="en-US" sz="2600" kern="1200" dirty="0"/>
@@ -8881,7 +9127,7 @@
           <a:p>
             <a:fld id="{A2756CE2-F1A8-264D-87FF-64A1347B7A98}" type="datetimeFigureOut">
               <a:rPr kumimoji="1" lang="zh-CN" altLang="en-US" smtClean="0"/>
-              <a:t>2017/9/29</a:t>
+              <a:t>17/9/29</a:t>
             </a:fld>
             <a:endParaRPr kumimoji="1" lang="zh-CN" altLang="en-US"/>
           </a:p>
@@ -9362,7 +9608,7 @@
             <a:fld id="{B61BEF0D-F0BB-DE4B-95CE-6DB70DBA9567}" type="datetimeFigureOut">
               <a:rPr lang="en-US" dirty="0"/>
               <a:pPr/>
-              <a:t>9/29/2017</a:t>
+              <a:t>9/29/17</a:t>
             </a:fld>
             <a:endParaRPr lang="en-US" dirty="0"/>
           </a:p>
@@ -9650,7 +9896,7 @@
             <a:fld id="{B61BEF0D-F0BB-DE4B-95CE-6DB70DBA9567}" type="datetimeFigureOut">
               <a:rPr lang="en-US" dirty="0"/>
               <a:pPr/>
-              <a:t>9/29/2017</a:t>
+              <a:t>9/29/17</a:t>
             </a:fld>
             <a:endParaRPr lang="en-US" dirty="0"/>
           </a:p>
@@ -9906,7 +10152,7 @@
             <a:fld id="{B61BEF0D-F0BB-DE4B-95CE-6DB70DBA9567}" type="datetimeFigureOut">
               <a:rPr lang="en-US" dirty="0"/>
               <a:pPr/>
-              <a:t>9/29/2017</a:t>
+              <a:t>9/29/17</a:t>
             </a:fld>
             <a:endParaRPr lang="en-US" dirty="0"/>
           </a:p>
@@ -10372,7 +10618,7 @@
             <a:fld id="{B61BEF0D-F0BB-DE4B-95CE-6DB70DBA9567}" type="datetimeFigureOut">
               <a:rPr lang="en-US" dirty="0"/>
               <a:pPr/>
-              <a:t>9/29/2017</a:t>
+              <a:t>9/29/17</a:t>
             </a:fld>
             <a:endParaRPr lang="en-US" dirty="0"/>
           </a:p>
@@ -10549,7 +10795,7 @@
             <a:fld id="{B61BEF0D-F0BB-DE4B-95CE-6DB70DBA9567}" type="datetimeFigureOut">
               <a:rPr lang="en-US" dirty="0"/>
               <a:pPr/>
-              <a:t>9/29/2017</a:t>
+              <a:t>9/29/17</a:t>
             </a:fld>
             <a:endParaRPr lang="en-US" dirty="0"/>
           </a:p>
@@ -11122,7 +11368,7 @@
             <a:fld id="{B61BEF0D-F0BB-DE4B-95CE-6DB70DBA9567}" type="datetimeFigureOut">
               <a:rPr lang="en-US" dirty="0"/>
               <a:pPr/>
-              <a:t>9/29/2017</a:t>
+              <a:t>9/29/17</a:t>
             </a:fld>
             <a:endParaRPr lang="en-US" dirty="0"/>
           </a:p>
@@ -11451,7 +11697,7 @@
             <a:fld id="{B61BEF0D-F0BB-DE4B-95CE-6DB70DBA9567}" type="datetimeFigureOut">
               <a:rPr lang="en-US" dirty="0"/>
               <a:pPr/>
-              <a:t>9/29/2017</a:t>
+              <a:t>9/29/17</a:t>
             </a:fld>
             <a:endParaRPr lang="en-US" dirty="0"/>
           </a:p>
@@ -11623,7 +11869,7 @@
             <a:fld id="{B61BEF0D-F0BB-DE4B-95CE-6DB70DBA9567}" type="datetimeFigureOut">
               <a:rPr lang="en-US" dirty="0"/>
               <a:pPr/>
-              <a:t>9/29/2017</a:t>
+              <a:t>9/29/17</a:t>
             </a:fld>
             <a:endParaRPr lang="en-US" dirty="0"/>
           </a:p>
@@ -11800,7 +12046,7 @@
             <a:fld id="{B61BEF0D-F0BB-DE4B-95CE-6DB70DBA9567}" type="datetimeFigureOut">
               <a:rPr lang="en-US" dirty="0"/>
               <a:pPr/>
-              <a:t>9/29/2017</a:t>
+              <a:t>9/29/17</a:t>
             </a:fld>
             <a:endParaRPr lang="en-US" dirty="0"/>
           </a:p>
@@ -11967,7 +12213,7 @@
             <a:fld id="{B61BEF0D-F0BB-DE4B-95CE-6DB70DBA9567}" type="datetimeFigureOut">
               <a:rPr lang="en-US" dirty="0"/>
               <a:pPr/>
-              <a:t>9/29/2017</a:t>
+              <a:t>9/29/17</a:t>
             </a:fld>
             <a:endParaRPr lang="en-US" dirty="0"/>
           </a:p>
@@ -12221,7 +12467,7 @@
             <a:fld id="{B61BEF0D-F0BB-DE4B-95CE-6DB70DBA9567}" type="datetimeFigureOut">
               <a:rPr lang="en-US" dirty="0"/>
               <a:pPr/>
-              <a:t>9/29/2017</a:t>
+              <a:t>9/29/17</a:t>
             </a:fld>
             <a:endParaRPr lang="en-US" dirty="0"/>
           </a:p>
@@ -12510,7 +12756,7 @@
             <a:fld id="{B61BEF0D-F0BB-DE4B-95CE-6DB70DBA9567}" type="datetimeFigureOut">
               <a:rPr lang="en-US" dirty="0"/>
               <a:pPr/>
-              <a:t>9/29/2017</a:t>
+              <a:t>9/29/17</a:t>
             </a:fld>
             <a:endParaRPr lang="en-US" dirty="0"/>
           </a:p>
@@ -12937,7 +13183,7 @@
             <a:fld id="{B61BEF0D-F0BB-DE4B-95CE-6DB70DBA9567}" type="datetimeFigureOut">
               <a:rPr lang="en-US" dirty="0"/>
               <a:pPr/>
-              <a:t>9/29/2017</a:t>
+              <a:t>9/29/17</a:t>
             </a:fld>
             <a:endParaRPr lang="en-US" dirty="0"/>
           </a:p>
@@ -13052,7 +13298,7 @@
             <a:fld id="{B61BEF0D-F0BB-DE4B-95CE-6DB70DBA9567}" type="datetimeFigureOut">
               <a:rPr lang="en-US" dirty="0"/>
               <a:pPr/>
-              <a:t>9/29/2017</a:t>
+              <a:t>9/29/17</a:t>
             </a:fld>
             <a:endParaRPr lang="en-US" dirty="0"/>
           </a:p>
@@ -13144,7 +13390,7 @@
             <a:fld id="{B61BEF0D-F0BB-DE4B-95CE-6DB70DBA9567}" type="datetimeFigureOut">
               <a:rPr lang="en-US" dirty="0"/>
               <a:pPr/>
-              <a:t>9/29/2017</a:t>
+              <a:t>9/29/17</a:t>
             </a:fld>
             <a:endParaRPr lang="en-US" dirty="0"/>
           </a:p>
@@ -13424,7 +13670,7 @@
             <a:fld id="{B61BEF0D-F0BB-DE4B-95CE-6DB70DBA9567}" type="datetimeFigureOut">
               <a:rPr lang="en-US" dirty="0"/>
               <a:pPr/>
-              <a:t>9/29/2017</a:t>
+              <a:t>9/29/17</a:t>
             </a:fld>
             <a:endParaRPr lang="en-US" dirty="0"/>
           </a:p>
@@ -13712,7 +13958,7 @@
             <a:fld id="{B61BEF0D-F0BB-DE4B-95CE-6DB70DBA9567}" type="datetimeFigureOut">
               <a:rPr lang="en-US" dirty="0"/>
               <a:pPr/>
-              <a:t>9/29/2017</a:t>
+              <a:t>9/29/17</a:t>
             </a:fld>
             <a:endParaRPr lang="en-US" dirty="0"/>
           </a:p>
@@ -13940,7 +14186,7 @@
             <a:fld id="{B61BEF0D-F0BB-DE4B-95CE-6DB70DBA9567}" type="datetimeFigureOut">
               <a:rPr lang="en-US" dirty="0"/>
               <a:pPr/>
-              <a:t>9/29/2017</a:t>
+              <a:t>9/29/17</a:t>
             </a:fld>
             <a:endParaRPr lang="en-US" dirty="0"/>
           </a:p>
@@ -14794,7 +15040,7 @@
           <p:cNvPr id="2" name="标题 1">
             <a:extLst>
               <a:ext uri="{FF2B5EF4-FFF2-40B4-BE49-F238E27FC236}">
-                <a16:creationId xmlns:a16="http://schemas.microsoft.com/office/drawing/2014/main" id="{A938CF80-F668-4B65-B009-F9F86A52F090}"/>
+                <a16:creationId xmlns:a16="http://schemas.microsoft.com/office/drawing/2014/main" xmlns="" id="{A938CF80-F668-4B65-B009-F9F86A52F090}"/>
               </a:ext>
             </a:extLst>
           </p:cNvPr>
@@ -14828,7 +15074,7 @@
           <p:cNvPr id="4" name="文本框 3">
             <a:extLst>
               <a:ext uri="{FF2B5EF4-FFF2-40B4-BE49-F238E27FC236}">
-                <a16:creationId xmlns:a16="http://schemas.microsoft.com/office/drawing/2014/main" id="{21022717-DEE6-4DFE-BEFC-C21B40A54266}"/>
+                <a16:creationId xmlns:a16="http://schemas.microsoft.com/office/drawing/2014/main" xmlns="" id="{21022717-DEE6-4DFE-BEFC-C21B40A54266}"/>
               </a:ext>
             </a:extLst>
           </p:cNvPr>
@@ -14937,7 +15183,7 @@
           <p:cNvPr id="2" name="标题 1">
             <a:extLst>
               <a:ext uri="{FF2B5EF4-FFF2-40B4-BE49-F238E27FC236}">
-                <a16:creationId xmlns:a16="http://schemas.microsoft.com/office/drawing/2014/main" id="{A938CF80-F668-4B65-B009-F9F86A52F090}"/>
+                <a16:creationId xmlns:a16="http://schemas.microsoft.com/office/drawing/2014/main" xmlns="" id="{A938CF80-F668-4B65-B009-F9F86A52F090}"/>
               </a:ext>
             </a:extLst>
           </p:cNvPr>
@@ -14971,7 +15217,7 @@
           <p:cNvPr id="4" name="文本框 3">
             <a:extLst>
               <a:ext uri="{FF2B5EF4-FFF2-40B4-BE49-F238E27FC236}">
-                <a16:creationId xmlns:a16="http://schemas.microsoft.com/office/drawing/2014/main" id="{21022717-DEE6-4DFE-BEFC-C21B40A54266}"/>
+                <a16:creationId xmlns:a16="http://schemas.microsoft.com/office/drawing/2014/main" xmlns="" id="{21022717-DEE6-4DFE-BEFC-C21B40A54266}"/>
               </a:ext>
             </a:extLst>
           </p:cNvPr>
@@ -15066,7 +15312,7 @@
           <p:cNvPr id="2" name="标题 1">
             <a:extLst>
               <a:ext uri="{FF2B5EF4-FFF2-40B4-BE49-F238E27FC236}">
-                <a16:creationId xmlns:a16="http://schemas.microsoft.com/office/drawing/2014/main" id="{A938CF80-F668-4B65-B009-F9F86A52F090}"/>
+                <a16:creationId xmlns:a16="http://schemas.microsoft.com/office/drawing/2014/main" xmlns="" id="{A938CF80-F668-4B65-B009-F9F86A52F090}"/>
               </a:ext>
             </a:extLst>
           </p:cNvPr>
@@ -15100,7 +15346,7 @@
           <p:cNvPr id="4" name="文本框 3">
             <a:extLst>
               <a:ext uri="{FF2B5EF4-FFF2-40B4-BE49-F238E27FC236}">
-                <a16:creationId xmlns:a16="http://schemas.microsoft.com/office/drawing/2014/main" id="{21022717-DEE6-4DFE-BEFC-C21B40A54266}"/>
+                <a16:creationId xmlns:a16="http://schemas.microsoft.com/office/drawing/2014/main" xmlns="" id="{21022717-DEE6-4DFE-BEFC-C21B40A54266}"/>
               </a:ext>
             </a:extLst>
           </p:cNvPr>
@@ -15227,7 +15473,7 @@
           <p:cNvPr id="2" name="标题 1">
             <a:extLst>
               <a:ext uri="{FF2B5EF4-FFF2-40B4-BE49-F238E27FC236}">
-                <a16:creationId xmlns:a16="http://schemas.microsoft.com/office/drawing/2014/main" id="{A938CF80-F668-4B65-B009-F9F86A52F090}"/>
+                <a16:creationId xmlns:a16="http://schemas.microsoft.com/office/drawing/2014/main" xmlns="" id="{A938CF80-F668-4B65-B009-F9F86A52F090}"/>
               </a:ext>
             </a:extLst>
           </p:cNvPr>
@@ -15261,7 +15507,7 @@
           <p:cNvPr id="4" name="文本框 3">
             <a:extLst>
               <a:ext uri="{FF2B5EF4-FFF2-40B4-BE49-F238E27FC236}">
-                <a16:creationId xmlns:a16="http://schemas.microsoft.com/office/drawing/2014/main" id="{21022717-DEE6-4DFE-BEFC-C21B40A54266}"/>
+                <a16:creationId xmlns:a16="http://schemas.microsoft.com/office/drawing/2014/main" xmlns="" id="{21022717-DEE6-4DFE-BEFC-C21B40A54266}"/>
               </a:ext>
             </a:extLst>
           </p:cNvPr>
@@ -15396,7 +15642,7 @@
           <p:cNvPr id="2" name="标题 1">
             <a:extLst>
               <a:ext uri="{FF2B5EF4-FFF2-40B4-BE49-F238E27FC236}">
-                <a16:creationId xmlns:a16="http://schemas.microsoft.com/office/drawing/2014/main" id="{A938CF80-F668-4B65-B009-F9F86A52F090}"/>
+                <a16:creationId xmlns:a16="http://schemas.microsoft.com/office/drawing/2014/main" xmlns="" id="{A938CF80-F668-4B65-B009-F9F86A52F090}"/>
               </a:ext>
             </a:extLst>
           </p:cNvPr>
@@ -15430,7 +15676,7 @@
           <p:cNvPr id="4" name="文本框 3">
             <a:extLst>
               <a:ext uri="{FF2B5EF4-FFF2-40B4-BE49-F238E27FC236}">
-                <a16:creationId xmlns:a16="http://schemas.microsoft.com/office/drawing/2014/main" id="{21022717-DEE6-4DFE-BEFC-C21B40A54266}"/>
+                <a16:creationId xmlns:a16="http://schemas.microsoft.com/office/drawing/2014/main" xmlns="" id="{21022717-DEE6-4DFE-BEFC-C21B40A54266}"/>
               </a:ext>
             </a:extLst>
           </p:cNvPr>
@@ -15567,7 +15813,7 @@
           <p:cNvPr id="2" name="标题 1">
             <a:extLst>
               <a:ext uri="{FF2B5EF4-FFF2-40B4-BE49-F238E27FC236}">
-                <a16:creationId xmlns:a16="http://schemas.microsoft.com/office/drawing/2014/main" id="{8FC3F6F2-B4D0-4A5C-9A8B-A53E071F436D}"/>
+                <a16:creationId xmlns:a16="http://schemas.microsoft.com/office/drawing/2014/main" xmlns="" id="{8FC3F6F2-B4D0-4A5C-9A8B-A53E071F436D}"/>
               </a:ext>
             </a:extLst>
           </p:cNvPr>
@@ -15603,7 +15849,7 @@
           <p:cNvPr id="7" name="文本框 6">
             <a:extLst>
               <a:ext uri="{FF2B5EF4-FFF2-40B4-BE49-F238E27FC236}">
-                <a16:creationId xmlns:a16="http://schemas.microsoft.com/office/drawing/2014/main" id="{2C276D97-CCCB-476C-81CE-B4294E655EFC}"/>
+                <a16:creationId xmlns:a16="http://schemas.microsoft.com/office/drawing/2014/main" xmlns="" id="{2C276D97-CCCB-476C-81CE-B4294E655EFC}"/>
               </a:ext>
             </a:extLst>
           </p:cNvPr>
@@ -15728,7 +15974,7 @@
           <p:cNvPr id="2" name="标题 1">
             <a:extLst>
               <a:ext uri="{FF2B5EF4-FFF2-40B4-BE49-F238E27FC236}">
-                <a16:creationId xmlns:a16="http://schemas.microsoft.com/office/drawing/2014/main" id="{A938CF80-F668-4B65-B009-F9F86A52F090}"/>
+                <a16:creationId xmlns:a16="http://schemas.microsoft.com/office/drawing/2014/main" xmlns="" id="{A938CF80-F668-4B65-B009-F9F86A52F090}"/>
               </a:ext>
             </a:extLst>
           </p:cNvPr>
@@ -15762,7 +16008,7 @@
           <p:cNvPr id="4" name="文本框 3">
             <a:extLst>
               <a:ext uri="{FF2B5EF4-FFF2-40B4-BE49-F238E27FC236}">
-                <a16:creationId xmlns:a16="http://schemas.microsoft.com/office/drawing/2014/main" id="{21022717-DEE6-4DFE-BEFC-C21B40A54266}"/>
+                <a16:creationId xmlns:a16="http://schemas.microsoft.com/office/drawing/2014/main" xmlns="" id="{21022717-DEE6-4DFE-BEFC-C21B40A54266}"/>
               </a:ext>
             </a:extLst>
           </p:cNvPr>
@@ -15853,7 +16099,7 @@
           <p:cNvPr id="2" name="标题 1">
             <a:extLst>
               <a:ext uri="{FF2B5EF4-FFF2-40B4-BE49-F238E27FC236}">
-                <a16:creationId xmlns:a16="http://schemas.microsoft.com/office/drawing/2014/main" id="{A938CF80-F668-4B65-B009-F9F86A52F090}"/>
+                <a16:creationId xmlns:a16="http://schemas.microsoft.com/office/drawing/2014/main" xmlns="" id="{A938CF80-F668-4B65-B009-F9F86A52F090}"/>
               </a:ext>
             </a:extLst>
           </p:cNvPr>
@@ -15887,7 +16133,7 @@
           <p:cNvPr id="4" name="文本框 3">
             <a:extLst>
               <a:ext uri="{FF2B5EF4-FFF2-40B4-BE49-F238E27FC236}">
-                <a16:creationId xmlns:a16="http://schemas.microsoft.com/office/drawing/2014/main" id="{21022717-DEE6-4DFE-BEFC-C21B40A54266}"/>
+                <a16:creationId xmlns:a16="http://schemas.microsoft.com/office/drawing/2014/main" xmlns="" id="{21022717-DEE6-4DFE-BEFC-C21B40A54266}"/>
               </a:ext>
             </a:extLst>
           </p:cNvPr>
@@ -16008,7 +16254,7 @@
           <p:cNvPr id="2" name="标题 1">
             <a:extLst>
               <a:ext uri="{FF2B5EF4-FFF2-40B4-BE49-F238E27FC236}">
-                <a16:creationId xmlns:a16="http://schemas.microsoft.com/office/drawing/2014/main" id="{A938CF80-F668-4B65-B009-F9F86A52F090}"/>
+                <a16:creationId xmlns:a16="http://schemas.microsoft.com/office/drawing/2014/main" xmlns="" id="{A938CF80-F668-4B65-B009-F9F86A52F090}"/>
               </a:ext>
             </a:extLst>
           </p:cNvPr>
@@ -16042,7 +16288,7 @@
           <p:cNvPr id="4" name="文本框 3">
             <a:extLst>
               <a:ext uri="{FF2B5EF4-FFF2-40B4-BE49-F238E27FC236}">
-                <a16:creationId xmlns:a16="http://schemas.microsoft.com/office/drawing/2014/main" id="{21022717-DEE6-4DFE-BEFC-C21B40A54266}"/>
+                <a16:creationId xmlns:a16="http://schemas.microsoft.com/office/drawing/2014/main" xmlns="" id="{21022717-DEE6-4DFE-BEFC-C21B40A54266}"/>
               </a:ext>
             </a:extLst>
           </p:cNvPr>
@@ -16187,7 +16433,7 @@
           <p:cNvPr id="2" name="标题 1">
             <a:extLst>
               <a:ext uri="{FF2B5EF4-FFF2-40B4-BE49-F238E27FC236}">
-                <a16:creationId xmlns:a16="http://schemas.microsoft.com/office/drawing/2014/main" id="{A938CF80-F668-4B65-B009-F9F86A52F090}"/>
+                <a16:creationId xmlns:a16="http://schemas.microsoft.com/office/drawing/2014/main" xmlns="" id="{A938CF80-F668-4B65-B009-F9F86A52F090}"/>
               </a:ext>
             </a:extLst>
           </p:cNvPr>
@@ -16221,7 +16467,7 @@
           <p:cNvPr id="4" name="文本框 3">
             <a:extLst>
               <a:ext uri="{FF2B5EF4-FFF2-40B4-BE49-F238E27FC236}">
-                <a16:creationId xmlns:a16="http://schemas.microsoft.com/office/drawing/2014/main" id="{21022717-DEE6-4DFE-BEFC-C21B40A54266}"/>
+                <a16:creationId xmlns:a16="http://schemas.microsoft.com/office/drawing/2014/main" xmlns="" id="{21022717-DEE6-4DFE-BEFC-C21B40A54266}"/>
               </a:ext>
             </a:extLst>
           </p:cNvPr>
@@ -16312,7 +16558,7 @@
           <p:cNvPr id="2" name="标题 1">
             <a:extLst>
               <a:ext uri="{FF2B5EF4-FFF2-40B4-BE49-F238E27FC236}">
-                <a16:creationId xmlns:a16="http://schemas.microsoft.com/office/drawing/2014/main" id="{BF44213F-0934-433F-A9BF-E7BA286E83BB}"/>
+                <a16:creationId xmlns:a16="http://schemas.microsoft.com/office/drawing/2014/main" xmlns="" id="{BF44213F-0934-433F-A9BF-E7BA286E83BB}"/>
               </a:ext>
             </a:extLst>
           </p:cNvPr>
@@ -16402,7 +16648,7 @@
           <p:cNvPr id="2" name="标题 1">
             <a:extLst>
               <a:ext uri="{FF2B5EF4-FFF2-40B4-BE49-F238E27FC236}">
-                <a16:creationId xmlns:a16="http://schemas.microsoft.com/office/drawing/2014/main" id="{A938CF80-F668-4B65-B009-F9F86A52F090}"/>
+                <a16:creationId xmlns:a16="http://schemas.microsoft.com/office/drawing/2014/main" xmlns="" id="{A938CF80-F668-4B65-B009-F9F86A52F090}"/>
               </a:ext>
             </a:extLst>
           </p:cNvPr>
@@ -16436,7 +16682,7 @@
           <p:cNvPr id="4" name="文本框 3">
             <a:extLst>
               <a:ext uri="{FF2B5EF4-FFF2-40B4-BE49-F238E27FC236}">
-                <a16:creationId xmlns:a16="http://schemas.microsoft.com/office/drawing/2014/main" id="{21022717-DEE6-4DFE-BEFC-C21B40A54266}"/>
+                <a16:creationId xmlns:a16="http://schemas.microsoft.com/office/drawing/2014/main" xmlns="" id="{21022717-DEE6-4DFE-BEFC-C21B40A54266}"/>
               </a:ext>
             </a:extLst>
           </p:cNvPr>
@@ -16539,7 +16785,7 @@
           <p:cNvPr id="2" name="标题 1">
             <a:extLst>
               <a:ext uri="{FF2B5EF4-FFF2-40B4-BE49-F238E27FC236}">
-                <a16:creationId xmlns:a16="http://schemas.microsoft.com/office/drawing/2014/main" id="{A938CF80-F668-4B65-B009-F9F86A52F090}"/>
+                <a16:creationId xmlns:a16="http://schemas.microsoft.com/office/drawing/2014/main" xmlns="" id="{A938CF80-F668-4B65-B009-F9F86A52F090}"/>
               </a:ext>
             </a:extLst>
           </p:cNvPr>
@@ -16573,7 +16819,7 @@
           <p:cNvPr id="4" name="文本框 3">
             <a:extLst>
               <a:ext uri="{FF2B5EF4-FFF2-40B4-BE49-F238E27FC236}">
-                <a16:creationId xmlns:a16="http://schemas.microsoft.com/office/drawing/2014/main" id="{21022717-DEE6-4DFE-BEFC-C21B40A54266}"/>
+                <a16:creationId xmlns:a16="http://schemas.microsoft.com/office/drawing/2014/main" xmlns="" id="{21022717-DEE6-4DFE-BEFC-C21B40A54266}"/>
               </a:ext>
             </a:extLst>
           </p:cNvPr>
@@ -16677,7 +16923,7 @@
           <p:cNvPr id="2" name="标题 1">
             <a:extLst>
               <a:ext uri="{FF2B5EF4-FFF2-40B4-BE49-F238E27FC236}">
-                <a16:creationId xmlns:a16="http://schemas.microsoft.com/office/drawing/2014/main" id="{BF44213F-0934-433F-A9BF-E7BA286E83BB}"/>
+                <a16:creationId xmlns:a16="http://schemas.microsoft.com/office/drawing/2014/main" xmlns="" id="{BF44213F-0934-433F-A9BF-E7BA286E83BB}"/>
               </a:ext>
             </a:extLst>
           </p:cNvPr>
@@ -16722,7 +16968,7 @@
           <p:cNvPr id="3" name="内容占位符 2">
             <a:extLst>
               <a:ext uri="{FF2B5EF4-FFF2-40B4-BE49-F238E27FC236}">
-                <a16:creationId xmlns:a16="http://schemas.microsoft.com/office/drawing/2014/main" id="{12E3C09E-B16B-4351-93A1-E2A1A36A2F51}"/>
+                <a16:creationId xmlns:a16="http://schemas.microsoft.com/office/drawing/2014/main" xmlns="" id="{12E3C09E-B16B-4351-93A1-E2A1A36A2F51}"/>
               </a:ext>
             </a:extLst>
           </p:cNvPr>
@@ -16741,7 +16987,7 @@
         </p:spPr>
         <p:txBody>
           <a:bodyPr>
-            <a:normAutofit/>
+            <a:normAutofit fontScale="92500"/>
           </a:bodyPr>
           <a:lstStyle/>
           <a:p>
@@ -16754,7 +17000,33 @@
             </a:r>
             <a:r>
               <a:rPr lang="zh-CN" altLang="en-US" sz="3600" dirty="0"/>
-              <a:t>可以看作是可以做各种骚操作的表格。</a:t>
+              <a:t>可以看作是可以做各种骚操作的表格</a:t>
+            </a:r>
+            <a:r>
+              <a:rPr lang="zh-CN" altLang="en-US" sz="3600" dirty="0" smtClean="0"/>
+              <a:t>。</a:t>
+            </a:r>
+            <a:endParaRPr lang="en-US" altLang="zh-CN" sz="3600" dirty="0" smtClean="0"/>
+          </a:p>
+          <a:p>
+            <a:pPr marL="0" indent="0">
+              <a:buNone/>
+            </a:pPr>
+            <a:r>
+              <a:rPr lang="en-US" altLang="zh-CN" sz="3600" dirty="0"/>
+              <a:t>flex</a:t>
+            </a:r>
+            <a:r>
+              <a:rPr lang="zh-CN" altLang="en-US" sz="3600" dirty="0"/>
+              <a:t>可以解决一些简单的布局问题，</a:t>
+            </a:r>
+            <a:r>
+              <a:rPr lang="en-US" altLang="zh-CN" sz="3600" dirty="0"/>
+              <a:t>grid</a:t>
+            </a:r>
+            <a:r>
+              <a:rPr lang="zh-CN" altLang="en-US" sz="3600" dirty="0"/>
+              <a:t>花样更多。</a:t>
             </a:r>
             <a:endParaRPr lang="en-US" altLang="zh-CN" sz="3600" dirty="0"/>
           </a:p>
@@ -16790,12 +17062,68 @@
           <a:chExt cx="0" cy="0"/>
         </a:xfrm>
       </p:grpSpPr>
+      <p:pic>
+        <p:nvPicPr>
+          <p:cNvPr id="5" name="内容占位符 4"/>
+          <p:cNvPicPr>
+            <a:picLocks noGrp="1" noChangeAspect="1"/>
+          </p:cNvPicPr>
+          <p:nvPr>
+            <p:ph idx="1"/>
+          </p:nvPr>
+        </p:nvPicPr>
+        <p:blipFill>
+          <a:blip r:embed="rId2"/>
+          <a:stretch>
+            <a:fillRect/>
+          </a:stretch>
+        </p:blipFill>
+        <p:spPr>
+          <a:xfrm>
+            <a:off x="847361" y="777766"/>
+            <a:ext cx="10177989" cy="5237140"/>
+          </a:xfrm>
+          <a:prstGeom prst="rect">
+            <a:avLst/>
+          </a:prstGeom>
+        </p:spPr>
+      </p:pic>
+    </p:spTree>
+    <p:extLst>
+      <p:ext uri="{BB962C8B-B14F-4D97-AF65-F5344CB8AC3E}">
+        <p14:creationId xmlns:p14="http://schemas.microsoft.com/office/powerpoint/2010/main" val="77401471"/>
+      </p:ext>
+    </p:extLst>
+  </p:cSld>
+  <p:clrMapOvr>
+    <a:masterClrMapping/>
+  </p:clrMapOvr>
+</p:sld>
+</file>
+
+<file path=ppt/slides/slide24.xml><?xml version="1.0" encoding="utf-8"?>
+<p:sld xmlns:a="http://schemas.openxmlformats.org/drawingml/2006/main" xmlns:r="http://schemas.openxmlformats.org/officeDocument/2006/relationships" xmlns:p="http://schemas.openxmlformats.org/presentationml/2006/main">
+  <p:cSld>
+    <p:spTree>
+      <p:nvGrpSpPr>
+        <p:cNvPr id="1" name=""/>
+        <p:cNvGrpSpPr/>
+        <p:nvPr/>
+      </p:nvGrpSpPr>
+      <p:grpSpPr>
+        <a:xfrm>
+          <a:off x="0" y="0"/>
+          <a:ext cx="0" cy="0"/>
+          <a:chOff x="0" y="0"/>
+          <a:chExt cx="0" cy="0"/>
+        </a:xfrm>
+      </p:grpSpPr>
       <p:sp>
         <p:nvSpPr>
           <p:cNvPr id="2" name="标题 1">
             <a:extLst>
               <a:ext uri="{FF2B5EF4-FFF2-40B4-BE49-F238E27FC236}">
-                <a16:creationId xmlns:a16="http://schemas.microsoft.com/office/drawing/2014/main" id="{43B19053-8120-48B4-93E8-124D959FAC7C}"/>
+                <a16:creationId xmlns:a16="http://schemas.microsoft.com/office/drawing/2014/main" xmlns="" id="{43B19053-8120-48B4-93E8-124D959FAC7C}"/>
               </a:ext>
             </a:extLst>
           </p:cNvPr>
@@ -16860,7 +17188,7 @@
 </p:sld>
 </file>
 
-<file path=ppt/slides/slide24.xml><?xml version="1.0" encoding="utf-8"?>
+<file path=ppt/slides/slide25.xml><?xml version="1.0" encoding="utf-8"?>
 <p:sld xmlns:a="http://schemas.openxmlformats.org/drawingml/2006/main" xmlns:r="http://schemas.openxmlformats.org/officeDocument/2006/relationships" xmlns:p="http://schemas.openxmlformats.org/presentationml/2006/main">
   <p:cSld>
     <p:spTree>
@@ -16882,7 +17210,7 @@
           <p:cNvPr id="2" name="标题 1">
             <a:extLst>
               <a:ext uri="{FF2B5EF4-FFF2-40B4-BE49-F238E27FC236}">
-                <a16:creationId xmlns:a16="http://schemas.microsoft.com/office/drawing/2014/main" id="{43B19053-8120-48B4-93E8-124D959FAC7C}"/>
+                <a16:creationId xmlns:a16="http://schemas.microsoft.com/office/drawing/2014/main" xmlns="" id="{43B19053-8120-48B4-93E8-124D959FAC7C}"/>
               </a:ext>
             </a:extLst>
           </p:cNvPr>
@@ -16917,7 +17245,7 @@
           <p:cNvPr id="4" name="图片 3">
             <a:extLst>
               <a:ext uri="{FF2B5EF4-FFF2-40B4-BE49-F238E27FC236}">
-                <a16:creationId xmlns:a16="http://schemas.microsoft.com/office/drawing/2014/main" id="{0C2414DF-F17E-4E23-A7EE-AECD7619C6C4}"/>
+                <a16:creationId xmlns:a16="http://schemas.microsoft.com/office/drawing/2014/main" xmlns="" id="{0C2414DF-F17E-4E23-A7EE-AECD7619C6C4}"/>
               </a:ext>
             </a:extLst>
           </p:cNvPr>
@@ -16947,7 +17275,7 @@
           <p:cNvPr id="3" name="文本框 2">
             <a:extLst>
               <a:ext uri="{FF2B5EF4-FFF2-40B4-BE49-F238E27FC236}">
-                <a16:creationId xmlns:a16="http://schemas.microsoft.com/office/drawing/2014/main" id="{8CE4A5DB-C8C7-4884-B51B-38E7676E02DB}"/>
+                <a16:creationId xmlns:a16="http://schemas.microsoft.com/office/drawing/2014/main" xmlns="" id="{8CE4A5DB-C8C7-4884-B51B-38E7676E02DB}"/>
               </a:ext>
             </a:extLst>
           </p:cNvPr>
@@ -16973,7 +17301,15 @@
             <a:pPr algn="ctr"/>
             <a:r>
               <a:rPr lang="zh-CN" altLang="en-US" sz="2800" dirty="0"/>
-              <a:t>栅格容器  栅格线  栅格格子  栅格区域</a:t>
+              <a:t>栅格容器  栅格线 </a:t>
+            </a:r>
+            <a:r>
+              <a:rPr lang="zh-CN" altLang="en-US" sz="2800" dirty="0" smtClean="0"/>
+              <a:t>栅格轨迹 </a:t>
+            </a:r>
+            <a:r>
+              <a:rPr lang="zh-CN" altLang="en-US" sz="2800" dirty="0"/>
+              <a:t>栅格格子  栅格区域</a:t>
             </a:r>
           </a:p>
         </p:txBody>
@@ -16982,221 +17318,6 @@
     <p:extLst>
       <p:ext uri="{BB962C8B-B14F-4D97-AF65-F5344CB8AC3E}">
         <p14:creationId xmlns:p14="http://schemas.microsoft.com/office/powerpoint/2010/main" val="895197007"/>
-      </p:ext>
-    </p:extLst>
-  </p:cSld>
-  <p:clrMapOvr>
-    <a:masterClrMapping/>
-  </p:clrMapOvr>
-</p:sld>
-</file>
-
-<file path=ppt/slides/slide25.xml><?xml version="1.0" encoding="utf-8"?>
-<p:sld xmlns:a="http://schemas.openxmlformats.org/drawingml/2006/main" xmlns:r="http://schemas.openxmlformats.org/officeDocument/2006/relationships" xmlns:p="http://schemas.openxmlformats.org/presentationml/2006/main">
-  <p:cSld>
-    <p:spTree>
-      <p:nvGrpSpPr>
-        <p:cNvPr id="1" name=""/>
-        <p:cNvGrpSpPr/>
-        <p:nvPr/>
-      </p:nvGrpSpPr>
-      <p:grpSpPr>
-        <a:xfrm>
-          <a:off x="0" y="0"/>
-          <a:ext cx="0" cy="0"/>
-          <a:chOff x="0" y="0"/>
-          <a:chExt cx="0" cy="0"/>
-        </a:xfrm>
-      </p:grpSpPr>
-      <p:sp>
-        <p:nvSpPr>
-          <p:cNvPr id="2" name="标题 1">
-            <a:extLst>
-              <a:ext uri="{FF2B5EF4-FFF2-40B4-BE49-F238E27FC236}">
-                <a16:creationId xmlns:a16="http://schemas.microsoft.com/office/drawing/2014/main" id="{8FC3F6F2-B4D0-4A5C-9A8B-A53E071F436D}"/>
-              </a:ext>
-            </a:extLst>
-          </p:cNvPr>
-          <p:cNvSpPr>
-            <a:spLocks noGrp="1"/>
-          </p:cNvSpPr>
-          <p:nvPr>
-            <p:ph type="title"/>
-          </p:nvPr>
-        </p:nvSpPr>
-        <p:spPr>
-          <a:xfrm>
-            <a:off x="1141413" y="609600"/>
-            <a:ext cx="9905998" cy="1163782"/>
-          </a:xfrm>
-        </p:spPr>
-        <p:txBody>
-          <a:bodyPr>
-            <a:normAutofit/>
-          </a:bodyPr>
-          <a:lstStyle/>
-          <a:p>
-            <a:pPr algn="ctr"/>
-            <a:r>
-              <a:rPr lang="zh-CN" altLang="en-US" sz="4000" dirty="0"/>
-              <a:t>栅格容器属性</a:t>
-            </a:r>
-          </a:p>
-        </p:txBody>
-      </p:sp>
-      <p:sp>
-        <p:nvSpPr>
-          <p:cNvPr id="7" name="文本框 6">
-            <a:extLst>
-              <a:ext uri="{FF2B5EF4-FFF2-40B4-BE49-F238E27FC236}">
-                <a16:creationId xmlns:a16="http://schemas.microsoft.com/office/drawing/2014/main" id="{2C276D97-CCCB-476C-81CE-B4294E655EFC}"/>
-              </a:ext>
-            </a:extLst>
-          </p:cNvPr>
-          <p:cNvSpPr txBox="1"/>
-          <p:nvPr/>
-        </p:nvSpPr>
-        <p:spPr>
-          <a:xfrm>
-            <a:off x="523296" y="2264807"/>
-            <a:ext cx="4688039" cy="3539430"/>
-          </a:xfrm>
-          <a:prstGeom prst="rect">
-            <a:avLst/>
-          </a:prstGeom>
-          <a:noFill/>
-        </p:spPr>
-        <p:txBody>
-          <a:bodyPr wrap="square" rtlCol="0">
-            <a:spAutoFit/>
-          </a:bodyPr>
-          <a:lstStyle/>
-          <a:p>
-            <a:r>
-              <a:rPr lang="en-US" altLang="zh-CN" sz="2800" dirty="0"/>
-              <a:t>display</a:t>
-            </a:r>
-          </a:p>
-          <a:p>
-            <a:r>
-              <a:rPr lang="en-US" altLang="zh-CN" sz="2800" dirty="0"/>
-              <a:t>grid-template-columns</a:t>
-            </a:r>
-          </a:p>
-          <a:p>
-            <a:r>
-              <a:rPr lang="en-US" altLang="zh-CN" sz="2800" dirty="0"/>
-              <a:t>grid-template-rows</a:t>
-            </a:r>
-          </a:p>
-          <a:p>
-            <a:r>
-              <a:rPr lang="en-US" altLang="zh-CN" sz="2800" dirty="0"/>
-              <a:t>grid-template-areas</a:t>
-            </a:r>
-          </a:p>
-          <a:p>
-            <a:r>
-              <a:rPr lang="en-US" altLang="zh-CN" sz="2800" dirty="0"/>
-              <a:t>grid-column-gap</a:t>
-            </a:r>
-          </a:p>
-          <a:p>
-            <a:r>
-              <a:rPr lang="en-US" altLang="zh-CN" sz="2800" dirty="0"/>
-              <a:t>grid-row-gap</a:t>
-            </a:r>
-          </a:p>
-          <a:p>
-            <a:r>
-              <a:rPr lang="en-US" altLang="zh-CN" sz="2800" dirty="0"/>
-              <a:t>grid-gap</a:t>
-            </a:r>
-          </a:p>
-          <a:p>
-            <a:r>
-              <a:rPr lang="en-US" altLang="zh-CN" sz="2800" dirty="0"/>
-              <a:t>justify-items</a:t>
-            </a:r>
-          </a:p>
-        </p:txBody>
-      </p:sp>
-      <p:sp>
-        <p:nvSpPr>
-          <p:cNvPr id="4" name="文本框 3">
-            <a:extLst>
-              <a:ext uri="{FF2B5EF4-FFF2-40B4-BE49-F238E27FC236}">
-                <a16:creationId xmlns:a16="http://schemas.microsoft.com/office/drawing/2014/main" id="{70CAA7E5-B161-4735-9B43-E45C968FBE82}"/>
-              </a:ext>
-            </a:extLst>
-          </p:cNvPr>
-          <p:cNvSpPr txBox="1"/>
-          <p:nvPr/>
-        </p:nvSpPr>
-        <p:spPr>
-          <a:xfrm>
-            <a:off x="6977489" y="2264807"/>
-            <a:ext cx="4688039" cy="3108543"/>
-          </a:xfrm>
-          <a:prstGeom prst="rect">
-            <a:avLst/>
-          </a:prstGeom>
-          <a:noFill/>
-        </p:spPr>
-        <p:txBody>
-          <a:bodyPr wrap="square" rtlCol="0">
-            <a:spAutoFit/>
-          </a:bodyPr>
-          <a:lstStyle/>
-          <a:p>
-            <a:r>
-              <a:rPr lang="en-US" altLang="zh-CN" sz="2800" dirty="0"/>
-              <a:t>align-items</a:t>
-            </a:r>
-          </a:p>
-          <a:p>
-            <a:r>
-              <a:rPr lang="en-US" altLang="zh-CN" sz="2800" dirty="0"/>
-              <a:t>justify-content</a:t>
-            </a:r>
-          </a:p>
-          <a:p>
-            <a:r>
-              <a:rPr lang="en-US" altLang="zh-CN" sz="2800" dirty="0"/>
-              <a:t>align-content</a:t>
-            </a:r>
-          </a:p>
-          <a:p>
-            <a:r>
-              <a:rPr lang="en-US" altLang="zh-CN" sz="2800" dirty="0"/>
-              <a:t>grid-auto-columns</a:t>
-            </a:r>
-          </a:p>
-          <a:p>
-            <a:r>
-              <a:rPr lang="en-US" altLang="zh-CN" sz="2800" dirty="0"/>
-              <a:t>grid-auto-rows</a:t>
-            </a:r>
-          </a:p>
-          <a:p>
-            <a:r>
-              <a:rPr lang="en-US" altLang="zh-CN" sz="2800" dirty="0"/>
-              <a:t>grid-auto-flow</a:t>
-            </a:r>
-          </a:p>
-          <a:p>
-            <a:r>
-              <a:rPr lang="en-US" altLang="zh-CN" sz="2800" dirty="0"/>
-              <a:t>grid</a:t>
-            </a:r>
-            <a:endParaRPr lang="zh-CN" altLang="en-US" sz="2800" dirty="0"/>
-          </a:p>
-        </p:txBody>
-      </p:sp>
-    </p:spTree>
-    <p:extLst>
-      <p:ext uri="{BB962C8B-B14F-4D97-AF65-F5344CB8AC3E}">
-        <p14:creationId xmlns:p14="http://schemas.microsoft.com/office/powerpoint/2010/main" val="2598436639"/>
       </p:ext>
     </p:extLst>
   </p:cSld>
@@ -17228,7 +17349,7 @@
           <p:cNvPr id="2" name="标题 1">
             <a:extLst>
               <a:ext uri="{FF2B5EF4-FFF2-40B4-BE49-F238E27FC236}">
-                <a16:creationId xmlns:a16="http://schemas.microsoft.com/office/drawing/2014/main" id="{A938CF80-F668-4B65-B009-F9F86A52F090}"/>
+                <a16:creationId xmlns:a16="http://schemas.microsoft.com/office/drawing/2014/main" xmlns="" id="{8FC3F6F2-B4D0-4A5C-9A8B-A53E071F436D}"/>
               </a:ext>
             </a:extLst>
           </p:cNvPr>
@@ -17241,8 +17362,8 @@
         </p:nvSpPr>
         <p:spPr>
           <a:xfrm>
-            <a:off x="1141413" y="193964"/>
-            <a:ext cx="9905998" cy="1905000"/>
+            <a:off x="1141413" y="609600"/>
+            <a:ext cx="9905998" cy="1163782"/>
           </a:xfrm>
         </p:spPr>
         <p:txBody>
@@ -17253,33 +17374,18 @@
           <a:p>
             <a:pPr algn="ctr"/>
             <a:r>
-              <a:rPr lang="zh-CN" altLang="en-US" sz="4000" dirty="0">
-                <a:effectLst/>
-              </a:rPr>
-              <a:t>绘制</a:t>
-            </a:r>
-            <a:r>
-              <a:rPr lang="en-US" altLang="zh-CN" sz="4000" dirty="0">
-                <a:effectLst/>
-              </a:rPr>
-              <a:t>grid</a:t>
-            </a:r>
-            <a:r>
-              <a:rPr lang="zh-CN" altLang="en-US" sz="4000" dirty="0">
-                <a:effectLst/>
-              </a:rPr>
-              <a:t>布局</a:t>
-            </a:r>
-            <a:endParaRPr lang="zh-CN" altLang="en-US" sz="4800" dirty="0"/>
+              <a:rPr lang="zh-CN" altLang="en-US" sz="4000" dirty="0"/>
+              <a:t>栅格容器属性</a:t>
+            </a:r>
           </a:p>
         </p:txBody>
       </p:sp>
       <p:sp>
         <p:nvSpPr>
-          <p:cNvPr id="4" name="文本框 3">
+          <p:cNvPr id="7" name="文本框 6">
             <a:extLst>
               <a:ext uri="{FF2B5EF4-FFF2-40B4-BE49-F238E27FC236}">
-                <a16:creationId xmlns:a16="http://schemas.microsoft.com/office/drawing/2014/main" id="{21022717-DEE6-4DFE-BEFC-C21B40A54266}"/>
+                <a16:creationId xmlns:a16="http://schemas.microsoft.com/office/drawing/2014/main" xmlns="" id="{2C276D97-CCCB-476C-81CE-B4294E655EFC}"/>
               </a:ext>
             </a:extLst>
           </p:cNvPr>
@@ -17288,8 +17394,8 @@
         </p:nvSpPr>
         <p:spPr>
           <a:xfrm>
-            <a:off x="501994" y="2750592"/>
-            <a:ext cx="11184835" cy="2246769"/>
+            <a:off x="523296" y="2264807"/>
+            <a:ext cx="4688039" cy="3539430"/>
           </a:xfrm>
           <a:prstGeom prst="rect">
             <a:avLst/>
@@ -17304,44 +17410,129 @@
           <a:p>
             <a:r>
               <a:rPr lang="en-US" altLang="zh-CN" sz="2800" dirty="0"/>
-              <a:t>display :</a:t>
+              <a:t>display</a:t>
             </a:r>
           </a:p>
           <a:p>
             <a:r>
               <a:rPr lang="en-US" altLang="zh-CN" sz="2800" dirty="0"/>
-              <a:t>grid | inline-grid | </a:t>
-            </a:r>
-            <a:r>
-              <a:rPr lang="en-US" altLang="zh-CN" sz="2800" dirty="0" err="1"/>
-              <a:t>subgrid</a:t>
-            </a:r>
-            <a:endParaRPr lang="en-US" altLang="zh-CN" sz="2800" dirty="0"/>
-          </a:p>
-          <a:p>
-            <a:endParaRPr lang="en-US" altLang="zh-CN" sz="2800" dirty="0"/>
-          </a:p>
-          <a:p>
-            <a:r>
-              <a:rPr lang="en-US" altLang="zh-CN" sz="2800" dirty="0" err="1"/>
-              <a:t>subgrid</a:t>
-            </a:r>
+              <a:t>grid-template-columns</a:t>
+            </a:r>
+          </a:p>
+          <a:p>
             <a:r>
               <a:rPr lang="en-US" altLang="zh-CN" sz="2800" dirty="0"/>
-              <a:t> </a:t>
-            </a:r>
-            <a:r>
-              <a:rPr lang="zh-CN" altLang="en-US" sz="2800" dirty="0"/>
-              <a:t>栅格容器本身是一个栅格项目的话，可以根据它的父元素而不是它自己，指定行列大小。</a:t>
-            </a:r>
-            <a:endParaRPr lang="en-US" altLang="zh-CN" sz="2800" dirty="0"/>
+              <a:t>grid-template-rows</a:t>
+            </a:r>
+          </a:p>
+          <a:p>
+            <a:r>
+              <a:rPr lang="en-US" altLang="zh-CN" sz="2800" dirty="0"/>
+              <a:t>grid-template-areas</a:t>
+            </a:r>
+          </a:p>
+          <a:p>
+            <a:r>
+              <a:rPr lang="en-US" altLang="zh-CN" sz="2800" dirty="0"/>
+              <a:t>grid-column-gap</a:t>
+            </a:r>
+          </a:p>
+          <a:p>
+            <a:r>
+              <a:rPr lang="en-US" altLang="zh-CN" sz="2800" dirty="0"/>
+              <a:t>grid-row-gap</a:t>
+            </a:r>
+          </a:p>
+          <a:p>
+            <a:r>
+              <a:rPr lang="en-US" altLang="zh-CN" sz="2800" dirty="0"/>
+              <a:t>grid-gap</a:t>
+            </a:r>
+          </a:p>
+          <a:p>
+            <a:r>
+              <a:rPr lang="en-US" altLang="zh-CN" sz="2800" dirty="0"/>
+              <a:t>justify-items</a:t>
+            </a:r>
+          </a:p>
+        </p:txBody>
+      </p:sp>
+      <p:sp>
+        <p:nvSpPr>
+          <p:cNvPr id="4" name="文本框 3">
+            <a:extLst>
+              <a:ext uri="{FF2B5EF4-FFF2-40B4-BE49-F238E27FC236}">
+                <a16:creationId xmlns:a16="http://schemas.microsoft.com/office/drawing/2014/main" xmlns="" id="{70CAA7E5-B161-4735-9B43-E45C968FBE82}"/>
+              </a:ext>
+            </a:extLst>
+          </p:cNvPr>
+          <p:cNvSpPr txBox="1"/>
+          <p:nvPr/>
+        </p:nvSpPr>
+        <p:spPr>
+          <a:xfrm>
+            <a:off x="6977489" y="2264807"/>
+            <a:ext cx="4688039" cy="3108543"/>
+          </a:xfrm>
+          <a:prstGeom prst="rect">
+            <a:avLst/>
+          </a:prstGeom>
+          <a:noFill/>
+        </p:spPr>
+        <p:txBody>
+          <a:bodyPr wrap="square" rtlCol="0">
+            <a:spAutoFit/>
+          </a:bodyPr>
+          <a:lstStyle/>
+          <a:p>
+            <a:r>
+              <a:rPr lang="en-US" altLang="zh-CN" sz="2800" dirty="0"/>
+              <a:t>align-items</a:t>
+            </a:r>
+          </a:p>
+          <a:p>
+            <a:r>
+              <a:rPr lang="en-US" altLang="zh-CN" sz="2800" dirty="0"/>
+              <a:t>justify-content</a:t>
+            </a:r>
+          </a:p>
+          <a:p>
+            <a:r>
+              <a:rPr lang="en-US" altLang="zh-CN" sz="2800" dirty="0"/>
+              <a:t>align-content</a:t>
+            </a:r>
+          </a:p>
+          <a:p>
+            <a:r>
+              <a:rPr lang="en-US" altLang="zh-CN" sz="2800" dirty="0"/>
+              <a:t>grid-auto-columns</a:t>
+            </a:r>
+          </a:p>
+          <a:p>
+            <a:r>
+              <a:rPr lang="en-US" altLang="zh-CN" sz="2800" dirty="0"/>
+              <a:t>grid-auto-rows</a:t>
+            </a:r>
+          </a:p>
+          <a:p>
+            <a:r>
+              <a:rPr lang="en-US" altLang="zh-CN" sz="2800" dirty="0"/>
+              <a:t>grid-auto-flow</a:t>
+            </a:r>
+          </a:p>
+          <a:p>
+            <a:r>
+              <a:rPr lang="en-US" altLang="zh-CN" sz="2800" dirty="0"/>
+              <a:t>grid</a:t>
+            </a:r>
+            <a:endParaRPr lang="zh-CN" altLang="en-US" sz="2800" dirty="0"/>
           </a:p>
         </p:txBody>
       </p:sp>
     </p:spTree>
     <p:extLst>
       <p:ext uri="{BB962C8B-B14F-4D97-AF65-F5344CB8AC3E}">
-        <p14:creationId xmlns:p14="http://schemas.microsoft.com/office/powerpoint/2010/main" val="658399531"/>
+        <p14:creationId xmlns:p14="http://schemas.microsoft.com/office/powerpoint/2010/main" val="2598436639"/>
       </p:ext>
     </p:extLst>
   </p:cSld>
@@ -17373,7 +17564,152 @@
           <p:cNvPr id="2" name="标题 1">
             <a:extLst>
               <a:ext uri="{FF2B5EF4-FFF2-40B4-BE49-F238E27FC236}">
-                <a16:creationId xmlns:a16="http://schemas.microsoft.com/office/drawing/2014/main" id="{A938CF80-F668-4B65-B009-F9F86A52F090}"/>
+                <a16:creationId xmlns:a16="http://schemas.microsoft.com/office/drawing/2014/main" xmlns="" id="{A938CF80-F668-4B65-B009-F9F86A52F090}"/>
+              </a:ext>
+            </a:extLst>
+          </p:cNvPr>
+          <p:cNvSpPr>
+            <a:spLocks noGrp="1"/>
+          </p:cNvSpPr>
+          <p:nvPr>
+            <p:ph type="title"/>
+          </p:nvPr>
+        </p:nvSpPr>
+        <p:spPr>
+          <a:xfrm>
+            <a:off x="1141413" y="193964"/>
+            <a:ext cx="9905998" cy="1905000"/>
+          </a:xfrm>
+        </p:spPr>
+        <p:txBody>
+          <a:bodyPr>
+            <a:normAutofit/>
+          </a:bodyPr>
+          <a:lstStyle/>
+          <a:p>
+            <a:pPr algn="ctr"/>
+            <a:r>
+              <a:rPr lang="zh-CN" altLang="en-US" sz="4000" dirty="0">
+                <a:effectLst/>
+              </a:rPr>
+              <a:t>绘制</a:t>
+            </a:r>
+            <a:r>
+              <a:rPr lang="en-US" altLang="zh-CN" sz="4000" dirty="0">
+                <a:effectLst/>
+              </a:rPr>
+              <a:t>grid</a:t>
+            </a:r>
+            <a:r>
+              <a:rPr lang="zh-CN" altLang="en-US" sz="4000" dirty="0">
+                <a:effectLst/>
+              </a:rPr>
+              <a:t>布局</a:t>
+            </a:r>
+            <a:endParaRPr lang="zh-CN" altLang="en-US" sz="4800" dirty="0"/>
+          </a:p>
+        </p:txBody>
+      </p:sp>
+      <p:sp>
+        <p:nvSpPr>
+          <p:cNvPr id="4" name="文本框 3">
+            <a:extLst>
+              <a:ext uri="{FF2B5EF4-FFF2-40B4-BE49-F238E27FC236}">
+                <a16:creationId xmlns:a16="http://schemas.microsoft.com/office/drawing/2014/main" xmlns="" id="{21022717-DEE6-4DFE-BEFC-C21B40A54266}"/>
+              </a:ext>
+            </a:extLst>
+          </p:cNvPr>
+          <p:cNvSpPr txBox="1"/>
+          <p:nvPr/>
+        </p:nvSpPr>
+        <p:spPr>
+          <a:xfrm>
+            <a:off x="501994" y="2750592"/>
+            <a:ext cx="11184835" cy="2246769"/>
+          </a:xfrm>
+          <a:prstGeom prst="rect">
+            <a:avLst/>
+          </a:prstGeom>
+          <a:noFill/>
+        </p:spPr>
+        <p:txBody>
+          <a:bodyPr wrap="square" rtlCol="0">
+            <a:spAutoFit/>
+          </a:bodyPr>
+          <a:lstStyle/>
+          <a:p>
+            <a:r>
+              <a:rPr lang="en-US" altLang="zh-CN" sz="2800" dirty="0"/>
+              <a:t>display :</a:t>
+            </a:r>
+          </a:p>
+          <a:p>
+            <a:r>
+              <a:rPr lang="en-US" altLang="zh-CN" sz="2800" dirty="0"/>
+              <a:t>grid | inline-grid | </a:t>
+            </a:r>
+            <a:r>
+              <a:rPr lang="en-US" altLang="zh-CN" sz="2800" dirty="0" err="1"/>
+              <a:t>subgrid</a:t>
+            </a:r>
+            <a:endParaRPr lang="en-US" altLang="zh-CN" sz="2800" dirty="0"/>
+          </a:p>
+          <a:p>
+            <a:endParaRPr lang="en-US" altLang="zh-CN" sz="2800" dirty="0"/>
+          </a:p>
+          <a:p>
+            <a:r>
+              <a:rPr lang="en-US" altLang="zh-CN" sz="2800" dirty="0" err="1"/>
+              <a:t>subgrid</a:t>
+            </a:r>
+            <a:r>
+              <a:rPr lang="en-US" altLang="zh-CN" sz="2800" dirty="0"/>
+              <a:t> </a:t>
+            </a:r>
+            <a:r>
+              <a:rPr lang="zh-CN" altLang="en-US" sz="2800" dirty="0"/>
+              <a:t>栅格容器本身是一个栅格项目的话，可以根据它的父元素而不是它自己，指定行列大小。</a:t>
+            </a:r>
+            <a:endParaRPr lang="en-US" altLang="zh-CN" sz="2800" dirty="0"/>
+          </a:p>
+        </p:txBody>
+      </p:sp>
+    </p:spTree>
+    <p:extLst>
+      <p:ext uri="{BB962C8B-B14F-4D97-AF65-F5344CB8AC3E}">
+        <p14:creationId xmlns:p14="http://schemas.microsoft.com/office/powerpoint/2010/main" val="658399531"/>
+      </p:ext>
+    </p:extLst>
+  </p:cSld>
+  <p:clrMapOvr>
+    <a:masterClrMapping/>
+  </p:clrMapOvr>
+</p:sld>
+</file>
+
+<file path=ppt/slides/slide28.xml><?xml version="1.0" encoding="utf-8"?>
+<p:sld xmlns:a="http://schemas.openxmlformats.org/drawingml/2006/main" xmlns:r="http://schemas.openxmlformats.org/officeDocument/2006/relationships" xmlns:p="http://schemas.openxmlformats.org/presentationml/2006/main">
+  <p:cSld>
+    <p:spTree>
+      <p:nvGrpSpPr>
+        <p:cNvPr id="1" name=""/>
+        <p:cNvGrpSpPr/>
+        <p:nvPr/>
+      </p:nvGrpSpPr>
+      <p:grpSpPr>
+        <a:xfrm>
+          <a:off x="0" y="0"/>
+          <a:ext cx="0" cy="0"/>
+          <a:chOff x="0" y="0"/>
+          <a:chExt cx="0" cy="0"/>
+        </a:xfrm>
+      </p:grpSpPr>
+      <p:sp>
+        <p:nvSpPr>
+          <p:cNvPr id="2" name="标题 1">
+            <a:extLst>
+              <a:ext uri="{FF2B5EF4-FFF2-40B4-BE49-F238E27FC236}">
+                <a16:creationId xmlns:a16="http://schemas.microsoft.com/office/drawing/2014/main" xmlns="" id="{A938CF80-F668-4B65-B009-F9F86A52F090}"/>
               </a:ext>
             </a:extLst>
           </p:cNvPr>
@@ -17412,7 +17748,7 @@
           <p:cNvPr id="3" name="图片 2">
             <a:extLst>
               <a:ext uri="{FF2B5EF4-FFF2-40B4-BE49-F238E27FC236}">
-                <a16:creationId xmlns:a16="http://schemas.microsoft.com/office/drawing/2014/main" id="{2FB23517-AA20-4946-BE26-4EF3804F6694}"/>
+                <a16:creationId xmlns:a16="http://schemas.microsoft.com/office/drawing/2014/main" xmlns="" id="{2FB23517-AA20-4946-BE26-4EF3804F6694}"/>
               </a:ext>
             </a:extLst>
           </p:cNvPr>
@@ -17442,7 +17778,7 @@
           <p:cNvPr id="5" name="图片 4">
             <a:extLst>
               <a:ext uri="{FF2B5EF4-FFF2-40B4-BE49-F238E27FC236}">
-                <a16:creationId xmlns:a16="http://schemas.microsoft.com/office/drawing/2014/main" id="{3BFC5852-73E0-498B-95AF-29E018072C60}"/>
+                <a16:creationId xmlns:a16="http://schemas.microsoft.com/office/drawing/2014/main" xmlns="" id="{3BFC5852-73E0-498B-95AF-29E018072C60}"/>
               </a:ext>
             </a:extLst>
           </p:cNvPr>
@@ -17480,7 +17816,7 @@
 </p:sld>
 </file>
 
-<file path=ppt/slides/slide28.xml><?xml version="1.0" encoding="utf-8"?>
+<file path=ppt/slides/slide29.xml><?xml version="1.0" encoding="utf-8"?>
 <p:sld xmlns:a="http://schemas.openxmlformats.org/drawingml/2006/main" xmlns:r="http://schemas.openxmlformats.org/officeDocument/2006/relationships" xmlns:p="http://schemas.openxmlformats.org/presentationml/2006/main">
   <p:cSld>
     <p:spTree>
@@ -17502,7 +17838,7 @@
           <p:cNvPr id="2" name="标题 1">
             <a:extLst>
               <a:ext uri="{FF2B5EF4-FFF2-40B4-BE49-F238E27FC236}">
-                <a16:creationId xmlns:a16="http://schemas.microsoft.com/office/drawing/2014/main" id="{A938CF80-F668-4B65-B009-F9F86A52F090}"/>
+                <a16:creationId xmlns:a16="http://schemas.microsoft.com/office/drawing/2014/main" xmlns="" id="{A938CF80-F668-4B65-B009-F9F86A52F090}"/>
               </a:ext>
             </a:extLst>
           </p:cNvPr>
@@ -17541,7 +17877,7 @@
           <p:cNvPr id="7" name="图片 6">
             <a:extLst>
               <a:ext uri="{FF2B5EF4-FFF2-40B4-BE49-F238E27FC236}">
-                <a16:creationId xmlns:a16="http://schemas.microsoft.com/office/drawing/2014/main" id="{D78691B0-66BD-4616-A9DD-8E0ABA45FC2C}"/>
+                <a16:creationId xmlns:a16="http://schemas.microsoft.com/office/drawing/2014/main" xmlns="" id="{D78691B0-66BD-4616-A9DD-8E0ABA45FC2C}"/>
               </a:ext>
             </a:extLst>
           </p:cNvPr>
@@ -17570,175 +17906,6 @@
     <p:extLst>
       <p:ext uri="{BB962C8B-B14F-4D97-AF65-F5344CB8AC3E}">
         <p14:creationId xmlns:p14="http://schemas.microsoft.com/office/powerpoint/2010/main" val="4210729770"/>
-      </p:ext>
-    </p:extLst>
-  </p:cSld>
-  <p:clrMapOvr>
-    <a:masterClrMapping/>
-  </p:clrMapOvr>
-</p:sld>
-</file>
-
-<file path=ppt/slides/slide29.xml><?xml version="1.0" encoding="utf-8"?>
-<p:sld xmlns:a="http://schemas.openxmlformats.org/drawingml/2006/main" xmlns:r="http://schemas.openxmlformats.org/officeDocument/2006/relationships" xmlns:p="http://schemas.openxmlformats.org/presentationml/2006/main">
-  <p:cSld>
-    <p:spTree>
-      <p:nvGrpSpPr>
-        <p:cNvPr id="1" name=""/>
-        <p:cNvGrpSpPr/>
-        <p:nvPr/>
-      </p:nvGrpSpPr>
-      <p:grpSpPr>
-        <a:xfrm>
-          <a:off x="0" y="0"/>
-          <a:ext cx="0" cy="0"/>
-          <a:chOff x="0" y="0"/>
-          <a:chExt cx="0" cy="0"/>
-        </a:xfrm>
-      </p:grpSpPr>
-      <p:sp>
-        <p:nvSpPr>
-          <p:cNvPr id="2" name="标题 1">
-            <a:extLst>
-              <a:ext uri="{FF2B5EF4-FFF2-40B4-BE49-F238E27FC236}">
-                <a16:creationId xmlns:a16="http://schemas.microsoft.com/office/drawing/2014/main" id="{A938CF80-F668-4B65-B009-F9F86A52F090}"/>
-              </a:ext>
-            </a:extLst>
-          </p:cNvPr>
-          <p:cNvSpPr>
-            <a:spLocks noGrp="1"/>
-          </p:cNvSpPr>
-          <p:nvPr>
-            <p:ph type="title"/>
-          </p:nvPr>
-        </p:nvSpPr>
-        <p:spPr>
-          <a:xfrm>
-            <a:off x="1141413" y="0"/>
-            <a:ext cx="9905998" cy="1905000"/>
-          </a:xfrm>
-        </p:spPr>
-        <p:txBody>
-          <a:bodyPr>
-            <a:normAutofit/>
-          </a:bodyPr>
-          <a:lstStyle/>
-          <a:p>
-            <a:pPr algn="ctr"/>
-            <a:r>
-              <a:rPr lang="zh-CN" altLang="en-US" sz="4000" dirty="0">
-                <a:effectLst/>
-              </a:rPr>
-              <a:t>定义栅格区域名称</a:t>
-            </a:r>
-            <a:endParaRPr lang="zh-CN" altLang="en-US" sz="4800" dirty="0"/>
-          </a:p>
-        </p:txBody>
-      </p:sp>
-      <p:sp>
-        <p:nvSpPr>
-          <p:cNvPr id="3" name="文本框 2">
-            <a:extLst>
-              <a:ext uri="{FF2B5EF4-FFF2-40B4-BE49-F238E27FC236}">
-                <a16:creationId xmlns:a16="http://schemas.microsoft.com/office/drawing/2014/main" id="{82DF5F2A-A4C0-4F51-80D7-23020D23A2BD}"/>
-              </a:ext>
-            </a:extLst>
-          </p:cNvPr>
-          <p:cNvSpPr txBox="1"/>
-          <p:nvPr/>
-        </p:nvSpPr>
-        <p:spPr>
-          <a:xfrm>
-            <a:off x="346364" y="2202873"/>
-            <a:ext cx="11596254" cy="3539430"/>
-          </a:xfrm>
-          <a:prstGeom prst="rect">
-            <a:avLst/>
-          </a:prstGeom>
-          <a:noFill/>
-        </p:spPr>
-        <p:txBody>
-          <a:bodyPr wrap="square" rtlCol="0">
-            <a:spAutoFit/>
-          </a:bodyPr>
-          <a:lstStyle/>
-          <a:p>
-            <a:r>
-              <a:rPr lang="zh-CN" altLang="en-US" sz="2800" dirty="0"/>
-              <a:t>栅格容器 </a:t>
-            </a:r>
-            <a:r>
-              <a:rPr lang="en-US" altLang="zh-CN" sz="2800" dirty="0"/>
-              <a:t>grid-template-areas</a:t>
-            </a:r>
-          </a:p>
-          <a:p>
-            <a:endParaRPr lang="en-US" altLang="zh-CN" sz="2800" dirty="0"/>
-          </a:p>
-          <a:p>
-            <a:r>
-              <a:rPr lang="zh-CN" altLang="en-US" sz="2800" dirty="0"/>
-              <a:t>栅格项目 </a:t>
-            </a:r>
-            <a:r>
-              <a:rPr lang="en-US" altLang="zh-CN" sz="2800" dirty="0"/>
-              <a:t>grid-area</a:t>
-            </a:r>
-          </a:p>
-          <a:p>
-            <a:endParaRPr lang="en-US" altLang="zh-CN" sz="2800" dirty="0"/>
-          </a:p>
-          <a:p>
-            <a:endParaRPr lang="en-US" altLang="zh-CN" sz="2800" dirty="0"/>
-          </a:p>
-          <a:p>
-            <a:r>
-              <a:rPr lang="zh-CN" altLang="en-US" sz="2800" dirty="0"/>
-              <a:t>简写属性：</a:t>
-            </a:r>
-            <a:r>
-              <a:rPr lang="en-US" altLang="zh-CN" sz="2800" dirty="0"/>
-              <a:t>grid-template</a:t>
-            </a:r>
-            <a:r>
-              <a:rPr lang="zh-CN" altLang="en-US" sz="2800" dirty="0"/>
-              <a:t>（</a:t>
-            </a:r>
-            <a:r>
-              <a:rPr lang="en-US" altLang="zh-CN" sz="2800" dirty="0"/>
-              <a:t>grid-template-columns</a:t>
-            </a:r>
-            <a:r>
-              <a:rPr lang="zh-CN" altLang="en-US" sz="2800" dirty="0"/>
-              <a:t>，</a:t>
-            </a:r>
-            <a:r>
-              <a:rPr lang="en-US" altLang="zh-CN" sz="2800" dirty="0"/>
-              <a:t>grid-template-rows </a:t>
-            </a:r>
-            <a:r>
-              <a:rPr lang="zh-CN" altLang="en-US" sz="2800" dirty="0"/>
-              <a:t>和 </a:t>
-            </a:r>
-            <a:r>
-              <a:rPr lang="en-US" altLang="zh-CN" sz="2800" dirty="0"/>
-              <a:t>grid-template-areas </a:t>
-            </a:r>
-            <a:r>
-              <a:rPr lang="zh-CN" altLang="en-US" sz="2800" dirty="0"/>
-              <a:t>的简写。）</a:t>
-            </a:r>
-            <a:endParaRPr lang="en-US" altLang="zh-CN" sz="2800" dirty="0"/>
-          </a:p>
-          <a:p>
-            <a:endParaRPr lang="zh-CN" altLang="en-US" sz="2800" dirty="0"/>
-          </a:p>
-        </p:txBody>
-      </p:sp>
-    </p:spTree>
-    <p:extLst>
-      <p:ext uri="{BB962C8B-B14F-4D97-AF65-F5344CB8AC3E}">
-        <p14:creationId xmlns:p14="http://schemas.microsoft.com/office/powerpoint/2010/main" val="2190741107"/>
       </p:ext>
     </p:extLst>
   </p:cSld>
@@ -17781,7 +17948,7 @@
           <p:cNvPr id="3" name="内容占位符 2">
             <a:extLst>
               <a:ext uri="{FF2B5EF4-FFF2-40B4-BE49-F238E27FC236}">
-                <a16:creationId xmlns:a16="http://schemas.microsoft.com/office/drawing/2014/main" id="{BC9EE13F-5B54-47B4-9CDF-1658CD2F7DF9}"/>
+                <a16:creationId xmlns:a16="http://schemas.microsoft.com/office/drawing/2014/main" xmlns="" id="{BC9EE13F-5B54-47B4-9CDF-1658CD2F7DF9}"/>
               </a:ext>
             </a:extLst>
           </p:cNvPr>
@@ -17867,7 +18034,7 @@
           <p:cNvPr id="2" name="标题 1">
             <a:extLst>
               <a:ext uri="{FF2B5EF4-FFF2-40B4-BE49-F238E27FC236}">
-                <a16:creationId xmlns:a16="http://schemas.microsoft.com/office/drawing/2014/main" id="{A938CF80-F668-4B65-B009-F9F86A52F090}"/>
+                <a16:creationId xmlns:a16="http://schemas.microsoft.com/office/drawing/2014/main" xmlns="" id="{A938CF80-F668-4B65-B009-F9F86A52F090}"/>
               </a:ext>
             </a:extLst>
           </p:cNvPr>
@@ -17895,7 +18062,7 @@
               <a:rPr lang="zh-CN" altLang="en-US" sz="4000" dirty="0">
                 <a:effectLst/>
               </a:rPr>
-              <a:t>定义栅格线大小</a:t>
+              <a:t>定义栅格区域名称</a:t>
             </a:r>
             <a:endParaRPr lang="zh-CN" altLang="en-US" sz="4800" dirty="0"/>
           </a:p>
@@ -17906,7 +18073,7 @@
           <p:cNvPr id="3" name="文本框 2">
             <a:extLst>
               <a:ext uri="{FF2B5EF4-FFF2-40B4-BE49-F238E27FC236}">
-                <a16:creationId xmlns:a16="http://schemas.microsoft.com/office/drawing/2014/main" id="{82DF5F2A-A4C0-4F51-80D7-23020D23A2BD}"/>
+                <a16:creationId xmlns:a16="http://schemas.microsoft.com/office/drawing/2014/main" xmlns="" id="{82DF5F2A-A4C0-4F51-80D7-23020D23A2BD}"/>
               </a:ext>
             </a:extLst>
           </p:cNvPr>
@@ -17915,8 +18082,8 @@
         </p:nvSpPr>
         <p:spPr>
           <a:xfrm>
-            <a:off x="346364" y="1676401"/>
-            <a:ext cx="11596254" cy="2246769"/>
+            <a:off x="346364" y="2202873"/>
+            <a:ext cx="11596254" cy="3539430"/>
           </a:xfrm>
           <a:prstGeom prst="rect">
             <a:avLst/>
@@ -17931,11 +18098,11 @@
           <a:p>
             <a:r>
               <a:rPr lang="zh-CN" altLang="en-US" sz="2800" dirty="0"/>
-              <a:t>列栅格线大小 </a:t>
+              <a:t>栅格容器 </a:t>
             </a:r>
             <a:r>
               <a:rPr lang="en-US" altLang="zh-CN" sz="2800" dirty="0"/>
-              <a:t>grid-column-gap </a:t>
+              <a:t>grid-template-areas</a:t>
             </a:r>
           </a:p>
           <a:p>
@@ -17944,25 +18111,59 @@
           <a:p>
             <a:r>
               <a:rPr lang="zh-CN" altLang="en-US" sz="2800" dirty="0"/>
-              <a:t>行栅格线大小 </a:t>
+              <a:t>栅格项目 </a:t>
             </a:r>
             <a:r>
               <a:rPr lang="en-US" altLang="zh-CN" sz="2800" dirty="0"/>
-              <a:t>grid-row-gap</a:t>
+              <a:t>grid-area</a:t>
             </a:r>
           </a:p>
           <a:p>
             <a:endParaRPr lang="en-US" altLang="zh-CN" sz="2800" dirty="0"/>
           </a:p>
           <a:p>
+            <a:endParaRPr lang="en-US" altLang="zh-CN" sz="2800" dirty="0"/>
+          </a:p>
+          <a:p>
             <a:r>
               <a:rPr lang="zh-CN" altLang="en-US" sz="2800" dirty="0"/>
-              <a:t>简写 </a:t>
+              <a:t>简写属性：</a:t>
             </a:r>
             <a:r>
               <a:rPr lang="en-US" altLang="zh-CN" sz="2800" dirty="0"/>
-              <a:t>grid-gap</a:t>
-            </a:r>
+              <a:t>grid-template</a:t>
+            </a:r>
+            <a:r>
+              <a:rPr lang="zh-CN" altLang="en-US" sz="2800" dirty="0"/>
+              <a:t>（</a:t>
+            </a:r>
+            <a:r>
+              <a:rPr lang="en-US" altLang="zh-CN" sz="2800" dirty="0"/>
+              <a:t>grid-template-columns</a:t>
+            </a:r>
+            <a:r>
+              <a:rPr lang="zh-CN" altLang="en-US" sz="2800" dirty="0"/>
+              <a:t>，</a:t>
+            </a:r>
+            <a:r>
+              <a:rPr lang="en-US" altLang="zh-CN" sz="2800" dirty="0"/>
+              <a:t>grid-template-rows </a:t>
+            </a:r>
+            <a:r>
+              <a:rPr lang="zh-CN" altLang="en-US" sz="2800" dirty="0"/>
+              <a:t>和 </a:t>
+            </a:r>
+            <a:r>
+              <a:rPr lang="en-US" altLang="zh-CN" sz="2800" dirty="0"/>
+              <a:t>grid-template-areas </a:t>
+            </a:r>
+            <a:r>
+              <a:rPr lang="zh-CN" altLang="en-US" sz="2800" dirty="0"/>
+              <a:t>的简写。）</a:t>
+            </a:r>
+            <a:endParaRPr lang="en-US" altLang="zh-CN" sz="2800" dirty="0"/>
+          </a:p>
+          <a:p>
             <a:endParaRPr lang="zh-CN" altLang="en-US" sz="2800" dirty="0"/>
           </a:p>
         </p:txBody>
@@ -17970,7 +18171,7 @@
     </p:spTree>
     <p:extLst>
       <p:ext uri="{BB962C8B-B14F-4D97-AF65-F5344CB8AC3E}">
-        <p14:creationId xmlns:p14="http://schemas.microsoft.com/office/powerpoint/2010/main" val="113749506"/>
+        <p14:creationId xmlns:p14="http://schemas.microsoft.com/office/powerpoint/2010/main" val="2190741107"/>
       </p:ext>
     </p:extLst>
   </p:cSld>
@@ -18002,7 +18203,7 @@
           <p:cNvPr id="2" name="标题 1">
             <a:extLst>
               <a:ext uri="{FF2B5EF4-FFF2-40B4-BE49-F238E27FC236}">
-                <a16:creationId xmlns:a16="http://schemas.microsoft.com/office/drawing/2014/main" id="{A938CF80-F668-4B65-B009-F9F86A52F090}"/>
+                <a16:creationId xmlns:a16="http://schemas.microsoft.com/office/drawing/2014/main" xmlns="" id="{A938CF80-F668-4B65-B009-F9F86A52F090}"/>
               </a:ext>
             </a:extLst>
           </p:cNvPr>
@@ -18030,7 +18231,7 @@
               <a:rPr lang="zh-CN" altLang="en-US" sz="4000" dirty="0">
                 <a:effectLst/>
               </a:rPr>
-              <a:t>栅格项目内容对齐</a:t>
+              <a:t>定义栅格线大小</a:t>
             </a:r>
             <a:endParaRPr lang="zh-CN" altLang="en-US" sz="4800" dirty="0"/>
           </a:p>
@@ -18041,7 +18242,7 @@
           <p:cNvPr id="3" name="文本框 2">
             <a:extLst>
               <a:ext uri="{FF2B5EF4-FFF2-40B4-BE49-F238E27FC236}">
-                <a16:creationId xmlns:a16="http://schemas.microsoft.com/office/drawing/2014/main" id="{82DF5F2A-A4C0-4F51-80D7-23020D23A2BD}"/>
+                <a16:creationId xmlns:a16="http://schemas.microsoft.com/office/drawing/2014/main" xmlns="" id="{82DF5F2A-A4C0-4F51-80D7-23020D23A2BD}"/>
               </a:ext>
             </a:extLst>
           </p:cNvPr>
@@ -18051,7 +18252,7 @@
         <p:spPr>
           <a:xfrm>
             <a:off x="346364" y="1676401"/>
-            <a:ext cx="11596254" cy="3970318"/>
+            <a:ext cx="11596254" cy="2246769"/>
           </a:xfrm>
           <a:prstGeom prst="rect">
             <a:avLst/>
@@ -18066,11 +18267,11 @@
           <a:p>
             <a:r>
               <a:rPr lang="zh-CN" altLang="en-US" sz="2800" dirty="0"/>
-              <a:t>列轴方向 </a:t>
+              <a:t>列栅格线大小 </a:t>
             </a:r>
             <a:r>
               <a:rPr lang="en-US" altLang="zh-CN" sz="2800" dirty="0"/>
-              <a:t>justify-items</a:t>
+              <a:t>grid-column-gap </a:t>
             </a:r>
           </a:p>
           <a:p>
@@ -18079,11 +18280,11 @@
           <a:p>
             <a:r>
               <a:rPr lang="zh-CN" altLang="en-US" sz="2800" dirty="0"/>
-              <a:t>行轴方向 </a:t>
+              <a:t>行栅格线大小 </a:t>
             </a:r>
             <a:r>
               <a:rPr lang="en-US" altLang="zh-CN" sz="2800" dirty="0"/>
-              <a:t>align-items</a:t>
+              <a:t>grid-row-gap</a:t>
             </a:r>
           </a:p>
           <a:p>
@@ -18091,53 +18292,21 @@
           </a:p>
           <a:p>
             <a:r>
-              <a:rPr lang="en-US" altLang="zh-CN" sz="2800" b="1" dirty="0"/>
-              <a:t>start</a:t>
-            </a:r>
-            <a:r>
               <a:rPr lang="zh-CN" altLang="en-US" sz="2800" dirty="0"/>
-              <a:t> 使内容与轴头部对齐</a:t>
-            </a:r>
-          </a:p>
-          <a:p>
-            <a:r>
-              <a:rPr lang="en-US" altLang="zh-CN" sz="2800" b="1" dirty="0"/>
-              <a:t>end</a:t>
-            </a:r>
-            <a:r>
-              <a:rPr lang="zh-CN" altLang="en-US" sz="2800" dirty="0"/>
-              <a:t> 使内容与轴尾部对齐</a:t>
-            </a:r>
-          </a:p>
-          <a:p>
-            <a:r>
-              <a:rPr lang="en-US" altLang="zh-CN" sz="2800" b="1" dirty="0"/>
-              <a:t>center</a:t>
-            </a:r>
-            <a:r>
-              <a:rPr lang="zh-CN" altLang="en-US" sz="2800" dirty="0"/>
-              <a:t> 使内容在轴上居中</a:t>
-            </a:r>
-          </a:p>
-          <a:p>
-            <a:r>
-              <a:rPr lang="en-US" altLang="zh-CN" sz="2800" b="1" dirty="0"/>
-              <a:t>stretch</a:t>
-            </a:r>
-            <a:r>
-              <a:rPr lang="zh-CN" altLang="en-US" sz="2800" dirty="0"/>
-              <a:t> 使内容充满整个栅格区域（默认属性）</a:t>
-            </a:r>
-          </a:p>
-          <a:p>
-            <a:endParaRPr lang="en-US" altLang="zh-CN" sz="2800" dirty="0"/>
+              <a:t>简写 </a:t>
+            </a:r>
+            <a:r>
+              <a:rPr lang="en-US" altLang="zh-CN" sz="2800" dirty="0"/>
+              <a:t>grid-gap</a:t>
+            </a:r>
+            <a:endParaRPr lang="zh-CN" altLang="en-US" sz="2800" dirty="0"/>
           </a:p>
         </p:txBody>
       </p:sp>
     </p:spTree>
     <p:extLst>
       <p:ext uri="{BB962C8B-B14F-4D97-AF65-F5344CB8AC3E}">
-        <p14:creationId xmlns:p14="http://schemas.microsoft.com/office/powerpoint/2010/main" val="87306109"/>
+        <p14:creationId xmlns:p14="http://schemas.microsoft.com/office/powerpoint/2010/main" val="113749506"/>
       </p:ext>
     </p:extLst>
   </p:cSld>
@@ -18164,10 +18333,147 @@
           <a:chExt cx="0" cy="0"/>
         </a:xfrm>
       </p:grpSpPr>
+      <p:sp>
+        <p:nvSpPr>
+          <p:cNvPr id="2" name="标题 1">
+            <a:extLst>
+              <a:ext uri="{FF2B5EF4-FFF2-40B4-BE49-F238E27FC236}">
+                <a16:creationId xmlns:a16="http://schemas.microsoft.com/office/drawing/2014/main" xmlns="" id="{A938CF80-F668-4B65-B009-F9F86A52F090}"/>
+              </a:ext>
+            </a:extLst>
+          </p:cNvPr>
+          <p:cNvSpPr>
+            <a:spLocks noGrp="1"/>
+          </p:cNvSpPr>
+          <p:nvPr>
+            <p:ph type="title"/>
+          </p:nvPr>
+        </p:nvSpPr>
+        <p:spPr>
+          <a:xfrm>
+            <a:off x="1141413" y="0"/>
+            <a:ext cx="9905998" cy="1905000"/>
+          </a:xfrm>
+        </p:spPr>
+        <p:txBody>
+          <a:bodyPr>
+            <a:normAutofit/>
+          </a:bodyPr>
+          <a:lstStyle/>
+          <a:p>
+            <a:pPr algn="ctr"/>
+            <a:r>
+              <a:rPr lang="zh-CN" altLang="en-US" sz="4000" dirty="0">
+                <a:effectLst/>
+              </a:rPr>
+              <a:t>栅格项目内容对齐</a:t>
+            </a:r>
+            <a:endParaRPr lang="zh-CN" altLang="en-US" sz="4800" dirty="0"/>
+          </a:p>
+        </p:txBody>
+      </p:sp>
+      <p:sp>
+        <p:nvSpPr>
+          <p:cNvPr id="3" name="文本框 2">
+            <a:extLst>
+              <a:ext uri="{FF2B5EF4-FFF2-40B4-BE49-F238E27FC236}">
+                <a16:creationId xmlns:a16="http://schemas.microsoft.com/office/drawing/2014/main" xmlns="" id="{82DF5F2A-A4C0-4F51-80D7-23020D23A2BD}"/>
+              </a:ext>
+            </a:extLst>
+          </p:cNvPr>
+          <p:cNvSpPr txBox="1"/>
+          <p:nvPr/>
+        </p:nvSpPr>
+        <p:spPr>
+          <a:xfrm>
+            <a:off x="346364" y="1676401"/>
+            <a:ext cx="11596254" cy="3970318"/>
+          </a:xfrm>
+          <a:prstGeom prst="rect">
+            <a:avLst/>
+          </a:prstGeom>
+          <a:noFill/>
+        </p:spPr>
+        <p:txBody>
+          <a:bodyPr wrap="square" rtlCol="0">
+            <a:spAutoFit/>
+          </a:bodyPr>
+          <a:lstStyle/>
+          <a:p>
+            <a:r>
+              <a:rPr lang="zh-CN" altLang="en-US" sz="2800" dirty="0"/>
+              <a:t>列轴方向 </a:t>
+            </a:r>
+            <a:r>
+              <a:rPr lang="en-US" altLang="zh-CN" sz="2800" dirty="0"/>
+              <a:t>justify-items</a:t>
+            </a:r>
+          </a:p>
+          <a:p>
+            <a:endParaRPr lang="en-US" altLang="zh-CN" sz="2800" dirty="0"/>
+          </a:p>
+          <a:p>
+            <a:r>
+              <a:rPr lang="zh-CN" altLang="en-US" sz="2800" dirty="0"/>
+              <a:t>行轴方向 </a:t>
+            </a:r>
+            <a:r>
+              <a:rPr lang="en-US" altLang="zh-CN" sz="2800" dirty="0"/>
+              <a:t>align-items</a:t>
+            </a:r>
+          </a:p>
+          <a:p>
+            <a:endParaRPr lang="en-US" altLang="zh-CN" sz="2800" dirty="0"/>
+          </a:p>
+          <a:p>
+            <a:r>
+              <a:rPr lang="en-US" altLang="zh-CN" sz="2800" b="1" dirty="0"/>
+              <a:t>start</a:t>
+            </a:r>
+            <a:r>
+              <a:rPr lang="zh-CN" altLang="en-US" sz="2800" dirty="0"/>
+              <a:t> 使内容与轴头部对齐</a:t>
+            </a:r>
+          </a:p>
+          <a:p>
+            <a:r>
+              <a:rPr lang="en-US" altLang="zh-CN" sz="2800" b="1" dirty="0"/>
+              <a:t>end</a:t>
+            </a:r>
+            <a:r>
+              <a:rPr lang="zh-CN" altLang="en-US" sz="2800" dirty="0"/>
+              <a:t> 使内容与轴尾部对齐</a:t>
+            </a:r>
+          </a:p>
+          <a:p>
+            <a:r>
+              <a:rPr lang="en-US" altLang="zh-CN" sz="2800" b="1" dirty="0"/>
+              <a:t>center</a:t>
+            </a:r>
+            <a:r>
+              <a:rPr lang="zh-CN" altLang="en-US" sz="2800" dirty="0"/>
+              <a:t> 使内容在轴上居中</a:t>
+            </a:r>
+          </a:p>
+          <a:p>
+            <a:r>
+              <a:rPr lang="en-US" altLang="zh-CN" sz="2800" b="1" dirty="0"/>
+              <a:t>stretch</a:t>
+            </a:r>
+            <a:r>
+              <a:rPr lang="zh-CN" altLang="en-US" sz="2800" dirty="0"/>
+              <a:t> 使内容充满整个栅格区域（默认属性）</a:t>
+            </a:r>
+          </a:p>
+          <a:p>
+            <a:endParaRPr lang="en-US" altLang="zh-CN" sz="2800" dirty="0"/>
+          </a:p>
+        </p:txBody>
+      </p:sp>
     </p:spTree>
     <p:extLst>
       <p:ext uri="{BB962C8B-B14F-4D97-AF65-F5344CB8AC3E}">
-        <p14:creationId xmlns:p14="http://schemas.microsoft.com/office/powerpoint/2010/main" val="4247745519"/>
+        <p14:creationId xmlns:p14="http://schemas.microsoft.com/office/powerpoint/2010/main" val="87306109"/>
       </p:ext>
     </p:extLst>
   </p:cSld>
@@ -18196,10 +18502,10 @@
       </p:grpSpPr>
       <p:sp>
         <p:nvSpPr>
-          <p:cNvPr id="3" name="内容占位符 2">
+          <p:cNvPr id="2" name="标题 1">
             <a:extLst>
               <a:ext uri="{FF2B5EF4-FFF2-40B4-BE49-F238E27FC236}">
-                <a16:creationId xmlns:a16="http://schemas.microsoft.com/office/drawing/2014/main" id="{BC9EE13F-5B54-47B4-9CDF-1658CD2F7DF9}"/>
+                <a16:creationId xmlns:a16="http://schemas.microsoft.com/office/drawing/2014/main" xmlns="" id="{A938CF80-F668-4B65-B009-F9F86A52F090}"/>
               </a:ext>
             </a:extLst>
           </p:cNvPr>
@@ -18207,13 +18513,13 @@
             <a:spLocks noGrp="1"/>
           </p:cNvSpPr>
           <p:nvPr>
-            <p:ph idx="1"/>
+            <p:ph type="title"/>
           </p:nvPr>
         </p:nvSpPr>
         <p:spPr>
           <a:xfrm>
-            <a:off x="1022143" y="360218"/>
-            <a:ext cx="9905998" cy="6053834"/>
+            <a:off x="1141413" y="0"/>
+            <a:ext cx="9905998" cy="1905000"/>
           </a:xfrm>
         </p:spPr>
         <p:txBody>
@@ -18222,41 +18528,173 @@
           </a:bodyPr>
           <a:lstStyle/>
           <a:p>
-            <a:pPr marL="0" indent="0">
-              <a:buNone/>
-            </a:pPr>
-            <a:r>
-              <a:rPr lang="en-US" altLang="zh-CN" sz="3600" dirty="0"/>
-              <a:t>Grid</a:t>
-            </a:r>
-            <a:r>
-              <a:rPr lang="zh-CN" altLang="en-US" sz="3600" dirty="0"/>
-              <a:t>是基于栅格结构的二维布局。</a:t>
-            </a:r>
-            <a:r>
-              <a:rPr lang="en-US" altLang="zh-CN" sz="3600" dirty="0"/>
-              <a:t>flex</a:t>
-            </a:r>
-            <a:r>
-              <a:rPr lang="zh-CN" altLang="en-US" sz="3600" dirty="0"/>
-              <a:t>可以解决一些简单的布局问题，</a:t>
-            </a:r>
-            <a:r>
-              <a:rPr lang="en-US" altLang="zh-CN" sz="3600" dirty="0"/>
-              <a:t>grid</a:t>
-            </a:r>
-            <a:r>
-              <a:rPr lang="zh-CN" altLang="en-US" sz="3600" dirty="0"/>
-              <a:t>花样更多。</a:t>
-            </a:r>
-            <a:endParaRPr lang="en-US" altLang="zh-CN" sz="3600" dirty="0"/>
+            <a:pPr algn="ctr"/>
+            <a:r>
+              <a:rPr lang="zh-CN" altLang="en-US" sz="4000" dirty="0">
+                <a:effectLst/>
+              </a:rPr>
+              <a:t>栅格</a:t>
+            </a:r>
+            <a:r>
+              <a:rPr lang="zh-CN" altLang="en-US" sz="4000" dirty="0" smtClean="0">
+                <a:effectLst/>
+              </a:rPr>
+              <a:t>项目与栅格容器对</a:t>
+            </a:r>
+            <a:r>
+              <a:rPr lang="zh-CN" altLang="en-US" sz="4000" dirty="0">
+                <a:effectLst/>
+              </a:rPr>
+              <a:t>齐</a:t>
+            </a:r>
+            <a:endParaRPr lang="zh-CN" altLang="en-US" sz="4800" dirty="0"/>
+          </a:p>
+        </p:txBody>
+      </p:sp>
+      <p:sp>
+        <p:nvSpPr>
+          <p:cNvPr id="3" name="文本框 2">
+            <a:extLst>
+              <a:ext uri="{FF2B5EF4-FFF2-40B4-BE49-F238E27FC236}">
+                <a16:creationId xmlns:a16="http://schemas.microsoft.com/office/drawing/2014/main" xmlns="" id="{82DF5F2A-A4C0-4F51-80D7-23020D23A2BD}"/>
+              </a:ext>
+            </a:extLst>
+          </p:cNvPr>
+          <p:cNvSpPr txBox="1"/>
+          <p:nvPr/>
+        </p:nvSpPr>
+        <p:spPr>
+          <a:xfrm>
+            <a:off x="296285" y="1905000"/>
+            <a:ext cx="11596254" cy="3108543"/>
+          </a:xfrm>
+          <a:prstGeom prst="rect">
+            <a:avLst/>
+          </a:prstGeom>
+          <a:noFill/>
+        </p:spPr>
+        <p:txBody>
+          <a:bodyPr wrap="square" rtlCol="0">
+            <a:spAutoFit/>
+          </a:bodyPr>
+          <a:lstStyle/>
+          <a:p>
+            <a:r>
+              <a:rPr lang="zh-CN" altLang="en-US" sz="2800" dirty="0" smtClean="0"/>
+              <a:t>容器列轴</a:t>
+            </a:r>
+            <a:r>
+              <a:rPr lang="zh-CN" altLang="en-US" sz="2800" dirty="0"/>
+              <a:t>方向 </a:t>
+            </a:r>
+            <a:r>
+              <a:rPr lang="en-US" altLang="zh-CN" sz="2800" dirty="0"/>
+              <a:t>justify-items</a:t>
+            </a:r>
+          </a:p>
+          <a:p>
+            <a:endParaRPr lang="en-US" altLang="zh-CN" sz="2800" dirty="0"/>
+          </a:p>
+          <a:p>
+            <a:r>
+              <a:rPr lang="zh-CN" altLang="en-US" sz="2800" dirty="0" smtClean="0"/>
+              <a:t>容器行轴</a:t>
+            </a:r>
+            <a:r>
+              <a:rPr lang="zh-CN" altLang="en-US" sz="2800" dirty="0"/>
+              <a:t>方向 </a:t>
+            </a:r>
+            <a:r>
+              <a:rPr lang="en-US" altLang="zh-CN" sz="2800" dirty="0" smtClean="0"/>
+              <a:t>align-content</a:t>
+            </a:r>
+            <a:endParaRPr lang="en-US" altLang="zh-CN" sz="2800" dirty="0"/>
+          </a:p>
+          <a:p>
+            <a:endParaRPr lang="en-US" altLang="zh-CN" sz="2800" dirty="0"/>
+          </a:p>
+          <a:p>
+            <a:r>
+              <a:rPr lang="en-US" altLang="zh-CN" sz="2800" dirty="0" smtClean="0"/>
+              <a:t>Start</a:t>
+            </a:r>
+            <a:r>
+              <a:rPr lang="zh-CN" altLang="en-US" sz="2800" dirty="0" smtClean="0"/>
+              <a:t>   </a:t>
+            </a:r>
+            <a:r>
+              <a:rPr lang="en-US" altLang="zh-CN" sz="2800" dirty="0" smtClean="0"/>
+              <a:t>end</a:t>
+            </a:r>
+            <a:r>
+              <a:rPr lang="zh-CN" altLang="en-US" sz="2800" dirty="0" smtClean="0"/>
+              <a:t>   </a:t>
+            </a:r>
+            <a:r>
+              <a:rPr lang="en-US" altLang="zh-CN" sz="2800" dirty="0" smtClean="0"/>
+              <a:t>center</a:t>
+            </a:r>
+            <a:r>
+              <a:rPr lang="zh-CN" altLang="en-US" sz="2800" dirty="0" smtClean="0"/>
+              <a:t>   </a:t>
+            </a:r>
+            <a:r>
+              <a:rPr lang="en-US" altLang="zh-CN" sz="2800" dirty="0" smtClean="0"/>
+              <a:t>stretch</a:t>
+            </a:r>
+          </a:p>
+          <a:p>
+            <a:r>
+              <a:rPr lang="zh-CN" altLang="en-US" sz="2800" dirty="0"/>
+              <a:t> </a:t>
+            </a:r>
+            <a:r>
+              <a:rPr lang="zh-CN" altLang="en-US" sz="2800" dirty="0" smtClean="0"/>
+              <a:t> </a:t>
+            </a:r>
+            <a:endParaRPr lang="en-US" altLang="zh-CN" sz="2800" dirty="0" smtClean="0"/>
+          </a:p>
+          <a:p>
+            <a:r>
+              <a:rPr lang="en-US" altLang="zh-CN" sz="2800" dirty="0" smtClean="0"/>
+              <a:t>space-around</a:t>
+            </a:r>
+            <a:r>
+              <a:rPr lang="zh-CN" altLang="en-US" sz="2800" dirty="0"/>
+              <a:t> </a:t>
+            </a:r>
+            <a:r>
+              <a:rPr lang="zh-CN" altLang="en-US" sz="2800" dirty="0" smtClean="0"/>
+              <a:t>  </a:t>
+            </a:r>
+            <a:r>
+              <a:rPr lang="en-US" altLang="zh-CN" sz="2800" dirty="0" smtClean="0"/>
+              <a:t>space-between</a:t>
+            </a:r>
+            <a:r>
+              <a:rPr lang="zh-CN" altLang="en-US" sz="2800" dirty="0"/>
+              <a:t> </a:t>
+            </a:r>
+            <a:r>
+              <a:rPr lang="zh-CN" altLang="en-US" sz="2800" dirty="0" smtClean="0"/>
+              <a:t>  </a:t>
+            </a:r>
+            <a:r>
+              <a:rPr lang="en-US" altLang="zh-CN" sz="2800" dirty="0" smtClean="0"/>
+              <a:t>space-evenly</a:t>
+            </a:r>
+            <a:r>
+              <a:rPr lang="zh-CN" altLang="en-US" sz="2800" dirty="0"/>
+              <a:t> </a:t>
+            </a:r>
+            <a:endParaRPr lang="en-US" altLang="zh-CN" sz="2800" dirty="0"/>
           </a:p>
         </p:txBody>
       </p:sp>
     </p:spTree>
     <p:extLst>
       <p:ext uri="{BB962C8B-B14F-4D97-AF65-F5344CB8AC3E}">
-        <p14:creationId xmlns:p14="http://schemas.microsoft.com/office/powerpoint/2010/main" val="283312713"/>
+        <p14:creationId xmlns:p14="http://schemas.microsoft.com/office/powerpoint/2010/main" val="1006205573"/>
       </p:ext>
     </p:extLst>
   </p:cSld>
@@ -18269,103 +18707,6 @@
 <file path=ppt/slides/slide34.xml><?xml version="1.0" encoding="utf-8"?>
 <p:sld xmlns:a="http://schemas.openxmlformats.org/drawingml/2006/main" xmlns:r="http://schemas.openxmlformats.org/officeDocument/2006/relationships" xmlns:p="http://schemas.openxmlformats.org/presentationml/2006/main">
   <p:cSld>
-    <p:bg>
-      <p:bgPr>
-        <a:solidFill>
-          <a:schemeClr val="bg1">
-            <a:lumMod val="85000"/>
-            <a:lumOff val="15000"/>
-          </a:schemeClr>
-        </a:solidFill>
-        <a:effectLst/>
-      </p:bgPr>
-    </p:bg>
-    <p:spTree>
-      <p:nvGrpSpPr>
-        <p:cNvPr id="1" name=""/>
-        <p:cNvGrpSpPr/>
-        <p:nvPr/>
-      </p:nvGrpSpPr>
-      <p:grpSpPr>
-        <a:xfrm>
-          <a:off x="0" y="0"/>
-          <a:ext cx="0" cy="0"/>
-          <a:chOff x="0" y="0"/>
-          <a:chExt cx="0" cy="0"/>
-        </a:xfrm>
-      </p:grpSpPr>
-      <p:sp>
-        <p:nvSpPr>
-          <p:cNvPr id="2" name="标题 1"/>
-          <p:cNvSpPr>
-            <a:spLocks noGrp="1"/>
-          </p:cNvSpPr>
-          <p:nvPr>
-            <p:ph type="title"/>
-          </p:nvPr>
-        </p:nvSpPr>
-        <p:spPr/>
-        <p:txBody>
-          <a:bodyPr/>
-          <a:lstStyle/>
-          <a:p>
-            <a:endParaRPr kumimoji="1" lang="zh-CN" altLang="en-US"/>
-          </a:p>
-        </p:txBody>
-      </p:sp>
-      <p:pic>
-        <p:nvPicPr>
-          <p:cNvPr id="5" name="内容占位符 4"/>
-          <p:cNvPicPr>
-            <a:picLocks noGrp="1" noChangeAspect="1"/>
-          </p:cNvPicPr>
-          <p:nvPr>
-            <p:ph idx="1"/>
-          </p:nvPr>
-        </p:nvPicPr>
-        <p:blipFill>
-          <a:blip r:embed="rId2"/>
-          <a:stretch>
-            <a:fillRect/>
-          </a:stretch>
-        </p:blipFill>
-        <p:spPr>
-          <a:xfrm>
-            <a:off x="3058589" y="2667000"/>
-            <a:ext cx="6071648" cy="3124200"/>
-          </a:xfrm>
-          <a:prstGeom prst="rect">
-            <a:avLst/>
-          </a:prstGeom>
-        </p:spPr>
-      </p:pic>
-    </p:spTree>
-    <p:extLst>
-      <p:ext uri="{BB962C8B-B14F-4D97-AF65-F5344CB8AC3E}">
-        <p14:creationId xmlns:p14="http://schemas.microsoft.com/office/powerpoint/2010/main" val="337489002"/>
-      </p:ext>
-    </p:extLst>
-  </p:cSld>
-  <p:clrMapOvr>
-    <a:masterClrMapping/>
-  </p:clrMapOvr>
-</p:sld>
-</file>
-
-<file path=ppt/slides/slide35.xml><?xml version="1.0" encoding="utf-8"?>
-<p:sld xmlns:a="http://schemas.openxmlformats.org/drawingml/2006/main" xmlns:r="http://schemas.openxmlformats.org/officeDocument/2006/relationships" xmlns:p="http://schemas.openxmlformats.org/presentationml/2006/main">
-  <p:cSld>
-    <p:bg>
-      <p:bgPr>
-        <a:solidFill>
-          <a:schemeClr val="bg1">
-            <a:lumMod val="85000"/>
-            <a:lumOff val="15000"/>
-          </a:schemeClr>
-        </a:solidFill>
-        <a:effectLst/>
-      </p:bgPr>
-    </p:bg>
     <p:spTree>
       <p:nvGrpSpPr>
         <p:cNvPr id="1" name=""/>
@@ -18385,7 +18726,7 @@
           <p:cNvPr id="2" name="标题 1">
             <a:extLst>
               <a:ext uri="{FF2B5EF4-FFF2-40B4-BE49-F238E27FC236}">
-                <a16:creationId xmlns:a16="http://schemas.microsoft.com/office/drawing/2014/main" id="{2561351D-6D5D-4341-8BC5-5D1FDEFB437F}"/>
+                <a16:creationId xmlns:a16="http://schemas.microsoft.com/office/drawing/2014/main" xmlns="" id="{A938CF80-F668-4B65-B009-F9F86A52F090}"/>
               </a:ext>
             </a:extLst>
           </p:cNvPr>
@@ -18396,21 +18737,152 @@
             <p:ph type="title"/>
           </p:nvPr>
         </p:nvSpPr>
-        <p:spPr/>
+        <p:spPr>
+          <a:xfrm>
+            <a:off x="1141413" y="0"/>
+            <a:ext cx="9905998" cy="1905000"/>
+          </a:xfrm>
+        </p:spPr>
         <p:txBody>
-          <a:bodyPr/>
+          <a:bodyPr>
+            <a:normAutofit/>
+          </a:bodyPr>
           <a:lstStyle/>
           <a:p>
-            <a:endParaRPr lang="zh-CN" altLang="en-US"/>
+            <a:pPr algn="ctr"/>
+            <a:r>
+              <a:rPr lang="zh-CN" altLang="en-US" sz="4000" dirty="0">
+                <a:effectLst/>
+              </a:rPr>
+              <a:t>自动</a:t>
+            </a:r>
+            <a:r>
+              <a:rPr lang="zh-CN" altLang="en-US" sz="4000" dirty="0" smtClean="0">
+                <a:effectLst/>
+              </a:rPr>
+              <a:t>生成的栅格轨迹</a:t>
+            </a:r>
+            <a:endParaRPr lang="zh-CN" altLang="en-US" sz="4800" dirty="0"/>
           </a:p>
         </p:txBody>
       </p:sp>
       <p:sp>
         <p:nvSpPr>
-          <p:cNvPr id="3" name="内容占位符 2">
+          <p:cNvPr id="3" name="文本框 2">
             <a:extLst>
               <a:ext uri="{FF2B5EF4-FFF2-40B4-BE49-F238E27FC236}">
-                <a16:creationId xmlns:a16="http://schemas.microsoft.com/office/drawing/2014/main" id="{E3610386-3375-41FE-A5B2-DFED69F1420B}"/>
+                <a16:creationId xmlns:a16="http://schemas.microsoft.com/office/drawing/2014/main" xmlns="" id="{82DF5F2A-A4C0-4F51-80D7-23020D23A2BD}"/>
+              </a:ext>
+            </a:extLst>
+          </p:cNvPr>
+          <p:cNvSpPr txBox="1"/>
+          <p:nvPr/>
+        </p:nvSpPr>
+        <p:spPr>
+          <a:xfrm>
+            <a:off x="296285" y="1905000"/>
+            <a:ext cx="11596254" cy="3108543"/>
+          </a:xfrm>
+          <a:prstGeom prst="rect">
+            <a:avLst/>
+          </a:prstGeom>
+          <a:noFill/>
+        </p:spPr>
+        <p:txBody>
+          <a:bodyPr wrap="square" rtlCol="0">
+            <a:spAutoFit/>
+          </a:bodyPr>
+          <a:lstStyle/>
+          <a:p>
+            <a:r>
+              <a:rPr lang="zh-CN" altLang="en-US" sz="2800" dirty="0" smtClean="0"/>
+              <a:t>列栅格轨迹 </a:t>
+            </a:r>
+            <a:r>
+              <a:rPr lang="nl-NL" altLang="zh-CN" sz="2800" dirty="0" err="1" smtClean="0"/>
+              <a:t>grid</a:t>
+            </a:r>
+            <a:r>
+              <a:rPr lang="nl-NL" altLang="zh-CN" sz="2800" dirty="0" smtClean="0"/>
+              <a:t>-auto-columns</a:t>
+            </a:r>
+          </a:p>
+          <a:p>
+            <a:r>
+              <a:rPr lang="nl-NL" altLang="zh-CN" sz="2800" dirty="0"/>
+              <a:t> </a:t>
+            </a:r>
+            <a:br>
+              <a:rPr lang="nl-NL" altLang="zh-CN" sz="2800" dirty="0"/>
+            </a:br>
+            <a:r>
+              <a:rPr lang="zh-CN" altLang="en-US" sz="2800" dirty="0" smtClean="0"/>
+              <a:t>行栅格轨迹</a:t>
+            </a:r>
+            <a:r>
+              <a:rPr lang="nl-NL" altLang="zh-CN" sz="2800" dirty="0" err="1" smtClean="0"/>
+              <a:t>grid</a:t>
+            </a:r>
+            <a:r>
+              <a:rPr lang="nl-NL" altLang="zh-CN" sz="2800" dirty="0" smtClean="0"/>
+              <a:t>-auto-</a:t>
+            </a:r>
+            <a:r>
+              <a:rPr lang="nl-NL" altLang="zh-CN" sz="2800" dirty="0" err="1" smtClean="0"/>
+              <a:t>rows</a:t>
+            </a:r>
+            <a:endParaRPr lang="nl-NL" altLang="zh-CN" sz="2800" dirty="0" smtClean="0"/>
+          </a:p>
+          <a:p>
+            <a:endParaRPr lang="nl-NL" altLang="zh-CN" sz="2800" dirty="0"/>
+          </a:p>
+          <a:p>
+            <a:endParaRPr lang="nl-NL" altLang="zh-CN" sz="2800" dirty="0"/>
+          </a:p>
+          <a:p>
+            <a:endParaRPr lang="nl-NL" altLang="zh-CN" sz="2800" dirty="0"/>
+          </a:p>
+          <a:p>
+            <a:endParaRPr lang="en-US" altLang="zh-CN" sz="2800" dirty="0"/>
+          </a:p>
+        </p:txBody>
+      </p:sp>
+    </p:spTree>
+    <p:extLst>
+      <p:ext uri="{BB962C8B-B14F-4D97-AF65-F5344CB8AC3E}">
+        <p14:creationId xmlns:p14="http://schemas.microsoft.com/office/powerpoint/2010/main" val="313374141"/>
+      </p:ext>
+    </p:extLst>
+  </p:cSld>
+  <p:clrMapOvr>
+    <a:masterClrMapping/>
+  </p:clrMapOvr>
+</p:sld>
+</file>
+
+<file path=ppt/slides/slide35.xml><?xml version="1.0" encoding="utf-8"?>
+<p:sld xmlns:a="http://schemas.openxmlformats.org/drawingml/2006/main" xmlns:r="http://schemas.openxmlformats.org/officeDocument/2006/relationships" xmlns:p="http://schemas.openxmlformats.org/presentationml/2006/main">
+  <p:cSld>
+    <p:spTree>
+      <p:nvGrpSpPr>
+        <p:cNvPr id="1" name=""/>
+        <p:cNvGrpSpPr/>
+        <p:nvPr/>
+      </p:nvGrpSpPr>
+      <p:grpSpPr>
+        <a:xfrm>
+          <a:off x="0" y="0"/>
+          <a:ext cx="0" cy="0"/>
+          <a:chOff x="0" y="0"/>
+          <a:chExt cx="0" cy="0"/>
+        </a:xfrm>
+      </p:grpSpPr>
+      <p:sp>
+        <p:nvSpPr>
+          <p:cNvPr id="2" name="标题 1">
+            <a:extLst>
+              <a:ext uri="{FF2B5EF4-FFF2-40B4-BE49-F238E27FC236}">
+                <a16:creationId xmlns:a16="http://schemas.microsoft.com/office/drawing/2014/main" xmlns="" id="{A938CF80-F668-4B65-B009-F9F86A52F090}"/>
               </a:ext>
             </a:extLst>
           </p:cNvPr>
@@ -18418,22 +18890,957 @@
             <a:spLocks noGrp="1"/>
           </p:cNvSpPr>
           <p:nvPr>
-            <p:ph idx="1"/>
+            <p:ph type="title"/>
           </p:nvPr>
         </p:nvSpPr>
-        <p:spPr/>
+        <p:spPr>
+          <a:xfrm>
+            <a:off x="1141413" y="0"/>
+            <a:ext cx="9905998" cy="1905000"/>
+          </a:xfrm>
+        </p:spPr>
         <p:txBody>
-          <a:bodyPr/>
+          <a:bodyPr>
+            <a:normAutofit/>
+          </a:bodyPr>
           <a:lstStyle/>
           <a:p>
-            <a:endParaRPr lang="zh-CN" altLang="en-US" dirty="0"/>
+            <a:pPr algn="ctr"/>
+            <a:r>
+              <a:rPr lang="zh-CN" altLang="en-US" sz="4000" dirty="0" smtClean="0">
+                <a:effectLst/>
+              </a:rPr>
+              <a:t>自动填充栅格项目的位置</a:t>
+            </a:r>
+            <a:endParaRPr lang="zh-CN" altLang="en-US" sz="4800" dirty="0"/>
+          </a:p>
+        </p:txBody>
+      </p:sp>
+      <p:sp>
+        <p:nvSpPr>
+          <p:cNvPr id="3" name="文本框 2">
+            <a:extLst>
+              <a:ext uri="{FF2B5EF4-FFF2-40B4-BE49-F238E27FC236}">
+                <a16:creationId xmlns:a16="http://schemas.microsoft.com/office/drawing/2014/main" xmlns="" id="{82DF5F2A-A4C0-4F51-80D7-23020D23A2BD}"/>
+              </a:ext>
+            </a:extLst>
+          </p:cNvPr>
+          <p:cNvSpPr txBox="1"/>
+          <p:nvPr/>
+        </p:nvSpPr>
+        <p:spPr>
+          <a:xfrm>
+            <a:off x="296285" y="1905000"/>
+            <a:ext cx="11596254" cy="3539430"/>
+          </a:xfrm>
+          <a:prstGeom prst="rect">
+            <a:avLst/>
+          </a:prstGeom>
+          <a:noFill/>
+        </p:spPr>
+        <p:txBody>
+          <a:bodyPr wrap="square" rtlCol="0">
+            <a:spAutoFit/>
+          </a:bodyPr>
+          <a:lstStyle/>
+          <a:p>
+            <a:r>
+              <a:rPr lang="nl-NL" altLang="zh-CN" sz="2800" dirty="0" err="1" smtClean="0"/>
+              <a:t>grid</a:t>
+            </a:r>
+            <a:r>
+              <a:rPr lang="nl-NL" altLang="zh-CN" sz="2800" dirty="0" smtClean="0"/>
+              <a:t>-auto-flow</a:t>
+            </a:r>
+          </a:p>
+          <a:p>
+            <a:endParaRPr lang="nl-NL" altLang="zh-CN" sz="2800" dirty="0"/>
+          </a:p>
+          <a:p>
+            <a:r>
+              <a:rPr lang="en-US" altLang="zh-CN" sz="2800" dirty="0"/>
+              <a:t>row </a:t>
+            </a:r>
+            <a:r>
+              <a:rPr lang="zh-CN" altLang="en-US" sz="2800" dirty="0" smtClean="0"/>
+              <a:t>自动按行依次放置，</a:t>
+            </a:r>
+            <a:r>
+              <a:rPr lang="zh-CN" altLang="en-US" sz="2800" dirty="0"/>
+              <a:t>按需添加新行。</a:t>
+            </a:r>
+          </a:p>
+          <a:p>
+            <a:r>
+              <a:rPr lang="en-US" altLang="zh-CN" sz="2800" dirty="0"/>
+              <a:t>column </a:t>
+            </a:r>
+            <a:r>
+              <a:rPr lang="zh-CN" altLang="en-US" sz="2800" dirty="0" smtClean="0"/>
+              <a:t>自动按列依次</a:t>
+            </a:r>
+            <a:r>
+              <a:rPr lang="zh-CN" altLang="en-US" sz="2800" dirty="0"/>
+              <a:t>放置</a:t>
+            </a:r>
+            <a:r>
+              <a:rPr lang="zh-CN" altLang="en-US" sz="2800" dirty="0" smtClean="0"/>
+              <a:t>，</a:t>
+            </a:r>
+            <a:r>
+              <a:rPr lang="zh-CN" altLang="en-US" sz="2800" dirty="0"/>
+              <a:t>按需添加新列。</a:t>
+            </a:r>
+          </a:p>
+          <a:p>
+            <a:r>
+              <a:rPr lang="en-US" altLang="zh-CN" sz="2800" dirty="0"/>
+              <a:t>dense </a:t>
+            </a:r>
+            <a:r>
+              <a:rPr lang="zh-CN" altLang="en-US" sz="2800" dirty="0"/>
+              <a:t>如果较小的项目出现靠后时</a:t>
+            </a:r>
+            <a:r>
+              <a:rPr lang="zh-CN" altLang="en-US" sz="2800" dirty="0" smtClean="0"/>
+              <a:t>，将</a:t>
+            </a:r>
+            <a:r>
+              <a:rPr lang="zh-CN" altLang="en-US" sz="2800" dirty="0"/>
+              <a:t>尽可能早地填充栅格的空白格子</a:t>
+            </a:r>
+          </a:p>
+          <a:p>
+            <a:endParaRPr lang="nl-NL" altLang="zh-CN" sz="2800" dirty="0"/>
+          </a:p>
+          <a:p>
+            <a:endParaRPr lang="nl-NL" altLang="zh-CN" sz="2800" dirty="0"/>
+          </a:p>
+          <a:p>
+            <a:endParaRPr lang="en-US" altLang="zh-CN" sz="2800" dirty="0"/>
           </a:p>
         </p:txBody>
       </p:sp>
     </p:spTree>
     <p:extLst>
       <p:ext uri="{BB962C8B-B14F-4D97-AF65-F5344CB8AC3E}">
-        <p14:creationId xmlns:p14="http://schemas.microsoft.com/office/powerpoint/2010/main" val="3326483088"/>
+        <p14:creationId xmlns:p14="http://schemas.microsoft.com/office/powerpoint/2010/main" val="453375950"/>
+      </p:ext>
+    </p:extLst>
+  </p:cSld>
+  <p:clrMapOvr>
+    <a:masterClrMapping/>
+  </p:clrMapOvr>
+</p:sld>
+</file>
+
+<file path=ppt/slides/slide36.xml><?xml version="1.0" encoding="utf-8"?>
+<p:sld xmlns:a="http://schemas.openxmlformats.org/drawingml/2006/main" xmlns:r="http://schemas.openxmlformats.org/officeDocument/2006/relationships" xmlns:p="http://schemas.openxmlformats.org/presentationml/2006/main">
+  <p:cSld>
+    <p:spTree>
+      <p:nvGrpSpPr>
+        <p:cNvPr id="1" name=""/>
+        <p:cNvGrpSpPr/>
+        <p:nvPr/>
+      </p:nvGrpSpPr>
+      <p:grpSpPr>
+        <a:xfrm>
+          <a:off x="0" y="0"/>
+          <a:ext cx="0" cy="0"/>
+          <a:chOff x="0" y="0"/>
+          <a:chExt cx="0" cy="0"/>
+        </a:xfrm>
+      </p:grpSpPr>
+      <p:sp>
+        <p:nvSpPr>
+          <p:cNvPr id="2" name="标题 1">
+            <a:extLst>
+              <a:ext uri="{FF2B5EF4-FFF2-40B4-BE49-F238E27FC236}">
+                <a16:creationId xmlns:a16="http://schemas.microsoft.com/office/drawing/2014/main" xmlns="" id="{A938CF80-F668-4B65-B009-F9F86A52F090}"/>
+              </a:ext>
+            </a:extLst>
+          </p:cNvPr>
+          <p:cNvSpPr>
+            <a:spLocks noGrp="1"/>
+          </p:cNvSpPr>
+          <p:nvPr>
+            <p:ph type="title"/>
+          </p:nvPr>
+        </p:nvSpPr>
+        <p:spPr>
+          <a:xfrm>
+            <a:off x="1141413" y="0"/>
+            <a:ext cx="9905998" cy="1905000"/>
+          </a:xfrm>
+        </p:spPr>
+        <p:txBody>
+          <a:bodyPr>
+            <a:normAutofit/>
+          </a:bodyPr>
+          <a:lstStyle/>
+          <a:p>
+            <a:pPr algn="ctr"/>
+            <a:r>
+              <a:rPr lang="zh-CN" altLang="en-US" sz="4000" dirty="0" smtClean="0">
+                <a:effectLst/>
+              </a:rPr>
+              <a:t>栅格容器的</a:t>
+            </a:r>
+            <a:r>
+              <a:rPr lang="en-US" altLang="zh-CN" sz="4000" dirty="0" smtClean="0">
+                <a:effectLst/>
+              </a:rPr>
+              <a:t>grid</a:t>
+            </a:r>
+            <a:r>
+              <a:rPr lang="zh-CN" altLang="en-US" sz="4000" dirty="0" smtClean="0">
+                <a:effectLst/>
+              </a:rPr>
+              <a:t> 属性简写</a:t>
+            </a:r>
+            <a:endParaRPr lang="zh-CN" altLang="en-US" sz="4800" dirty="0"/>
+          </a:p>
+        </p:txBody>
+      </p:sp>
+      <p:sp>
+        <p:nvSpPr>
+          <p:cNvPr id="3" name="文本框 2">
+            <a:extLst>
+              <a:ext uri="{FF2B5EF4-FFF2-40B4-BE49-F238E27FC236}">
+                <a16:creationId xmlns:a16="http://schemas.microsoft.com/office/drawing/2014/main" xmlns="" id="{82DF5F2A-A4C0-4F51-80D7-23020D23A2BD}"/>
+              </a:ext>
+            </a:extLst>
+          </p:cNvPr>
+          <p:cNvSpPr txBox="1"/>
+          <p:nvPr/>
+        </p:nvSpPr>
+        <p:spPr>
+          <a:xfrm>
+            <a:off x="296285" y="1905000"/>
+            <a:ext cx="11596254" cy="4401205"/>
+          </a:xfrm>
+          <a:prstGeom prst="rect">
+            <a:avLst/>
+          </a:prstGeom>
+          <a:noFill/>
+        </p:spPr>
+        <p:txBody>
+          <a:bodyPr wrap="square" rtlCol="0">
+            <a:spAutoFit/>
+          </a:bodyPr>
+          <a:lstStyle/>
+          <a:p>
+            <a:r>
+              <a:rPr lang="en-US" altLang="zh-CN" sz="2800" dirty="0" smtClean="0"/>
+              <a:t>g</a:t>
+            </a:r>
+            <a:r>
+              <a:rPr lang="nl-NL" altLang="zh-CN" sz="2800" dirty="0" err="1" smtClean="0"/>
+              <a:t>rid</a:t>
+            </a:r>
+            <a:endParaRPr lang="nl-NL" altLang="zh-CN" sz="2800" dirty="0" smtClean="0"/>
+          </a:p>
+          <a:p>
+            <a:endParaRPr lang="nl-NL" altLang="zh-CN" sz="2800" dirty="0"/>
+          </a:p>
+          <a:p>
+            <a:r>
+              <a:rPr lang="nl-NL" altLang="zh-CN" sz="2800" dirty="0"/>
+              <a:t>none </a:t>
+            </a:r>
+            <a:r>
+              <a:rPr lang="zh-CN" altLang="nl-NL" sz="2800" dirty="0"/>
+              <a:t>设置所有子属性的值为初始值。</a:t>
+            </a:r>
+          </a:p>
+          <a:p>
+            <a:r>
+              <a:rPr lang="nl-NL" altLang="zh-CN" sz="2800" dirty="0" smtClean="0"/>
+              <a:t>&lt;</a:t>
+            </a:r>
+            <a:r>
+              <a:rPr lang="nl-NL" altLang="zh-CN" sz="2800" dirty="0" err="1" smtClean="0"/>
+              <a:t>grid</a:t>
+            </a:r>
+            <a:r>
+              <a:rPr lang="nl-NL" altLang="zh-CN" sz="2800" dirty="0" smtClean="0"/>
+              <a:t>-template-</a:t>
+            </a:r>
+            <a:r>
+              <a:rPr lang="nl-NL" altLang="zh-CN" sz="2800" dirty="0" err="1" smtClean="0"/>
+              <a:t>rows</a:t>
+            </a:r>
+            <a:r>
+              <a:rPr lang="nl-NL" altLang="zh-CN" sz="2800" dirty="0" smtClean="0"/>
+              <a:t>&gt; / &lt;</a:t>
+            </a:r>
+            <a:r>
+              <a:rPr lang="nl-NL" altLang="zh-CN" sz="2800" dirty="0" err="1" smtClean="0"/>
+              <a:t>grid</a:t>
+            </a:r>
+            <a:r>
+              <a:rPr lang="nl-NL" altLang="zh-CN" sz="2800" dirty="0" smtClean="0"/>
+              <a:t>-template-columns&gt; </a:t>
+            </a:r>
+            <a:r>
+              <a:rPr lang="zh-CN" altLang="nl-NL" sz="2800" dirty="0" smtClean="0"/>
+              <a:t>仅仅设置这两个属性值，其它子属性值为初始值。</a:t>
+            </a:r>
+          </a:p>
+          <a:p>
+            <a:r>
+              <a:rPr lang="nl-NL" altLang="zh-CN" sz="2800" dirty="0" smtClean="0"/>
+              <a:t>&lt;</a:t>
+            </a:r>
+            <a:r>
+              <a:rPr lang="nl-NL" altLang="zh-CN" sz="2800" dirty="0" err="1" smtClean="0"/>
+              <a:t>grid</a:t>
+            </a:r>
+            <a:r>
+              <a:rPr lang="nl-NL" altLang="zh-CN" sz="2800" dirty="0" smtClean="0"/>
+              <a:t>-auto-flow&gt; [&lt;</a:t>
+            </a:r>
+            <a:r>
+              <a:rPr lang="nl-NL" altLang="zh-CN" sz="2800" dirty="0" err="1" smtClean="0"/>
+              <a:t>grid</a:t>
+            </a:r>
+            <a:r>
+              <a:rPr lang="nl-NL" altLang="zh-CN" sz="2800" dirty="0" smtClean="0"/>
+              <a:t>-auto-</a:t>
+            </a:r>
+            <a:r>
+              <a:rPr lang="nl-NL" altLang="zh-CN" sz="2800" dirty="0" err="1" smtClean="0"/>
+              <a:t>rows</a:t>
+            </a:r>
+            <a:r>
+              <a:rPr lang="nl-NL" altLang="zh-CN" sz="2800" dirty="0" smtClean="0"/>
+              <a:t>&gt; [ / &lt;</a:t>
+            </a:r>
+            <a:r>
+              <a:rPr lang="nl-NL" altLang="zh-CN" sz="2800" dirty="0" err="1" smtClean="0"/>
+              <a:t>grid</a:t>
+            </a:r>
+            <a:r>
+              <a:rPr lang="nl-NL" altLang="zh-CN" sz="2800" dirty="0" smtClean="0"/>
+              <a:t>-auto-columns&gt;] ] </a:t>
+            </a:r>
+            <a:r>
+              <a:rPr lang="zh-CN" altLang="nl-NL" sz="2800" dirty="0" smtClean="0"/>
+              <a:t>如果 </a:t>
+            </a:r>
+            <a:r>
+              <a:rPr lang="nl-NL" altLang="zh-CN" sz="2800" dirty="0" err="1" smtClean="0"/>
+              <a:t>grid</a:t>
+            </a:r>
+            <a:r>
+              <a:rPr lang="nl-NL" altLang="zh-CN" sz="2800" dirty="0" smtClean="0"/>
+              <a:t>-auto-columns </a:t>
+            </a:r>
+            <a:r>
+              <a:rPr lang="zh-CN" altLang="nl-NL" sz="2800" dirty="0" smtClean="0"/>
+              <a:t>属性值确实，则采用 </a:t>
+            </a:r>
+            <a:r>
+              <a:rPr lang="nl-NL" altLang="zh-CN" sz="2800" dirty="0" err="1" smtClean="0"/>
+              <a:t>grid</a:t>
+            </a:r>
+            <a:r>
+              <a:rPr lang="nl-NL" altLang="zh-CN" sz="2800" dirty="0" smtClean="0"/>
+              <a:t>-auto-</a:t>
+            </a:r>
+            <a:r>
+              <a:rPr lang="nl-NL" altLang="zh-CN" sz="2800" dirty="0" err="1" smtClean="0"/>
+              <a:t>rows</a:t>
+            </a:r>
+            <a:r>
+              <a:rPr lang="zh-CN" altLang="nl-NL" sz="2800" dirty="0" smtClean="0"/>
+              <a:t>的值。如果属性值均缺失，则采用默认值。</a:t>
+            </a:r>
+          </a:p>
+          <a:p>
+            <a:endParaRPr lang="nl-NL" altLang="zh-CN" sz="2800" dirty="0" smtClean="0"/>
+          </a:p>
+          <a:p>
+            <a:endParaRPr lang="en-US" altLang="zh-CN" sz="2800" dirty="0"/>
+          </a:p>
+        </p:txBody>
+      </p:sp>
+    </p:spTree>
+    <p:extLst>
+      <p:ext uri="{BB962C8B-B14F-4D97-AF65-F5344CB8AC3E}">
+        <p14:creationId xmlns:p14="http://schemas.microsoft.com/office/powerpoint/2010/main" val="1155345227"/>
+      </p:ext>
+    </p:extLst>
+  </p:cSld>
+  <p:clrMapOvr>
+    <a:masterClrMapping/>
+  </p:clrMapOvr>
+</p:sld>
+</file>
+
+<file path=ppt/slides/slide37.xml><?xml version="1.0" encoding="utf-8"?>
+<p:sld xmlns:a="http://schemas.openxmlformats.org/drawingml/2006/main" xmlns:r="http://schemas.openxmlformats.org/officeDocument/2006/relationships" xmlns:p="http://schemas.openxmlformats.org/presentationml/2006/main">
+  <p:cSld>
+    <p:spTree>
+      <p:nvGrpSpPr>
+        <p:cNvPr id="1" name=""/>
+        <p:cNvGrpSpPr/>
+        <p:nvPr/>
+      </p:nvGrpSpPr>
+      <p:grpSpPr>
+        <a:xfrm>
+          <a:off x="0" y="0"/>
+          <a:ext cx="0" cy="0"/>
+          <a:chOff x="0" y="0"/>
+          <a:chExt cx="0" cy="0"/>
+        </a:xfrm>
+      </p:grpSpPr>
+      <p:sp>
+        <p:nvSpPr>
+          <p:cNvPr id="2" name="标题 1">
+            <a:extLst>
+              <a:ext uri="{FF2B5EF4-FFF2-40B4-BE49-F238E27FC236}">
+                <a16:creationId xmlns:a16="http://schemas.microsoft.com/office/drawing/2014/main" xmlns="" id="{8FC3F6F2-B4D0-4A5C-9A8B-A53E071F436D}"/>
+              </a:ext>
+            </a:extLst>
+          </p:cNvPr>
+          <p:cNvSpPr>
+            <a:spLocks noGrp="1"/>
+          </p:cNvSpPr>
+          <p:nvPr>
+            <p:ph type="title"/>
+          </p:nvPr>
+        </p:nvSpPr>
+        <p:spPr>
+          <a:xfrm>
+            <a:off x="1141413" y="609600"/>
+            <a:ext cx="9905998" cy="1163782"/>
+          </a:xfrm>
+        </p:spPr>
+        <p:txBody>
+          <a:bodyPr>
+            <a:normAutofit/>
+          </a:bodyPr>
+          <a:lstStyle/>
+          <a:p>
+            <a:pPr algn="ctr"/>
+            <a:r>
+              <a:rPr lang="zh-CN" altLang="en-US" sz="4000" dirty="0" smtClean="0"/>
+              <a:t>栅格</a:t>
+            </a:r>
+            <a:r>
+              <a:rPr lang="zh-CN" altLang="en-US" sz="4000" dirty="0" smtClean="0"/>
+              <a:t>项目</a:t>
+            </a:r>
+            <a:r>
+              <a:rPr lang="zh-CN" altLang="en-US" sz="4000" dirty="0" smtClean="0"/>
+              <a:t>属性</a:t>
+            </a:r>
+            <a:endParaRPr lang="zh-CN" altLang="en-US" sz="4000" dirty="0"/>
+          </a:p>
+        </p:txBody>
+      </p:sp>
+      <p:sp>
+        <p:nvSpPr>
+          <p:cNvPr id="7" name="文本框 6">
+            <a:extLst>
+              <a:ext uri="{FF2B5EF4-FFF2-40B4-BE49-F238E27FC236}">
+                <a16:creationId xmlns:a16="http://schemas.microsoft.com/office/drawing/2014/main" xmlns="" id="{2C276D97-CCCB-476C-81CE-B4294E655EFC}"/>
+              </a:ext>
+            </a:extLst>
+          </p:cNvPr>
+          <p:cNvSpPr txBox="1"/>
+          <p:nvPr/>
+        </p:nvSpPr>
+        <p:spPr>
+          <a:xfrm>
+            <a:off x="523296" y="2264807"/>
+            <a:ext cx="4688039" cy="3108543"/>
+          </a:xfrm>
+          <a:prstGeom prst="rect">
+            <a:avLst/>
+          </a:prstGeom>
+          <a:noFill/>
+        </p:spPr>
+        <p:txBody>
+          <a:bodyPr wrap="square" rtlCol="0">
+            <a:spAutoFit/>
+          </a:bodyPr>
+          <a:lstStyle/>
+          <a:p>
+            <a:r>
+              <a:rPr lang="en-US" altLang="zh-CN" sz="2800" dirty="0"/>
+              <a:t>grid-column-start </a:t>
+            </a:r>
+            <a:br>
+              <a:rPr lang="en-US" altLang="zh-CN" sz="2800" dirty="0"/>
+            </a:br>
+            <a:r>
+              <a:rPr lang="en-US" altLang="zh-CN" sz="2800" dirty="0"/>
+              <a:t>grid-column-end </a:t>
+            </a:r>
+            <a:br>
+              <a:rPr lang="en-US" altLang="zh-CN" sz="2800" dirty="0"/>
+            </a:br>
+            <a:r>
+              <a:rPr lang="en-US" altLang="zh-CN" sz="2800" dirty="0"/>
+              <a:t>grid-row-start </a:t>
+            </a:r>
+            <a:br>
+              <a:rPr lang="en-US" altLang="zh-CN" sz="2800" dirty="0"/>
+            </a:br>
+            <a:r>
+              <a:rPr lang="en-US" altLang="zh-CN" sz="2800" dirty="0" smtClean="0"/>
+              <a:t>grid-row-end</a:t>
+            </a:r>
+          </a:p>
+          <a:p>
+            <a:r>
+              <a:rPr lang="en-US" altLang="zh-CN" sz="2800" dirty="0"/>
+              <a:t>grid-column </a:t>
+            </a:r>
+            <a:br>
+              <a:rPr lang="en-US" altLang="zh-CN" sz="2800" dirty="0"/>
+            </a:br>
+            <a:r>
+              <a:rPr lang="en-US" altLang="zh-CN" sz="2800" dirty="0"/>
+              <a:t>grid-row</a:t>
+            </a:r>
+          </a:p>
+          <a:p>
+            <a:endParaRPr lang="en-US" altLang="zh-CN" sz="2800" dirty="0"/>
+          </a:p>
+        </p:txBody>
+      </p:sp>
+      <p:sp>
+        <p:nvSpPr>
+          <p:cNvPr id="4" name="文本框 3">
+            <a:extLst>
+              <a:ext uri="{FF2B5EF4-FFF2-40B4-BE49-F238E27FC236}">
+                <a16:creationId xmlns:a16="http://schemas.microsoft.com/office/drawing/2014/main" xmlns="" id="{70CAA7E5-B161-4735-9B43-E45C968FBE82}"/>
+              </a:ext>
+            </a:extLst>
+          </p:cNvPr>
+          <p:cNvSpPr txBox="1"/>
+          <p:nvPr/>
+        </p:nvSpPr>
+        <p:spPr>
+          <a:xfrm>
+            <a:off x="6977489" y="2264807"/>
+            <a:ext cx="4688039" cy="1384995"/>
+          </a:xfrm>
+          <a:prstGeom prst="rect">
+            <a:avLst/>
+          </a:prstGeom>
+          <a:noFill/>
+        </p:spPr>
+        <p:txBody>
+          <a:bodyPr wrap="square" rtlCol="0">
+            <a:spAutoFit/>
+          </a:bodyPr>
+          <a:lstStyle/>
+          <a:p>
+            <a:r>
+              <a:rPr lang="en-US" altLang="zh-CN" sz="2800" dirty="0"/>
+              <a:t>grid-area</a:t>
+            </a:r>
+          </a:p>
+          <a:p>
+            <a:r>
+              <a:rPr lang="en-US" altLang="zh-CN" sz="2800" dirty="0"/>
+              <a:t>justify-self</a:t>
+            </a:r>
+          </a:p>
+          <a:p>
+            <a:r>
+              <a:rPr lang="en-US" altLang="zh-CN" sz="2800" dirty="0"/>
+              <a:t>align-self</a:t>
+            </a:r>
+            <a:endParaRPr lang="en-US" altLang="zh-CN" sz="2800" dirty="0"/>
+          </a:p>
+        </p:txBody>
+      </p:sp>
+    </p:spTree>
+    <p:extLst>
+      <p:ext uri="{BB962C8B-B14F-4D97-AF65-F5344CB8AC3E}">
+        <p14:creationId xmlns:p14="http://schemas.microsoft.com/office/powerpoint/2010/main" val="930557322"/>
+      </p:ext>
+    </p:extLst>
+  </p:cSld>
+  <p:clrMapOvr>
+    <a:masterClrMapping/>
+  </p:clrMapOvr>
+</p:sld>
+</file>
+
+<file path=ppt/slides/slide38.xml><?xml version="1.0" encoding="utf-8"?>
+<p:sld xmlns:a="http://schemas.openxmlformats.org/drawingml/2006/main" xmlns:r="http://schemas.openxmlformats.org/officeDocument/2006/relationships" xmlns:p="http://schemas.openxmlformats.org/presentationml/2006/main">
+  <p:cSld>
+    <p:spTree>
+      <p:nvGrpSpPr>
+        <p:cNvPr id="1" name=""/>
+        <p:cNvGrpSpPr/>
+        <p:nvPr/>
+      </p:nvGrpSpPr>
+      <p:grpSpPr>
+        <a:xfrm>
+          <a:off x="0" y="0"/>
+          <a:ext cx="0" cy="0"/>
+          <a:chOff x="0" y="0"/>
+          <a:chExt cx="0" cy="0"/>
+        </a:xfrm>
+      </p:grpSpPr>
+      <p:sp>
+        <p:nvSpPr>
+          <p:cNvPr id="2" name="标题 1">
+            <a:extLst>
+              <a:ext uri="{FF2B5EF4-FFF2-40B4-BE49-F238E27FC236}">
+                <a16:creationId xmlns:a16="http://schemas.microsoft.com/office/drawing/2014/main" xmlns="" id="{A938CF80-F668-4B65-B009-F9F86A52F090}"/>
+              </a:ext>
+            </a:extLst>
+          </p:cNvPr>
+          <p:cNvSpPr>
+            <a:spLocks noGrp="1"/>
+          </p:cNvSpPr>
+          <p:nvPr>
+            <p:ph type="title"/>
+          </p:nvPr>
+        </p:nvSpPr>
+        <p:spPr>
+          <a:xfrm>
+            <a:off x="1141413" y="193964"/>
+            <a:ext cx="9905998" cy="1905000"/>
+          </a:xfrm>
+        </p:spPr>
+        <p:txBody>
+          <a:bodyPr>
+            <a:normAutofit/>
+          </a:bodyPr>
+          <a:lstStyle/>
+          <a:p>
+            <a:pPr algn="ctr"/>
+            <a:r>
+              <a:rPr lang="zh-CN" altLang="en-US" sz="4000" dirty="0" smtClean="0">
+                <a:effectLst/>
+              </a:rPr>
+              <a:t>指定栅格项目的栅格区域</a:t>
+            </a:r>
+            <a:endParaRPr lang="zh-CN" altLang="en-US" sz="4800" dirty="0"/>
+          </a:p>
+        </p:txBody>
+      </p:sp>
+      <p:sp>
+        <p:nvSpPr>
+          <p:cNvPr id="4" name="文本框 3">
+            <a:extLst>
+              <a:ext uri="{FF2B5EF4-FFF2-40B4-BE49-F238E27FC236}">
+                <a16:creationId xmlns:a16="http://schemas.microsoft.com/office/drawing/2014/main" xmlns="" id="{21022717-DEE6-4DFE-BEFC-C21B40A54266}"/>
+              </a:ext>
+            </a:extLst>
+          </p:cNvPr>
+          <p:cNvSpPr txBox="1"/>
+          <p:nvPr/>
+        </p:nvSpPr>
+        <p:spPr>
+          <a:xfrm>
+            <a:off x="501994" y="2098964"/>
+            <a:ext cx="11184835" cy="5693866"/>
+          </a:xfrm>
+          <a:prstGeom prst="rect">
+            <a:avLst/>
+          </a:prstGeom>
+          <a:noFill/>
+        </p:spPr>
+        <p:txBody>
+          <a:bodyPr wrap="square" rtlCol="0">
+            <a:spAutoFit/>
+          </a:bodyPr>
+          <a:lstStyle/>
+          <a:p>
+            <a:r>
+              <a:rPr lang="en-US" altLang="zh-CN" sz="2800" dirty="0" smtClean="0"/>
+              <a:t>grid-column-start</a:t>
+            </a:r>
+            <a:r>
+              <a:rPr lang="zh-CN" altLang="en-US" sz="2800" dirty="0" smtClean="0"/>
+              <a:t>   </a:t>
+            </a:r>
+            <a:r>
+              <a:rPr lang="en-US" altLang="zh-CN" sz="2800" dirty="0"/>
+              <a:t> </a:t>
+            </a:r>
+            <a:r>
+              <a:rPr lang="en-US" altLang="zh-CN" sz="2800" dirty="0" smtClean="0"/>
+              <a:t>grid-column-end</a:t>
+            </a:r>
+            <a:r>
+              <a:rPr lang="en-US" altLang="zh-CN" sz="2800" dirty="0"/>
+              <a:t> </a:t>
+            </a:r>
+            <a:br>
+              <a:rPr lang="en-US" altLang="zh-CN" sz="2800" dirty="0"/>
+            </a:br>
+            <a:r>
+              <a:rPr lang="en-US" altLang="zh-CN" sz="2800" dirty="0"/>
+              <a:t>grid-row-start </a:t>
+            </a:r>
+            <a:r>
+              <a:rPr lang="zh-CN" altLang="en-US" sz="2800" dirty="0" smtClean="0"/>
+              <a:t>   </a:t>
+            </a:r>
+            <a:r>
+              <a:rPr lang="en-US" altLang="zh-CN" sz="2800" dirty="0" smtClean="0"/>
+              <a:t>grid-row-end</a:t>
+            </a:r>
+            <a:endParaRPr lang="en-US" altLang="zh-CN" sz="2800" dirty="0" smtClean="0"/>
+          </a:p>
+          <a:p>
+            <a:r>
+              <a:rPr lang="zh-CN" altLang="en-US" sz="2800" dirty="0" smtClean="0"/>
+              <a:t>以上四个属性分别代表栅格区域的 列栅格线和行栅格线的起点和终点</a:t>
+            </a:r>
+            <a:endParaRPr lang="en-US" altLang="zh-CN" sz="2800" dirty="0"/>
+          </a:p>
+          <a:p>
+            <a:endParaRPr lang="en-US" altLang="zh-CN" sz="2800" dirty="0" smtClean="0"/>
+          </a:p>
+          <a:p>
+            <a:r>
+              <a:rPr lang="zh-CN" altLang="en-US" sz="2800" dirty="0" smtClean="0"/>
+              <a:t>属性值</a:t>
+            </a:r>
+            <a:endParaRPr lang="en-US" altLang="zh-CN" sz="2800" dirty="0"/>
+          </a:p>
+          <a:p>
+            <a:r>
+              <a:rPr lang="en-US" altLang="zh-CN" sz="2800" dirty="0"/>
+              <a:t>&lt;Line&gt; </a:t>
+            </a:r>
+            <a:r>
+              <a:rPr lang="zh-CN" altLang="en-US" sz="2800" dirty="0"/>
+              <a:t>可以是一个表示栅格线名字或</a:t>
+            </a:r>
+            <a:r>
+              <a:rPr lang="zh-CN" altLang="en-US" sz="2800" dirty="0" smtClean="0"/>
+              <a:t>数字</a:t>
+            </a:r>
+            <a:endParaRPr lang="zh-CN" altLang="en-US" sz="2800" dirty="0"/>
+          </a:p>
+          <a:p>
+            <a:r>
+              <a:rPr lang="en-US" altLang="zh-CN" sz="2800" dirty="0"/>
+              <a:t>span &lt;number&gt; </a:t>
+            </a:r>
+            <a:r>
+              <a:rPr lang="zh-CN" altLang="en-US" sz="2800" dirty="0"/>
+              <a:t>项目将横跨指定数量栅格轨迹</a:t>
+            </a:r>
+          </a:p>
+          <a:p>
+            <a:r>
+              <a:rPr lang="en-US" altLang="zh-CN" sz="2800" dirty="0"/>
+              <a:t>span &lt;name&gt; </a:t>
+            </a:r>
+            <a:r>
+              <a:rPr lang="zh-CN" altLang="en-US" sz="2800" dirty="0"/>
+              <a:t>项目将横跨至指定名字的栅格线</a:t>
+            </a:r>
+          </a:p>
+          <a:p>
+            <a:r>
+              <a:rPr lang="en-US" altLang="zh-CN" sz="2800" dirty="0"/>
+              <a:t>auto </a:t>
+            </a:r>
+            <a:r>
+              <a:rPr lang="zh-CN" altLang="en-US" sz="2800" dirty="0"/>
+              <a:t>自动放置，自动跨越轨迹或者默认跨越轨迹</a:t>
+            </a:r>
+          </a:p>
+          <a:p>
+            <a:endParaRPr lang="en-US" altLang="zh-CN" sz="2800" dirty="0" smtClean="0"/>
+          </a:p>
+          <a:p>
+            <a:endParaRPr lang="en-US" altLang="zh-CN" sz="2800" dirty="0"/>
+          </a:p>
+          <a:p>
+            <a:endParaRPr lang="en-US" altLang="zh-CN" sz="2800" dirty="0" smtClean="0"/>
+          </a:p>
+          <a:p>
+            <a:endParaRPr lang="en-US" altLang="zh-CN" sz="2800" dirty="0"/>
+          </a:p>
+        </p:txBody>
+      </p:sp>
+    </p:spTree>
+    <p:extLst>
+      <p:ext uri="{BB962C8B-B14F-4D97-AF65-F5344CB8AC3E}">
+        <p14:creationId xmlns:p14="http://schemas.microsoft.com/office/powerpoint/2010/main" val="800691695"/>
+      </p:ext>
+    </p:extLst>
+  </p:cSld>
+  <p:clrMapOvr>
+    <a:masterClrMapping/>
+  </p:clrMapOvr>
+</p:sld>
+</file>
+
+<file path=ppt/slides/slide39.xml><?xml version="1.0" encoding="utf-8"?>
+<p:sld xmlns:a="http://schemas.openxmlformats.org/drawingml/2006/main" xmlns:r="http://schemas.openxmlformats.org/officeDocument/2006/relationships" xmlns:p="http://schemas.openxmlformats.org/presentationml/2006/main">
+  <p:cSld>
+    <p:spTree>
+      <p:nvGrpSpPr>
+        <p:cNvPr id="1" name=""/>
+        <p:cNvGrpSpPr/>
+        <p:nvPr/>
+      </p:nvGrpSpPr>
+      <p:grpSpPr>
+        <a:xfrm>
+          <a:off x="0" y="0"/>
+          <a:ext cx="0" cy="0"/>
+          <a:chOff x="0" y="0"/>
+          <a:chExt cx="0" cy="0"/>
+        </a:xfrm>
+      </p:grpSpPr>
+      <p:sp>
+        <p:nvSpPr>
+          <p:cNvPr id="2" name="标题 1">
+            <a:extLst>
+              <a:ext uri="{FF2B5EF4-FFF2-40B4-BE49-F238E27FC236}">
+                <a16:creationId xmlns:a16="http://schemas.microsoft.com/office/drawing/2014/main" xmlns="" id="{A938CF80-F668-4B65-B009-F9F86A52F090}"/>
+              </a:ext>
+            </a:extLst>
+          </p:cNvPr>
+          <p:cNvSpPr>
+            <a:spLocks noGrp="1"/>
+          </p:cNvSpPr>
+          <p:nvPr>
+            <p:ph type="title"/>
+          </p:nvPr>
+        </p:nvSpPr>
+        <p:spPr>
+          <a:xfrm>
+            <a:off x="1141413" y="193964"/>
+            <a:ext cx="9905998" cy="1905000"/>
+          </a:xfrm>
+        </p:spPr>
+        <p:txBody>
+          <a:bodyPr>
+            <a:normAutofit/>
+          </a:bodyPr>
+          <a:lstStyle/>
+          <a:p>
+            <a:pPr algn="ctr"/>
+            <a:r>
+              <a:rPr lang="zh-CN" altLang="en-US" sz="4000" dirty="0" smtClean="0">
+                <a:effectLst/>
+              </a:rPr>
+              <a:t>指定栅格项目的栅格区域简写</a:t>
+            </a:r>
+            <a:endParaRPr lang="zh-CN" altLang="en-US" sz="4800" dirty="0"/>
+          </a:p>
+        </p:txBody>
+      </p:sp>
+      <p:sp>
+        <p:nvSpPr>
+          <p:cNvPr id="4" name="文本框 3">
+            <a:extLst>
+              <a:ext uri="{FF2B5EF4-FFF2-40B4-BE49-F238E27FC236}">
+                <a16:creationId xmlns:a16="http://schemas.microsoft.com/office/drawing/2014/main" xmlns="" id="{21022717-DEE6-4DFE-BEFC-C21B40A54266}"/>
+              </a:ext>
+            </a:extLst>
+          </p:cNvPr>
+          <p:cNvSpPr txBox="1"/>
+          <p:nvPr/>
+        </p:nvSpPr>
+        <p:spPr>
+          <a:xfrm>
+            <a:off x="501994" y="2098964"/>
+            <a:ext cx="11184835" cy="2677656"/>
+          </a:xfrm>
+          <a:prstGeom prst="rect">
+            <a:avLst/>
+          </a:prstGeom>
+          <a:noFill/>
+        </p:spPr>
+        <p:txBody>
+          <a:bodyPr wrap="square" rtlCol="0">
+            <a:spAutoFit/>
+          </a:bodyPr>
+          <a:lstStyle/>
+          <a:p>
+            <a:r>
+              <a:rPr lang="en-US" altLang="zh-CN" sz="2800" dirty="0"/>
+              <a:t>grid-column </a:t>
+            </a:r>
+            <a:r>
+              <a:rPr lang="zh-CN" altLang="en-US" sz="2800" dirty="0"/>
+              <a:t>和 </a:t>
+            </a:r>
+            <a:r>
+              <a:rPr lang="en-US" altLang="zh-CN" sz="2800" dirty="0"/>
+              <a:t>grid-row </a:t>
+            </a:r>
+            <a:r>
+              <a:rPr lang="zh-CN" altLang="en-US" sz="2800" dirty="0"/>
+              <a:t>为它们的简写</a:t>
+            </a:r>
+          </a:p>
+          <a:p>
+            <a:endParaRPr lang="en-US" altLang="zh-CN" sz="2800" dirty="0"/>
+          </a:p>
+          <a:p>
+            <a:r>
+              <a:rPr lang="zh-CN" altLang="en-US" sz="2800" dirty="0" smtClean="0"/>
+              <a:t>属性值</a:t>
+            </a:r>
+            <a:endParaRPr lang="en-US" altLang="zh-CN" sz="2800" dirty="0" smtClean="0"/>
+          </a:p>
+          <a:p>
+            <a:r>
+              <a:rPr lang="en-US" altLang="zh-CN" sz="2800" dirty="0"/>
+              <a:t>&lt;start-line&gt; / &lt;end-line</a:t>
+            </a:r>
+            <a:r>
+              <a:rPr lang="en-US" altLang="zh-CN" sz="2800" dirty="0" smtClean="0"/>
+              <a:t>&gt;</a:t>
+            </a:r>
+            <a:r>
+              <a:rPr lang="zh-CN" altLang="en-US" sz="2800" dirty="0" smtClean="0"/>
+              <a:t> 与正常书写值相同</a:t>
+            </a:r>
+            <a:r>
+              <a:rPr lang="en-US" altLang="zh-CN" sz="2800" dirty="0" smtClean="0"/>
+              <a:t>,</a:t>
+            </a:r>
+            <a:r>
+              <a:rPr lang="zh-CN" altLang="en-US" sz="2800" dirty="0" smtClean="0"/>
+              <a:t>用</a:t>
+            </a:r>
+            <a:r>
+              <a:rPr lang="en-US" altLang="zh-CN" sz="2800" dirty="0" smtClean="0"/>
+              <a:t>/</a:t>
+            </a:r>
+            <a:r>
+              <a:rPr lang="zh-CN" altLang="en-US" sz="2800" dirty="0" smtClean="0"/>
+              <a:t>分隔</a:t>
+            </a:r>
+            <a:r>
+              <a:rPr lang="zh-CN" altLang="en-US" sz="2800" smtClean="0"/>
+              <a:t>开始和结束</a:t>
+            </a:r>
+            <a:endParaRPr lang="en-US" altLang="zh-CN" sz="2800" dirty="0"/>
+          </a:p>
+          <a:p>
+            <a:endParaRPr lang="en-US" altLang="zh-CN" sz="2800" dirty="0" smtClean="0"/>
+          </a:p>
+          <a:p>
+            <a:endParaRPr lang="en-US" altLang="zh-CN" sz="2800" dirty="0"/>
+          </a:p>
+        </p:txBody>
+      </p:sp>
+    </p:spTree>
+    <p:extLst>
+      <p:ext uri="{BB962C8B-B14F-4D97-AF65-F5344CB8AC3E}">
+        <p14:creationId xmlns:p14="http://schemas.microsoft.com/office/powerpoint/2010/main" val="845700035"/>
       </p:ext>
     </p:extLst>
   </p:cSld>
@@ -18476,7 +19883,7 @@
           <p:cNvPr id="5" name="标题 4">
             <a:extLst>
               <a:ext uri="{FF2B5EF4-FFF2-40B4-BE49-F238E27FC236}">
-                <a16:creationId xmlns:a16="http://schemas.microsoft.com/office/drawing/2014/main" id="{07F556DD-E811-4B23-9D66-FB5B03C42A0D}"/>
+                <a16:creationId xmlns:a16="http://schemas.microsoft.com/office/drawing/2014/main" xmlns="" id="{07F556DD-E811-4B23-9D66-FB5B03C42A0D}"/>
               </a:ext>
             </a:extLst>
           </p:cNvPr>
@@ -18720,6 +20127,230 @@
     <p:extLst>
       <p:ext uri="{BB962C8B-B14F-4D97-AF65-F5344CB8AC3E}">
         <p14:creationId xmlns:p14="http://schemas.microsoft.com/office/powerpoint/2010/main" val="60097078"/>
+      </p:ext>
+    </p:extLst>
+  </p:cSld>
+  <p:clrMapOvr>
+    <a:masterClrMapping/>
+  </p:clrMapOvr>
+</p:sld>
+</file>
+
+<file path=ppt/slides/slide40.xml><?xml version="1.0" encoding="utf-8"?>
+<p:sld xmlns:a="http://schemas.openxmlformats.org/drawingml/2006/main" xmlns:r="http://schemas.openxmlformats.org/officeDocument/2006/relationships" xmlns:p="http://schemas.openxmlformats.org/presentationml/2006/main">
+  <p:cSld>
+    <p:spTree>
+      <p:nvGrpSpPr>
+        <p:cNvPr id="1" name=""/>
+        <p:cNvGrpSpPr/>
+        <p:nvPr/>
+      </p:nvGrpSpPr>
+      <p:grpSpPr>
+        <a:xfrm>
+          <a:off x="0" y="0"/>
+          <a:ext cx="0" cy="0"/>
+          <a:chOff x="0" y="0"/>
+          <a:chExt cx="0" cy="0"/>
+        </a:xfrm>
+      </p:grpSpPr>
+      <p:sp>
+        <p:nvSpPr>
+          <p:cNvPr id="2" name="标题 1">
+            <a:extLst>
+              <a:ext uri="{FF2B5EF4-FFF2-40B4-BE49-F238E27FC236}">
+                <a16:creationId xmlns:a16="http://schemas.microsoft.com/office/drawing/2014/main" xmlns="" id="{A938CF80-F668-4B65-B009-F9F86A52F090}"/>
+              </a:ext>
+            </a:extLst>
+          </p:cNvPr>
+          <p:cNvSpPr>
+            <a:spLocks noGrp="1"/>
+          </p:cNvSpPr>
+          <p:nvPr>
+            <p:ph type="title"/>
+          </p:nvPr>
+        </p:nvSpPr>
+        <p:spPr>
+          <a:xfrm>
+            <a:off x="1141413" y="193964"/>
+            <a:ext cx="9905998" cy="1905000"/>
+          </a:xfrm>
+        </p:spPr>
+        <p:txBody>
+          <a:bodyPr>
+            <a:normAutofit/>
+          </a:bodyPr>
+          <a:lstStyle/>
+          <a:p>
+            <a:pPr algn="ctr"/>
+            <a:r>
+              <a:rPr lang="zh-CN" altLang="en-US" sz="4000" dirty="0" smtClean="0">
+                <a:effectLst/>
+              </a:rPr>
+              <a:t>指定栅格项目的栅格区域</a:t>
+            </a:r>
+            <a:endParaRPr lang="zh-CN" altLang="en-US" sz="4800" dirty="0"/>
+          </a:p>
+        </p:txBody>
+      </p:sp>
+      <p:sp>
+        <p:nvSpPr>
+          <p:cNvPr id="4" name="文本框 3">
+            <a:extLst>
+              <a:ext uri="{FF2B5EF4-FFF2-40B4-BE49-F238E27FC236}">
+                <a16:creationId xmlns:a16="http://schemas.microsoft.com/office/drawing/2014/main" xmlns="" id="{21022717-DEE6-4DFE-BEFC-C21B40A54266}"/>
+              </a:ext>
+            </a:extLst>
+          </p:cNvPr>
+          <p:cNvSpPr txBox="1"/>
+          <p:nvPr/>
+        </p:nvSpPr>
+        <p:spPr>
+          <a:xfrm>
+            <a:off x="501994" y="2098964"/>
+            <a:ext cx="11184835" cy="3108543"/>
+          </a:xfrm>
+          <a:prstGeom prst="rect">
+            <a:avLst/>
+          </a:prstGeom>
+          <a:noFill/>
+        </p:spPr>
+        <p:txBody>
+          <a:bodyPr wrap="square" rtlCol="0">
+            <a:spAutoFit/>
+          </a:bodyPr>
+          <a:lstStyle/>
+          <a:p>
+            <a:r>
+              <a:rPr lang="en-US" altLang="zh-CN" sz="2800" dirty="0" smtClean="0"/>
+              <a:t>grid-column-start</a:t>
+            </a:r>
+            <a:r>
+              <a:rPr lang="en-US" altLang="zh-CN" sz="2800" dirty="0"/>
+              <a:t> </a:t>
+            </a:r>
+            <a:br>
+              <a:rPr lang="en-US" altLang="zh-CN" sz="2800" dirty="0"/>
+            </a:br>
+            <a:r>
+              <a:rPr lang="en-US" altLang="zh-CN" sz="2800" dirty="0"/>
+              <a:t>grid-column-end </a:t>
+            </a:r>
+            <a:br>
+              <a:rPr lang="en-US" altLang="zh-CN" sz="2800" dirty="0"/>
+            </a:br>
+            <a:r>
+              <a:rPr lang="en-US" altLang="zh-CN" sz="2800" dirty="0"/>
+              <a:t>grid-row-start </a:t>
+            </a:r>
+            <a:br>
+              <a:rPr lang="en-US" altLang="zh-CN" sz="2800" dirty="0"/>
+            </a:br>
+            <a:r>
+              <a:rPr lang="en-US" altLang="zh-CN" sz="2800" dirty="0"/>
+              <a:t>grid-row-end</a:t>
+            </a:r>
+          </a:p>
+          <a:p>
+            <a:endParaRPr lang="en-US" altLang="zh-CN" sz="2800" dirty="0" smtClean="0"/>
+          </a:p>
+          <a:p>
+            <a:r>
+              <a:rPr lang="zh-CN" altLang="en-US" sz="2800" dirty="0" smtClean="0"/>
+              <a:t>以上四个属性分别代表栅格区域的 列栅格线和行栅格线的</a:t>
+            </a:r>
+            <a:r>
+              <a:rPr lang="zh-CN" altLang="en-US" sz="2800" smtClean="0"/>
+              <a:t>起点和终点</a:t>
+            </a:r>
+            <a:endParaRPr lang="en-US" altLang="zh-CN" sz="2800" dirty="0" smtClean="0"/>
+          </a:p>
+          <a:p>
+            <a:endParaRPr lang="en-US" altLang="zh-CN" sz="2800" dirty="0"/>
+          </a:p>
+        </p:txBody>
+      </p:sp>
+    </p:spTree>
+    <p:extLst>
+      <p:ext uri="{BB962C8B-B14F-4D97-AF65-F5344CB8AC3E}">
+        <p14:creationId xmlns:p14="http://schemas.microsoft.com/office/powerpoint/2010/main" val="690275990"/>
+      </p:ext>
+    </p:extLst>
+  </p:cSld>
+  <p:clrMapOvr>
+    <a:masterClrMapping/>
+  </p:clrMapOvr>
+</p:sld>
+</file>
+
+<file path=ppt/slides/slide41.xml><?xml version="1.0" encoding="utf-8"?>
+<p:sld xmlns:a="http://schemas.openxmlformats.org/drawingml/2006/main" xmlns:r="http://schemas.openxmlformats.org/officeDocument/2006/relationships" xmlns:p="http://schemas.openxmlformats.org/presentationml/2006/main">
+  <p:cSld>
+    <p:bg>
+      <p:bgPr>
+        <a:solidFill>
+          <a:schemeClr val="bg1">
+            <a:lumMod val="85000"/>
+            <a:lumOff val="15000"/>
+          </a:schemeClr>
+        </a:solidFill>
+        <a:effectLst/>
+      </p:bgPr>
+    </p:bg>
+    <p:spTree>
+      <p:nvGrpSpPr>
+        <p:cNvPr id="1" name=""/>
+        <p:cNvGrpSpPr/>
+        <p:nvPr/>
+      </p:nvGrpSpPr>
+      <p:grpSpPr>
+        <a:xfrm>
+          <a:off x="0" y="0"/>
+          <a:ext cx="0" cy="0"/>
+          <a:chOff x="0" y="0"/>
+          <a:chExt cx="0" cy="0"/>
+        </a:xfrm>
+      </p:grpSpPr>
+      <p:sp>
+        <p:nvSpPr>
+          <p:cNvPr id="2" name="标题 1">
+            <a:extLst>
+              <a:ext uri="{FF2B5EF4-FFF2-40B4-BE49-F238E27FC236}">
+                <a16:creationId xmlns:a16="http://schemas.microsoft.com/office/drawing/2014/main" xmlns="" id="{2561351D-6D5D-4341-8BC5-5D1FDEFB437F}"/>
+              </a:ext>
+            </a:extLst>
+          </p:cNvPr>
+          <p:cNvSpPr>
+            <a:spLocks noGrp="1"/>
+          </p:cNvSpPr>
+          <p:nvPr>
+            <p:ph type="title"/>
+          </p:nvPr>
+        </p:nvSpPr>
+        <p:spPr>
+          <a:xfrm>
+            <a:off x="1057330" y="2364828"/>
+            <a:ext cx="9905998" cy="1905000"/>
+          </a:xfrm>
+        </p:spPr>
+        <p:txBody>
+          <a:bodyPr>
+            <a:normAutofit/>
+          </a:bodyPr>
+          <a:lstStyle/>
+          <a:p>
+            <a:pPr algn="ctr"/>
+            <a:r>
+              <a:rPr lang="zh-CN" altLang="en-US" sz="4000" dirty="0" smtClean="0"/>
+              <a:t>谢谢</a:t>
+            </a:r>
+            <a:endParaRPr lang="zh-CN" altLang="en-US" sz="4000" dirty="0"/>
+          </a:p>
+        </p:txBody>
+      </p:sp>
+    </p:spTree>
+    <p:extLst>
+      <p:ext uri="{BB962C8B-B14F-4D97-AF65-F5344CB8AC3E}">
+        <p14:creationId xmlns:p14="http://schemas.microsoft.com/office/powerpoint/2010/main" val="3326483088"/>
       </p:ext>
     </p:extLst>
   </p:cSld>
@@ -18762,7 +20393,7 @@
           <p:cNvPr id="4" name="内容占位符 3">
             <a:extLst>
               <a:ext uri="{FF2B5EF4-FFF2-40B4-BE49-F238E27FC236}">
-                <a16:creationId xmlns:a16="http://schemas.microsoft.com/office/drawing/2014/main" id="{B1D1394A-5A04-4824-B49A-568B8708CF1E}"/>
+                <a16:creationId xmlns:a16="http://schemas.microsoft.com/office/drawing/2014/main" xmlns="" id="{B1D1394A-5A04-4824-B49A-568B8708CF1E}"/>
               </a:ext>
             </a:extLst>
           </p:cNvPr>
@@ -18794,7 +20425,7 @@
           <p:cNvPr id="5" name="图片 4">
             <a:extLst>
               <a:ext uri="{FF2B5EF4-FFF2-40B4-BE49-F238E27FC236}">
-                <a16:creationId xmlns:a16="http://schemas.microsoft.com/office/drawing/2014/main" id="{58E3EA67-027F-46F2-B9C7-677369057EDA}"/>
+                <a16:creationId xmlns:a16="http://schemas.microsoft.com/office/drawing/2014/main" xmlns="" id="{58E3EA67-027F-46F2-B9C7-677369057EDA}"/>
               </a:ext>
             </a:extLst>
           </p:cNvPr>
@@ -18824,7 +20455,7 @@
           <p:cNvPr id="6" name="文本框 5">
             <a:extLst>
               <a:ext uri="{FF2B5EF4-FFF2-40B4-BE49-F238E27FC236}">
-                <a16:creationId xmlns:a16="http://schemas.microsoft.com/office/drawing/2014/main" id="{31D4119D-E39F-4963-9DED-E090160E6F69}"/>
+                <a16:creationId xmlns:a16="http://schemas.microsoft.com/office/drawing/2014/main" xmlns="" id="{31D4119D-E39F-4963-9DED-E090160E6F69}"/>
               </a:ext>
             </a:extLst>
           </p:cNvPr>
@@ -18998,7 +20629,7 @@
           <p:cNvPr id="2" name="标题 1">
             <a:extLst>
               <a:ext uri="{FF2B5EF4-FFF2-40B4-BE49-F238E27FC236}">
-                <a16:creationId xmlns:a16="http://schemas.microsoft.com/office/drawing/2014/main" id="{43B19053-8120-48B4-93E8-124D959FAC7C}"/>
+                <a16:creationId xmlns:a16="http://schemas.microsoft.com/office/drawing/2014/main" xmlns="" id="{43B19053-8120-48B4-93E8-124D959FAC7C}"/>
               </a:ext>
             </a:extLst>
           </p:cNvPr>
@@ -19096,7 +20727,7 @@
           <p:cNvPr id="2" name="标题 1">
             <a:extLst>
               <a:ext uri="{FF2B5EF4-FFF2-40B4-BE49-F238E27FC236}">
-                <a16:creationId xmlns:a16="http://schemas.microsoft.com/office/drawing/2014/main" id="{8FC3F6F2-B4D0-4A5C-9A8B-A53E071F436D}"/>
+                <a16:creationId xmlns:a16="http://schemas.microsoft.com/office/drawing/2014/main" xmlns="" id="{8FC3F6F2-B4D0-4A5C-9A8B-A53E071F436D}"/>
               </a:ext>
             </a:extLst>
           </p:cNvPr>
@@ -19132,7 +20763,7 @@
           <p:cNvPr id="7" name="文本框 6">
             <a:extLst>
               <a:ext uri="{FF2B5EF4-FFF2-40B4-BE49-F238E27FC236}">
-                <a16:creationId xmlns:a16="http://schemas.microsoft.com/office/drawing/2014/main" id="{2C276D97-CCCB-476C-81CE-B4294E655EFC}"/>
+                <a16:creationId xmlns:a16="http://schemas.microsoft.com/office/drawing/2014/main" xmlns="" id="{2C276D97-CCCB-476C-81CE-B4294E655EFC}"/>
               </a:ext>
             </a:extLst>
           </p:cNvPr>
@@ -19254,7 +20885,7 @@
           <p:cNvPr id="2" name="标题 1">
             <a:extLst>
               <a:ext uri="{FF2B5EF4-FFF2-40B4-BE49-F238E27FC236}">
-                <a16:creationId xmlns:a16="http://schemas.microsoft.com/office/drawing/2014/main" id="{A938CF80-F668-4B65-B009-F9F86A52F090}"/>
+                <a16:creationId xmlns:a16="http://schemas.microsoft.com/office/drawing/2014/main" xmlns="" id="{A938CF80-F668-4B65-B009-F9F86A52F090}"/>
               </a:ext>
             </a:extLst>
           </p:cNvPr>
@@ -19288,7 +20919,7 @@
           <p:cNvPr id="4" name="文本框 3">
             <a:extLst>
               <a:ext uri="{FF2B5EF4-FFF2-40B4-BE49-F238E27FC236}">
-                <a16:creationId xmlns:a16="http://schemas.microsoft.com/office/drawing/2014/main" id="{21022717-DEE6-4DFE-BEFC-C21B40A54266}"/>
+                <a16:creationId xmlns:a16="http://schemas.microsoft.com/office/drawing/2014/main" xmlns="" id="{21022717-DEE6-4DFE-BEFC-C21B40A54266}"/>
               </a:ext>
             </a:extLst>
           </p:cNvPr>

--- a/ppt/CSS Flex&Grid.pptx
+++ b/ppt/CSS Flex&Grid.pptx
@@ -47,7 +47,7 @@
     <p:sldId id="298" r:id="rId38"/>
     <p:sldId id="299" r:id="rId39"/>
     <p:sldId id="301" r:id="rId40"/>
-    <p:sldId id="300" r:id="rId41"/>
+    <p:sldId id="302" r:id="rId41"/>
     <p:sldId id="263" r:id="rId42"/>
   </p:sldIdLst>
   <p:sldSz cx="12192000" cy="6858000"/>
@@ -15004,6 +15004,13 @@
   <p:clrMapOvr>
     <a:masterClrMapping/>
   </p:clrMapOvr>
+  <p:timing>
+    <p:tnLst>
+      <p:par>
+        <p:cTn id="1" dur="indefinite" restart="never" nodeType="tmRoot"/>
+      </p:par>
+    </p:tnLst>
+  </p:timing>
 </p:sld>
 </file>
 
@@ -15040,7 +15047,7 @@
           <p:cNvPr id="2" name="标题 1">
             <a:extLst>
               <a:ext uri="{FF2B5EF4-FFF2-40B4-BE49-F238E27FC236}">
-                <a16:creationId xmlns:a16="http://schemas.microsoft.com/office/drawing/2014/main" xmlns="" id="{A938CF80-F668-4B65-B009-F9F86A52F090}"/>
+                <a16:creationId xmlns="" xmlns:a16="http://schemas.microsoft.com/office/drawing/2014/main" id="{A938CF80-F668-4B65-B009-F9F86A52F090}"/>
               </a:ext>
             </a:extLst>
           </p:cNvPr>
@@ -15074,7 +15081,7 @@
           <p:cNvPr id="4" name="文本框 3">
             <a:extLst>
               <a:ext uri="{FF2B5EF4-FFF2-40B4-BE49-F238E27FC236}">
-                <a16:creationId xmlns:a16="http://schemas.microsoft.com/office/drawing/2014/main" xmlns="" id="{21022717-DEE6-4DFE-BEFC-C21B40A54266}"/>
+                <a16:creationId xmlns="" xmlns:a16="http://schemas.microsoft.com/office/drawing/2014/main" id="{21022717-DEE6-4DFE-BEFC-C21B40A54266}"/>
               </a:ext>
             </a:extLst>
           </p:cNvPr>
@@ -15147,6 +15154,13 @@
   <p:clrMapOvr>
     <a:masterClrMapping/>
   </p:clrMapOvr>
+  <p:timing>
+    <p:tnLst>
+      <p:par>
+        <p:cTn id="1" dur="indefinite" restart="never" nodeType="tmRoot"/>
+      </p:par>
+    </p:tnLst>
+  </p:timing>
 </p:sld>
 </file>
 
@@ -15183,7 +15197,7 @@
           <p:cNvPr id="2" name="标题 1">
             <a:extLst>
               <a:ext uri="{FF2B5EF4-FFF2-40B4-BE49-F238E27FC236}">
-                <a16:creationId xmlns:a16="http://schemas.microsoft.com/office/drawing/2014/main" xmlns="" id="{A938CF80-F668-4B65-B009-F9F86A52F090}"/>
+                <a16:creationId xmlns="" xmlns:a16="http://schemas.microsoft.com/office/drawing/2014/main" id="{A938CF80-F668-4B65-B009-F9F86A52F090}"/>
               </a:ext>
             </a:extLst>
           </p:cNvPr>
@@ -15217,7 +15231,7 @@
           <p:cNvPr id="4" name="文本框 3">
             <a:extLst>
               <a:ext uri="{FF2B5EF4-FFF2-40B4-BE49-F238E27FC236}">
-                <a16:creationId xmlns:a16="http://schemas.microsoft.com/office/drawing/2014/main" xmlns="" id="{21022717-DEE6-4DFE-BEFC-C21B40A54266}"/>
+                <a16:creationId xmlns="" xmlns:a16="http://schemas.microsoft.com/office/drawing/2014/main" id="{21022717-DEE6-4DFE-BEFC-C21B40A54266}"/>
               </a:ext>
             </a:extLst>
           </p:cNvPr>
@@ -15276,6 +15290,13 @@
   <p:clrMapOvr>
     <a:masterClrMapping/>
   </p:clrMapOvr>
+  <p:timing>
+    <p:tnLst>
+      <p:par>
+        <p:cTn id="1" dur="indefinite" restart="never" nodeType="tmRoot"/>
+      </p:par>
+    </p:tnLst>
+  </p:timing>
 </p:sld>
 </file>
 
@@ -15312,7 +15333,7 @@
           <p:cNvPr id="2" name="标题 1">
             <a:extLst>
               <a:ext uri="{FF2B5EF4-FFF2-40B4-BE49-F238E27FC236}">
-                <a16:creationId xmlns:a16="http://schemas.microsoft.com/office/drawing/2014/main" xmlns="" id="{A938CF80-F668-4B65-B009-F9F86A52F090}"/>
+                <a16:creationId xmlns="" xmlns:a16="http://schemas.microsoft.com/office/drawing/2014/main" id="{A938CF80-F668-4B65-B009-F9F86A52F090}"/>
               </a:ext>
             </a:extLst>
           </p:cNvPr>
@@ -15346,7 +15367,7 @@
           <p:cNvPr id="4" name="文本框 3">
             <a:extLst>
               <a:ext uri="{FF2B5EF4-FFF2-40B4-BE49-F238E27FC236}">
-                <a16:creationId xmlns:a16="http://schemas.microsoft.com/office/drawing/2014/main" xmlns="" id="{21022717-DEE6-4DFE-BEFC-C21B40A54266}"/>
+                <a16:creationId xmlns="" xmlns:a16="http://schemas.microsoft.com/office/drawing/2014/main" id="{21022717-DEE6-4DFE-BEFC-C21B40A54266}"/>
               </a:ext>
             </a:extLst>
           </p:cNvPr>
@@ -15437,6 +15458,13 @@
   <p:clrMapOvr>
     <a:masterClrMapping/>
   </p:clrMapOvr>
+  <p:timing>
+    <p:tnLst>
+      <p:par>
+        <p:cTn id="1" dur="indefinite" restart="never" nodeType="tmRoot"/>
+      </p:par>
+    </p:tnLst>
+  </p:timing>
 </p:sld>
 </file>
 
@@ -15473,7 +15501,7 @@
           <p:cNvPr id="2" name="标题 1">
             <a:extLst>
               <a:ext uri="{FF2B5EF4-FFF2-40B4-BE49-F238E27FC236}">
-                <a16:creationId xmlns:a16="http://schemas.microsoft.com/office/drawing/2014/main" xmlns="" id="{A938CF80-F668-4B65-B009-F9F86A52F090}"/>
+                <a16:creationId xmlns="" xmlns:a16="http://schemas.microsoft.com/office/drawing/2014/main" id="{A938CF80-F668-4B65-B009-F9F86A52F090}"/>
               </a:ext>
             </a:extLst>
           </p:cNvPr>
@@ -15507,7 +15535,7 @@
           <p:cNvPr id="4" name="文本框 3">
             <a:extLst>
               <a:ext uri="{FF2B5EF4-FFF2-40B4-BE49-F238E27FC236}">
-                <a16:creationId xmlns:a16="http://schemas.microsoft.com/office/drawing/2014/main" xmlns="" id="{21022717-DEE6-4DFE-BEFC-C21B40A54266}"/>
+                <a16:creationId xmlns="" xmlns:a16="http://schemas.microsoft.com/office/drawing/2014/main" id="{21022717-DEE6-4DFE-BEFC-C21B40A54266}"/>
               </a:ext>
             </a:extLst>
           </p:cNvPr>
@@ -15606,6 +15634,13 @@
   <p:clrMapOvr>
     <a:masterClrMapping/>
   </p:clrMapOvr>
+  <p:timing>
+    <p:tnLst>
+      <p:par>
+        <p:cTn id="1" dur="indefinite" restart="never" nodeType="tmRoot"/>
+      </p:par>
+    </p:tnLst>
+  </p:timing>
 </p:sld>
 </file>
 
@@ -15642,7 +15677,7 @@
           <p:cNvPr id="2" name="标题 1">
             <a:extLst>
               <a:ext uri="{FF2B5EF4-FFF2-40B4-BE49-F238E27FC236}">
-                <a16:creationId xmlns:a16="http://schemas.microsoft.com/office/drawing/2014/main" xmlns="" id="{A938CF80-F668-4B65-B009-F9F86A52F090}"/>
+                <a16:creationId xmlns="" xmlns:a16="http://schemas.microsoft.com/office/drawing/2014/main" id="{A938CF80-F668-4B65-B009-F9F86A52F090}"/>
               </a:ext>
             </a:extLst>
           </p:cNvPr>
@@ -15676,7 +15711,7 @@
           <p:cNvPr id="4" name="文本框 3">
             <a:extLst>
               <a:ext uri="{FF2B5EF4-FFF2-40B4-BE49-F238E27FC236}">
-                <a16:creationId xmlns:a16="http://schemas.microsoft.com/office/drawing/2014/main" xmlns="" id="{21022717-DEE6-4DFE-BEFC-C21B40A54266}"/>
+                <a16:creationId xmlns="" xmlns:a16="http://schemas.microsoft.com/office/drawing/2014/main" id="{21022717-DEE6-4DFE-BEFC-C21B40A54266}"/>
               </a:ext>
             </a:extLst>
           </p:cNvPr>
@@ -15777,6 +15812,13 @@
   <p:clrMapOvr>
     <a:masterClrMapping/>
   </p:clrMapOvr>
+  <p:timing>
+    <p:tnLst>
+      <p:par>
+        <p:cTn id="1" dur="indefinite" restart="never" nodeType="tmRoot"/>
+      </p:par>
+    </p:tnLst>
+  </p:timing>
 </p:sld>
 </file>
 
@@ -15813,7 +15855,7 @@
           <p:cNvPr id="2" name="标题 1">
             <a:extLst>
               <a:ext uri="{FF2B5EF4-FFF2-40B4-BE49-F238E27FC236}">
-                <a16:creationId xmlns:a16="http://schemas.microsoft.com/office/drawing/2014/main" xmlns="" id="{8FC3F6F2-B4D0-4A5C-9A8B-A53E071F436D}"/>
+                <a16:creationId xmlns="" xmlns:a16="http://schemas.microsoft.com/office/drawing/2014/main" id="{8FC3F6F2-B4D0-4A5C-9A8B-A53E071F436D}"/>
               </a:ext>
             </a:extLst>
           </p:cNvPr>
@@ -15849,7 +15891,7 @@
           <p:cNvPr id="7" name="文本框 6">
             <a:extLst>
               <a:ext uri="{FF2B5EF4-FFF2-40B4-BE49-F238E27FC236}">
-                <a16:creationId xmlns:a16="http://schemas.microsoft.com/office/drawing/2014/main" xmlns="" id="{2C276D97-CCCB-476C-81CE-B4294E655EFC}"/>
+                <a16:creationId xmlns="" xmlns:a16="http://schemas.microsoft.com/office/drawing/2014/main" id="{2C276D97-CCCB-476C-81CE-B4294E655EFC}"/>
               </a:ext>
             </a:extLst>
           </p:cNvPr>
@@ -15938,6 +15980,13 @@
   <p:clrMapOvr>
     <a:masterClrMapping/>
   </p:clrMapOvr>
+  <p:timing>
+    <p:tnLst>
+      <p:par>
+        <p:cTn id="1" dur="indefinite" restart="never" nodeType="tmRoot"/>
+      </p:par>
+    </p:tnLst>
+  </p:timing>
 </p:sld>
 </file>
 
@@ -15974,7 +16023,7 @@
           <p:cNvPr id="2" name="标题 1">
             <a:extLst>
               <a:ext uri="{FF2B5EF4-FFF2-40B4-BE49-F238E27FC236}">
-                <a16:creationId xmlns:a16="http://schemas.microsoft.com/office/drawing/2014/main" xmlns="" id="{A938CF80-F668-4B65-B009-F9F86A52F090}"/>
+                <a16:creationId xmlns="" xmlns:a16="http://schemas.microsoft.com/office/drawing/2014/main" id="{A938CF80-F668-4B65-B009-F9F86A52F090}"/>
               </a:ext>
             </a:extLst>
           </p:cNvPr>
@@ -16008,7 +16057,7 @@
           <p:cNvPr id="4" name="文本框 3">
             <a:extLst>
               <a:ext uri="{FF2B5EF4-FFF2-40B4-BE49-F238E27FC236}">
-                <a16:creationId xmlns:a16="http://schemas.microsoft.com/office/drawing/2014/main" xmlns="" id="{21022717-DEE6-4DFE-BEFC-C21B40A54266}"/>
+                <a16:creationId xmlns="" xmlns:a16="http://schemas.microsoft.com/office/drawing/2014/main" id="{21022717-DEE6-4DFE-BEFC-C21B40A54266}"/>
               </a:ext>
             </a:extLst>
           </p:cNvPr>
@@ -16063,6 +16112,13 @@
   <p:clrMapOvr>
     <a:masterClrMapping/>
   </p:clrMapOvr>
+  <p:timing>
+    <p:tnLst>
+      <p:par>
+        <p:cTn id="1" dur="indefinite" restart="never" nodeType="tmRoot"/>
+      </p:par>
+    </p:tnLst>
+  </p:timing>
 </p:sld>
 </file>
 
@@ -16099,7 +16155,7 @@
           <p:cNvPr id="2" name="标题 1">
             <a:extLst>
               <a:ext uri="{FF2B5EF4-FFF2-40B4-BE49-F238E27FC236}">
-                <a16:creationId xmlns:a16="http://schemas.microsoft.com/office/drawing/2014/main" xmlns="" id="{A938CF80-F668-4B65-B009-F9F86A52F090}"/>
+                <a16:creationId xmlns="" xmlns:a16="http://schemas.microsoft.com/office/drawing/2014/main" id="{A938CF80-F668-4B65-B009-F9F86A52F090}"/>
               </a:ext>
             </a:extLst>
           </p:cNvPr>
@@ -16133,7 +16189,7 @@
           <p:cNvPr id="4" name="文本框 3">
             <a:extLst>
               <a:ext uri="{FF2B5EF4-FFF2-40B4-BE49-F238E27FC236}">
-                <a16:creationId xmlns:a16="http://schemas.microsoft.com/office/drawing/2014/main" xmlns="" id="{21022717-DEE6-4DFE-BEFC-C21B40A54266}"/>
+                <a16:creationId xmlns="" xmlns:a16="http://schemas.microsoft.com/office/drawing/2014/main" id="{21022717-DEE6-4DFE-BEFC-C21B40A54266}"/>
               </a:ext>
             </a:extLst>
           </p:cNvPr>
@@ -16218,6 +16274,13 @@
   <p:clrMapOvr>
     <a:masterClrMapping/>
   </p:clrMapOvr>
+  <p:timing>
+    <p:tnLst>
+      <p:par>
+        <p:cTn id="1" dur="indefinite" restart="never" nodeType="tmRoot"/>
+      </p:par>
+    </p:tnLst>
+  </p:timing>
 </p:sld>
 </file>
 
@@ -16254,7 +16317,7 @@
           <p:cNvPr id="2" name="标题 1">
             <a:extLst>
               <a:ext uri="{FF2B5EF4-FFF2-40B4-BE49-F238E27FC236}">
-                <a16:creationId xmlns:a16="http://schemas.microsoft.com/office/drawing/2014/main" xmlns="" id="{A938CF80-F668-4B65-B009-F9F86A52F090}"/>
+                <a16:creationId xmlns="" xmlns:a16="http://schemas.microsoft.com/office/drawing/2014/main" id="{A938CF80-F668-4B65-B009-F9F86A52F090}"/>
               </a:ext>
             </a:extLst>
           </p:cNvPr>
@@ -16288,7 +16351,7 @@
           <p:cNvPr id="4" name="文本框 3">
             <a:extLst>
               <a:ext uri="{FF2B5EF4-FFF2-40B4-BE49-F238E27FC236}">
-                <a16:creationId xmlns:a16="http://schemas.microsoft.com/office/drawing/2014/main" xmlns="" id="{21022717-DEE6-4DFE-BEFC-C21B40A54266}"/>
+                <a16:creationId xmlns="" xmlns:a16="http://schemas.microsoft.com/office/drawing/2014/main" id="{21022717-DEE6-4DFE-BEFC-C21B40A54266}"/>
               </a:ext>
             </a:extLst>
           </p:cNvPr>
@@ -16397,6 +16460,13 @@
   <p:clrMapOvr>
     <a:masterClrMapping/>
   </p:clrMapOvr>
+  <p:timing>
+    <p:tnLst>
+      <p:par>
+        <p:cTn id="1" dur="indefinite" restart="never" nodeType="tmRoot"/>
+      </p:par>
+    </p:tnLst>
+  </p:timing>
 </p:sld>
 </file>
 
@@ -16433,7 +16503,7 @@
           <p:cNvPr id="2" name="标题 1">
             <a:extLst>
               <a:ext uri="{FF2B5EF4-FFF2-40B4-BE49-F238E27FC236}">
-                <a16:creationId xmlns:a16="http://schemas.microsoft.com/office/drawing/2014/main" xmlns="" id="{A938CF80-F668-4B65-B009-F9F86A52F090}"/>
+                <a16:creationId xmlns="" xmlns:a16="http://schemas.microsoft.com/office/drawing/2014/main" id="{A938CF80-F668-4B65-B009-F9F86A52F090}"/>
               </a:ext>
             </a:extLst>
           </p:cNvPr>
@@ -16467,7 +16537,7 @@
           <p:cNvPr id="4" name="文本框 3">
             <a:extLst>
               <a:ext uri="{FF2B5EF4-FFF2-40B4-BE49-F238E27FC236}">
-                <a16:creationId xmlns:a16="http://schemas.microsoft.com/office/drawing/2014/main" xmlns="" id="{21022717-DEE6-4DFE-BEFC-C21B40A54266}"/>
+                <a16:creationId xmlns="" xmlns:a16="http://schemas.microsoft.com/office/drawing/2014/main" id="{21022717-DEE6-4DFE-BEFC-C21B40A54266}"/>
               </a:ext>
             </a:extLst>
           </p:cNvPr>
@@ -16522,6 +16592,13 @@
   <p:clrMapOvr>
     <a:masterClrMapping/>
   </p:clrMapOvr>
+  <p:timing>
+    <p:tnLst>
+      <p:par>
+        <p:cTn id="1" dur="indefinite" restart="never" nodeType="tmRoot"/>
+      </p:par>
+    </p:tnLst>
+  </p:timing>
 </p:sld>
 </file>
 
@@ -16558,7 +16635,7 @@
           <p:cNvPr id="2" name="标题 1">
             <a:extLst>
               <a:ext uri="{FF2B5EF4-FFF2-40B4-BE49-F238E27FC236}">
-                <a16:creationId xmlns:a16="http://schemas.microsoft.com/office/drawing/2014/main" xmlns="" id="{BF44213F-0934-433F-A9BF-E7BA286E83BB}"/>
+                <a16:creationId xmlns="" xmlns:a16="http://schemas.microsoft.com/office/drawing/2014/main" id="{BF44213F-0934-433F-A9BF-E7BA286E83BB}"/>
               </a:ext>
             </a:extLst>
           </p:cNvPr>
@@ -16612,6 +16689,13 @@
   <p:clrMapOvr>
     <a:masterClrMapping/>
   </p:clrMapOvr>
+  <p:timing>
+    <p:tnLst>
+      <p:par>
+        <p:cTn id="1" dur="indefinite" restart="never" nodeType="tmRoot"/>
+      </p:par>
+    </p:tnLst>
+  </p:timing>
 </p:sld>
 </file>
 
@@ -16648,7 +16732,7 @@
           <p:cNvPr id="2" name="标题 1">
             <a:extLst>
               <a:ext uri="{FF2B5EF4-FFF2-40B4-BE49-F238E27FC236}">
-                <a16:creationId xmlns:a16="http://schemas.microsoft.com/office/drawing/2014/main" xmlns="" id="{A938CF80-F668-4B65-B009-F9F86A52F090}"/>
+                <a16:creationId xmlns="" xmlns:a16="http://schemas.microsoft.com/office/drawing/2014/main" id="{A938CF80-F668-4B65-B009-F9F86A52F090}"/>
               </a:ext>
             </a:extLst>
           </p:cNvPr>
@@ -16682,7 +16766,7 @@
           <p:cNvPr id="4" name="文本框 3">
             <a:extLst>
               <a:ext uri="{FF2B5EF4-FFF2-40B4-BE49-F238E27FC236}">
-                <a16:creationId xmlns:a16="http://schemas.microsoft.com/office/drawing/2014/main" xmlns="" id="{21022717-DEE6-4DFE-BEFC-C21B40A54266}"/>
+                <a16:creationId xmlns="" xmlns:a16="http://schemas.microsoft.com/office/drawing/2014/main" id="{21022717-DEE6-4DFE-BEFC-C21B40A54266}"/>
               </a:ext>
             </a:extLst>
           </p:cNvPr>
@@ -16749,6 +16833,13 @@
   <p:clrMapOvr>
     <a:masterClrMapping/>
   </p:clrMapOvr>
+  <p:timing>
+    <p:tnLst>
+      <p:par>
+        <p:cTn id="1" dur="indefinite" restart="never" nodeType="tmRoot"/>
+      </p:par>
+    </p:tnLst>
+  </p:timing>
 </p:sld>
 </file>
 
@@ -16785,7 +16876,7 @@
           <p:cNvPr id="2" name="标题 1">
             <a:extLst>
               <a:ext uri="{FF2B5EF4-FFF2-40B4-BE49-F238E27FC236}">
-                <a16:creationId xmlns:a16="http://schemas.microsoft.com/office/drawing/2014/main" xmlns="" id="{A938CF80-F668-4B65-B009-F9F86A52F090}"/>
+                <a16:creationId xmlns="" xmlns:a16="http://schemas.microsoft.com/office/drawing/2014/main" id="{A938CF80-F668-4B65-B009-F9F86A52F090}"/>
               </a:ext>
             </a:extLst>
           </p:cNvPr>
@@ -16819,7 +16910,7 @@
           <p:cNvPr id="4" name="文本框 3">
             <a:extLst>
               <a:ext uri="{FF2B5EF4-FFF2-40B4-BE49-F238E27FC236}">
-                <a16:creationId xmlns:a16="http://schemas.microsoft.com/office/drawing/2014/main" xmlns="" id="{21022717-DEE6-4DFE-BEFC-C21B40A54266}"/>
+                <a16:creationId xmlns="" xmlns:a16="http://schemas.microsoft.com/office/drawing/2014/main" id="{21022717-DEE6-4DFE-BEFC-C21B40A54266}"/>
               </a:ext>
             </a:extLst>
           </p:cNvPr>
@@ -16898,12 +16989,30 @@
   <p:clrMapOvr>
     <a:masterClrMapping/>
   </p:clrMapOvr>
+  <p:timing>
+    <p:tnLst>
+      <p:par>
+        <p:cTn id="1" dur="indefinite" restart="never" nodeType="tmRoot"/>
+      </p:par>
+    </p:tnLst>
+  </p:timing>
 </p:sld>
 </file>
 
 <file path=ppt/slides/slide22.xml><?xml version="1.0" encoding="utf-8"?>
 <p:sld xmlns:a="http://schemas.openxmlformats.org/drawingml/2006/main" xmlns:r="http://schemas.openxmlformats.org/officeDocument/2006/relationships" xmlns:p="http://schemas.openxmlformats.org/presentationml/2006/main">
   <p:cSld>
+    <p:bg>
+      <p:bgPr>
+        <a:solidFill>
+          <a:schemeClr val="bg1">
+            <a:lumMod val="85000"/>
+            <a:lumOff val="15000"/>
+          </a:schemeClr>
+        </a:solidFill>
+        <a:effectLst/>
+      </p:bgPr>
+    </p:bg>
     <p:spTree>
       <p:nvGrpSpPr>
         <p:cNvPr id="1" name=""/>
@@ -16923,7 +17032,7 @@
           <p:cNvPr id="2" name="标题 1">
             <a:extLst>
               <a:ext uri="{FF2B5EF4-FFF2-40B4-BE49-F238E27FC236}">
-                <a16:creationId xmlns:a16="http://schemas.microsoft.com/office/drawing/2014/main" xmlns="" id="{BF44213F-0934-433F-A9BF-E7BA286E83BB}"/>
+                <a16:creationId xmlns="" xmlns:a16="http://schemas.microsoft.com/office/drawing/2014/main" id="{BF44213F-0934-433F-A9BF-E7BA286E83BB}"/>
               </a:ext>
             </a:extLst>
           </p:cNvPr>
@@ -16968,7 +17077,7 @@
           <p:cNvPr id="3" name="内容占位符 2">
             <a:extLst>
               <a:ext uri="{FF2B5EF4-FFF2-40B4-BE49-F238E27FC236}">
-                <a16:creationId xmlns:a16="http://schemas.microsoft.com/office/drawing/2014/main" xmlns="" id="{12E3C09E-B16B-4351-93A1-E2A1A36A2F51}"/>
+                <a16:creationId xmlns="" xmlns:a16="http://schemas.microsoft.com/office/drawing/2014/main" id="{12E3C09E-B16B-4351-93A1-E2A1A36A2F51}"/>
               </a:ext>
             </a:extLst>
           </p:cNvPr>
@@ -17042,12 +17151,30 @@
   <p:clrMapOvr>
     <a:masterClrMapping/>
   </p:clrMapOvr>
+  <p:timing>
+    <p:tnLst>
+      <p:par>
+        <p:cTn id="1" dur="indefinite" restart="never" nodeType="tmRoot"/>
+      </p:par>
+    </p:tnLst>
+  </p:timing>
 </p:sld>
 </file>
 
 <file path=ppt/slides/slide23.xml><?xml version="1.0" encoding="utf-8"?>
 <p:sld xmlns:a="http://schemas.openxmlformats.org/drawingml/2006/main" xmlns:r="http://schemas.openxmlformats.org/officeDocument/2006/relationships" xmlns:p="http://schemas.openxmlformats.org/presentationml/2006/main">
   <p:cSld>
+    <p:bg>
+      <p:bgPr>
+        <a:solidFill>
+          <a:schemeClr val="bg1">
+            <a:lumMod val="85000"/>
+            <a:lumOff val="15000"/>
+          </a:schemeClr>
+        </a:solidFill>
+        <a:effectLst/>
+      </p:bgPr>
+    </p:bg>
     <p:spTree>
       <p:nvGrpSpPr>
         <p:cNvPr id="1" name=""/>
@@ -17098,12 +17225,30 @@
   <p:clrMapOvr>
     <a:masterClrMapping/>
   </p:clrMapOvr>
+  <p:timing>
+    <p:tnLst>
+      <p:par>
+        <p:cTn id="1" dur="indefinite" restart="never" nodeType="tmRoot"/>
+      </p:par>
+    </p:tnLst>
+  </p:timing>
 </p:sld>
 </file>
 
 <file path=ppt/slides/slide24.xml><?xml version="1.0" encoding="utf-8"?>
 <p:sld xmlns:a="http://schemas.openxmlformats.org/drawingml/2006/main" xmlns:r="http://schemas.openxmlformats.org/officeDocument/2006/relationships" xmlns:p="http://schemas.openxmlformats.org/presentationml/2006/main">
   <p:cSld>
+    <p:bg>
+      <p:bgPr>
+        <a:solidFill>
+          <a:schemeClr val="bg1">
+            <a:lumMod val="85000"/>
+            <a:lumOff val="15000"/>
+          </a:schemeClr>
+        </a:solidFill>
+        <a:effectLst/>
+      </p:bgPr>
+    </p:bg>
     <p:spTree>
       <p:nvGrpSpPr>
         <p:cNvPr id="1" name=""/>
@@ -17123,7 +17268,7 @@
           <p:cNvPr id="2" name="标题 1">
             <a:extLst>
               <a:ext uri="{FF2B5EF4-FFF2-40B4-BE49-F238E27FC236}">
-                <a16:creationId xmlns:a16="http://schemas.microsoft.com/office/drawing/2014/main" xmlns="" id="{43B19053-8120-48B4-93E8-124D959FAC7C}"/>
+                <a16:creationId xmlns="" xmlns:a16="http://schemas.microsoft.com/office/drawing/2014/main" id="{43B19053-8120-48B4-93E8-124D959FAC7C}"/>
               </a:ext>
             </a:extLst>
           </p:cNvPr>
@@ -17185,12 +17330,30 @@
   <p:clrMapOvr>
     <a:masterClrMapping/>
   </p:clrMapOvr>
+  <p:timing>
+    <p:tnLst>
+      <p:par>
+        <p:cTn id="1" dur="indefinite" restart="never" nodeType="tmRoot"/>
+      </p:par>
+    </p:tnLst>
+  </p:timing>
 </p:sld>
 </file>
 
 <file path=ppt/slides/slide25.xml><?xml version="1.0" encoding="utf-8"?>
 <p:sld xmlns:a="http://schemas.openxmlformats.org/drawingml/2006/main" xmlns:r="http://schemas.openxmlformats.org/officeDocument/2006/relationships" xmlns:p="http://schemas.openxmlformats.org/presentationml/2006/main">
   <p:cSld>
+    <p:bg>
+      <p:bgPr>
+        <a:solidFill>
+          <a:schemeClr val="bg1">
+            <a:lumMod val="85000"/>
+            <a:lumOff val="15000"/>
+          </a:schemeClr>
+        </a:solidFill>
+        <a:effectLst/>
+      </p:bgPr>
+    </p:bg>
     <p:spTree>
       <p:nvGrpSpPr>
         <p:cNvPr id="1" name=""/>
@@ -17210,7 +17373,7 @@
           <p:cNvPr id="2" name="标题 1">
             <a:extLst>
               <a:ext uri="{FF2B5EF4-FFF2-40B4-BE49-F238E27FC236}">
-                <a16:creationId xmlns:a16="http://schemas.microsoft.com/office/drawing/2014/main" xmlns="" id="{43B19053-8120-48B4-93E8-124D959FAC7C}"/>
+                <a16:creationId xmlns="" xmlns:a16="http://schemas.microsoft.com/office/drawing/2014/main" id="{43B19053-8120-48B4-93E8-124D959FAC7C}"/>
               </a:ext>
             </a:extLst>
           </p:cNvPr>
@@ -17245,7 +17408,7 @@
           <p:cNvPr id="4" name="图片 3">
             <a:extLst>
               <a:ext uri="{FF2B5EF4-FFF2-40B4-BE49-F238E27FC236}">
-                <a16:creationId xmlns:a16="http://schemas.microsoft.com/office/drawing/2014/main" xmlns="" id="{0C2414DF-F17E-4E23-A7EE-AECD7619C6C4}"/>
+                <a16:creationId xmlns="" xmlns:a16="http://schemas.microsoft.com/office/drawing/2014/main" id="{0C2414DF-F17E-4E23-A7EE-AECD7619C6C4}"/>
               </a:ext>
             </a:extLst>
           </p:cNvPr>
@@ -17275,7 +17438,7 @@
           <p:cNvPr id="3" name="文本框 2">
             <a:extLst>
               <a:ext uri="{FF2B5EF4-FFF2-40B4-BE49-F238E27FC236}">
-                <a16:creationId xmlns:a16="http://schemas.microsoft.com/office/drawing/2014/main" xmlns="" id="{8CE4A5DB-C8C7-4884-B51B-38E7676E02DB}"/>
+                <a16:creationId xmlns="" xmlns:a16="http://schemas.microsoft.com/office/drawing/2014/main" id="{8CE4A5DB-C8C7-4884-B51B-38E7676E02DB}"/>
               </a:ext>
             </a:extLst>
           </p:cNvPr>
@@ -17324,12 +17487,30 @@
   <p:clrMapOvr>
     <a:masterClrMapping/>
   </p:clrMapOvr>
+  <p:timing>
+    <p:tnLst>
+      <p:par>
+        <p:cTn id="1" dur="indefinite" restart="never" nodeType="tmRoot"/>
+      </p:par>
+    </p:tnLst>
+  </p:timing>
 </p:sld>
 </file>
 
 <file path=ppt/slides/slide26.xml><?xml version="1.0" encoding="utf-8"?>
 <p:sld xmlns:a="http://schemas.openxmlformats.org/drawingml/2006/main" xmlns:r="http://schemas.openxmlformats.org/officeDocument/2006/relationships" xmlns:p="http://schemas.openxmlformats.org/presentationml/2006/main">
   <p:cSld>
+    <p:bg>
+      <p:bgPr>
+        <a:solidFill>
+          <a:schemeClr val="bg1">
+            <a:lumMod val="85000"/>
+            <a:lumOff val="15000"/>
+          </a:schemeClr>
+        </a:solidFill>
+        <a:effectLst/>
+      </p:bgPr>
+    </p:bg>
     <p:spTree>
       <p:nvGrpSpPr>
         <p:cNvPr id="1" name=""/>
@@ -17349,7 +17530,7 @@
           <p:cNvPr id="2" name="标题 1">
             <a:extLst>
               <a:ext uri="{FF2B5EF4-FFF2-40B4-BE49-F238E27FC236}">
-                <a16:creationId xmlns:a16="http://schemas.microsoft.com/office/drawing/2014/main" xmlns="" id="{8FC3F6F2-B4D0-4A5C-9A8B-A53E071F436D}"/>
+                <a16:creationId xmlns="" xmlns:a16="http://schemas.microsoft.com/office/drawing/2014/main" id="{8FC3F6F2-B4D0-4A5C-9A8B-A53E071F436D}"/>
               </a:ext>
             </a:extLst>
           </p:cNvPr>
@@ -17385,7 +17566,7 @@
           <p:cNvPr id="7" name="文本框 6">
             <a:extLst>
               <a:ext uri="{FF2B5EF4-FFF2-40B4-BE49-F238E27FC236}">
-                <a16:creationId xmlns:a16="http://schemas.microsoft.com/office/drawing/2014/main" xmlns="" id="{2C276D97-CCCB-476C-81CE-B4294E655EFC}"/>
+                <a16:creationId xmlns="" xmlns:a16="http://schemas.microsoft.com/office/drawing/2014/main" id="{2C276D97-CCCB-476C-81CE-B4294E655EFC}"/>
               </a:ext>
             </a:extLst>
           </p:cNvPr>
@@ -17462,7 +17643,7 @@
           <p:cNvPr id="4" name="文本框 3">
             <a:extLst>
               <a:ext uri="{FF2B5EF4-FFF2-40B4-BE49-F238E27FC236}">
-                <a16:creationId xmlns:a16="http://schemas.microsoft.com/office/drawing/2014/main" xmlns="" id="{70CAA7E5-B161-4735-9B43-E45C968FBE82}"/>
+                <a16:creationId xmlns="" xmlns:a16="http://schemas.microsoft.com/office/drawing/2014/main" id="{70CAA7E5-B161-4735-9B43-E45C968FBE82}"/>
               </a:ext>
             </a:extLst>
           </p:cNvPr>
@@ -17539,12 +17720,30 @@
   <p:clrMapOvr>
     <a:masterClrMapping/>
   </p:clrMapOvr>
+  <p:timing>
+    <p:tnLst>
+      <p:par>
+        <p:cTn id="1" dur="indefinite" restart="never" nodeType="tmRoot"/>
+      </p:par>
+    </p:tnLst>
+  </p:timing>
 </p:sld>
 </file>
 
 <file path=ppt/slides/slide27.xml><?xml version="1.0" encoding="utf-8"?>
 <p:sld xmlns:a="http://schemas.openxmlformats.org/drawingml/2006/main" xmlns:r="http://schemas.openxmlformats.org/officeDocument/2006/relationships" xmlns:p="http://schemas.openxmlformats.org/presentationml/2006/main">
   <p:cSld>
+    <p:bg>
+      <p:bgPr>
+        <a:solidFill>
+          <a:schemeClr val="bg1">
+            <a:lumMod val="85000"/>
+            <a:lumOff val="15000"/>
+          </a:schemeClr>
+        </a:solidFill>
+        <a:effectLst/>
+      </p:bgPr>
+    </p:bg>
     <p:spTree>
       <p:nvGrpSpPr>
         <p:cNvPr id="1" name=""/>
@@ -17564,7 +17763,7 @@
           <p:cNvPr id="2" name="标题 1">
             <a:extLst>
               <a:ext uri="{FF2B5EF4-FFF2-40B4-BE49-F238E27FC236}">
-                <a16:creationId xmlns:a16="http://schemas.microsoft.com/office/drawing/2014/main" xmlns="" id="{A938CF80-F668-4B65-B009-F9F86A52F090}"/>
+                <a16:creationId xmlns="" xmlns:a16="http://schemas.microsoft.com/office/drawing/2014/main" id="{A938CF80-F668-4B65-B009-F9F86A52F090}"/>
               </a:ext>
             </a:extLst>
           </p:cNvPr>
@@ -17615,7 +17814,7 @@
           <p:cNvPr id="4" name="文本框 3">
             <a:extLst>
               <a:ext uri="{FF2B5EF4-FFF2-40B4-BE49-F238E27FC236}">
-                <a16:creationId xmlns:a16="http://schemas.microsoft.com/office/drawing/2014/main" xmlns="" id="{21022717-DEE6-4DFE-BEFC-C21B40A54266}"/>
+                <a16:creationId xmlns="" xmlns:a16="http://schemas.microsoft.com/office/drawing/2014/main" id="{21022717-DEE6-4DFE-BEFC-C21B40A54266}"/>
               </a:ext>
             </a:extLst>
           </p:cNvPr>
@@ -17684,12 +17883,30 @@
   <p:clrMapOvr>
     <a:masterClrMapping/>
   </p:clrMapOvr>
+  <p:timing>
+    <p:tnLst>
+      <p:par>
+        <p:cTn id="1" dur="indefinite" restart="never" nodeType="tmRoot"/>
+      </p:par>
+    </p:tnLst>
+  </p:timing>
 </p:sld>
 </file>
 
 <file path=ppt/slides/slide28.xml><?xml version="1.0" encoding="utf-8"?>
 <p:sld xmlns:a="http://schemas.openxmlformats.org/drawingml/2006/main" xmlns:r="http://schemas.openxmlformats.org/officeDocument/2006/relationships" xmlns:p="http://schemas.openxmlformats.org/presentationml/2006/main">
   <p:cSld>
+    <p:bg>
+      <p:bgPr>
+        <a:solidFill>
+          <a:schemeClr val="bg1">
+            <a:lumMod val="85000"/>
+            <a:lumOff val="15000"/>
+          </a:schemeClr>
+        </a:solidFill>
+        <a:effectLst/>
+      </p:bgPr>
+    </p:bg>
     <p:spTree>
       <p:nvGrpSpPr>
         <p:cNvPr id="1" name=""/>
@@ -17709,7 +17926,7 @@
           <p:cNvPr id="2" name="标题 1">
             <a:extLst>
               <a:ext uri="{FF2B5EF4-FFF2-40B4-BE49-F238E27FC236}">
-                <a16:creationId xmlns:a16="http://schemas.microsoft.com/office/drawing/2014/main" xmlns="" id="{A938CF80-F668-4B65-B009-F9F86A52F090}"/>
+                <a16:creationId xmlns="" xmlns:a16="http://schemas.microsoft.com/office/drawing/2014/main" id="{A938CF80-F668-4B65-B009-F9F86A52F090}"/>
               </a:ext>
             </a:extLst>
           </p:cNvPr>
@@ -17748,7 +17965,7 @@
           <p:cNvPr id="3" name="图片 2">
             <a:extLst>
               <a:ext uri="{FF2B5EF4-FFF2-40B4-BE49-F238E27FC236}">
-                <a16:creationId xmlns:a16="http://schemas.microsoft.com/office/drawing/2014/main" xmlns="" id="{2FB23517-AA20-4946-BE26-4EF3804F6694}"/>
+                <a16:creationId xmlns="" xmlns:a16="http://schemas.microsoft.com/office/drawing/2014/main" id="{2FB23517-AA20-4946-BE26-4EF3804F6694}"/>
               </a:ext>
             </a:extLst>
           </p:cNvPr>
@@ -17778,7 +17995,7 @@
           <p:cNvPr id="5" name="图片 4">
             <a:extLst>
               <a:ext uri="{FF2B5EF4-FFF2-40B4-BE49-F238E27FC236}">
-                <a16:creationId xmlns:a16="http://schemas.microsoft.com/office/drawing/2014/main" xmlns="" id="{3BFC5852-73E0-498B-95AF-29E018072C60}"/>
+                <a16:creationId xmlns="" xmlns:a16="http://schemas.microsoft.com/office/drawing/2014/main" id="{3BFC5852-73E0-498B-95AF-29E018072C60}"/>
               </a:ext>
             </a:extLst>
           </p:cNvPr>
@@ -17813,12 +18030,30 @@
   <p:clrMapOvr>
     <a:masterClrMapping/>
   </p:clrMapOvr>
+  <p:timing>
+    <p:tnLst>
+      <p:par>
+        <p:cTn id="1" dur="indefinite" restart="never" nodeType="tmRoot"/>
+      </p:par>
+    </p:tnLst>
+  </p:timing>
 </p:sld>
 </file>
 
 <file path=ppt/slides/slide29.xml><?xml version="1.0" encoding="utf-8"?>
 <p:sld xmlns:a="http://schemas.openxmlformats.org/drawingml/2006/main" xmlns:r="http://schemas.openxmlformats.org/officeDocument/2006/relationships" xmlns:p="http://schemas.openxmlformats.org/presentationml/2006/main">
   <p:cSld>
+    <p:bg>
+      <p:bgPr>
+        <a:solidFill>
+          <a:schemeClr val="bg1">
+            <a:lumMod val="85000"/>
+            <a:lumOff val="15000"/>
+          </a:schemeClr>
+        </a:solidFill>
+        <a:effectLst/>
+      </p:bgPr>
+    </p:bg>
     <p:spTree>
       <p:nvGrpSpPr>
         <p:cNvPr id="1" name=""/>
@@ -17838,7 +18073,7 @@
           <p:cNvPr id="2" name="标题 1">
             <a:extLst>
               <a:ext uri="{FF2B5EF4-FFF2-40B4-BE49-F238E27FC236}">
-                <a16:creationId xmlns:a16="http://schemas.microsoft.com/office/drawing/2014/main" xmlns="" id="{A938CF80-F668-4B65-B009-F9F86A52F090}"/>
+                <a16:creationId xmlns="" xmlns:a16="http://schemas.microsoft.com/office/drawing/2014/main" id="{A938CF80-F668-4B65-B009-F9F86A52F090}"/>
               </a:ext>
             </a:extLst>
           </p:cNvPr>
@@ -17877,7 +18112,7 @@
           <p:cNvPr id="7" name="图片 6">
             <a:extLst>
               <a:ext uri="{FF2B5EF4-FFF2-40B4-BE49-F238E27FC236}">
-                <a16:creationId xmlns:a16="http://schemas.microsoft.com/office/drawing/2014/main" xmlns="" id="{D78691B0-66BD-4616-A9DD-8E0ABA45FC2C}"/>
+                <a16:creationId xmlns="" xmlns:a16="http://schemas.microsoft.com/office/drawing/2014/main" id="{D78691B0-66BD-4616-A9DD-8E0ABA45FC2C}"/>
               </a:ext>
             </a:extLst>
           </p:cNvPr>
@@ -17912,6 +18147,13 @@
   <p:clrMapOvr>
     <a:masterClrMapping/>
   </p:clrMapOvr>
+  <p:timing>
+    <p:tnLst>
+      <p:par>
+        <p:cTn id="1" dur="indefinite" restart="never" nodeType="tmRoot"/>
+      </p:par>
+    </p:tnLst>
+  </p:timing>
 </p:sld>
 </file>
 
@@ -17948,7 +18190,7 @@
           <p:cNvPr id="3" name="内容占位符 2">
             <a:extLst>
               <a:ext uri="{FF2B5EF4-FFF2-40B4-BE49-F238E27FC236}">
-                <a16:creationId xmlns:a16="http://schemas.microsoft.com/office/drawing/2014/main" xmlns="" id="{BC9EE13F-5B54-47B4-9CDF-1658CD2F7DF9}"/>
+                <a16:creationId xmlns="" xmlns:a16="http://schemas.microsoft.com/office/drawing/2014/main" id="{BC9EE13F-5B54-47B4-9CDF-1658CD2F7DF9}"/>
               </a:ext>
             </a:extLst>
           </p:cNvPr>
@@ -18009,12 +18251,30 @@
   <p:clrMapOvr>
     <a:masterClrMapping/>
   </p:clrMapOvr>
+  <p:timing>
+    <p:tnLst>
+      <p:par>
+        <p:cTn id="1" dur="indefinite" restart="never" nodeType="tmRoot"/>
+      </p:par>
+    </p:tnLst>
+  </p:timing>
 </p:sld>
 </file>
 
 <file path=ppt/slides/slide30.xml><?xml version="1.0" encoding="utf-8"?>
 <p:sld xmlns:a="http://schemas.openxmlformats.org/drawingml/2006/main" xmlns:r="http://schemas.openxmlformats.org/officeDocument/2006/relationships" xmlns:p="http://schemas.openxmlformats.org/presentationml/2006/main">
   <p:cSld>
+    <p:bg>
+      <p:bgPr>
+        <a:solidFill>
+          <a:schemeClr val="bg1">
+            <a:lumMod val="85000"/>
+            <a:lumOff val="15000"/>
+          </a:schemeClr>
+        </a:solidFill>
+        <a:effectLst/>
+      </p:bgPr>
+    </p:bg>
     <p:spTree>
       <p:nvGrpSpPr>
         <p:cNvPr id="1" name=""/>
@@ -18034,7 +18294,7 @@
           <p:cNvPr id="2" name="标题 1">
             <a:extLst>
               <a:ext uri="{FF2B5EF4-FFF2-40B4-BE49-F238E27FC236}">
-                <a16:creationId xmlns:a16="http://schemas.microsoft.com/office/drawing/2014/main" xmlns="" id="{A938CF80-F668-4B65-B009-F9F86A52F090}"/>
+                <a16:creationId xmlns="" xmlns:a16="http://schemas.microsoft.com/office/drawing/2014/main" id="{A938CF80-F668-4B65-B009-F9F86A52F090}"/>
               </a:ext>
             </a:extLst>
           </p:cNvPr>
@@ -18073,7 +18333,7 @@
           <p:cNvPr id="3" name="文本框 2">
             <a:extLst>
               <a:ext uri="{FF2B5EF4-FFF2-40B4-BE49-F238E27FC236}">
-                <a16:creationId xmlns:a16="http://schemas.microsoft.com/office/drawing/2014/main" xmlns="" id="{82DF5F2A-A4C0-4F51-80D7-23020D23A2BD}"/>
+                <a16:creationId xmlns="" xmlns:a16="http://schemas.microsoft.com/office/drawing/2014/main" id="{82DF5F2A-A4C0-4F51-80D7-23020D23A2BD}"/>
               </a:ext>
             </a:extLst>
           </p:cNvPr>
@@ -18178,12 +18438,30 @@
   <p:clrMapOvr>
     <a:masterClrMapping/>
   </p:clrMapOvr>
+  <p:timing>
+    <p:tnLst>
+      <p:par>
+        <p:cTn id="1" dur="indefinite" restart="never" nodeType="tmRoot"/>
+      </p:par>
+    </p:tnLst>
+  </p:timing>
 </p:sld>
 </file>
 
 <file path=ppt/slides/slide31.xml><?xml version="1.0" encoding="utf-8"?>
 <p:sld xmlns:a="http://schemas.openxmlformats.org/drawingml/2006/main" xmlns:r="http://schemas.openxmlformats.org/officeDocument/2006/relationships" xmlns:p="http://schemas.openxmlformats.org/presentationml/2006/main">
   <p:cSld>
+    <p:bg>
+      <p:bgPr>
+        <a:solidFill>
+          <a:schemeClr val="bg1">
+            <a:lumMod val="85000"/>
+            <a:lumOff val="15000"/>
+          </a:schemeClr>
+        </a:solidFill>
+        <a:effectLst/>
+      </p:bgPr>
+    </p:bg>
     <p:spTree>
       <p:nvGrpSpPr>
         <p:cNvPr id="1" name=""/>
@@ -18203,7 +18481,7 @@
           <p:cNvPr id="2" name="标题 1">
             <a:extLst>
               <a:ext uri="{FF2B5EF4-FFF2-40B4-BE49-F238E27FC236}">
-                <a16:creationId xmlns:a16="http://schemas.microsoft.com/office/drawing/2014/main" xmlns="" id="{A938CF80-F668-4B65-B009-F9F86A52F090}"/>
+                <a16:creationId xmlns="" xmlns:a16="http://schemas.microsoft.com/office/drawing/2014/main" id="{A938CF80-F668-4B65-B009-F9F86A52F090}"/>
               </a:ext>
             </a:extLst>
           </p:cNvPr>
@@ -18242,7 +18520,7 @@
           <p:cNvPr id="3" name="文本框 2">
             <a:extLst>
               <a:ext uri="{FF2B5EF4-FFF2-40B4-BE49-F238E27FC236}">
-                <a16:creationId xmlns:a16="http://schemas.microsoft.com/office/drawing/2014/main" xmlns="" id="{82DF5F2A-A4C0-4F51-80D7-23020D23A2BD}"/>
+                <a16:creationId xmlns="" xmlns:a16="http://schemas.microsoft.com/office/drawing/2014/main" id="{82DF5F2A-A4C0-4F51-80D7-23020D23A2BD}"/>
               </a:ext>
             </a:extLst>
           </p:cNvPr>
@@ -18313,12 +18591,30 @@
   <p:clrMapOvr>
     <a:masterClrMapping/>
   </p:clrMapOvr>
+  <p:timing>
+    <p:tnLst>
+      <p:par>
+        <p:cTn id="1" dur="indefinite" restart="never" nodeType="tmRoot"/>
+      </p:par>
+    </p:tnLst>
+  </p:timing>
 </p:sld>
 </file>
 
 <file path=ppt/slides/slide32.xml><?xml version="1.0" encoding="utf-8"?>
 <p:sld xmlns:a="http://schemas.openxmlformats.org/drawingml/2006/main" xmlns:r="http://schemas.openxmlformats.org/officeDocument/2006/relationships" xmlns:p="http://schemas.openxmlformats.org/presentationml/2006/main">
   <p:cSld>
+    <p:bg>
+      <p:bgPr>
+        <a:solidFill>
+          <a:schemeClr val="bg1">
+            <a:lumMod val="85000"/>
+            <a:lumOff val="15000"/>
+          </a:schemeClr>
+        </a:solidFill>
+        <a:effectLst/>
+      </p:bgPr>
+    </p:bg>
     <p:spTree>
       <p:nvGrpSpPr>
         <p:cNvPr id="1" name=""/>
@@ -18338,7 +18634,7 @@
           <p:cNvPr id="2" name="标题 1">
             <a:extLst>
               <a:ext uri="{FF2B5EF4-FFF2-40B4-BE49-F238E27FC236}">
-                <a16:creationId xmlns:a16="http://schemas.microsoft.com/office/drawing/2014/main" xmlns="" id="{A938CF80-F668-4B65-B009-F9F86A52F090}"/>
+                <a16:creationId xmlns="" xmlns:a16="http://schemas.microsoft.com/office/drawing/2014/main" id="{A938CF80-F668-4B65-B009-F9F86A52F090}"/>
               </a:ext>
             </a:extLst>
           </p:cNvPr>
@@ -18366,7 +18662,13 @@
               <a:rPr lang="zh-CN" altLang="en-US" sz="4000" dirty="0">
                 <a:effectLst/>
               </a:rPr>
-              <a:t>栅格项目内容对齐</a:t>
+              <a:t>栅格</a:t>
+            </a:r>
+            <a:r>
+              <a:rPr lang="zh-CN" altLang="en-US" sz="4000" dirty="0" smtClean="0">
+                <a:effectLst/>
+              </a:rPr>
+              <a:t>项目与栅格区域对齐</a:t>
             </a:r>
             <a:endParaRPr lang="zh-CN" altLang="en-US" sz="4800" dirty="0"/>
           </a:p>
@@ -18377,7 +18679,7 @@
           <p:cNvPr id="3" name="文本框 2">
             <a:extLst>
               <a:ext uri="{FF2B5EF4-FFF2-40B4-BE49-F238E27FC236}">
-                <a16:creationId xmlns:a16="http://schemas.microsoft.com/office/drawing/2014/main" xmlns="" id="{82DF5F2A-A4C0-4F51-80D7-23020D23A2BD}"/>
+                <a16:creationId xmlns="" xmlns:a16="http://schemas.microsoft.com/office/drawing/2014/main" id="{82DF5F2A-A4C0-4F51-80D7-23020D23A2BD}"/>
               </a:ext>
             </a:extLst>
           </p:cNvPr>
@@ -18386,7 +18688,7 @@
         </p:nvSpPr>
         <p:spPr>
           <a:xfrm>
-            <a:off x="346364" y="1676401"/>
+            <a:off x="346364" y="1687690"/>
             <a:ext cx="11596254" cy="3970318"/>
           </a:xfrm>
           <a:prstGeom prst="rect">
@@ -18432,7 +18734,15 @@
             </a:r>
             <a:r>
               <a:rPr lang="zh-CN" altLang="en-US" sz="2800" dirty="0"/>
-              <a:t> 使内容与轴头部对齐</a:t>
+              <a:t> </a:t>
+            </a:r>
+            <a:r>
+              <a:rPr lang="zh-CN" altLang="en-US" sz="2800" dirty="0" smtClean="0"/>
+              <a:t>使栅格项目与栅格区域轴头部</a:t>
+            </a:r>
+            <a:r>
+              <a:rPr lang="zh-CN" altLang="en-US" sz="2800" dirty="0"/>
+              <a:t>对齐</a:t>
             </a:r>
           </a:p>
           <a:p>
@@ -18442,7 +18752,15 @@
             </a:r>
             <a:r>
               <a:rPr lang="zh-CN" altLang="en-US" sz="2800" dirty="0"/>
-              <a:t> 使内容与轴尾部对齐</a:t>
+              <a:t> </a:t>
+            </a:r>
+            <a:r>
+              <a:rPr lang="zh-CN" altLang="en-US" sz="2800" dirty="0"/>
+              <a:t>使栅格项目与栅格区域轴尾部</a:t>
+            </a:r>
+            <a:r>
+              <a:rPr lang="zh-CN" altLang="en-US" sz="2800" dirty="0"/>
+              <a:t>对齐</a:t>
             </a:r>
           </a:p>
           <a:p>
@@ -18452,7 +18770,23 @@
             </a:r>
             <a:r>
               <a:rPr lang="zh-CN" altLang="en-US" sz="2800" dirty="0"/>
-              <a:t> 使内容在轴上居中</a:t>
+              <a:t> </a:t>
+            </a:r>
+            <a:r>
+              <a:rPr lang="zh-CN" altLang="en-US" sz="2800" dirty="0"/>
+              <a:t>使栅格</a:t>
+            </a:r>
+            <a:r>
+              <a:rPr lang="zh-CN" altLang="en-US" sz="2800" dirty="0" smtClean="0"/>
+              <a:t>项目在</a:t>
+            </a:r>
+            <a:r>
+              <a:rPr lang="zh-CN" altLang="en-US" sz="2800" dirty="0"/>
+              <a:t>栅格区域轴上</a:t>
+            </a:r>
+            <a:r>
+              <a:rPr lang="zh-CN" altLang="en-US" sz="2800" dirty="0"/>
+              <a:t>居中</a:t>
             </a:r>
           </a:p>
           <a:p>
@@ -18462,7 +18796,15 @@
             </a:r>
             <a:r>
               <a:rPr lang="zh-CN" altLang="en-US" sz="2800" dirty="0"/>
-              <a:t> 使内容充满整个栅格区域（默认属性）</a:t>
+              <a:t> </a:t>
+            </a:r>
+            <a:r>
+              <a:rPr lang="zh-CN" altLang="en-US" sz="2800" dirty="0"/>
+              <a:t>使栅格项目充满</a:t>
+            </a:r>
+            <a:r>
+              <a:rPr lang="zh-CN" altLang="en-US" sz="2800" dirty="0"/>
+              <a:t>整个栅格区域（默认属性）</a:t>
             </a:r>
           </a:p>
           <a:p>
@@ -18480,12 +18822,30 @@
   <p:clrMapOvr>
     <a:masterClrMapping/>
   </p:clrMapOvr>
+  <p:timing>
+    <p:tnLst>
+      <p:par>
+        <p:cTn id="1" dur="indefinite" restart="never" nodeType="tmRoot"/>
+      </p:par>
+    </p:tnLst>
+  </p:timing>
 </p:sld>
 </file>
 
 <file path=ppt/slides/slide33.xml><?xml version="1.0" encoding="utf-8"?>
 <p:sld xmlns:a="http://schemas.openxmlformats.org/drawingml/2006/main" xmlns:r="http://schemas.openxmlformats.org/officeDocument/2006/relationships" xmlns:p="http://schemas.openxmlformats.org/presentationml/2006/main">
   <p:cSld>
+    <p:bg>
+      <p:bgPr>
+        <a:solidFill>
+          <a:schemeClr val="bg1">
+            <a:lumMod val="85000"/>
+            <a:lumOff val="15000"/>
+          </a:schemeClr>
+        </a:solidFill>
+        <a:effectLst/>
+      </p:bgPr>
+    </p:bg>
     <p:spTree>
       <p:nvGrpSpPr>
         <p:cNvPr id="1" name=""/>
@@ -18505,7 +18865,7 @@
           <p:cNvPr id="2" name="标题 1">
             <a:extLst>
               <a:ext uri="{FF2B5EF4-FFF2-40B4-BE49-F238E27FC236}">
-                <a16:creationId xmlns:a16="http://schemas.microsoft.com/office/drawing/2014/main" xmlns="" id="{A938CF80-F668-4B65-B009-F9F86A52F090}"/>
+                <a16:creationId xmlns="" xmlns:a16="http://schemas.microsoft.com/office/drawing/2014/main" id="{A938CF80-F668-4B65-B009-F9F86A52F090}"/>
               </a:ext>
             </a:extLst>
           </p:cNvPr>
@@ -18530,16 +18890,16 @@
           <a:p>
             <a:pPr algn="ctr"/>
             <a:r>
-              <a:rPr lang="zh-CN" altLang="en-US" sz="4000" dirty="0">
-                <a:effectLst/>
-              </a:rPr>
-              <a:t>栅格</a:t>
-            </a:r>
-            <a:r>
               <a:rPr lang="zh-CN" altLang="en-US" sz="4000" dirty="0" smtClean="0">
                 <a:effectLst/>
               </a:rPr>
-              <a:t>项目与栅格容器对</a:t>
+              <a:t>栅格项目与</a:t>
+            </a:r>
+            <a:r>
+              <a:rPr lang="zh-CN" altLang="en-US" sz="4000" dirty="0" smtClean="0">
+                <a:effectLst/>
+              </a:rPr>
+              <a:t>栅格容器对</a:t>
             </a:r>
             <a:r>
               <a:rPr lang="zh-CN" altLang="en-US" sz="4000" dirty="0">
@@ -18556,7 +18916,7 @@
           <p:cNvPr id="3" name="文本框 2">
             <a:extLst>
               <a:ext uri="{FF2B5EF4-FFF2-40B4-BE49-F238E27FC236}">
-                <a16:creationId xmlns:a16="http://schemas.microsoft.com/office/drawing/2014/main" xmlns="" id="{82DF5F2A-A4C0-4F51-80D7-23020D23A2BD}"/>
+                <a16:creationId xmlns="" xmlns:a16="http://schemas.microsoft.com/office/drawing/2014/main" id="{82DF5F2A-A4C0-4F51-80D7-23020D23A2BD}"/>
               </a:ext>
             </a:extLst>
           </p:cNvPr>
@@ -18581,16 +18941,13 @@
           <a:p>
             <a:r>
               <a:rPr lang="zh-CN" altLang="en-US" sz="2800" dirty="0" smtClean="0"/>
-              <a:t>容器列轴</a:t>
-            </a:r>
-            <a:r>
-              <a:rPr lang="zh-CN" altLang="en-US" sz="2800" dirty="0"/>
-              <a:t>方向 </a:t>
-            </a:r>
-            <a:r>
-              <a:rPr lang="en-US" altLang="zh-CN" sz="2800" dirty="0"/>
-              <a:t>justify-items</a:t>
-            </a:r>
+              <a:t>容器列轴方向 </a:t>
+            </a:r>
+            <a:r>
+              <a:rPr lang="en-US" altLang="zh-CN" sz="2800" dirty="0" smtClean="0"/>
+              <a:t>justify-content</a:t>
+            </a:r>
+            <a:endParaRPr lang="en-US" altLang="zh-CN" sz="2800" dirty="0" smtClean="0"/>
           </a:p>
           <a:p>
             <a:endParaRPr lang="en-US" altLang="zh-CN" sz="2800" dirty="0"/>
@@ -18701,12 +19058,30 @@
   <p:clrMapOvr>
     <a:masterClrMapping/>
   </p:clrMapOvr>
+  <p:timing>
+    <p:tnLst>
+      <p:par>
+        <p:cTn id="1" dur="indefinite" restart="never" nodeType="tmRoot"/>
+      </p:par>
+    </p:tnLst>
+  </p:timing>
 </p:sld>
 </file>
 
 <file path=ppt/slides/slide34.xml><?xml version="1.0" encoding="utf-8"?>
 <p:sld xmlns:a="http://schemas.openxmlformats.org/drawingml/2006/main" xmlns:r="http://schemas.openxmlformats.org/officeDocument/2006/relationships" xmlns:p="http://schemas.openxmlformats.org/presentationml/2006/main">
   <p:cSld>
+    <p:bg>
+      <p:bgPr>
+        <a:solidFill>
+          <a:schemeClr val="bg1">
+            <a:lumMod val="85000"/>
+            <a:lumOff val="15000"/>
+          </a:schemeClr>
+        </a:solidFill>
+        <a:effectLst/>
+      </p:bgPr>
+    </p:bg>
     <p:spTree>
       <p:nvGrpSpPr>
         <p:cNvPr id="1" name=""/>
@@ -18726,7 +19101,7 @@
           <p:cNvPr id="2" name="标题 1">
             <a:extLst>
               <a:ext uri="{FF2B5EF4-FFF2-40B4-BE49-F238E27FC236}">
-                <a16:creationId xmlns:a16="http://schemas.microsoft.com/office/drawing/2014/main" xmlns="" id="{A938CF80-F668-4B65-B009-F9F86A52F090}"/>
+                <a16:creationId xmlns="" xmlns:a16="http://schemas.microsoft.com/office/drawing/2014/main" id="{A938CF80-F668-4B65-B009-F9F86A52F090}"/>
               </a:ext>
             </a:extLst>
           </p:cNvPr>
@@ -18771,7 +19146,7 @@
           <p:cNvPr id="3" name="文本框 2">
             <a:extLst>
               <a:ext uri="{FF2B5EF4-FFF2-40B4-BE49-F238E27FC236}">
-                <a16:creationId xmlns:a16="http://schemas.microsoft.com/office/drawing/2014/main" xmlns="" id="{82DF5F2A-A4C0-4F51-80D7-23020D23A2BD}"/>
+                <a16:creationId xmlns="" xmlns:a16="http://schemas.microsoft.com/office/drawing/2014/main" id="{82DF5F2A-A4C0-4F51-80D7-23020D23A2BD}"/>
               </a:ext>
             </a:extLst>
           </p:cNvPr>
@@ -18817,7 +19192,7 @@
             </a:br>
             <a:r>
               <a:rPr lang="zh-CN" altLang="en-US" sz="2800" dirty="0" smtClean="0"/>
-              <a:t>行栅格轨迹</a:t>
+              <a:t>行栅格轨迹 </a:t>
             </a:r>
             <a:r>
               <a:rPr lang="nl-NL" altLang="zh-CN" sz="2800" dirty="0" err="1" smtClean="0"/>
@@ -18857,12 +19232,30 @@
   <p:clrMapOvr>
     <a:masterClrMapping/>
   </p:clrMapOvr>
+  <p:timing>
+    <p:tnLst>
+      <p:par>
+        <p:cTn id="1" dur="indefinite" restart="never" nodeType="tmRoot"/>
+      </p:par>
+    </p:tnLst>
+  </p:timing>
 </p:sld>
 </file>
 
 <file path=ppt/slides/slide35.xml><?xml version="1.0" encoding="utf-8"?>
 <p:sld xmlns:a="http://schemas.openxmlformats.org/drawingml/2006/main" xmlns:r="http://schemas.openxmlformats.org/officeDocument/2006/relationships" xmlns:p="http://schemas.openxmlformats.org/presentationml/2006/main">
   <p:cSld>
+    <p:bg>
+      <p:bgPr>
+        <a:solidFill>
+          <a:schemeClr val="bg1">
+            <a:lumMod val="85000"/>
+            <a:lumOff val="15000"/>
+          </a:schemeClr>
+        </a:solidFill>
+        <a:effectLst/>
+      </p:bgPr>
+    </p:bg>
     <p:spTree>
       <p:nvGrpSpPr>
         <p:cNvPr id="1" name=""/>
@@ -18882,7 +19275,7 @@
           <p:cNvPr id="2" name="标题 1">
             <a:extLst>
               <a:ext uri="{FF2B5EF4-FFF2-40B4-BE49-F238E27FC236}">
-                <a16:creationId xmlns:a16="http://schemas.microsoft.com/office/drawing/2014/main" xmlns="" id="{A938CF80-F668-4B65-B009-F9F86A52F090}"/>
+                <a16:creationId xmlns="" xmlns:a16="http://schemas.microsoft.com/office/drawing/2014/main" id="{A938CF80-F668-4B65-B009-F9F86A52F090}"/>
               </a:ext>
             </a:extLst>
           </p:cNvPr>
@@ -18921,7 +19314,7 @@
           <p:cNvPr id="3" name="文本框 2">
             <a:extLst>
               <a:ext uri="{FF2B5EF4-FFF2-40B4-BE49-F238E27FC236}">
-                <a16:creationId xmlns:a16="http://schemas.microsoft.com/office/drawing/2014/main" xmlns="" id="{82DF5F2A-A4C0-4F51-80D7-23020D23A2BD}"/>
+                <a16:creationId xmlns="" xmlns:a16="http://schemas.microsoft.com/office/drawing/2014/main" id="{82DF5F2A-A4C0-4F51-80D7-23020D23A2BD}"/>
               </a:ext>
             </a:extLst>
           </p:cNvPr>
@@ -19031,12 +19424,30 @@
   <p:clrMapOvr>
     <a:masterClrMapping/>
   </p:clrMapOvr>
+  <p:timing>
+    <p:tnLst>
+      <p:par>
+        <p:cTn id="1" dur="indefinite" restart="never" nodeType="tmRoot"/>
+      </p:par>
+    </p:tnLst>
+  </p:timing>
 </p:sld>
 </file>
 
 <file path=ppt/slides/slide36.xml><?xml version="1.0" encoding="utf-8"?>
 <p:sld xmlns:a="http://schemas.openxmlformats.org/drawingml/2006/main" xmlns:r="http://schemas.openxmlformats.org/officeDocument/2006/relationships" xmlns:p="http://schemas.openxmlformats.org/presentationml/2006/main">
   <p:cSld>
+    <p:bg>
+      <p:bgPr>
+        <a:solidFill>
+          <a:schemeClr val="bg1">
+            <a:lumMod val="85000"/>
+            <a:lumOff val="15000"/>
+          </a:schemeClr>
+        </a:solidFill>
+        <a:effectLst/>
+      </p:bgPr>
+    </p:bg>
     <p:spTree>
       <p:nvGrpSpPr>
         <p:cNvPr id="1" name=""/>
@@ -19056,7 +19467,7 @@
           <p:cNvPr id="2" name="标题 1">
             <a:extLst>
               <a:ext uri="{FF2B5EF4-FFF2-40B4-BE49-F238E27FC236}">
-                <a16:creationId xmlns:a16="http://schemas.microsoft.com/office/drawing/2014/main" xmlns="" id="{A938CF80-F668-4B65-B009-F9F86A52F090}"/>
+                <a16:creationId xmlns="" xmlns:a16="http://schemas.microsoft.com/office/drawing/2014/main" id="{A938CF80-F668-4B65-B009-F9F86A52F090}"/>
               </a:ext>
             </a:extLst>
           </p:cNvPr>
@@ -19107,7 +19518,7 @@
           <p:cNvPr id="3" name="文本框 2">
             <a:extLst>
               <a:ext uri="{FF2B5EF4-FFF2-40B4-BE49-F238E27FC236}">
-                <a16:creationId xmlns:a16="http://schemas.microsoft.com/office/drawing/2014/main" xmlns="" id="{82DF5F2A-A4C0-4F51-80D7-23020D23A2BD}"/>
+                <a16:creationId xmlns="" xmlns:a16="http://schemas.microsoft.com/office/drawing/2014/main" id="{82DF5F2A-A4C0-4F51-80D7-23020D23A2BD}"/>
               </a:ext>
             </a:extLst>
           </p:cNvPr>
@@ -19275,12 +19686,30 @@
   <p:clrMapOvr>
     <a:masterClrMapping/>
   </p:clrMapOvr>
+  <p:timing>
+    <p:tnLst>
+      <p:par>
+        <p:cTn id="1" dur="indefinite" restart="never" nodeType="tmRoot"/>
+      </p:par>
+    </p:tnLst>
+  </p:timing>
 </p:sld>
 </file>
 
 <file path=ppt/slides/slide37.xml><?xml version="1.0" encoding="utf-8"?>
 <p:sld xmlns:a="http://schemas.openxmlformats.org/drawingml/2006/main" xmlns:r="http://schemas.openxmlformats.org/officeDocument/2006/relationships" xmlns:p="http://schemas.openxmlformats.org/presentationml/2006/main">
   <p:cSld>
+    <p:bg>
+      <p:bgPr>
+        <a:solidFill>
+          <a:schemeClr val="bg1">
+            <a:lumMod val="85000"/>
+            <a:lumOff val="15000"/>
+          </a:schemeClr>
+        </a:solidFill>
+        <a:effectLst/>
+      </p:bgPr>
+    </p:bg>
     <p:spTree>
       <p:nvGrpSpPr>
         <p:cNvPr id="1" name=""/>
@@ -19300,7 +19729,7 @@
           <p:cNvPr id="2" name="标题 1">
             <a:extLst>
               <a:ext uri="{FF2B5EF4-FFF2-40B4-BE49-F238E27FC236}">
-                <a16:creationId xmlns:a16="http://schemas.microsoft.com/office/drawing/2014/main" xmlns="" id="{8FC3F6F2-B4D0-4A5C-9A8B-A53E071F436D}"/>
+                <a16:creationId xmlns="" xmlns:a16="http://schemas.microsoft.com/office/drawing/2014/main" id="{8FC3F6F2-B4D0-4A5C-9A8B-A53E071F436D}"/>
               </a:ext>
             </a:extLst>
           </p:cNvPr>
@@ -19326,15 +19755,7 @@
             <a:pPr algn="ctr"/>
             <a:r>
               <a:rPr lang="zh-CN" altLang="en-US" sz="4000" dirty="0" smtClean="0"/>
-              <a:t>栅格</a:t>
-            </a:r>
-            <a:r>
-              <a:rPr lang="zh-CN" altLang="en-US" sz="4000" dirty="0" smtClean="0"/>
-              <a:t>项目</a:t>
-            </a:r>
-            <a:r>
-              <a:rPr lang="zh-CN" altLang="en-US" sz="4000" dirty="0" smtClean="0"/>
-              <a:t>属性</a:t>
+              <a:t>栅格项目属性</a:t>
             </a:r>
             <a:endParaRPr lang="zh-CN" altLang="en-US" sz="4000" dirty="0"/>
           </a:p>
@@ -19345,7 +19766,7 @@
           <p:cNvPr id="7" name="文本框 6">
             <a:extLst>
               <a:ext uri="{FF2B5EF4-FFF2-40B4-BE49-F238E27FC236}">
-                <a16:creationId xmlns:a16="http://schemas.microsoft.com/office/drawing/2014/main" xmlns="" id="{2C276D97-CCCB-476C-81CE-B4294E655EFC}"/>
+                <a16:creationId xmlns="" xmlns:a16="http://schemas.microsoft.com/office/drawing/2014/main" id="{2C276D97-CCCB-476C-81CE-B4294E655EFC}"/>
               </a:ext>
             </a:extLst>
           </p:cNvPr>
@@ -19417,7 +19838,7 @@
           <p:cNvPr id="4" name="文本框 3">
             <a:extLst>
               <a:ext uri="{FF2B5EF4-FFF2-40B4-BE49-F238E27FC236}">
-                <a16:creationId xmlns:a16="http://schemas.microsoft.com/office/drawing/2014/main" xmlns="" id="{70CAA7E5-B161-4735-9B43-E45C968FBE82}"/>
+                <a16:creationId xmlns="" xmlns:a16="http://schemas.microsoft.com/office/drawing/2014/main" id="{70CAA7E5-B161-4735-9B43-E45C968FBE82}"/>
               </a:ext>
             </a:extLst>
           </p:cNvPr>
@@ -19456,7 +19877,6 @@
               <a:rPr lang="en-US" altLang="zh-CN" sz="2800" dirty="0"/>
               <a:t>align-self</a:t>
             </a:r>
-            <a:endParaRPr lang="en-US" altLang="zh-CN" sz="2800" dirty="0"/>
           </a:p>
         </p:txBody>
       </p:sp>
@@ -19470,12 +19890,30 @@
   <p:clrMapOvr>
     <a:masterClrMapping/>
   </p:clrMapOvr>
+  <p:timing>
+    <p:tnLst>
+      <p:par>
+        <p:cTn id="1" dur="indefinite" restart="never" nodeType="tmRoot"/>
+      </p:par>
+    </p:tnLst>
+  </p:timing>
 </p:sld>
 </file>
 
 <file path=ppt/slides/slide38.xml><?xml version="1.0" encoding="utf-8"?>
 <p:sld xmlns:a="http://schemas.openxmlformats.org/drawingml/2006/main" xmlns:r="http://schemas.openxmlformats.org/officeDocument/2006/relationships" xmlns:p="http://schemas.openxmlformats.org/presentationml/2006/main">
   <p:cSld>
+    <p:bg>
+      <p:bgPr>
+        <a:solidFill>
+          <a:schemeClr val="bg1">
+            <a:lumMod val="85000"/>
+            <a:lumOff val="15000"/>
+          </a:schemeClr>
+        </a:solidFill>
+        <a:effectLst/>
+      </p:bgPr>
+    </p:bg>
     <p:spTree>
       <p:nvGrpSpPr>
         <p:cNvPr id="1" name=""/>
@@ -19495,7 +19933,7 @@
           <p:cNvPr id="2" name="标题 1">
             <a:extLst>
               <a:ext uri="{FF2B5EF4-FFF2-40B4-BE49-F238E27FC236}">
-                <a16:creationId xmlns:a16="http://schemas.microsoft.com/office/drawing/2014/main" xmlns="" id="{A938CF80-F668-4B65-B009-F9F86A52F090}"/>
+                <a16:creationId xmlns="" xmlns:a16="http://schemas.microsoft.com/office/drawing/2014/main" id="{A938CF80-F668-4B65-B009-F9F86A52F090}"/>
               </a:ext>
             </a:extLst>
           </p:cNvPr>
@@ -19534,7 +19972,7 @@
           <p:cNvPr id="4" name="文本框 3">
             <a:extLst>
               <a:ext uri="{FF2B5EF4-FFF2-40B4-BE49-F238E27FC236}">
-                <a16:creationId xmlns:a16="http://schemas.microsoft.com/office/drawing/2014/main" xmlns="" id="{21022717-DEE6-4DFE-BEFC-C21B40A54266}"/>
+                <a16:creationId xmlns="" xmlns:a16="http://schemas.microsoft.com/office/drawing/2014/main" id="{21022717-DEE6-4DFE-BEFC-C21B40A54266}"/>
               </a:ext>
             </a:extLst>
           </p:cNvPr>
@@ -19592,7 +20030,6 @@
               <a:rPr lang="en-US" altLang="zh-CN" sz="2800" dirty="0" smtClean="0"/>
               <a:t>grid-row-end</a:t>
             </a:r>
-            <a:endParaRPr lang="en-US" altLang="zh-CN" sz="2800" dirty="0" smtClean="0"/>
           </a:p>
           <a:p>
             <a:r>
@@ -19680,12 +20117,30 @@
   <p:clrMapOvr>
     <a:masterClrMapping/>
   </p:clrMapOvr>
+  <p:timing>
+    <p:tnLst>
+      <p:par>
+        <p:cTn id="1" dur="indefinite" restart="never" nodeType="tmRoot"/>
+      </p:par>
+    </p:tnLst>
+  </p:timing>
 </p:sld>
 </file>
 
 <file path=ppt/slides/slide39.xml><?xml version="1.0" encoding="utf-8"?>
 <p:sld xmlns:a="http://schemas.openxmlformats.org/drawingml/2006/main" xmlns:r="http://schemas.openxmlformats.org/officeDocument/2006/relationships" xmlns:p="http://schemas.openxmlformats.org/presentationml/2006/main">
   <p:cSld>
+    <p:bg>
+      <p:bgPr>
+        <a:solidFill>
+          <a:schemeClr val="bg1">
+            <a:lumMod val="85000"/>
+            <a:lumOff val="15000"/>
+          </a:schemeClr>
+        </a:solidFill>
+        <a:effectLst/>
+      </p:bgPr>
+    </p:bg>
     <p:spTree>
       <p:nvGrpSpPr>
         <p:cNvPr id="1" name=""/>
@@ -19705,7 +20160,7 @@
           <p:cNvPr id="2" name="标题 1">
             <a:extLst>
               <a:ext uri="{FF2B5EF4-FFF2-40B4-BE49-F238E27FC236}">
-                <a16:creationId xmlns:a16="http://schemas.microsoft.com/office/drawing/2014/main" xmlns="" id="{A938CF80-F668-4B65-B009-F9F86A52F090}"/>
+                <a16:creationId xmlns="" xmlns:a16="http://schemas.microsoft.com/office/drawing/2014/main" id="{A938CF80-F668-4B65-B009-F9F86A52F090}"/>
               </a:ext>
             </a:extLst>
           </p:cNvPr>
@@ -19744,7 +20199,7 @@
           <p:cNvPr id="4" name="文本框 3">
             <a:extLst>
               <a:ext uri="{FF2B5EF4-FFF2-40B4-BE49-F238E27FC236}">
-                <a16:creationId xmlns:a16="http://schemas.microsoft.com/office/drawing/2014/main" xmlns="" id="{21022717-DEE6-4DFE-BEFC-C21B40A54266}"/>
+                <a16:creationId xmlns="" xmlns:a16="http://schemas.microsoft.com/office/drawing/2014/main" id="{21022717-DEE6-4DFE-BEFC-C21B40A54266}"/>
               </a:ext>
             </a:extLst>
           </p:cNvPr>
@@ -19754,7 +20209,7 @@
         <p:spPr>
           <a:xfrm>
             <a:off x="501994" y="2098964"/>
-            <a:ext cx="11184835" cy="2677656"/>
+            <a:ext cx="11184835" cy="3970318"/>
           </a:xfrm>
           <a:prstGeom prst="rect">
             <a:avLst/>
@@ -19781,23 +20236,33 @@
             </a:r>
             <a:r>
               <a:rPr lang="zh-CN" altLang="en-US" sz="2800" dirty="0"/>
-              <a:t>为它们的简写</a:t>
-            </a:r>
+              <a:t>为它们的</a:t>
+            </a:r>
+            <a:r>
+              <a:rPr lang="zh-CN" altLang="en-US" sz="2800" dirty="0" smtClean="0"/>
+              <a:t>简写及</a:t>
+            </a:r>
+            <a:r>
+              <a:rPr lang="zh-CN" altLang="en-US" sz="2800" dirty="0"/>
+              <a:t>属</a:t>
+            </a:r>
+            <a:r>
+              <a:rPr lang="zh-CN" altLang="en-US" sz="2800" dirty="0" smtClean="0"/>
+              <a:t>性值</a:t>
+            </a:r>
+            <a:endParaRPr lang="zh-CN" altLang="en-US" sz="2800" dirty="0"/>
           </a:p>
           <a:p>
             <a:endParaRPr lang="en-US" altLang="zh-CN" sz="2800" dirty="0"/>
           </a:p>
           <a:p>
             <a:r>
-              <a:rPr lang="zh-CN" altLang="en-US" sz="2800" dirty="0" smtClean="0"/>
-              <a:t>属性值</a:t>
-            </a:r>
-            <a:endParaRPr lang="en-US" altLang="zh-CN" sz="2800" dirty="0" smtClean="0"/>
-          </a:p>
-          <a:p>
+              <a:rPr lang="en-US" altLang="zh-CN" sz="2800" dirty="0" smtClean="0"/>
+              <a:t>&lt;</a:t>
+            </a:r>
             <a:r>
               <a:rPr lang="en-US" altLang="zh-CN" sz="2800" dirty="0"/>
-              <a:t>&lt;start-line&gt; / &lt;end-line</a:t>
+              <a:t>start-line&gt; / &lt;end-line</a:t>
             </a:r>
             <a:r>
               <a:rPr lang="en-US" altLang="zh-CN" sz="2800" dirty="0" smtClean="0"/>
@@ -19821,13 +20286,51 @@
             </a:r>
             <a:r>
               <a:rPr lang="zh-CN" altLang="en-US" sz="2800" dirty="0" smtClean="0"/>
-              <a:t>分隔</a:t>
-            </a:r>
-            <a:r>
-              <a:rPr lang="zh-CN" altLang="en-US" sz="2800" smtClean="0"/>
-              <a:t>开始和结束</a:t>
-            </a:r>
+              <a:t>分隔开始和结束</a:t>
+            </a:r>
+            <a:endParaRPr lang="en-US" altLang="zh-CN" sz="2800" dirty="0" smtClean="0"/>
+          </a:p>
+          <a:p>
             <a:endParaRPr lang="en-US" altLang="zh-CN" sz="2800" dirty="0"/>
+          </a:p>
+          <a:p>
+            <a:r>
+              <a:rPr lang="en-US" altLang="zh-CN" sz="2800" dirty="0" smtClean="0"/>
+              <a:t>grid-area</a:t>
+            </a:r>
+            <a:r>
+              <a:rPr lang="zh-CN" altLang="en-US" sz="2800" dirty="0" smtClean="0"/>
+              <a:t> 属性值</a:t>
+            </a:r>
+            <a:endParaRPr lang="en-US" altLang="zh-CN" sz="2800" dirty="0" smtClean="0"/>
+          </a:p>
+          <a:p>
+            <a:r>
+              <a:rPr lang="zh-CN" altLang="en-US" sz="2800" dirty="0" smtClean="0"/>
+              <a:t> </a:t>
+            </a:r>
+            <a:r>
+              <a:rPr lang="en-US" altLang="zh-CN" sz="2800" dirty="0" smtClean="0"/>
+              <a:t>&lt;</a:t>
+            </a:r>
+            <a:r>
+              <a:rPr lang="en-US" altLang="zh-CN" sz="2800" dirty="0"/>
+              <a:t>name&gt; </a:t>
+            </a:r>
+          </a:p>
+          <a:p>
+            <a:r>
+              <a:rPr lang="en-US" altLang="zh-CN" sz="2800" dirty="0" smtClean="0"/>
+              <a:t> </a:t>
+            </a:r>
+            <a:r>
+              <a:rPr lang="en-US" altLang="zh-CN" sz="2800" dirty="0"/>
+              <a:t>&lt;row-start&gt; / &lt;column-start&gt; / &lt;row-end&gt; / &lt;column-end</a:t>
+            </a:r>
+            <a:r>
+              <a:rPr lang="en-US" altLang="zh-CN" sz="2800" dirty="0" smtClean="0"/>
+              <a:t>&gt;</a:t>
+            </a:r>
           </a:p>
           <a:p>
             <a:endParaRPr lang="en-US" altLang="zh-CN" sz="2800" dirty="0" smtClean="0"/>
@@ -19847,6 +20350,13 @@
   <p:clrMapOvr>
     <a:masterClrMapping/>
   </p:clrMapOvr>
+  <p:timing>
+    <p:tnLst>
+      <p:par>
+        <p:cTn id="1" dur="indefinite" restart="never" nodeType="tmRoot"/>
+      </p:par>
+    </p:tnLst>
+  </p:timing>
 </p:sld>
 </file>
 
@@ -19883,7 +20393,7 @@
           <p:cNvPr id="5" name="标题 4">
             <a:extLst>
               <a:ext uri="{FF2B5EF4-FFF2-40B4-BE49-F238E27FC236}">
-                <a16:creationId xmlns:a16="http://schemas.microsoft.com/office/drawing/2014/main" xmlns="" id="{07F556DD-E811-4B23-9D66-FB5B03C42A0D}"/>
+                <a16:creationId xmlns="" xmlns:a16="http://schemas.microsoft.com/office/drawing/2014/main" id="{07F556DD-E811-4B23-9D66-FB5B03C42A0D}"/>
               </a:ext>
             </a:extLst>
           </p:cNvPr>
@@ -20133,12 +20643,30 @@
   <p:clrMapOvr>
     <a:masterClrMapping/>
   </p:clrMapOvr>
+  <p:timing>
+    <p:tnLst>
+      <p:par>
+        <p:cTn id="1" dur="indefinite" restart="never" nodeType="tmRoot"/>
+      </p:par>
+    </p:tnLst>
+  </p:timing>
 </p:sld>
 </file>
 
 <file path=ppt/slides/slide40.xml><?xml version="1.0" encoding="utf-8"?>
 <p:sld xmlns:a="http://schemas.openxmlformats.org/drawingml/2006/main" xmlns:r="http://schemas.openxmlformats.org/officeDocument/2006/relationships" xmlns:p="http://schemas.openxmlformats.org/presentationml/2006/main">
   <p:cSld>
+    <p:bg>
+      <p:bgPr>
+        <a:solidFill>
+          <a:schemeClr val="bg1">
+            <a:lumMod val="85000"/>
+            <a:lumOff val="15000"/>
+          </a:schemeClr>
+        </a:solidFill>
+        <a:effectLst/>
+      </p:bgPr>
+    </p:bg>
     <p:spTree>
       <p:nvGrpSpPr>
         <p:cNvPr id="1" name=""/>
@@ -20158,7 +20686,7 @@
           <p:cNvPr id="2" name="标题 1">
             <a:extLst>
               <a:ext uri="{FF2B5EF4-FFF2-40B4-BE49-F238E27FC236}">
-                <a16:creationId xmlns:a16="http://schemas.microsoft.com/office/drawing/2014/main" xmlns="" id="{A938CF80-F668-4B65-B009-F9F86A52F090}"/>
+                <a16:creationId xmlns="" xmlns:a16="http://schemas.microsoft.com/office/drawing/2014/main" id="{A938CF80-F668-4B65-B009-F9F86A52F090}"/>
               </a:ext>
             </a:extLst>
           </p:cNvPr>
@@ -20186,7 +20714,7 @@
               <a:rPr lang="zh-CN" altLang="en-US" sz="4000" dirty="0" smtClean="0">
                 <a:effectLst/>
               </a:rPr>
-              <a:t>指定栅格项目的栅格区域</a:t>
+              <a:t>栅格项目单独的对齐方式</a:t>
             </a:r>
             <a:endParaRPr lang="zh-CN" altLang="en-US" sz="4800" dirty="0"/>
           </a:p>
@@ -20197,7 +20725,7 @@
           <p:cNvPr id="4" name="文本框 3">
             <a:extLst>
               <a:ext uri="{FF2B5EF4-FFF2-40B4-BE49-F238E27FC236}">
-                <a16:creationId xmlns:a16="http://schemas.microsoft.com/office/drawing/2014/main" xmlns="" id="{21022717-DEE6-4DFE-BEFC-C21B40A54266}"/>
+                <a16:creationId xmlns="" xmlns:a16="http://schemas.microsoft.com/office/drawing/2014/main" id="{21022717-DEE6-4DFE-BEFC-C21B40A54266}"/>
               </a:ext>
             </a:extLst>
           </p:cNvPr>
@@ -20207,7 +20735,7 @@
         <p:spPr>
           <a:xfrm>
             <a:off x="501994" y="2098964"/>
-            <a:ext cx="11184835" cy="3108543"/>
+            <a:ext cx="11184835" cy="4401205"/>
           </a:xfrm>
           <a:prstGeom prst="rect">
             <a:avLst/>
@@ -20222,49 +20750,98 @@
           <a:p>
             <a:r>
               <a:rPr lang="en-US" altLang="zh-CN" sz="2800" dirty="0" smtClean="0"/>
-              <a:t>grid-column-start</a:t>
+              <a:t>justify-self</a:t>
+            </a:r>
+            <a:r>
+              <a:rPr lang="zh-CN" altLang="en-US" sz="2800" dirty="0" smtClean="0"/>
+              <a:t> 栅格项目在列轴的对齐方式</a:t>
+            </a:r>
+            <a:endParaRPr lang="en-US" altLang="zh-CN" sz="2800" dirty="0" smtClean="0"/>
+          </a:p>
+          <a:p>
+            <a:r>
+              <a:rPr lang="en-US" altLang="zh-CN" sz="2800" dirty="0" smtClean="0"/>
+              <a:t>align-self</a:t>
+            </a:r>
+            <a:r>
+              <a:rPr lang="zh-CN" altLang="en-US" sz="2800" dirty="0" smtClean="0"/>
+              <a:t>  栅格项目在行轴的对齐方式</a:t>
+            </a:r>
+            <a:endParaRPr lang="en-US" altLang="zh-CN" sz="2800" dirty="0" smtClean="0"/>
+          </a:p>
+          <a:p>
+            <a:endParaRPr lang="en-US" altLang="zh-CN" sz="2800" dirty="0"/>
+          </a:p>
+          <a:p>
+            <a:r>
+              <a:rPr lang="en-US" altLang="zh-CN" sz="2800" dirty="0"/>
+              <a:t>start </a:t>
+            </a:r>
+            <a:endParaRPr lang="en-US" altLang="zh-CN" sz="2800" dirty="0" smtClean="0"/>
+          </a:p>
+          <a:p>
+            <a:r>
+              <a:rPr lang="en-US" altLang="zh-CN" sz="2800" dirty="0" smtClean="0"/>
+              <a:t>end</a:t>
             </a:r>
             <a:r>
               <a:rPr lang="en-US" altLang="zh-CN" sz="2800" dirty="0"/>
               <a:t> </a:t>
             </a:r>
+            <a:endParaRPr lang="en-US" altLang="zh-CN" sz="2800" dirty="0" smtClean="0"/>
+          </a:p>
+          <a:p>
+            <a:r>
+              <a:rPr lang="en-US" altLang="zh-CN" sz="2800" dirty="0" smtClean="0"/>
+              <a:t>center</a:t>
+            </a:r>
+            <a:r>
+              <a:rPr lang="en-US" altLang="zh-CN" sz="2800" dirty="0"/>
+              <a:t> </a:t>
+            </a:r>
+            <a:endParaRPr lang="en-US" altLang="zh-CN" sz="2800" dirty="0" smtClean="0"/>
+          </a:p>
+          <a:p>
+            <a:r>
+              <a:rPr lang="en-US" altLang="zh-CN" sz="2800" dirty="0" smtClean="0"/>
+              <a:t>stretch</a:t>
+            </a:r>
+            <a:r>
+              <a:rPr lang="en-US" altLang="zh-CN" sz="2800" dirty="0"/>
+              <a:t> </a:t>
+            </a:r>
+          </a:p>
+          <a:p>
+            <a:endParaRPr lang="en-US" altLang="zh-CN" sz="2800" dirty="0" smtClean="0"/>
+          </a:p>
+          <a:p>
+            <a:r>
+              <a:rPr lang="zh-CN" altLang="en-US" sz="2800" dirty="0" smtClean="0"/>
+              <a:t>与栅格容器的</a:t>
+            </a:r>
+            <a:r>
+              <a:rPr lang="en-US" altLang="zh-CN" sz="2800" dirty="0" smtClean="0"/>
+              <a:t>justify-items</a:t>
+            </a:r>
+            <a:r>
+              <a:rPr lang="zh-CN" altLang="en-US" sz="2800" dirty="0" smtClean="0"/>
+              <a:t>和</a:t>
+            </a:r>
+            <a:r>
+              <a:rPr lang="en-US" altLang="zh-CN" sz="2800" dirty="0" smtClean="0"/>
+              <a:t>align-items</a:t>
+            </a:r>
+            <a:r>
+              <a:rPr lang="zh-CN" altLang="en-US" sz="2800" dirty="0" smtClean="0"/>
+              <a:t>相同</a:t>
+            </a:r>
+            <a:r>
+              <a:rPr lang="zh-CN" altLang="en-US" sz="2800" dirty="0"/>
+              <a:t/>
+            </a:r>
             <a:br>
-              <a:rPr lang="en-US" altLang="zh-CN" sz="2800" dirty="0"/>
+              <a:rPr lang="zh-CN" altLang="en-US" sz="2800" dirty="0"/>
             </a:br>
-            <a:r>
-              <a:rPr lang="en-US" altLang="zh-CN" sz="2800" dirty="0"/>
-              <a:t>grid-column-end </a:t>
-            </a:r>
-            <a:br>
-              <a:rPr lang="en-US" altLang="zh-CN" sz="2800" dirty="0"/>
-            </a:br>
-            <a:r>
-              <a:rPr lang="en-US" altLang="zh-CN" sz="2800" dirty="0"/>
-              <a:t>grid-row-start </a:t>
-            </a:r>
-            <a:br>
-              <a:rPr lang="en-US" altLang="zh-CN" sz="2800" dirty="0"/>
-            </a:br>
-            <a:r>
-              <a:rPr lang="en-US" altLang="zh-CN" sz="2800" dirty="0"/>
-              <a:t>grid-row-end</a:t>
-            </a:r>
-          </a:p>
-          <a:p>
-            <a:endParaRPr lang="en-US" altLang="zh-CN" sz="2800" dirty="0" smtClean="0"/>
-          </a:p>
-          <a:p>
-            <a:r>
-              <a:rPr lang="zh-CN" altLang="en-US" sz="2800" dirty="0" smtClean="0"/>
-              <a:t>以上四个属性分别代表栅格区域的 列栅格线和行栅格线的</a:t>
-            </a:r>
-            <a:r>
-              <a:rPr lang="zh-CN" altLang="en-US" sz="2800" smtClean="0"/>
-              <a:t>起点和终点</a:t>
-            </a:r>
-            <a:endParaRPr lang="en-US" altLang="zh-CN" sz="2800" dirty="0" smtClean="0"/>
-          </a:p>
-          <a:p>
             <a:endParaRPr lang="en-US" altLang="zh-CN" sz="2800" dirty="0"/>
           </a:p>
         </p:txBody>
@@ -20272,13 +20849,20 @@
     </p:spTree>
     <p:extLst>
       <p:ext uri="{BB962C8B-B14F-4D97-AF65-F5344CB8AC3E}">
-        <p14:creationId xmlns:p14="http://schemas.microsoft.com/office/powerpoint/2010/main" val="690275990"/>
+        <p14:creationId xmlns:p14="http://schemas.microsoft.com/office/powerpoint/2010/main" val="1552125458"/>
       </p:ext>
     </p:extLst>
   </p:cSld>
   <p:clrMapOvr>
     <a:masterClrMapping/>
   </p:clrMapOvr>
+  <p:timing>
+    <p:tnLst>
+      <p:par>
+        <p:cTn id="1" dur="indefinite" restart="never" nodeType="tmRoot"/>
+      </p:par>
+    </p:tnLst>
+  </p:timing>
 </p:sld>
 </file>
 
@@ -20315,7 +20899,7 @@
           <p:cNvPr id="2" name="标题 1">
             <a:extLst>
               <a:ext uri="{FF2B5EF4-FFF2-40B4-BE49-F238E27FC236}">
-                <a16:creationId xmlns:a16="http://schemas.microsoft.com/office/drawing/2014/main" xmlns="" id="{2561351D-6D5D-4341-8BC5-5D1FDEFB437F}"/>
+                <a16:creationId xmlns="" xmlns:a16="http://schemas.microsoft.com/office/drawing/2014/main" id="{2561351D-6D5D-4341-8BC5-5D1FDEFB437F}"/>
               </a:ext>
             </a:extLst>
           </p:cNvPr>
@@ -20357,6 +20941,13 @@
   <p:clrMapOvr>
     <a:masterClrMapping/>
   </p:clrMapOvr>
+  <p:timing>
+    <p:tnLst>
+      <p:par>
+        <p:cTn id="1" dur="indefinite" restart="never" nodeType="tmRoot"/>
+      </p:par>
+    </p:tnLst>
+  </p:timing>
 </p:sld>
 </file>
 
@@ -20393,7 +20984,7 @@
           <p:cNvPr id="4" name="内容占位符 3">
             <a:extLst>
               <a:ext uri="{FF2B5EF4-FFF2-40B4-BE49-F238E27FC236}">
-                <a16:creationId xmlns:a16="http://schemas.microsoft.com/office/drawing/2014/main" xmlns="" id="{B1D1394A-5A04-4824-B49A-568B8708CF1E}"/>
+                <a16:creationId xmlns="" xmlns:a16="http://schemas.microsoft.com/office/drawing/2014/main" id="{B1D1394A-5A04-4824-B49A-568B8708CF1E}"/>
               </a:ext>
             </a:extLst>
           </p:cNvPr>
@@ -20425,7 +21016,7 @@
           <p:cNvPr id="5" name="图片 4">
             <a:extLst>
               <a:ext uri="{FF2B5EF4-FFF2-40B4-BE49-F238E27FC236}">
-                <a16:creationId xmlns:a16="http://schemas.microsoft.com/office/drawing/2014/main" xmlns="" id="{58E3EA67-027F-46F2-B9C7-677369057EDA}"/>
+                <a16:creationId xmlns="" xmlns:a16="http://schemas.microsoft.com/office/drawing/2014/main" id="{58E3EA67-027F-46F2-B9C7-677369057EDA}"/>
               </a:ext>
             </a:extLst>
           </p:cNvPr>
@@ -20455,7 +21046,7 @@
           <p:cNvPr id="6" name="文本框 5">
             <a:extLst>
               <a:ext uri="{FF2B5EF4-FFF2-40B4-BE49-F238E27FC236}">
-                <a16:creationId xmlns:a16="http://schemas.microsoft.com/office/drawing/2014/main" xmlns="" id="{31D4119D-E39F-4963-9DED-E090160E6F69}"/>
+                <a16:creationId xmlns="" xmlns:a16="http://schemas.microsoft.com/office/drawing/2014/main" id="{31D4119D-E39F-4963-9DED-E090160E6F69}"/>
               </a:ext>
             </a:extLst>
           </p:cNvPr>
@@ -20496,6 +21087,13 @@
   <p:clrMapOvr>
     <a:masterClrMapping/>
   </p:clrMapOvr>
+  <p:timing>
+    <p:tnLst>
+      <p:par>
+        <p:cTn id="1" dur="indefinite" restart="never" nodeType="tmRoot"/>
+      </p:par>
+    </p:tnLst>
+  </p:timing>
 </p:sld>
 </file>
 
@@ -20593,6 +21191,13 @@
   <p:clrMapOvr>
     <a:masterClrMapping/>
   </p:clrMapOvr>
+  <p:timing>
+    <p:tnLst>
+      <p:par>
+        <p:cTn id="1" dur="indefinite" restart="never" nodeType="tmRoot"/>
+      </p:par>
+    </p:tnLst>
+  </p:timing>
 </p:sld>
 </file>
 
@@ -20629,7 +21234,7 @@
           <p:cNvPr id="2" name="标题 1">
             <a:extLst>
               <a:ext uri="{FF2B5EF4-FFF2-40B4-BE49-F238E27FC236}">
-                <a16:creationId xmlns:a16="http://schemas.microsoft.com/office/drawing/2014/main" xmlns="" id="{43B19053-8120-48B4-93E8-124D959FAC7C}"/>
+                <a16:creationId xmlns="" xmlns:a16="http://schemas.microsoft.com/office/drawing/2014/main" id="{43B19053-8120-48B4-93E8-124D959FAC7C}"/>
               </a:ext>
             </a:extLst>
           </p:cNvPr>
@@ -20691,6 +21296,13 @@
   <p:clrMapOvr>
     <a:masterClrMapping/>
   </p:clrMapOvr>
+  <p:timing>
+    <p:tnLst>
+      <p:par>
+        <p:cTn id="1" dur="indefinite" restart="never" nodeType="tmRoot"/>
+      </p:par>
+    </p:tnLst>
+  </p:timing>
 </p:sld>
 </file>
 
@@ -20727,7 +21339,7 @@
           <p:cNvPr id="2" name="标题 1">
             <a:extLst>
               <a:ext uri="{FF2B5EF4-FFF2-40B4-BE49-F238E27FC236}">
-                <a16:creationId xmlns:a16="http://schemas.microsoft.com/office/drawing/2014/main" xmlns="" id="{8FC3F6F2-B4D0-4A5C-9A8B-A53E071F436D}"/>
+                <a16:creationId xmlns="" xmlns:a16="http://schemas.microsoft.com/office/drawing/2014/main" id="{8FC3F6F2-B4D0-4A5C-9A8B-A53E071F436D}"/>
               </a:ext>
             </a:extLst>
           </p:cNvPr>
@@ -20763,7 +21375,7 @@
           <p:cNvPr id="7" name="文本框 6">
             <a:extLst>
               <a:ext uri="{FF2B5EF4-FFF2-40B4-BE49-F238E27FC236}">
-                <a16:creationId xmlns:a16="http://schemas.microsoft.com/office/drawing/2014/main" xmlns="" id="{2C276D97-CCCB-476C-81CE-B4294E655EFC}"/>
+                <a16:creationId xmlns="" xmlns:a16="http://schemas.microsoft.com/office/drawing/2014/main" id="{2C276D97-CCCB-476C-81CE-B4294E655EFC}"/>
               </a:ext>
             </a:extLst>
           </p:cNvPr>
@@ -20849,6 +21461,13 @@
   <p:clrMapOvr>
     <a:masterClrMapping/>
   </p:clrMapOvr>
+  <p:timing>
+    <p:tnLst>
+      <p:par>
+        <p:cTn id="1" dur="indefinite" restart="never" nodeType="tmRoot"/>
+      </p:par>
+    </p:tnLst>
+  </p:timing>
 </p:sld>
 </file>
 
@@ -20885,7 +21504,7 @@
           <p:cNvPr id="2" name="标题 1">
             <a:extLst>
               <a:ext uri="{FF2B5EF4-FFF2-40B4-BE49-F238E27FC236}">
-                <a16:creationId xmlns:a16="http://schemas.microsoft.com/office/drawing/2014/main" xmlns="" id="{A938CF80-F668-4B65-B009-F9F86A52F090}"/>
+                <a16:creationId xmlns="" xmlns:a16="http://schemas.microsoft.com/office/drawing/2014/main" id="{A938CF80-F668-4B65-B009-F9F86A52F090}"/>
               </a:ext>
             </a:extLst>
           </p:cNvPr>
@@ -20919,7 +21538,7 @@
           <p:cNvPr id="4" name="文本框 3">
             <a:extLst>
               <a:ext uri="{FF2B5EF4-FFF2-40B4-BE49-F238E27FC236}">
-                <a16:creationId xmlns:a16="http://schemas.microsoft.com/office/drawing/2014/main" xmlns="" id="{21022717-DEE6-4DFE-BEFC-C21B40A54266}"/>
+                <a16:creationId xmlns="" xmlns:a16="http://schemas.microsoft.com/office/drawing/2014/main" id="{21022717-DEE6-4DFE-BEFC-C21B40A54266}"/>
               </a:ext>
             </a:extLst>
           </p:cNvPr>
@@ -20999,6 +21618,13 @@
   <p:clrMapOvr>
     <a:masterClrMapping/>
   </p:clrMapOvr>
+  <p:timing>
+    <p:tnLst>
+      <p:par>
+        <p:cTn id="1" dur="indefinite" restart="never" nodeType="tmRoot"/>
+      </p:par>
+    </p:tnLst>
+  </p:timing>
 </p:sld>
 </file>
 

--- a/ppt/CSS Flex&Grid.pptx
+++ b/ppt/CSS Flex&Grid.pptx
@@ -5,7 +5,7 @@
     <p:sldMasterId id="2147483648" r:id="rId1"/>
   </p:sldMasterIdLst>
   <p:notesMasterIdLst>
-    <p:notesMasterId r:id="rId43"/>
+    <p:notesMasterId r:id="rId44"/>
   </p:notesMasterIdLst>
   <p:sldIdLst>
     <p:sldId id="256" r:id="rId2"/>
@@ -49,6 +49,7 @@
     <p:sldId id="301" r:id="rId40"/>
     <p:sldId id="302" r:id="rId41"/>
     <p:sldId id="263" r:id="rId42"/>
+    <p:sldId id="303" r:id="rId43"/>
   </p:sldIdLst>
   <p:sldSz cx="12192000" cy="6858000"/>
   <p:notesSz cx="6858000" cy="9144000"/>
@@ -20912,6 +20913,317 @@
         </p:nvSpPr>
         <p:spPr>
           <a:xfrm>
+            <a:off x="1046042" y="344117"/>
+            <a:ext cx="9905998" cy="1905000"/>
+          </a:xfrm>
+        </p:spPr>
+        <p:txBody>
+          <a:bodyPr>
+            <a:normAutofit/>
+          </a:bodyPr>
+          <a:lstStyle/>
+          <a:p>
+            <a:pPr algn="ctr"/>
+            <a:r>
+              <a:rPr lang="zh-CN" altLang="en-US" sz="4000" smtClean="0"/>
+              <a:t>参考材料</a:t>
+            </a:r>
+            <a:endParaRPr lang="zh-CN" altLang="en-US" sz="4000" dirty="0"/>
+          </a:p>
+        </p:txBody>
+      </p:sp>
+      <p:sp>
+        <p:nvSpPr>
+          <p:cNvPr id="3" name="文本框 2">
+            <a:extLst>
+              <a:ext uri="{FF2B5EF4-FFF2-40B4-BE49-F238E27FC236}">
+                <a16:creationId xmlns="" xmlns:a16="http://schemas.microsoft.com/office/drawing/2014/main" id="{21022717-DEE6-4DFE-BEFC-C21B40A54266}"/>
+              </a:ext>
+            </a:extLst>
+          </p:cNvPr>
+          <p:cNvSpPr txBox="1"/>
+          <p:nvPr/>
+        </p:nvSpPr>
+        <p:spPr>
+          <a:xfrm>
+            <a:off x="406623" y="2053809"/>
+            <a:ext cx="11184835" cy="3970318"/>
+          </a:xfrm>
+          <a:prstGeom prst="rect">
+            <a:avLst/>
+          </a:prstGeom>
+          <a:noFill/>
+        </p:spPr>
+        <p:txBody>
+          <a:bodyPr wrap="square" rtlCol="0">
+            <a:spAutoFit/>
+          </a:bodyPr>
+          <a:lstStyle/>
+          <a:p>
+            <a:r>
+              <a:rPr lang="zh-CN" altLang="en-US" dirty="0"/>
+              <a:t>阮一峰的网络</a:t>
+            </a:r>
+            <a:r>
+              <a:rPr lang="zh-CN" altLang="en-US" dirty="0" smtClean="0"/>
+              <a:t>日志 </a:t>
+            </a:r>
+            <a:endParaRPr lang="en-US" altLang="zh-CN" dirty="0" smtClean="0"/>
+          </a:p>
+          <a:p>
+            <a:r>
+              <a:rPr lang="en-US" altLang="zh-CN" dirty="0" smtClean="0">
+                <a:hlinkClick r:id="rId2"/>
+              </a:rPr>
+              <a:t>http</a:t>
+            </a:r>
+            <a:r>
+              <a:rPr lang="en-US" altLang="zh-CN" dirty="0">
+                <a:hlinkClick r:id="rId2"/>
+              </a:rPr>
+              <a:t>://</a:t>
+            </a:r>
+            <a:r>
+              <a:rPr lang="en-US" altLang="zh-CN" dirty="0" smtClean="0">
+                <a:hlinkClick r:id="rId2"/>
+              </a:rPr>
+              <a:t>www.ruanyifeng.com/blog/2015/07/flex-grammar.html</a:t>
+            </a:r>
+            <a:endParaRPr lang="en-US" altLang="zh-CN" dirty="0" smtClean="0"/>
+          </a:p>
+          <a:p>
+            <a:endParaRPr lang="en-US" altLang="zh-CN" dirty="0" smtClean="0"/>
+          </a:p>
+          <a:p>
+            <a:r>
+              <a:rPr lang="en-US" altLang="zh-CN" dirty="0" err="1" smtClean="0"/>
+              <a:t>Shanyue</a:t>
+            </a:r>
+            <a:r>
+              <a:rPr lang="zh-CN" altLang="en-US" dirty="0" smtClean="0"/>
+              <a:t>的</a:t>
+            </a:r>
+            <a:r>
+              <a:rPr lang="en-US" altLang="zh-CN" dirty="0"/>
+              <a:t>[</a:t>
+            </a:r>
+            <a:r>
+              <a:rPr lang="zh-CN" altLang="en-US" dirty="0"/>
+              <a:t>译</a:t>
+            </a:r>
+            <a:r>
+              <a:rPr lang="en-US" altLang="zh-CN" dirty="0"/>
+              <a:t>] Grid </a:t>
+            </a:r>
+            <a:r>
+              <a:rPr lang="zh-CN" altLang="en-US" dirty="0"/>
+              <a:t>布局完全</a:t>
+            </a:r>
+            <a:r>
+              <a:rPr lang="zh-CN" altLang="en-US" dirty="0" smtClean="0"/>
+              <a:t>指南</a:t>
+            </a:r>
+            <a:endParaRPr lang="en-US" altLang="zh-CN" dirty="0" smtClean="0"/>
+          </a:p>
+          <a:p>
+            <a:r>
+              <a:rPr lang="en-US" altLang="zh-CN" dirty="0" smtClean="0">
+                <a:hlinkClick r:id="rId3"/>
+              </a:rPr>
+              <a:t>https</a:t>
+            </a:r>
+            <a:r>
+              <a:rPr lang="en-US" altLang="zh-CN" dirty="0">
+                <a:hlinkClick r:id="rId3"/>
+              </a:rPr>
+              <a:t>://</a:t>
+            </a:r>
+            <a:r>
+              <a:rPr lang="en-US" altLang="zh-CN" dirty="0" smtClean="0">
+                <a:hlinkClick r:id="rId3"/>
+              </a:rPr>
+              <a:t>segmentfault.com/a/1190000008299555</a:t>
+            </a:r>
+            <a:endParaRPr lang="en-US" altLang="zh-CN" dirty="0" smtClean="0"/>
+          </a:p>
+          <a:p>
+            <a:endParaRPr lang="en-US" altLang="zh-CN" dirty="0" smtClean="0"/>
+          </a:p>
+          <a:p>
+            <a:r>
+              <a:rPr lang="en-US" altLang="zh-CN" dirty="0" smtClean="0"/>
+              <a:t>&lt;&lt;A </a:t>
+            </a:r>
+            <a:r>
+              <a:rPr lang="en-US" altLang="zh-CN" dirty="0"/>
+              <a:t>Complete Guide to </a:t>
+            </a:r>
+            <a:r>
+              <a:rPr lang="en-US" altLang="zh-CN" dirty="0" smtClean="0"/>
+              <a:t>Grid&gt;&gt;  </a:t>
+            </a:r>
+            <a:r>
+              <a:rPr lang="en-US" altLang="zh-CN" cap="all" dirty="0"/>
+              <a:t>BY </a:t>
+            </a:r>
+            <a:r>
+              <a:rPr lang="en-US" altLang="zh-CN" b="1" cap="all" dirty="0">
+                <a:hlinkClick r:id="rId4"/>
+              </a:rPr>
+              <a:t>CHRIS HOUSE </a:t>
+            </a:r>
+            <a:r>
+              <a:rPr lang="en-US" altLang="zh-CN" cap="all" dirty="0"/>
+              <a:t>LAST UPDATED ON </a:t>
+            </a:r>
+            <a:r>
+              <a:rPr lang="en-US" altLang="zh-CN" dirty="0"/>
+              <a:t>SEPTEMBER 13, </a:t>
+            </a:r>
+            <a:r>
+              <a:rPr lang="en-US" altLang="zh-CN" dirty="0" smtClean="0"/>
+              <a:t>2017</a:t>
+            </a:r>
+          </a:p>
+          <a:p>
+            <a:r>
+              <a:rPr lang="en-US" altLang="zh-CN" dirty="0">
+                <a:hlinkClick r:id="rId5"/>
+              </a:rPr>
+              <a:t>https://css-tricks.com/snippets/css/complete-guide-grid</a:t>
+            </a:r>
+            <a:r>
+              <a:rPr lang="en-US" altLang="zh-CN" dirty="0" smtClean="0">
+                <a:hlinkClick r:id="rId5"/>
+              </a:rPr>
+              <a:t>/</a:t>
+            </a:r>
+            <a:endParaRPr lang="en-US" altLang="zh-CN" dirty="0" smtClean="0"/>
+          </a:p>
+          <a:p>
+            <a:endParaRPr lang="en-US" altLang="zh-CN" dirty="0" smtClean="0"/>
+          </a:p>
+          <a:p>
+            <a:r>
+              <a:rPr lang="en-US" altLang="zh-CN" dirty="0" smtClean="0"/>
+              <a:t>&lt;&lt;A </a:t>
+            </a:r>
+            <a:r>
+              <a:rPr lang="en-US" altLang="zh-CN" dirty="0"/>
+              <a:t>Complete Guide to </a:t>
+            </a:r>
+            <a:r>
+              <a:rPr lang="en-US" altLang="zh-CN" dirty="0" smtClean="0"/>
+              <a:t>Flexbox&gt;&gt;</a:t>
+            </a:r>
+            <a:r>
+              <a:rPr lang="zh-CN" altLang="en-US" dirty="0" smtClean="0"/>
+              <a:t>  </a:t>
+            </a:r>
+            <a:r>
+              <a:rPr lang="de-DE" altLang="zh-CN" cap="all" dirty="0"/>
+              <a:t>BY </a:t>
+            </a:r>
+            <a:r>
+              <a:rPr lang="de-DE" altLang="zh-CN" b="1" cap="all" dirty="0">
+                <a:hlinkClick r:id="rId6"/>
+              </a:rPr>
+              <a:t>CHRIS COYIER </a:t>
+            </a:r>
+            <a:r>
+              <a:rPr lang="de-DE" altLang="zh-CN" cap="all" dirty="0"/>
+              <a:t>LAST UPDATED ON </a:t>
+            </a:r>
+            <a:r>
+              <a:rPr lang="de-DE" altLang="zh-CN" dirty="0"/>
+              <a:t>SEPTEMBER 28, </a:t>
+            </a:r>
+            <a:r>
+              <a:rPr lang="de-DE" altLang="zh-CN" dirty="0" smtClean="0"/>
+              <a:t>2017</a:t>
+            </a:r>
+          </a:p>
+          <a:p>
+            <a:r>
+              <a:rPr lang="de-DE" altLang="zh-CN" dirty="0">
+                <a:hlinkClick r:id="rId7"/>
+              </a:rPr>
+              <a:t>https://css-tricks.com/snippets/css/a-guide-to-flexbox</a:t>
+            </a:r>
+            <a:r>
+              <a:rPr lang="de-DE" altLang="zh-CN" dirty="0" smtClean="0">
+                <a:hlinkClick r:id="rId7"/>
+              </a:rPr>
+              <a:t>/</a:t>
+            </a:r>
+            <a:endParaRPr lang="de-DE" altLang="zh-CN" dirty="0" smtClean="0"/>
+          </a:p>
+          <a:p>
+            <a:endParaRPr lang="en-US" altLang="zh-CN" dirty="0" smtClean="0"/>
+          </a:p>
+          <a:p>
+            <a:endParaRPr lang="en-US" altLang="zh-CN" dirty="0"/>
+          </a:p>
+          <a:p>
+            <a:endParaRPr lang="en-US" altLang="zh-CN" dirty="0"/>
+          </a:p>
+        </p:txBody>
+      </p:sp>
+    </p:spTree>
+    <p:extLst>
+      <p:ext uri="{BB962C8B-B14F-4D97-AF65-F5344CB8AC3E}">
+        <p14:creationId xmlns:p14="http://schemas.microsoft.com/office/powerpoint/2010/main" val="3326483088"/>
+      </p:ext>
+    </p:extLst>
+  </p:cSld>
+  <p:clrMapOvr>
+    <a:masterClrMapping/>
+  </p:clrMapOvr>
+  <p:timing>
+    <p:tnLst>
+      <p:par>
+        <p:cTn id="1" dur="indefinite" restart="never" nodeType="tmRoot"/>
+      </p:par>
+    </p:tnLst>
+  </p:timing>
+</p:sld>
+</file>
+
+<file path=ppt/slides/slide42.xml><?xml version="1.0" encoding="utf-8"?>
+<p:sld xmlns:a="http://schemas.openxmlformats.org/drawingml/2006/main" xmlns:r="http://schemas.openxmlformats.org/officeDocument/2006/relationships" xmlns:p="http://schemas.openxmlformats.org/presentationml/2006/main">
+  <p:cSld>
+    <p:spTree>
+      <p:nvGrpSpPr>
+        <p:cNvPr id="1" name=""/>
+        <p:cNvGrpSpPr/>
+        <p:nvPr/>
+      </p:nvGrpSpPr>
+      <p:grpSpPr>
+        <a:xfrm>
+          <a:off x="0" y="0"/>
+          <a:ext cx="0" cy="0"/>
+          <a:chOff x="0" y="0"/>
+          <a:chExt cx="0" cy="0"/>
+        </a:xfrm>
+      </p:grpSpPr>
+      <p:sp>
+        <p:nvSpPr>
+          <p:cNvPr id="2" name="标题 1">
+            <a:extLst>
+              <a:ext uri="{FF2B5EF4-FFF2-40B4-BE49-F238E27FC236}">
+                <a16:creationId xmlns="" xmlns:a16="http://schemas.microsoft.com/office/drawing/2014/main" id="{2561351D-6D5D-4341-8BC5-5D1FDEFB437F}"/>
+              </a:ext>
+            </a:extLst>
+          </p:cNvPr>
+          <p:cNvSpPr>
+            <a:spLocks noGrp="1"/>
+          </p:cNvSpPr>
+          <p:nvPr>
+            <p:ph type="title"/>
+          </p:nvPr>
+        </p:nvSpPr>
+        <p:spPr>
+          <a:xfrm>
             <a:off x="1057330" y="2364828"/>
             <a:ext cx="9905998" cy="1905000"/>
           </a:xfrm>
@@ -20934,7 +21246,7 @@
     </p:spTree>
     <p:extLst>
       <p:ext uri="{BB962C8B-B14F-4D97-AF65-F5344CB8AC3E}">
-        <p14:creationId xmlns:p14="http://schemas.microsoft.com/office/powerpoint/2010/main" val="3326483088"/>
+        <p14:creationId xmlns:p14="http://schemas.microsoft.com/office/powerpoint/2010/main" val="1255243057"/>
       </p:ext>
     </p:extLst>
   </p:cSld>
